--- a/Prezentacja na obronę.pptx
+++ b/Prezentacja na obronę.pptx
@@ -5,7 +5,7 @@
     <p:sldMasterId id="2147483690" r:id="rId1"/>
   </p:sldMasterIdLst>
   <p:notesMasterIdLst>
-    <p:notesMasterId r:id="rId25"/>
+    <p:notesMasterId r:id="rId24"/>
   </p:notesMasterIdLst>
   <p:sldIdLst>
     <p:sldId id="256" r:id="rId2"/>
@@ -18,19 +18,18 @@
     <p:sldId id="259" r:id="rId9"/>
     <p:sldId id="275" r:id="rId10"/>
     <p:sldId id="280" r:id="rId11"/>
-    <p:sldId id="274" r:id="rId12"/>
-    <p:sldId id="281" r:id="rId13"/>
-    <p:sldId id="257" r:id="rId14"/>
-    <p:sldId id="261" r:id="rId15"/>
-    <p:sldId id="260" r:id="rId16"/>
-    <p:sldId id="262" r:id="rId17"/>
-    <p:sldId id="265" r:id="rId18"/>
-    <p:sldId id="266" r:id="rId19"/>
-    <p:sldId id="267" r:id="rId20"/>
-    <p:sldId id="268" r:id="rId21"/>
-    <p:sldId id="270" r:id="rId22"/>
-    <p:sldId id="269" r:id="rId23"/>
-    <p:sldId id="271" r:id="rId24"/>
+    <p:sldId id="257" r:id="rId12"/>
+    <p:sldId id="261" r:id="rId13"/>
+    <p:sldId id="274" r:id="rId14"/>
+    <p:sldId id="260" r:id="rId15"/>
+    <p:sldId id="262" r:id="rId16"/>
+    <p:sldId id="265" r:id="rId17"/>
+    <p:sldId id="266" r:id="rId18"/>
+    <p:sldId id="267" r:id="rId19"/>
+    <p:sldId id="268" r:id="rId20"/>
+    <p:sldId id="270" r:id="rId21"/>
+    <p:sldId id="269" r:id="rId22"/>
+    <p:sldId id="271" r:id="rId23"/>
   </p:sldIdLst>
   <p:sldSz cx="12192000" cy="6858000"/>
   <p:notesSz cx="6858000" cy="9144000"/>
@@ -3928,6 +3927,13 @@
         </dgm:presLayoutVars>
       </dgm:prSet>
       <dgm:spPr/>
+      <dgm:t>
+        <a:bodyPr/>
+        <a:lstStyle/>
+        <a:p>
+          <a:endParaRPr lang="pl-PL"/>
+        </a:p>
+      </dgm:t>
     </dgm:pt>
     <dgm:pt modelId="{15AE0860-BD68-4BA9-A2FF-789DF250193A}" type="pres">
       <dgm:prSet presAssocID="{B3E806A1-D6AB-4B18-AB00-BF8D3483C5A4}" presName="compNode" presStyleCnt="0"/>
@@ -3937,13 +3943,13 @@
       <dgm:prSet presAssocID="{B3E806A1-D6AB-4B18-AB00-BF8D3483C5A4}" presName="iconRect" presStyleLbl="node1" presStyleIdx="0" presStyleCnt="6"/>
       <dgm:spPr>
         <a:blipFill>
-          <a:blip xmlns:r="http://schemas.openxmlformats.org/officeDocument/2006/relationships" r:embed="rId1">
+          <a:blip xmlns:r="http://schemas.openxmlformats.org/officeDocument/2006/relationships" r:embed="rId1" cstate="print">
             <a:extLst>
               <a:ext uri="{28A0092B-C50C-407E-A947-70E740481C1C}">
                 <a14:useLocalDpi xmlns:a14="http://schemas.microsoft.com/office/drawing/2010/main" val="0"/>
               </a:ext>
               <a:ext uri="{96DAC541-7B7A-43D3-8B79-37D633B846F1}">
-                <asvg:svgBlip xmlns:asvg="http://schemas.microsoft.com/office/drawing/2016/SVG/main" r:embed="rId2"/>
+                <asvg:svgBlip xmlns:asvg="http://schemas.microsoft.com/office/drawing/2016/SVG/main" xmlns="" r:embed="rId2"/>
               </a:ext>
             </a:extLst>
           </a:blip>
@@ -3955,6 +3961,13 @@
           <a:noFill/>
         </a:ln>
       </dgm:spPr>
+      <dgm:t>
+        <a:bodyPr/>
+        <a:lstStyle/>
+        <a:p>
+          <a:endParaRPr lang="pl-PL"/>
+        </a:p>
+      </dgm:t>
       <dgm:extLst>
         <a:ext uri="{E40237B7-FDA0-4F09-8148-C483321AD2D9}">
           <dgm14:cNvPr xmlns:dgm14="http://schemas.microsoft.com/office/drawing/2010/diagram" id="0" name="" descr="Znacznik wyboru"/>
@@ -3973,6 +3986,13 @@
         </dgm:presLayoutVars>
       </dgm:prSet>
       <dgm:spPr/>
+      <dgm:t>
+        <a:bodyPr/>
+        <a:lstStyle/>
+        <a:p>
+          <a:endParaRPr lang="pl-PL"/>
+        </a:p>
+      </dgm:t>
     </dgm:pt>
     <dgm:pt modelId="{51EDEC68-EFB8-4D2D-87D1-9430DEB4A146}" type="pres">
       <dgm:prSet presAssocID="{7A3E7860-5F97-4F32-AE64-AF09D9AD44E6}" presName="sibTrans" presStyleCnt="0"/>
@@ -3986,13 +4006,13 @@
       <dgm:prSet presAssocID="{15C3B110-D706-4909-87D8-E59F24C6EFC0}" presName="iconRect" presStyleLbl="node1" presStyleIdx="1" presStyleCnt="6"/>
       <dgm:spPr>
         <a:blipFill>
-          <a:blip xmlns:r="http://schemas.openxmlformats.org/officeDocument/2006/relationships" r:embed="rId3">
+          <a:blip xmlns:r="http://schemas.openxmlformats.org/officeDocument/2006/relationships" r:embed="rId3" cstate="print">
             <a:extLst>
               <a:ext uri="{28A0092B-C50C-407E-A947-70E740481C1C}">
                 <a14:useLocalDpi xmlns:a14="http://schemas.microsoft.com/office/drawing/2010/main" val="0"/>
               </a:ext>
               <a:ext uri="{96DAC541-7B7A-43D3-8B79-37D633B846F1}">
-                <asvg:svgBlip xmlns:asvg="http://schemas.microsoft.com/office/drawing/2016/SVG/main" r:embed="rId4"/>
+                <asvg:svgBlip xmlns:asvg="http://schemas.microsoft.com/office/drawing/2016/SVG/main" xmlns="" r:embed="rId4"/>
               </a:ext>
             </a:extLst>
           </a:blip>
@@ -4004,6 +4024,13 @@
           <a:noFill/>
         </a:ln>
       </dgm:spPr>
+      <dgm:t>
+        <a:bodyPr/>
+        <a:lstStyle/>
+        <a:p>
+          <a:endParaRPr lang="pl-PL"/>
+        </a:p>
+      </dgm:t>
       <dgm:extLst>
         <a:ext uri="{E40237B7-FDA0-4F09-8148-C483321AD2D9}">
           <dgm14:cNvPr xmlns:dgm14="http://schemas.microsoft.com/office/drawing/2010/diagram" id="0" name="" descr="Pieniądze"/>
@@ -4022,6 +4049,13 @@
         </dgm:presLayoutVars>
       </dgm:prSet>
       <dgm:spPr/>
+      <dgm:t>
+        <a:bodyPr/>
+        <a:lstStyle/>
+        <a:p>
+          <a:endParaRPr lang="pl-PL"/>
+        </a:p>
+      </dgm:t>
     </dgm:pt>
     <dgm:pt modelId="{5B833C5D-83E5-4A46-B4DD-8502CF89230E}" type="pres">
       <dgm:prSet presAssocID="{3EA5E59A-8B88-452D-B7B7-34174B5C2297}" presName="sibTrans" presStyleCnt="0"/>
@@ -4035,13 +4069,13 @@
       <dgm:prSet presAssocID="{018C7AF2-EBF9-4DB6-892F-997BF518DC6E}" presName="iconRect" presStyleLbl="node1" presStyleIdx="2" presStyleCnt="6"/>
       <dgm:spPr>
         <a:blipFill>
-          <a:blip xmlns:r="http://schemas.openxmlformats.org/officeDocument/2006/relationships" r:embed="rId5">
+          <a:blip xmlns:r="http://schemas.openxmlformats.org/officeDocument/2006/relationships" r:embed="rId5" cstate="print">
             <a:extLst>
               <a:ext uri="{28A0092B-C50C-407E-A947-70E740481C1C}">
                 <a14:useLocalDpi xmlns:a14="http://schemas.microsoft.com/office/drawing/2010/main" val="0"/>
               </a:ext>
               <a:ext uri="{96DAC541-7B7A-43D3-8B79-37D633B846F1}">
-                <asvg:svgBlip xmlns:asvg="http://schemas.microsoft.com/office/drawing/2016/SVG/main" r:embed="rId6"/>
+                <asvg:svgBlip xmlns:asvg="http://schemas.microsoft.com/office/drawing/2016/SVG/main" xmlns="" r:embed="rId6"/>
               </a:ext>
             </a:extLst>
           </a:blip>
@@ -4053,6 +4087,13 @@
           <a:noFill/>
         </a:ln>
       </dgm:spPr>
+      <dgm:t>
+        <a:bodyPr/>
+        <a:lstStyle/>
+        <a:p>
+          <a:endParaRPr lang="pl-PL"/>
+        </a:p>
+      </dgm:t>
       <dgm:extLst>
         <a:ext uri="{E40237B7-FDA0-4F09-8148-C483321AD2D9}">
           <dgm14:cNvPr xmlns:dgm14="http://schemas.microsoft.com/office/drawing/2010/diagram" id="0" name="" descr="Bank"/>
@@ -4071,6 +4112,13 @@
         </dgm:presLayoutVars>
       </dgm:prSet>
       <dgm:spPr/>
+      <dgm:t>
+        <a:bodyPr/>
+        <a:lstStyle/>
+        <a:p>
+          <a:endParaRPr lang="pl-PL"/>
+        </a:p>
+      </dgm:t>
     </dgm:pt>
     <dgm:pt modelId="{5C2D5D6F-434C-42B9-8D64-85E15034DDB1}" type="pres">
       <dgm:prSet presAssocID="{B59D9152-0513-4288-BD48-9CBA9EAEF52F}" presName="sibTrans" presStyleCnt="0"/>
@@ -4084,13 +4132,13 @@
       <dgm:prSet presAssocID="{5686D5EF-5644-4B24-8760-4EDB16903C22}" presName="iconRect" presStyleLbl="node1" presStyleIdx="3" presStyleCnt="6"/>
       <dgm:spPr>
         <a:blipFill>
-          <a:blip xmlns:r="http://schemas.openxmlformats.org/officeDocument/2006/relationships" r:embed="rId7">
+          <a:blip xmlns:r="http://schemas.openxmlformats.org/officeDocument/2006/relationships" r:embed="rId7" cstate="print">
             <a:extLst>
               <a:ext uri="{28A0092B-C50C-407E-A947-70E740481C1C}">
                 <a14:useLocalDpi xmlns:a14="http://schemas.microsoft.com/office/drawing/2010/main" val="0"/>
               </a:ext>
               <a:ext uri="{96DAC541-7B7A-43D3-8B79-37D633B846F1}">
-                <asvg:svgBlip xmlns:asvg="http://schemas.microsoft.com/office/drawing/2016/SVG/main" r:embed="rId8"/>
+                <asvg:svgBlip xmlns:asvg="http://schemas.microsoft.com/office/drawing/2016/SVG/main" xmlns="" r:embed="rId8"/>
               </a:ext>
             </a:extLst>
           </a:blip>
@@ -4102,6 +4150,13 @@
           <a:noFill/>
         </a:ln>
       </dgm:spPr>
+      <dgm:t>
+        <a:bodyPr/>
+        <a:lstStyle/>
+        <a:p>
+          <a:endParaRPr lang="pl-PL"/>
+        </a:p>
+      </dgm:t>
       <dgm:extLst>
         <a:ext uri="{E40237B7-FDA0-4F09-8148-C483321AD2D9}">
           <dgm14:cNvPr xmlns:dgm14="http://schemas.microsoft.com/office/drawing/2010/diagram" id="0" name="" descr="Komputer"/>
@@ -4120,6 +4175,13 @@
         </dgm:presLayoutVars>
       </dgm:prSet>
       <dgm:spPr/>
+      <dgm:t>
+        <a:bodyPr/>
+        <a:lstStyle/>
+        <a:p>
+          <a:endParaRPr lang="pl-PL"/>
+        </a:p>
+      </dgm:t>
     </dgm:pt>
     <dgm:pt modelId="{03892444-9A5C-42B6-AAD9-BE04889459A4}" type="pres">
       <dgm:prSet presAssocID="{BCBB0458-5DDF-445D-A2E3-E1ECC8AA3F29}" presName="sibTrans" presStyleCnt="0"/>
@@ -4133,13 +4195,13 @@
       <dgm:prSet presAssocID="{32EF2D20-5157-4045-BF2A-1437BE29DA49}" presName="iconRect" presStyleLbl="node1" presStyleIdx="4" presStyleCnt="6"/>
       <dgm:spPr>
         <a:blipFill>
-          <a:blip xmlns:r="http://schemas.openxmlformats.org/officeDocument/2006/relationships" r:embed="rId9">
+          <a:blip xmlns:r="http://schemas.openxmlformats.org/officeDocument/2006/relationships" r:embed="rId9" cstate="print">
             <a:extLst>
               <a:ext uri="{28A0092B-C50C-407E-A947-70E740481C1C}">
                 <a14:useLocalDpi xmlns:a14="http://schemas.microsoft.com/office/drawing/2010/main" val="0"/>
               </a:ext>
               <a:ext uri="{96DAC541-7B7A-43D3-8B79-37D633B846F1}">
-                <asvg:svgBlip xmlns:asvg="http://schemas.microsoft.com/office/drawing/2016/SVG/main" r:embed="rId10"/>
+                <asvg:svgBlip xmlns:asvg="http://schemas.microsoft.com/office/drawing/2016/SVG/main" xmlns="" r:embed="rId10"/>
               </a:ext>
             </a:extLst>
           </a:blip>
@@ -4151,6 +4213,13 @@
           <a:noFill/>
         </a:ln>
       </dgm:spPr>
+      <dgm:t>
+        <a:bodyPr/>
+        <a:lstStyle/>
+        <a:p>
+          <a:endParaRPr lang="pl-PL"/>
+        </a:p>
+      </dgm:t>
       <dgm:extLst>
         <a:ext uri="{E40237B7-FDA0-4F09-8148-C483321AD2D9}">
           <dgm14:cNvPr xmlns:dgm14="http://schemas.microsoft.com/office/drawing/2010/diagram" id="0" name="" descr="Spotkanie"/>
@@ -4169,6 +4238,13 @@
         </dgm:presLayoutVars>
       </dgm:prSet>
       <dgm:spPr/>
+      <dgm:t>
+        <a:bodyPr/>
+        <a:lstStyle/>
+        <a:p>
+          <a:endParaRPr lang="pl-PL"/>
+        </a:p>
+      </dgm:t>
     </dgm:pt>
     <dgm:pt modelId="{B104A38A-0B3A-4BDE-9EC0-0A231889810D}" type="pres">
       <dgm:prSet presAssocID="{4A4D8FCF-90FE-40D9-AFE4-DB3FCBAE9B40}" presName="sibTrans" presStyleCnt="0"/>
@@ -4182,13 +4258,13 @@
       <dgm:prSet presAssocID="{05D24C55-2A8C-46D6-8724-D684EB5BB86F}" presName="iconRect" presStyleLbl="node1" presStyleIdx="5" presStyleCnt="6"/>
       <dgm:spPr>
         <a:blipFill>
-          <a:blip xmlns:r="http://schemas.openxmlformats.org/officeDocument/2006/relationships" r:embed="rId11">
+          <a:blip xmlns:r="http://schemas.openxmlformats.org/officeDocument/2006/relationships" r:embed="rId11" cstate="print">
             <a:extLst>
               <a:ext uri="{28A0092B-C50C-407E-A947-70E740481C1C}">
                 <a14:useLocalDpi xmlns:a14="http://schemas.microsoft.com/office/drawing/2010/main" val="0"/>
               </a:ext>
               <a:ext uri="{96DAC541-7B7A-43D3-8B79-37D633B846F1}">
-                <asvg:svgBlip xmlns:asvg="http://schemas.microsoft.com/office/drawing/2016/SVG/main" r:embed="rId12"/>
+                <asvg:svgBlip xmlns:asvg="http://schemas.microsoft.com/office/drawing/2016/SVG/main" xmlns="" r:embed="rId12"/>
               </a:ext>
             </a:extLst>
           </a:blip>
@@ -4200,6 +4276,13 @@
           <a:noFill/>
         </a:ln>
       </dgm:spPr>
+      <dgm:t>
+        <a:bodyPr/>
+        <a:lstStyle/>
+        <a:p>
+          <a:endParaRPr lang="pl-PL"/>
+        </a:p>
+      </dgm:t>
       <dgm:extLst>
         <a:ext uri="{E40237B7-FDA0-4F09-8148-C483321AD2D9}">
           <dgm14:cNvPr xmlns:dgm14="http://schemas.microsoft.com/office/drawing/2010/diagram" id="0" name="" descr="Upward trend"/>
@@ -4218,22 +4301,29 @@
         </dgm:presLayoutVars>
       </dgm:prSet>
       <dgm:spPr/>
+      <dgm:t>
+        <a:bodyPr/>
+        <a:lstStyle/>
+        <a:p>
+          <a:endParaRPr lang="pl-PL"/>
+        </a:p>
+      </dgm:t>
     </dgm:pt>
   </dgm:ptLst>
   <dgm:cxnLst>
+    <dgm:cxn modelId="{C0A1ACE6-4864-46E3-878E-8FACA7A8C7EE}" srcId="{5CBF4DD2-414A-46D8-AD09-693C56EE21A8}" destId="{018C7AF2-EBF9-4DB6-892F-997BF518DC6E}" srcOrd="2" destOrd="0" parTransId="{3DC9C12F-0B4A-4CDC-9DD6-914CE91263C8}" sibTransId="{B59D9152-0513-4288-BD48-9CBA9EAEF52F}"/>
+    <dgm:cxn modelId="{07896448-4CCB-46B3-AEC1-CAE9D37ABF7B}" type="presOf" srcId="{15C3B110-D706-4909-87D8-E59F24C6EFC0}" destId="{8DB3FBA8-7707-45D7-8CD4-8BBDC10E0144}" srcOrd="0" destOrd="0" presId="urn:microsoft.com/office/officeart/2018/2/layout/IconLabelList"/>
+    <dgm:cxn modelId="{CF7450BB-43A8-4B4D-9497-881118E94056}" type="presOf" srcId="{018C7AF2-EBF9-4DB6-892F-997BF518DC6E}" destId="{A2EA2E30-988C-4E1C-8001-97023089293C}" srcOrd="0" destOrd="0" presId="urn:microsoft.com/office/officeart/2018/2/layout/IconLabelList"/>
     <dgm:cxn modelId="{D92C2836-CCA2-42EF-B1BF-844394D6991F}" type="presOf" srcId="{05D24C55-2A8C-46D6-8724-D684EB5BB86F}" destId="{30319A03-7823-4A23-99AA-04C4B5DD6319}" srcOrd="0" destOrd="0" presId="urn:microsoft.com/office/officeart/2018/2/layout/IconLabelList"/>
-    <dgm:cxn modelId="{05AEF860-5E84-4658-9C8D-E5E4C1399413}" srcId="{5CBF4DD2-414A-46D8-AD09-693C56EE21A8}" destId="{32EF2D20-5157-4045-BF2A-1437BE29DA49}" srcOrd="4" destOrd="0" parTransId="{B9447BBC-D768-4786-87A1-972D8EF9418B}" sibTransId="{4A4D8FCF-90FE-40D9-AFE4-DB3FCBAE9B40}"/>
     <dgm:cxn modelId="{F124A845-134C-4554-9D2E-985BE979F8B5}" type="presOf" srcId="{5CBF4DD2-414A-46D8-AD09-693C56EE21A8}" destId="{FA612FE2-DA54-47AF-A479-43FF4AAAF908}" srcOrd="0" destOrd="0" presId="urn:microsoft.com/office/officeart/2018/2/layout/IconLabelList"/>
-    <dgm:cxn modelId="{07896448-4CCB-46B3-AEC1-CAE9D37ABF7B}" type="presOf" srcId="{15C3B110-D706-4909-87D8-E59F24C6EFC0}" destId="{8DB3FBA8-7707-45D7-8CD4-8BBDC10E0144}" srcOrd="0" destOrd="0" presId="urn:microsoft.com/office/officeart/2018/2/layout/IconLabelList"/>
+    <dgm:cxn modelId="{74BEB2FC-470D-4327-A3BB-6316C75ADE54}" type="presOf" srcId="{32EF2D20-5157-4045-BF2A-1437BE29DA49}" destId="{4C9901BB-1E3C-4974-8FD2-26B1DC4DE914}" srcOrd="0" destOrd="0" presId="urn:microsoft.com/office/officeart/2018/2/layout/IconLabelList"/>
+    <dgm:cxn modelId="{BC140FC1-EF97-4D46-BB9C-29DA16F95891}" srcId="{5CBF4DD2-414A-46D8-AD09-693C56EE21A8}" destId="{05D24C55-2A8C-46D6-8724-D684EB5BB86F}" srcOrd="5" destOrd="0" parTransId="{83B09CFD-D325-4147-9CE0-13DA13D7DE6E}" sibTransId="{F970F39D-D5A9-4027-B054-34C7702E8B90}"/>
+    <dgm:cxn modelId="{F629FDAA-6106-4D93-804F-E11C1578F3A4}" type="presOf" srcId="{B3E806A1-D6AB-4B18-AB00-BF8D3483C5A4}" destId="{F65E0E60-0CAE-4DC0-8A69-5C5FC987452E}" srcOrd="0" destOrd="0" presId="urn:microsoft.com/office/officeart/2018/2/layout/IconLabelList"/>
+    <dgm:cxn modelId="{12D9D5F9-B8E7-43F9-BB80-1ADABA7DD0A6}" type="presOf" srcId="{5686D5EF-5644-4B24-8760-4EDB16903C22}" destId="{19FE9456-BE7D-4751-A2DE-183E2103D334}" srcOrd="0" destOrd="0" presId="urn:microsoft.com/office/officeart/2018/2/layout/IconLabelList"/>
+    <dgm:cxn modelId="{3389D1AC-EBB1-41F2-9717-91C959FE13FA}" srcId="{5CBF4DD2-414A-46D8-AD09-693C56EE21A8}" destId="{B3E806A1-D6AB-4B18-AB00-BF8D3483C5A4}" srcOrd="0" destOrd="0" parTransId="{84833463-C10A-407A-B83C-5D4E45BAD394}" sibTransId="{7A3E7860-5F97-4F32-AE64-AF09D9AD44E6}"/>
     <dgm:cxn modelId="{641A3D50-BA35-4A6F-8E2E-D1960C34BFB0}" srcId="{5CBF4DD2-414A-46D8-AD09-693C56EE21A8}" destId="{15C3B110-D706-4909-87D8-E59F24C6EFC0}" srcOrd="1" destOrd="0" parTransId="{77730242-2452-44BA-899D-2ABF8A3DD017}" sibTransId="{3EA5E59A-8B88-452D-B7B7-34174B5C2297}"/>
     <dgm:cxn modelId="{619B9B56-23C6-4C70-8761-E7A0B21237DA}" srcId="{5CBF4DD2-414A-46D8-AD09-693C56EE21A8}" destId="{5686D5EF-5644-4B24-8760-4EDB16903C22}" srcOrd="3" destOrd="0" parTransId="{A1BB1B93-CB77-48E9-9566-2D19CC761403}" sibTransId="{BCBB0458-5DDF-445D-A2E3-E1ECC8AA3F29}"/>
-    <dgm:cxn modelId="{F629FDAA-6106-4D93-804F-E11C1578F3A4}" type="presOf" srcId="{B3E806A1-D6AB-4B18-AB00-BF8D3483C5A4}" destId="{F65E0E60-0CAE-4DC0-8A69-5C5FC987452E}" srcOrd="0" destOrd="0" presId="urn:microsoft.com/office/officeart/2018/2/layout/IconLabelList"/>
-    <dgm:cxn modelId="{3389D1AC-EBB1-41F2-9717-91C959FE13FA}" srcId="{5CBF4DD2-414A-46D8-AD09-693C56EE21A8}" destId="{B3E806A1-D6AB-4B18-AB00-BF8D3483C5A4}" srcOrd="0" destOrd="0" parTransId="{84833463-C10A-407A-B83C-5D4E45BAD394}" sibTransId="{7A3E7860-5F97-4F32-AE64-AF09D9AD44E6}"/>
-    <dgm:cxn modelId="{CF7450BB-43A8-4B4D-9497-881118E94056}" type="presOf" srcId="{018C7AF2-EBF9-4DB6-892F-997BF518DC6E}" destId="{A2EA2E30-988C-4E1C-8001-97023089293C}" srcOrd="0" destOrd="0" presId="urn:microsoft.com/office/officeart/2018/2/layout/IconLabelList"/>
-    <dgm:cxn modelId="{BC140FC1-EF97-4D46-BB9C-29DA16F95891}" srcId="{5CBF4DD2-414A-46D8-AD09-693C56EE21A8}" destId="{05D24C55-2A8C-46D6-8724-D684EB5BB86F}" srcOrd="5" destOrd="0" parTransId="{83B09CFD-D325-4147-9CE0-13DA13D7DE6E}" sibTransId="{F970F39D-D5A9-4027-B054-34C7702E8B90}"/>
-    <dgm:cxn modelId="{C0A1ACE6-4864-46E3-878E-8FACA7A8C7EE}" srcId="{5CBF4DD2-414A-46D8-AD09-693C56EE21A8}" destId="{018C7AF2-EBF9-4DB6-892F-997BF518DC6E}" srcOrd="2" destOrd="0" parTransId="{3DC9C12F-0B4A-4CDC-9DD6-914CE91263C8}" sibTransId="{B59D9152-0513-4288-BD48-9CBA9EAEF52F}"/>
-    <dgm:cxn modelId="{12D9D5F9-B8E7-43F9-BB80-1ADABA7DD0A6}" type="presOf" srcId="{5686D5EF-5644-4B24-8760-4EDB16903C22}" destId="{19FE9456-BE7D-4751-A2DE-183E2103D334}" srcOrd="0" destOrd="0" presId="urn:microsoft.com/office/officeart/2018/2/layout/IconLabelList"/>
-    <dgm:cxn modelId="{74BEB2FC-470D-4327-A3BB-6316C75ADE54}" type="presOf" srcId="{32EF2D20-5157-4045-BF2A-1437BE29DA49}" destId="{4C9901BB-1E3C-4974-8FD2-26B1DC4DE914}" srcOrd="0" destOrd="0" presId="urn:microsoft.com/office/officeart/2018/2/layout/IconLabelList"/>
+    <dgm:cxn modelId="{05AEF860-5E84-4658-9C8D-E5E4C1399413}" srcId="{5CBF4DD2-414A-46D8-AD09-693C56EE21A8}" destId="{32EF2D20-5157-4045-BF2A-1437BE29DA49}" srcOrd="4" destOrd="0" parTransId="{B9447BBC-D768-4786-87A1-972D8EF9418B}" sibTransId="{4A4D8FCF-90FE-40D9-AFE4-DB3FCBAE9B40}"/>
     <dgm:cxn modelId="{E84C0DA6-0561-47FE-94D8-5D911434C651}" type="presParOf" srcId="{FA612FE2-DA54-47AF-A479-43FF4AAAF908}" destId="{15AE0860-BD68-4BA9-A2FF-789DF250193A}" srcOrd="0" destOrd="0" presId="urn:microsoft.com/office/officeart/2018/2/layout/IconLabelList"/>
     <dgm:cxn modelId="{7D9FB080-DFD9-40D9-9991-C107D4E3E923}" type="presParOf" srcId="{15AE0860-BD68-4BA9-A2FF-789DF250193A}" destId="{AE075AE5-54B2-4A02-A39D-144671EFCE11}" srcOrd="0" destOrd="0" presId="urn:microsoft.com/office/officeart/2018/2/layout/IconLabelList"/>
     <dgm:cxn modelId="{5028ACC7-68ED-4470-A86C-60276E2D6619}" type="presParOf" srcId="{15AE0860-BD68-4BA9-A2FF-789DF250193A}" destId="{78B3F4DE-4DC4-45E4-B5F8-AB9EF7D4EEA4}" srcOrd="1" destOrd="0" presId="urn:microsoft.com/office/officeart/2018/2/layout/IconLabelList"/>
@@ -4444,6 +4534,13 @@
         </dgm:presLayoutVars>
       </dgm:prSet>
       <dgm:spPr/>
+      <dgm:t>
+        <a:bodyPr/>
+        <a:lstStyle/>
+        <a:p>
+          <a:endParaRPr lang="pl-PL"/>
+        </a:p>
+      </dgm:t>
     </dgm:pt>
     <dgm:pt modelId="{719D4D8F-EEF4-4BA3-8653-FC40E591E797}" type="pres">
       <dgm:prSet presAssocID="{E5745DCA-D753-41C2-BA59-639F13FF2A36}" presName="compNode" presStyleCnt="0"/>
@@ -4453,13 +4550,13 @@
       <dgm:prSet presAssocID="{E5745DCA-D753-41C2-BA59-639F13FF2A36}" presName="iconRect" presStyleLbl="node1" presStyleIdx="0" presStyleCnt="4"/>
       <dgm:spPr>
         <a:blipFill>
-          <a:blip xmlns:r="http://schemas.openxmlformats.org/officeDocument/2006/relationships" r:embed="rId1">
+          <a:blip xmlns:r="http://schemas.openxmlformats.org/officeDocument/2006/relationships" r:embed="rId1" cstate="print">
             <a:extLst>
               <a:ext uri="{28A0092B-C50C-407E-A947-70E740481C1C}">
                 <a14:useLocalDpi xmlns:a14="http://schemas.microsoft.com/office/drawing/2010/main" val="0"/>
               </a:ext>
               <a:ext uri="{96DAC541-7B7A-43D3-8B79-37D633B846F1}">
-                <asvg:svgBlip xmlns:asvg="http://schemas.microsoft.com/office/drawing/2016/SVG/main" r:embed="rId2"/>
+                <asvg:svgBlip xmlns:asvg="http://schemas.microsoft.com/office/drawing/2016/SVG/main" xmlns="" r:embed="rId2"/>
               </a:ext>
             </a:extLst>
           </a:blip>
@@ -4471,6 +4568,13 @@
           <a:noFill/>
         </a:ln>
       </dgm:spPr>
+      <dgm:t>
+        <a:bodyPr/>
+        <a:lstStyle/>
+        <a:p>
+          <a:endParaRPr lang="pl-PL"/>
+        </a:p>
+      </dgm:t>
       <dgm:extLst>
         <a:ext uri="{E40237B7-FDA0-4F09-8148-C483321AD2D9}">
           <dgm14:cNvPr xmlns:dgm14="http://schemas.microsoft.com/office/drawing/2010/diagram" id="0" name="" descr="Komputer"/>
@@ -4489,6 +4593,13 @@
         </dgm:presLayoutVars>
       </dgm:prSet>
       <dgm:spPr/>
+      <dgm:t>
+        <a:bodyPr/>
+        <a:lstStyle/>
+        <a:p>
+          <a:endParaRPr lang="pl-PL"/>
+        </a:p>
+      </dgm:t>
     </dgm:pt>
     <dgm:pt modelId="{08F79D4D-32D5-46ED-AA87-1282B5103F7E}" type="pres">
       <dgm:prSet presAssocID="{9DA4E62B-D0E1-4460-AB10-4B25C5C6FEF6}" presName="sibTrans" presStyleCnt="0"/>
@@ -4502,13 +4613,13 @@
       <dgm:prSet presAssocID="{6F558C87-9557-4A8B-BFAD-99068A6F55CF}" presName="iconRect" presStyleLbl="node1" presStyleIdx="1" presStyleCnt="4"/>
       <dgm:spPr>
         <a:blipFill>
-          <a:blip xmlns:r="http://schemas.openxmlformats.org/officeDocument/2006/relationships" r:embed="rId3">
+          <a:blip xmlns:r="http://schemas.openxmlformats.org/officeDocument/2006/relationships" r:embed="rId3" cstate="print">
             <a:extLst>
               <a:ext uri="{28A0092B-C50C-407E-A947-70E740481C1C}">
                 <a14:useLocalDpi xmlns:a14="http://schemas.microsoft.com/office/drawing/2010/main" val="0"/>
               </a:ext>
               <a:ext uri="{96DAC541-7B7A-43D3-8B79-37D633B846F1}">
-                <asvg:svgBlip xmlns:asvg="http://schemas.microsoft.com/office/drawing/2016/SVG/main" r:embed="rId4"/>
+                <asvg:svgBlip xmlns:asvg="http://schemas.microsoft.com/office/drawing/2016/SVG/main" xmlns="" r:embed="rId4"/>
               </a:ext>
             </a:extLst>
           </a:blip>
@@ -4520,6 +4631,13 @@
           <a:noFill/>
         </a:ln>
       </dgm:spPr>
+      <dgm:t>
+        <a:bodyPr/>
+        <a:lstStyle/>
+        <a:p>
+          <a:endParaRPr lang="pl-PL"/>
+        </a:p>
+      </dgm:t>
       <dgm:extLst>
         <a:ext uri="{E40237B7-FDA0-4F09-8148-C483321AD2D9}">
           <dgm14:cNvPr xmlns:dgm14="http://schemas.microsoft.com/office/drawing/2010/diagram" id="0" name="" descr="Znacznik wyboru"/>
@@ -4538,6 +4656,13 @@
         </dgm:presLayoutVars>
       </dgm:prSet>
       <dgm:spPr/>
+      <dgm:t>
+        <a:bodyPr/>
+        <a:lstStyle/>
+        <a:p>
+          <a:endParaRPr lang="pl-PL"/>
+        </a:p>
+      </dgm:t>
     </dgm:pt>
     <dgm:pt modelId="{50613050-8C92-490A-A773-111E37C27DD3}" type="pres">
       <dgm:prSet presAssocID="{87A30837-86BA-455D-A965-1A3E9DEDF1E5}" presName="sibTrans" presStyleCnt="0"/>
@@ -4557,7 +4682,7 @@
                 <a14:useLocalDpi xmlns:a14="http://schemas.microsoft.com/office/drawing/2010/main" val="0"/>
               </a:ext>
               <a:ext uri="{96DAC541-7B7A-43D3-8B79-37D633B846F1}">
-                <asvg:svgBlip xmlns:asvg="http://schemas.microsoft.com/office/drawing/2016/SVG/main" r:embed="rId6"/>
+                <asvg:svgBlip xmlns:asvg="http://schemas.microsoft.com/office/drawing/2016/SVG/main" xmlns="" r:embed="rId6"/>
               </a:ext>
             </a:extLst>
           </a:blip>
@@ -4569,6 +4694,13 @@
           <a:noFill/>
         </a:ln>
       </dgm:spPr>
+      <dgm:t>
+        <a:bodyPr/>
+        <a:lstStyle/>
+        <a:p>
+          <a:endParaRPr lang="pl-PL"/>
+        </a:p>
+      </dgm:t>
       <dgm:extLst>
         <a:ext uri="{E40237B7-FDA0-4F09-8148-C483321AD2D9}">
           <dgm14:cNvPr xmlns:dgm14="http://schemas.microsoft.com/office/drawing/2010/diagram" id="0" name="" descr="Tanabata Tree"/>
@@ -4587,6 +4719,13 @@
         </dgm:presLayoutVars>
       </dgm:prSet>
       <dgm:spPr/>
+      <dgm:t>
+        <a:bodyPr/>
+        <a:lstStyle/>
+        <a:p>
+          <a:endParaRPr lang="pl-PL"/>
+        </a:p>
+      </dgm:t>
     </dgm:pt>
     <dgm:pt modelId="{3178BDAD-7619-4705-A815-0E28324BF20D}" type="pres">
       <dgm:prSet presAssocID="{EE0C2A3C-26E3-48DD-8F6F-11EDE87E6632}" presName="sibTrans" presStyleCnt="0"/>
@@ -4600,13 +4739,13 @@
       <dgm:prSet presAssocID="{1B16F572-728C-418A-BB1B-953671A6299D}" presName="iconRect" presStyleLbl="node1" presStyleIdx="3" presStyleCnt="4"/>
       <dgm:spPr>
         <a:blipFill>
-          <a:blip xmlns:r="http://schemas.openxmlformats.org/officeDocument/2006/relationships" r:embed="rId7">
+          <a:blip xmlns:r="http://schemas.openxmlformats.org/officeDocument/2006/relationships" r:embed="rId7" cstate="print">
             <a:extLst>
               <a:ext uri="{28A0092B-C50C-407E-A947-70E740481C1C}">
                 <a14:useLocalDpi xmlns:a14="http://schemas.microsoft.com/office/drawing/2010/main" val="0"/>
               </a:ext>
               <a:ext uri="{96DAC541-7B7A-43D3-8B79-37D633B846F1}">
-                <asvg:svgBlip xmlns:asvg="http://schemas.microsoft.com/office/drawing/2016/SVG/main" r:embed="rId8"/>
+                <asvg:svgBlip xmlns:asvg="http://schemas.microsoft.com/office/drawing/2016/SVG/main" xmlns="" r:embed="rId8"/>
               </a:ext>
             </a:extLst>
           </a:blip>
@@ -4618,6 +4757,13 @@
           <a:noFill/>
         </a:ln>
       </dgm:spPr>
+      <dgm:t>
+        <a:bodyPr/>
+        <a:lstStyle/>
+        <a:p>
+          <a:endParaRPr lang="pl-PL"/>
+        </a:p>
+      </dgm:t>
       <dgm:extLst>
         <a:ext uri="{E40237B7-FDA0-4F09-8148-C483321AD2D9}">
           <dgm14:cNvPr xmlns:dgm14="http://schemas.microsoft.com/office/drawing/2010/diagram" id="0" name="" descr="Rubel"/>
@@ -4636,18 +4782,25 @@
         </dgm:presLayoutVars>
       </dgm:prSet>
       <dgm:spPr/>
+      <dgm:t>
+        <a:bodyPr/>
+        <a:lstStyle/>
+        <a:p>
+          <a:endParaRPr lang="pl-PL"/>
+        </a:p>
+      </dgm:t>
     </dgm:pt>
   </dgm:ptLst>
   <dgm:cxnLst>
-    <dgm:cxn modelId="{CBD47100-A9DF-40DF-B80F-A3A89AB7CDDF}" type="presOf" srcId="{07CDF90A-314B-4B5E-B665-E88A098739F1}" destId="{F41DCCA8-3FEF-48D8-AF36-F49C46222036}" srcOrd="0" destOrd="0" presId="urn:microsoft.com/office/officeart/2018/2/layout/IconLabelList"/>
     <dgm:cxn modelId="{D101221A-44B2-4E26-8600-50B2C6F169A4}" type="presOf" srcId="{1B16F572-728C-418A-BB1B-953671A6299D}" destId="{9BEF4F74-977A-4C68-8EFC-E0EA1534055A}" srcOrd="0" destOrd="0" presId="urn:microsoft.com/office/officeart/2018/2/layout/IconLabelList"/>
+    <dgm:cxn modelId="{85ADE9CE-19A2-4F66-BCF3-B3F12045EEDE}" srcId="{07CDF90A-314B-4B5E-B665-E88A098739F1}" destId="{1B16F572-728C-418A-BB1B-953671A6299D}" srcOrd="3" destOrd="0" parTransId="{3E1F4A14-3641-4D9D-AE21-05EF4E69989F}" sibTransId="{615D0EE6-94D9-47AA-8621-166A57529907}"/>
+    <dgm:cxn modelId="{A79987E9-2849-4A72-BF94-D68B4E0BE9EE}" type="presOf" srcId="{6F558C87-9557-4A8B-BFAD-99068A6F55CF}" destId="{8A319C49-9354-460F-8307-9423EC03AF49}" srcOrd="0" destOrd="0" presId="urn:microsoft.com/office/officeart/2018/2/layout/IconLabelList"/>
     <dgm:cxn modelId="{F8764045-CD7E-4924-9EA9-BAC6D4875380}" srcId="{07CDF90A-314B-4B5E-B665-E88A098739F1}" destId="{27F569D3-6212-44FE-A367-18E2516904FB}" srcOrd="2" destOrd="0" parTransId="{1ED3B6B8-41B7-4404-B519-A02C94E6C4F0}" sibTransId="{EE0C2A3C-26E3-48DD-8F6F-11EDE87E6632}"/>
+    <dgm:cxn modelId="{0D608FF2-D722-4E1F-9A7F-D4E4A6C26013}" type="presOf" srcId="{E5745DCA-D753-41C2-BA59-639F13FF2A36}" destId="{51B02202-A092-425F-BF9B-0202325CC9E0}" srcOrd="0" destOrd="0" presId="urn:microsoft.com/office/officeart/2018/2/layout/IconLabelList"/>
     <dgm:cxn modelId="{AEF32179-734A-4703-83C3-8E3C6970EE4F}" srcId="{07CDF90A-314B-4B5E-B665-E88A098739F1}" destId="{6F558C87-9557-4A8B-BFAD-99068A6F55CF}" srcOrd="1" destOrd="0" parTransId="{0A4018F2-43E6-4211-BBE6-23D4EF97943E}" sibTransId="{87A30837-86BA-455D-A965-1A3E9DEDF1E5}"/>
     <dgm:cxn modelId="{A3A41094-8BD2-4189-B965-BDEF4AE32122}" type="presOf" srcId="{27F569D3-6212-44FE-A367-18E2516904FB}" destId="{18E06BE1-FA41-42BD-A16E-58590D950CBB}" srcOrd="0" destOrd="0" presId="urn:microsoft.com/office/officeart/2018/2/layout/IconLabelList"/>
+    <dgm:cxn modelId="{CBD47100-A9DF-40DF-B80F-A3A89AB7CDDF}" type="presOf" srcId="{07CDF90A-314B-4B5E-B665-E88A098739F1}" destId="{F41DCCA8-3FEF-48D8-AF36-F49C46222036}" srcOrd="0" destOrd="0" presId="urn:microsoft.com/office/officeart/2018/2/layout/IconLabelList"/>
     <dgm:cxn modelId="{2CB5609E-561E-4A1D-85D5-7C3A777ED0DF}" srcId="{07CDF90A-314B-4B5E-B665-E88A098739F1}" destId="{E5745DCA-D753-41C2-BA59-639F13FF2A36}" srcOrd="0" destOrd="0" parTransId="{7E8B8C6F-011F-4E8F-99FF-F3101B53C3D1}" sibTransId="{9DA4E62B-D0E1-4460-AB10-4B25C5C6FEF6}"/>
-    <dgm:cxn modelId="{85ADE9CE-19A2-4F66-BCF3-B3F12045EEDE}" srcId="{07CDF90A-314B-4B5E-B665-E88A098739F1}" destId="{1B16F572-728C-418A-BB1B-953671A6299D}" srcOrd="3" destOrd="0" parTransId="{3E1F4A14-3641-4D9D-AE21-05EF4E69989F}" sibTransId="{615D0EE6-94D9-47AA-8621-166A57529907}"/>
-    <dgm:cxn modelId="{A79987E9-2849-4A72-BF94-D68B4E0BE9EE}" type="presOf" srcId="{6F558C87-9557-4A8B-BFAD-99068A6F55CF}" destId="{8A319C49-9354-460F-8307-9423EC03AF49}" srcOrd="0" destOrd="0" presId="urn:microsoft.com/office/officeart/2018/2/layout/IconLabelList"/>
-    <dgm:cxn modelId="{0D608FF2-D722-4E1F-9A7F-D4E4A6C26013}" type="presOf" srcId="{E5745DCA-D753-41C2-BA59-639F13FF2A36}" destId="{51B02202-A092-425F-BF9B-0202325CC9E0}" srcOrd="0" destOrd="0" presId="urn:microsoft.com/office/officeart/2018/2/layout/IconLabelList"/>
     <dgm:cxn modelId="{63BF6621-1370-4549-AF95-380A58FA86F8}" type="presParOf" srcId="{F41DCCA8-3FEF-48D8-AF36-F49C46222036}" destId="{719D4D8F-EEF4-4BA3-8653-FC40E591E797}" srcOrd="0" destOrd="0" presId="urn:microsoft.com/office/officeart/2018/2/layout/IconLabelList"/>
     <dgm:cxn modelId="{D1032639-5258-4C82-BA27-87C300F7D146}" type="presParOf" srcId="{719D4D8F-EEF4-4BA3-8653-FC40E591E797}" destId="{C830FD41-0BC4-4B3A-BA7D-C09649B6DB36}" srcOrd="0" destOrd="0" presId="urn:microsoft.com/office/officeart/2018/2/layout/IconLabelList"/>
     <dgm:cxn modelId="{C9DB53E9-5EC7-4B7F-8E91-EE33BA79CBCA}" type="presParOf" srcId="{719D4D8F-EEF4-4BA3-8653-FC40E591E797}" destId="{889640F7-6F04-4673-BA14-F204078E4313}" srcOrd="1" destOrd="0" presId="urn:microsoft.com/office/officeart/2018/2/layout/IconLabelList"/>
@@ -4945,6 +5098,13 @@
         </dgm:presLayoutVars>
       </dgm:prSet>
       <dgm:spPr/>
+      <dgm:t>
+        <a:bodyPr/>
+        <a:lstStyle/>
+        <a:p>
+          <a:endParaRPr lang="pl-PL"/>
+        </a:p>
+      </dgm:t>
     </dgm:pt>
     <dgm:pt modelId="{719D4D8F-EEF4-4BA3-8653-FC40E591E797}" type="pres">
       <dgm:prSet presAssocID="{E5745DCA-D753-41C2-BA59-639F13FF2A36}" presName="compNode" presStyleCnt="0"/>
@@ -4957,7 +5117,7 @@
           <a:blip xmlns:r="http://schemas.openxmlformats.org/officeDocument/2006/relationships" r:embed="rId1">
             <a:extLst>
               <a:ext uri="{96DAC541-7B7A-43D3-8B79-37D633B846F1}">
-                <asvg:svgBlip xmlns:asvg="http://schemas.microsoft.com/office/drawing/2016/SVG/main" r:embed="rId2"/>
+                <asvg:svgBlip xmlns:asvg="http://schemas.microsoft.com/office/drawing/2016/SVG/main" xmlns="" r:embed="rId2"/>
               </a:ext>
             </a:extLst>
           </a:blip>
@@ -4985,6 +5145,13 @@
         </dgm:presLayoutVars>
       </dgm:prSet>
       <dgm:spPr/>
+      <dgm:t>
+        <a:bodyPr/>
+        <a:lstStyle/>
+        <a:p>
+          <a:endParaRPr lang="pl-PL"/>
+        </a:p>
+      </dgm:t>
     </dgm:pt>
     <dgm:pt modelId="{08F79D4D-32D5-46ED-AA87-1282B5103F7E}" type="pres">
       <dgm:prSet presAssocID="{9DA4E62B-D0E1-4460-AB10-4B25C5C6FEF6}" presName="sibTrans" presStyleCnt="0"/>
@@ -5001,7 +5168,7 @@
           <a:blip xmlns:r="http://schemas.openxmlformats.org/officeDocument/2006/relationships" r:embed="rId3">
             <a:extLst>
               <a:ext uri="{96DAC541-7B7A-43D3-8B79-37D633B846F1}">
-                <asvg:svgBlip xmlns:asvg="http://schemas.microsoft.com/office/drawing/2016/SVG/main" r:embed="rId4"/>
+                <asvg:svgBlip xmlns:asvg="http://schemas.microsoft.com/office/drawing/2016/SVG/main" xmlns="" r:embed="rId4"/>
               </a:ext>
             </a:extLst>
           </a:blip>
@@ -5029,6 +5196,13 @@
         </dgm:presLayoutVars>
       </dgm:prSet>
       <dgm:spPr/>
+      <dgm:t>
+        <a:bodyPr/>
+        <a:lstStyle/>
+        <a:p>
+          <a:endParaRPr lang="pl-PL"/>
+        </a:p>
+      </dgm:t>
     </dgm:pt>
     <dgm:pt modelId="{50613050-8C92-490A-A773-111E37C27DD3}" type="pres">
       <dgm:prSet presAssocID="{87A30837-86BA-455D-A965-1A3E9DEDF1E5}" presName="sibTrans" presStyleCnt="0"/>
@@ -5045,7 +5219,7 @@
           <a:blip xmlns:r="http://schemas.openxmlformats.org/officeDocument/2006/relationships" r:embed="rId5">
             <a:extLst>
               <a:ext uri="{96DAC541-7B7A-43D3-8B79-37D633B846F1}">
-                <asvg:svgBlip xmlns:asvg="http://schemas.microsoft.com/office/drawing/2016/SVG/main" r:embed="rId6"/>
+                <asvg:svgBlip xmlns:asvg="http://schemas.microsoft.com/office/drawing/2016/SVG/main" xmlns="" r:embed="rId6"/>
               </a:ext>
             </a:extLst>
           </a:blip>
@@ -5073,6 +5247,13 @@
         </dgm:presLayoutVars>
       </dgm:prSet>
       <dgm:spPr/>
+      <dgm:t>
+        <a:bodyPr/>
+        <a:lstStyle/>
+        <a:p>
+          <a:endParaRPr lang="pl-PL"/>
+        </a:p>
+      </dgm:t>
     </dgm:pt>
     <dgm:pt modelId="{3178BDAD-7619-4705-A815-0E28324BF20D}" type="pres">
       <dgm:prSet presAssocID="{EE0C2A3C-26E3-48DD-8F6F-11EDE87E6632}" presName="sibTrans" presStyleCnt="0"/>
@@ -5089,7 +5270,7 @@
           <a:blip xmlns:r="http://schemas.openxmlformats.org/officeDocument/2006/relationships" r:embed="rId7">
             <a:extLst>
               <a:ext uri="{96DAC541-7B7A-43D3-8B79-37D633B846F1}">
-                <asvg:svgBlip xmlns:asvg="http://schemas.microsoft.com/office/drawing/2016/SVG/main" r:embed="rId8"/>
+                <asvg:svgBlip xmlns:asvg="http://schemas.microsoft.com/office/drawing/2016/SVG/main" xmlns="" r:embed="rId8"/>
               </a:ext>
             </a:extLst>
           </a:blip>
@@ -5117,18 +5298,25 @@
         </dgm:presLayoutVars>
       </dgm:prSet>
       <dgm:spPr/>
+      <dgm:t>
+        <a:bodyPr/>
+        <a:lstStyle/>
+        <a:p>
+          <a:endParaRPr lang="pl-PL"/>
+        </a:p>
+      </dgm:t>
     </dgm:pt>
   </dgm:ptLst>
   <dgm:cxnLst>
-    <dgm:cxn modelId="{CBD47100-A9DF-40DF-B80F-A3A89AB7CDDF}" type="presOf" srcId="{07CDF90A-314B-4B5E-B665-E88A098739F1}" destId="{F41DCCA8-3FEF-48D8-AF36-F49C46222036}" srcOrd="0" destOrd="0" presId="urn:microsoft.com/office/officeart/2018/2/layout/IconLabelList"/>
     <dgm:cxn modelId="{D101221A-44B2-4E26-8600-50B2C6F169A4}" type="presOf" srcId="{1B16F572-728C-418A-BB1B-953671A6299D}" destId="{9BEF4F74-977A-4C68-8EFC-E0EA1534055A}" srcOrd="0" destOrd="0" presId="urn:microsoft.com/office/officeart/2018/2/layout/IconLabelList"/>
+    <dgm:cxn modelId="{85ADE9CE-19A2-4F66-BCF3-B3F12045EEDE}" srcId="{07CDF90A-314B-4B5E-B665-E88A098739F1}" destId="{1B16F572-728C-418A-BB1B-953671A6299D}" srcOrd="3" destOrd="0" parTransId="{3E1F4A14-3641-4D9D-AE21-05EF4E69989F}" sibTransId="{615D0EE6-94D9-47AA-8621-166A57529907}"/>
+    <dgm:cxn modelId="{A79987E9-2849-4A72-BF94-D68B4E0BE9EE}" type="presOf" srcId="{6F558C87-9557-4A8B-BFAD-99068A6F55CF}" destId="{8A319C49-9354-460F-8307-9423EC03AF49}" srcOrd="0" destOrd="0" presId="urn:microsoft.com/office/officeart/2018/2/layout/IconLabelList"/>
     <dgm:cxn modelId="{F8764045-CD7E-4924-9EA9-BAC6D4875380}" srcId="{07CDF90A-314B-4B5E-B665-E88A098739F1}" destId="{27F569D3-6212-44FE-A367-18E2516904FB}" srcOrd="2" destOrd="0" parTransId="{1ED3B6B8-41B7-4404-B519-A02C94E6C4F0}" sibTransId="{EE0C2A3C-26E3-48DD-8F6F-11EDE87E6632}"/>
+    <dgm:cxn modelId="{0D608FF2-D722-4E1F-9A7F-D4E4A6C26013}" type="presOf" srcId="{E5745DCA-D753-41C2-BA59-639F13FF2A36}" destId="{51B02202-A092-425F-BF9B-0202325CC9E0}" srcOrd="0" destOrd="0" presId="urn:microsoft.com/office/officeart/2018/2/layout/IconLabelList"/>
     <dgm:cxn modelId="{AEF32179-734A-4703-83C3-8E3C6970EE4F}" srcId="{07CDF90A-314B-4B5E-B665-E88A098739F1}" destId="{6F558C87-9557-4A8B-BFAD-99068A6F55CF}" srcOrd="1" destOrd="0" parTransId="{0A4018F2-43E6-4211-BBE6-23D4EF97943E}" sibTransId="{87A30837-86BA-455D-A965-1A3E9DEDF1E5}"/>
     <dgm:cxn modelId="{A3A41094-8BD2-4189-B965-BDEF4AE32122}" type="presOf" srcId="{27F569D3-6212-44FE-A367-18E2516904FB}" destId="{18E06BE1-FA41-42BD-A16E-58590D950CBB}" srcOrd="0" destOrd="0" presId="urn:microsoft.com/office/officeart/2018/2/layout/IconLabelList"/>
+    <dgm:cxn modelId="{CBD47100-A9DF-40DF-B80F-A3A89AB7CDDF}" type="presOf" srcId="{07CDF90A-314B-4B5E-B665-E88A098739F1}" destId="{F41DCCA8-3FEF-48D8-AF36-F49C46222036}" srcOrd="0" destOrd="0" presId="urn:microsoft.com/office/officeart/2018/2/layout/IconLabelList"/>
     <dgm:cxn modelId="{2CB5609E-561E-4A1D-85D5-7C3A777ED0DF}" srcId="{07CDF90A-314B-4B5E-B665-E88A098739F1}" destId="{E5745DCA-D753-41C2-BA59-639F13FF2A36}" srcOrd="0" destOrd="0" parTransId="{7E8B8C6F-011F-4E8F-99FF-F3101B53C3D1}" sibTransId="{9DA4E62B-D0E1-4460-AB10-4B25C5C6FEF6}"/>
-    <dgm:cxn modelId="{85ADE9CE-19A2-4F66-BCF3-B3F12045EEDE}" srcId="{07CDF90A-314B-4B5E-B665-E88A098739F1}" destId="{1B16F572-728C-418A-BB1B-953671A6299D}" srcOrd="3" destOrd="0" parTransId="{3E1F4A14-3641-4D9D-AE21-05EF4E69989F}" sibTransId="{615D0EE6-94D9-47AA-8621-166A57529907}"/>
-    <dgm:cxn modelId="{A79987E9-2849-4A72-BF94-D68B4E0BE9EE}" type="presOf" srcId="{6F558C87-9557-4A8B-BFAD-99068A6F55CF}" destId="{8A319C49-9354-460F-8307-9423EC03AF49}" srcOrd="0" destOrd="0" presId="urn:microsoft.com/office/officeart/2018/2/layout/IconLabelList"/>
-    <dgm:cxn modelId="{0D608FF2-D722-4E1F-9A7F-D4E4A6C26013}" type="presOf" srcId="{E5745DCA-D753-41C2-BA59-639F13FF2A36}" destId="{51B02202-A092-425F-BF9B-0202325CC9E0}" srcOrd="0" destOrd="0" presId="urn:microsoft.com/office/officeart/2018/2/layout/IconLabelList"/>
     <dgm:cxn modelId="{63BF6621-1370-4549-AF95-380A58FA86F8}" type="presParOf" srcId="{F41DCCA8-3FEF-48D8-AF36-F49C46222036}" destId="{719D4D8F-EEF4-4BA3-8653-FC40E591E797}" srcOrd="0" destOrd="0" presId="urn:microsoft.com/office/officeart/2018/2/layout/IconLabelList"/>
     <dgm:cxn modelId="{D1032639-5258-4C82-BA27-87C300F7D146}" type="presParOf" srcId="{719D4D8F-EEF4-4BA3-8653-FC40E591E797}" destId="{C830FD41-0BC4-4B3A-BA7D-C09649B6DB36}" srcOrd="0" destOrd="0" presId="urn:microsoft.com/office/officeart/2018/2/layout/IconLabelList"/>
     <dgm:cxn modelId="{C9DB53E9-5EC7-4B7F-8E91-EE33BA79CBCA}" type="presParOf" srcId="{719D4D8F-EEF4-4BA3-8653-FC40E591E797}" destId="{889640F7-6F04-4673-BA14-F204078E4313}" srcOrd="1" destOrd="0" presId="urn:microsoft.com/office/officeart/2018/2/layout/IconLabelList"/>
@@ -5298,6 +5486,13 @@
         </dgm:presLayoutVars>
       </dgm:prSet>
       <dgm:spPr/>
+      <dgm:t>
+        <a:bodyPr/>
+        <a:lstStyle/>
+        <a:p>
+          <a:endParaRPr lang="pl-PL"/>
+        </a:p>
+      </dgm:t>
     </dgm:pt>
     <dgm:pt modelId="{719D4D8F-EEF4-4BA3-8653-FC40E591E797}" type="pres">
       <dgm:prSet presAssocID="{E5745DCA-D753-41C2-BA59-639F13FF2A36}" presName="compNode" presStyleCnt="0"/>
@@ -5310,7 +5505,7 @@
           <a:blip xmlns:r="http://schemas.openxmlformats.org/officeDocument/2006/relationships" r:embed="rId1">
             <a:extLst>
               <a:ext uri="{96DAC541-7B7A-43D3-8B79-37D633B846F1}">
-                <asvg:svgBlip xmlns:asvg="http://schemas.microsoft.com/office/drawing/2016/SVG/main" r:embed="rId2"/>
+                <asvg:svgBlip xmlns:asvg="http://schemas.microsoft.com/office/drawing/2016/SVG/main" xmlns="" r:embed="rId2"/>
               </a:ext>
             </a:extLst>
           </a:blip>
@@ -5341,6 +5536,13 @@
         </dgm:presLayoutVars>
       </dgm:prSet>
       <dgm:spPr/>
+      <dgm:t>
+        <a:bodyPr/>
+        <a:lstStyle/>
+        <a:p>
+          <a:endParaRPr lang="pl-PL"/>
+        </a:p>
+      </dgm:t>
     </dgm:pt>
     <dgm:pt modelId="{08F79D4D-32D5-46ED-AA87-1282B5103F7E}" type="pres">
       <dgm:prSet presAssocID="{9DA4E62B-D0E1-4460-AB10-4B25C5C6FEF6}" presName="sibTrans" presStyleCnt="0"/>
@@ -5357,7 +5559,7 @@
           <a:blip xmlns:r="http://schemas.openxmlformats.org/officeDocument/2006/relationships" r:embed="rId3">
             <a:extLst>
               <a:ext uri="{96DAC541-7B7A-43D3-8B79-37D633B846F1}">
-                <asvg:svgBlip xmlns:asvg="http://schemas.microsoft.com/office/drawing/2016/SVG/main" r:embed="rId4"/>
+                <asvg:svgBlip xmlns:asvg="http://schemas.microsoft.com/office/drawing/2016/SVG/main" xmlns="" r:embed="rId4"/>
               </a:ext>
             </a:extLst>
           </a:blip>
@@ -5388,14 +5590,21 @@
         </dgm:presLayoutVars>
       </dgm:prSet>
       <dgm:spPr/>
+      <dgm:t>
+        <a:bodyPr/>
+        <a:lstStyle/>
+        <a:p>
+          <a:endParaRPr lang="pl-PL"/>
+        </a:p>
+      </dgm:t>
     </dgm:pt>
   </dgm:ptLst>
   <dgm:cxnLst>
     <dgm:cxn modelId="{CBD47100-A9DF-40DF-B80F-A3A89AB7CDDF}" type="presOf" srcId="{07CDF90A-314B-4B5E-B665-E88A098739F1}" destId="{F41DCCA8-3FEF-48D8-AF36-F49C46222036}" srcOrd="0" destOrd="0" presId="urn:microsoft.com/office/officeart/2018/2/layout/IconLabelList"/>
+    <dgm:cxn modelId="{2CB5609E-561E-4A1D-85D5-7C3A777ED0DF}" srcId="{07CDF90A-314B-4B5E-B665-E88A098739F1}" destId="{E5745DCA-D753-41C2-BA59-639F13FF2A36}" srcOrd="0" destOrd="0" parTransId="{7E8B8C6F-011F-4E8F-99FF-F3101B53C3D1}" sibTransId="{9DA4E62B-D0E1-4460-AB10-4B25C5C6FEF6}"/>
+    <dgm:cxn modelId="{0D608FF2-D722-4E1F-9A7F-D4E4A6C26013}" type="presOf" srcId="{E5745DCA-D753-41C2-BA59-639F13FF2A36}" destId="{51B02202-A092-425F-BF9B-0202325CC9E0}" srcOrd="0" destOrd="0" presId="urn:microsoft.com/office/officeart/2018/2/layout/IconLabelList"/>
+    <dgm:cxn modelId="{A79987E9-2849-4A72-BF94-D68B4E0BE9EE}" type="presOf" srcId="{6F558C87-9557-4A8B-BFAD-99068A6F55CF}" destId="{8A319C49-9354-460F-8307-9423EC03AF49}" srcOrd="0" destOrd="0" presId="urn:microsoft.com/office/officeart/2018/2/layout/IconLabelList"/>
     <dgm:cxn modelId="{AEF32179-734A-4703-83C3-8E3C6970EE4F}" srcId="{07CDF90A-314B-4B5E-B665-E88A098739F1}" destId="{6F558C87-9557-4A8B-BFAD-99068A6F55CF}" srcOrd="1" destOrd="0" parTransId="{0A4018F2-43E6-4211-BBE6-23D4EF97943E}" sibTransId="{87A30837-86BA-455D-A965-1A3E9DEDF1E5}"/>
-    <dgm:cxn modelId="{2CB5609E-561E-4A1D-85D5-7C3A777ED0DF}" srcId="{07CDF90A-314B-4B5E-B665-E88A098739F1}" destId="{E5745DCA-D753-41C2-BA59-639F13FF2A36}" srcOrd="0" destOrd="0" parTransId="{7E8B8C6F-011F-4E8F-99FF-F3101B53C3D1}" sibTransId="{9DA4E62B-D0E1-4460-AB10-4B25C5C6FEF6}"/>
-    <dgm:cxn modelId="{A79987E9-2849-4A72-BF94-D68B4E0BE9EE}" type="presOf" srcId="{6F558C87-9557-4A8B-BFAD-99068A6F55CF}" destId="{8A319C49-9354-460F-8307-9423EC03AF49}" srcOrd="0" destOrd="0" presId="urn:microsoft.com/office/officeart/2018/2/layout/IconLabelList"/>
-    <dgm:cxn modelId="{0D608FF2-D722-4E1F-9A7F-D4E4A6C26013}" type="presOf" srcId="{E5745DCA-D753-41C2-BA59-639F13FF2A36}" destId="{51B02202-A092-425F-BF9B-0202325CC9E0}" srcOrd="0" destOrd="0" presId="urn:microsoft.com/office/officeart/2018/2/layout/IconLabelList"/>
     <dgm:cxn modelId="{63BF6621-1370-4549-AF95-380A58FA86F8}" type="presParOf" srcId="{F41DCCA8-3FEF-48D8-AF36-F49C46222036}" destId="{719D4D8F-EEF4-4BA3-8653-FC40E591E797}" srcOrd="0" destOrd="0" presId="urn:microsoft.com/office/officeart/2018/2/layout/IconLabelList"/>
     <dgm:cxn modelId="{D1032639-5258-4C82-BA27-87C300F7D146}" type="presParOf" srcId="{719D4D8F-EEF4-4BA3-8653-FC40E591E797}" destId="{C830FD41-0BC4-4B3A-BA7D-C09649B6DB36}" srcOrd="0" destOrd="0" presId="urn:microsoft.com/office/officeart/2018/2/layout/IconLabelList"/>
     <dgm:cxn modelId="{C9DB53E9-5EC7-4B7F-8E91-EE33BA79CBCA}" type="presParOf" srcId="{719D4D8F-EEF4-4BA3-8653-FC40E591E797}" destId="{889640F7-6F04-4673-BA14-F204078E4313}" srcOrd="1" destOrd="0" presId="urn:microsoft.com/office/officeart/2018/2/layout/IconLabelList"/>
@@ -5438,13 +5647,13 @@
           <a:avLst/>
         </a:prstGeom>
         <a:blipFill>
-          <a:blip xmlns:r="http://schemas.openxmlformats.org/officeDocument/2006/relationships" r:embed="rId1">
+          <a:blip xmlns:r="http://schemas.openxmlformats.org/officeDocument/2006/relationships" r:embed="rId1" cstate="print">
             <a:extLst>
               <a:ext uri="{28A0092B-C50C-407E-A947-70E740481C1C}">
                 <a14:useLocalDpi xmlns:a14="http://schemas.microsoft.com/office/drawing/2010/main" val="0"/>
               </a:ext>
               <a:ext uri="{96DAC541-7B7A-43D3-8B79-37D633B846F1}">
-                <asvg:svgBlip xmlns:asvg="http://schemas.microsoft.com/office/drawing/2016/SVG/main" r:embed="rId2"/>
+                <asvg:svgBlip xmlns:asvg="http://schemas.microsoft.com/office/drawing/2016/SVG/main" xmlns="" r:embed="rId2"/>
               </a:ext>
             </a:extLst>
           </a:blip>
@@ -5510,7 +5719,7 @@
         </a:bodyPr>
         <a:lstStyle/>
         <a:p>
-          <a:pPr marL="0" lvl="0" indent="0" algn="ctr" defTabSz="622300">
+          <a:pPr lvl="0" algn="ctr" defTabSz="622300">
             <a:lnSpc>
               <a:spcPct val="90000"/>
             </a:lnSpc>
@@ -5520,7 +5729,6 @@
             <a:spcAft>
               <a:spcPct val="35000"/>
             </a:spcAft>
-            <a:buNone/>
           </a:pPr>
           <a:r>
             <a:rPr lang="pl-PL" sz="1400" kern="1200"/>
@@ -5548,13 +5756,13 @@
           <a:avLst/>
         </a:prstGeom>
         <a:blipFill>
-          <a:blip xmlns:r="http://schemas.openxmlformats.org/officeDocument/2006/relationships" r:embed="rId3">
+          <a:blip xmlns:r="http://schemas.openxmlformats.org/officeDocument/2006/relationships" r:embed="rId3" cstate="print">
             <a:extLst>
               <a:ext uri="{28A0092B-C50C-407E-A947-70E740481C1C}">
                 <a14:useLocalDpi xmlns:a14="http://schemas.microsoft.com/office/drawing/2010/main" val="0"/>
               </a:ext>
               <a:ext uri="{96DAC541-7B7A-43D3-8B79-37D633B846F1}">
-                <asvg:svgBlip xmlns:asvg="http://schemas.microsoft.com/office/drawing/2016/SVG/main" r:embed="rId4"/>
+                <asvg:svgBlip xmlns:asvg="http://schemas.microsoft.com/office/drawing/2016/SVG/main" xmlns="" r:embed="rId4"/>
               </a:ext>
             </a:extLst>
           </a:blip>
@@ -5620,7 +5828,7 @@
         </a:bodyPr>
         <a:lstStyle/>
         <a:p>
-          <a:pPr marL="0" lvl="0" indent="0" algn="ctr" defTabSz="622300">
+          <a:pPr lvl="0" algn="ctr" defTabSz="622300">
             <a:lnSpc>
               <a:spcPct val="90000"/>
             </a:lnSpc>
@@ -5630,7 +5838,6 @@
             <a:spcAft>
               <a:spcPct val="35000"/>
             </a:spcAft>
-            <a:buNone/>
           </a:pPr>
           <a:r>
             <a:rPr lang="pl-PL" sz="1400" kern="1200"/>
@@ -5658,13 +5865,13 @@
           <a:avLst/>
         </a:prstGeom>
         <a:blipFill>
-          <a:blip xmlns:r="http://schemas.openxmlformats.org/officeDocument/2006/relationships" r:embed="rId5">
+          <a:blip xmlns:r="http://schemas.openxmlformats.org/officeDocument/2006/relationships" r:embed="rId5" cstate="print">
             <a:extLst>
               <a:ext uri="{28A0092B-C50C-407E-A947-70E740481C1C}">
                 <a14:useLocalDpi xmlns:a14="http://schemas.microsoft.com/office/drawing/2010/main" val="0"/>
               </a:ext>
               <a:ext uri="{96DAC541-7B7A-43D3-8B79-37D633B846F1}">
-                <asvg:svgBlip xmlns:asvg="http://schemas.microsoft.com/office/drawing/2016/SVG/main" r:embed="rId6"/>
+                <asvg:svgBlip xmlns:asvg="http://schemas.microsoft.com/office/drawing/2016/SVG/main" xmlns="" r:embed="rId6"/>
               </a:ext>
             </a:extLst>
           </a:blip>
@@ -5730,7 +5937,7 @@
         </a:bodyPr>
         <a:lstStyle/>
         <a:p>
-          <a:pPr marL="0" lvl="0" indent="0" algn="ctr" defTabSz="622300">
+          <a:pPr lvl="0" algn="ctr" defTabSz="622300">
             <a:lnSpc>
               <a:spcPct val="90000"/>
             </a:lnSpc>
@@ -5740,7 +5947,6 @@
             <a:spcAft>
               <a:spcPct val="35000"/>
             </a:spcAft>
-            <a:buNone/>
           </a:pPr>
           <a:r>
             <a:rPr lang="pl-PL" sz="1400" kern="1200"/>
@@ -5768,13 +5974,13 @@
           <a:avLst/>
         </a:prstGeom>
         <a:blipFill>
-          <a:blip xmlns:r="http://schemas.openxmlformats.org/officeDocument/2006/relationships" r:embed="rId7">
+          <a:blip xmlns:r="http://schemas.openxmlformats.org/officeDocument/2006/relationships" r:embed="rId7" cstate="print">
             <a:extLst>
               <a:ext uri="{28A0092B-C50C-407E-A947-70E740481C1C}">
                 <a14:useLocalDpi xmlns:a14="http://schemas.microsoft.com/office/drawing/2010/main" val="0"/>
               </a:ext>
               <a:ext uri="{96DAC541-7B7A-43D3-8B79-37D633B846F1}">
-                <asvg:svgBlip xmlns:asvg="http://schemas.microsoft.com/office/drawing/2016/SVG/main" r:embed="rId8"/>
+                <asvg:svgBlip xmlns:asvg="http://schemas.microsoft.com/office/drawing/2016/SVG/main" xmlns="" r:embed="rId8"/>
               </a:ext>
             </a:extLst>
           </a:blip>
@@ -5840,7 +6046,7 @@
         </a:bodyPr>
         <a:lstStyle/>
         <a:p>
-          <a:pPr marL="0" lvl="0" indent="0" algn="ctr" defTabSz="622300">
+          <a:pPr lvl="0" algn="ctr" defTabSz="622300">
             <a:lnSpc>
               <a:spcPct val="90000"/>
             </a:lnSpc>
@@ -5850,7 +6056,6 @@
             <a:spcAft>
               <a:spcPct val="35000"/>
             </a:spcAft>
-            <a:buNone/>
           </a:pPr>
           <a:r>
             <a:rPr lang="pl-PL" sz="1400" kern="1200"/>
@@ -5878,13 +6083,13 @@
           <a:avLst/>
         </a:prstGeom>
         <a:blipFill>
-          <a:blip xmlns:r="http://schemas.openxmlformats.org/officeDocument/2006/relationships" r:embed="rId9">
+          <a:blip xmlns:r="http://schemas.openxmlformats.org/officeDocument/2006/relationships" r:embed="rId9" cstate="print">
             <a:extLst>
               <a:ext uri="{28A0092B-C50C-407E-A947-70E740481C1C}">
                 <a14:useLocalDpi xmlns:a14="http://schemas.microsoft.com/office/drawing/2010/main" val="0"/>
               </a:ext>
               <a:ext uri="{96DAC541-7B7A-43D3-8B79-37D633B846F1}">
-                <asvg:svgBlip xmlns:asvg="http://schemas.microsoft.com/office/drawing/2016/SVG/main" r:embed="rId10"/>
+                <asvg:svgBlip xmlns:asvg="http://schemas.microsoft.com/office/drawing/2016/SVG/main" xmlns="" r:embed="rId10"/>
               </a:ext>
             </a:extLst>
           </a:blip>
@@ -5950,7 +6155,7 @@
         </a:bodyPr>
         <a:lstStyle/>
         <a:p>
-          <a:pPr marL="0" lvl="0" indent="0" algn="ctr" defTabSz="622300">
+          <a:pPr lvl="0" algn="ctr" defTabSz="622300">
             <a:lnSpc>
               <a:spcPct val="90000"/>
             </a:lnSpc>
@@ -5960,7 +6165,6 @@
             <a:spcAft>
               <a:spcPct val="35000"/>
             </a:spcAft>
-            <a:buNone/>
           </a:pPr>
           <a:r>
             <a:rPr lang="pl-PL" sz="1400" kern="1200"/>
@@ -5988,13 +6192,13 @@
           <a:avLst/>
         </a:prstGeom>
         <a:blipFill>
-          <a:blip xmlns:r="http://schemas.openxmlformats.org/officeDocument/2006/relationships" r:embed="rId11">
+          <a:blip xmlns:r="http://schemas.openxmlformats.org/officeDocument/2006/relationships" r:embed="rId11" cstate="print">
             <a:extLst>
               <a:ext uri="{28A0092B-C50C-407E-A947-70E740481C1C}">
                 <a14:useLocalDpi xmlns:a14="http://schemas.microsoft.com/office/drawing/2010/main" val="0"/>
               </a:ext>
               <a:ext uri="{96DAC541-7B7A-43D3-8B79-37D633B846F1}">
-                <asvg:svgBlip xmlns:asvg="http://schemas.microsoft.com/office/drawing/2016/SVG/main" r:embed="rId12"/>
+                <asvg:svgBlip xmlns:asvg="http://schemas.microsoft.com/office/drawing/2016/SVG/main" xmlns="" r:embed="rId12"/>
               </a:ext>
             </a:extLst>
           </a:blip>
@@ -6060,7 +6264,7 @@
         </a:bodyPr>
         <a:lstStyle/>
         <a:p>
-          <a:pPr marL="0" lvl="0" indent="0" algn="ctr" defTabSz="622300">
+          <a:pPr lvl="0" algn="ctr" defTabSz="622300">
             <a:lnSpc>
               <a:spcPct val="90000"/>
             </a:lnSpc>
@@ -6070,7 +6274,6 @@
             <a:spcAft>
               <a:spcPct val="35000"/>
             </a:spcAft>
-            <a:buNone/>
           </a:pPr>
           <a:r>
             <a:rPr lang="pl-PL" sz="1400" kern="1200" dirty="0"/>
@@ -6110,13 +6313,13 @@
           <a:avLst/>
         </a:prstGeom>
         <a:blipFill>
-          <a:blip xmlns:r="http://schemas.openxmlformats.org/officeDocument/2006/relationships" r:embed="rId1">
+          <a:blip xmlns:r="http://schemas.openxmlformats.org/officeDocument/2006/relationships" r:embed="rId1" cstate="print">
             <a:extLst>
               <a:ext uri="{28A0092B-C50C-407E-A947-70E740481C1C}">
                 <a14:useLocalDpi xmlns:a14="http://schemas.microsoft.com/office/drawing/2010/main" val="0"/>
               </a:ext>
               <a:ext uri="{96DAC541-7B7A-43D3-8B79-37D633B846F1}">
-                <asvg:svgBlip xmlns:asvg="http://schemas.microsoft.com/office/drawing/2016/SVG/main" r:embed="rId2"/>
+                <asvg:svgBlip xmlns:asvg="http://schemas.microsoft.com/office/drawing/2016/SVG/main" xmlns="" r:embed="rId2"/>
               </a:ext>
             </a:extLst>
           </a:blip>
@@ -6182,7 +6385,7 @@
         </a:bodyPr>
         <a:lstStyle/>
         <a:p>
-          <a:pPr marL="0" lvl="0" indent="0" algn="ctr" defTabSz="488950">
+          <a:pPr lvl="0" algn="ctr" defTabSz="488950">
             <a:lnSpc>
               <a:spcPct val="90000"/>
             </a:lnSpc>
@@ -6192,7 +6395,6 @@
             <a:spcAft>
               <a:spcPct val="35000"/>
             </a:spcAft>
-            <a:buNone/>
           </a:pPr>
           <a:r>
             <a:rPr lang="pl-PL" sz="1100" kern="1200"/>
@@ -6220,13 +6422,13 @@
           <a:avLst/>
         </a:prstGeom>
         <a:blipFill>
-          <a:blip xmlns:r="http://schemas.openxmlformats.org/officeDocument/2006/relationships" r:embed="rId3">
+          <a:blip xmlns:r="http://schemas.openxmlformats.org/officeDocument/2006/relationships" r:embed="rId3" cstate="print">
             <a:extLst>
               <a:ext uri="{28A0092B-C50C-407E-A947-70E740481C1C}">
                 <a14:useLocalDpi xmlns:a14="http://schemas.microsoft.com/office/drawing/2010/main" val="0"/>
               </a:ext>
               <a:ext uri="{96DAC541-7B7A-43D3-8B79-37D633B846F1}">
-                <asvg:svgBlip xmlns:asvg="http://schemas.microsoft.com/office/drawing/2016/SVG/main" r:embed="rId4"/>
+                <asvg:svgBlip xmlns:asvg="http://schemas.microsoft.com/office/drawing/2016/SVG/main" xmlns="" r:embed="rId4"/>
               </a:ext>
             </a:extLst>
           </a:blip>
@@ -6292,7 +6494,7 @@
         </a:bodyPr>
         <a:lstStyle/>
         <a:p>
-          <a:pPr marL="0" lvl="0" indent="0" algn="ctr" defTabSz="488950">
+          <a:pPr lvl="0" algn="ctr" defTabSz="488950">
             <a:lnSpc>
               <a:spcPct val="90000"/>
             </a:lnSpc>
@@ -6302,7 +6504,6 @@
             <a:spcAft>
               <a:spcPct val="35000"/>
             </a:spcAft>
-            <a:buNone/>
           </a:pPr>
           <a:r>
             <a:rPr lang="pl-PL" sz="1100" kern="1200"/>
@@ -6336,7 +6537,7 @@
                 <a14:useLocalDpi xmlns:a14="http://schemas.microsoft.com/office/drawing/2010/main" val="0"/>
               </a:ext>
               <a:ext uri="{96DAC541-7B7A-43D3-8B79-37D633B846F1}">
-                <asvg:svgBlip xmlns:asvg="http://schemas.microsoft.com/office/drawing/2016/SVG/main" r:embed="rId6"/>
+                <asvg:svgBlip xmlns:asvg="http://schemas.microsoft.com/office/drawing/2016/SVG/main" xmlns="" r:embed="rId6"/>
               </a:ext>
             </a:extLst>
           </a:blip>
@@ -6402,7 +6603,7 @@
         </a:bodyPr>
         <a:lstStyle/>
         <a:p>
-          <a:pPr marL="0" lvl="0" indent="0" algn="ctr" defTabSz="488950">
+          <a:pPr lvl="0" algn="ctr" defTabSz="488950">
             <a:lnSpc>
               <a:spcPct val="90000"/>
             </a:lnSpc>
@@ -6412,7 +6613,6 @@
             <a:spcAft>
               <a:spcPct val="35000"/>
             </a:spcAft>
-            <a:buNone/>
           </a:pPr>
           <a:r>
             <a:rPr lang="pl-PL" sz="1100" kern="1200"/>
@@ -6440,13 +6640,13 @@
           <a:avLst/>
         </a:prstGeom>
         <a:blipFill>
-          <a:blip xmlns:r="http://schemas.openxmlformats.org/officeDocument/2006/relationships" r:embed="rId7">
+          <a:blip xmlns:r="http://schemas.openxmlformats.org/officeDocument/2006/relationships" r:embed="rId7" cstate="print">
             <a:extLst>
               <a:ext uri="{28A0092B-C50C-407E-A947-70E740481C1C}">
                 <a14:useLocalDpi xmlns:a14="http://schemas.microsoft.com/office/drawing/2010/main" val="0"/>
               </a:ext>
               <a:ext uri="{96DAC541-7B7A-43D3-8B79-37D633B846F1}">
-                <asvg:svgBlip xmlns:asvg="http://schemas.microsoft.com/office/drawing/2016/SVG/main" r:embed="rId8"/>
+                <asvg:svgBlip xmlns:asvg="http://schemas.microsoft.com/office/drawing/2016/SVG/main" xmlns="" r:embed="rId8"/>
               </a:ext>
             </a:extLst>
           </a:blip>
@@ -6512,7 +6712,7 @@
         </a:bodyPr>
         <a:lstStyle/>
         <a:p>
-          <a:pPr marL="0" lvl="0" indent="0" algn="ctr" defTabSz="488950">
+          <a:pPr lvl="0" algn="ctr" defTabSz="488950">
             <a:lnSpc>
               <a:spcPct val="90000"/>
             </a:lnSpc>
@@ -6522,7 +6722,6 @@
             <a:spcAft>
               <a:spcPct val="35000"/>
             </a:spcAft>
-            <a:buNone/>
           </a:pPr>
           <a:r>
             <a:rPr lang="pl-PL" sz="1100" kern="1200"/>
@@ -6565,7 +6764,7 @@
           <a:blip xmlns:r="http://schemas.openxmlformats.org/officeDocument/2006/relationships" r:embed="rId1">
             <a:extLst>
               <a:ext uri="{96DAC541-7B7A-43D3-8B79-37D633B846F1}">
-                <asvg:svgBlip xmlns:asvg="http://schemas.microsoft.com/office/drawing/2016/SVG/main" r:embed="rId2"/>
+                <asvg:svgBlip xmlns:asvg="http://schemas.microsoft.com/office/drawing/2016/SVG/main" xmlns="" r:embed="rId2"/>
               </a:ext>
             </a:extLst>
           </a:blip>
@@ -6640,7 +6839,7 @@
         </a:bodyPr>
         <a:lstStyle/>
         <a:p>
-          <a:pPr marL="0" lvl="0" indent="0" algn="ctr" defTabSz="488950">
+          <a:pPr lvl="0" algn="ctr" defTabSz="488950">
             <a:lnSpc>
               <a:spcPct val="100000"/>
             </a:lnSpc>
@@ -6650,7 +6849,6 @@
             <a:spcAft>
               <a:spcPct val="35000"/>
             </a:spcAft>
-            <a:buNone/>
           </a:pPr>
           <a:r>
             <a:rPr lang="pl-PL" sz="1100" b="1" kern="1200" dirty="0"/>
@@ -6658,7 +6856,7 @@
           </a:r>
         </a:p>
         <a:p>
-          <a:pPr marL="0" lvl="0" indent="0" algn="ctr" defTabSz="488950">
+          <a:pPr lvl="0" algn="ctr" defTabSz="488950">
             <a:lnSpc>
               <a:spcPct val="100000"/>
             </a:lnSpc>
@@ -6668,7 +6866,6 @@
             <a:spcAft>
               <a:spcPct val="35000"/>
             </a:spcAft>
-            <a:buNone/>
           </a:pPr>
           <a:r>
             <a:rPr lang="pl-PL" sz="1100" kern="1200" dirty="0"/>
@@ -6699,7 +6896,7 @@
           <a:blip xmlns:r="http://schemas.openxmlformats.org/officeDocument/2006/relationships" r:embed="rId3">
             <a:extLst>
               <a:ext uri="{96DAC541-7B7A-43D3-8B79-37D633B846F1}">
-                <asvg:svgBlip xmlns:asvg="http://schemas.microsoft.com/office/drawing/2016/SVG/main" r:embed="rId4"/>
+                <asvg:svgBlip xmlns:asvg="http://schemas.microsoft.com/office/drawing/2016/SVG/main" xmlns="" r:embed="rId4"/>
               </a:ext>
             </a:extLst>
           </a:blip>
@@ -6774,7 +6971,7 @@
         </a:bodyPr>
         <a:lstStyle/>
         <a:p>
-          <a:pPr marL="0" lvl="0" indent="0" algn="ctr" defTabSz="488950">
+          <a:pPr lvl="0" algn="ctr" defTabSz="488950">
             <a:lnSpc>
               <a:spcPct val="100000"/>
             </a:lnSpc>
@@ -6784,7 +6981,6 @@
             <a:spcAft>
               <a:spcPct val="35000"/>
             </a:spcAft>
-            <a:buNone/>
           </a:pPr>
           <a:r>
             <a:rPr lang="pl-PL" sz="1100" b="1" kern="1200" dirty="0" err="1"/>
@@ -6793,7 +6989,7 @@
           <a:endParaRPr lang="pl-PL" sz="1100" b="1" kern="1200" dirty="0"/>
         </a:p>
         <a:p>
-          <a:pPr marL="0" lvl="0" indent="0" algn="ctr" defTabSz="488950">
+          <a:pPr lvl="0" algn="ctr" defTabSz="488950">
             <a:lnSpc>
               <a:spcPct val="100000"/>
             </a:lnSpc>
@@ -6803,7 +6999,6 @@
             <a:spcAft>
               <a:spcPct val="35000"/>
             </a:spcAft>
-            <a:buNone/>
           </a:pPr>
           <a:r>
             <a:rPr lang="pl-PL" sz="1100" kern="1200" dirty="0"/>
@@ -6833,7 +7028,7 @@
           <a:blip xmlns:r="http://schemas.openxmlformats.org/officeDocument/2006/relationships" r:embed="rId5">
             <a:extLst>
               <a:ext uri="{96DAC541-7B7A-43D3-8B79-37D633B846F1}">
-                <asvg:svgBlip xmlns:asvg="http://schemas.microsoft.com/office/drawing/2016/SVG/main" r:embed="rId6"/>
+                <asvg:svgBlip xmlns:asvg="http://schemas.microsoft.com/office/drawing/2016/SVG/main" xmlns="" r:embed="rId6"/>
               </a:ext>
             </a:extLst>
           </a:blip>
@@ -6908,7 +7103,7 @@
         </a:bodyPr>
         <a:lstStyle/>
         <a:p>
-          <a:pPr marL="0" lvl="0" indent="0" algn="ctr" defTabSz="488950">
+          <a:pPr lvl="0" algn="ctr" defTabSz="488950">
             <a:lnSpc>
               <a:spcPct val="100000"/>
             </a:lnSpc>
@@ -6918,7 +7113,6 @@
             <a:spcAft>
               <a:spcPct val="35000"/>
             </a:spcAft>
-            <a:buNone/>
           </a:pPr>
           <a:r>
             <a:rPr lang="pl-PL" sz="1100" b="1" kern="1200" dirty="0"/>
@@ -6926,7 +7120,7 @@
           </a:r>
         </a:p>
         <a:p>
-          <a:pPr marL="0" lvl="0" indent="0" algn="ctr" defTabSz="488950">
+          <a:pPr lvl="0" algn="ctr" defTabSz="488950">
             <a:lnSpc>
               <a:spcPct val="100000"/>
             </a:lnSpc>
@@ -6936,7 +7130,6 @@
             <a:spcAft>
               <a:spcPct val="35000"/>
             </a:spcAft>
-            <a:buNone/>
           </a:pPr>
           <a:r>
             <a:rPr lang="pl-PL" sz="1100" kern="1200" dirty="0" err="1"/>
@@ -6967,7 +7160,7 @@
           <a:blip xmlns:r="http://schemas.openxmlformats.org/officeDocument/2006/relationships" r:embed="rId7">
             <a:extLst>
               <a:ext uri="{96DAC541-7B7A-43D3-8B79-37D633B846F1}">
-                <asvg:svgBlip xmlns:asvg="http://schemas.microsoft.com/office/drawing/2016/SVG/main" r:embed="rId8"/>
+                <asvg:svgBlip xmlns:asvg="http://schemas.microsoft.com/office/drawing/2016/SVG/main" xmlns="" r:embed="rId8"/>
               </a:ext>
             </a:extLst>
           </a:blip>
@@ -7042,7 +7235,7 @@
         </a:bodyPr>
         <a:lstStyle/>
         <a:p>
-          <a:pPr marL="0" lvl="0" indent="0" algn="ctr" defTabSz="488950">
+          <a:pPr lvl="0" algn="ctr" defTabSz="488950">
             <a:lnSpc>
               <a:spcPct val="100000"/>
             </a:lnSpc>
@@ -7052,7 +7245,6 @@
             <a:spcAft>
               <a:spcPct val="35000"/>
             </a:spcAft>
-            <a:buNone/>
           </a:pPr>
           <a:r>
             <a:rPr lang="pl-PL" sz="1100" b="1" kern="1200" dirty="0"/>
@@ -7060,7 +7252,7 @@
           </a:r>
         </a:p>
         <a:p>
-          <a:pPr marL="0" lvl="0" indent="0" algn="ctr" defTabSz="488950">
+          <a:pPr lvl="0" algn="ctr" defTabSz="488950">
             <a:lnSpc>
               <a:spcPct val="100000"/>
             </a:lnSpc>
@@ -7070,7 +7262,6 @@
             <a:spcAft>
               <a:spcPct val="35000"/>
             </a:spcAft>
-            <a:buNone/>
           </a:pPr>
           <a:r>
             <a:rPr lang="pl-PL" sz="1100" kern="1200" dirty="0"/>
@@ -7078,7 +7269,7 @@
           </a:r>
         </a:p>
         <a:p>
-          <a:pPr marL="0" lvl="0" indent="0" algn="ctr" defTabSz="488950">
+          <a:pPr lvl="0" algn="ctr" defTabSz="488950">
             <a:lnSpc>
               <a:spcPct val="100000"/>
             </a:lnSpc>
@@ -7088,7 +7279,6 @@
             <a:spcAft>
               <a:spcPct val="35000"/>
             </a:spcAft>
-            <a:buNone/>
           </a:pPr>
           <a:r>
             <a:rPr lang="pl-PL" sz="1100" kern="1200" dirty="0"/>
@@ -7096,7 +7286,7 @@
           </a:r>
         </a:p>
         <a:p>
-          <a:pPr marL="0" lvl="0" indent="0" algn="ctr" defTabSz="488950">
+          <a:pPr lvl="0" algn="ctr" defTabSz="488950">
             <a:lnSpc>
               <a:spcPct val="100000"/>
             </a:lnSpc>
@@ -7106,7 +7296,6 @@
             <a:spcAft>
               <a:spcPct val="35000"/>
             </a:spcAft>
-            <a:buNone/>
           </a:pPr>
           <a:r>
             <a:rPr lang="pl-PL" sz="1100" kern="1200" dirty="0"/>
@@ -7114,7 +7303,7 @@
           </a:r>
         </a:p>
         <a:p>
-          <a:pPr marL="0" lvl="0" indent="0" algn="ctr" defTabSz="488950">
+          <a:pPr lvl="0" algn="ctr" defTabSz="488950">
             <a:lnSpc>
               <a:spcPct val="100000"/>
             </a:lnSpc>
@@ -7124,7 +7313,6 @@
             <a:spcAft>
               <a:spcPct val="35000"/>
             </a:spcAft>
-            <a:buNone/>
           </a:pPr>
           <a:r>
             <a:rPr lang="pl-PL" sz="1100" kern="1200" dirty="0" err="1"/>
@@ -7167,7 +7355,7 @@
           <a:blip xmlns:r="http://schemas.openxmlformats.org/officeDocument/2006/relationships" r:embed="rId1">
             <a:extLst>
               <a:ext uri="{96DAC541-7B7A-43D3-8B79-37D633B846F1}">
-                <asvg:svgBlip xmlns:asvg="http://schemas.microsoft.com/office/drawing/2016/SVG/main" r:embed="rId2"/>
+                <asvg:svgBlip xmlns:asvg="http://schemas.microsoft.com/office/drawing/2016/SVG/main" xmlns="" r:embed="rId2"/>
               </a:ext>
             </a:extLst>
           </a:blip>
@@ -7234,7 +7422,7 @@
         </a:bodyPr>
         <a:lstStyle/>
         <a:p>
-          <a:pPr marL="0" lvl="0" indent="0" algn="ctr" defTabSz="488950">
+          <a:pPr lvl="0" algn="ctr" defTabSz="488950">
             <a:lnSpc>
               <a:spcPct val="100000"/>
             </a:lnSpc>
@@ -7244,7 +7432,6 @@
             <a:spcAft>
               <a:spcPct val="35000"/>
             </a:spcAft>
-            <a:buNone/>
           </a:pPr>
           <a:r>
             <a:rPr lang="pl-PL" sz="1100" b="1" kern="1200" dirty="0"/>
@@ -7252,7 +7439,7 @@
           </a:r>
         </a:p>
         <a:p>
-          <a:pPr marL="0" lvl="0" indent="0" algn="ctr" defTabSz="488950">
+          <a:pPr lvl="0" algn="ctr" defTabSz="488950">
             <a:lnSpc>
               <a:spcPct val="100000"/>
             </a:lnSpc>
@@ -7262,7 +7449,6 @@
             <a:spcAft>
               <a:spcPct val="35000"/>
             </a:spcAft>
-            <a:buNone/>
           </a:pPr>
           <a:r>
             <a:rPr lang="pl-PL" sz="1100" kern="1200" dirty="0"/>
@@ -7270,7 +7456,7 @@
           </a:r>
         </a:p>
         <a:p>
-          <a:pPr marL="0" lvl="0" indent="0" algn="ctr" defTabSz="488950">
+          <a:pPr lvl="0" algn="ctr" defTabSz="488950">
             <a:lnSpc>
               <a:spcPct val="100000"/>
             </a:lnSpc>
@@ -7280,7 +7466,6 @@
             <a:spcAft>
               <a:spcPct val="35000"/>
             </a:spcAft>
-            <a:buNone/>
           </a:pPr>
           <a:r>
             <a:rPr lang="pl-PL" sz="1100" kern="1200" dirty="0"/>
@@ -7311,7 +7496,7 @@
           <a:blip xmlns:r="http://schemas.openxmlformats.org/officeDocument/2006/relationships" r:embed="rId3">
             <a:extLst>
               <a:ext uri="{96DAC541-7B7A-43D3-8B79-37D633B846F1}">
-                <asvg:svgBlip xmlns:asvg="http://schemas.microsoft.com/office/drawing/2016/SVG/main" r:embed="rId4"/>
+                <asvg:svgBlip xmlns:asvg="http://schemas.microsoft.com/office/drawing/2016/SVG/main" xmlns="" r:embed="rId4"/>
               </a:ext>
             </a:extLst>
           </a:blip>
@@ -7378,7 +7563,7 @@
         </a:bodyPr>
         <a:lstStyle/>
         <a:p>
-          <a:pPr marL="0" lvl="0" indent="0" algn="ctr" defTabSz="488950">
+          <a:pPr lvl="0" algn="ctr" defTabSz="488950">
             <a:lnSpc>
               <a:spcPct val="100000"/>
             </a:lnSpc>
@@ -7388,7 +7573,6 @@
             <a:spcAft>
               <a:spcPct val="35000"/>
             </a:spcAft>
-            <a:buNone/>
           </a:pPr>
           <a:r>
             <a:rPr lang="pl-PL" sz="1100" b="1" kern="1200" dirty="0"/>
@@ -7396,7 +7580,7 @@
           </a:r>
         </a:p>
         <a:p>
-          <a:pPr marL="0" lvl="0" indent="0" algn="ctr" defTabSz="488950">
+          <a:pPr lvl="0" algn="ctr" defTabSz="488950">
             <a:lnSpc>
               <a:spcPct val="100000"/>
             </a:lnSpc>
@@ -7406,7 +7590,6 @@
             <a:spcAft>
               <a:spcPct val="35000"/>
             </a:spcAft>
-            <a:buNone/>
           </a:pPr>
           <a:r>
             <a:rPr lang="pl-PL" sz="1100" kern="1200" dirty="0" err="1"/>
@@ -7602,7 +7785,7 @@
   </dgm:layoutNode>
   <dgm:extLst>
     <a:ext uri="{68A01E43-0DF5-4B5B-8FA6-DAF915123BFB}">
-      <dgm1612:lstStyle xmlns:dgm1612="http://schemas.microsoft.com/office/drawing/2016/12/diagram">
+      <dgm1612:lstStyle xmlns:dgm1612="http://schemas.microsoft.com/office/drawing/2016/12/diagram" xmlns="">
         <a:lvl1pPr>
           <a:lnSpc>
             <a:spcPct val="100000"/>
@@ -7792,7 +7975,7 @@
   </dgm:layoutNode>
   <dgm:extLst>
     <a:ext uri="{68A01E43-0DF5-4B5B-8FA6-DAF915123BFB}">
-      <dgm1612:lstStyle xmlns:dgm1612="http://schemas.microsoft.com/office/drawing/2016/12/diagram">
+      <dgm1612:lstStyle xmlns:dgm1612="http://schemas.microsoft.com/office/drawing/2016/12/diagram" xmlns="">
         <a:lvl1pPr>
           <a:lnSpc>
             <a:spcPct val="100000"/>
@@ -7982,7 +8165,7 @@
   </dgm:layoutNode>
   <dgm:extLst>
     <a:ext uri="{68A01E43-0DF5-4B5B-8FA6-DAF915123BFB}">
-      <dgm1612:lstStyle xmlns:dgm1612="http://schemas.microsoft.com/office/drawing/2016/12/diagram">
+      <dgm1612:lstStyle xmlns:dgm1612="http://schemas.microsoft.com/office/drawing/2016/12/diagram" xmlns="">
         <a:lvl1pPr>
           <a:lnSpc>
             <a:spcPct val="100000"/>
@@ -8172,7 +8355,7 @@
   </dgm:layoutNode>
   <dgm:extLst>
     <a:ext uri="{68A01E43-0DF5-4B5B-8FA6-DAF915123BFB}">
-      <dgm1612:lstStyle xmlns:dgm1612="http://schemas.microsoft.com/office/drawing/2016/12/diagram">
+      <dgm1612:lstStyle xmlns:dgm1612="http://schemas.microsoft.com/office/drawing/2016/12/diagram" xmlns="">
         <a:lvl1pPr>
           <a:lnSpc>
             <a:spcPct val="100000"/>
@@ -12402,7 +12585,7 @@
           <a:p>
             <a:fld id="{8FEB8617-5569-4880-877C-4D0F8268061D}" type="datetimeFigureOut">
               <a:rPr lang="pl-PL" smtClean="0"/>
-              <a:t>25.01.2025</a:t>
+              <a:t>26.01.2025</a:t>
             </a:fld>
             <a:endParaRPr lang="pl-PL"/>
           </a:p>
@@ -12857,6 +13040,90 @@
 </p:notes>
 </file>
 
+<file path=ppt/notesSlides/notesSlide2.xml><?xml version="1.0" encoding="utf-8"?>
+<p:notes xmlns:a="http://schemas.openxmlformats.org/drawingml/2006/main" xmlns:r="http://schemas.openxmlformats.org/officeDocument/2006/relationships" xmlns:p="http://schemas.openxmlformats.org/presentationml/2006/main">
+  <p:cSld>
+    <p:spTree>
+      <p:nvGrpSpPr>
+        <p:cNvPr id="1" name=""/>
+        <p:cNvGrpSpPr/>
+        <p:nvPr/>
+      </p:nvGrpSpPr>
+      <p:grpSpPr>
+        <a:xfrm>
+          <a:off x="0" y="0"/>
+          <a:ext cx="0" cy="0"/>
+          <a:chOff x="0" y="0"/>
+          <a:chExt cx="0" cy="0"/>
+        </a:xfrm>
+      </p:grpSpPr>
+      <p:sp>
+        <p:nvSpPr>
+          <p:cNvPr id="2" name="Symbol zastępczy obrazu slajdu 1"/>
+          <p:cNvSpPr>
+            <a:spLocks noGrp="1" noRot="1" noChangeAspect="1"/>
+          </p:cNvSpPr>
+          <p:nvPr>
+            <p:ph type="sldImg"/>
+          </p:nvPr>
+        </p:nvSpPr>
+        <p:spPr/>
+      </p:sp>
+      <p:sp>
+        <p:nvSpPr>
+          <p:cNvPr id="3" name="Symbol zastępczy notatek 2"/>
+          <p:cNvSpPr>
+            <a:spLocks noGrp="1"/>
+          </p:cNvSpPr>
+          <p:nvPr>
+            <p:ph type="body" idx="1"/>
+          </p:nvPr>
+        </p:nvSpPr>
+        <p:spPr/>
+        <p:txBody>
+          <a:bodyPr/>
+          <a:lstStyle/>
+          <a:p>
+            <a:endParaRPr lang="pl-PL" dirty="0"/>
+          </a:p>
+        </p:txBody>
+      </p:sp>
+      <p:sp>
+        <p:nvSpPr>
+          <p:cNvPr id="4" name="Symbol zastępczy numeru slajdu 3"/>
+          <p:cNvSpPr>
+            <a:spLocks noGrp="1"/>
+          </p:cNvSpPr>
+          <p:nvPr>
+            <p:ph type="sldNum" sz="quarter" idx="10"/>
+          </p:nvPr>
+        </p:nvSpPr>
+        <p:spPr/>
+        <p:txBody>
+          <a:bodyPr/>
+          <a:lstStyle/>
+          <a:p>
+            <a:fld id="{AAB0C3FB-0287-4AEB-903B-FF90F8EA0E34}" type="slidenum">
+              <a:rPr lang="pl-PL" smtClean="0"/>
+              <a:t>13</a:t>
+            </a:fld>
+            <a:endParaRPr lang="pl-PL"/>
+          </a:p>
+        </p:txBody>
+      </p:sp>
+    </p:spTree>
+    <p:extLst>
+      <p:ext uri="{BB962C8B-B14F-4D97-AF65-F5344CB8AC3E}">
+        <p14:creationId xmlns:p14="http://schemas.microsoft.com/office/powerpoint/2010/main" val="2295364432"/>
+      </p:ext>
+    </p:extLst>
+  </p:cSld>
+  <p:clrMapOvr>
+    <a:masterClrMapping/>
+  </p:clrMapOvr>
+</p:notes>
+</file>
+
 <file path=ppt/slideLayouts/slideLayout1.xml><?xml version="1.0" encoding="utf-8"?>
 <p:sldLayout xmlns:a="http://schemas.openxmlformats.org/drawingml/2006/main" xmlns:r="http://schemas.openxmlformats.org/officeDocument/2006/relationships" xmlns:p="http://schemas.openxmlformats.org/presentationml/2006/main" type="title" preserve="1">
   <p:cSld name="Slajd tytułowy">
@@ -12996,7 +13263,7 @@
           <a:p>
             <a:fld id="{B0D0F06A-99EB-41DB-89AD-B1F31840A8BC}" type="datetimeFigureOut">
               <a:rPr lang="pl-PL" smtClean="0"/>
-              <a:t>25.01.2025</a:t>
+              <a:t>26.01.2025</a:t>
             </a:fld>
             <a:endParaRPr lang="pl-PL"/>
           </a:p>
@@ -13207,7 +13474,7 @@
           <a:p>
             <a:fld id="{B0D0F06A-99EB-41DB-89AD-B1F31840A8BC}" type="datetimeFigureOut">
               <a:rPr lang="pl-PL" smtClean="0"/>
-              <a:t>25.01.2025</a:t>
+              <a:t>26.01.2025</a:t>
             </a:fld>
             <a:endParaRPr lang="pl-PL"/>
           </a:p>
@@ -13422,7 +13689,7 @@
           <a:p>
             <a:fld id="{B0D0F06A-99EB-41DB-89AD-B1F31840A8BC}" type="datetimeFigureOut">
               <a:rPr lang="pl-PL" smtClean="0"/>
-              <a:t>25.01.2025</a:t>
+              <a:t>26.01.2025</a:t>
             </a:fld>
             <a:endParaRPr lang="pl-PL"/>
           </a:p>
@@ -13623,7 +13890,7 @@
           <a:p>
             <a:fld id="{B0D0F06A-99EB-41DB-89AD-B1F31840A8BC}" type="datetimeFigureOut">
               <a:rPr lang="pl-PL" smtClean="0"/>
-              <a:t>25.01.2025</a:t>
+              <a:t>26.01.2025</a:t>
             </a:fld>
             <a:endParaRPr lang="pl-PL"/>
           </a:p>
@@ -13902,7 +14169,7 @@
           <a:p>
             <a:fld id="{B0D0F06A-99EB-41DB-89AD-B1F31840A8BC}" type="datetimeFigureOut">
               <a:rPr lang="pl-PL" smtClean="0"/>
-              <a:t>25.01.2025</a:t>
+              <a:t>26.01.2025</a:t>
             </a:fld>
             <a:endParaRPr lang="pl-PL"/>
           </a:p>
@@ -14170,7 +14437,7 @@
           <a:p>
             <a:fld id="{B0D0F06A-99EB-41DB-89AD-B1F31840A8BC}" type="datetimeFigureOut">
               <a:rPr lang="pl-PL" smtClean="0"/>
-              <a:t>25.01.2025</a:t>
+              <a:t>26.01.2025</a:t>
             </a:fld>
             <a:endParaRPr lang="pl-PL"/>
           </a:p>
@@ -14586,7 +14853,7 @@
           <a:p>
             <a:fld id="{B0D0F06A-99EB-41DB-89AD-B1F31840A8BC}" type="datetimeFigureOut">
               <a:rPr lang="pl-PL" smtClean="0"/>
-              <a:t>25.01.2025</a:t>
+              <a:t>26.01.2025</a:t>
             </a:fld>
             <a:endParaRPr lang="pl-PL"/>
           </a:p>
@@ -14735,7 +15002,7 @@
           <a:p>
             <a:fld id="{B0D0F06A-99EB-41DB-89AD-B1F31840A8BC}" type="datetimeFigureOut">
               <a:rPr lang="pl-PL" smtClean="0"/>
-              <a:t>25.01.2025</a:t>
+              <a:t>26.01.2025</a:t>
             </a:fld>
             <a:endParaRPr lang="pl-PL"/>
           </a:p>
@@ -14861,7 +15128,7 @@
           <a:p>
             <a:fld id="{B0D0F06A-99EB-41DB-89AD-B1F31840A8BC}" type="datetimeFigureOut">
               <a:rPr lang="pl-PL" smtClean="0"/>
-              <a:t>25.01.2025</a:t>
+              <a:t>26.01.2025</a:t>
             </a:fld>
             <a:endParaRPr lang="pl-PL"/>
           </a:p>
@@ -15112,7 +15379,7 @@
           <a:p>
             <a:fld id="{B0D0F06A-99EB-41DB-89AD-B1F31840A8BC}" type="datetimeFigureOut">
               <a:rPr lang="pl-PL" smtClean="0"/>
-              <a:t>25.01.2025</a:t>
+              <a:t>26.01.2025</a:t>
             </a:fld>
             <a:endParaRPr lang="pl-PL"/>
           </a:p>
@@ -15557,7 +15824,7 @@
           <a:p>
             <a:fld id="{B0D0F06A-99EB-41DB-89AD-B1F31840A8BC}" type="datetimeFigureOut">
               <a:rPr lang="pl-PL" smtClean="0"/>
-              <a:t>25.01.2025</a:t>
+              <a:t>26.01.2025</a:t>
             </a:fld>
             <a:endParaRPr lang="pl-PL"/>
           </a:p>
@@ -15883,7 +16150,7 @@
           <a:p>
             <a:fld id="{B0D0F06A-99EB-41DB-89AD-B1F31840A8BC}" type="datetimeFigureOut">
               <a:rPr lang="pl-PL" smtClean="0"/>
-              <a:t>25.01.2025</a:t>
+              <a:t>26.01.2025</a:t>
             </a:fld>
             <a:endParaRPr lang="pl-PL"/>
           </a:p>
@@ -16401,7 +16668,7 @@
                 <a16:creationId xmlns:a16="http://schemas.microsoft.com/office/drawing/2014/main" id="{2FDF9410-E530-4E71-A2C0-4C24B489649E}"/>
               </a:ext>
               <a:ext uri="{C183D7F6-B498-43B3-948B-1728B52AA6E4}">
-                <adec:decorative xmlns:adec="http://schemas.microsoft.com/office/drawing/2017/decorative" val="1"/>
+                <adec:decorative xmlns:adec="http://schemas.microsoft.com/office/drawing/2017/decorative" xmlns="" val="1"/>
               </a:ext>
             </a:extLst>
           </p:cNvPr>
@@ -16479,6 +16746,10 @@
               <a:rPr lang="pl-PL" sz="4600" b="1"/>
               <a:t>Budowa i implementacja aplikacji zarządzania zbiorami galerii sztuki</a:t>
             </a:r>
+            <a:r>
+              <a:rPr lang="pl-PL" sz="4600"/>
+              <a:t/>
+            </a:r>
             <a:br>
               <a:rPr lang="pl-PL" sz="4600"/>
             </a:br>
@@ -16524,7 +16795,7 @@
                 <a16:creationId xmlns:a16="http://schemas.microsoft.com/office/drawing/2014/main" id="{53268B1E-8861-4702-9529-5A8FB23A618F}"/>
               </a:ext>
               <a:ext uri="{C183D7F6-B498-43B3-948B-1728B52AA6E4}">
-                <adec:decorative xmlns:adec="http://schemas.microsoft.com/office/drawing/2017/decorative" val="1"/>
+                <adec:decorative xmlns:adec="http://schemas.microsoft.com/office/drawing/2017/decorative" xmlns="" val="1"/>
               </a:ext>
             </a:extLst>
           </p:cNvPr>
@@ -16572,7 +16843,7 @@
                 <a16:creationId xmlns:a16="http://schemas.microsoft.com/office/drawing/2014/main" id="{BC6646AE-8FD6-411E-8640-6CCB250D54FB}"/>
               </a:ext>
               <a:ext uri="{C183D7F6-B498-43B3-948B-1728B52AA6E4}">
-                <adec:decorative xmlns:adec="http://schemas.microsoft.com/office/drawing/2017/decorative" val="1"/>
+                <adec:decorative xmlns:adec="http://schemas.microsoft.com/office/drawing/2017/decorative" xmlns="" val="1"/>
               </a:ext>
             </a:extLst>
           </p:cNvPr>
@@ -16622,6 +16893,13 @@
   <p:clrMapOvr>
     <a:masterClrMapping/>
   </p:clrMapOvr>
+  <p:timing>
+    <p:tnLst>
+      <p:par>
+        <p:cTn id="1" dur="indefinite" restart="never" nodeType="tmRoot"/>
+      </p:par>
+    </p:tnLst>
+  </p:timing>
 </p:sld>
 </file>
 
@@ -16753,6 +17031,13 @@
   <p:clrMapOvr>
     <a:masterClrMapping/>
   </p:clrMapOvr>
+  <p:timing>
+    <p:tnLst>
+      <p:par>
+        <p:cTn id="1" dur="indefinite" restart="never" nodeType="tmRoot"/>
+      </p:par>
+    </p:tnLst>
+  </p:timing>
 </p:sld>
 </file>
 
@@ -16799,828 +17084,13 @@
       </p:grpSpPr>
       <p:sp>
         <p:nvSpPr>
-          <p:cNvPr id="2" name="Tytuł 1">
-            <a:extLst>
-              <a:ext uri="{FF2B5EF4-FFF2-40B4-BE49-F238E27FC236}">
-                <a16:creationId xmlns:a16="http://schemas.microsoft.com/office/drawing/2014/main" id="{50620C93-0F60-E3C0-D998-CF2F78E4B70D}"/>
-              </a:ext>
-            </a:extLst>
-          </p:cNvPr>
-          <p:cNvSpPr>
-            <a:spLocks noGrp="1"/>
-          </p:cNvSpPr>
-          <p:nvPr>
-            <p:ph type="title"/>
-          </p:nvPr>
-        </p:nvSpPr>
-        <p:spPr>
-          <a:xfrm>
-            <a:off x="1451579" y="804519"/>
-            <a:ext cx="9603275" cy="1049235"/>
-          </a:xfrm>
-        </p:spPr>
-        <p:txBody>
-          <a:bodyPr>
-            <a:normAutofit/>
-          </a:bodyPr>
-          <a:lstStyle/>
-          <a:p>
-            <a:r>
-              <a:rPr lang="pl-PL" dirty="0"/>
-              <a:t>Diagram przypadków użycia</a:t>
-            </a:r>
-          </a:p>
-        </p:txBody>
-      </p:sp>
-      <p:sp>
-        <p:nvSpPr>
-          <p:cNvPr id="3" name="Symbol zastępczy zawartości 2">
-            <a:extLst>
-              <a:ext uri="{FF2B5EF4-FFF2-40B4-BE49-F238E27FC236}">
-                <a16:creationId xmlns:a16="http://schemas.microsoft.com/office/drawing/2014/main" id="{5F78180E-BD92-0CB4-2F4A-62656A56CA49}"/>
-              </a:ext>
-            </a:extLst>
-          </p:cNvPr>
-          <p:cNvSpPr>
-            <a:spLocks noGrp="1"/>
-          </p:cNvSpPr>
-          <p:nvPr>
-            <p:ph idx="1"/>
-          </p:nvPr>
-        </p:nvSpPr>
-        <p:spPr>
-          <a:xfrm>
-            <a:off x="1451579" y="2015734"/>
-            <a:ext cx="4158849" cy="3450613"/>
-          </a:xfrm>
-        </p:spPr>
-        <p:txBody>
-          <a:bodyPr>
-            <a:normAutofit/>
-          </a:bodyPr>
-          <a:lstStyle/>
-          <a:p>
-            <a:r>
-              <a:rPr lang="pl-PL" dirty="0"/>
-              <a:t>Pokazuje zakres funkcjonalny systemu i jego kluczowe operacje.</a:t>
-            </a:r>
-          </a:p>
-          <a:p>
-            <a:r>
-              <a:rPr lang="pl-PL" dirty="0"/>
-              <a:t>Pomaga zrozumieć, co system powinien zapewnić użytkownikom.</a:t>
-            </a:r>
-          </a:p>
-          <a:p>
-            <a:r>
-              <a:rPr lang="pl-PL" dirty="0"/>
-              <a:t>Pomaga w identyfikacji zależności między funkcjonalnościami.</a:t>
-            </a:r>
-          </a:p>
-        </p:txBody>
-      </p:sp>
-      <p:grpSp>
-        <p:nvGrpSpPr>
-          <p:cNvPr id="9" name="Group 8">
-            <a:extLst>
-              <a:ext uri="{FF2B5EF4-FFF2-40B4-BE49-F238E27FC236}">
-                <a16:creationId xmlns:a16="http://schemas.microsoft.com/office/drawing/2014/main" id="{F7C65FA4-631C-444F-89AA-F891363CCF6E}"/>
-              </a:ext>
-              <a:ext uri="{C183D7F6-B498-43B3-948B-1728B52AA6E4}">
-                <adec:decorative xmlns:adec="http://schemas.microsoft.com/office/drawing/2017/decorative" val="1"/>
-              </a:ext>
-            </a:extLst>
-          </p:cNvPr>
-          <p:cNvGrpSpPr>
-            <a:grpSpLocks noGrp="1" noUngrp="1" noRot="1" noChangeAspect="1" noMove="1" noResize="1"/>
-          </p:cNvGrpSpPr>
-          <p:nvPr>
-            <p:extLst>
-              <p:ext uri="{386F3935-93C4-4BCD-93E2-E3B085C9AB24}">
-                <p16:designElem xmlns:p16="http://schemas.microsoft.com/office/powerpoint/2015/main" val="1"/>
-              </p:ext>
-            </p:extLst>
-          </p:nvPr>
-        </p:nvGrpSpPr>
-        <p:grpSpPr>
-          <a:xfrm>
-            <a:off x="6109823" y="2012810"/>
-            <a:ext cx="4948659" cy="3453535"/>
-            <a:chOff x="7807230" y="2012810"/>
-            <a:chExt cx="3251252" cy="3459865"/>
-          </a:xfrm>
-        </p:grpSpPr>
-        <p:sp>
-          <p:nvSpPr>
-            <p:cNvPr id="10" name="Rectangle 9">
-              <a:extLst>
-                <a:ext uri="{FF2B5EF4-FFF2-40B4-BE49-F238E27FC236}">
-                  <a16:creationId xmlns:a16="http://schemas.microsoft.com/office/drawing/2014/main" id="{353C58CC-6818-48FD-9CE0-B43BF88B7396}"/>
-                </a:ext>
-                <a:ext uri="{C183D7F6-B498-43B3-948B-1728B52AA6E4}">
-                  <adec:decorative xmlns:adec="http://schemas.microsoft.com/office/drawing/2017/decorative" val="1"/>
-                </a:ext>
-              </a:extLst>
-            </p:cNvPr>
-            <p:cNvSpPr/>
-            <p:nvPr>
-              <p:extLst>
-                <p:ext uri="{386F3935-93C4-4BCD-93E2-E3B085C9AB24}">
-                  <p16:designElem xmlns:p16="http://schemas.microsoft.com/office/powerpoint/2015/main" val="1"/>
-                </p:ext>
-              </p:extLst>
-            </p:nvPr>
-          </p:nvSpPr>
-          <p:spPr>
-            <a:xfrm>
-              <a:off x="7807230" y="2012810"/>
-              <a:ext cx="3251252" cy="3459865"/>
-            </a:xfrm>
-            <a:prstGeom prst="rect">
-              <a:avLst/>
-            </a:prstGeom>
-            <a:gradFill>
-              <a:gsLst>
-                <a:gs pos="0">
-                  <a:srgbClr val="000001"/>
-                </a:gs>
-                <a:gs pos="100000">
-                  <a:srgbClr val="191919"/>
-                </a:gs>
-              </a:gsLst>
-            </a:gradFill>
-            <a:ln w="76200" cmpd="sng">
-              <a:noFill/>
-              <a:miter lim="800000"/>
-            </a:ln>
-            <a:effectLst>
-              <a:outerShdw blurRad="127000" dist="190500" dir="4740000" sx="98000" sy="98000" algn="tl" rotWithShape="0">
-                <a:srgbClr val="000000">
-                  <a:alpha val="34000"/>
-                </a:srgbClr>
-              </a:outerShdw>
-            </a:effectLst>
-            <a:scene3d>
-              <a:camera prst="orthographicFront"/>
-              <a:lightRig rig="threePt" dir="t"/>
-            </a:scene3d>
-            <a:sp3d>
-              <a:bevelT w="152400" h="50800" prst="softRound"/>
-            </a:sp3d>
-          </p:spPr>
-          <p:style>
-            <a:lnRef idx="1">
-              <a:schemeClr val="accent1"/>
-            </a:lnRef>
-            <a:fillRef idx="3">
-              <a:schemeClr val="accent1"/>
-            </a:fillRef>
-            <a:effectRef idx="2">
-              <a:schemeClr val="accent1"/>
-            </a:effectRef>
-            <a:fontRef idx="minor">
-              <a:schemeClr val="lt1"/>
-            </a:fontRef>
-          </p:style>
-          <p:txBody>
-            <a:bodyPr rtlCol="0" anchor="ctr"/>
-            <a:lstStyle/>
-            <a:p>
-              <a:pPr algn="ctr"/>
-              <a:endParaRPr lang="en-US"/>
-            </a:p>
-          </p:txBody>
-        </p:sp>
-        <p:sp>
-          <p:nvSpPr>
-            <p:cNvPr id="11" name="Rectangle 10">
-              <a:extLst>
-                <a:ext uri="{FF2B5EF4-FFF2-40B4-BE49-F238E27FC236}">
-                  <a16:creationId xmlns:a16="http://schemas.microsoft.com/office/drawing/2014/main" id="{1B2694E9-2175-4647-803A-3AD63554CD25}"/>
-                </a:ext>
-                <a:ext uri="{C183D7F6-B498-43B3-948B-1728B52AA6E4}">
-                  <adec:decorative xmlns:adec="http://schemas.microsoft.com/office/drawing/2017/decorative" val="1"/>
-                </a:ext>
-              </a:extLst>
-            </p:cNvPr>
-            <p:cNvSpPr/>
-            <p:nvPr>
-              <p:extLst>
-                <p:ext uri="{386F3935-93C4-4BCD-93E2-E3B085C9AB24}">
-                  <p16:designElem xmlns:p16="http://schemas.microsoft.com/office/powerpoint/2015/main" val="1"/>
-                </p:ext>
-              </p:extLst>
-            </p:nvPr>
-          </p:nvSpPr>
-          <p:spPr>
-            <a:xfrm>
-              <a:off x="7807231" y="2026142"/>
-              <a:ext cx="3251250" cy="3440203"/>
-            </a:xfrm>
-            <a:prstGeom prst="rect">
-              <a:avLst/>
-            </a:prstGeom>
-            <a:solidFill>
-              <a:schemeClr val="bg1"/>
-            </a:solidFill>
-            <a:ln w="76200" cmpd="sng">
-              <a:solidFill>
-                <a:srgbClr val="191919"/>
-              </a:solidFill>
-              <a:miter lim="800000"/>
-            </a:ln>
-            <a:effectLst>
-              <a:innerShdw blurRad="63500" dist="88900" dir="14100000">
-                <a:srgbClr val="000000">
-                  <a:alpha val="30000"/>
-                </a:srgbClr>
-              </a:innerShdw>
-            </a:effectLst>
-            <a:scene3d>
-              <a:camera prst="orthographicFront"/>
-              <a:lightRig rig="threePt" dir="t"/>
-            </a:scene3d>
-            <a:sp3d>
-              <a:bevelT w="38100" h="38100" prst="relaxedInset"/>
-            </a:sp3d>
-          </p:spPr>
-          <p:style>
-            <a:lnRef idx="1">
-              <a:schemeClr val="accent1"/>
-            </a:lnRef>
-            <a:fillRef idx="3">
-              <a:schemeClr val="accent1"/>
-            </a:fillRef>
-            <a:effectRef idx="2">
-              <a:schemeClr val="accent1"/>
-            </a:effectRef>
-            <a:fontRef idx="minor">
-              <a:schemeClr val="lt1"/>
-            </a:fontRef>
-          </p:style>
-          <p:txBody>
-            <a:bodyPr rtlCol="0" anchor="ctr"/>
-            <a:lstStyle/>
-            <a:p>
-              <a:pPr algn="ctr"/>
-              <a:endParaRPr lang="en-US"/>
-            </a:p>
-          </p:txBody>
-        </p:sp>
-      </p:grpSp>
-      <p:pic>
-        <p:nvPicPr>
-          <p:cNvPr id="4" name="Obraz 3" descr="Obraz zawierający zrzut ekranu, tekst, krąg&#10;&#10;Opis wygenerowany automatycznie">
-            <a:extLst>
-              <a:ext uri="{FF2B5EF4-FFF2-40B4-BE49-F238E27FC236}">
-                <a16:creationId xmlns:a16="http://schemas.microsoft.com/office/drawing/2014/main" id="{049F7C7B-7124-6029-A805-5C8B8799B09B}"/>
-              </a:ext>
-            </a:extLst>
-          </p:cNvPr>
-          <p:cNvPicPr>
-            <a:picLocks noChangeAspect="1"/>
-          </p:cNvPicPr>
-          <p:nvPr/>
-        </p:nvPicPr>
-        <p:blipFill>
-          <a:blip r:embed="rId2" cstate="print">
-            <a:extLst>
-              <a:ext uri="{28A0092B-C50C-407E-A947-70E740481C1C}">
-                <a14:useLocalDpi xmlns:a14="http://schemas.microsoft.com/office/drawing/2010/main" val="0"/>
-              </a:ext>
-            </a:extLst>
-          </a:blip>
-          <a:stretch>
-            <a:fillRect/>
-          </a:stretch>
-        </p:blipFill>
-        <p:spPr bwMode="auto">
-          <a:xfrm>
-            <a:off x="6277257" y="2277281"/>
-            <a:ext cx="4613872" cy="2918273"/>
-          </a:xfrm>
-          <a:prstGeom prst="rect">
-            <a:avLst/>
-          </a:prstGeom>
-          <a:noFill/>
-        </p:spPr>
-      </p:pic>
-    </p:spTree>
-    <p:extLst>
-      <p:ext uri="{BB962C8B-B14F-4D97-AF65-F5344CB8AC3E}">
-        <p14:creationId xmlns:p14="http://schemas.microsoft.com/office/powerpoint/2010/main" val="567080119"/>
-      </p:ext>
-    </p:extLst>
-  </p:cSld>
-  <p:clrMapOvr>
-    <a:masterClrMapping/>
-  </p:clrMapOvr>
-</p:sld>
-</file>
-
-<file path=ppt/slides/slide12.xml><?xml version="1.0" encoding="utf-8"?>
-<p:sld xmlns:a="http://schemas.openxmlformats.org/drawingml/2006/main" xmlns:r="http://schemas.openxmlformats.org/officeDocument/2006/relationships" xmlns:p="http://schemas.openxmlformats.org/presentationml/2006/main">
-  <p:cSld>
-    <p:bg>
-      <p:bgPr>
-        <a:gradFill rotWithShape="1">
-          <a:gsLst>
-            <a:gs pos="0">
-              <a:schemeClr val="bg2">
-                <a:tint val="94000"/>
-                <a:satMod val="80000"/>
-                <a:lumMod val="106000"/>
-              </a:schemeClr>
-            </a:gs>
-            <a:gs pos="100000">
-              <a:schemeClr val="bg2">
-                <a:shade val="80000"/>
-              </a:schemeClr>
-            </a:gs>
-          </a:gsLst>
-          <a:path path="circle">
-            <a:fillToRect l="43000" r="43000" b="100000"/>
-          </a:path>
-        </a:gradFill>
-        <a:effectLst/>
-      </p:bgPr>
-    </p:bg>
-    <p:spTree>
-      <p:nvGrpSpPr>
-        <p:cNvPr id="1" name=""/>
-        <p:cNvGrpSpPr/>
-        <p:nvPr/>
-      </p:nvGrpSpPr>
-      <p:grpSpPr>
-        <a:xfrm>
-          <a:off x="0" y="0"/>
-          <a:ext cx="0" cy="0"/>
-          <a:chOff x="0" y="0"/>
-          <a:chExt cx="0" cy="0"/>
-        </a:xfrm>
-      </p:grpSpPr>
-      <p:sp useBgFill="1">
-        <p:nvSpPr>
-          <p:cNvPr id="9" name="Rectangle 8">
-            <a:extLst>
-              <a:ext uri="{FF2B5EF4-FFF2-40B4-BE49-F238E27FC236}">
-                <a16:creationId xmlns:a16="http://schemas.microsoft.com/office/drawing/2014/main" id="{35C3D674-3D59-4E93-80CA-0C0A9095E816}"/>
-              </a:ext>
-              <a:ext uri="{C183D7F6-B498-43B3-948B-1728B52AA6E4}">
-                <adec:decorative xmlns:adec="http://schemas.microsoft.com/office/drawing/2017/decorative" val="1"/>
-              </a:ext>
-            </a:extLst>
-          </p:cNvPr>
-          <p:cNvSpPr>
-            <a:spLocks noGrp="1" noRot="1" noChangeAspect="1" noMove="1" noResize="1" noEditPoints="1" noAdjustHandles="1" noChangeArrowheads="1" noChangeShapeType="1" noTextEdit="1"/>
-          </p:cNvSpPr>
-          <p:nvPr>
-            <p:extLst>
-              <p:ext uri="{386F3935-93C4-4BCD-93E2-E3B085C9AB24}">
-                <p16:designElem xmlns:p16="http://schemas.microsoft.com/office/powerpoint/2015/main" val="1"/>
-              </p:ext>
-            </p:extLst>
-          </p:nvPr>
-        </p:nvSpPr>
-        <p:spPr>
-          <a:xfrm>
-            <a:off x="2" y="0"/>
-            <a:ext cx="12191695" cy="6858000"/>
-          </a:xfrm>
-          <a:prstGeom prst="rect">
-            <a:avLst/>
-          </a:prstGeom>
-          <a:ln>
-            <a:noFill/>
-          </a:ln>
-        </p:spPr>
-        <p:style>
-          <a:lnRef idx="2">
-            <a:schemeClr val="accent1">
-              <a:shade val="50000"/>
-            </a:schemeClr>
-          </a:lnRef>
-          <a:fillRef idx="1">
-            <a:schemeClr val="accent1"/>
-          </a:fillRef>
-          <a:effectRef idx="0">
-            <a:schemeClr val="accent1"/>
-          </a:effectRef>
-          <a:fontRef idx="minor">
-            <a:schemeClr val="lt1"/>
-          </a:fontRef>
-        </p:style>
-        <p:txBody>
-          <a:bodyPr rtlCol="0" anchor="ctr"/>
-          <a:lstStyle/>
-          <a:p>
-            <a:pPr algn="ctr"/>
-            <a:endParaRPr lang="en-US"/>
-          </a:p>
-        </p:txBody>
-      </p:sp>
-      <p:cxnSp>
-        <p:nvCxnSpPr>
-          <p:cNvPr id="11" name="Straight Connector 10">
-            <a:extLst>
-              <a:ext uri="{FF2B5EF4-FFF2-40B4-BE49-F238E27FC236}">
-                <a16:creationId xmlns:a16="http://schemas.microsoft.com/office/drawing/2014/main" id="{C884B8F8-FDC9-498B-9960-5D7260AFCB03}"/>
-              </a:ext>
-              <a:ext uri="{C183D7F6-B498-43B3-948B-1728B52AA6E4}">
-                <adec:decorative xmlns:adec="http://schemas.microsoft.com/office/drawing/2017/decorative" val="1"/>
-              </a:ext>
-            </a:extLst>
-          </p:cNvPr>
-          <p:cNvCxnSpPr>
-            <a:cxnSpLocks noGrp="1" noRot="1" noChangeAspect="1" noMove="1" noResize="1" noEditPoints="1" noAdjustHandles="1" noChangeArrowheads="1" noChangeShapeType="1"/>
-          </p:cNvCxnSpPr>
-          <p:nvPr>
-            <p:extLst>
-              <p:ext uri="{386F3935-93C4-4BCD-93E2-E3B085C9AB24}">
-                <p16:designElem xmlns:p16="http://schemas.microsoft.com/office/powerpoint/2015/main" val="1"/>
-              </p:ext>
-            </p:extLst>
-          </p:nvPr>
-        </p:nvCxnSpPr>
-        <p:spPr>
-          <a:xfrm>
-            <a:off x="1453896" y="1847088"/>
-            <a:ext cx="4177373" cy="0"/>
-          </a:xfrm>
-          <a:prstGeom prst="line">
-            <a:avLst/>
-          </a:prstGeom>
-          <a:ln w="31750"/>
-        </p:spPr>
-        <p:style>
-          <a:lnRef idx="3">
-            <a:schemeClr val="accent1"/>
-          </a:lnRef>
-          <a:fillRef idx="0">
-            <a:schemeClr val="accent1"/>
-          </a:fillRef>
-          <a:effectRef idx="2">
-            <a:schemeClr val="accent1"/>
-          </a:effectRef>
-          <a:fontRef idx="minor">
-            <a:schemeClr val="tx1"/>
-          </a:fontRef>
-        </p:style>
-      </p:cxnSp>
-      <p:sp>
-        <p:nvSpPr>
-          <p:cNvPr id="2" name="Tytuł 1">
-            <a:extLst>
-              <a:ext uri="{FF2B5EF4-FFF2-40B4-BE49-F238E27FC236}">
-                <a16:creationId xmlns:a16="http://schemas.microsoft.com/office/drawing/2014/main" id="{56A2BE68-92C3-A005-C823-6A7EFB25430E}"/>
-              </a:ext>
-            </a:extLst>
-          </p:cNvPr>
-          <p:cNvSpPr>
-            <a:spLocks noGrp="1"/>
-          </p:cNvSpPr>
-          <p:nvPr>
-            <p:ph type="title"/>
-          </p:nvPr>
-        </p:nvSpPr>
-        <p:spPr>
-          <a:xfrm>
-            <a:off x="1451580" y="804520"/>
-            <a:ext cx="4176511" cy="1049235"/>
-          </a:xfrm>
-        </p:spPr>
-        <p:txBody>
-          <a:bodyPr>
-            <a:normAutofit/>
-          </a:bodyPr>
-          <a:lstStyle/>
-          <a:p>
-            <a:r>
-              <a:rPr lang="pl-PL" dirty="0"/>
-              <a:t>Diagram aktywności</a:t>
-            </a:r>
-          </a:p>
-        </p:txBody>
-      </p:sp>
-      <p:sp>
-        <p:nvSpPr>
-          <p:cNvPr id="13" name="Rectangle 12">
-            <a:extLst>
-              <a:ext uri="{FF2B5EF4-FFF2-40B4-BE49-F238E27FC236}">
-                <a16:creationId xmlns:a16="http://schemas.microsoft.com/office/drawing/2014/main" id="{EF2A81E1-BCBE-426B-8C09-33274E69409D}"/>
-              </a:ext>
-              <a:ext uri="{C183D7F6-B498-43B3-948B-1728B52AA6E4}">
-                <adec:decorative xmlns:adec="http://schemas.microsoft.com/office/drawing/2017/decorative" val="1"/>
-              </a:ext>
-            </a:extLst>
-          </p:cNvPr>
-          <p:cNvSpPr>
-            <a:spLocks noGrp="1" noRot="1" noChangeAspect="1" noMove="1" noResize="1" noEditPoints="1" noAdjustHandles="1" noChangeArrowheads="1" noChangeShapeType="1" noTextEdit="1"/>
-          </p:cNvSpPr>
-          <p:nvPr>
-            <p:extLst>
-              <p:ext uri="{386F3935-93C4-4BCD-93E2-E3B085C9AB24}">
-                <p16:designElem xmlns:p16="http://schemas.microsoft.com/office/powerpoint/2015/main" val="1"/>
-              </p:ext>
-            </p:extLst>
-          </p:nvPr>
-        </p:nvSpPr>
-        <p:spPr>
-          <a:xfrm>
-            <a:off x="0" y="2019476"/>
-            <a:ext cx="12192000" cy="4105941"/>
-          </a:xfrm>
-          <a:prstGeom prst="rect">
-            <a:avLst/>
-          </a:prstGeom>
-          <a:gradFill flip="none" rotWithShape="1">
-            <a:gsLst>
-              <a:gs pos="0">
-                <a:schemeClr val="bg2">
-                  <a:alpha val="0"/>
-                </a:schemeClr>
-              </a:gs>
-              <a:gs pos="100000">
-                <a:schemeClr val="bg2"/>
-              </a:gs>
-            </a:gsLst>
-            <a:lin ang="5400000" scaled="0"/>
-            <a:tileRect/>
-          </a:gradFill>
-          <a:ln>
-            <a:noFill/>
-          </a:ln>
-        </p:spPr>
-        <p:style>
-          <a:lnRef idx="2">
-            <a:schemeClr val="accent1">
-              <a:shade val="50000"/>
-            </a:schemeClr>
-          </a:lnRef>
-          <a:fillRef idx="1">
-            <a:schemeClr val="accent1"/>
-          </a:fillRef>
-          <a:effectRef idx="0">
-            <a:schemeClr val="accent1"/>
-          </a:effectRef>
-          <a:fontRef idx="minor">
-            <a:schemeClr val="lt1"/>
-          </a:fontRef>
-        </p:style>
-        <p:txBody>
-          <a:bodyPr rtlCol="0" anchor="ctr"/>
-          <a:lstStyle/>
-          <a:p>
-            <a:pPr lvl="0" algn="ctr"/>
-            <a:endParaRPr lang="en-US"/>
-          </a:p>
-        </p:txBody>
-      </p:sp>
-      <p:sp>
-        <p:nvSpPr>
-          <p:cNvPr id="3" name="Symbol zastępczy zawartości 2">
-            <a:extLst>
-              <a:ext uri="{FF2B5EF4-FFF2-40B4-BE49-F238E27FC236}">
-                <a16:creationId xmlns:a16="http://schemas.microsoft.com/office/drawing/2014/main" id="{AE05602A-10FA-5814-5B69-A58E0E9C3F49}"/>
-              </a:ext>
-            </a:extLst>
-          </p:cNvPr>
-          <p:cNvSpPr>
-            <a:spLocks noGrp="1"/>
-          </p:cNvSpPr>
-          <p:nvPr>
-            <p:ph idx="1"/>
-          </p:nvPr>
-        </p:nvSpPr>
-        <p:spPr>
-          <a:xfrm>
-            <a:off x="1451581" y="2015732"/>
-            <a:ext cx="4172212" cy="3450613"/>
-          </a:xfrm>
-        </p:spPr>
-        <p:txBody>
-          <a:bodyPr>
-            <a:normAutofit/>
-          </a:bodyPr>
-          <a:lstStyle/>
-          <a:p>
-            <a:r>
-              <a:rPr lang="pl-PL" dirty="0"/>
-              <a:t>Pomaga zrozumieć, jak użytkownik współpracuje z systemem na każdym etapie procesu.</a:t>
-            </a:r>
-          </a:p>
-          <a:p>
-            <a:r>
-              <a:rPr lang="pl-PL" dirty="0"/>
-              <a:t>Identyfikuje punkty decyzyjne i potencjalne problemy, np. co zrobić, gdy użytkownik wpisze błędne dane.</a:t>
-            </a:r>
-          </a:p>
-          <a:p>
-            <a:r>
-              <a:rPr lang="pl-PL" dirty="0"/>
-              <a:t>Planowanie logiki działania funkcji.</a:t>
-            </a:r>
-          </a:p>
-        </p:txBody>
-      </p:sp>
-      <p:pic>
-        <p:nvPicPr>
-          <p:cNvPr id="4" name="Obraz 3">
-            <a:extLst>
-              <a:ext uri="{FF2B5EF4-FFF2-40B4-BE49-F238E27FC236}">
-                <a16:creationId xmlns:a16="http://schemas.microsoft.com/office/drawing/2014/main" id="{34976367-1489-EC56-AF9E-E14C4DD2478D}"/>
-              </a:ext>
-            </a:extLst>
-          </p:cNvPr>
-          <p:cNvPicPr>
-            <a:picLocks noChangeAspect="1"/>
-          </p:cNvPicPr>
-          <p:nvPr/>
-        </p:nvPicPr>
-        <p:blipFill>
-          <a:blip r:embed="rId2" cstate="print">
-            <a:extLst>
-              <a:ext uri="{28A0092B-C50C-407E-A947-70E740481C1C}">
-                <a14:useLocalDpi xmlns:a14="http://schemas.microsoft.com/office/drawing/2010/main" val="0"/>
-              </a:ext>
-            </a:extLst>
-          </a:blip>
-          <a:stretch>
-            <a:fillRect/>
-          </a:stretch>
-        </p:blipFill>
-        <p:spPr bwMode="auto">
-          <a:xfrm>
-            <a:off x="7858040" y="805583"/>
-            <a:ext cx="1433184" cy="4660762"/>
-          </a:xfrm>
-          <a:prstGeom prst="rect">
-            <a:avLst/>
-          </a:prstGeom>
-          <a:noFill/>
-        </p:spPr>
-      </p:pic>
-      <p:pic>
-        <p:nvPicPr>
-          <p:cNvPr id="15" name="Picture 14">
-            <a:extLst>
-              <a:ext uri="{FF2B5EF4-FFF2-40B4-BE49-F238E27FC236}">
-                <a16:creationId xmlns:a16="http://schemas.microsoft.com/office/drawing/2014/main" id="{39D1DDD4-5BB3-45BA-B9B3-06B62299AD79}"/>
-              </a:ext>
-              <a:ext uri="{C183D7F6-B498-43B3-948B-1728B52AA6E4}">
-                <adec:decorative xmlns:adec="http://schemas.microsoft.com/office/drawing/2017/decorative" val="1"/>
-              </a:ext>
-            </a:extLst>
-          </p:cNvPr>
-          <p:cNvPicPr>
-            <a:picLocks noGrp="1" noRot="1" noChangeAspect="1" noMove="1" noResize="1" noEditPoints="1" noAdjustHandles="1" noChangeArrowheads="1" noChangeShapeType="1" noCrop="1"/>
-          </p:cNvPicPr>
-          <p:nvPr>
-            <p:extLst>
-              <p:ext uri="{386F3935-93C4-4BCD-93E2-E3B085C9AB24}">
-                <p16:designElem xmlns:p16="http://schemas.microsoft.com/office/powerpoint/2015/main" val="1"/>
-              </p:ext>
-            </p:extLst>
-          </p:nvPr>
-        </p:nvPicPr>
-        <p:blipFill rotWithShape="1">
-          <a:blip r:embed="rId3">
-            <a:extLst>
-              <a:ext uri="{28A0092B-C50C-407E-A947-70E740481C1C}">
-                <a14:useLocalDpi xmlns:a14="http://schemas.microsoft.com/office/drawing/2010/main" val="0"/>
-              </a:ext>
-            </a:extLst>
-          </a:blip>
-          <a:srcRect t="1538" b="-1538"/>
-          <a:stretch/>
-        </p:blipFill>
-        <p:spPr bwMode="black">
-          <a:xfrm>
-            <a:off x="0" y="6126480"/>
-            <a:ext cx="12192000" cy="742950"/>
-          </a:xfrm>
-          <a:prstGeom prst="rect">
-            <a:avLst/>
-          </a:prstGeom>
-        </p:spPr>
-      </p:pic>
-      <p:cxnSp>
-        <p:nvCxnSpPr>
-          <p:cNvPr id="17" name="Straight Connector 16">
-            <a:extLst>
-              <a:ext uri="{FF2B5EF4-FFF2-40B4-BE49-F238E27FC236}">
-                <a16:creationId xmlns:a16="http://schemas.microsoft.com/office/drawing/2014/main" id="{A24DAE64-2302-42EA-8239-F2F0775CA5AD}"/>
-              </a:ext>
-              <a:ext uri="{C183D7F6-B498-43B3-948B-1728B52AA6E4}">
-                <adec:decorative xmlns:adec="http://schemas.microsoft.com/office/drawing/2017/decorative" val="1"/>
-              </a:ext>
-            </a:extLst>
-          </p:cNvPr>
-          <p:cNvCxnSpPr>
-            <a:cxnSpLocks noGrp="1" noRot="1" noChangeAspect="1" noMove="1" noResize="1" noEditPoints="1" noAdjustHandles="1" noChangeArrowheads="1" noChangeShapeType="1"/>
-          </p:cNvCxnSpPr>
-          <p:nvPr>
-            <p:extLst>
-              <p:ext uri="{386F3935-93C4-4BCD-93E2-E3B085C9AB24}">
-                <p16:designElem xmlns:p16="http://schemas.microsoft.com/office/powerpoint/2015/main" val="1"/>
-              </p:ext>
-            </p:extLst>
-          </p:nvPr>
-        </p:nvCxnSpPr>
-        <p:spPr>
-          <a:xfrm>
-            <a:off x="0" y="6128413"/>
-            <a:ext cx="12192000" cy="0"/>
-          </a:xfrm>
-          <a:prstGeom prst="line">
-            <a:avLst/>
-          </a:prstGeom>
-          <a:ln w="12700">
-            <a:solidFill>
-              <a:srgbClr val="000001">
-                <a:alpha val="20000"/>
-              </a:srgbClr>
-            </a:solidFill>
-          </a:ln>
-        </p:spPr>
-        <p:style>
-          <a:lnRef idx="1">
-            <a:schemeClr val="accent1"/>
-          </a:lnRef>
-          <a:fillRef idx="0">
-            <a:schemeClr val="accent1"/>
-          </a:fillRef>
-          <a:effectRef idx="0">
-            <a:schemeClr val="accent1"/>
-          </a:effectRef>
-          <a:fontRef idx="minor">
-            <a:schemeClr val="tx1"/>
-          </a:fontRef>
-        </p:style>
-      </p:cxnSp>
-    </p:spTree>
-    <p:extLst>
-      <p:ext uri="{BB962C8B-B14F-4D97-AF65-F5344CB8AC3E}">
-        <p14:creationId xmlns:p14="http://schemas.microsoft.com/office/powerpoint/2010/main" val="2363287156"/>
-      </p:ext>
-    </p:extLst>
-  </p:cSld>
-  <p:clrMapOvr>
-    <a:masterClrMapping/>
-  </p:clrMapOvr>
-</p:sld>
-</file>
-
-<file path=ppt/slides/slide13.xml><?xml version="1.0" encoding="utf-8"?>
-<p:sld xmlns:a="http://schemas.openxmlformats.org/drawingml/2006/main" xmlns:r="http://schemas.openxmlformats.org/officeDocument/2006/relationships" xmlns:p="http://schemas.openxmlformats.org/presentationml/2006/main">
-  <p:cSld>
-    <p:bg>
-      <p:bgPr>
-        <a:gradFill rotWithShape="1">
-          <a:gsLst>
-            <a:gs pos="0">
-              <a:schemeClr val="bg2">
-                <a:tint val="94000"/>
-                <a:satMod val="80000"/>
-                <a:lumMod val="106000"/>
-              </a:schemeClr>
-            </a:gs>
-            <a:gs pos="100000">
-              <a:schemeClr val="bg2">
-                <a:shade val="80000"/>
-              </a:schemeClr>
-            </a:gs>
-          </a:gsLst>
-          <a:path path="circle">
-            <a:fillToRect l="43000" r="43000" b="100000"/>
-          </a:path>
-        </a:gradFill>
-        <a:effectLst/>
-      </p:bgPr>
-    </p:bg>
-    <p:spTree>
-      <p:nvGrpSpPr>
-        <p:cNvPr id="1" name=""/>
-        <p:cNvGrpSpPr/>
-        <p:nvPr/>
-      </p:nvGrpSpPr>
-      <p:grpSpPr>
-        <a:xfrm>
-          <a:off x="0" y="0"/>
-          <a:ext cx="0" cy="0"/>
-          <a:chOff x="0" y="0"/>
-          <a:chExt cx="0" cy="0"/>
-        </a:xfrm>
-      </p:grpSpPr>
-      <p:sp>
-        <p:nvSpPr>
           <p:cNvPr id="12" name="Rectangle 11">
             <a:extLst>
               <a:ext uri="{FF2B5EF4-FFF2-40B4-BE49-F238E27FC236}">
                 <a16:creationId xmlns:a16="http://schemas.microsoft.com/office/drawing/2014/main" id="{E724B9E8-02C8-4B2E-8770-A00A67760DF0}"/>
               </a:ext>
               <a:ext uri="{C183D7F6-B498-43B3-948B-1728B52AA6E4}">
-                <adec:decorative xmlns:adec="http://schemas.microsoft.com/office/drawing/2017/decorative" val="1"/>
+                <adec:decorative xmlns:adec="http://schemas.microsoft.com/office/drawing/2017/decorative" xmlns="" val="1"/>
               </a:ext>
             </a:extLst>
           </p:cNvPr>
@@ -17693,7 +17163,7 @@
                 <a16:creationId xmlns:a16="http://schemas.microsoft.com/office/drawing/2014/main" id="{7B8AE548-0BFA-4792-9962-3375923C7635}"/>
               </a:ext>
               <a:ext uri="{C183D7F6-B498-43B3-948B-1728B52AA6E4}">
-                <adec:decorative xmlns:adec="http://schemas.microsoft.com/office/drawing/2017/decorative" val="1"/>
+                <adec:decorative xmlns:adec="http://schemas.microsoft.com/office/drawing/2017/decorative" xmlns="" val="1"/>
               </a:ext>
             </a:extLst>
           </p:cNvPr>
@@ -17737,7 +17207,7 @@
                 <a16:creationId xmlns:a16="http://schemas.microsoft.com/office/drawing/2014/main" id="{67639EF4-FA83-4D85-90FE-B831AF283896}"/>
               </a:ext>
               <a:ext uri="{C183D7F6-B498-43B3-948B-1728B52AA6E4}">
-                <adec:decorative xmlns:adec="http://schemas.microsoft.com/office/drawing/2017/decorative" val="1"/>
+                <adec:decorative xmlns:adec="http://schemas.microsoft.com/office/drawing/2017/decorative" xmlns="" val="1"/>
               </a:ext>
             </a:extLst>
           </p:cNvPr>
@@ -17791,7 +17261,7 @@
                 <a16:creationId xmlns:a16="http://schemas.microsoft.com/office/drawing/2014/main" id="{CC87E76A-8F50-413D-9BFC-C5A1525BD9BC}"/>
               </a:ext>
               <a:ext uri="{C183D7F6-B498-43B3-948B-1728B52AA6E4}">
-                <adec:decorative xmlns:adec="http://schemas.microsoft.com/office/drawing/2017/decorative" val="1"/>
+                <adec:decorative xmlns:adec="http://schemas.microsoft.com/office/drawing/2017/decorative" xmlns="" val="1"/>
               </a:ext>
             </a:extLst>
           </p:cNvPr>
@@ -17839,7 +17309,7 @@
                 <a16:creationId xmlns:a16="http://schemas.microsoft.com/office/drawing/2014/main" id="{0F28EA84-13B4-4494-A4D3-8DE462FF0E6B}"/>
               </a:ext>
               <a:ext uri="{C183D7F6-B498-43B3-948B-1728B52AA6E4}">
-                <adec:decorative xmlns:adec="http://schemas.microsoft.com/office/drawing/2017/decorative" val="1"/>
+                <adec:decorative xmlns:adec="http://schemas.microsoft.com/office/drawing/2017/decorative" xmlns="" val="1"/>
               </a:ext>
             </a:extLst>
           </p:cNvPr>
@@ -17899,7 +17369,7 @@
                 <a16:creationId xmlns:a16="http://schemas.microsoft.com/office/drawing/2014/main" id="{6BEB1B24-66CE-4D63-A39D-2D1B481DF95E}"/>
               </a:ext>
               <a:ext uri="{C183D7F6-B498-43B3-948B-1728B52AA6E4}">
-                <adec:decorative xmlns:adec="http://schemas.microsoft.com/office/drawing/2017/decorative" val="1"/>
+                <adec:decorative xmlns:adec="http://schemas.microsoft.com/office/drawing/2017/decorative" xmlns="" val="1"/>
               </a:ext>
             </a:extLst>
           </p:cNvPr>
@@ -18009,7 +17479,7 @@
                 <a16:creationId xmlns:a16="http://schemas.microsoft.com/office/drawing/2014/main" id="{78DE337D-1DBA-4536-8145-B43EE65C747D}"/>
               </a:ext>
               <a:ext uri="{C183D7F6-B498-43B3-948B-1728B52AA6E4}">
-                <adec:decorative xmlns:adec="http://schemas.microsoft.com/office/drawing/2017/decorative" val="1"/>
+                <adec:decorative xmlns:adec="http://schemas.microsoft.com/office/drawing/2017/decorative" xmlns="" val="1"/>
               </a:ext>
             </a:extLst>
           </p:cNvPr>
@@ -18123,7 +17593,7 @@
                 <a16:creationId xmlns:a16="http://schemas.microsoft.com/office/drawing/2014/main" id="{E7233926-059A-41AD-A9F2-56552CF4FF6B}"/>
               </a:ext>
               <a:ext uri="{C183D7F6-B498-43B3-948B-1728B52AA6E4}">
-                <adec:decorative xmlns:adec="http://schemas.microsoft.com/office/drawing/2017/decorative" val="1"/>
+                <adec:decorative xmlns:adec="http://schemas.microsoft.com/office/drawing/2017/decorative" xmlns="" val="1"/>
               </a:ext>
             </a:extLst>
           </p:cNvPr>
@@ -18167,7 +17637,7 @@
                 <a16:creationId xmlns:a16="http://schemas.microsoft.com/office/drawing/2014/main" id="{C13C145E-93D4-481E-92DC-736D9EBA37FC}"/>
               </a:ext>
               <a:ext uri="{C183D7F6-B498-43B3-948B-1728B52AA6E4}">
-                <adec:decorative xmlns:adec="http://schemas.microsoft.com/office/drawing/2017/decorative" val="1"/>
+                <adec:decorative xmlns:adec="http://schemas.microsoft.com/office/drawing/2017/decorative" xmlns="" val="1"/>
               </a:ext>
             </a:extLst>
           </p:cNvPr>
@@ -18223,10 +17693,17 @@
   <p:clrMapOvr>
     <a:masterClrMapping/>
   </p:clrMapOvr>
+  <p:timing>
+    <p:tnLst>
+      <p:par>
+        <p:cTn id="1" dur="indefinite" restart="never" nodeType="tmRoot"/>
+      </p:par>
+    </p:tnLst>
+  </p:timing>
 </p:sld>
 </file>
 
-<file path=ppt/slides/slide14.xml><?xml version="1.0" encoding="utf-8"?>
+<file path=ppt/slides/slide12.xml><?xml version="1.0" encoding="utf-8"?>
 <p:sld xmlns:a="http://schemas.openxmlformats.org/drawingml/2006/main" xmlns:r="http://schemas.openxmlformats.org/officeDocument/2006/relationships" xmlns:p="http://schemas.openxmlformats.org/presentationml/2006/main">
   <p:cSld>
     <p:bg>
@@ -18275,7 +17752,7 @@
                 <a16:creationId xmlns:a16="http://schemas.microsoft.com/office/drawing/2014/main" id="{EEA869E1-F851-4A52-92F5-77E592B76A5B}"/>
               </a:ext>
               <a:ext uri="{C183D7F6-B498-43B3-948B-1728B52AA6E4}">
-                <adec:decorative xmlns:adec="http://schemas.microsoft.com/office/drawing/2017/decorative" val="1"/>
+                <adec:decorative xmlns:adec="http://schemas.microsoft.com/office/drawing/2017/decorative" xmlns="" val="1"/>
               </a:ext>
             </a:extLst>
           </p:cNvPr>
@@ -18348,7 +17825,7 @@
                 <a16:creationId xmlns:a16="http://schemas.microsoft.com/office/drawing/2014/main" id="{B083AD55-8296-44BD-8E14-DD2DDBC351B0}"/>
               </a:ext>
               <a:ext uri="{C183D7F6-B498-43B3-948B-1728B52AA6E4}">
-                <adec:decorative xmlns:adec="http://schemas.microsoft.com/office/drawing/2017/decorative" val="1"/>
+                <adec:decorative xmlns:adec="http://schemas.microsoft.com/office/drawing/2017/decorative" xmlns="" val="1"/>
               </a:ext>
             </a:extLst>
           </p:cNvPr>
@@ -18392,7 +17869,7 @@
                 <a16:creationId xmlns:a16="http://schemas.microsoft.com/office/drawing/2014/main" id="{2BF46B26-15FC-4C5A-94FA-AE9ED64B5C20}"/>
               </a:ext>
               <a:ext uri="{C183D7F6-B498-43B3-948B-1728B52AA6E4}">
-                <adec:decorative xmlns:adec="http://schemas.microsoft.com/office/drawing/2017/decorative" val="1"/>
+                <adec:decorative xmlns:adec="http://schemas.microsoft.com/office/drawing/2017/decorative" xmlns="" val="1"/>
               </a:ext>
             </a:extLst>
           </p:cNvPr>
@@ -18446,7 +17923,7 @@
                 <a16:creationId xmlns:a16="http://schemas.microsoft.com/office/drawing/2014/main" id="{912F6065-5345-44BD-B66E-5487CCD7A9B9}"/>
               </a:ext>
               <a:ext uri="{C183D7F6-B498-43B3-948B-1728B52AA6E4}">
-                <adec:decorative xmlns:adec="http://schemas.microsoft.com/office/drawing/2017/decorative" val="1"/>
+                <adec:decorative xmlns:adec="http://schemas.microsoft.com/office/drawing/2017/decorative" xmlns="" val="1"/>
               </a:ext>
             </a:extLst>
           </p:cNvPr>
@@ -18494,7 +17971,7 @@
                 <a16:creationId xmlns:a16="http://schemas.microsoft.com/office/drawing/2014/main" id="{E7ABCFA2-55B0-438C-A39A-637FFC6246E8}"/>
               </a:ext>
               <a:ext uri="{C183D7F6-B498-43B3-948B-1728B52AA6E4}">
-                <adec:decorative xmlns:adec="http://schemas.microsoft.com/office/drawing/2017/decorative" val="1"/>
+                <adec:decorative xmlns:adec="http://schemas.microsoft.com/office/drawing/2017/decorative" xmlns="" val="1"/>
               </a:ext>
             </a:extLst>
           </p:cNvPr>
@@ -18554,7 +18031,7 @@
                 <a16:creationId xmlns:a16="http://schemas.microsoft.com/office/drawing/2014/main" id="{1BD2C934-710E-4E0E-9ED4-03F07E019205}"/>
               </a:ext>
               <a:ext uri="{C183D7F6-B498-43B3-948B-1728B52AA6E4}">
-                <adec:decorative xmlns:adec="http://schemas.microsoft.com/office/drawing/2017/decorative" val="1"/>
+                <adec:decorative xmlns:adec="http://schemas.microsoft.com/office/drawing/2017/decorative" xmlns="" val="1"/>
               </a:ext>
             </a:extLst>
           </p:cNvPr>
@@ -18657,7 +18134,7 @@
                 <a16:creationId xmlns:a16="http://schemas.microsoft.com/office/drawing/2014/main" id="{0AD0F4F3-8F5C-421F-9FC1-DB3ED0BF61DF}"/>
               </a:ext>
               <a:ext uri="{C183D7F6-B498-43B3-948B-1728B52AA6E4}">
-                <adec:decorative xmlns:adec="http://schemas.microsoft.com/office/drawing/2017/decorative" val="1"/>
+                <adec:decorative xmlns:adec="http://schemas.microsoft.com/office/drawing/2017/decorative" xmlns="" val="1"/>
               </a:ext>
             </a:extLst>
           </p:cNvPr>
@@ -18729,7 +18206,7 @@
                 <a16:creationId xmlns:a16="http://schemas.microsoft.com/office/drawing/2014/main" id="{B0A40572-62E5-460B-AD24-B6628527ACB1}"/>
               </a:ext>
               <a:ext uri="{C183D7F6-B498-43B3-948B-1728B52AA6E4}">
-                <adec:decorative xmlns:adec="http://schemas.microsoft.com/office/drawing/2017/decorative" val="1"/>
+                <adec:decorative xmlns:adec="http://schemas.microsoft.com/office/drawing/2017/decorative" xmlns="" val="1"/>
               </a:ext>
             </a:extLst>
           </p:cNvPr>
@@ -18773,7 +18250,7 @@
                 <a16:creationId xmlns:a16="http://schemas.microsoft.com/office/drawing/2014/main" id="{F1D872D4-D7E5-4CD8-9DAC-2BC612F08E69}"/>
               </a:ext>
               <a:ext uri="{C183D7F6-B498-43B3-948B-1728B52AA6E4}">
-                <adec:decorative xmlns:adec="http://schemas.microsoft.com/office/drawing/2017/decorative" val="1"/>
+                <adec:decorative xmlns:adec="http://schemas.microsoft.com/office/drawing/2017/decorative" xmlns="" val="1"/>
               </a:ext>
             </a:extLst>
           </p:cNvPr>
@@ -18853,10 +18330,368 @@
   <p:clrMapOvr>
     <a:masterClrMapping/>
   </p:clrMapOvr>
+  <p:timing>
+    <p:tnLst>
+      <p:par>
+        <p:cTn id="1" dur="indefinite" restart="never" nodeType="tmRoot"/>
+      </p:par>
+    </p:tnLst>
+  </p:timing>
 </p:sld>
 </file>
 
-<file path=ppt/slides/slide15.xml><?xml version="1.0" encoding="utf-8"?>
+<file path=ppt/slides/slide13.xml><?xml version="1.0" encoding="utf-8"?>
+<p:sld xmlns:a="http://schemas.openxmlformats.org/drawingml/2006/main" xmlns:r="http://schemas.openxmlformats.org/officeDocument/2006/relationships" xmlns:p="http://schemas.openxmlformats.org/presentationml/2006/main">
+  <p:cSld>
+    <p:bg>
+      <p:bgPr>
+        <a:gradFill rotWithShape="1">
+          <a:gsLst>
+            <a:gs pos="0">
+              <a:schemeClr val="bg2">
+                <a:tint val="94000"/>
+                <a:satMod val="80000"/>
+                <a:lumMod val="106000"/>
+              </a:schemeClr>
+            </a:gs>
+            <a:gs pos="100000">
+              <a:schemeClr val="bg2">
+                <a:shade val="80000"/>
+              </a:schemeClr>
+            </a:gs>
+          </a:gsLst>
+          <a:path path="circle">
+            <a:fillToRect l="43000" r="43000" b="100000"/>
+          </a:path>
+        </a:gradFill>
+        <a:effectLst/>
+      </p:bgPr>
+    </p:bg>
+    <p:spTree>
+      <p:nvGrpSpPr>
+        <p:cNvPr id="1" name=""/>
+        <p:cNvGrpSpPr/>
+        <p:nvPr/>
+      </p:nvGrpSpPr>
+      <p:grpSpPr>
+        <a:xfrm>
+          <a:off x="0" y="0"/>
+          <a:ext cx="0" cy="0"/>
+          <a:chOff x="0" y="0"/>
+          <a:chExt cx="0" cy="0"/>
+        </a:xfrm>
+      </p:grpSpPr>
+      <p:sp>
+        <p:nvSpPr>
+          <p:cNvPr id="2" name="Tytuł 1">
+            <a:extLst>
+              <a:ext uri="{FF2B5EF4-FFF2-40B4-BE49-F238E27FC236}">
+                <a16:creationId xmlns:a16="http://schemas.microsoft.com/office/drawing/2014/main" id="{50620C93-0F60-E3C0-D998-CF2F78E4B70D}"/>
+              </a:ext>
+            </a:extLst>
+          </p:cNvPr>
+          <p:cNvSpPr>
+            <a:spLocks noGrp="1"/>
+          </p:cNvSpPr>
+          <p:nvPr>
+            <p:ph type="title"/>
+          </p:nvPr>
+        </p:nvSpPr>
+        <p:spPr>
+          <a:xfrm>
+            <a:off x="1451579" y="804519"/>
+            <a:ext cx="9603275" cy="1049235"/>
+          </a:xfrm>
+        </p:spPr>
+        <p:txBody>
+          <a:bodyPr>
+            <a:normAutofit/>
+          </a:bodyPr>
+          <a:lstStyle/>
+          <a:p>
+            <a:r>
+              <a:rPr lang="pl-PL" dirty="0"/>
+              <a:t>Diagram przypadków </a:t>
+            </a:r>
+            <a:r>
+              <a:rPr lang="pl-PL" dirty="0" smtClean="0"/>
+              <a:t>użycia - Role</a:t>
+            </a:r>
+            <a:endParaRPr lang="pl-PL" dirty="0"/>
+          </a:p>
+        </p:txBody>
+      </p:sp>
+      <p:grpSp>
+        <p:nvGrpSpPr>
+          <p:cNvPr id="9" name="Group 8">
+            <a:extLst>
+              <a:ext uri="{FF2B5EF4-FFF2-40B4-BE49-F238E27FC236}">
+                <a16:creationId xmlns:a16="http://schemas.microsoft.com/office/drawing/2014/main" id="{F7C65FA4-631C-444F-89AA-F891363CCF6E}"/>
+              </a:ext>
+              <a:ext uri="{C183D7F6-B498-43B3-948B-1728B52AA6E4}">
+                <adec:decorative xmlns:adec="http://schemas.microsoft.com/office/drawing/2017/decorative" xmlns="" val="1"/>
+              </a:ext>
+            </a:extLst>
+          </p:cNvPr>
+          <p:cNvGrpSpPr>
+            <a:grpSpLocks noGrp="1" noUngrp="1" noRot="1" noChangeAspect="1" noMove="1" noResize="1"/>
+          </p:cNvGrpSpPr>
+          <p:nvPr>
+            <p:extLst>
+              <p:ext uri="{386F3935-93C4-4BCD-93E2-E3B085C9AB24}">
+                <p16:designElem xmlns:p16="http://schemas.microsoft.com/office/powerpoint/2015/main" val="1"/>
+              </p:ext>
+            </p:extLst>
+          </p:nvPr>
+        </p:nvGrpSpPr>
+        <p:grpSpPr>
+          <a:xfrm>
+            <a:off x="6109823" y="2012810"/>
+            <a:ext cx="4948659" cy="3453535"/>
+            <a:chOff x="7807230" y="2012810"/>
+            <a:chExt cx="3251252" cy="3459865"/>
+          </a:xfrm>
+        </p:grpSpPr>
+        <p:sp>
+          <p:nvSpPr>
+            <p:cNvPr id="10" name="Rectangle 9">
+              <a:extLst>
+                <a:ext uri="{FF2B5EF4-FFF2-40B4-BE49-F238E27FC236}">
+                  <a16:creationId xmlns:a16="http://schemas.microsoft.com/office/drawing/2014/main" id="{353C58CC-6818-48FD-9CE0-B43BF88B7396}"/>
+                </a:ext>
+                <a:ext uri="{C183D7F6-B498-43B3-948B-1728B52AA6E4}">
+                  <adec:decorative xmlns:adec="http://schemas.microsoft.com/office/drawing/2017/decorative" xmlns="" val="1"/>
+                </a:ext>
+              </a:extLst>
+            </p:cNvPr>
+            <p:cNvSpPr/>
+            <p:nvPr>
+              <p:extLst>
+                <p:ext uri="{386F3935-93C4-4BCD-93E2-E3B085C9AB24}">
+                  <p16:designElem xmlns:p16="http://schemas.microsoft.com/office/powerpoint/2015/main" val="1"/>
+                </p:ext>
+              </p:extLst>
+            </p:nvPr>
+          </p:nvSpPr>
+          <p:spPr>
+            <a:xfrm>
+              <a:off x="7807230" y="2012810"/>
+              <a:ext cx="3251252" cy="3459865"/>
+            </a:xfrm>
+            <a:prstGeom prst="rect">
+              <a:avLst/>
+            </a:prstGeom>
+            <a:gradFill>
+              <a:gsLst>
+                <a:gs pos="0">
+                  <a:srgbClr val="000001"/>
+                </a:gs>
+                <a:gs pos="100000">
+                  <a:srgbClr val="191919"/>
+                </a:gs>
+              </a:gsLst>
+            </a:gradFill>
+            <a:ln w="76200" cmpd="sng">
+              <a:noFill/>
+              <a:miter lim="800000"/>
+            </a:ln>
+            <a:effectLst>
+              <a:outerShdw blurRad="127000" dist="190500" dir="4740000" sx="98000" sy="98000" algn="tl" rotWithShape="0">
+                <a:srgbClr val="000000">
+                  <a:alpha val="34000"/>
+                </a:srgbClr>
+              </a:outerShdw>
+            </a:effectLst>
+            <a:scene3d>
+              <a:camera prst="orthographicFront"/>
+              <a:lightRig rig="threePt" dir="t"/>
+            </a:scene3d>
+            <a:sp3d>
+              <a:bevelT w="152400" h="50800" prst="softRound"/>
+            </a:sp3d>
+          </p:spPr>
+          <p:style>
+            <a:lnRef idx="1">
+              <a:schemeClr val="accent1"/>
+            </a:lnRef>
+            <a:fillRef idx="3">
+              <a:schemeClr val="accent1"/>
+            </a:fillRef>
+            <a:effectRef idx="2">
+              <a:schemeClr val="accent1"/>
+            </a:effectRef>
+            <a:fontRef idx="minor">
+              <a:schemeClr val="lt1"/>
+            </a:fontRef>
+          </p:style>
+          <p:txBody>
+            <a:bodyPr rtlCol="0" anchor="ctr"/>
+            <a:lstStyle/>
+            <a:p>
+              <a:pPr algn="ctr"/>
+              <a:endParaRPr lang="en-US"/>
+            </a:p>
+          </p:txBody>
+        </p:sp>
+        <p:sp>
+          <p:nvSpPr>
+            <p:cNvPr id="11" name="Rectangle 10">
+              <a:extLst>
+                <a:ext uri="{FF2B5EF4-FFF2-40B4-BE49-F238E27FC236}">
+                  <a16:creationId xmlns:a16="http://schemas.microsoft.com/office/drawing/2014/main" id="{1B2694E9-2175-4647-803A-3AD63554CD25}"/>
+                </a:ext>
+                <a:ext uri="{C183D7F6-B498-43B3-948B-1728B52AA6E4}">
+                  <adec:decorative xmlns:adec="http://schemas.microsoft.com/office/drawing/2017/decorative" xmlns="" val="1"/>
+                </a:ext>
+              </a:extLst>
+            </p:cNvPr>
+            <p:cNvSpPr/>
+            <p:nvPr>
+              <p:extLst>
+                <p:ext uri="{386F3935-93C4-4BCD-93E2-E3B085C9AB24}">
+                  <p16:designElem xmlns:p16="http://schemas.microsoft.com/office/powerpoint/2015/main" val="1"/>
+                </p:ext>
+              </p:extLst>
+            </p:nvPr>
+          </p:nvSpPr>
+          <p:spPr>
+            <a:xfrm>
+              <a:off x="7807231" y="2026142"/>
+              <a:ext cx="3251250" cy="3440203"/>
+            </a:xfrm>
+            <a:prstGeom prst="rect">
+              <a:avLst/>
+            </a:prstGeom>
+            <a:solidFill>
+              <a:schemeClr val="bg1"/>
+            </a:solidFill>
+            <a:ln w="76200" cmpd="sng">
+              <a:solidFill>
+                <a:srgbClr val="191919"/>
+              </a:solidFill>
+              <a:miter lim="800000"/>
+            </a:ln>
+            <a:effectLst>
+              <a:innerShdw blurRad="63500" dist="88900" dir="14100000">
+                <a:srgbClr val="000000">
+                  <a:alpha val="30000"/>
+                </a:srgbClr>
+              </a:innerShdw>
+            </a:effectLst>
+            <a:scene3d>
+              <a:camera prst="orthographicFront"/>
+              <a:lightRig rig="threePt" dir="t"/>
+            </a:scene3d>
+            <a:sp3d>
+              <a:bevelT w="38100" h="38100" prst="relaxedInset"/>
+            </a:sp3d>
+          </p:spPr>
+          <p:style>
+            <a:lnRef idx="1">
+              <a:schemeClr val="accent1"/>
+            </a:lnRef>
+            <a:fillRef idx="3">
+              <a:schemeClr val="accent1"/>
+            </a:fillRef>
+            <a:effectRef idx="2">
+              <a:schemeClr val="accent1"/>
+            </a:effectRef>
+            <a:fontRef idx="minor">
+              <a:schemeClr val="lt1"/>
+            </a:fontRef>
+          </p:style>
+          <p:txBody>
+            <a:bodyPr rtlCol="0" anchor="ctr"/>
+            <a:lstStyle/>
+            <a:p>
+              <a:pPr algn="ctr"/>
+              <a:endParaRPr lang="en-US"/>
+            </a:p>
+          </p:txBody>
+        </p:sp>
+      </p:grpSp>
+      <p:pic>
+        <p:nvPicPr>
+          <p:cNvPr id="6" name="Obraz 5"/>
+          <p:cNvPicPr>
+            <a:picLocks noChangeAspect="1"/>
+          </p:cNvPicPr>
+          <p:nvPr/>
+        </p:nvPicPr>
+        <p:blipFill>
+          <a:blip r:embed="rId3"/>
+          <a:stretch>
+            <a:fillRect/>
+          </a:stretch>
+        </p:blipFill>
+        <p:spPr>
+          <a:xfrm>
+            <a:off x="1451577" y="1383332"/>
+            <a:ext cx="9680415" cy="5333391"/>
+          </a:xfrm>
+          <a:prstGeom prst="rect">
+            <a:avLst/>
+          </a:prstGeom>
+        </p:spPr>
+      </p:pic>
+      <p:pic>
+        <p:nvPicPr>
+          <p:cNvPr id="4" name="Obraz 3" descr="Obraz zawierający zrzut ekranu, tekst, krąg&#10;&#10;Opis wygenerowany automatycznie">
+            <a:extLst>
+              <a:ext uri="{FF2B5EF4-FFF2-40B4-BE49-F238E27FC236}">
+                <a16:creationId xmlns:a16="http://schemas.microsoft.com/office/drawing/2014/main" id="{049F7C7B-7124-6029-A805-5C8B8799B09B}"/>
+              </a:ext>
+            </a:extLst>
+          </p:cNvPr>
+          <p:cNvPicPr>
+            <a:picLocks noChangeAspect="1"/>
+          </p:cNvPicPr>
+          <p:nvPr/>
+        </p:nvPicPr>
+        <p:blipFill>
+          <a:blip r:embed="rId4" cstate="print">
+            <a:extLst>
+              <a:ext uri="{28A0092B-C50C-407E-A947-70E740481C1C}">
+                <a14:useLocalDpi xmlns:a14="http://schemas.microsoft.com/office/drawing/2010/main" val="0"/>
+              </a:ext>
+            </a:extLst>
+          </a:blip>
+          <a:stretch>
+            <a:fillRect/>
+          </a:stretch>
+        </p:blipFill>
+        <p:spPr bwMode="auto">
+          <a:xfrm>
+            <a:off x="1451579" y="1390321"/>
+            <a:ext cx="9680414" cy="5406199"/>
+          </a:xfrm>
+          <a:prstGeom prst="rect">
+            <a:avLst/>
+          </a:prstGeom>
+          <a:noFill/>
+        </p:spPr>
+      </p:pic>
+    </p:spTree>
+    <p:extLst>
+      <p:ext uri="{BB962C8B-B14F-4D97-AF65-F5344CB8AC3E}">
+        <p14:creationId xmlns:p14="http://schemas.microsoft.com/office/powerpoint/2010/main" val="567080119"/>
+      </p:ext>
+    </p:extLst>
+  </p:cSld>
+  <p:clrMapOvr>
+    <a:masterClrMapping/>
+  </p:clrMapOvr>
+  <p:timing>
+    <p:tnLst>
+      <p:par>
+        <p:cTn id="1" dur="indefinite" restart="never" nodeType="tmRoot"/>
+      </p:par>
+    </p:tnLst>
+  </p:timing>
+</p:sld>
+</file>
+
+<file path=ppt/slides/slide14.xml><?xml version="1.0" encoding="utf-8"?>
 <p:sld xmlns:a="http://schemas.openxmlformats.org/drawingml/2006/main" xmlns:r="http://schemas.openxmlformats.org/officeDocument/2006/relationships" xmlns:p="http://schemas.openxmlformats.org/presentationml/2006/main">
   <p:cSld>
     <p:bg>
@@ -18905,7 +18740,7 @@
                 <a16:creationId xmlns:a16="http://schemas.microsoft.com/office/drawing/2014/main" id="{0CABCAE3-64FC-4149-819F-2C1812824154}"/>
               </a:ext>
               <a:ext uri="{C183D7F6-B498-43B3-948B-1728B52AA6E4}">
-                <adec:decorative xmlns:adec="http://schemas.microsoft.com/office/drawing/2017/decorative" val="1"/>
+                <adec:decorative xmlns:adec="http://schemas.microsoft.com/office/drawing/2017/decorative" xmlns="" val="1"/>
               </a:ext>
             </a:extLst>
           </p:cNvPr>
@@ -18978,7 +18813,7 @@
                 <a16:creationId xmlns:a16="http://schemas.microsoft.com/office/drawing/2014/main" id="{012FDCFE-9AD2-4D8A-8CBF-B3AA37EBF6DD}"/>
               </a:ext>
               <a:ext uri="{C183D7F6-B498-43B3-948B-1728B52AA6E4}">
-                <adec:decorative xmlns:adec="http://schemas.microsoft.com/office/drawing/2017/decorative" val="1"/>
+                <adec:decorative xmlns:adec="http://schemas.microsoft.com/office/drawing/2017/decorative" xmlns="" val="1"/>
               </a:ext>
             </a:extLst>
           </p:cNvPr>
@@ -19022,7 +18857,7 @@
                 <a16:creationId xmlns:a16="http://schemas.microsoft.com/office/drawing/2014/main" id="{FBD463FC-4CA8-4FF4-85A3-AF9F4B98D210}"/>
               </a:ext>
               <a:ext uri="{C183D7F6-B498-43B3-948B-1728B52AA6E4}">
-                <adec:decorative xmlns:adec="http://schemas.microsoft.com/office/drawing/2017/decorative" val="1"/>
+                <adec:decorative xmlns:adec="http://schemas.microsoft.com/office/drawing/2017/decorative" xmlns="" val="1"/>
               </a:ext>
             </a:extLst>
           </p:cNvPr>
@@ -19076,7 +18911,7 @@
                 <a16:creationId xmlns:a16="http://schemas.microsoft.com/office/drawing/2014/main" id="{BECF35C3-8B44-4F4B-BD25-4C01823DB22A}"/>
               </a:ext>
               <a:ext uri="{C183D7F6-B498-43B3-948B-1728B52AA6E4}">
-                <adec:decorative xmlns:adec="http://schemas.microsoft.com/office/drawing/2017/decorative" val="1"/>
+                <adec:decorative xmlns:adec="http://schemas.microsoft.com/office/drawing/2017/decorative" xmlns="" val="1"/>
               </a:ext>
             </a:extLst>
           </p:cNvPr>
@@ -19124,7 +18959,7 @@
                 <a16:creationId xmlns:a16="http://schemas.microsoft.com/office/drawing/2014/main" id="{D0712110-0BC1-4B31-B3BB-63B44222E87F}"/>
               </a:ext>
               <a:ext uri="{C183D7F6-B498-43B3-948B-1728B52AA6E4}">
-                <adec:decorative xmlns:adec="http://schemas.microsoft.com/office/drawing/2017/decorative" val="1"/>
+                <adec:decorative xmlns:adec="http://schemas.microsoft.com/office/drawing/2017/decorative" xmlns="" val="1"/>
               </a:ext>
             </a:extLst>
           </p:cNvPr>
@@ -19184,7 +19019,7 @@
                 <a16:creationId xmlns:a16="http://schemas.microsoft.com/office/drawing/2014/main" id="{4466B5F3-C053-4580-B04A-1EF949888280}"/>
               </a:ext>
               <a:ext uri="{C183D7F6-B498-43B3-948B-1728B52AA6E4}">
-                <adec:decorative xmlns:adec="http://schemas.microsoft.com/office/drawing/2017/decorative" val="1"/>
+                <adec:decorative xmlns:adec="http://schemas.microsoft.com/office/drawing/2017/decorative" xmlns="" val="1"/>
               </a:ext>
             </a:extLst>
           </p:cNvPr>
@@ -19287,7 +19122,7 @@
                 <a16:creationId xmlns:a16="http://schemas.microsoft.com/office/drawing/2014/main" id="{FA6123F2-4B61-414F-A7E5-5B7828EACAE2}"/>
               </a:ext>
               <a:ext uri="{C183D7F6-B498-43B3-948B-1728B52AA6E4}">
-                <adec:decorative xmlns:adec="http://schemas.microsoft.com/office/drawing/2017/decorative" val="1"/>
+                <adec:decorative xmlns:adec="http://schemas.microsoft.com/office/drawing/2017/decorative" xmlns="" val="1"/>
               </a:ext>
             </a:extLst>
           </p:cNvPr>
@@ -19357,7 +19192,7 @@
                 <a16:creationId xmlns:a16="http://schemas.microsoft.com/office/drawing/2014/main" id="{25CED634-E2D0-4AB7-96DD-816C9B52C5CF}"/>
               </a:ext>
               <a:ext uri="{C183D7F6-B498-43B3-948B-1728B52AA6E4}">
-                <adec:decorative xmlns:adec="http://schemas.microsoft.com/office/drawing/2017/decorative" val="1"/>
+                <adec:decorative xmlns:adec="http://schemas.microsoft.com/office/drawing/2017/decorative" xmlns="" val="1"/>
               </a:ext>
             </a:extLst>
           </p:cNvPr>
@@ -19401,7 +19236,7 @@
                 <a16:creationId xmlns:a16="http://schemas.microsoft.com/office/drawing/2014/main" id="{FCDDCDFB-696D-4FDF-9B58-24F71B7C37BC}"/>
               </a:ext>
               <a:ext uri="{C183D7F6-B498-43B3-948B-1728B52AA6E4}">
-                <adec:decorative xmlns:adec="http://schemas.microsoft.com/office/drawing/2017/decorative" val="1"/>
+                <adec:decorative xmlns:adec="http://schemas.microsoft.com/office/drawing/2017/decorative" xmlns="" val="1"/>
               </a:ext>
             </a:extLst>
           </p:cNvPr>
@@ -19457,10 +19292,17 @@
   <p:clrMapOvr>
     <a:masterClrMapping/>
   </p:clrMapOvr>
+  <p:timing>
+    <p:tnLst>
+      <p:par>
+        <p:cTn id="1" dur="indefinite" restart="never" nodeType="tmRoot"/>
+      </p:par>
+    </p:tnLst>
+  </p:timing>
 </p:sld>
 </file>
 
-<file path=ppt/slides/slide16.xml><?xml version="1.0" encoding="utf-8"?>
+<file path=ppt/slides/slide15.xml><?xml version="1.0" encoding="utf-8"?>
 <p:sld xmlns:a="http://schemas.openxmlformats.org/drawingml/2006/main" xmlns:r="http://schemas.openxmlformats.org/officeDocument/2006/relationships" xmlns:p="http://schemas.openxmlformats.org/presentationml/2006/main">
   <p:cSld>
     <p:bg>
@@ -19509,7 +19351,7 @@
                 <a16:creationId xmlns:a16="http://schemas.microsoft.com/office/drawing/2014/main" id="{0CABCAE3-64FC-4149-819F-2C1812824154}"/>
               </a:ext>
               <a:ext uri="{C183D7F6-B498-43B3-948B-1728B52AA6E4}">
-                <adec:decorative xmlns:adec="http://schemas.microsoft.com/office/drawing/2017/decorative" val="1"/>
+                <adec:decorative xmlns:adec="http://schemas.microsoft.com/office/drawing/2017/decorative" xmlns="" val="1"/>
               </a:ext>
             </a:extLst>
           </p:cNvPr>
@@ -19582,7 +19424,7 @@
                 <a16:creationId xmlns:a16="http://schemas.microsoft.com/office/drawing/2014/main" id="{012FDCFE-9AD2-4D8A-8CBF-B3AA37EBF6DD}"/>
               </a:ext>
               <a:ext uri="{C183D7F6-B498-43B3-948B-1728B52AA6E4}">
-                <adec:decorative xmlns:adec="http://schemas.microsoft.com/office/drawing/2017/decorative" val="1"/>
+                <adec:decorative xmlns:adec="http://schemas.microsoft.com/office/drawing/2017/decorative" xmlns="" val="1"/>
               </a:ext>
             </a:extLst>
           </p:cNvPr>
@@ -19626,7 +19468,7 @@
                 <a16:creationId xmlns:a16="http://schemas.microsoft.com/office/drawing/2014/main" id="{FBD463FC-4CA8-4FF4-85A3-AF9F4B98D210}"/>
               </a:ext>
               <a:ext uri="{C183D7F6-B498-43B3-948B-1728B52AA6E4}">
-                <adec:decorative xmlns:adec="http://schemas.microsoft.com/office/drawing/2017/decorative" val="1"/>
+                <adec:decorative xmlns:adec="http://schemas.microsoft.com/office/drawing/2017/decorative" xmlns="" val="1"/>
               </a:ext>
             </a:extLst>
           </p:cNvPr>
@@ -19680,7 +19522,7 @@
                 <a16:creationId xmlns:a16="http://schemas.microsoft.com/office/drawing/2014/main" id="{BECF35C3-8B44-4F4B-BD25-4C01823DB22A}"/>
               </a:ext>
               <a:ext uri="{C183D7F6-B498-43B3-948B-1728B52AA6E4}">
-                <adec:decorative xmlns:adec="http://schemas.microsoft.com/office/drawing/2017/decorative" val="1"/>
+                <adec:decorative xmlns:adec="http://schemas.microsoft.com/office/drawing/2017/decorative" xmlns="" val="1"/>
               </a:ext>
             </a:extLst>
           </p:cNvPr>
@@ -19728,7 +19570,7 @@
                 <a16:creationId xmlns:a16="http://schemas.microsoft.com/office/drawing/2014/main" id="{D0712110-0BC1-4B31-B3BB-63B44222E87F}"/>
               </a:ext>
               <a:ext uri="{C183D7F6-B498-43B3-948B-1728B52AA6E4}">
-                <adec:decorative xmlns:adec="http://schemas.microsoft.com/office/drawing/2017/decorative" val="1"/>
+                <adec:decorative xmlns:adec="http://schemas.microsoft.com/office/drawing/2017/decorative" xmlns="" val="1"/>
               </a:ext>
             </a:extLst>
           </p:cNvPr>
@@ -19788,7 +19630,7 @@
                 <a16:creationId xmlns:a16="http://schemas.microsoft.com/office/drawing/2014/main" id="{4466B5F3-C053-4580-B04A-1EF949888280}"/>
               </a:ext>
               <a:ext uri="{C183D7F6-B498-43B3-948B-1728B52AA6E4}">
-                <adec:decorative xmlns:adec="http://schemas.microsoft.com/office/drawing/2017/decorative" val="1"/>
+                <adec:decorative xmlns:adec="http://schemas.microsoft.com/office/drawing/2017/decorative" xmlns="" val="1"/>
               </a:ext>
             </a:extLst>
           </p:cNvPr>
@@ -19891,7 +19733,7 @@
                 <a16:creationId xmlns:a16="http://schemas.microsoft.com/office/drawing/2014/main" id="{FA6123F2-4B61-414F-A7E5-5B7828EACAE2}"/>
               </a:ext>
               <a:ext uri="{C183D7F6-B498-43B3-948B-1728B52AA6E4}">
-                <adec:decorative xmlns:adec="http://schemas.microsoft.com/office/drawing/2017/decorative" val="1"/>
+                <adec:decorative xmlns:adec="http://schemas.microsoft.com/office/drawing/2017/decorative" xmlns="" val="1"/>
               </a:ext>
             </a:extLst>
           </p:cNvPr>
@@ -19964,7 +19806,7 @@
                 <a16:creationId xmlns:a16="http://schemas.microsoft.com/office/drawing/2014/main" id="{25CED634-E2D0-4AB7-96DD-816C9B52C5CF}"/>
               </a:ext>
               <a:ext uri="{C183D7F6-B498-43B3-948B-1728B52AA6E4}">
-                <adec:decorative xmlns:adec="http://schemas.microsoft.com/office/drawing/2017/decorative" val="1"/>
+                <adec:decorative xmlns:adec="http://schemas.microsoft.com/office/drawing/2017/decorative" xmlns="" val="1"/>
               </a:ext>
             </a:extLst>
           </p:cNvPr>
@@ -20008,7 +19850,7 @@
                 <a16:creationId xmlns:a16="http://schemas.microsoft.com/office/drawing/2014/main" id="{FCDDCDFB-696D-4FDF-9B58-24F71B7C37BC}"/>
               </a:ext>
               <a:ext uri="{C183D7F6-B498-43B3-948B-1728B52AA6E4}">
-                <adec:decorative xmlns:adec="http://schemas.microsoft.com/office/drawing/2017/decorative" val="1"/>
+                <adec:decorative xmlns:adec="http://schemas.microsoft.com/office/drawing/2017/decorative" xmlns="" val="1"/>
               </a:ext>
             </a:extLst>
           </p:cNvPr>
@@ -20064,10 +19906,17 @@
   <p:clrMapOvr>
     <a:masterClrMapping/>
   </p:clrMapOvr>
+  <p:timing>
+    <p:tnLst>
+      <p:par>
+        <p:cTn id="1" dur="indefinite" restart="never" nodeType="tmRoot"/>
+      </p:par>
+    </p:tnLst>
+  </p:timing>
 </p:sld>
 </file>
 
-<file path=ppt/slides/slide17.xml><?xml version="1.0" encoding="utf-8"?>
+<file path=ppt/slides/slide16.xml><?xml version="1.0" encoding="utf-8"?>
 <p:sld xmlns:a="http://schemas.openxmlformats.org/drawingml/2006/main" xmlns:r="http://schemas.openxmlformats.org/officeDocument/2006/relationships" xmlns:p="http://schemas.openxmlformats.org/presentationml/2006/main">
   <p:cSld>
     <p:bg>
@@ -20116,7 +19965,7 @@
                 <a16:creationId xmlns:a16="http://schemas.microsoft.com/office/drawing/2014/main" id="{0CABCAE3-64FC-4149-819F-2C1812824154}"/>
               </a:ext>
               <a:ext uri="{C183D7F6-B498-43B3-948B-1728B52AA6E4}">
-                <adec:decorative xmlns:adec="http://schemas.microsoft.com/office/drawing/2017/decorative" val="1"/>
+                <adec:decorative xmlns:adec="http://schemas.microsoft.com/office/drawing/2017/decorative" xmlns="" val="1"/>
               </a:ext>
             </a:extLst>
           </p:cNvPr>
@@ -20189,7 +20038,7 @@
                 <a16:creationId xmlns:a16="http://schemas.microsoft.com/office/drawing/2014/main" id="{012FDCFE-9AD2-4D8A-8CBF-B3AA37EBF6DD}"/>
               </a:ext>
               <a:ext uri="{C183D7F6-B498-43B3-948B-1728B52AA6E4}">
-                <adec:decorative xmlns:adec="http://schemas.microsoft.com/office/drawing/2017/decorative" val="1"/>
+                <adec:decorative xmlns:adec="http://schemas.microsoft.com/office/drawing/2017/decorative" xmlns="" val="1"/>
               </a:ext>
             </a:extLst>
           </p:cNvPr>
@@ -20233,7 +20082,7 @@
                 <a16:creationId xmlns:a16="http://schemas.microsoft.com/office/drawing/2014/main" id="{FBD463FC-4CA8-4FF4-85A3-AF9F4B98D210}"/>
               </a:ext>
               <a:ext uri="{C183D7F6-B498-43B3-948B-1728B52AA6E4}">
-                <adec:decorative xmlns:adec="http://schemas.microsoft.com/office/drawing/2017/decorative" val="1"/>
+                <adec:decorative xmlns:adec="http://schemas.microsoft.com/office/drawing/2017/decorative" xmlns="" val="1"/>
               </a:ext>
             </a:extLst>
           </p:cNvPr>
@@ -20287,7 +20136,7 @@
                 <a16:creationId xmlns:a16="http://schemas.microsoft.com/office/drawing/2014/main" id="{BECF35C3-8B44-4F4B-BD25-4C01823DB22A}"/>
               </a:ext>
               <a:ext uri="{C183D7F6-B498-43B3-948B-1728B52AA6E4}">
-                <adec:decorative xmlns:adec="http://schemas.microsoft.com/office/drawing/2017/decorative" val="1"/>
+                <adec:decorative xmlns:adec="http://schemas.microsoft.com/office/drawing/2017/decorative" xmlns="" val="1"/>
               </a:ext>
             </a:extLst>
           </p:cNvPr>
@@ -20335,7 +20184,7 @@
                 <a16:creationId xmlns:a16="http://schemas.microsoft.com/office/drawing/2014/main" id="{D0712110-0BC1-4B31-B3BB-63B44222E87F}"/>
               </a:ext>
               <a:ext uri="{C183D7F6-B498-43B3-948B-1728B52AA6E4}">
-                <adec:decorative xmlns:adec="http://schemas.microsoft.com/office/drawing/2017/decorative" val="1"/>
+                <adec:decorative xmlns:adec="http://schemas.microsoft.com/office/drawing/2017/decorative" xmlns="" val="1"/>
               </a:ext>
             </a:extLst>
           </p:cNvPr>
@@ -20395,7 +20244,7 @@
                 <a16:creationId xmlns:a16="http://schemas.microsoft.com/office/drawing/2014/main" id="{4466B5F3-C053-4580-B04A-1EF949888280}"/>
               </a:ext>
               <a:ext uri="{C183D7F6-B498-43B3-948B-1728B52AA6E4}">
-                <adec:decorative xmlns:adec="http://schemas.microsoft.com/office/drawing/2017/decorative" val="1"/>
+                <adec:decorative xmlns:adec="http://schemas.microsoft.com/office/drawing/2017/decorative" xmlns="" val="1"/>
               </a:ext>
             </a:extLst>
           </p:cNvPr>
@@ -20498,7 +20347,7 @@
                 <a16:creationId xmlns:a16="http://schemas.microsoft.com/office/drawing/2014/main" id="{FA6123F2-4B61-414F-A7E5-5B7828EACAE2}"/>
               </a:ext>
               <a:ext uri="{C183D7F6-B498-43B3-948B-1728B52AA6E4}">
-                <adec:decorative xmlns:adec="http://schemas.microsoft.com/office/drawing/2017/decorative" val="1"/>
+                <adec:decorative xmlns:adec="http://schemas.microsoft.com/office/drawing/2017/decorative" xmlns="" val="1"/>
               </a:ext>
             </a:extLst>
           </p:cNvPr>
@@ -20567,7 +20416,7 @@
                 <a16:creationId xmlns:a16="http://schemas.microsoft.com/office/drawing/2014/main" id="{25CED634-E2D0-4AB7-96DD-816C9B52C5CF}"/>
               </a:ext>
               <a:ext uri="{C183D7F6-B498-43B3-948B-1728B52AA6E4}">
-                <adec:decorative xmlns:adec="http://schemas.microsoft.com/office/drawing/2017/decorative" val="1"/>
+                <adec:decorative xmlns:adec="http://schemas.microsoft.com/office/drawing/2017/decorative" xmlns="" val="1"/>
               </a:ext>
             </a:extLst>
           </p:cNvPr>
@@ -20611,7 +20460,7 @@
                 <a16:creationId xmlns:a16="http://schemas.microsoft.com/office/drawing/2014/main" id="{FCDDCDFB-696D-4FDF-9B58-24F71B7C37BC}"/>
               </a:ext>
               <a:ext uri="{C183D7F6-B498-43B3-948B-1728B52AA6E4}">
-                <adec:decorative xmlns:adec="http://schemas.microsoft.com/office/drawing/2017/decorative" val="1"/>
+                <adec:decorative xmlns:adec="http://schemas.microsoft.com/office/drawing/2017/decorative" xmlns="" val="1"/>
               </a:ext>
             </a:extLst>
           </p:cNvPr>
@@ -20762,7 +20611,7 @@
 </p:sld>
 </file>
 
-<file path=ppt/slides/slide18.xml><?xml version="1.0" encoding="utf-8"?>
+<file path=ppt/slides/slide17.xml><?xml version="1.0" encoding="utf-8"?>
 <p:sld xmlns:a="http://schemas.openxmlformats.org/drawingml/2006/main" xmlns:r="http://schemas.openxmlformats.org/officeDocument/2006/relationships" xmlns:p="http://schemas.openxmlformats.org/presentationml/2006/main">
   <p:cSld>
     <p:bg>
@@ -20811,7 +20660,7 @@
                 <a16:creationId xmlns:a16="http://schemas.microsoft.com/office/drawing/2014/main" id="{84C75E2B-CACA-478C-B26B-182AF87A18E3}"/>
               </a:ext>
               <a:ext uri="{C183D7F6-B498-43B3-948B-1728B52AA6E4}">
-                <adec:decorative xmlns:adec="http://schemas.microsoft.com/office/drawing/2017/decorative" val="1"/>
+                <adec:decorative xmlns:adec="http://schemas.microsoft.com/office/drawing/2017/decorative" xmlns="" val="1"/>
               </a:ext>
             </a:extLst>
           </p:cNvPr>
@@ -20884,7 +20733,7 @@
                 <a16:creationId xmlns:a16="http://schemas.microsoft.com/office/drawing/2014/main" id="{50FF2874-547C-4D14-9E18-28B19002FB8C}"/>
               </a:ext>
               <a:ext uri="{C183D7F6-B498-43B3-948B-1728B52AA6E4}">
-                <adec:decorative xmlns:adec="http://schemas.microsoft.com/office/drawing/2017/decorative" val="1"/>
+                <adec:decorative xmlns:adec="http://schemas.microsoft.com/office/drawing/2017/decorative" xmlns="" val="1"/>
               </a:ext>
             </a:extLst>
           </p:cNvPr>
@@ -20928,7 +20777,7 @@
                 <a16:creationId xmlns:a16="http://schemas.microsoft.com/office/drawing/2014/main" id="{36CF827D-A163-47F7-BD87-34EB4FA7D696}"/>
               </a:ext>
               <a:ext uri="{C183D7F6-B498-43B3-948B-1728B52AA6E4}">
-                <adec:decorative xmlns:adec="http://schemas.microsoft.com/office/drawing/2017/decorative" val="1"/>
+                <adec:decorative xmlns:adec="http://schemas.microsoft.com/office/drawing/2017/decorative" xmlns="" val="1"/>
               </a:ext>
             </a:extLst>
           </p:cNvPr>
@@ -20982,7 +20831,7 @@
                 <a16:creationId xmlns:a16="http://schemas.microsoft.com/office/drawing/2014/main" id="{D299D9A9-1DA8-433D-A9BC-FB48D93D4217}"/>
               </a:ext>
               <a:ext uri="{C183D7F6-B498-43B3-948B-1728B52AA6E4}">
-                <adec:decorative xmlns:adec="http://schemas.microsoft.com/office/drawing/2017/decorative" val="1"/>
+                <adec:decorative xmlns:adec="http://schemas.microsoft.com/office/drawing/2017/decorative" xmlns="" val="1"/>
               </a:ext>
             </a:extLst>
           </p:cNvPr>
@@ -21083,10 +20932,17 @@
   <p:clrMapOvr>
     <a:masterClrMapping/>
   </p:clrMapOvr>
+  <p:timing>
+    <p:tnLst>
+      <p:par>
+        <p:cTn id="1" dur="indefinite" restart="never" nodeType="tmRoot"/>
+      </p:par>
+    </p:tnLst>
+  </p:timing>
 </p:sld>
 </file>
 
-<file path=ppt/slides/slide19.xml><?xml version="1.0" encoding="utf-8"?>
+<file path=ppt/slides/slide18.xml><?xml version="1.0" encoding="utf-8"?>
 <p:sld xmlns:a="http://schemas.openxmlformats.org/drawingml/2006/main" xmlns:r="http://schemas.openxmlformats.org/officeDocument/2006/relationships" xmlns:p="http://schemas.openxmlformats.org/presentationml/2006/main">
   <p:cSld>
     <p:bg>
@@ -21135,7 +20991,7 @@
                 <a16:creationId xmlns:a16="http://schemas.microsoft.com/office/drawing/2014/main" id="{C63C853E-3842-4594-86A9-051FFAF4D343}"/>
               </a:ext>
               <a:ext uri="{C183D7F6-B498-43B3-948B-1728B52AA6E4}">
-                <adec:decorative xmlns:adec="http://schemas.microsoft.com/office/drawing/2017/decorative" val="1"/>
+                <adec:decorative xmlns:adec="http://schemas.microsoft.com/office/drawing/2017/decorative" xmlns="" val="1"/>
               </a:ext>
             </a:extLst>
           </p:cNvPr>
@@ -21208,7 +21064,7 @@
                 <a16:creationId xmlns:a16="http://schemas.microsoft.com/office/drawing/2014/main" id="{B591CDC5-6B61-4116-B3B5-0FF42B6E606D}"/>
               </a:ext>
               <a:ext uri="{C183D7F6-B498-43B3-948B-1728B52AA6E4}">
-                <adec:decorative xmlns:adec="http://schemas.microsoft.com/office/drawing/2017/decorative" val="1"/>
+                <adec:decorative xmlns:adec="http://schemas.microsoft.com/office/drawing/2017/decorative" xmlns="" val="1"/>
               </a:ext>
             </a:extLst>
           </p:cNvPr>
@@ -21252,7 +21108,7 @@
                 <a16:creationId xmlns:a16="http://schemas.microsoft.com/office/drawing/2014/main" id="{25B08984-5BEB-422F-A364-2B41E6A516EB}"/>
               </a:ext>
               <a:ext uri="{C183D7F6-B498-43B3-948B-1728B52AA6E4}">
-                <adec:decorative xmlns:adec="http://schemas.microsoft.com/office/drawing/2017/decorative" val="1"/>
+                <adec:decorative xmlns:adec="http://schemas.microsoft.com/office/drawing/2017/decorative" xmlns="" val="1"/>
               </a:ext>
             </a:extLst>
           </p:cNvPr>
@@ -21306,7 +21162,7 @@
                 <a16:creationId xmlns:a16="http://schemas.microsoft.com/office/drawing/2014/main" id="{A8F413B1-54E0-4B16-92AB-1CC5C7D645BC}"/>
               </a:ext>
               <a:ext uri="{C183D7F6-B498-43B3-948B-1728B52AA6E4}">
-                <adec:decorative xmlns:adec="http://schemas.microsoft.com/office/drawing/2017/decorative" val="1"/>
+                <adec:decorative xmlns:adec="http://schemas.microsoft.com/office/drawing/2017/decorative" xmlns="" val="1"/>
               </a:ext>
             </a:extLst>
           </p:cNvPr>
@@ -21375,7 +21231,7 @@
                 <a16:creationId xmlns:a16="http://schemas.microsoft.com/office/drawing/2014/main" id="{2E67E8BF-E4B2-4098-9FB3-9E400BD86935}"/>
               </a:ext>
               <a:ext uri="{C183D7F6-B498-43B3-948B-1728B52AA6E4}">
-                <adec:decorative xmlns:adec="http://schemas.microsoft.com/office/drawing/2017/decorative" val="1"/>
+                <adec:decorative xmlns:adec="http://schemas.microsoft.com/office/drawing/2017/decorative" xmlns="" val="1"/>
               </a:ext>
             </a:extLst>
           </p:cNvPr>
@@ -21471,7 +21327,7 @@
                 <a16:creationId xmlns:a16="http://schemas.microsoft.com/office/drawing/2014/main" id="{3781A10F-5DF6-4C9B-AE0B-5249E4399D26}"/>
               </a:ext>
               <a:ext uri="{C183D7F6-B498-43B3-948B-1728B52AA6E4}">
-                <adec:decorative xmlns:adec="http://schemas.microsoft.com/office/drawing/2017/decorative" val="1"/>
+                <adec:decorative xmlns:adec="http://schemas.microsoft.com/office/drawing/2017/decorative" xmlns="" val="1"/>
               </a:ext>
             </a:extLst>
           </p:cNvPr>
@@ -21620,158 +21476,7 @@
 </p:sld>
 </file>
 
-<file path=ppt/slides/slide2.xml><?xml version="1.0" encoding="utf-8"?>
-<p:sld xmlns:a="http://schemas.openxmlformats.org/drawingml/2006/main" xmlns:r="http://schemas.openxmlformats.org/officeDocument/2006/relationships" xmlns:p="http://schemas.openxmlformats.org/presentationml/2006/main">
-  <p:cSld>
-    <p:spTree>
-      <p:nvGrpSpPr>
-        <p:cNvPr id="1" name=""/>
-        <p:cNvGrpSpPr/>
-        <p:nvPr/>
-      </p:nvGrpSpPr>
-      <p:grpSpPr>
-        <a:xfrm>
-          <a:off x="0" y="0"/>
-          <a:ext cx="0" cy="0"/>
-          <a:chOff x="0" y="0"/>
-          <a:chExt cx="0" cy="0"/>
-        </a:xfrm>
-      </p:grpSpPr>
-      <p:sp>
-        <p:nvSpPr>
-          <p:cNvPr id="2" name="Tytuł 1">
-            <a:extLst>
-              <a:ext uri="{FF2B5EF4-FFF2-40B4-BE49-F238E27FC236}">
-                <a16:creationId xmlns:a16="http://schemas.microsoft.com/office/drawing/2014/main" id="{B466CF77-3B8B-67CA-73DD-0F07973E1A81}"/>
-              </a:ext>
-            </a:extLst>
-          </p:cNvPr>
-          <p:cNvSpPr>
-            <a:spLocks noGrp="1"/>
-          </p:cNvSpPr>
-          <p:nvPr>
-            <p:ph type="title"/>
-          </p:nvPr>
-        </p:nvSpPr>
-        <p:spPr/>
-        <p:txBody>
-          <a:bodyPr/>
-          <a:lstStyle/>
-          <a:p>
-            <a:r>
-              <a:rPr lang="pl-PL" dirty="0" err="1"/>
-              <a:t>AgeNda</a:t>
-            </a:r>
-            <a:endParaRPr lang="pl-PL" dirty="0"/>
-          </a:p>
-        </p:txBody>
-      </p:sp>
-      <p:sp>
-        <p:nvSpPr>
-          <p:cNvPr id="3" name="Symbol zastępczy zawartości 2">
-            <a:extLst>
-              <a:ext uri="{FF2B5EF4-FFF2-40B4-BE49-F238E27FC236}">
-                <a16:creationId xmlns:a16="http://schemas.microsoft.com/office/drawing/2014/main" id="{8B5E64A6-558B-1D1E-F22E-594FF1207E16}"/>
-              </a:ext>
-            </a:extLst>
-          </p:cNvPr>
-          <p:cNvSpPr>
-            <a:spLocks noGrp="1"/>
-          </p:cNvSpPr>
-          <p:nvPr>
-            <p:ph idx="1"/>
-          </p:nvPr>
-        </p:nvSpPr>
-        <p:spPr/>
-        <p:txBody>
-          <a:bodyPr/>
-          <a:lstStyle/>
-          <a:p>
-            <a:pPr marL="457200" indent="-457200">
-              <a:buFont typeface="+mj-lt"/>
-              <a:buAutoNum type="arabicPeriod"/>
-            </a:pPr>
-            <a:r>
-              <a:rPr lang="pl-PL" dirty="0"/>
-              <a:t>Uzasadnienie wyboru tematu</a:t>
-            </a:r>
-          </a:p>
-          <a:p>
-            <a:pPr marL="457200" indent="-457200">
-              <a:buFont typeface="+mj-lt"/>
-              <a:buAutoNum type="arabicPeriod"/>
-            </a:pPr>
-            <a:r>
-              <a:rPr lang="pl-PL" dirty="0"/>
-              <a:t>Cele główne i szczegółowe</a:t>
-            </a:r>
-          </a:p>
-          <a:p>
-            <a:pPr marL="457200" indent="-457200">
-              <a:buFont typeface="+mj-lt"/>
-              <a:buAutoNum type="arabicPeriod"/>
-            </a:pPr>
-            <a:r>
-              <a:rPr lang="pl-PL" dirty="0"/>
-              <a:t>Założenia projektu i omówienie istniejących już rozwiązań</a:t>
-            </a:r>
-          </a:p>
-          <a:p>
-            <a:pPr marL="457200" indent="-457200">
-              <a:buFont typeface="+mj-lt"/>
-              <a:buAutoNum type="arabicPeriod"/>
-            </a:pPr>
-            <a:r>
-              <a:rPr lang="pl-PL" dirty="0"/>
-              <a:t>Metodyka pracy i wykorzystane technologie</a:t>
-            </a:r>
-          </a:p>
-          <a:p>
-            <a:pPr marL="457200" indent="-457200">
-              <a:buFont typeface="+mj-lt"/>
-              <a:buAutoNum type="arabicPeriod"/>
-            </a:pPr>
-            <a:r>
-              <a:rPr lang="pl-PL" dirty="0"/>
-              <a:t>Diagramy przypadków użycia i aktywności</a:t>
-            </a:r>
-          </a:p>
-          <a:p>
-            <a:pPr marL="457200" indent="-457200">
-              <a:buFont typeface="+mj-lt"/>
-              <a:buAutoNum type="arabicPeriod"/>
-            </a:pPr>
-            <a:r>
-              <a:rPr lang="pl-PL" dirty="0"/>
-              <a:t>Efekty realizacji projektu</a:t>
-            </a:r>
-          </a:p>
-          <a:p>
-            <a:pPr marL="457200" indent="-457200">
-              <a:buFont typeface="+mj-lt"/>
-              <a:buAutoNum type="arabicPeriod"/>
-            </a:pPr>
-            <a:r>
-              <a:rPr lang="pl-PL" dirty="0"/>
-              <a:t>Podsumowanie</a:t>
-            </a:r>
-          </a:p>
-        </p:txBody>
-      </p:sp>
-    </p:spTree>
-    <p:extLst>
-      <p:ext uri="{BB962C8B-B14F-4D97-AF65-F5344CB8AC3E}">
-        <p14:creationId xmlns:p14="http://schemas.microsoft.com/office/powerpoint/2010/main" val="391392334"/>
-      </p:ext>
-    </p:extLst>
-  </p:cSld>
-  <p:clrMapOvr>
-    <a:masterClrMapping/>
-  </p:clrMapOvr>
-</p:sld>
-</file>
-
-<file path=ppt/slides/slide20.xml><?xml version="1.0" encoding="utf-8"?>
+<file path=ppt/slides/slide19.xml><?xml version="1.0" encoding="utf-8"?>
 <p:sld xmlns:a="http://schemas.openxmlformats.org/drawingml/2006/main" xmlns:r="http://schemas.openxmlformats.org/officeDocument/2006/relationships" xmlns:p="http://schemas.openxmlformats.org/presentationml/2006/main">
   <p:cSld>
     <p:bg>
@@ -21820,7 +21525,7 @@
                 <a16:creationId xmlns:a16="http://schemas.microsoft.com/office/drawing/2014/main" id="{C63C853E-3842-4594-86A9-051FFAF4D343}"/>
               </a:ext>
               <a:ext uri="{C183D7F6-B498-43B3-948B-1728B52AA6E4}">
-                <adec:decorative xmlns:adec="http://schemas.microsoft.com/office/drawing/2017/decorative" val="1"/>
+                <adec:decorative xmlns:adec="http://schemas.microsoft.com/office/drawing/2017/decorative" xmlns="" val="1"/>
               </a:ext>
             </a:extLst>
           </p:cNvPr>
@@ -21893,7 +21598,7 @@
                 <a16:creationId xmlns:a16="http://schemas.microsoft.com/office/drawing/2014/main" id="{B591CDC5-6B61-4116-B3B5-0FF42B6E606D}"/>
               </a:ext>
               <a:ext uri="{C183D7F6-B498-43B3-948B-1728B52AA6E4}">
-                <adec:decorative xmlns:adec="http://schemas.microsoft.com/office/drawing/2017/decorative" val="1"/>
+                <adec:decorative xmlns:adec="http://schemas.microsoft.com/office/drawing/2017/decorative" xmlns="" val="1"/>
               </a:ext>
             </a:extLst>
           </p:cNvPr>
@@ -21937,7 +21642,7 @@
                 <a16:creationId xmlns:a16="http://schemas.microsoft.com/office/drawing/2014/main" id="{25B08984-5BEB-422F-A364-2B41E6A516EB}"/>
               </a:ext>
               <a:ext uri="{C183D7F6-B498-43B3-948B-1728B52AA6E4}">
-                <adec:decorative xmlns:adec="http://schemas.microsoft.com/office/drawing/2017/decorative" val="1"/>
+                <adec:decorative xmlns:adec="http://schemas.microsoft.com/office/drawing/2017/decorative" xmlns="" val="1"/>
               </a:ext>
             </a:extLst>
           </p:cNvPr>
@@ -21991,7 +21696,7 @@
                 <a16:creationId xmlns:a16="http://schemas.microsoft.com/office/drawing/2014/main" id="{A8F413B1-54E0-4B16-92AB-1CC5C7D645BC}"/>
               </a:ext>
               <a:ext uri="{C183D7F6-B498-43B3-948B-1728B52AA6E4}">
-                <adec:decorative xmlns:adec="http://schemas.microsoft.com/office/drawing/2017/decorative" val="1"/>
+                <adec:decorative xmlns:adec="http://schemas.microsoft.com/office/drawing/2017/decorative" xmlns="" val="1"/>
               </a:ext>
             </a:extLst>
           </p:cNvPr>
@@ -22062,7 +21767,7 @@
                 <a16:creationId xmlns:a16="http://schemas.microsoft.com/office/drawing/2014/main" id="{2E67E8BF-E4B2-4098-9FB3-9E400BD86935}"/>
               </a:ext>
               <a:ext uri="{C183D7F6-B498-43B3-948B-1728B52AA6E4}">
-                <adec:decorative xmlns:adec="http://schemas.microsoft.com/office/drawing/2017/decorative" val="1"/>
+                <adec:decorative xmlns:adec="http://schemas.microsoft.com/office/drawing/2017/decorative" xmlns="" val="1"/>
               </a:ext>
             </a:extLst>
           </p:cNvPr>
@@ -22158,7 +21863,7 @@
                 <a16:creationId xmlns:a16="http://schemas.microsoft.com/office/drawing/2014/main" id="{3781A10F-5DF6-4C9B-AE0B-5249E4399D26}"/>
               </a:ext>
               <a:ext uri="{C183D7F6-B498-43B3-948B-1728B52AA6E4}">
-                <adec:decorative xmlns:adec="http://schemas.microsoft.com/office/drawing/2017/decorative" val="1"/>
+                <adec:decorative xmlns:adec="http://schemas.microsoft.com/office/drawing/2017/decorative" xmlns="" val="1"/>
               </a:ext>
             </a:extLst>
           </p:cNvPr>
@@ -22307,7 +22012,159 @@
 </p:sld>
 </file>
 
-<file path=ppt/slides/slide21.xml><?xml version="1.0" encoding="utf-8"?>
+<file path=ppt/slides/slide2.xml><?xml version="1.0" encoding="utf-8"?>
+<p:sld xmlns:a="http://schemas.openxmlformats.org/drawingml/2006/main" xmlns:r="http://schemas.openxmlformats.org/officeDocument/2006/relationships" xmlns:p="http://schemas.openxmlformats.org/presentationml/2006/main">
+  <p:cSld>
+    <p:spTree>
+      <p:nvGrpSpPr>
+        <p:cNvPr id="1" name=""/>
+        <p:cNvGrpSpPr/>
+        <p:nvPr/>
+      </p:nvGrpSpPr>
+      <p:grpSpPr>
+        <a:xfrm>
+          <a:off x="0" y="0"/>
+          <a:ext cx="0" cy="0"/>
+          <a:chOff x="0" y="0"/>
+          <a:chExt cx="0" cy="0"/>
+        </a:xfrm>
+      </p:grpSpPr>
+      <p:sp>
+        <p:nvSpPr>
+          <p:cNvPr id="2" name="Tytuł 1">
+            <a:extLst>
+              <a:ext uri="{FF2B5EF4-FFF2-40B4-BE49-F238E27FC236}">
+                <a16:creationId xmlns:a16="http://schemas.microsoft.com/office/drawing/2014/main" id="{B466CF77-3B8B-67CA-73DD-0F07973E1A81}"/>
+              </a:ext>
+            </a:extLst>
+          </p:cNvPr>
+          <p:cNvSpPr>
+            <a:spLocks noGrp="1"/>
+          </p:cNvSpPr>
+          <p:nvPr>
+            <p:ph type="title"/>
+          </p:nvPr>
+        </p:nvSpPr>
+        <p:spPr/>
+        <p:txBody>
+          <a:bodyPr/>
+          <a:lstStyle/>
+          <a:p>
+            <a:r>
+              <a:rPr lang="pl-PL" dirty="0" err="1"/>
+              <a:t>AgeNda</a:t>
+            </a:r>
+            <a:endParaRPr lang="pl-PL" dirty="0"/>
+          </a:p>
+        </p:txBody>
+      </p:sp>
+      <p:sp>
+        <p:nvSpPr>
+          <p:cNvPr id="3" name="Symbol zastępczy zawartości 2">
+            <a:extLst>
+              <a:ext uri="{FF2B5EF4-FFF2-40B4-BE49-F238E27FC236}">
+                <a16:creationId xmlns:a16="http://schemas.microsoft.com/office/drawing/2014/main" id="{8B5E64A6-558B-1D1E-F22E-594FF1207E16}"/>
+              </a:ext>
+            </a:extLst>
+          </p:cNvPr>
+          <p:cNvSpPr>
+            <a:spLocks noGrp="1"/>
+          </p:cNvSpPr>
+          <p:nvPr>
+            <p:ph idx="1"/>
+          </p:nvPr>
+        </p:nvSpPr>
+        <p:spPr/>
+        <p:txBody>
+          <a:bodyPr/>
+          <a:lstStyle/>
+          <a:p>
+            <a:pPr marL="457200" indent="-457200">
+              <a:buFont typeface="+mj-lt"/>
+              <a:buAutoNum type="arabicPeriod"/>
+            </a:pPr>
+            <a:r>
+              <a:rPr lang="pl-PL" dirty="0"/>
+              <a:t>Uzasadnienie wyboru tematu</a:t>
+            </a:r>
+          </a:p>
+          <a:p>
+            <a:pPr marL="457200" indent="-457200">
+              <a:buFont typeface="+mj-lt"/>
+              <a:buAutoNum type="arabicPeriod"/>
+            </a:pPr>
+            <a:r>
+              <a:rPr lang="pl-PL" dirty="0"/>
+              <a:t>Cele główne i szczegółowe</a:t>
+            </a:r>
+          </a:p>
+          <a:p>
+            <a:pPr marL="457200" indent="-457200">
+              <a:buFont typeface="+mj-lt"/>
+              <a:buAutoNum type="arabicPeriod"/>
+            </a:pPr>
+            <a:r>
+              <a:rPr lang="pl-PL" dirty="0"/>
+              <a:t>Założenia projektu i omówienie istniejących już rozwiązań</a:t>
+            </a:r>
+          </a:p>
+          <a:p>
+            <a:pPr marL="457200" indent="-457200">
+              <a:buFont typeface="+mj-lt"/>
+              <a:buAutoNum type="arabicPeriod"/>
+            </a:pPr>
+            <a:r>
+              <a:rPr lang="pl-PL" dirty="0"/>
+              <a:t>Metodyka pracy i wykorzystane technologie</a:t>
+            </a:r>
+          </a:p>
+          <a:p>
+            <a:pPr marL="457200" indent="-457200">
+              <a:buFont typeface="+mj-lt"/>
+              <a:buAutoNum type="arabicPeriod"/>
+            </a:pPr>
+            <a:r>
+              <a:rPr lang="pl-PL" dirty="0" smtClean="0"/>
+              <a:t>Efekty </a:t>
+            </a:r>
+            <a:r>
+              <a:rPr lang="pl-PL" dirty="0"/>
+              <a:t>realizacji projektu</a:t>
+            </a:r>
+          </a:p>
+          <a:p>
+            <a:pPr marL="457200" indent="-457200">
+              <a:buFont typeface="+mj-lt"/>
+              <a:buAutoNum type="arabicPeriod"/>
+            </a:pPr>
+            <a:r>
+              <a:rPr lang="pl-PL" dirty="0"/>
+              <a:t>Podsumowanie</a:t>
+            </a:r>
+          </a:p>
+        </p:txBody>
+      </p:sp>
+    </p:spTree>
+    <p:extLst>
+      <p:ext uri="{BB962C8B-B14F-4D97-AF65-F5344CB8AC3E}">
+        <p14:creationId xmlns:p14="http://schemas.microsoft.com/office/powerpoint/2010/main" val="391392334"/>
+      </p:ext>
+    </p:extLst>
+  </p:cSld>
+  <p:clrMapOvr>
+    <a:masterClrMapping/>
+  </p:clrMapOvr>
+  <p:timing>
+    <p:tnLst>
+      <p:par>
+        <p:cTn id="1" dur="indefinite" restart="never" nodeType="tmRoot"/>
+      </p:par>
+    </p:tnLst>
+  </p:timing>
+</p:sld>
+</file>
+
+<file path=ppt/slides/slide20.xml><?xml version="1.0" encoding="utf-8"?>
 <p:sld xmlns:a="http://schemas.openxmlformats.org/drawingml/2006/main" xmlns:r="http://schemas.openxmlformats.org/officeDocument/2006/relationships" xmlns:p="http://schemas.openxmlformats.org/presentationml/2006/main">
   <p:cSld>
     <p:bg>
@@ -22356,7 +22213,7 @@
                 <a16:creationId xmlns:a16="http://schemas.microsoft.com/office/drawing/2014/main" id="{C63C853E-3842-4594-86A9-051FFAF4D343}"/>
               </a:ext>
               <a:ext uri="{C183D7F6-B498-43B3-948B-1728B52AA6E4}">
-                <adec:decorative xmlns:adec="http://schemas.microsoft.com/office/drawing/2017/decorative" val="1"/>
+                <adec:decorative xmlns:adec="http://schemas.microsoft.com/office/drawing/2017/decorative" xmlns="" val="1"/>
               </a:ext>
             </a:extLst>
           </p:cNvPr>
@@ -22429,7 +22286,7 @@
                 <a16:creationId xmlns:a16="http://schemas.microsoft.com/office/drawing/2014/main" id="{B591CDC5-6B61-4116-B3B5-0FF42B6E606D}"/>
               </a:ext>
               <a:ext uri="{C183D7F6-B498-43B3-948B-1728B52AA6E4}">
-                <adec:decorative xmlns:adec="http://schemas.microsoft.com/office/drawing/2017/decorative" val="1"/>
+                <adec:decorative xmlns:adec="http://schemas.microsoft.com/office/drawing/2017/decorative" xmlns="" val="1"/>
               </a:ext>
             </a:extLst>
           </p:cNvPr>
@@ -22473,7 +22330,7 @@
                 <a16:creationId xmlns:a16="http://schemas.microsoft.com/office/drawing/2014/main" id="{25B08984-5BEB-422F-A364-2B41E6A516EB}"/>
               </a:ext>
               <a:ext uri="{C183D7F6-B498-43B3-948B-1728B52AA6E4}">
-                <adec:decorative xmlns:adec="http://schemas.microsoft.com/office/drawing/2017/decorative" val="1"/>
+                <adec:decorative xmlns:adec="http://schemas.microsoft.com/office/drawing/2017/decorative" xmlns="" val="1"/>
               </a:ext>
             </a:extLst>
           </p:cNvPr>
@@ -22527,7 +22384,7 @@
                 <a16:creationId xmlns:a16="http://schemas.microsoft.com/office/drawing/2014/main" id="{A8F413B1-54E0-4B16-92AB-1CC5C7D645BC}"/>
               </a:ext>
               <a:ext uri="{C183D7F6-B498-43B3-948B-1728B52AA6E4}">
-                <adec:decorative xmlns:adec="http://schemas.microsoft.com/office/drawing/2017/decorative" val="1"/>
+                <adec:decorative xmlns:adec="http://schemas.microsoft.com/office/drawing/2017/decorative" xmlns="" val="1"/>
               </a:ext>
             </a:extLst>
           </p:cNvPr>
@@ -22598,7 +22455,7 @@
                 <a16:creationId xmlns:a16="http://schemas.microsoft.com/office/drawing/2014/main" id="{2E67E8BF-E4B2-4098-9FB3-9E400BD86935}"/>
               </a:ext>
               <a:ext uri="{C183D7F6-B498-43B3-948B-1728B52AA6E4}">
-                <adec:decorative xmlns:adec="http://schemas.microsoft.com/office/drawing/2017/decorative" val="1"/>
+                <adec:decorative xmlns:adec="http://schemas.microsoft.com/office/drawing/2017/decorative" xmlns="" val="1"/>
               </a:ext>
             </a:extLst>
           </p:cNvPr>
@@ -22694,7 +22551,7 @@
                 <a16:creationId xmlns:a16="http://schemas.microsoft.com/office/drawing/2014/main" id="{3781A10F-5DF6-4C9B-AE0B-5249E4399D26}"/>
               </a:ext>
               <a:ext uri="{C183D7F6-B498-43B3-948B-1728B52AA6E4}">
-                <adec:decorative xmlns:adec="http://schemas.microsoft.com/office/drawing/2017/decorative" val="1"/>
+                <adec:decorative xmlns:adec="http://schemas.microsoft.com/office/drawing/2017/decorative" xmlns="" val="1"/>
               </a:ext>
             </a:extLst>
           </p:cNvPr>
@@ -22843,7 +22700,7 @@
 </p:sld>
 </file>
 
-<file path=ppt/slides/slide22.xml><?xml version="1.0" encoding="utf-8"?>
+<file path=ppt/slides/slide21.xml><?xml version="1.0" encoding="utf-8"?>
 <p:sld xmlns:a="http://schemas.openxmlformats.org/drawingml/2006/main" xmlns:r="http://schemas.openxmlformats.org/officeDocument/2006/relationships" xmlns:p="http://schemas.openxmlformats.org/presentationml/2006/main">
   <p:cSld>
     <p:bg>
@@ -22892,7 +22749,7 @@
                 <a16:creationId xmlns:a16="http://schemas.microsoft.com/office/drawing/2014/main" id="{E724B9E8-02C8-4B2E-8770-A00A67760DF0}"/>
               </a:ext>
               <a:ext uri="{C183D7F6-B498-43B3-948B-1728B52AA6E4}">
-                <adec:decorative xmlns:adec="http://schemas.microsoft.com/office/drawing/2017/decorative" val="1"/>
+                <adec:decorative xmlns:adec="http://schemas.microsoft.com/office/drawing/2017/decorative" xmlns="" val="1"/>
               </a:ext>
             </a:extLst>
           </p:cNvPr>
@@ -22965,7 +22822,7 @@
                 <a16:creationId xmlns:a16="http://schemas.microsoft.com/office/drawing/2014/main" id="{7B8AE548-0BFA-4792-9962-3375923C7635}"/>
               </a:ext>
               <a:ext uri="{C183D7F6-B498-43B3-948B-1728B52AA6E4}">
-                <adec:decorative xmlns:adec="http://schemas.microsoft.com/office/drawing/2017/decorative" val="1"/>
+                <adec:decorative xmlns:adec="http://schemas.microsoft.com/office/drawing/2017/decorative" xmlns="" val="1"/>
               </a:ext>
             </a:extLst>
           </p:cNvPr>
@@ -23009,7 +22866,7 @@
                 <a16:creationId xmlns:a16="http://schemas.microsoft.com/office/drawing/2014/main" id="{67639EF4-FA83-4D85-90FE-B831AF283896}"/>
               </a:ext>
               <a:ext uri="{C183D7F6-B498-43B3-948B-1728B52AA6E4}">
-                <adec:decorative xmlns:adec="http://schemas.microsoft.com/office/drawing/2017/decorative" val="1"/>
+                <adec:decorative xmlns:adec="http://schemas.microsoft.com/office/drawing/2017/decorative" xmlns="" val="1"/>
               </a:ext>
             </a:extLst>
           </p:cNvPr>
@@ -23063,7 +22920,7 @@
                 <a16:creationId xmlns:a16="http://schemas.microsoft.com/office/drawing/2014/main" id="{CC87E76A-8F50-413D-9BFC-C5A1525BD9BC}"/>
               </a:ext>
               <a:ext uri="{C183D7F6-B498-43B3-948B-1728B52AA6E4}">
-                <adec:decorative xmlns:adec="http://schemas.microsoft.com/office/drawing/2017/decorative" val="1"/>
+                <adec:decorative xmlns:adec="http://schemas.microsoft.com/office/drawing/2017/decorative" xmlns="" val="1"/>
               </a:ext>
             </a:extLst>
           </p:cNvPr>
@@ -23111,7 +22968,7 @@
                 <a16:creationId xmlns:a16="http://schemas.microsoft.com/office/drawing/2014/main" id="{0F28EA84-13B4-4494-A4D3-8DE462FF0E6B}"/>
               </a:ext>
               <a:ext uri="{C183D7F6-B498-43B3-948B-1728B52AA6E4}">
-                <adec:decorative xmlns:adec="http://schemas.microsoft.com/office/drawing/2017/decorative" val="1"/>
+                <adec:decorative xmlns:adec="http://schemas.microsoft.com/office/drawing/2017/decorative" xmlns="" val="1"/>
               </a:ext>
             </a:extLst>
           </p:cNvPr>
@@ -23171,7 +23028,7 @@
                 <a16:creationId xmlns:a16="http://schemas.microsoft.com/office/drawing/2014/main" id="{6BEB1B24-66CE-4D63-A39D-2D1B481DF95E}"/>
               </a:ext>
               <a:ext uri="{C183D7F6-B498-43B3-948B-1728B52AA6E4}">
-                <adec:decorative xmlns:adec="http://schemas.microsoft.com/office/drawing/2017/decorative" val="1"/>
+                <adec:decorative xmlns:adec="http://schemas.microsoft.com/office/drawing/2017/decorative" xmlns="" val="1"/>
               </a:ext>
             </a:extLst>
           </p:cNvPr>
@@ -23274,7 +23131,7 @@
                 <a16:creationId xmlns:a16="http://schemas.microsoft.com/office/drawing/2014/main" id="{78DE337D-1DBA-4536-8145-B43EE65C747D}"/>
               </a:ext>
               <a:ext uri="{C183D7F6-B498-43B3-948B-1728B52AA6E4}">
-                <adec:decorative xmlns:adec="http://schemas.microsoft.com/office/drawing/2017/decorative" val="1"/>
+                <adec:decorative xmlns:adec="http://schemas.microsoft.com/office/drawing/2017/decorative" xmlns="" val="1"/>
               </a:ext>
             </a:extLst>
           </p:cNvPr>
@@ -23392,7 +23249,7 @@
                 <a16:creationId xmlns:a16="http://schemas.microsoft.com/office/drawing/2014/main" id="{E7233926-059A-41AD-A9F2-56552CF4FF6B}"/>
               </a:ext>
               <a:ext uri="{C183D7F6-B498-43B3-948B-1728B52AA6E4}">
-                <adec:decorative xmlns:adec="http://schemas.microsoft.com/office/drawing/2017/decorative" val="1"/>
+                <adec:decorative xmlns:adec="http://schemas.microsoft.com/office/drawing/2017/decorative" xmlns="" val="1"/>
               </a:ext>
             </a:extLst>
           </p:cNvPr>
@@ -23436,7 +23293,7 @@
                 <a16:creationId xmlns:a16="http://schemas.microsoft.com/office/drawing/2014/main" id="{C13C145E-93D4-481E-92DC-736D9EBA37FC}"/>
               </a:ext>
               <a:ext uri="{C183D7F6-B498-43B3-948B-1728B52AA6E4}">
-                <adec:decorative xmlns:adec="http://schemas.microsoft.com/office/drawing/2017/decorative" val="1"/>
+                <adec:decorative xmlns:adec="http://schemas.microsoft.com/office/drawing/2017/decorative" xmlns="" val="1"/>
               </a:ext>
             </a:extLst>
           </p:cNvPr>
@@ -23492,10 +23349,17 @@
   <p:clrMapOvr>
     <a:masterClrMapping/>
   </p:clrMapOvr>
+  <p:timing>
+    <p:tnLst>
+      <p:par>
+        <p:cTn id="1" dur="indefinite" restart="never" nodeType="tmRoot"/>
+      </p:par>
+    </p:tnLst>
+  </p:timing>
 </p:sld>
 </file>
 
-<file path=ppt/slides/slide23.xml><?xml version="1.0" encoding="utf-8"?>
+<file path=ppt/slides/slide22.xml><?xml version="1.0" encoding="utf-8"?>
 <p:sld xmlns:a="http://schemas.openxmlformats.org/drawingml/2006/main" xmlns:r="http://schemas.openxmlformats.org/officeDocument/2006/relationships" xmlns:p="http://schemas.openxmlformats.org/presentationml/2006/main">
   <p:cSld>
     <p:spTree>
@@ -23717,6 +23581,13 @@
   <p:clrMapOvr>
     <a:masterClrMapping/>
   </p:clrMapOvr>
+  <p:timing>
+    <p:tnLst>
+      <p:par>
+        <p:cTn id="1" dur="indefinite" restart="never" nodeType="tmRoot"/>
+      </p:par>
+    </p:tnLst>
+  </p:timing>
 </p:sld>
 </file>
 
@@ -23870,7 +23741,7 @@
                 <a14:useLocalDpi xmlns:a14="http://schemas.microsoft.com/office/drawing/2010/main" val="0"/>
               </a:ext>
               <a:ext uri="{96DAC541-7B7A-43D3-8B79-37D633B846F1}">
-                <asvg:svgBlip xmlns:asvg="http://schemas.microsoft.com/office/drawing/2016/SVG/main" r:embed="rId3"/>
+                <asvg:svgBlip xmlns:asvg="http://schemas.microsoft.com/office/drawing/2016/SVG/main" xmlns="" r:embed="rId3"/>
               </a:ext>
             </a:extLst>
           </a:blip>
@@ -23898,6 +23769,13 @@
   <p:clrMapOvr>
     <a:masterClrMapping/>
   </p:clrMapOvr>
+  <p:timing>
+    <p:tnLst>
+      <p:par>
+        <p:cTn id="1" dur="indefinite" restart="never" nodeType="tmRoot"/>
+      </p:par>
+    </p:tnLst>
+  </p:timing>
 </p:sld>
 </file>
 
@@ -24072,7 +23950,7 @@
                 <a14:useLocalDpi xmlns:a14="http://schemas.microsoft.com/office/drawing/2010/main" val="0"/>
               </a:ext>
               <a:ext uri="{96DAC541-7B7A-43D3-8B79-37D633B846F1}">
-                <asvg:svgBlip xmlns:asvg="http://schemas.microsoft.com/office/drawing/2016/SVG/main" r:embed="rId3"/>
+                <asvg:svgBlip xmlns:asvg="http://schemas.microsoft.com/office/drawing/2016/SVG/main" xmlns="" r:embed="rId3"/>
               </a:ext>
             </a:extLst>
           </a:blip>
@@ -24100,6 +23978,13 @@
   <p:clrMapOvr>
     <a:masterClrMapping/>
   </p:clrMapOvr>
+  <p:timing>
+    <p:tnLst>
+      <p:par>
+        <p:cTn id="1" dur="indefinite" restart="never" nodeType="tmRoot"/>
+      </p:par>
+    </p:tnLst>
+  </p:timing>
 </p:sld>
 </file>
 
@@ -24336,7 +24221,7 @@
                 <a14:useLocalDpi xmlns:a14="http://schemas.microsoft.com/office/drawing/2010/main" val="0"/>
               </a:ext>
               <a:ext uri="{96DAC541-7B7A-43D3-8B79-37D633B846F1}">
-                <asvg:svgBlip xmlns:asvg="http://schemas.microsoft.com/office/drawing/2016/SVG/main" r:embed="rId3"/>
+                <asvg:svgBlip xmlns:asvg="http://schemas.microsoft.com/office/drawing/2016/SVG/main" xmlns="" r:embed="rId3"/>
               </a:ext>
             </a:extLst>
           </a:blip>
@@ -24364,6 +24249,13 @@
   <p:clrMapOvr>
     <a:masterClrMapping/>
   </p:clrMapOvr>
+  <p:timing>
+    <p:tnLst>
+      <p:par>
+        <p:cTn id="1" dur="indefinite" restart="never" nodeType="tmRoot"/>
+      </p:par>
+    </p:tnLst>
+  </p:timing>
 </p:sld>
 </file>
 
@@ -24416,7 +24308,7 @@
                 <a16:creationId xmlns:a16="http://schemas.microsoft.com/office/drawing/2014/main" id="{482E7304-2AC2-4A5C-924D-A6AC3FFC5EAC}"/>
               </a:ext>
               <a:ext uri="{C183D7F6-B498-43B3-948B-1728B52AA6E4}">
-                <adec:decorative xmlns:adec="http://schemas.microsoft.com/office/drawing/2017/decorative" val="1"/>
+                <adec:decorative xmlns:adec="http://schemas.microsoft.com/office/drawing/2017/decorative" xmlns="" val="1"/>
               </a:ext>
             </a:extLst>
           </p:cNvPr>
@@ -24511,7 +24403,7 @@
                 <a16:creationId xmlns:a16="http://schemas.microsoft.com/office/drawing/2014/main" id="{D259FEF2-F6A5-442F-BA10-4E39EECD0ABE}"/>
               </a:ext>
               <a:ext uri="{C183D7F6-B498-43B3-948B-1728B52AA6E4}">
-                <adec:decorative xmlns:adec="http://schemas.microsoft.com/office/drawing/2017/decorative" val="1"/>
+                <adec:decorative xmlns:adec="http://schemas.microsoft.com/office/drawing/2017/decorative" xmlns="" val="1"/>
               </a:ext>
             </a:extLst>
           </p:cNvPr>
@@ -24559,7 +24451,7 @@
                 <a16:creationId xmlns:a16="http://schemas.microsoft.com/office/drawing/2014/main" id="{A3C183B1-1D4B-4E3D-A02E-A426E3BFA016}"/>
               </a:ext>
               <a:ext uri="{C183D7F6-B498-43B3-948B-1728B52AA6E4}">
-                <adec:decorative xmlns:adec="http://schemas.microsoft.com/office/drawing/2017/decorative" val="1"/>
+                <adec:decorative xmlns:adec="http://schemas.microsoft.com/office/drawing/2017/decorative" xmlns="" val="1"/>
               </a:ext>
             </a:extLst>
           </p:cNvPr>
@@ -24666,6 +24558,13 @@
   <p:clrMapOvr>
     <a:masterClrMapping/>
   </p:clrMapOvr>
+  <p:timing>
+    <p:tnLst>
+      <p:par>
+        <p:cTn id="1" dur="indefinite" restart="never" nodeType="tmRoot"/>
+      </p:par>
+    </p:tnLst>
+  </p:timing>
 </p:sld>
 </file>
 
@@ -24718,7 +24617,7 @@
                 <a16:creationId xmlns:a16="http://schemas.microsoft.com/office/drawing/2014/main" id="{50E6CFCC-E96C-48AB-98C8-42F05727F1F4}"/>
               </a:ext>
               <a:ext uri="{C183D7F6-B498-43B3-948B-1728B52AA6E4}">
-                <adec:decorative xmlns:adec="http://schemas.microsoft.com/office/drawing/2017/decorative" val="1"/>
+                <adec:decorative xmlns:adec="http://schemas.microsoft.com/office/drawing/2017/decorative" xmlns="" val="1"/>
               </a:ext>
             </a:extLst>
           </p:cNvPr>
@@ -24778,7 +24677,7 @@
                 <a16:creationId xmlns:a16="http://schemas.microsoft.com/office/drawing/2014/main" id="{B6BECB2A-E1E7-48A9-A209-D21AB681DD98}"/>
               </a:ext>
               <a:ext uri="{C183D7F6-B498-43B3-948B-1728B52AA6E4}">
-                <adec:decorative xmlns:adec="http://schemas.microsoft.com/office/drawing/2017/decorative" val="1"/>
+                <adec:decorative xmlns:adec="http://schemas.microsoft.com/office/drawing/2017/decorative" xmlns="" val="1"/>
               </a:ext>
             </a:extLst>
           </p:cNvPr>
@@ -24855,7 +24754,7 @@
                 <a16:creationId xmlns:a16="http://schemas.microsoft.com/office/drawing/2014/main" id="{BC55BC1D-EB38-400C-B11B-F8CC53896E28}"/>
               </a:ext>
               <a:ext uri="{C183D7F6-B498-43B3-948B-1728B52AA6E4}">
-                <adec:decorative xmlns:adec="http://schemas.microsoft.com/office/drawing/2017/decorative" val="1"/>
+                <adec:decorative xmlns:adec="http://schemas.microsoft.com/office/drawing/2017/decorative" xmlns="" val="1"/>
               </a:ext>
             </a:extLst>
           </p:cNvPr>
@@ -25028,7 +24927,7 @@
                 <a16:creationId xmlns:a16="http://schemas.microsoft.com/office/drawing/2014/main" id="{1E7110B8-ED3B-4441-B1EB-C4DE3C46A0FD}"/>
               </a:ext>
               <a:ext uri="{C183D7F6-B498-43B3-948B-1728B52AA6E4}">
-                <adec:decorative xmlns:adec="http://schemas.microsoft.com/office/drawing/2017/decorative" val="1"/>
+                <adec:decorative xmlns:adec="http://schemas.microsoft.com/office/drawing/2017/decorative" xmlns="" val="1"/>
               </a:ext>
             </a:extLst>
           </p:cNvPr>
@@ -25059,7 +24958,7 @@
                   <a16:creationId xmlns:a16="http://schemas.microsoft.com/office/drawing/2014/main" id="{40E8C619-774F-41E3-8086-B6924E6C15AD}"/>
                 </a:ext>
                 <a:ext uri="{C183D7F6-B498-43B3-948B-1728B52AA6E4}">
-                  <adec:decorative xmlns:adec="http://schemas.microsoft.com/office/drawing/2017/decorative" val="1"/>
+                  <adec:decorative xmlns:adec="http://schemas.microsoft.com/office/drawing/2017/decorative" xmlns="" val="1"/>
                 </a:ext>
               </a:extLst>
             </p:cNvPr>
@@ -25140,7 +25039,7 @@
                   <a16:creationId xmlns:a16="http://schemas.microsoft.com/office/drawing/2014/main" id="{E63C805A-55CA-4C05-ADB5-3672339AAFCE}"/>
                 </a:ext>
                 <a:ext uri="{C183D7F6-B498-43B3-948B-1728B52AA6E4}">
-                  <adec:decorative xmlns:adec="http://schemas.microsoft.com/office/drawing/2017/decorative" val="1"/>
+                  <adec:decorative xmlns:adec="http://schemas.microsoft.com/office/drawing/2017/decorative" xmlns="" val="1"/>
                 </a:ext>
               </a:extLst>
             </p:cNvPr>
@@ -25225,7 +25124,7 @@
                 <a16:creationId xmlns:a16="http://schemas.microsoft.com/office/drawing/2014/main" id="{C294FAB0-0466-47B1-B964-43F67A9A8464}"/>
               </a:ext>
               <a:ext uri="{C183D7F6-B498-43B3-948B-1728B52AA6E4}">
-                <adec:decorative xmlns:adec="http://schemas.microsoft.com/office/drawing/2017/decorative" val="1"/>
+                <adec:decorative xmlns:adec="http://schemas.microsoft.com/office/drawing/2017/decorative" xmlns="" val="1"/>
               </a:ext>
             </a:extLst>
           </p:cNvPr>
@@ -25364,7 +25263,7 @@
                 <a16:creationId xmlns:a16="http://schemas.microsoft.com/office/drawing/2014/main" id="{FB4DDAF3-76BC-49F9-B735-F7A5CE86380D}"/>
               </a:ext>
               <a:ext uri="{C183D7F6-B498-43B3-948B-1728B52AA6E4}">
-                <adec:decorative xmlns:adec="http://schemas.microsoft.com/office/drawing/2017/decorative" val="1"/>
+                <adec:decorative xmlns:adec="http://schemas.microsoft.com/office/drawing/2017/decorative" xmlns="" val="1"/>
               </a:ext>
             </a:extLst>
           </p:cNvPr>
@@ -25408,7 +25307,7 @@
                 <a16:creationId xmlns:a16="http://schemas.microsoft.com/office/drawing/2014/main" id="{029D5B65-A532-405C-9133-23979B5F7FB9}"/>
               </a:ext>
               <a:ext uri="{C183D7F6-B498-43B3-948B-1728B52AA6E4}">
-                <adec:decorative xmlns:adec="http://schemas.microsoft.com/office/drawing/2017/decorative" val="1"/>
+                <adec:decorative xmlns:adec="http://schemas.microsoft.com/office/drawing/2017/decorative" xmlns="" val="1"/>
               </a:ext>
             </a:extLst>
           </p:cNvPr>
@@ -25464,6 +25363,13 @@
   <p:clrMapOvr>
     <a:masterClrMapping/>
   </p:clrMapOvr>
+  <p:timing>
+    <p:tnLst>
+      <p:par>
+        <p:cTn id="1" dur="indefinite" restart="never" nodeType="tmRoot"/>
+      </p:par>
+    </p:tnLst>
+  </p:timing>
 </p:sld>
 </file>
 
@@ -25516,7 +25422,7 @@
                 <a16:creationId xmlns:a16="http://schemas.microsoft.com/office/drawing/2014/main" id="{482E7304-2AC2-4A5C-924D-A6AC3FFC5EAC}"/>
               </a:ext>
               <a:ext uri="{C183D7F6-B498-43B3-948B-1728B52AA6E4}">
-                <adec:decorative xmlns:adec="http://schemas.microsoft.com/office/drawing/2017/decorative" val="1"/>
+                <adec:decorative xmlns:adec="http://schemas.microsoft.com/office/drawing/2017/decorative" xmlns="" val="1"/>
               </a:ext>
             </a:extLst>
           </p:cNvPr>
@@ -25605,7 +25511,7 @@
                 <a16:creationId xmlns:a16="http://schemas.microsoft.com/office/drawing/2014/main" id="{D259FEF2-F6A5-442F-BA10-4E39EECD0ABE}"/>
               </a:ext>
               <a:ext uri="{C183D7F6-B498-43B3-948B-1728B52AA6E4}">
-                <adec:decorative xmlns:adec="http://schemas.microsoft.com/office/drawing/2017/decorative" val="1"/>
+                <adec:decorative xmlns:adec="http://schemas.microsoft.com/office/drawing/2017/decorative" xmlns="" val="1"/>
               </a:ext>
             </a:extLst>
           </p:cNvPr>
@@ -25653,7 +25559,7 @@
                 <a16:creationId xmlns:a16="http://schemas.microsoft.com/office/drawing/2014/main" id="{A3C183B1-1D4B-4E3D-A02E-A426E3BFA016}"/>
               </a:ext>
               <a:ext uri="{C183D7F6-B498-43B3-948B-1728B52AA6E4}">
-                <adec:decorative xmlns:adec="http://schemas.microsoft.com/office/drawing/2017/decorative" val="1"/>
+                <adec:decorative xmlns:adec="http://schemas.microsoft.com/office/drawing/2017/decorative" xmlns="" val="1"/>
               </a:ext>
             </a:extLst>
           </p:cNvPr>
@@ -25760,6 +25666,13 @@
   <p:clrMapOvr>
     <a:masterClrMapping/>
   </p:clrMapOvr>
+  <p:timing>
+    <p:tnLst>
+      <p:par>
+        <p:cTn id="1" dur="indefinite" restart="never" nodeType="tmRoot"/>
+      </p:par>
+    </p:tnLst>
+  </p:timing>
 </p:sld>
 </file>
 
@@ -25824,16 +25737,45 @@
             <p:ph idx="1"/>
           </p:nvPr>
         </p:nvSpPr>
-        <p:spPr/>
+        <p:spPr>
+          <a:xfrm>
+            <a:off x="1451579" y="2015732"/>
+            <a:ext cx="9603275" cy="3682703"/>
+          </a:xfrm>
+        </p:spPr>
         <p:txBody>
           <a:bodyPr>
-            <a:normAutofit fontScale="70000" lnSpcReduction="20000"/>
+            <a:normAutofit fontScale="77500" lnSpcReduction="20000"/>
           </a:bodyPr>
           <a:lstStyle/>
           <a:p>
+            <a:pPr marL="0" indent="0">
+              <a:buNone/>
+            </a:pPr>
+            <a:r>
+              <a:rPr lang="pl-PL" dirty="0" smtClean="0"/>
+              <a:t>Aby zrealizować projekt:</a:t>
+            </a:r>
+          </a:p>
+          <a:p>
+            <a:r>
+              <a:rPr lang="pl-PL" dirty="0" smtClean="0"/>
+              <a:t>Zaplanowaliśmy i przeanalizowaliśmy zapotrzebowanie użytkowników</a:t>
+            </a:r>
+            <a:endParaRPr lang="pl-PL" dirty="0"/>
+          </a:p>
+          <a:p>
+            <a:pPr lvl="1">
+              <a:buFont typeface="Wingdings" panose="05000000000000000000" pitchFamily="2" charset="2"/>
+              <a:buChar char="§"/>
+            </a:pPr>
+            <a:r>
+              <a:rPr lang="pl-PL" dirty="0" smtClean="0"/>
+              <a:t>Przeprowadziliśmy wywiad </a:t>
+            </a:r>
             <a:r>
               <a:rPr lang="pl-PL" dirty="0"/>
-              <a:t>Planowanie i analiza potrzeb użytkowników</a:t>
+              <a:t>z pracownikami galerii sztuki, aby lepiej zrozumieć ich potrzeby i oczekiwania.</a:t>
             </a:r>
           </a:p>
           <a:p>
@@ -25842,8 +25784,41 @@
               <a:buChar char="§"/>
             </a:pPr>
             <a:r>
+              <a:rPr lang="pl-PL" dirty="0" smtClean="0"/>
+              <a:t>Analizowaliśmy istniejące rozwiązania </a:t>
+            </a:r>
+            <a:r>
               <a:rPr lang="pl-PL" dirty="0"/>
-              <a:t>Przeprowadzenie wywiadów z pracownikami galerii sztuki, aby lepiej zrozumieć ich potrzeby i oczekiwania.</a:t>
+              <a:t>na </a:t>
+            </a:r>
+            <a:r>
+              <a:rPr lang="pl-PL" dirty="0" smtClean="0"/>
+              <a:t>rynku - identyfikacja </a:t>
+            </a:r>
+            <a:r>
+              <a:rPr lang="pl-PL" dirty="0"/>
+              <a:t>ich ograniczeń oraz możliwości adaptacji do mniejszych instytucji.</a:t>
+            </a:r>
+          </a:p>
+          <a:p>
+            <a:r>
+              <a:rPr lang="pl-PL" dirty="0" smtClean="0"/>
+              <a:t>Zaprojektowaliśmy aplikację</a:t>
+            </a:r>
+            <a:endParaRPr lang="pl-PL" dirty="0"/>
+          </a:p>
+          <a:p>
+            <a:pPr lvl="1">
+              <a:buFont typeface="Wingdings" panose="05000000000000000000" pitchFamily="2" charset="2"/>
+              <a:buChar char="§"/>
+            </a:pPr>
+            <a:r>
+              <a:rPr lang="pl-PL" dirty="0" smtClean="0"/>
+              <a:t>Stworzyliśmy diagramy </a:t>
+            </a:r>
+            <a:r>
+              <a:rPr lang="pl-PL" dirty="0"/>
+              <a:t>UML, m.in. diagramów aktywności oraz przypadków użycia, aby szczegółowo zaplanować funkcje systemu.</a:t>
             </a:r>
           </a:p>
           <a:p>
@@ -25852,34 +25827,20 @@
               <a:buChar char="§"/>
             </a:pPr>
             <a:r>
-              <a:rPr lang="pl-PL" dirty="0"/>
-              <a:t>Analiza istniejących rozwiązań na rynku, identyfikacja ich ograniczeń oraz możliwości adaptacji do mniejszych instytucji.</a:t>
+              <a:rPr lang="pl-PL" dirty="0" smtClean="0"/>
+              <a:t>Opracowaliśmy </a:t>
             </a:r>
-          </a:p>
-          <a:p>
             <a:r>
               <a:rPr lang="pl-PL" dirty="0"/>
-              <a:t>Projektowanie systemu</a:t>
+              <a:t>struktury bazy danych i kluczowych </a:t>
             </a:r>
-          </a:p>
-          <a:p>
-            <a:pPr lvl="1">
-              <a:buFont typeface="Wingdings" panose="05000000000000000000" pitchFamily="2" charset="2"/>
-              <a:buChar char="§"/>
-            </a:pPr>
+            <a:r>
+              <a:rPr lang="pl-PL" dirty="0" smtClean="0"/>
+              <a:t>zależności między </a:t>
+            </a:r>
             <a:r>
               <a:rPr lang="pl-PL" dirty="0"/>
-              <a:t>Stworzenie diagramów UML, m.in. diagramów aktywności oraz przypadków użycia, aby szczegółowo zaplanować funkcje systemu.</a:t>
-            </a:r>
-          </a:p>
-          <a:p>
-            <a:pPr lvl="1">
-              <a:buFont typeface="Wingdings" panose="05000000000000000000" pitchFamily="2" charset="2"/>
-              <a:buChar char="§"/>
-            </a:pPr>
-            <a:r>
-              <a:rPr lang="pl-PL" dirty="0"/>
-              <a:t>Opracowanie struktury bazy danych i kluczowych relacji między tabelami w </a:t>
+              <a:t>tabelami w </a:t>
             </a:r>
             <a:r>
               <a:rPr lang="pl-PL" dirty="0" err="1"/>
@@ -25892,42 +25853,12 @@
           </a:p>
           <a:p>
             <a:r>
-              <a:rPr lang="pl-PL" dirty="0"/>
-              <a:t>Zarządzanie projektem</a:t>
-            </a:r>
-          </a:p>
-          <a:p>
-            <a:pPr lvl="1">
-              <a:buFont typeface="Wingdings" panose="05000000000000000000" pitchFamily="2" charset="2"/>
-              <a:buChar char="§"/>
-            </a:pPr>
-            <a:r>
-              <a:rPr lang="pl-PL" dirty="0"/>
-              <a:t>Wykorzystanie narzędzia </a:t>
-            </a:r>
-            <a:r>
-              <a:rPr lang="pl-PL" dirty="0" err="1"/>
-              <a:t>Trello</a:t>
+              <a:rPr lang="pl-PL" dirty="0" smtClean="0"/>
+              <a:t>Testowanie </a:t>
             </a:r>
             <a:r>
               <a:rPr lang="pl-PL" dirty="0"/>
-              <a:t> do monitorowania postępu prac oraz efektywnej komunikacji w zespole.</a:t>
-            </a:r>
-          </a:p>
-          <a:p>
-            <a:pPr lvl="1">
-              <a:buFont typeface="Wingdings" panose="05000000000000000000" pitchFamily="2" charset="2"/>
-              <a:buChar char="§"/>
-            </a:pPr>
-            <a:r>
-              <a:rPr lang="pl-PL" dirty="0"/>
-              <a:t>Zastosowanie systemu kontroli wersji Git oraz platformy GitHub w celu zarządzania kodem źródłowym i wersjonowania projektu.</a:t>
-            </a:r>
-          </a:p>
-          <a:p>
-            <a:r>
-              <a:rPr lang="pl-PL" dirty="0"/>
-              <a:t>Testowanie i optymalizacja</a:t>
+              <a:t>i optymalizacja</a:t>
             </a:r>
           </a:p>
           <a:p>
@@ -25962,6 +25893,13 @@
   <p:clrMapOvr>
     <a:masterClrMapping/>
   </p:clrMapOvr>
+  <p:timing>
+    <p:tnLst>
+      <p:par>
+        <p:cTn id="1" dur="indefinite" restart="never" nodeType="tmRoot"/>
+      </p:par>
+    </p:tnLst>
+  </p:timing>
 </p:sld>
 </file>
 

--- a/Prezentacja na obronę.pptx
+++ b/Prezentacja na obronę.pptx
@@ -13105,7 +13105,7 @@
           <a:p>
             <a:fld id="{AAB0C3FB-0287-4AEB-903B-FF90F8EA0E34}" type="slidenum">
               <a:rPr lang="pl-PL" smtClean="0"/>
-              <a:t>13</a:t>
+              <a:t>18</a:t>
             </a:fld>
             <a:endParaRPr lang="pl-PL"/>
           </a:p>
@@ -13114,7 +13114,7 @@
     </p:spTree>
     <p:extLst>
       <p:ext uri="{BB962C8B-B14F-4D97-AF65-F5344CB8AC3E}">
-        <p14:creationId xmlns:p14="http://schemas.microsoft.com/office/powerpoint/2010/main" val="2295364432"/>
+        <p14:creationId xmlns:p14="http://schemas.microsoft.com/office/powerpoint/2010/main" val="2842118788"/>
       </p:ext>
     </p:extLst>
   </p:cSld>
@@ -16893,13 +16893,6 @@
   <p:clrMapOvr>
     <a:masterClrMapping/>
   </p:clrMapOvr>
-  <p:timing>
-    <p:tnLst>
-      <p:par>
-        <p:cTn id="1" dur="indefinite" restart="never" nodeType="tmRoot"/>
-      </p:par>
-    </p:tnLst>
-  </p:timing>
 </p:sld>
 </file>
 
@@ -17031,13 +17024,6 @@
   <p:clrMapOvr>
     <a:masterClrMapping/>
   </p:clrMapOvr>
-  <p:timing>
-    <p:tnLst>
-      <p:par>
-        <p:cTn id="1" dur="indefinite" restart="never" nodeType="tmRoot"/>
-      </p:par>
-    </p:tnLst>
-  </p:timing>
 </p:sld>
 </file>
 
@@ -17577,8 +17563,8 @@
         </p:blipFill>
         <p:spPr>
           <a:xfrm>
-            <a:off x="7846051" y="4034159"/>
-            <a:ext cx="3687168" cy="700561"/>
+            <a:off x="4096479" y="4590751"/>
+            <a:ext cx="7172299" cy="1362735"/>
           </a:xfrm>
           <a:prstGeom prst="rect">
             <a:avLst/>
@@ -18330,13 +18316,6 @@
   <p:clrMapOvr>
     <a:masterClrMapping/>
   </p:clrMapOvr>
-  <p:timing>
-    <p:tnLst>
-      <p:par>
-        <p:cTn id="1" dur="indefinite" restart="never" nodeType="tmRoot"/>
-      </p:par>
-    </p:tnLst>
-  </p:timing>
 </p:sld>
 </file>
 
@@ -18399,7 +18378,7 @@
         </p:nvSpPr>
         <p:spPr>
           <a:xfrm>
-            <a:off x="1451579" y="804519"/>
+            <a:off x="2458744" y="240041"/>
             <a:ext cx="9603275" cy="1049235"/>
           </a:xfrm>
         </p:spPr>
@@ -18411,13 +18390,8 @@
           <a:p>
             <a:r>
               <a:rPr lang="pl-PL" dirty="0"/>
-              <a:t>Diagram przypadków </a:t>
+              <a:t>Diagram przypadków użycia</a:t>
             </a:r>
-            <a:r>
-              <a:rPr lang="pl-PL" dirty="0" smtClean="0"/>
-              <a:t>użycia - Role</a:t>
-            </a:r>
-            <a:endParaRPr lang="pl-PL" dirty="0"/>
           </a:p>
         </p:txBody>
       </p:sp>
@@ -18619,15 +18593,15 @@
           <p:nvPr/>
         </p:nvPicPr>
         <p:blipFill>
-          <a:blip r:embed="rId3"/>
+          <a:blip r:embed="rId2"/>
           <a:stretch>
             <a:fillRect/>
           </a:stretch>
         </p:blipFill>
         <p:spPr>
           <a:xfrm>
-            <a:off x="1451577" y="1383332"/>
-            <a:ext cx="9680415" cy="5333391"/>
+            <a:off x="1296433" y="788733"/>
+            <a:ext cx="9799982" cy="6069267"/>
           </a:xfrm>
           <a:prstGeom prst="rect">
             <a:avLst/>
@@ -18649,7 +18623,7 @@
           <p:nvPr/>
         </p:nvPicPr>
         <p:blipFill>
-          <a:blip r:embed="rId4" cstate="print">
+          <a:blip r:embed="rId3" cstate="print">
             <a:extLst>
               <a:ext uri="{28A0092B-C50C-407E-A947-70E740481C1C}">
                 <a14:useLocalDpi xmlns:a14="http://schemas.microsoft.com/office/drawing/2010/main" val="0"/>
@@ -18662,8 +18636,8 @@
         </p:blipFill>
         <p:spPr bwMode="auto">
           <a:xfrm>
-            <a:off x="1451579" y="1390321"/>
-            <a:ext cx="9680414" cy="5406199"/>
+            <a:off x="1226519" y="1058971"/>
+            <a:ext cx="9831962" cy="5679955"/>
           </a:xfrm>
           <a:prstGeom prst="rect">
             <a:avLst/>
@@ -19108,9 +19082,10 @@
           <a:lstStyle/>
           <a:p>
             <a:r>
-              <a:rPr lang="en-US" sz="4800"/>
+              <a:rPr lang="en-US" sz="4800" dirty="0" err="1"/>
               <a:t>Eksponaty</a:t>
             </a:r>
+            <a:endParaRPr lang="en-US" sz="4800" dirty="0"/>
           </a:p>
         </p:txBody>
       </p:sp>
@@ -19176,8 +19151,8 @@
         </p:blipFill>
         <p:spPr>
           <a:xfrm>
-            <a:off x="5723603" y="1325327"/>
-            <a:ext cx="6320240" cy="3648719"/>
+            <a:off x="5097294" y="1429088"/>
+            <a:ext cx="7011400" cy="4047731"/>
           </a:xfrm>
           <a:prstGeom prst="rect">
             <a:avLst/>
@@ -19790,8 +19765,8 @@
         </p:blipFill>
         <p:spPr>
           <a:xfrm>
-            <a:off x="5859253" y="1538681"/>
-            <a:ext cx="5864318" cy="3091069"/>
+            <a:off x="4948794" y="1480117"/>
+            <a:ext cx="7071221" cy="3727225"/>
           </a:xfrm>
           <a:prstGeom prst="rect">
             <a:avLst/>
@@ -20333,9 +20308,10 @@
           <a:lstStyle/>
           <a:p>
             <a:r>
-              <a:rPr lang="en-US" sz="4800"/>
+              <a:rPr lang="en-US" sz="4800" dirty="0" err="1"/>
               <a:t>Wystawy</a:t>
             </a:r>
+            <a:endParaRPr lang="en-US" sz="4800" dirty="0"/>
           </a:p>
         </p:txBody>
       </p:sp>
@@ -20400,8 +20376,8 @@
         </p:blipFill>
         <p:spPr>
           <a:xfrm>
-            <a:off x="5724498" y="1278460"/>
-            <a:ext cx="6133826" cy="3611172"/>
+            <a:off x="4766117" y="1259341"/>
+            <a:ext cx="7370630" cy="4339317"/>
           </a:xfrm>
           <a:prstGeom prst="rect">
             <a:avLst/>
@@ -20914,8 +20890,8 @@
         </p:blipFill>
         <p:spPr>
           <a:xfrm>
-            <a:off x="1451579" y="2864740"/>
-            <a:ext cx="9603274" cy="1752597"/>
+            <a:off x="0" y="2769493"/>
+            <a:ext cx="12259439" cy="2237347"/>
           </a:xfrm>
           <a:prstGeom prst="rect">
             <a:avLst/>
@@ -20932,13 +20908,6 @@
   <p:clrMapOvr>
     <a:masterClrMapping/>
   </p:clrMapOvr>
-  <p:timing>
-    <p:tnLst>
-      <p:par>
-        <p:cTn id="1" dur="indefinite" restart="never" nodeType="tmRoot"/>
-      </p:par>
-    </p:tnLst>
-  </p:timing>
 </p:sld>
 </file>
 
@@ -21080,7 +21049,7 @@
           </p:nvPr>
         </p:nvPicPr>
         <p:blipFill rotWithShape="1">
-          <a:blip r:embed="rId2">
+          <a:blip r:embed="rId3">
             <a:extLst>
               <a:ext uri="{28A0092B-C50C-407E-A947-70E740481C1C}">
                 <a14:useLocalDpi xmlns:a14="http://schemas.microsoft.com/office/drawing/2010/main" val="0"/>
@@ -21209,7 +21178,7 @@
           <p:nvPr/>
         </p:nvPicPr>
         <p:blipFill>
-          <a:blip r:embed="rId3"/>
+          <a:blip r:embed="rId4"/>
           <a:srcRect r="7112" b="-1"/>
           <a:stretch/>
         </p:blipFill>
@@ -21309,13 +21278,66 @@
           <a:lstStyle/>
           <a:p>
             <a:r>
-              <a:rPr lang="en-US" sz="3000">
+              <a:rPr lang="en-US" sz="3000" dirty="0" err="1">
                 <a:solidFill>
                   <a:srgbClr val="FFFFFE"/>
                 </a:solidFill>
               </a:rPr>
-              <a:t>Historia Zmian – rejestrowanie zdarzeń</a:t>
+              <a:t>Historia</a:t>
             </a:r>
+            <a:r>
+              <a:rPr lang="en-US" sz="3000" dirty="0">
+                <a:solidFill>
+                  <a:srgbClr val="FFFFFE"/>
+                </a:solidFill>
+              </a:rPr>
+              <a:t> </a:t>
+            </a:r>
+            <a:r>
+              <a:rPr lang="en-US" sz="3000" dirty="0" err="1">
+                <a:solidFill>
+                  <a:srgbClr val="FFFFFE"/>
+                </a:solidFill>
+              </a:rPr>
+              <a:t>Zmian</a:t>
+            </a:r>
+            <a:r>
+              <a:rPr lang="en-US" sz="3000" dirty="0">
+                <a:solidFill>
+                  <a:srgbClr val="FFFFFE"/>
+                </a:solidFill>
+              </a:rPr>
+              <a:t> – </a:t>
+            </a:r>
+            <a:r>
+              <a:rPr lang="en-US" sz="3000" dirty="0" err="1">
+                <a:solidFill>
+                  <a:srgbClr val="FFFFFE"/>
+                </a:solidFill>
+              </a:rPr>
+              <a:t>rejestrowanie</a:t>
+            </a:r>
+            <a:r>
+              <a:rPr lang="en-US" sz="3000" dirty="0">
+                <a:solidFill>
+                  <a:srgbClr val="FFFFFE"/>
+                </a:solidFill>
+              </a:rPr>
+              <a:t> </a:t>
+            </a:r>
+            <a:r>
+              <a:rPr lang="en-US" sz="3000" dirty="0" err="1">
+                <a:solidFill>
+                  <a:srgbClr val="FFFFFE"/>
+                </a:solidFill>
+              </a:rPr>
+              <a:t>zdarzeń</a:t>
+            </a:r>
+            <a:endParaRPr lang="en-US" sz="3000" dirty="0">
+              <a:solidFill>
+                <a:srgbClr val="FFFFFE"/>
+              </a:solidFill>
+            </a:endParaRPr>
           </a:p>
         </p:txBody>
       </p:sp>
@@ -21845,13 +21867,34 @@
           <a:lstStyle/>
           <a:p>
             <a:r>
-              <a:rPr lang="en-US">
+              <a:rPr lang="en-US" dirty="0" err="1">
                 <a:solidFill>
                   <a:srgbClr val="FFFFFE"/>
                 </a:solidFill>
               </a:rPr>
-              <a:t>Kopie zapasowe</a:t>
+              <a:t>Kopie</a:t>
             </a:r>
+            <a:r>
+              <a:rPr lang="en-US" dirty="0">
+                <a:solidFill>
+                  <a:srgbClr val="FFFFFE"/>
+                </a:solidFill>
+              </a:rPr>
+              <a:t> </a:t>
+            </a:r>
+            <a:r>
+              <a:rPr lang="en-US" dirty="0" err="1">
+                <a:solidFill>
+                  <a:srgbClr val="FFFFFE"/>
+                </a:solidFill>
+              </a:rPr>
+              <a:t>zapasowe</a:t>
+            </a:r>
+            <a:endParaRPr lang="en-US" dirty="0">
+              <a:solidFill>
+                <a:srgbClr val="FFFFFE"/>
+              </a:solidFill>
+            </a:endParaRPr>
           </a:p>
         </p:txBody>
       </p:sp>
@@ -22124,12 +22167,18 @@
               <a:buAutoNum type="arabicPeriod"/>
             </a:pPr>
             <a:r>
-              <a:rPr lang="pl-PL" dirty="0" smtClean="0"/>
-              <a:t>Efekty </a:t>
+              <a:rPr lang="pl-PL" dirty="0"/>
+              <a:t>Diagramy przypadków użycia i aktywności</a:t>
             </a:r>
+          </a:p>
+          <a:p>
+            <a:pPr marL="457200" indent="-457200">
+              <a:buFont typeface="+mj-lt"/>
+              <a:buAutoNum type="arabicPeriod"/>
+            </a:pPr>
             <a:r>
               <a:rPr lang="pl-PL" dirty="0"/>
-              <a:t>realizacji projektu</a:t>
+              <a:t>Efekty realizacji projektu</a:t>
             </a:r>
           </a:p>
           <a:p>
@@ -22154,13 +22203,6 @@
   <p:clrMapOvr>
     <a:masterClrMapping/>
   </p:clrMapOvr>
-  <p:timing>
-    <p:tnLst>
-      <p:par>
-        <p:cTn id="1" dur="indefinite" restart="never" nodeType="tmRoot"/>
-      </p:par>
-    </p:tnLst>
-  </p:timing>
 </p:sld>
 </file>
 
@@ -22533,13 +22575,18 @@
           <a:lstStyle/>
           <a:p>
             <a:r>
-              <a:rPr lang="en-US">
+              <a:rPr lang="en-US" dirty="0" err="1">
                 <a:solidFill>
                   <a:srgbClr val="FFFFFE"/>
                 </a:solidFill>
               </a:rPr>
               <a:t>Raporty</a:t>
             </a:r>
+            <a:endParaRPr lang="en-US" dirty="0">
+              <a:solidFill>
+                <a:srgbClr val="FFFFFE"/>
+              </a:solidFill>
+            </a:endParaRPr>
           </a:p>
         </p:txBody>
       </p:sp>
@@ -23185,7 +23232,7 @@
         </p:blipFill>
         <p:spPr>
           <a:xfrm>
-            <a:off x="4020931" y="481108"/>
+            <a:off x="3696252" y="361839"/>
             <a:ext cx="3630245" cy="5149285"/>
           </a:xfrm>
           <a:prstGeom prst="rect">
@@ -23233,8 +23280,8 @@
         </p:blipFill>
         <p:spPr>
           <a:xfrm>
-            <a:off x="7787125" y="3429000"/>
-            <a:ext cx="4268622" cy="1782150"/>
+            <a:off x="7334807" y="3240157"/>
+            <a:ext cx="4720940" cy="1970993"/>
           </a:xfrm>
           <a:prstGeom prst="rect">
             <a:avLst/>
@@ -23410,8 +23457,8 @@
         </p:nvSpPr>
         <p:spPr>
           <a:xfrm>
-            <a:off x="311550" y="2010878"/>
-            <a:ext cx="5521360" cy="3448595"/>
+            <a:off x="629603" y="2011819"/>
+            <a:ext cx="5426641" cy="3448595"/>
           </a:xfrm>
         </p:spPr>
         <p:txBody>
@@ -23769,13 +23816,6 @@
   <p:clrMapOvr>
     <a:masterClrMapping/>
   </p:clrMapOvr>
-  <p:timing>
-    <p:tnLst>
-      <p:par>
-        <p:cTn id="1" dur="indefinite" restart="never" nodeType="tmRoot"/>
-      </p:par>
-    </p:tnLst>
-  </p:timing>
 </p:sld>
 </file>
 
@@ -23978,13 +24018,6 @@
   <p:clrMapOvr>
     <a:masterClrMapping/>
   </p:clrMapOvr>
-  <p:timing>
-    <p:tnLst>
-      <p:par>
-        <p:cTn id="1" dur="indefinite" restart="never" nodeType="tmRoot"/>
-      </p:par>
-    </p:tnLst>
-  </p:timing>
 </p:sld>
 </file>
 
@@ -24249,13 +24282,6 @@
   <p:clrMapOvr>
     <a:masterClrMapping/>
   </p:clrMapOvr>
-  <p:timing>
-    <p:tnLst>
-      <p:par>
-        <p:cTn id="1" dur="indefinite" restart="never" nodeType="tmRoot"/>
-      </p:par>
-    </p:tnLst>
-  </p:timing>
 </p:sld>
 </file>
 
@@ -24558,13 +24584,6 @@
   <p:clrMapOvr>
     <a:masterClrMapping/>
   </p:clrMapOvr>
-  <p:timing>
-    <p:tnLst>
-      <p:par>
-        <p:cTn id="1" dur="indefinite" restart="never" nodeType="tmRoot"/>
-      </p:par>
-    </p:tnLst>
-  </p:timing>
 </p:sld>
 </file>
 
@@ -25363,13 +25382,6 @@
   <p:clrMapOvr>
     <a:masterClrMapping/>
   </p:clrMapOvr>
-  <p:timing>
-    <p:tnLst>
-      <p:par>
-        <p:cTn id="1" dur="indefinite" restart="never" nodeType="tmRoot"/>
-      </p:par>
-    </p:tnLst>
-  </p:timing>
 </p:sld>
 </file>
 
@@ -25666,13 +25678,6 @@
   <p:clrMapOvr>
     <a:masterClrMapping/>
   </p:clrMapOvr>
-  <p:timing>
-    <p:tnLst>
-      <p:par>
-        <p:cTn id="1" dur="indefinite" restart="never" nodeType="tmRoot"/>
-      </p:par>
-    </p:tnLst>
-  </p:timing>
 </p:sld>
 </file>
 
@@ -25737,45 +25742,16 @@
             <p:ph idx="1"/>
           </p:nvPr>
         </p:nvSpPr>
-        <p:spPr>
-          <a:xfrm>
-            <a:off x="1451579" y="2015732"/>
-            <a:ext cx="9603275" cy="3682703"/>
-          </a:xfrm>
-        </p:spPr>
+        <p:spPr/>
         <p:txBody>
           <a:bodyPr>
-            <a:normAutofit fontScale="77500" lnSpcReduction="20000"/>
+            <a:normAutofit fontScale="70000" lnSpcReduction="20000"/>
           </a:bodyPr>
           <a:lstStyle/>
           <a:p>
-            <a:pPr marL="0" indent="0">
-              <a:buNone/>
-            </a:pPr>
-            <a:r>
-              <a:rPr lang="pl-PL" dirty="0" smtClean="0"/>
-              <a:t>Aby zrealizować projekt:</a:t>
-            </a:r>
-          </a:p>
-          <a:p>
-            <a:r>
-              <a:rPr lang="pl-PL" dirty="0" smtClean="0"/>
-              <a:t>Zaplanowaliśmy i przeanalizowaliśmy zapotrzebowanie użytkowników</a:t>
-            </a:r>
-            <a:endParaRPr lang="pl-PL" dirty="0"/>
-          </a:p>
-          <a:p>
-            <a:pPr lvl="1">
-              <a:buFont typeface="Wingdings" panose="05000000000000000000" pitchFamily="2" charset="2"/>
-              <a:buChar char="§"/>
-            </a:pPr>
-            <a:r>
-              <a:rPr lang="pl-PL" dirty="0" smtClean="0"/>
-              <a:t>Przeprowadziliśmy wywiad </a:t>
-            </a:r>
             <a:r>
               <a:rPr lang="pl-PL" dirty="0"/>
-              <a:t>z pracownikami galerii sztuki, aby lepiej zrozumieć ich potrzeby i oczekiwania.</a:t>
+              <a:t>Planowanie i analiza potrzeb użytkowników</a:t>
             </a:r>
           </a:p>
           <a:p>
@@ -25784,41 +25760,8 @@
               <a:buChar char="§"/>
             </a:pPr>
             <a:r>
-              <a:rPr lang="pl-PL" dirty="0" smtClean="0"/>
-              <a:t>Analizowaliśmy istniejące rozwiązania </a:t>
-            </a:r>
-            <a:r>
               <a:rPr lang="pl-PL" dirty="0"/>
-              <a:t>na </a:t>
-            </a:r>
-            <a:r>
-              <a:rPr lang="pl-PL" dirty="0" smtClean="0"/>
-              <a:t>rynku - identyfikacja </a:t>
-            </a:r>
-            <a:r>
-              <a:rPr lang="pl-PL" dirty="0"/>
-              <a:t>ich ograniczeń oraz możliwości adaptacji do mniejszych instytucji.</a:t>
-            </a:r>
-          </a:p>
-          <a:p>
-            <a:r>
-              <a:rPr lang="pl-PL" dirty="0" smtClean="0"/>
-              <a:t>Zaprojektowaliśmy aplikację</a:t>
-            </a:r>
-            <a:endParaRPr lang="pl-PL" dirty="0"/>
-          </a:p>
-          <a:p>
-            <a:pPr lvl="1">
-              <a:buFont typeface="Wingdings" panose="05000000000000000000" pitchFamily="2" charset="2"/>
-              <a:buChar char="§"/>
-            </a:pPr>
-            <a:r>
-              <a:rPr lang="pl-PL" dirty="0" smtClean="0"/>
-              <a:t>Stworzyliśmy diagramy </a:t>
-            </a:r>
-            <a:r>
-              <a:rPr lang="pl-PL" dirty="0"/>
-              <a:t>UML, m.in. diagramów aktywności oraz przypadków użycia, aby szczegółowo zaplanować funkcje systemu.</a:t>
+              <a:t>Przeprowadzenie wywiadów z pracownikami galerii sztuki, aby lepiej zrozumieć ich potrzeby i oczekiwania.</a:t>
             </a:r>
           </a:p>
           <a:p>
@@ -25827,20 +25770,34 @@
               <a:buChar char="§"/>
             </a:pPr>
             <a:r>
-              <a:rPr lang="pl-PL" dirty="0" smtClean="0"/>
-              <a:t>Opracowaliśmy </a:t>
+              <a:rPr lang="pl-PL" dirty="0"/>
+              <a:t>Analiza istniejących rozwiązań na rynku, identyfikacja ich ograniczeń oraz możliwości adaptacji do mniejszych instytucji.</a:t>
             </a:r>
+          </a:p>
+          <a:p>
             <a:r>
               <a:rPr lang="pl-PL" dirty="0"/>
-              <a:t>struktury bazy danych i kluczowych </a:t>
+              <a:t>Projektowanie systemu</a:t>
             </a:r>
-            <a:r>
-              <a:rPr lang="pl-PL" dirty="0" smtClean="0"/>
-              <a:t>zależności między </a:t>
-            </a:r>
+          </a:p>
+          <a:p>
+            <a:pPr lvl="1">
+              <a:buFont typeface="Wingdings" panose="05000000000000000000" pitchFamily="2" charset="2"/>
+              <a:buChar char="§"/>
+            </a:pPr>
             <a:r>
               <a:rPr lang="pl-PL" dirty="0"/>
-              <a:t>tabelami w </a:t>
+              <a:t>Stworzenie diagramów UML, m.in. diagramów aktywności oraz przypadków użycia, aby szczegółowo zaplanować funkcje systemu.</a:t>
+            </a:r>
+          </a:p>
+          <a:p>
+            <a:pPr lvl="1">
+              <a:buFont typeface="Wingdings" panose="05000000000000000000" pitchFamily="2" charset="2"/>
+              <a:buChar char="§"/>
+            </a:pPr>
+            <a:r>
+              <a:rPr lang="pl-PL" dirty="0"/>
+              <a:t>Opracowanie struktury bazy danych i kluczowych relacji między tabelami w </a:t>
             </a:r>
             <a:r>
               <a:rPr lang="pl-PL" dirty="0" err="1"/>
@@ -25853,12 +25810,42 @@
           </a:p>
           <a:p>
             <a:r>
-              <a:rPr lang="pl-PL" dirty="0" smtClean="0"/>
-              <a:t>Testowanie </a:t>
+              <a:rPr lang="pl-PL" dirty="0"/>
+              <a:t>Zarządzanie projektem</a:t>
+            </a:r>
+          </a:p>
+          <a:p>
+            <a:pPr lvl="1">
+              <a:buFont typeface="Wingdings" panose="05000000000000000000" pitchFamily="2" charset="2"/>
+              <a:buChar char="§"/>
+            </a:pPr>
+            <a:r>
+              <a:rPr lang="pl-PL" dirty="0"/>
+              <a:t>Wykorzystanie narzędzia </a:t>
+            </a:r>
+            <a:r>
+              <a:rPr lang="pl-PL" dirty="0" err="1"/>
+              <a:t>Trello</a:t>
             </a:r>
             <a:r>
               <a:rPr lang="pl-PL" dirty="0"/>
-              <a:t>i optymalizacja</a:t>
+              <a:t> do monitorowania postępu prac oraz efektywnej komunikacji w zespole.</a:t>
+            </a:r>
+          </a:p>
+          <a:p>
+            <a:pPr lvl="1">
+              <a:buFont typeface="Wingdings" panose="05000000000000000000" pitchFamily="2" charset="2"/>
+              <a:buChar char="§"/>
+            </a:pPr>
+            <a:r>
+              <a:rPr lang="pl-PL" dirty="0"/>
+              <a:t>Zastosowanie systemu kontroli wersji Git oraz platformy GitHub w celu zarządzania kodem źródłowym i wersjonowania projektu.</a:t>
+            </a:r>
+          </a:p>
+          <a:p>
+            <a:r>
+              <a:rPr lang="pl-PL" dirty="0"/>
+              <a:t>Testowanie i optymalizacja</a:t>
             </a:r>
           </a:p>
           <a:p>
@@ -25893,13 +25880,6 @@
   <p:clrMapOvr>
     <a:masterClrMapping/>
   </p:clrMapOvr>
-  <p:timing>
-    <p:tnLst>
-      <p:par>
-        <p:cTn id="1" dur="indefinite" restart="never" nodeType="tmRoot"/>
-      </p:par>
-    </p:tnLst>
-  </p:timing>
 </p:sld>
 </file>
 

--- a/Prezentacja na obronę.pptx
+++ b/Prezentacja na obronę.pptx
@@ -5,7 +5,7 @@
     <p:sldMasterId id="2147483702" r:id="rId1"/>
   </p:sldMasterIdLst>
   <p:notesMasterIdLst>
-    <p:notesMasterId r:id="rId23"/>
+    <p:notesMasterId r:id="rId24"/>
   </p:notesMasterIdLst>
   <p:sldIdLst>
     <p:sldId id="256" r:id="rId2"/>
@@ -28,7 +28,8 @@
     <p:sldId id="268" r:id="rId19"/>
     <p:sldId id="270" r:id="rId20"/>
     <p:sldId id="269" r:id="rId21"/>
-    <p:sldId id="286" r:id="rId22"/>
+    <p:sldId id="287" r:id="rId22"/>
+    <p:sldId id="288" r:id="rId23"/>
   </p:sldIdLst>
   <p:sldSz cx="12192000" cy="6858000"/>
   <p:notesSz cx="6858000" cy="9144000"/>
@@ -13887,25 +13888,9 @@
   <p:cSld>
     <p:bg>
       <p:bgPr>
-        <a:gradFill rotWithShape="1">
-          <a:gsLst>
-            <a:gs pos="0">
-              <a:schemeClr val="bg2">
-                <a:tint val="94000"/>
-                <a:satMod val="80000"/>
-                <a:lumMod val="106000"/>
-              </a:schemeClr>
-            </a:gs>
-            <a:gs pos="100000">
-              <a:schemeClr val="bg2">
-                <a:shade val="80000"/>
-              </a:schemeClr>
-            </a:gs>
-          </a:gsLst>
-          <a:path path="circle">
-            <a:fillToRect l="50000" t="50000" r="50000" b="50000"/>
-          </a:path>
-        </a:gradFill>
+        <a:solidFill>
+          <a:schemeClr val="bg1"/>
+        </a:solidFill>
         <a:effectLst/>
       </p:bgPr>
     </p:bg>
@@ -13923,6 +13908,591 @@
           <a:chExt cx="0" cy="0"/>
         </a:xfrm>
       </p:grpSpPr>
+      <p:sp useBgFill="1">
+        <p:nvSpPr>
+          <p:cNvPr id="8" name="Rectangle 7">
+            <a:extLst>
+              <a:ext uri="{FF2B5EF4-FFF2-40B4-BE49-F238E27FC236}">
+                <a16:creationId xmlns:a16="http://schemas.microsoft.com/office/drawing/2014/main" id="{8C790BE2-4E4F-4AAF-81A2-4A6F4885EBE6}"/>
+              </a:ext>
+              <a:ext uri="{C183D7F6-B498-43B3-948B-1728B52AA6E4}">
+                <adec:decorative xmlns:adec="http://schemas.microsoft.com/office/drawing/2017/decorative" val="1"/>
+              </a:ext>
+            </a:extLst>
+          </p:cNvPr>
+          <p:cNvSpPr>
+            <a:spLocks noGrp="1" noRot="1" noChangeAspect="1" noMove="1" noResize="1" noEditPoints="1" noAdjustHandles="1" noChangeArrowheads="1" noChangeShapeType="1" noTextEdit="1"/>
+          </p:cNvSpPr>
+          <p:nvPr>
+            <p:extLst>
+              <p:ext uri="{386F3935-93C4-4BCD-93E2-E3B085C9AB24}">
+                <p16:designElem xmlns:p16="http://schemas.microsoft.com/office/powerpoint/2015/main" val="1"/>
+              </p:ext>
+            </p:extLst>
+          </p:nvPr>
+        </p:nvSpPr>
+        <p:spPr>
+          <a:xfrm>
+            <a:off x="0" y="0"/>
+            <a:ext cx="12192000" cy="6858000"/>
+          </a:xfrm>
+          <a:prstGeom prst="rect">
+            <a:avLst/>
+          </a:prstGeom>
+          <a:ln w="12700" cap="flat" cmpd="sng" algn="ctr">
+            <a:noFill/>
+            <a:prstDash val="solid"/>
+            <a:miter lim="800000"/>
+          </a:ln>
+          <a:effectLst/>
+          <a:extLst>
+            <a:ext uri="{91240B29-F687-4F45-9708-019B960494DF}">
+              <a14:hiddenLine xmlns:a14="http://schemas.microsoft.com/office/drawing/2010/main" w="12700" cap="flat" cmpd="sng" algn="ctr">
+                <a:solidFill>
+                  <a:schemeClr val="accent1">
+                    <a:shade val="50000"/>
+                  </a:schemeClr>
+                </a:solidFill>
+                <a:prstDash val="solid"/>
+                <a:miter lim="800000"/>
+              </a14:hiddenLine>
+            </a:ext>
+          </a:extLst>
+        </p:spPr>
+        <p:style>
+          <a:lnRef idx="2">
+            <a:schemeClr val="accent1">
+              <a:shade val="50000"/>
+            </a:schemeClr>
+          </a:lnRef>
+          <a:fillRef idx="1">
+            <a:schemeClr val="accent1"/>
+          </a:fillRef>
+          <a:effectRef idx="0">
+            <a:schemeClr val="accent1"/>
+          </a:effectRef>
+          <a:fontRef idx="minor">
+            <a:schemeClr val="lt1"/>
+          </a:fontRef>
+        </p:style>
+        <p:txBody>
+          <a:bodyPr rtlCol="0" anchor="ctr"/>
+          <a:lstStyle/>
+          <a:p>
+            <a:pPr algn="ctr"/>
+            <a:endParaRPr lang="en-US"/>
+          </a:p>
+        </p:txBody>
+      </p:sp>
+      <p:sp>
+        <p:nvSpPr>
+          <p:cNvPr id="10" name="Rectangle 9">
+            <a:extLst>
+              <a:ext uri="{FF2B5EF4-FFF2-40B4-BE49-F238E27FC236}">
+                <a16:creationId xmlns:a16="http://schemas.microsoft.com/office/drawing/2014/main" id="{D28B54C3-B57B-472A-B96E-1FCB67093DC2}"/>
+              </a:ext>
+              <a:ext uri="{C183D7F6-B498-43B3-948B-1728B52AA6E4}">
+                <adec:decorative xmlns:adec="http://schemas.microsoft.com/office/drawing/2017/decorative" val="1"/>
+              </a:ext>
+            </a:extLst>
+          </p:cNvPr>
+          <p:cNvSpPr>
+            <a:spLocks noGrp="1" noRot="1" noChangeAspect="1" noMove="1" noResize="1" noEditPoints="1" noAdjustHandles="1" noChangeArrowheads="1" noChangeShapeType="1" noTextEdit="1"/>
+          </p:cNvSpPr>
+          <p:nvPr>
+            <p:extLst>
+              <p:ext uri="{386F3935-93C4-4BCD-93E2-E3B085C9AB24}">
+                <p16:designElem xmlns:p16="http://schemas.microsoft.com/office/powerpoint/2015/main" val="1"/>
+              </p:ext>
+            </p:extLst>
+          </p:nvPr>
+        </p:nvSpPr>
+        <p:spPr>
+          <a:xfrm flipH="1">
+            <a:off x="-1" y="0"/>
+            <a:ext cx="12191999" cy="6858000"/>
+          </a:xfrm>
+          <a:prstGeom prst="rect">
+            <a:avLst/>
+          </a:prstGeom>
+          <a:gradFill>
+            <a:gsLst>
+              <a:gs pos="0">
+                <a:schemeClr val="accent1">
+                  <a:lumMod val="50000"/>
+                </a:schemeClr>
+              </a:gs>
+              <a:gs pos="100000">
+                <a:srgbClr val="000000"/>
+              </a:gs>
+            </a:gsLst>
+            <a:lin ang="13800000" scaled="0"/>
+          </a:gradFill>
+          <a:ln>
+            <a:noFill/>
+          </a:ln>
+        </p:spPr>
+        <p:style>
+          <a:lnRef idx="2">
+            <a:schemeClr val="accent1">
+              <a:shade val="50000"/>
+            </a:schemeClr>
+          </a:lnRef>
+          <a:fillRef idx="1">
+            <a:schemeClr val="accent1"/>
+          </a:fillRef>
+          <a:effectRef idx="0">
+            <a:schemeClr val="accent1"/>
+          </a:effectRef>
+          <a:fontRef idx="minor">
+            <a:schemeClr val="lt1"/>
+          </a:fontRef>
+        </p:style>
+        <p:txBody>
+          <a:bodyPr rtlCol="0" anchor="ctr"/>
+          <a:lstStyle/>
+          <a:p>
+            <a:pPr algn="ctr"/>
+            <a:endParaRPr lang="en-US"/>
+          </a:p>
+        </p:txBody>
+      </p:sp>
+      <p:sp>
+        <p:nvSpPr>
+          <p:cNvPr id="12" name="Rectangle 11">
+            <a:extLst>
+              <a:ext uri="{FF2B5EF4-FFF2-40B4-BE49-F238E27FC236}">
+                <a16:creationId xmlns:a16="http://schemas.microsoft.com/office/drawing/2014/main" id="{7DB3C429-F8DA-49B9-AF84-21996FCF78B5}"/>
+              </a:ext>
+              <a:ext uri="{C183D7F6-B498-43B3-948B-1728B52AA6E4}">
+                <adec:decorative xmlns:adec="http://schemas.microsoft.com/office/drawing/2017/decorative" val="1"/>
+              </a:ext>
+            </a:extLst>
+          </p:cNvPr>
+          <p:cNvSpPr>
+            <a:spLocks noGrp="1" noRot="1" noChangeAspect="1" noMove="1" noResize="1" noEditPoints="1" noAdjustHandles="1" noChangeArrowheads="1" noChangeShapeType="1" noTextEdit="1"/>
+          </p:cNvSpPr>
+          <p:nvPr>
+            <p:extLst>
+              <p:ext uri="{386F3935-93C4-4BCD-93E2-E3B085C9AB24}">
+                <p16:designElem xmlns:p16="http://schemas.microsoft.com/office/powerpoint/2015/main" val="1"/>
+              </p:ext>
+            </p:extLst>
+          </p:nvPr>
+        </p:nvSpPr>
+        <p:spPr>
+          <a:xfrm rot="10800000">
+            <a:off x="0" y="-4"/>
+            <a:ext cx="12192000" cy="6402581"/>
+          </a:xfrm>
+          <a:prstGeom prst="rect">
+            <a:avLst/>
+          </a:prstGeom>
+          <a:gradFill>
+            <a:gsLst>
+              <a:gs pos="1000">
+                <a:schemeClr val="accent1">
+                  <a:lumMod val="75000"/>
+                  <a:alpha val="59000"/>
+                </a:schemeClr>
+              </a:gs>
+              <a:gs pos="100000">
+                <a:srgbClr val="000000"/>
+              </a:gs>
+            </a:gsLst>
+            <a:lin ang="15000000" scaled="0"/>
+          </a:gradFill>
+          <a:ln>
+            <a:noFill/>
+          </a:ln>
+        </p:spPr>
+        <p:style>
+          <a:lnRef idx="2">
+            <a:schemeClr val="accent1">
+              <a:shade val="50000"/>
+            </a:schemeClr>
+          </a:lnRef>
+          <a:fillRef idx="1">
+            <a:schemeClr val="accent1"/>
+          </a:fillRef>
+          <a:effectRef idx="0">
+            <a:schemeClr val="accent1"/>
+          </a:effectRef>
+          <a:fontRef idx="minor">
+            <a:schemeClr val="lt1"/>
+          </a:fontRef>
+        </p:style>
+        <p:txBody>
+          <a:bodyPr rtlCol="0" anchor="ctr"/>
+          <a:lstStyle/>
+          <a:p>
+            <a:pPr algn="ctr"/>
+            <a:endParaRPr lang="en-US"/>
+          </a:p>
+        </p:txBody>
+      </p:sp>
+      <p:sp>
+        <p:nvSpPr>
+          <p:cNvPr id="14" name="Rectangle 13">
+            <a:extLst>
+              <a:ext uri="{FF2B5EF4-FFF2-40B4-BE49-F238E27FC236}">
+                <a16:creationId xmlns:a16="http://schemas.microsoft.com/office/drawing/2014/main" id="{E12088DD-B1AD-40E0-8B86-1D87A2CCD9BE}"/>
+              </a:ext>
+              <a:ext uri="{C183D7F6-B498-43B3-948B-1728B52AA6E4}">
+                <adec:decorative xmlns:adec="http://schemas.microsoft.com/office/drawing/2017/decorative" val="1"/>
+              </a:ext>
+            </a:extLst>
+          </p:cNvPr>
+          <p:cNvSpPr>
+            <a:spLocks noGrp="1" noRot="1" noChangeAspect="1" noMove="1" noResize="1" noEditPoints="1" noAdjustHandles="1" noChangeArrowheads="1" noChangeShapeType="1" noTextEdit="1"/>
+          </p:cNvSpPr>
+          <p:nvPr>
+            <p:extLst>
+              <p:ext uri="{386F3935-93C4-4BCD-93E2-E3B085C9AB24}">
+                <p16:designElem xmlns:p16="http://schemas.microsoft.com/office/powerpoint/2015/main" val="1"/>
+              </p:ext>
+            </p:extLst>
+          </p:nvPr>
+        </p:nvSpPr>
+        <p:spPr>
+          <a:xfrm rot="5400000" flipH="1">
+            <a:off x="2663054" y="-2653923"/>
+            <a:ext cx="6858001" cy="12165846"/>
+          </a:xfrm>
+          <a:prstGeom prst="rect">
+            <a:avLst/>
+          </a:prstGeom>
+          <a:gradFill>
+            <a:gsLst>
+              <a:gs pos="13000">
+                <a:schemeClr val="accent1">
+                  <a:lumMod val="50000"/>
+                  <a:alpha val="0"/>
+                </a:schemeClr>
+              </a:gs>
+              <a:gs pos="99000">
+                <a:srgbClr val="000000">
+                  <a:alpha val="28000"/>
+                </a:srgbClr>
+              </a:gs>
+            </a:gsLst>
+            <a:lin ang="0" scaled="0"/>
+          </a:gradFill>
+          <a:ln>
+            <a:noFill/>
+          </a:ln>
+        </p:spPr>
+        <p:style>
+          <a:lnRef idx="2">
+            <a:schemeClr val="accent1">
+              <a:shade val="50000"/>
+            </a:schemeClr>
+          </a:lnRef>
+          <a:fillRef idx="1">
+            <a:schemeClr val="accent1"/>
+          </a:fillRef>
+          <a:effectRef idx="0">
+            <a:schemeClr val="accent1"/>
+          </a:effectRef>
+          <a:fontRef idx="minor">
+            <a:schemeClr val="lt1"/>
+          </a:fontRef>
+        </p:style>
+        <p:txBody>
+          <a:bodyPr rtlCol="0" anchor="ctr"/>
+          <a:lstStyle/>
+          <a:p>
+            <a:pPr algn="ctr"/>
+            <a:endParaRPr lang="en-US" dirty="0"/>
+          </a:p>
+        </p:txBody>
+      </p:sp>
+      <p:sp>
+        <p:nvSpPr>
+          <p:cNvPr id="16" name="Rectangle 15">
+            <a:extLst>
+              <a:ext uri="{FF2B5EF4-FFF2-40B4-BE49-F238E27FC236}">
+                <a16:creationId xmlns:a16="http://schemas.microsoft.com/office/drawing/2014/main" id="{C4C9F2B0-1044-46EB-8AEB-C3BFFDE6C2CC}"/>
+              </a:ext>
+              <a:ext uri="{C183D7F6-B498-43B3-948B-1728B52AA6E4}">
+                <adec:decorative xmlns:adec="http://schemas.microsoft.com/office/drawing/2017/decorative" val="1"/>
+              </a:ext>
+            </a:extLst>
+          </p:cNvPr>
+          <p:cNvSpPr>
+            <a:spLocks noGrp="1" noRot="1" noChangeAspect="1" noMove="1" noResize="1" noEditPoints="1" noAdjustHandles="1" noChangeArrowheads="1" noChangeShapeType="1" noTextEdit="1"/>
+          </p:cNvSpPr>
+          <p:nvPr>
+            <p:extLst>
+              <p:ext uri="{386F3935-93C4-4BCD-93E2-E3B085C9AB24}">
+                <p16:designElem xmlns:p16="http://schemas.microsoft.com/office/powerpoint/2015/main" val="1"/>
+              </p:ext>
+            </p:extLst>
+          </p:nvPr>
+        </p:nvSpPr>
+        <p:spPr>
+          <a:xfrm flipH="1">
+            <a:off x="6094763" y="0"/>
+            <a:ext cx="6096001" cy="6858000"/>
+          </a:xfrm>
+          <a:prstGeom prst="rect">
+            <a:avLst/>
+          </a:prstGeom>
+          <a:gradFill>
+            <a:gsLst>
+              <a:gs pos="13000">
+                <a:schemeClr val="accent1">
+                  <a:lumMod val="50000"/>
+                  <a:alpha val="0"/>
+                </a:schemeClr>
+              </a:gs>
+              <a:gs pos="99000">
+                <a:schemeClr val="accent1">
+                  <a:lumMod val="75000"/>
+                  <a:alpha val="50000"/>
+                </a:schemeClr>
+              </a:gs>
+            </a:gsLst>
+            <a:lin ang="6000000" scaled="0"/>
+          </a:gradFill>
+          <a:ln>
+            <a:noFill/>
+          </a:ln>
+        </p:spPr>
+        <p:style>
+          <a:lnRef idx="2">
+            <a:schemeClr val="accent1">
+              <a:shade val="50000"/>
+            </a:schemeClr>
+          </a:lnRef>
+          <a:fillRef idx="1">
+            <a:schemeClr val="accent1"/>
+          </a:fillRef>
+          <a:effectRef idx="0">
+            <a:schemeClr val="accent1"/>
+          </a:effectRef>
+          <a:fontRef idx="minor">
+            <a:schemeClr val="lt1"/>
+          </a:fontRef>
+        </p:style>
+        <p:txBody>
+          <a:bodyPr rtlCol="0" anchor="ctr"/>
+          <a:lstStyle/>
+          <a:p>
+            <a:pPr algn="ctr"/>
+            <a:endParaRPr lang="en-US" dirty="0"/>
+          </a:p>
+        </p:txBody>
+      </p:sp>
+      <p:sp>
+        <p:nvSpPr>
+          <p:cNvPr id="18" name="Rectangle 17">
+            <a:extLst>
+              <a:ext uri="{FF2B5EF4-FFF2-40B4-BE49-F238E27FC236}">
+                <a16:creationId xmlns:a16="http://schemas.microsoft.com/office/drawing/2014/main" id="{0C395952-4E26-45A2-8756-2ADFD6E53C6E}"/>
+              </a:ext>
+              <a:ext uri="{C183D7F6-B498-43B3-948B-1728B52AA6E4}">
+                <adec:decorative xmlns:adec="http://schemas.microsoft.com/office/drawing/2017/decorative" val="1"/>
+              </a:ext>
+            </a:extLst>
+          </p:cNvPr>
+          <p:cNvSpPr>
+            <a:spLocks noGrp="1" noRot="1" noChangeAspect="1" noMove="1" noResize="1" noEditPoints="1" noAdjustHandles="1" noChangeArrowheads="1" noChangeShapeType="1" noTextEdit="1"/>
+          </p:cNvSpPr>
+          <p:nvPr>
+            <p:extLst>
+              <p:ext uri="{386F3935-93C4-4BCD-93E2-E3B085C9AB24}">
+                <p16:designElem xmlns:p16="http://schemas.microsoft.com/office/powerpoint/2015/main" val="1"/>
+              </p:ext>
+            </p:extLst>
+          </p:nvPr>
+        </p:nvSpPr>
+        <p:spPr>
+          <a:xfrm flipH="1">
+            <a:off x="-4" y="-3"/>
+            <a:ext cx="12182871" cy="6871922"/>
+          </a:xfrm>
+          <a:prstGeom prst="rect">
+            <a:avLst/>
+          </a:prstGeom>
+          <a:gradFill>
+            <a:gsLst>
+              <a:gs pos="13000">
+                <a:srgbClr val="000000">
+                  <a:alpha val="35000"/>
+                </a:srgbClr>
+              </a:gs>
+              <a:gs pos="99000">
+                <a:schemeClr val="accent1">
+                  <a:lumMod val="75000"/>
+                  <a:alpha val="0"/>
+                </a:schemeClr>
+              </a:gs>
+            </a:gsLst>
+            <a:lin ang="4800000" scaled="0"/>
+          </a:gradFill>
+          <a:ln>
+            <a:noFill/>
+          </a:ln>
+        </p:spPr>
+        <p:style>
+          <a:lnRef idx="2">
+            <a:schemeClr val="accent1">
+              <a:shade val="50000"/>
+            </a:schemeClr>
+          </a:lnRef>
+          <a:fillRef idx="1">
+            <a:schemeClr val="accent1"/>
+          </a:fillRef>
+          <a:effectRef idx="0">
+            <a:schemeClr val="accent1"/>
+          </a:effectRef>
+          <a:fontRef idx="minor">
+            <a:schemeClr val="lt1"/>
+          </a:fontRef>
+        </p:style>
+        <p:txBody>
+          <a:bodyPr rtlCol="0" anchor="ctr"/>
+          <a:lstStyle/>
+          <a:p>
+            <a:pPr algn="ctr"/>
+            <a:endParaRPr lang="en-US" dirty="0"/>
+          </a:p>
+        </p:txBody>
+      </p:sp>
+      <p:sp>
+        <p:nvSpPr>
+          <p:cNvPr id="20" name="Freeform: Shape 19">
+            <a:extLst>
+              <a:ext uri="{FF2B5EF4-FFF2-40B4-BE49-F238E27FC236}">
+                <a16:creationId xmlns:a16="http://schemas.microsoft.com/office/drawing/2014/main" id="{4734BADF-9461-4621-B112-2D7BABEA7DD0}"/>
+              </a:ext>
+              <a:ext uri="{C183D7F6-B498-43B3-948B-1728B52AA6E4}">
+                <adec:decorative xmlns:adec="http://schemas.microsoft.com/office/drawing/2017/decorative" val="1"/>
+              </a:ext>
+            </a:extLst>
+          </p:cNvPr>
+          <p:cNvSpPr>
+            <a:spLocks noGrp="1" noRot="1" noChangeAspect="1" noMove="1" noResize="1" noEditPoints="1" noAdjustHandles="1" noChangeArrowheads="1" noChangeShapeType="1" noTextEdit="1"/>
+          </p:cNvSpPr>
+          <p:nvPr>
+            <p:extLst>
+              <p:ext uri="{386F3935-93C4-4BCD-93E2-E3B085C9AB24}">
+                <p16:designElem xmlns:p16="http://schemas.microsoft.com/office/powerpoint/2015/main" val="1"/>
+              </p:ext>
+            </p:extLst>
+          </p:nvPr>
+        </p:nvSpPr>
+        <p:spPr>
+          <a:xfrm>
+            <a:off x="987713" y="4049"/>
+            <a:ext cx="10216576" cy="4729040"/>
+          </a:xfrm>
+          <a:custGeom>
+            <a:avLst/>
+            <a:gdLst>
+              <a:gd name="connsiteX0" fmla="*/ 0 w 10216576"/>
+              <a:gd name="connsiteY0" fmla="*/ 0 h 4729040"/>
+              <a:gd name="connsiteX1" fmla="*/ 10216576 w 10216576"/>
+              <a:gd name="connsiteY1" fmla="*/ 0 h 4729040"/>
+              <a:gd name="connsiteX2" fmla="*/ 10210268 w 10216576"/>
+              <a:gd name="connsiteY2" fmla="*/ 124944 h 4729040"/>
+              <a:gd name="connsiteX3" fmla="*/ 5108288 w 10216576"/>
+              <a:gd name="connsiteY3" fmla="*/ 4729040 h 4729040"/>
+              <a:gd name="connsiteX4" fmla="*/ 6309 w 10216576"/>
+              <a:gd name="connsiteY4" fmla="*/ 124944 h 4729040"/>
+            </a:gdLst>
+            <a:ahLst/>
+            <a:cxnLst>
+              <a:cxn ang="0">
+                <a:pos x="connsiteX0" y="connsiteY0"/>
+              </a:cxn>
+              <a:cxn ang="0">
+                <a:pos x="connsiteX1" y="connsiteY1"/>
+              </a:cxn>
+              <a:cxn ang="0">
+                <a:pos x="connsiteX2" y="connsiteY2"/>
+              </a:cxn>
+              <a:cxn ang="0">
+                <a:pos x="connsiteX3" y="connsiteY3"/>
+              </a:cxn>
+              <a:cxn ang="0">
+                <a:pos x="connsiteX4" y="connsiteY4"/>
+              </a:cxn>
+            </a:cxnLst>
+            <a:rect l="l" t="t" r="r" b="b"/>
+            <a:pathLst>
+              <a:path w="10216576" h="4729040">
+                <a:moveTo>
+                  <a:pt x="0" y="0"/>
+                </a:moveTo>
+                <a:lnTo>
+                  <a:pt x="10216576" y="0"/>
+                </a:lnTo>
+                <a:lnTo>
+                  <a:pt x="10210268" y="124944"/>
+                </a:lnTo>
+                <a:cubicBezTo>
+                  <a:pt x="9947637" y="2710997"/>
+                  <a:pt x="7763635" y="4729040"/>
+                  <a:pt x="5108288" y="4729040"/>
+                </a:cubicBezTo>
+                <a:cubicBezTo>
+                  <a:pt x="2452942" y="4729040"/>
+                  <a:pt x="268937" y="2710997"/>
+                  <a:pt x="6309" y="124944"/>
+                </a:cubicBezTo>
+                <a:close/>
+              </a:path>
+            </a:pathLst>
+          </a:custGeom>
+          <a:gradFill>
+            <a:gsLst>
+              <a:gs pos="7000">
+                <a:schemeClr val="accent1">
+                  <a:lumMod val="50000"/>
+                  <a:alpha val="4000"/>
+                </a:schemeClr>
+              </a:gs>
+              <a:gs pos="99000">
+                <a:schemeClr val="accent1">
+                  <a:alpha val="24000"/>
+                </a:schemeClr>
+              </a:gs>
+            </a:gsLst>
+            <a:lin ang="10200000" scaled="0"/>
+          </a:gradFill>
+          <a:ln>
+            <a:noFill/>
+          </a:ln>
+        </p:spPr>
+        <p:style>
+          <a:lnRef idx="2">
+            <a:schemeClr val="accent1">
+              <a:shade val="50000"/>
+            </a:schemeClr>
+          </a:lnRef>
+          <a:fillRef idx="1">
+            <a:schemeClr val="accent1"/>
+          </a:fillRef>
+          <a:effectRef idx="0">
+            <a:schemeClr val="accent1"/>
+          </a:effectRef>
+          <a:fontRef idx="minor">
+            <a:schemeClr val="lt1"/>
+          </a:fontRef>
+        </p:style>
+        <p:txBody>
+          <a:bodyPr wrap="square" rtlCol="0" anchor="ctr">
+            <a:noAutofit/>
+          </a:bodyPr>
+          <a:lstStyle/>
+          <a:p>
+            <a:pPr algn="ctr"/>
+            <a:endParaRPr lang="en-US"/>
+          </a:p>
+        </p:txBody>
+      </p:sp>
       <p:sp>
         <p:nvSpPr>
           <p:cNvPr id="2" name="Tytuł 1"/>
@@ -13935,8 +14505,8 @@
         </p:nvSpPr>
         <p:spPr>
           <a:xfrm>
-            <a:off x="1752966" y="1427304"/>
-            <a:ext cx="8686800" cy="3241515"/>
+            <a:off x="2026693" y="1030406"/>
+            <a:ext cx="8147713" cy="3081242"/>
           </a:xfrm>
         </p:spPr>
         <p:txBody>
@@ -13946,13 +14516,25 @@
           <a:lstStyle/>
           <a:p>
             <a:r>
-              <a:rPr lang="pl-PL" sz="4600" b="1"/>
+              <a:rPr lang="pl-PL" sz="4800" b="1">
+                <a:solidFill>
+                  <a:srgbClr val="FFFFFF"/>
+                </a:solidFill>
+              </a:rPr>
               <a:t>Budowa i implementacja aplikacji zarządzania zbiorami galerii sztuki</a:t>
             </a:r>
             <a:br>
-              <a:rPr lang="pl-PL" sz="4600"/>
+              <a:rPr lang="pl-PL" sz="4800">
+                <a:solidFill>
+                  <a:srgbClr val="FFFFFF"/>
+                </a:solidFill>
+              </a:rPr>
             </a:br>
-            <a:endParaRPr lang="pl-PL" sz="4600"/>
+            <a:endParaRPr lang="pl-PL" sz="4800">
+              <a:solidFill>
+                <a:srgbClr val="FFFFFF"/>
+              </a:solidFill>
+            </a:endParaRPr>
           </a:p>
         </p:txBody>
       </p:sp>
@@ -13968,21 +14550,37 @@
         </p:nvSpPr>
         <p:spPr>
           <a:xfrm>
-            <a:off x="1752966" y="5132139"/>
-            <a:ext cx="8686800" cy="631270"/>
+            <a:off x="1559943" y="5171093"/>
+            <a:ext cx="9078628" cy="860620"/>
           </a:xfrm>
         </p:spPr>
         <p:txBody>
-          <a:bodyPr>
+          <a:bodyPr anchor="ctr">
             <a:normAutofit/>
           </a:bodyPr>
           <a:lstStyle/>
           <a:p>
             <a:r>
-              <a:rPr lang="pl-PL"/>
-              <a:t>PracA dyplomowa: oliwa Głodek, Emil Gielek</a:t>
-            </a:r>
-            <a:endParaRPr lang="pl-PL" dirty="0"/>
+              <a:rPr lang="pl-PL" dirty="0">
+                <a:solidFill>
+                  <a:srgbClr val="FFFFFF"/>
+                </a:solidFill>
+              </a:rPr>
+              <a:t>Praca dyplomowa: Oliwa Głodek, Emil </a:t>
+            </a:r>
+            <a:r>
+              <a:rPr lang="pl-PL" dirty="0" err="1">
+                <a:solidFill>
+                  <a:srgbClr val="FFFFFF"/>
+                </a:solidFill>
+              </a:rPr>
+              <a:t>Gielek</a:t>
+            </a:r>
+            <a:endParaRPr lang="pl-PL" dirty="0">
+              <a:solidFill>
+                <a:srgbClr val="FFFFFF"/>
+              </a:solidFill>
+            </a:endParaRPr>
           </a:p>
         </p:txBody>
       </p:sp>
@@ -18200,10 +18798,10 @@
       </p:grpSpPr>
       <p:sp useBgFill="1">
         <p:nvSpPr>
-          <p:cNvPr id="9" name="Slide Background">
+          <p:cNvPr id="16" name="Rectangle 15">
             <a:extLst>
               <a:ext uri="{FF2B5EF4-FFF2-40B4-BE49-F238E27FC236}">
-                <a16:creationId xmlns:a16="http://schemas.microsoft.com/office/drawing/2014/main" id="{C0763A76-9F1C-4FC5-82B7-DD475DA461B2}"/>
+                <a16:creationId xmlns:a16="http://schemas.microsoft.com/office/drawing/2014/main" id="{2596F992-698C-48C0-9D89-70DA4CE927EF}"/>
               </a:ext>
               <a:ext uri="{C183D7F6-B498-43B3-948B-1728B52AA6E4}">
                 <adec:decorative xmlns:adec="http://schemas.microsoft.com/office/drawing/2017/decorative" val="1"/>
@@ -18221,14 +18819,264 @@
             </p:extLst>
           </p:nvPr>
         </p:nvSpPr>
-        <p:spPr bwMode="white">
+        <p:spPr>
           <a:xfrm>
-            <a:off x="-1" y="0"/>
-            <a:ext cx="12191999" cy="6858000"/>
+            <a:off x="0" y="0"/>
+            <a:ext cx="12192000" cy="6858000"/>
           </a:xfrm>
           <a:prstGeom prst="rect">
             <a:avLst/>
           </a:prstGeom>
+          <a:ln w="12700" cap="flat" cmpd="sng" algn="ctr">
+            <a:noFill/>
+            <a:prstDash val="solid"/>
+            <a:miter lim="800000"/>
+          </a:ln>
+          <a:effectLst/>
+          <a:extLst>
+            <a:ext uri="{91240B29-F687-4F45-9708-019B960494DF}">
+              <a14:hiddenLine xmlns:a14="http://schemas.microsoft.com/office/drawing/2010/main" w="12700" cap="flat" cmpd="sng" algn="ctr">
+                <a:solidFill>
+                  <a:schemeClr val="accent1">
+                    <a:shade val="50000"/>
+                  </a:schemeClr>
+                </a:solidFill>
+                <a:prstDash val="solid"/>
+                <a:miter lim="800000"/>
+              </a14:hiddenLine>
+            </a:ext>
+          </a:extLst>
+        </p:spPr>
+        <p:style>
+          <a:lnRef idx="2">
+            <a:schemeClr val="accent1">
+              <a:shade val="50000"/>
+            </a:schemeClr>
+          </a:lnRef>
+          <a:fillRef idx="1">
+            <a:schemeClr val="accent1"/>
+          </a:fillRef>
+          <a:effectRef idx="0">
+            <a:schemeClr val="accent1"/>
+          </a:effectRef>
+          <a:fontRef idx="minor">
+            <a:schemeClr val="lt1"/>
+          </a:fontRef>
+        </p:style>
+        <p:txBody>
+          <a:bodyPr rtlCol="0" anchor="ctr"/>
+          <a:lstStyle/>
+          <a:p>
+            <a:pPr algn="ctr"/>
+            <a:endParaRPr lang="en-US"/>
+          </a:p>
+        </p:txBody>
+      </p:sp>
+      <p:sp>
+        <p:nvSpPr>
+          <p:cNvPr id="2" name="Tytuł 1">
+            <a:extLst>
+              <a:ext uri="{FF2B5EF4-FFF2-40B4-BE49-F238E27FC236}">
+                <a16:creationId xmlns:a16="http://schemas.microsoft.com/office/drawing/2014/main" id="{B466CF77-3B8B-67CA-73DD-0F07973E1A81}"/>
+              </a:ext>
+            </a:extLst>
+          </p:cNvPr>
+          <p:cNvSpPr>
+            <a:spLocks noGrp="1"/>
+          </p:cNvSpPr>
+          <p:nvPr>
+            <p:ph type="title"/>
+          </p:nvPr>
+        </p:nvSpPr>
+        <p:spPr>
+          <a:xfrm>
+            <a:off x="914402" y="489508"/>
+            <a:ext cx="5181597" cy="1655482"/>
+          </a:xfrm>
+        </p:spPr>
+        <p:txBody>
+          <a:bodyPr anchor="b">
+            <a:normAutofit/>
+          </a:bodyPr>
+          <a:lstStyle/>
+          <a:p>
+            <a:r>
+              <a:rPr lang="pl-PL" sz="4000" dirty="0"/>
+              <a:t>Agenda</a:t>
+            </a:r>
+          </a:p>
+        </p:txBody>
+      </p:sp>
+      <p:sp>
+        <p:nvSpPr>
+          <p:cNvPr id="3" name="Symbol zastępczy zawartości 2">
+            <a:extLst>
+              <a:ext uri="{FF2B5EF4-FFF2-40B4-BE49-F238E27FC236}">
+                <a16:creationId xmlns:a16="http://schemas.microsoft.com/office/drawing/2014/main" id="{8B5E64A6-558B-1D1E-F22E-594FF1207E16}"/>
+              </a:ext>
+            </a:extLst>
+          </p:cNvPr>
+          <p:cNvSpPr>
+            <a:spLocks noGrp="1"/>
+          </p:cNvSpPr>
+          <p:nvPr>
+            <p:ph idx="1"/>
+          </p:nvPr>
+        </p:nvSpPr>
+        <p:spPr>
+          <a:xfrm>
+            <a:off x="914402" y="2418408"/>
+            <a:ext cx="5181598" cy="3409898"/>
+          </a:xfrm>
+        </p:spPr>
+        <p:txBody>
+          <a:bodyPr anchor="t">
+            <a:normAutofit/>
+          </a:bodyPr>
+          <a:lstStyle/>
+          <a:p>
+            <a:pPr marL="457200" indent="-457200">
+              <a:buFont typeface="+mj-lt"/>
+              <a:buAutoNum type="arabicPeriod"/>
+            </a:pPr>
+            <a:r>
+              <a:rPr lang="pl-PL" sz="2000" dirty="0"/>
+              <a:t>Uzasadnienie wyboru tematu</a:t>
+            </a:r>
+          </a:p>
+          <a:p>
+            <a:pPr marL="457200" indent="-457200">
+              <a:buFont typeface="+mj-lt"/>
+              <a:buAutoNum type="arabicPeriod"/>
+            </a:pPr>
+            <a:r>
+              <a:rPr lang="pl-PL" sz="2000" dirty="0"/>
+              <a:t>Cele główne i szczegółowe</a:t>
+            </a:r>
+          </a:p>
+          <a:p>
+            <a:pPr marL="457200" indent="-457200">
+              <a:buFont typeface="+mj-lt"/>
+              <a:buAutoNum type="arabicPeriod"/>
+            </a:pPr>
+            <a:r>
+              <a:rPr lang="pl-PL" sz="2000" dirty="0"/>
+              <a:t>Założenia projektu i omówienie istniejących już rozwiązań</a:t>
+            </a:r>
+          </a:p>
+          <a:p>
+            <a:pPr marL="457200" indent="-457200">
+              <a:buFont typeface="+mj-lt"/>
+              <a:buAutoNum type="arabicPeriod"/>
+            </a:pPr>
+            <a:r>
+              <a:rPr lang="pl-PL" sz="2000" dirty="0"/>
+              <a:t>Metodyka pracy i wykorzystane technologie</a:t>
+            </a:r>
+          </a:p>
+          <a:p>
+            <a:pPr marL="457200" indent="-457200">
+              <a:buFont typeface="+mj-lt"/>
+              <a:buAutoNum type="arabicPeriod"/>
+            </a:pPr>
+            <a:r>
+              <a:rPr lang="pl-PL" sz="2000" dirty="0"/>
+              <a:t>Diagramy przypadków użycia i aktywności</a:t>
+            </a:r>
+          </a:p>
+          <a:p>
+            <a:pPr marL="457200" indent="-457200">
+              <a:buFont typeface="+mj-lt"/>
+              <a:buAutoNum type="arabicPeriod"/>
+            </a:pPr>
+            <a:r>
+              <a:rPr lang="pl-PL" sz="2000" dirty="0"/>
+              <a:t>Efekty realizacji projektu</a:t>
+            </a:r>
+          </a:p>
+          <a:p>
+            <a:pPr marL="457200" indent="-457200">
+              <a:buFont typeface="+mj-lt"/>
+              <a:buAutoNum type="arabicPeriod"/>
+            </a:pPr>
+            <a:r>
+              <a:rPr lang="pl-PL" sz="2000" dirty="0"/>
+              <a:t>Podsumowanie</a:t>
+            </a:r>
+          </a:p>
+        </p:txBody>
+      </p:sp>
+      <p:pic>
+        <p:nvPicPr>
+          <p:cNvPr id="5" name="Picture 4" descr="Biurko z przyborami biurowymi">
+            <a:extLst>
+              <a:ext uri="{FF2B5EF4-FFF2-40B4-BE49-F238E27FC236}">
+                <a16:creationId xmlns:a16="http://schemas.microsoft.com/office/drawing/2014/main" id="{2ED3FD9F-656F-9A3E-C736-F73C5A56267C}"/>
+              </a:ext>
+            </a:extLst>
+          </p:cNvPr>
+          <p:cNvPicPr>
+            <a:picLocks noChangeAspect="1"/>
+          </p:cNvPicPr>
+          <p:nvPr/>
+        </p:nvPicPr>
+        <p:blipFill>
+          <a:blip r:embed="rId2"/>
+          <a:srcRect l="27925" r="12675" b="-2"/>
+          <a:stretch/>
+        </p:blipFill>
+        <p:spPr>
+          <a:xfrm>
+            <a:off x="6847284" y="644056"/>
+            <a:ext cx="4613309" cy="5184250"/>
+          </a:xfrm>
+          <a:prstGeom prst="rect">
+            <a:avLst/>
+          </a:prstGeom>
+        </p:spPr>
+      </p:pic>
+      <p:sp>
+        <p:nvSpPr>
+          <p:cNvPr id="18" name="Rectangle 17">
+            <a:extLst>
+              <a:ext uri="{FF2B5EF4-FFF2-40B4-BE49-F238E27FC236}">
+                <a16:creationId xmlns:a16="http://schemas.microsoft.com/office/drawing/2014/main" id="{A344AAA5-41F4-4862-97EF-688D31DC7567}"/>
+              </a:ext>
+              <a:ext uri="{C183D7F6-B498-43B3-948B-1728B52AA6E4}">
+                <adec:decorative xmlns:adec="http://schemas.microsoft.com/office/drawing/2017/decorative" val="1"/>
+              </a:ext>
+            </a:extLst>
+          </p:cNvPr>
+          <p:cNvSpPr>
+            <a:spLocks noGrp="1" noRot="1" noChangeAspect="1" noMove="1" noResize="1" noEditPoints="1" noAdjustHandles="1" noChangeArrowheads="1" noChangeShapeType="1" noTextEdit="1"/>
+          </p:cNvSpPr>
+          <p:nvPr>
+            <p:extLst>
+              <p:ext uri="{386F3935-93C4-4BCD-93E2-E3B085C9AB24}">
+                <p16:designElem xmlns:p16="http://schemas.microsoft.com/office/powerpoint/2015/main" val="1"/>
+              </p:ext>
+            </p:extLst>
+          </p:nvPr>
+        </p:nvSpPr>
+        <p:spPr>
+          <a:xfrm rot="10800000" flipH="1">
+            <a:off x="0" y="6400799"/>
+            <a:ext cx="12192000" cy="456773"/>
+          </a:xfrm>
+          <a:prstGeom prst="rect">
+            <a:avLst/>
+          </a:prstGeom>
+          <a:gradFill>
+            <a:gsLst>
+              <a:gs pos="0">
+                <a:schemeClr val="accent1"/>
+              </a:gs>
+              <a:gs pos="85000">
+                <a:srgbClr val="000000"/>
+              </a:gs>
+            </a:gsLst>
+            <a:lin ang="2400000" scaled="0"/>
+          </a:gradFill>
           <a:ln>
             <a:noFill/>
           </a:ln>
@@ -18251,113 +19099,19 @@
         </p:style>
         <p:txBody>
           <a:bodyPr rtlCol="0" anchor="ctr"/>
-          <a:lstStyle>
-            <a:defPPr>
-              <a:defRPr lang="en-US"/>
-            </a:defPPr>
-            <a:lvl1pPr marL="0" algn="l" defTabSz="914400" rtl="0" eaLnBrk="1" latinLnBrk="0" hangingPunct="1">
-              <a:defRPr sz="1800" kern="1200">
-                <a:solidFill>
-                  <a:schemeClr val="lt1"/>
-                </a:solidFill>
-                <a:latin typeface="+mn-lt"/>
-                <a:ea typeface="+mn-ea"/>
-                <a:cs typeface="+mn-cs"/>
-              </a:defRPr>
-            </a:lvl1pPr>
-            <a:lvl2pPr marL="457200" algn="l" defTabSz="914400" rtl="0" eaLnBrk="1" latinLnBrk="0" hangingPunct="1">
-              <a:defRPr sz="1800" kern="1200">
-                <a:solidFill>
-                  <a:schemeClr val="lt1"/>
-                </a:solidFill>
-                <a:latin typeface="+mn-lt"/>
-                <a:ea typeface="+mn-ea"/>
-                <a:cs typeface="+mn-cs"/>
-              </a:defRPr>
-            </a:lvl2pPr>
-            <a:lvl3pPr marL="914400" algn="l" defTabSz="914400" rtl="0" eaLnBrk="1" latinLnBrk="0" hangingPunct="1">
-              <a:defRPr sz="1800" kern="1200">
-                <a:solidFill>
-                  <a:schemeClr val="lt1"/>
-                </a:solidFill>
-                <a:latin typeface="+mn-lt"/>
-                <a:ea typeface="+mn-ea"/>
-                <a:cs typeface="+mn-cs"/>
-              </a:defRPr>
-            </a:lvl3pPr>
-            <a:lvl4pPr marL="1371600" algn="l" defTabSz="914400" rtl="0" eaLnBrk="1" latinLnBrk="0" hangingPunct="1">
-              <a:defRPr sz="1800" kern="1200">
-                <a:solidFill>
-                  <a:schemeClr val="lt1"/>
-                </a:solidFill>
-                <a:latin typeface="+mn-lt"/>
-                <a:ea typeface="+mn-ea"/>
-                <a:cs typeface="+mn-cs"/>
-              </a:defRPr>
-            </a:lvl4pPr>
-            <a:lvl5pPr marL="1828800" algn="l" defTabSz="914400" rtl="0" eaLnBrk="1" latinLnBrk="0" hangingPunct="1">
-              <a:defRPr sz="1800" kern="1200">
-                <a:solidFill>
-                  <a:schemeClr val="lt1"/>
-                </a:solidFill>
-                <a:latin typeface="+mn-lt"/>
-                <a:ea typeface="+mn-ea"/>
-                <a:cs typeface="+mn-cs"/>
-              </a:defRPr>
-            </a:lvl5pPr>
-            <a:lvl6pPr marL="2286000" algn="l" defTabSz="914400" rtl="0" eaLnBrk="1" latinLnBrk="0" hangingPunct="1">
-              <a:defRPr sz="1800" kern="1200">
-                <a:solidFill>
-                  <a:schemeClr val="lt1"/>
-                </a:solidFill>
-                <a:latin typeface="+mn-lt"/>
-                <a:ea typeface="+mn-ea"/>
-                <a:cs typeface="+mn-cs"/>
-              </a:defRPr>
-            </a:lvl6pPr>
-            <a:lvl7pPr marL="2743200" algn="l" defTabSz="914400" rtl="0" eaLnBrk="1" latinLnBrk="0" hangingPunct="1">
-              <a:defRPr sz="1800" kern="1200">
-                <a:solidFill>
-                  <a:schemeClr val="lt1"/>
-                </a:solidFill>
-                <a:latin typeface="+mn-lt"/>
-                <a:ea typeface="+mn-ea"/>
-                <a:cs typeface="+mn-cs"/>
-              </a:defRPr>
-            </a:lvl7pPr>
-            <a:lvl8pPr marL="3200400" algn="l" defTabSz="914400" rtl="0" eaLnBrk="1" latinLnBrk="0" hangingPunct="1">
-              <a:defRPr sz="1800" kern="1200">
-                <a:solidFill>
-                  <a:schemeClr val="lt1"/>
-                </a:solidFill>
-                <a:latin typeface="+mn-lt"/>
-                <a:ea typeface="+mn-ea"/>
-                <a:cs typeface="+mn-cs"/>
-              </a:defRPr>
-            </a:lvl8pPr>
-            <a:lvl9pPr marL="3657600" algn="l" defTabSz="914400" rtl="0" eaLnBrk="1" latinLnBrk="0" hangingPunct="1">
-              <a:defRPr sz="1800" kern="1200">
-                <a:solidFill>
-                  <a:schemeClr val="lt1"/>
-                </a:solidFill>
-                <a:latin typeface="+mn-lt"/>
-                <a:ea typeface="+mn-ea"/>
-                <a:cs typeface="+mn-cs"/>
-              </a:defRPr>
-            </a:lvl9pPr>
-          </a:lstStyle>
+          <a:lstStyle/>
           <a:p>
             <a:pPr algn="ctr"/>
             <a:endParaRPr lang="en-US"/>
           </a:p>
         </p:txBody>
       </p:sp>
-      <p:sp useBgFill="1">
+      <p:sp>
         <p:nvSpPr>
-          <p:cNvPr id="11" name="Rectangle 10">
+          <p:cNvPr id="20" name="Rectangle 19">
             <a:extLst>
               <a:ext uri="{FF2B5EF4-FFF2-40B4-BE49-F238E27FC236}">
-                <a16:creationId xmlns:a16="http://schemas.microsoft.com/office/drawing/2014/main" id="{E81BF4F6-F2CF-4984-9D14-D6966D92F99F}"/>
+                <a16:creationId xmlns:a16="http://schemas.microsoft.com/office/drawing/2014/main" id="{69E1A62C-2AAF-4B3E-8CDB-65E237080997}"/>
               </a:ext>
               <a:ext uri="{C183D7F6-B498-43B3-948B-1728B52AA6E4}">
                 <adec:decorative xmlns:adec="http://schemas.microsoft.com/office/drawing/2017/decorative" val="1"/>
@@ -18376,23 +19130,31 @@
           </p:nvPr>
         </p:nvSpPr>
         <p:spPr>
-          <a:xfrm>
-            <a:off x="1" y="0"/>
-            <a:ext cx="8522446" cy="2285999"/>
+          <a:xfrm flipH="1">
+            <a:off x="4038600" y="6400799"/>
+            <a:ext cx="8153398" cy="456772"/>
           </a:xfrm>
           <a:prstGeom prst="rect">
             <a:avLst/>
           </a:prstGeom>
+          <a:gradFill>
+            <a:gsLst>
+              <a:gs pos="0">
+                <a:srgbClr val="000000">
+                  <a:alpha val="26000"/>
+                </a:srgbClr>
+              </a:gs>
+              <a:gs pos="100000">
+                <a:schemeClr val="accent1">
+                  <a:lumMod val="75000"/>
+                </a:schemeClr>
+              </a:gs>
+            </a:gsLst>
+            <a:lin ang="13800000" scaled="0"/>
+          </a:gradFill>
           <a:ln>
             <a:noFill/>
           </a:ln>
-          <a:effectLst>
-            <a:outerShdw blurRad="596900" dist="304800" dir="7140000" sx="90000" sy="90000" algn="t" rotWithShape="0">
-              <a:srgbClr val="000000">
-                <a:alpha val="15000"/>
-              </a:srgbClr>
-            </a:outerShdw>
-          </a:effectLst>
         </p:spPr>
         <p:style>
           <a:lnRef idx="2">
@@ -18419,169 +19181,6 @@
           </a:p>
         </p:txBody>
       </p:sp>
-      <p:sp>
-        <p:nvSpPr>
-          <p:cNvPr id="2" name="Tytuł 1">
-            <a:extLst>
-              <a:ext uri="{FF2B5EF4-FFF2-40B4-BE49-F238E27FC236}">
-                <a16:creationId xmlns:a16="http://schemas.microsoft.com/office/drawing/2014/main" id="{B466CF77-3B8B-67CA-73DD-0F07973E1A81}"/>
-              </a:ext>
-            </a:extLst>
-          </p:cNvPr>
-          <p:cNvSpPr>
-            <a:spLocks noGrp="1"/>
-          </p:cNvSpPr>
-          <p:nvPr>
-            <p:ph type="title"/>
-          </p:nvPr>
-        </p:nvSpPr>
-        <p:spPr>
-          <a:xfrm>
-            <a:off x="761803" y="350196"/>
-            <a:ext cx="4646904" cy="1624520"/>
-          </a:xfrm>
-        </p:spPr>
-        <p:txBody>
-          <a:bodyPr anchor="ctr">
-            <a:normAutofit/>
-          </a:bodyPr>
-          <a:lstStyle/>
-          <a:p>
-            <a:r>
-              <a:rPr lang="pl-PL" sz="4000"/>
-              <a:t>Agenda</a:t>
-            </a:r>
-          </a:p>
-        </p:txBody>
-      </p:sp>
-      <p:sp>
-        <p:nvSpPr>
-          <p:cNvPr id="3" name="Symbol zastępczy zawartości 2">
-            <a:extLst>
-              <a:ext uri="{FF2B5EF4-FFF2-40B4-BE49-F238E27FC236}">
-                <a16:creationId xmlns:a16="http://schemas.microsoft.com/office/drawing/2014/main" id="{8B5E64A6-558B-1D1E-F22E-594FF1207E16}"/>
-              </a:ext>
-            </a:extLst>
-          </p:cNvPr>
-          <p:cNvSpPr>
-            <a:spLocks noGrp="1"/>
-          </p:cNvSpPr>
-          <p:nvPr>
-            <p:ph idx="1"/>
-          </p:nvPr>
-        </p:nvSpPr>
-        <p:spPr>
-          <a:xfrm>
-            <a:off x="761802" y="2743200"/>
-            <a:ext cx="4646905" cy="3613149"/>
-          </a:xfrm>
-        </p:spPr>
-        <p:txBody>
-          <a:bodyPr anchor="ctr">
-            <a:normAutofit/>
-          </a:bodyPr>
-          <a:lstStyle/>
-          <a:p>
-            <a:pPr marL="457200" indent="-457200">
-              <a:buFont typeface="+mj-lt"/>
-              <a:buAutoNum type="arabicPeriod"/>
-            </a:pPr>
-            <a:r>
-              <a:rPr lang="pl-PL" sz="2000"/>
-              <a:t>Uzasadnienie wyboru tematu</a:t>
-            </a:r>
-          </a:p>
-          <a:p>
-            <a:pPr marL="457200" indent="-457200">
-              <a:buFont typeface="+mj-lt"/>
-              <a:buAutoNum type="arabicPeriod"/>
-            </a:pPr>
-            <a:r>
-              <a:rPr lang="pl-PL" sz="2000"/>
-              <a:t>Cele główne i szczegółowe</a:t>
-            </a:r>
-          </a:p>
-          <a:p>
-            <a:pPr marL="457200" indent="-457200">
-              <a:buFont typeface="+mj-lt"/>
-              <a:buAutoNum type="arabicPeriod"/>
-            </a:pPr>
-            <a:r>
-              <a:rPr lang="pl-PL" sz="2000"/>
-              <a:t>Założenia projektu i omówienie istniejących już rozwiązań</a:t>
-            </a:r>
-          </a:p>
-          <a:p>
-            <a:pPr marL="457200" indent="-457200">
-              <a:buFont typeface="+mj-lt"/>
-              <a:buAutoNum type="arabicPeriod"/>
-            </a:pPr>
-            <a:r>
-              <a:rPr lang="pl-PL" sz="2000"/>
-              <a:t>Metodyka pracy i wykorzystane technologie</a:t>
-            </a:r>
-          </a:p>
-          <a:p>
-            <a:pPr marL="457200" indent="-457200">
-              <a:buFont typeface="+mj-lt"/>
-              <a:buAutoNum type="arabicPeriod"/>
-            </a:pPr>
-            <a:r>
-              <a:rPr lang="pl-PL" sz="2000"/>
-              <a:t>Diagramy przypadków użycia i aktywności</a:t>
-            </a:r>
-          </a:p>
-          <a:p>
-            <a:pPr marL="457200" indent="-457200">
-              <a:buFont typeface="+mj-lt"/>
-              <a:buAutoNum type="arabicPeriod"/>
-            </a:pPr>
-            <a:r>
-              <a:rPr lang="pl-PL" sz="2000"/>
-              <a:t>Efekty realizacji projektu</a:t>
-            </a:r>
-          </a:p>
-          <a:p>
-            <a:pPr marL="457200" indent="-457200">
-              <a:buFont typeface="+mj-lt"/>
-              <a:buAutoNum type="arabicPeriod"/>
-            </a:pPr>
-            <a:r>
-              <a:rPr lang="pl-PL" sz="2000"/>
-              <a:t>Podsumowanie</a:t>
-            </a:r>
-          </a:p>
-        </p:txBody>
-      </p:sp>
-      <p:pic>
-        <p:nvPicPr>
-          <p:cNvPr id="5" name="Picture 4" descr="Biurko z przyborami biurowymi">
-            <a:extLst>
-              <a:ext uri="{FF2B5EF4-FFF2-40B4-BE49-F238E27FC236}">
-                <a16:creationId xmlns:a16="http://schemas.microsoft.com/office/drawing/2014/main" id="{2ED3FD9F-656F-9A3E-C736-F73C5A56267C}"/>
-              </a:ext>
-            </a:extLst>
-          </p:cNvPr>
-          <p:cNvPicPr>
-            <a:picLocks noChangeAspect="1"/>
-          </p:cNvPicPr>
-          <p:nvPr/>
-        </p:nvPicPr>
-        <p:blipFill>
-          <a:blip r:embed="rId2"/>
-          <a:srcRect l="27925" r="12675" b="-2"/>
-          <a:stretch/>
-        </p:blipFill>
-        <p:spPr>
-          <a:xfrm>
-            <a:off x="6096000" y="1"/>
-            <a:ext cx="6102825" cy="6858000"/>
-          </a:xfrm>
-          <a:prstGeom prst="rect">
-            <a:avLst/>
-          </a:prstGeom>
-        </p:spPr>
-      </p:pic>
     </p:spTree>
     <p:extLst>
       <p:ext uri="{BB962C8B-B14F-4D97-AF65-F5344CB8AC3E}">
@@ -19041,12 +19640,20 @@
 <file path=ppt/slides/slide21.xml><?xml version="1.0" encoding="utf-8"?>
 <p:sld xmlns:a="http://schemas.openxmlformats.org/drawingml/2006/main" xmlns:r="http://schemas.openxmlformats.org/officeDocument/2006/relationships" xmlns:p="http://schemas.openxmlformats.org/presentationml/2006/main">
   <p:cSld>
+    <p:bg>
+      <p:bgPr>
+        <a:solidFill>
+          <a:schemeClr val="bg1"/>
+        </a:solidFill>
+        <a:effectLst/>
+      </p:bgPr>
+    </p:bg>
     <p:spTree>
       <p:nvGrpSpPr>
         <p:cNvPr id="1" name="">
           <a:extLst>
             <a:ext uri="{FF2B5EF4-FFF2-40B4-BE49-F238E27FC236}">
-              <a16:creationId xmlns:a16="http://schemas.microsoft.com/office/drawing/2014/main" id="{9EFC4F90-9B01-B241-6779-B24C024F1161}"/>
+              <a16:creationId xmlns:a16="http://schemas.microsoft.com/office/drawing/2014/main" id="{2EF9597E-BA46-8BC8-7055-46BB986931C5}"/>
             </a:ext>
           </a:extLst>
         </p:cNvPr>
@@ -19061,12 +19668,12 @@
           <a:chExt cx="0" cy="0"/>
         </a:xfrm>
       </p:grpSpPr>
-      <p:sp>
+      <p:sp useBgFill="1">
         <p:nvSpPr>
-          <p:cNvPr id="15" name="Rectangle 14">
+          <p:cNvPr id="12" name="Rectangle 11">
             <a:extLst>
               <a:ext uri="{FF2B5EF4-FFF2-40B4-BE49-F238E27FC236}">
-                <a16:creationId xmlns:a16="http://schemas.microsoft.com/office/drawing/2014/main" id="{4C608BEB-860E-4094-8511-78603564A75E}"/>
+                <a16:creationId xmlns:a16="http://schemas.microsoft.com/office/drawing/2014/main" id="{09588DA8-065E-4F6F-8EFD-43104AB2E0CF}"/>
               </a:ext>
               <a:ext uri="{C183D7F6-B498-43B3-948B-1728B52AA6E4}">
                 <adec:decorative xmlns:adec="http://schemas.microsoft.com/office/drawing/2017/decorative" val="1"/>
@@ -19087,14 +19694,176 @@
         <p:spPr>
           <a:xfrm>
             <a:off x="0" y="0"/>
-            <a:ext cx="4059050" cy="6858000"/>
+            <a:ext cx="12192000" cy="6858000"/>
           </a:xfrm>
           <a:prstGeom prst="rect">
             <a:avLst/>
           </a:prstGeom>
-          <a:solidFill>
-            <a:srgbClr val="404040"/>
-          </a:solidFill>
+          <a:ln w="12700" cap="flat" cmpd="sng" algn="ctr">
+            <a:noFill/>
+            <a:prstDash val="solid"/>
+            <a:miter lim="800000"/>
+          </a:ln>
+          <a:effectLst/>
+          <a:extLst>
+            <a:ext uri="{91240B29-F687-4F45-9708-019B960494DF}">
+              <a14:hiddenLine xmlns:a14="http://schemas.microsoft.com/office/drawing/2010/main" w="12700" cap="flat" cmpd="sng" algn="ctr">
+                <a:solidFill>
+                  <a:schemeClr val="accent1">
+                    <a:shade val="50000"/>
+                  </a:schemeClr>
+                </a:solidFill>
+                <a:prstDash val="solid"/>
+                <a:miter lim="800000"/>
+              </a14:hiddenLine>
+            </a:ext>
+          </a:extLst>
+        </p:spPr>
+        <p:style>
+          <a:lnRef idx="2">
+            <a:schemeClr val="accent1">
+              <a:shade val="50000"/>
+            </a:schemeClr>
+          </a:lnRef>
+          <a:fillRef idx="1">
+            <a:schemeClr val="accent1"/>
+          </a:fillRef>
+          <a:effectRef idx="0">
+            <a:schemeClr val="accent1"/>
+          </a:effectRef>
+          <a:fontRef idx="minor">
+            <a:schemeClr val="lt1"/>
+          </a:fontRef>
+        </p:style>
+        <p:txBody>
+          <a:bodyPr rtlCol="0" anchor="ctr"/>
+          <a:lstStyle/>
+          <a:p>
+            <a:pPr algn="ctr"/>
+            <a:endParaRPr lang="en-US"/>
+          </a:p>
+        </p:txBody>
+      </p:sp>
+      <p:sp useBgFill="1">
+        <p:nvSpPr>
+          <p:cNvPr id="14" name="Rectangle 13">
+            <a:extLst>
+              <a:ext uri="{FF2B5EF4-FFF2-40B4-BE49-F238E27FC236}">
+                <a16:creationId xmlns:a16="http://schemas.microsoft.com/office/drawing/2014/main" id="{C4285719-470E-454C-AF62-8323075F1F5B}"/>
+              </a:ext>
+              <a:ext uri="{C183D7F6-B498-43B3-948B-1728B52AA6E4}">
+                <adec:decorative xmlns:adec="http://schemas.microsoft.com/office/drawing/2017/decorative" val="1"/>
+              </a:ext>
+            </a:extLst>
+          </p:cNvPr>
+          <p:cNvSpPr>
+            <a:spLocks noGrp="1" noRot="1" noChangeAspect="1" noMove="1" noResize="1" noEditPoints="1" noAdjustHandles="1" noChangeArrowheads="1" noChangeShapeType="1" noTextEdit="1"/>
+          </p:cNvSpPr>
+          <p:nvPr>
+            <p:extLst>
+              <p:ext uri="{386F3935-93C4-4BCD-93E2-E3B085C9AB24}">
+                <p16:designElem xmlns:p16="http://schemas.microsoft.com/office/powerpoint/2015/main" val="1"/>
+              </p:ext>
+            </p:extLst>
+          </p:nvPr>
+        </p:nvSpPr>
+        <p:spPr>
+          <a:xfrm>
+            <a:off x="0" y="0"/>
+            <a:ext cx="12188952" cy="6858000"/>
+          </a:xfrm>
+          <a:prstGeom prst="rect">
+            <a:avLst/>
+          </a:prstGeom>
+          <a:ln w="12700" cap="flat" cmpd="sng" algn="ctr">
+            <a:noFill/>
+            <a:prstDash val="solid"/>
+            <a:miter lim="800000"/>
+          </a:ln>
+          <a:effectLst/>
+          <a:extLst>
+            <a:ext uri="{91240B29-F687-4F45-9708-019B960494DF}">
+              <a14:hiddenLine xmlns:a14="http://schemas.microsoft.com/office/drawing/2010/main" w="12700" cap="flat" cmpd="sng" algn="ctr">
+                <a:solidFill>
+                  <a:schemeClr val="accent1">
+                    <a:shade val="50000"/>
+                  </a:schemeClr>
+                </a:solidFill>
+                <a:prstDash val="solid"/>
+                <a:miter lim="800000"/>
+              </a14:hiddenLine>
+            </a:ext>
+          </a:extLst>
+        </p:spPr>
+        <p:style>
+          <a:lnRef idx="2">
+            <a:schemeClr val="accent1">
+              <a:shade val="50000"/>
+            </a:schemeClr>
+          </a:lnRef>
+          <a:fillRef idx="1">
+            <a:schemeClr val="accent1"/>
+          </a:fillRef>
+          <a:effectRef idx="0">
+            <a:schemeClr val="accent1"/>
+          </a:effectRef>
+          <a:fontRef idx="minor">
+            <a:schemeClr val="lt1"/>
+          </a:fontRef>
+        </p:style>
+        <p:txBody>
+          <a:bodyPr rtlCol="0" anchor="ctr"/>
+          <a:lstStyle/>
+          <a:p>
+            <a:pPr algn="ctr"/>
+            <a:endParaRPr lang="en-US"/>
+          </a:p>
+        </p:txBody>
+      </p:sp>
+      <p:sp>
+        <p:nvSpPr>
+          <p:cNvPr id="16" name="Rectangle 15">
+            <a:extLst>
+              <a:ext uri="{FF2B5EF4-FFF2-40B4-BE49-F238E27FC236}">
+                <a16:creationId xmlns:a16="http://schemas.microsoft.com/office/drawing/2014/main" id="{CD9FE4EF-C4D8-49A0-B2FF-81D8DB7D8A24}"/>
+              </a:ext>
+              <a:ext uri="{C183D7F6-B498-43B3-948B-1728B52AA6E4}">
+                <adec:decorative xmlns:adec="http://schemas.microsoft.com/office/drawing/2017/decorative" val="1"/>
+              </a:ext>
+            </a:extLst>
+          </p:cNvPr>
+          <p:cNvSpPr>
+            <a:spLocks noGrp="1" noRot="1" noChangeAspect="1" noMove="1" noResize="1" noEditPoints="1" noAdjustHandles="1" noChangeArrowheads="1" noChangeShapeType="1" noTextEdit="1"/>
+          </p:cNvSpPr>
+          <p:nvPr>
+            <p:extLst>
+              <p:ext uri="{386F3935-93C4-4BCD-93E2-E3B085C9AB24}">
+                <p16:designElem xmlns:p16="http://schemas.microsoft.com/office/powerpoint/2015/main" val="1"/>
+              </p:ext>
+            </p:extLst>
+          </p:nvPr>
+        </p:nvSpPr>
+        <p:spPr>
+          <a:xfrm rot="5400000" flipH="1">
+            <a:off x="-1410084" y="1410082"/>
+            <a:ext cx="6858000" cy="4037836"/>
+          </a:xfrm>
+          <a:prstGeom prst="rect">
+            <a:avLst/>
+          </a:prstGeom>
+          <a:gradFill>
+            <a:gsLst>
+              <a:gs pos="8000">
+                <a:srgbClr val="000000"/>
+              </a:gs>
+              <a:gs pos="100000">
+                <a:schemeClr val="accent1">
+                  <a:lumMod val="75000"/>
+                </a:schemeClr>
+              </a:gs>
+            </a:gsLst>
+            <a:lin ang="3000000" scaled="0"/>
+          </a:gradFill>
           <a:ln>
             <a:noFill/>
           </a:ln>
@@ -19119,37 +19888,405 @@
           <a:bodyPr rtlCol="0" anchor="ctr"/>
           <a:lstStyle/>
           <a:p>
-            <a:pPr marL="0" marR="0" lvl="0" indent="0" algn="ctr" defTabSz="914400" rtl="0" eaLnBrk="1" fontAlgn="auto" latinLnBrk="0" hangingPunct="1">
-              <a:lnSpc>
-                <a:spcPct val="100000"/>
-              </a:lnSpc>
-              <a:spcBef>
-                <a:spcPts val="0"/>
-              </a:spcBef>
-              <a:spcAft>
-                <a:spcPts val="0"/>
-              </a:spcAft>
-              <a:buClrTx/>
-              <a:buSzTx/>
-              <a:buFontTx/>
-              <a:buNone/>
-              <a:tabLst/>
-              <a:defRPr/>
-            </a:pPr>
-            <a:endParaRPr kumimoji="0" lang="en-US" sz="1800" b="0" i="0" u="none" strike="noStrike" kern="1200" cap="none" spc="0" normalizeH="0" baseline="0" noProof="0">
-              <a:ln>
-                <a:noFill/>
-              </a:ln>
-              <a:solidFill>
-                <a:prstClr val="white"/>
-              </a:solidFill>
-              <a:effectLst/>
-              <a:uLnTx/>
-              <a:uFillTx/>
-              <a:latin typeface="Calibri" panose="020F0502020204030204"/>
-              <a:ea typeface="+mn-ea"/>
-              <a:cs typeface="+mn-cs"/>
-            </a:endParaRPr>
+            <a:pPr algn="ctr"/>
+            <a:endParaRPr lang="en-US"/>
+          </a:p>
+        </p:txBody>
+      </p:sp>
+      <p:sp>
+        <p:nvSpPr>
+          <p:cNvPr id="18" name="Rectangle 17">
+            <a:extLst>
+              <a:ext uri="{FF2B5EF4-FFF2-40B4-BE49-F238E27FC236}">
+                <a16:creationId xmlns:a16="http://schemas.microsoft.com/office/drawing/2014/main" id="{4300840D-0A0B-4512-BACA-B439D5B9C57C}"/>
+              </a:ext>
+              <a:ext uri="{C183D7F6-B498-43B3-948B-1728B52AA6E4}">
+                <adec:decorative xmlns:adec="http://schemas.microsoft.com/office/drawing/2017/decorative" val="1"/>
+              </a:ext>
+            </a:extLst>
+          </p:cNvPr>
+          <p:cNvSpPr>
+            <a:spLocks noGrp="1" noRot="1" noChangeAspect="1" noMove="1" noResize="1" noEditPoints="1" noAdjustHandles="1" noChangeArrowheads="1" noChangeShapeType="1" noTextEdit="1"/>
+          </p:cNvSpPr>
+          <p:nvPr>
+            <p:extLst>
+              <p:ext uri="{386F3935-93C4-4BCD-93E2-E3B085C9AB24}">
+                <p16:designElem xmlns:p16="http://schemas.microsoft.com/office/powerpoint/2015/main" val="1"/>
+              </p:ext>
+            </p:extLst>
+          </p:nvPr>
+        </p:nvSpPr>
+        <p:spPr>
+          <a:xfrm rot="5400000" flipH="1">
+            <a:off x="-1410085" y="1420219"/>
+            <a:ext cx="6857999" cy="4037839"/>
+          </a:xfrm>
+          <a:prstGeom prst="rect">
+            <a:avLst/>
+          </a:prstGeom>
+          <a:gradFill>
+            <a:gsLst>
+              <a:gs pos="0">
+                <a:srgbClr val="000000">
+                  <a:alpha val="0"/>
+                </a:srgbClr>
+              </a:gs>
+              <a:gs pos="99000">
+                <a:schemeClr val="accent1">
+                  <a:alpha val="46000"/>
+                </a:schemeClr>
+              </a:gs>
+            </a:gsLst>
+            <a:lin ang="1800000" scaled="0"/>
+          </a:gradFill>
+          <a:ln>
+            <a:noFill/>
+          </a:ln>
+        </p:spPr>
+        <p:style>
+          <a:lnRef idx="2">
+            <a:schemeClr val="accent1">
+              <a:shade val="50000"/>
+            </a:schemeClr>
+          </a:lnRef>
+          <a:fillRef idx="1">
+            <a:schemeClr val="accent1"/>
+          </a:fillRef>
+          <a:effectRef idx="0">
+            <a:schemeClr val="accent1"/>
+          </a:effectRef>
+          <a:fontRef idx="minor">
+            <a:schemeClr val="lt1"/>
+          </a:fontRef>
+        </p:style>
+        <p:txBody>
+          <a:bodyPr rtlCol="0" anchor="ctr"/>
+          <a:lstStyle/>
+          <a:p>
+            <a:pPr algn="ctr"/>
+            <a:endParaRPr lang="en-US"/>
+          </a:p>
+        </p:txBody>
+      </p:sp>
+      <p:sp>
+        <p:nvSpPr>
+          <p:cNvPr id="20" name="Rectangle 19">
+            <a:extLst>
+              <a:ext uri="{FF2B5EF4-FFF2-40B4-BE49-F238E27FC236}">
+                <a16:creationId xmlns:a16="http://schemas.microsoft.com/office/drawing/2014/main" id="{D2B78728-A580-49A7-84F9-6EF6F583ADE0}"/>
+              </a:ext>
+              <a:ext uri="{C183D7F6-B498-43B3-948B-1728B52AA6E4}">
+                <adec:decorative xmlns:adec="http://schemas.microsoft.com/office/drawing/2017/decorative" val="1"/>
+              </a:ext>
+            </a:extLst>
+          </p:cNvPr>
+          <p:cNvSpPr>
+            <a:spLocks noGrp="1" noRot="1" noChangeAspect="1" noMove="1" noResize="1" noEditPoints="1" noAdjustHandles="1" noChangeArrowheads="1" noChangeShapeType="1" noTextEdit="1"/>
+          </p:cNvSpPr>
+          <p:nvPr>
+            <p:extLst>
+              <p:ext uri="{386F3935-93C4-4BCD-93E2-E3B085C9AB24}">
+                <p16:designElem xmlns:p16="http://schemas.microsoft.com/office/powerpoint/2015/main" val="1"/>
+              </p:ext>
+            </p:extLst>
+          </p:nvPr>
+        </p:nvSpPr>
+        <p:spPr>
+          <a:xfrm rot="5400000" flipH="1">
+            <a:off x="767923" y="3588085"/>
+            <a:ext cx="2501979" cy="4037841"/>
+          </a:xfrm>
+          <a:prstGeom prst="rect">
+            <a:avLst/>
+          </a:prstGeom>
+          <a:gradFill>
+            <a:gsLst>
+              <a:gs pos="2000">
+                <a:schemeClr val="accent1">
+                  <a:alpha val="29000"/>
+                </a:schemeClr>
+              </a:gs>
+              <a:gs pos="100000">
+                <a:srgbClr val="000000">
+                  <a:alpha val="30000"/>
+                </a:srgbClr>
+              </a:gs>
+            </a:gsLst>
+            <a:lin ang="7800000" scaled="0"/>
+          </a:gradFill>
+          <a:ln>
+            <a:noFill/>
+          </a:ln>
+        </p:spPr>
+        <p:style>
+          <a:lnRef idx="2">
+            <a:schemeClr val="accent1">
+              <a:shade val="50000"/>
+            </a:schemeClr>
+          </a:lnRef>
+          <a:fillRef idx="1">
+            <a:schemeClr val="accent1"/>
+          </a:fillRef>
+          <a:effectRef idx="0">
+            <a:schemeClr val="accent1"/>
+          </a:effectRef>
+          <a:fontRef idx="minor">
+            <a:schemeClr val="lt1"/>
+          </a:fontRef>
+        </p:style>
+        <p:txBody>
+          <a:bodyPr rtlCol="0" anchor="ctr"/>
+          <a:lstStyle/>
+          <a:p>
+            <a:pPr algn="ctr"/>
+            <a:endParaRPr lang="en-US" dirty="0"/>
+          </a:p>
+        </p:txBody>
+      </p:sp>
+      <p:sp>
+        <p:nvSpPr>
+          <p:cNvPr id="22" name="Freeform: Shape 21">
+            <a:extLst>
+              <a:ext uri="{FF2B5EF4-FFF2-40B4-BE49-F238E27FC236}">
+                <a16:creationId xmlns:a16="http://schemas.microsoft.com/office/drawing/2014/main" id="{38FAA1A1-D861-433F-88FA-1E9D6FD31D11}"/>
+              </a:ext>
+              <a:ext uri="{C183D7F6-B498-43B3-948B-1728B52AA6E4}">
+                <adec:decorative xmlns:adec="http://schemas.microsoft.com/office/drawing/2017/decorative" val="1"/>
+              </a:ext>
+            </a:extLst>
+          </p:cNvPr>
+          <p:cNvSpPr>
+            <a:spLocks noGrp="1" noRot="1" noChangeAspect="1" noMove="1" noResize="1" noEditPoints="1" noAdjustHandles="1" noChangeArrowheads="1" noChangeShapeType="1" noTextEdit="1"/>
+          </p:cNvSpPr>
+          <p:nvPr>
+            <p:extLst>
+              <p:ext uri="{386F3935-93C4-4BCD-93E2-E3B085C9AB24}">
+                <p16:designElem xmlns:p16="http://schemas.microsoft.com/office/powerpoint/2015/main" val="1"/>
+              </p:ext>
+            </p:extLst>
+          </p:nvPr>
+        </p:nvSpPr>
+        <p:spPr>
+          <a:xfrm rot="20635413">
+            <a:off x="-501737" y="969718"/>
+            <a:ext cx="3900357" cy="4178958"/>
+          </a:xfrm>
+          <a:custGeom>
+            <a:avLst/>
+            <a:gdLst>
+              <a:gd name="connsiteX0" fmla="*/ 2432225 w 3900357"/>
+              <a:gd name="connsiteY0" fmla="*/ 93939 h 4178958"/>
+              <a:gd name="connsiteX1" fmla="*/ 3900357 w 3900357"/>
+              <a:gd name="connsiteY1" fmla="*/ 2089479 h 4178958"/>
+              <a:gd name="connsiteX2" fmla="*/ 1810878 w 3900357"/>
+              <a:gd name="connsiteY2" fmla="*/ 4178958 h 4178958"/>
+              <a:gd name="connsiteX3" fmla="*/ 78249 w 3900357"/>
+              <a:gd name="connsiteY3" fmla="*/ 3257727 h 4178958"/>
+              <a:gd name="connsiteX4" fmla="*/ 0 w 3900357"/>
+              <a:gd name="connsiteY4" fmla="*/ 3128923 h 4178958"/>
+              <a:gd name="connsiteX5" fmla="*/ 831324 w 3900357"/>
+              <a:gd name="connsiteY5" fmla="*/ 244281 h 4178958"/>
+              <a:gd name="connsiteX6" fmla="*/ 997559 w 3900357"/>
+              <a:gd name="connsiteY6" fmla="*/ 164202 h 4178958"/>
+              <a:gd name="connsiteX7" fmla="*/ 1810878 w 3900357"/>
+              <a:gd name="connsiteY7" fmla="*/ 0 h 4178958"/>
+              <a:gd name="connsiteX8" fmla="*/ 2432225 w 3900357"/>
+              <a:gd name="connsiteY8" fmla="*/ 93939 h 4178958"/>
+            </a:gdLst>
+            <a:ahLst/>
+            <a:cxnLst>
+              <a:cxn ang="0">
+                <a:pos x="connsiteX0" y="connsiteY0"/>
+              </a:cxn>
+              <a:cxn ang="0">
+                <a:pos x="connsiteX1" y="connsiteY1"/>
+              </a:cxn>
+              <a:cxn ang="0">
+                <a:pos x="connsiteX2" y="connsiteY2"/>
+              </a:cxn>
+              <a:cxn ang="0">
+                <a:pos x="connsiteX3" y="connsiteY3"/>
+              </a:cxn>
+              <a:cxn ang="0">
+                <a:pos x="connsiteX4" y="connsiteY4"/>
+              </a:cxn>
+              <a:cxn ang="0">
+                <a:pos x="connsiteX5" y="connsiteY5"/>
+              </a:cxn>
+              <a:cxn ang="0">
+                <a:pos x="connsiteX6" y="connsiteY6"/>
+              </a:cxn>
+              <a:cxn ang="0">
+                <a:pos x="connsiteX7" y="connsiteY7"/>
+              </a:cxn>
+              <a:cxn ang="0">
+                <a:pos x="connsiteX8" y="connsiteY8"/>
+              </a:cxn>
+            </a:cxnLst>
+            <a:rect l="l" t="t" r="r" b="b"/>
+            <a:pathLst>
+              <a:path w="3900357" h="4178958">
+                <a:moveTo>
+                  <a:pt x="2432225" y="93939"/>
+                </a:moveTo>
+                <a:cubicBezTo>
+                  <a:pt x="3282786" y="358491"/>
+                  <a:pt x="3900357" y="1151865"/>
+                  <a:pt x="3900357" y="2089479"/>
+                </a:cubicBezTo>
+                <a:cubicBezTo>
+                  <a:pt x="3900357" y="3243466"/>
+                  <a:pt x="2964865" y="4178958"/>
+                  <a:pt x="1810878" y="4178958"/>
+                </a:cubicBezTo>
+                <a:cubicBezTo>
+                  <a:pt x="1089636" y="4178958"/>
+                  <a:pt x="453744" y="3813531"/>
+                  <a:pt x="78249" y="3257727"/>
+                </a:cubicBezTo>
+                <a:lnTo>
+                  <a:pt x="0" y="3128923"/>
+                </a:lnTo>
+                <a:lnTo>
+                  <a:pt x="831324" y="244281"/>
+                </a:lnTo>
+                <a:lnTo>
+                  <a:pt x="997559" y="164202"/>
+                </a:lnTo>
+                <a:cubicBezTo>
+                  <a:pt x="1247540" y="58468"/>
+                  <a:pt x="1522381" y="0"/>
+                  <a:pt x="1810878" y="0"/>
+                </a:cubicBezTo>
+                <a:cubicBezTo>
+                  <a:pt x="2027251" y="0"/>
+                  <a:pt x="2235942" y="32888"/>
+                  <a:pt x="2432225" y="93939"/>
+                </a:cubicBezTo>
+                <a:close/>
+              </a:path>
+            </a:pathLst>
+          </a:custGeom>
+          <a:gradFill>
+            <a:gsLst>
+              <a:gs pos="29000">
+                <a:srgbClr val="000000">
+                  <a:alpha val="0"/>
+                </a:srgbClr>
+              </a:gs>
+              <a:gs pos="100000">
+                <a:schemeClr val="accent1">
+                  <a:alpha val="43000"/>
+                </a:schemeClr>
+              </a:gs>
+            </a:gsLst>
+            <a:lin ang="1800000" scaled="0"/>
+          </a:gradFill>
+          <a:ln>
+            <a:noFill/>
+          </a:ln>
+        </p:spPr>
+        <p:style>
+          <a:lnRef idx="2">
+            <a:schemeClr val="accent1">
+              <a:shade val="50000"/>
+            </a:schemeClr>
+          </a:lnRef>
+          <a:fillRef idx="1">
+            <a:schemeClr val="accent1"/>
+          </a:fillRef>
+          <a:effectRef idx="0">
+            <a:schemeClr val="accent1"/>
+          </a:effectRef>
+          <a:fontRef idx="minor">
+            <a:schemeClr val="lt1"/>
+          </a:fontRef>
+        </p:style>
+        <p:txBody>
+          <a:bodyPr wrap="square" rtlCol="0" anchor="ctr">
+            <a:noAutofit/>
+          </a:bodyPr>
+          <a:lstStyle/>
+          <a:p>
+            <a:pPr algn="ctr"/>
+            <a:endParaRPr lang="en-US" dirty="0"/>
+          </a:p>
+        </p:txBody>
+      </p:sp>
+      <p:sp>
+        <p:nvSpPr>
+          <p:cNvPr id="24" name="Rectangle 23">
+            <a:extLst>
+              <a:ext uri="{FF2B5EF4-FFF2-40B4-BE49-F238E27FC236}">
+                <a16:creationId xmlns:a16="http://schemas.microsoft.com/office/drawing/2014/main" id="{8D71EDA1-87BF-4D5D-AB79-F346FD19278A}"/>
+              </a:ext>
+              <a:ext uri="{C183D7F6-B498-43B3-948B-1728B52AA6E4}">
+                <adec:decorative xmlns:adec="http://schemas.microsoft.com/office/drawing/2017/decorative" val="1"/>
+              </a:ext>
+            </a:extLst>
+          </p:cNvPr>
+          <p:cNvSpPr>
+            <a:spLocks noGrp="1" noRot="1" noChangeAspect="1" noMove="1" noResize="1" noEditPoints="1" noAdjustHandles="1" noChangeArrowheads="1" noChangeShapeType="1" noTextEdit="1"/>
+          </p:cNvSpPr>
+          <p:nvPr>
+            <p:extLst>
+              <p:ext uri="{386F3935-93C4-4BCD-93E2-E3B085C9AB24}">
+                <p16:designElem xmlns:p16="http://schemas.microsoft.com/office/powerpoint/2015/main" val="1"/>
+              </p:ext>
+            </p:extLst>
+          </p:nvPr>
+        </p:nvSpPr>
+        <p:spPr>
+          <a:xfrm rot="5400000" flipH="1">
+            <a:off x="-1410093" y="1399943"/>
+            <a:ext cx="6858003" cy="4037835"/>
+          </a:xfrm>
+          <a:prstGeom prst="rect">
+            <a:avLst/>
+          </a:prstGeom>
+          <a:gradFill>
+            <a:gsLst>
+              <a:gs pos="0">
+                <a:srgbClr val="000000">
+                  <a:alpha val="0"/>
+                </a:srgbClr>
+              </a:gs>
+              <a:gs pos="99000">
+                <a:schemeClr val="accent1">
+                  <a:lumMod val="60000"/>
+                  <a:lumOff val="40000"/>
+                  <a:alpha val="11000"/>
+                </a:schemeClr>
+              </a:gs>
+            </a:gsLst>
+            <a:lin ang="7200000" scaled="0"/>
+          </a:gradFill>
+          <a:ln>
+            <a:noFill/>
+          </a:ln>
+        </p:spPr>
+        <p:style>
+          <a:lnRef idx="2">
+            <a:schemeClr val="accent1">
+              <a:shade val="50000"/>
+            </a:schemeClr>
+          </a:lnRef>
+          <a:fillRef idx="1">
+            <a:schemeClr val="accent1"/>
+          </a:fillRef>
+          <a:effectRef idx="0">
+            <a:schemeClr val="accent1"/>
+          </a:effectRef>
+          <a:fontRef idx="minor">
+            <a:schemeClr val="lt1"/>
+          </a:fontRef>
+        </p:style>
+        <p:txBody>
+          <a:bodyPr rtlCol="0" anchor="ctr"/>
+          <a:lstStyle/>
+          <a:p>
+            <a:pPr algn="ctr"/>
+            <a:endParaRPr lang="en-US"/>
           </a:p>
         </p:txBody>
       </p:sp>
@@ -19158,7 +20295,7 @@
           <p:cNvPr id="2" name="Tytuł 1">
             <a:extLst>
               <a:ext uri="{FF2B5EF4-FFF2-40B4-BE49-F238E27FC236}">
-                <a16:creationId xmlns:a16="http://schemas.microsoft.com/office/drawing/2014/main" id="{61704FB6-D069-B5E2-13ED-F9F9A51805E4}"/>
+                <a16:creationId xmlns:a16="http://schemas.microsoft.com/office/drawing/2014/main" id="{327EC9B2-9EDB-428E-DA93-846BA7C89329}"/>
               </a:ext>
             </a:extLst>
           </p:cNvPr>
@@ -19171,24 +20308,22 @@
         </p:nvSpPr>
         <p:spPr>
           <a:xfrm>
-            <a:off x="838200" y="1412488"/>
-            <a:ext cx="2899189" cy="4363844"/>
+            <a:off x="466722" y="586855"/>
+            <a:ext cx="3201366" cy="3387497"/>
           </a:xfrm>
         </p:spPr>
         <p:txBody>
-          <a:bodyPr vert="horz" lIns="91440" tIns="45720" rIns="91440" bIns="45720" rtlCol="0" anchor="t">
+          <a:bodyPr anchor="b">
             <a:normAutofit/>
           </a:bodyPr>
           <a:lstStyle/>
           <a:p>
-            <a:r>
-              <a:rPr lang="en-US" sz="3400" kern="1200">
+            <a:pPr algn="r"/>
+            <a:r>
+              <a:rPr lang="pl-PL" sz="3700">
                 <a:solidFill>
                   <a:srgbClr val="FFFFFF"/>
                 </a:solidFill>
-                <a:latin typeface="+mj-lt"/>
-                <a:ea typeface="+mj-ea"/>
-                <a:cs typeface="+mj-cs"/>
               </a:rPr>
               <a:t>Podsumowanie</a:t>
             </a:r>
@@ -19197,10 +20332,10 @@
       </p:sp>
       <p:sp>
         <p:nvSpPr>
-          <p:cNvPr id="9" name="Symbol zastępczy zawartości 2">
+          <p:cNvPr id="7" name="Symbol zastępczy zawartości 2">
             <a:extLst>
               <a:ext uri="{FF2B5EF4-FFF2-40B4-BE49-F238E27FC236}">
-                <a16:creationId xmlns:a16="http://schemas.microsoft.com/office/drawing/2014/main" id="{5FE516E5-D234-8111-5370-E7DA812AC9C1}"/>
+                <a16:creationId xmlns:a16="http://schemas.microsoft.com/office/drawing/2014/main" id="{62D542E4-E602-C94F-5F2B-BC012843F9EB}"/>
               </a:ext>
             </a:extLst>
           </p:cNvPr>
@@ -19213,13 +20348,13 @@
         </p:nvSpPr>
         <p:spPr>
           <a:xfrm>
-            <a:off x="4380855" y="1412489"/>
-            <a:ext cx="3427283" cy="4363844"/>
+            <a:off x="4810259" y="649480"/>
+            <a:ext cx="6555347" cy="5546047"/>
           </a:xfrm>
         </p:spPr>
         <p:txBody>
-          <a:bodyPr vert="horz" lIns="91440" tIns="45720" rIns="91440" bIns="45720" rtlCol="0">
-            <a:normAutofit/>
+          <a:bodyPr vert="horz" lIns="91440" tIns="45720" rIns="91440" bIns="45720" rtlCol="0" anchor="ctr">
+            <a:normAutofit lnSpcReduction="10000"/>
           </a:bodyPr>
           <a:lstStyle/>
           <a:p>
@@ -19476,6 +20611,272 @@
               <a:rPr lang="pl-PL" sz="2000" dirty="0"/>
               <a:t>.</a:t>
             </a:r>
+          </a:p>
+          <a:p>
+            <a:endParaRPr lang="pl-PL" sz="2000" dirty="0"/>
+          </a:p>
+          <a:p>
+            <a:endParaRPr lang="pl-PL" sz="2000" dirty="0"/>
+          </a:p>
+          <a:p>
+            <a:pPr marL="0" indent="0">
+              <a:buNone/>
+            </a:pPr>
+            <a:r>
+              <a:rPr lang="en-US" sz="2000" dirty="0" err="1"/>
+              <a:t>Zaimplementowanie</a:t>
+            </a:r>
+            <a:r>
+              <a:rPr lang="en-US" sz="2000" dirty="0"/>
+              <a:t> </a:t>
+            </a:r>
+            <a:r>
+              <a:rPr lang="en-US" sz="2000" dirty="0" err="1"/>
+              <a:t>aplikacji</a:t>
+            </a:r>
+            <a:r>
+              <a:rPr lang="en-US" sz="2000" dirty="0"/>
+              <a:t> </a:t>
+            </a:r>
+            <a:r>
+              <a:rPr lang="en-US" sz="2000" dirty="0" err="1"/>
+              <a:t>wiąże</a:t>
+            </a:r>
+            <a:r>
+              <a:rPr lang="en-US" sz="2000" dirty="0"/>
+              <a:t> </a:t>
+            </a:r>
+            <a:r>
+              <a:rPr lang="en-US" sz="2000" dirty="0" err="1"/>
+              <a:t>się</a:t>
+            </a:r>
+            <a:r>
+              <a:rPr lang="en-US" sz="2000" dirty="0"/>
+              <a:t> z:</a:t>
+            </a:r>
+          </a:p>
+          <a:p>
+            <a:r>
+              <a:rPr lang="pl-PL" sz="2000" dirty="0"/>
+              <a:t>n</a:t>
+            </a:r>
+            <a:r>
+              <a:rPr lang="en-US" sz="2000" dirty="0" err="1"/>
+              <a:t>iskimi</a:t>
+            </a:r>
+            <a:r>
+              <a:rPr lang="en-US" sz="2000" dirty="0"/>
+              <a:t> </a:t>
+            </a:r>
+            <a:r>
+              <a:rPr lang="en-US" sz="2000" dirty="0" err="1"/>
+              <a:t>wymaganiami</a:t>
+            </a:r>
+            <a:r>
+              <a:rPr lang="en-US" sz="2000" dirty="0"/>
+              <a:t> </a:t>
+            </a:r>
+            <a:r>
+              <a:rPr lang="en-US" sz="2000" dirty="0" err="1"/>
+              <a:t>wdrożeniowymi</a:t>
+            </a:r>
+            <a:r>
+              <a:rPr lang="en-US" sz="2000" dirty="0"/>
+              <a:t> (</a:t>
+            </a:r>
+            <a:r>
+              <a:rPr lang="en-US" sz="2000" dirty="0" err="1"/>
+              <a:t>brak</a:t>
+            </a:r>
+            <a:r>
+              <a:rPr lang="en-US" sz="2000" dirty="0"/>
+              <a:t> </a:t>
+            </a:r>
+            <a:r>
+              <a:rPr lang="en-US" sz="2000" dirty="0" err="1"/>
+              <a:t>serwera</a:t>
+            </a:r>
+            <a:r>
+              <a:rPr lang="en-US" sz="2000" dirty="0"/>
+              <a:t>, </a:t>
+            </a:r>
+            <a:r>
+              <a:rPr lang="en-US" sz="2000" dirty="0" err="1"/>
+              <a:t>lekka</a:t>
+            </a:r>
+            <a:r>
+              <a:rPr lang="en-US" sz="2000" dirty="0"/>
+              <a:t> </a:t>
+            </a:r>
+            <a:r>
+              <a:rPr lang="en-US" sz="2000" dirty="0" err="1"/>
+              <a:t>aplikacja</a:t>
+            </a:r>
+            <a:r>
+              <a:rPr lang="en-US" sz="2000" dirty="0"/>
+              <a:t>, </a:t>
+            </a:r>
+            <a:r>
+              <a:rPr lang="en-US" sz="2000" dirty="0" err="1"/>
+              <a:t>niskie</a:t>
+            </a:r>
+            <a:r>
+              <a:rPr lang="en-US" sz="2000" dirty="0"/>
+              <a:t> </a:t>
+            </a:r>
+            <a:r>
+              <a:rPr lang="en-US" sz="2000" dirty="0" err="1"/>
+              <a:t>zużycie</a:t>
+            </a:r>
+            <a:r>
+              <a:rPr lang="en-US" sz="2000" dirty="0"/>
+              <a:t> </a:t>
+            </a:r>
+            <a:r>
+              <a:rPr lang="en-US" sz="2000" dirty="0" err="1"/>
+              <a:t>zasobów</a:t>
+            </a:r>
+            <a:r>
+              <a:rPr lang="en-US" sz="2000" dirty="0"/>
+              <a:t>)</a:t>
+            </a:r>
+            <a:r>
+              <a:rPr lang="pl-PL" sz="2000" dirty="0"/>
+              <a:t>,</a:t>
+            </a:r>
+            <a:endParaRPr lang="en-US" sz="2000" dirty="0"/>
+          </a:p>
+          <a:p>
+            <a:r>
+              <a:rPr lang="pl-PL" sz="2000" dirty="0"/>
+              <a:t>b</a:t>
+            </a:r>
+            <a:r>
+              <a:rPr lang="en-US" sz="2000" dirty="0" err="1"/>
+              <a:t>rakiem</a:t>
+            </a:r>
+            <a:r>
+              <a:rPr lang="en-US" sz="2000" dirty="0"/>
+              <a:t> </a:t>
+            </a:r>
+            <a:r>
+              <a:rPr lang="en-US" sz="2000" dirty="0" err="1"/>
+              <a:t>potrzeby</a:t>
+            </a:r>
+            <a:r>
+              <a:rPr lang="en-US" sz="2000" dirty="0"/>
+              <a:t> </a:t>
+            </a:r>
+            <a:r>
+              <a:rPr lang="en-US" sz="2000" dirty="0" err="1"/>
+              <a:t>szkolenia</a:t>
+            </a:r>
+            <a:r>
+              <a:rPr lang="en-US" sz="2000" dirty="0"/>
+              <a:t> w </a:t>
+            </a:r>
+            <a:r>
+              <a:rPr lang="en-US" sz="2000" dirty="0" err="1"/>
+              <a:t>zakresie</a:t>
+            </a:r>
+            <a:r>
+              <a:rPr lang="en-US" sz="2000" dirty="0"/>
+              <a:t> </a:t>
+            </a:r>
+            <a:r>
+              <a:rPr lang="en-US" sz="2000" dirty="0" err="1"/>
+              <a:t>tej</a:t>
+            </a:r>
+            <a:r>
+              <a:rPr lang="en-US" sz="2000" dirty="0"/>
+              <a:t> </a:t>
+            </a:r>
+            <a:r>
+              <a:rPr lang="en-US" sz="2000" dirty="0" err="1"/>
+              <a:t>aplikacji</a:t>
+            </a:r>
+            <a:r>
+              <a:rPr lang="pl-PL" sz="2000" dirty="0"/>
+              <a:t>,</a:t>
+            </a:r>
+            <a:endParaRPr lang="en-US" sz="2000" dirty="0"/>
+          </a:p>
+          <a:p>
+            <a:r>
+              <a:rPr lang="pl-PL" sz="2000" dirty="0"/>
+              <a:t>p</a:t>
+            </a:r>
+            <a:r>
+              <a:rPr lang="en-US" sz="2000" dirty="0" err="1"/>
+              <a:t>ełną</a:t>
+            </a:r>
+            <a:r>
+              <a:rPr lang="en-US" sz="2000" dirty="0"/>
+              <a:t> </a:t>
+            </a:r>
+            <a:r>
+              <a:rPr lang="en-US" sz="2000" dirty="0" err="1"/>
+              <a:t>kontrolą</a:t>
+            </a:r>
+            <a:r>
+              <a:rPr lang="en-US" sz="2000" dirty="0"/>
+              <a:t> </a:t>
+            </a:r>
+            <a:r>
+              <a:rPr lang="en-US" sz="2000" dirty="0" err="1"/>
+              <a:t>i</a:t>
+            </a:r>
+            <a:r>
+              <a:rPr lang="en-US" sz="2000" dirty="0"/>
+              <a:t> </a:t>
+            </a:r>
+            <a:r>
+              <a:rPr lang="en-US" sz="2000" dirty="0" err="1"/>
+              <a:t>niezależnością</a:t>
+            </a:r>
+            <a:r>
+              <a:rPr lang="en-US" sz="2000" dirty="0"/>
+              <a:t> </a:t>
+            </a:r>
+            <a:r>
+              <a:rPr lang="en-US" sz="2000" dirty="0" err="1"/>
+              <a:t>muzeum</a:t>
+            </a:r>
+            <a:r>
+              <a:rPr lang="en-US" sz="2000" dirty="0"/>
+              <a:t> od </a:t>
+            </a:r>
+            <a:r>
+              <a:rPr lang="en-US" sz="2000" dirty="0" err="1"/>
+              <a:t>dostawcy</a:t>
+            </a:r>
+            <a:r>
+              <a:rPr lang="pl-PL" sz="2000" dirty="0"/>
+              <a:t>,</a:t>
+            </a:r>
+            <a:endParaRPr lang="en-US" sz="2000" dirty="0"/>
+          </a:p>
+          <a:p>
+            <a:r>
+              <a:rPr lang="pl-PL" sz="2000" dirty="0"/>
+              <a:t>b</a:t>
+            </a:r>
+            <a:r>
+              <a:rPr lang="en-US" sz="2000" dirty="0" err="1"/>
+              <a:t>ezpieczeństwem</a:t>
+            </a:r>
+            <a:r>
+              <a:rPr lang="en-US" sz="2000" dirty="0"/>
+              <a:t> </a:t>
+            </a:r>
+            <a:r>
+              <a:rPr lang="en-US" sz="2000" dirty="0" err="1"/>
+              <a:t>danych</a:t>
+            </a:r>
+            <a:r>
+              <a:rPr lang="pl-PL" sz="2000" dirty="0"/>
+              <a:t>.</a:t>
+            </a:r>
             <a:endParaRPr lang="en-US" sz="2000" dirty="0"/>
           </a:p>
           <a:p>
@@ -19484,21 +20885,59 @@
           </a:p>
         </p:txBody>
       </p:sp>
-      <p:cxnSp>
-        <p:nvCxnSpPr>
-          <p:cNvPr id="17" name="Straight Connector 16">
+    </p:spTree>
+    <p:extLst>
+      <p:ext uri="{BB962C8B-B14F-4D97-AF65-F5344CB8AC3E}">
+        <p14:creationId xmlns:p14="http://schemas.microsoft.com/office/powerpoint/2010/main" val="2997784562"/>
+      </p:ext>
+    </p:extLst>
+  </p:cSld>
+  <p:clrMapOvr>
+    <a:masterClrMapping/>
+  </p:clrMapOvr>
+</p:sld>
+</file>
+
+<file path=ppt/slides/slide22.xml><?xml version="1.0" encoding="utf-8"?>
+<p:sld xmlns:a="http://schemas.openxmlformats.org/drawingml/2006/main" xmlns:r="http://schemas.openxmlformats.org/officeDocument/2006/relationships" xmlns:p="http://schemas.openxmlformats.org/presentationml/2006/main">
+  <p:cSld>
+    <p:bg>
+      <p:bgPr>
+        <a:solidFill>
+          <a:schemeClr val="bg1"/>
+        </a:solidFill>
+        <a:effectLst/>
+      </p:bgPr>
+    </p:bg>
+    <p:spTree>
+      <p:nvGrpSpPr>
+        <p:cNvPr id="1" name=""/>
+        <p:cNvGrpSpPr/>
+        <p:nvPr/>
+      </p:nvGrpSpPr>
+      <p:grpSpPr>
+        <a:xfrm>
+          <a:off x="0" y="0"/>
+          <a:ext cx="0" cy="0"/>
+          <a:chOff x="0" y="0"/>
+          <a:chExt cx="0" cy="0"/>
+        </a:xfrm>
+      </p:grpSpPr>
+      <p:sp useBgFill="1">
+        <p:nvSpPr>
+          <p:cNvPr id="7" name="Rectangle 6">
             <a:extLst>
               <a:ext uri="{FF2B5EF4-FFF2-40B4-BE49-F238E27FC236}">
-                <a16:creationId xmlns:a16="http://schemas.microsoft.com/office/drawing/2014/main" id="{1F16A8D4-FE87-4604-88B2-394B5D1EB437}"/>
+                <a16:creationId xmlns:a16="http://schemas.microsoft.com/office/drawing/2014/main" id="{577D6B2E-37A3-429E-A37C-F30ED6487282}"/>
               </a:ext>
               <a:ext uri="{C183D7F6-B498-43B3-948B-1728B52AA6E4}">
                 <adec:decorative xmlns:adec="http://schemas.microsoft.com/office/drawing/2017/decorative" val="1"/>
               </a:ext>
             </a:extLst>
           </p:cNvPr>
-          <p:cNvCxnSpPr>
-            <a:cxnSpLocks noGrp="1" noRot="1" noChangeAspect="1" noMove="1" noResize="1" noEditPoints="1" noAdjustHandles="1" noChangeArrowheads="1" noChangeShapeType="1"/>
-          </p:cNvCxnSpPr>
+          <p:cNvSpPr>
+            <a:spLocks noGrp="1" noRot="1" noChangeAspect="1" noMove="1" noResize="1" noEditPoints="1" noAdjustHandles="1" noChangeArrowheads="1" noChangeShapeType="1" noTextEdit="1"/>
+          </p:cNvSpPr>
           <p:nvPr>
             <p:extLst>
               <p:ext uri="{386F3935-93C4-4BCD-93E2-E3B085C9AB24}">
@@ -19506,501 +20945,636 @@
               </p:ext>
             </p:extLst>
           </p:nvPr>
-        </p:nvCxnSpPr>
+        </p:nvSpPr>
         <p:spPr>
           <a:xfrm>
-            <a:off x="8129871" y="1412488"/>
-            <a:ext cx="0" cy="3657600"/>
+            <a:off x="0" y="0"/>
+            <a:ext cx="12192000" cy="6858000"/>
           </a:xfrm>
-          <a:prstGeom prst="line">
+          <a:prstGeom prst="rect">
             <a:avLst/>
           </a:prstGeom>
-          <a:ln w="12700">
-            <a:solidFill>
-              <a:schemeClr val="tx1">
-                <a:lumMod val="50000"/>
-                <a:lumOff val="50000"/>
-              </a:schemeClr>
-            </a:solidFill>
+          <a:ln w="12700" cap="flat" cmpd="sng" algn="ctr">
+            <a:noFill/>
+            <a:prstDash val="solid"/>
+            <a:miter lim="800000"/>
           </a:ln>
+          <a:effectLst/>
+          <a:extLst>
+            <a:ext uri="{91240B29-F687-4F45-9708-019B960494DF}">
+              <a14:hiddenLine xmlns:a14="http://schemas.microsoft.com/office/drawing/2010/main" w="12700" cap="flat" cmpd="sng" algn="ctr">
+                <a:solidFill>
+                  <a:schemeClr val="accent1">
+                    <a:shade val="50000"/>
+                  </a:schemeClr>
+                </a:solidFill>
+                <a:prstDash val="solid"/>
+                <a:miter lim="800000"/>
+              </a14:hiddenLine>
+            </a:ext>
+          </a:extLst>
         </p:spPr>
         <p:style>
-          <a:lnRef idx="1">
-            <a:schemeClr val="accent1"/>
+          <a:lnRef idx="2">
+            <a:schemeClr val="accent1">
+              <a:shade val="50000"/>
+            </a:schemeClr>
           </a:lnRef>
-          <a:fillRef idx="0">
+          <a:fillRef idx="1">
             <a:schemeClr val="accent1"/>
           </a:fillRef>
           <a:effectRef idx="0">
             <a:schemeClr val="accent1"/>
           </a:effectRef>
           <a:fontRef idx="minor">
-            <a:schemeClr val="tx1"/>
+            <a:schemeClr val="lt1"/>
           </a:fontRef>
         </p:style>
-      </p:cxnSp>
+        <p:txBody>
+          <a:bodyPr rtlCol="0" anchor="ctr"/>
+          <a:lstStyle/>
+          <a:p>
+            <a:pPr algn="ctr"/>
+            <a:endParaRPr lang="en-US"/>
+          </a:p>
+        </p:txBody>
+      </p:sp>
       <p:sp>
         <p:nvSpPr>
-          <p:cNvPr id="10" name="Symbol zastępczy zawartości 3">
+          <p:cNvPr id="9" name="Rectangle 8">
             <a:extLst>
               <a:ext uri="{FF2B5EF4-FFF2-40B4-BE49-F238E27FC236}">
-                <a16:creationId xmlns:a16="http://schemas.microsoft.com/office/drawing/2014/main" id="{7FD62DBD-4753-6865-B5C8-25947BAD05A5}"/>
+                <a16:creationId xmlns:a16="http://schemas.microsoft.com/office/drawing/2014/main" id="{5CEAD642-85CF-4750-8432-7C80C901F001}"/>
+              </a:ext>
+              <a:ext uri="{C183D7F6-B498-43B3-948B-1728B52AA6E4}">
+                <adec:decorative xmlns:adec="http://schemas.microsoft.com/office/drawing/2017/decorative" val="1"/>
               </a:ext>
             </a:extLst>
           </p:cNvPr>
-          <p:cNvSpPr txBox="1">
-            <a:spLocks/>
+          <p:cNvSpPr>
+            <a:spLocks noGrp="1" noRot="1" noChangeAspect="1" noMove="1" noResize="1" noEditPoints="1" noAdjustHandles="1" noChangeArrowheads="1" noChangeShapeType="1" noTextEdit="1"/>
           </p:cNvSpPr>
-          <p:nvPr/>
+          <p:nvPr>
+            <p:extLst>
+              <p:ext uri="{386F3935-93C4-4BCD-93E2-E3B085C9AB24}">
+                <p16:designElem xmlns:p16="http://schemas.microsoft.com/office/powerpoint/2015/main" val="1"/>
+              </p:ext>
+            </p:extLst>
+          </p:nvPr>
         </p:nvSpPr>
         <p:spPr>
-          <a:xfrm>
-            <a:off x="8451604" y="1412489"/>
-            <a:ext cx="3197701" cy="4363844"/>
+          <a:xfrm rot="10800000">
+            <a:off x="-11723" y="-1"/>
+            <a:ext cx="12225953" cy="6868071"/>
           </a:xfrm>
           <a:prstGeom prst="rect">
             <a:avLst/>
           </a:prstGeom>
+          <a:gradFill>
+            <a:gsLst>
+              <a:gs pos="0">
+                <a:srgbClr val="000000"/>
+              </a:gs>
+              <a:gs pos="100000">
+                <a:schemeClr val="accent1">
+                  <a:lumMod val="75000"/>
+                </a:schemeClr>
+              </a:gs>
+            </a:gsLst>
+            <a:lin ang="4200000" scaled="0"/>
+          </a:gradFill>
+          <a:ln>
+            <a:noFill/>
+          </a:ln>
+        </p:spPr>
+        <p:style>
+          <a:lnRef idx="2">
+            <a:schemeClr val="accent1">
+              <a:shade val="50000"/>
+            </a:schemeClr>
+          </a:lnRef>
+          <a:fillRef idx="1">
+            <a:schemeClr val="accent1"/>
+          </a:fillRef>
+          <a:effectRef idx="0">
+            <a:schemeClr val="accent1"/>
+          </a:effectRef>
+          <a:fontRef idx="minor">
+            <a:schemeClr val="lt1"/>
+          </a:fontRef>
+        </p:style>
+        <p:txBody>
+          <a:bodyPr rtlCol="0" anchor="ctr"/>
+          <a:lstStyle/>
+          <a:p>
+            <a:pPr algn="ctr"/>
+            <a:endParaRPr lang="en-US"/>
+          </a:p>
+        </p:txBody>
+      </p:sp>
+      <p:sp>
+        <p:nvSpPr>
+          <p:cNvPr id="11" name="Rectangle 10">
+            <a:extLst>
+              <a:ext uri="{FF2B5EF4-FFF2-40B4-BE49-F238E27FC236}">
+                <a16:creationId xmlns:a16="http://schemas.microsoft.com/office/drawing/2014/main" id="{FA33EEAE-15D5-4119-8C1E-89D943F911EF}"/>
+              </a:ext>
+              <a:ext uri="{C183D7F6-B498-43B3-948B-1728B52AA6E4}">
+                <adec:decorative xmlns:adec="http://schemas.microsoft.com/office/drawing/2017/decorative" val="1"/>
+              </a:ext>
+            </a:extLst>
+          </p:cNvPr>
+          <p:cNvSpPr>
+            <a:spLocks noGrp="1" noRot="1" noChangeAspect="1" noMove="1" noResize="1" noEditPoints="1" noAdjustHandles="1" noChangeArrowheads="1" noChangeShapeType="1" noTextEdit="1"/>
+          </p:cNvSpPr>
+          <p:nvPr>
+            <p:extLst>
+              <p:ext uri="{386F3935-93C4-4BCD-93E2-E3B085C9AB24}">
+                <p16:designElem xmlns:p16="http://schemas.microsoft.com/office/powerpoint/2015/main" val="1"/>
+              </p:ext>
+            </p:extLst>
+          </p:nvPr>
+        </p:nvSpPr>
+        <p:spPr>
+          <a:xfrm rot="10800000" flipH="1">
+            <a:off x="441959" y="-3"/>
+            <a:ext cx="11772269" cy="6868074"/>
+          </a:xfrm>
+          <a:prstGeom prst="rect">
+            <a:avLst/>
+          </a:prstGeom>
+          <a:gradFill>
+            <a:gsLst>
+              <a:gs pos="21000">
+                <a:schemeClr val="accent1">
+                  <a:lumMod val="50000"/>
+                  <a:alpha val="83000"/>
+                </a:schemeClr>
+              </a:gs>
+              <a:gs pos="100000">
+                <a:schemeClr val="accent1">
+                  <a:alpha val="0"/>
+                </a:schemeClr>
+              </a:gs>
+            </a:gsLst>
+            <a:lin ang="8400000" scaled="0"/>
+          </a:gradFill>
+          <a:ln>
+            <a:noFill/>
+          </a:ln>
+        </p:spPr>
+        <p:style>
+          <a:lnRef idx="2">
+            <a:schemeClr val="accent1">
+              <a:shade val="50000"/>
+            </a:schemeClr>
+          </a:lnRef>
+          <a:fillRef idx="1">
+            <a:schemeClr val="accent1"/>
+          </a:fillRef>
+          <a:effectRef idx="0">
+            <a:schemeClr val="accent1"/>
+          </a:effectRef>
+          <a:fontRef idx="minor">
+            <a:schemeClr val="lt1"/>
+          </a:fontRef>
+        </p:style>
+        <p:txBody>
+          <a:bodyPr rtlCol="0" anchor="ctr"/>
+          <a:lstStyle/>
+          <a:p>
+            <a:pPr algn="ctr"/>
+            <a:endParaRPr lang="en-US"/>
+          </a:p>
+        </p:txBody>
+      </p:sp>
+      <p:sp>
+        <p:nvSpPr>
+          <p:cNvPr id="13" name="Rectangle 12">
+            <a:extLst>
+              <a:ext uri="{FF2B5EF4-FFF2-40B4-BE49-F238E27FC236}">
+                <a16:creationId xmlns:a16="http://schemas.microsoft.com/office/drawing/2014/main" id="{730D8B3B-9B80-4025-B934-26DC7D7CD231}"/>
+              </a:ext>
+              <a:ext uri="{C183D7F6-B498-43B3-948B-1728B52AA6E4}">
+                <adec:decorative xmlns:adec="http://schemas.microsoft.com/office/drawing/2017/decorative" val="1"/>
+              </a:ext>
+            </a:extLst>
+          </p:cNvPr>
+          <p:cNvSpPr>
+            <a:spLocks noGrp="1" noRot="1" noChangeAspect="1" noMove="1" noResize="1" noEditPoints="1" noAdjustHandles="1" noChangeArrowheads="1" noChangeShapeType="1" noTextEdit="1"/>
+          </p:cNvSpPr>
+          <p:nvPr>
+            <p:extLst>
+              <p:ext uri="{386F3935-93C4-4BCD-93E2-E3B085C9AB24}">
+                <p16:designElem xmlns:p16="http://schemas.microsoft.com/office/powerpoint/2015/main" val="1"/>
+              </p:ext>
+            </p:extLst>
+          </p:nvPr>
+        </p:nvSpPr>
+        <p:spPr>
+          <a:xfrm rot="10800000">
+            <a:off x="-15200" y="0"/>
+            <a:ext cx="3623374" cy="6868072"/>
+          </a:xfrm>
+          <a:prstGeom prst="rect">
+            <a:avLst/>
+          </a:prstGeom>
+          <a:gradFill>
+            <a:gsLst>
+              <a:gs pos="0">
+                <a:schemeClr val="accent1">
+                  <a:lumMod val="75000"/>
+                  <a:alpha val="0"/>
+                </a:schemeClr>
+              </a:gs>
+              <a:gs pos="99000">
+                <a:srgbClr val="000000">
+                  <a:alpha val="41000"/>
+                </a:srgbClr>
+              </a:gs>
+            </a:gsLst>
+            <a:lin ang="13200000" scaled="0"/>
+          </a:gradFill>
+          <a:ln>
+            <a:noFill/>
+          </a:ln>
+        </p:spPr>
+        <p:style>
+          <a:lnRef idx="2">
+            <a:schemeClr val="accent1">
+              <a:shade val="50000"/>
+            </a:schemeClr>
+          </a:lnRef>
+          <a:fillRef idx="1">
+            <a:schemeClr val="accent1"/>
+          </a:fillRef>
+          <a:effectRef idx="0">
+            <a:schemeClr val="accent1"/>
+          </a:effectRef>
+          <a:fontRef idx="minor">
+            <a:schemeClr val="lt1"/>
+          </a:fontRef>
+        </p:style>
+        <p:txBody>
+          <a:bodyPr rtlCol="0" anchor="ctr"/>
+          <a:lstStyle/>
+          <a:p>
+            <a:pPr algn="ctr"/>
+            <a:endParaRPr lang="en-US"/>
+          </a:p>
+        </p:txBody>
+      </p:sp>
+      <p:sp>
+        <p:nvSpPr>
+          <p:cNvPr id="15" name="Rectangle 14">
+            <a:extLst>
+              <a:ext uri="{FF2B5EF4-FFF2-40B4-BE49-F238E27FC236}">
+                <a16:creationId xmlns:a16="http://schemas.microsoft.com/office/drawing/2014/main" id="{1064D5D5-227B-4F66-9AEA-46F570E793BD}"/>
+              </a:ext>
+              <a:ext uri="{C183D7F6-B498-43B3-948B-1728B52AA6E4}">
+                <adec:decorative xmlns:adec="http://schemas.microsoft.com/office/drawing/2017/decorative" val="1"/>
+              </a:ext>
+            </a:extLst>
+          </p:cNvPr>
+          <p:cNvSpPr>
+            <a:spLocks noGrp="1" noRot="1" noChangeAspect="1" noMove="1" noResize="1" noEditPoints="1" noAdjustHandles="1" noChangeArrowheads="1" noChangeShapeType="1" noTextEdit="1"/>
+          </p:cNvSpPr>
+          <p:nvPr>
+            <p:extLst>
+              <p:ext uri="{386F3935-93C4-4BCD-93E2-E3B085C9AB24}">
+                <p16:designElem xmlns:p16="http://schemas.microsoft.com/office/powerpoint/2015/main" val="1"/>
+              </p:ext>
+            </p:extLst>
+          </p:nvPr>
+        </p:nvSpPr>
+        <p:spPr>
+          <a:xfrm flipH="1">
+            <a:off x="-15875" y="-3"/>
+            <a:ext cx="12233581" cy="6868076"/>
+          </a:xfrm>
+          <a:prstGeom prst="rect">
+            <a:avLst/>
+          </a:prstGeom>
+          <a:gradFill>
+            <a:gsLst>
+              <a:gs pos="3000">
+                <a:schemeClr val="accent1">
+                  <a:lumMod val="75000"/>
+                  <a:alpha val="0"/>
+                </a:schemeClr>
+              </a:gs>
+              <a:gs pos="100000">
+                <a:srgbClr val="000000">
+                  <a:alpha val="73000"/>
+                </a:srgbClr>
+              </a:gs>
+            </a:gsLst>
+            <a:lin ang="17400000" scaled="0"/>
+          </a:gradFill>
+          <a:ln>
+            <a:noFill/>
+          </a:ln>
+        </p:spPr>
+        <p:style>
+          <a:lnRef idx="2">
+            <a:schemeClr val="accent1">
+              <a:shade val="50000"/>
+            </a:schemeClr>
+          </a:lnRef>
+          <a:fillRef idx="1">
+            <a:schemeClr val="accent1"/>
+          </a:fillRef>
+          <a:effectRef idx="0">
+            <a:schemeClr val="accent1"/>
+          </a:effectRef>
+          <a:fontRef idx="minor">
+            <a:schemeClr val="lt1"/>
+          </a:fontRef>
+        </p:style>
+        <p:txBody>
+          <a:bodyPr rtlCol="0" anchor="ctr"/>
+          <a:lstStyle/>
+          <a:p>
+            <a:pPr algn="ctr"/>
+            <a:endParaRPr lang="en-US"/>
+          </a:p>
+        </p:txBody>
+      </p:sp>
+      <p:sp>
+        <p:nvSpPr>
+          <p:cNvPr id="17" name="Rectangle 16">
+            <a:extLst>
+              <a:ext uri="{FF2B5EF4-FFF2-40B4-BE49-F238E27FC236}">
+                <a16:creationId xmlns:a16="http://schemas.microsoft.com/office/drawing/2014/main" id="{646B67A4-D328-4747-A82B-65E84FA46368}"/>
+              </a:ext>
+              <a:ext uri="{C183D7F6-B498-43B3-948B-1728B52AA6E4}">
+                <adec:decorative xmlns:adec="http://schemas.microsoft.com/office/drawing/2017/decorative" val="1"/>
+              </a:ext>
+            </a:extLst>
+          </p:cNvPr>
+          <p:cNvSpPr>
+            <a:spLocks noGrp="1" noRot="1" noChangeAspect="1" noMove="1" noResize="1" noEditPoints="1" noAdjustHandles="1" noChangeArrowheads="1" noChangeShapeType="1" noTextEdit="1"/>
+          </p:cNvSpPr>
+          <p:nvPr>
+            <p:extLst>
+              <p:ext uri="{386F3935-93C4-4BCD-93E2-E3B085C9AB24}">
+                <p16:designElem xmlns:p16="http://schemas.microsoft.com/office/powerpoint/2015/main" val="1"/>
+              </p:ext>
+            </p:extLst>
+          </p:nvPr>
+        </p:nvSpPr>
+        <p:spPr>
+          <a:xfrm rot="5400000" flipH="1">
+            <a:off x="4484334" y="-861824"/>
+            <a:ext cx="6861931" cy="8597859"/>
+          </a:xfrm>
+          <a:prstGeom prst="rect">
+            <a:avLst/>
+          </a:prstGeom>
+          <a:gradFill>
+            <a:gsLst>
+              <a:gs pos="3000">
+                <a:schemeClr val="accent1">
+                  <a:lumMod val="75000"/>
+                  <a:alpha val="0"/>
+                </a:schemeClr>
+              </a:gs>
+              <a:gs pos="100000">
+                <a:srgbClr val="000000">
+                  <a:alpha val="27000"/>
+                </a:srgbClr>
+              </a:gs>
+            </a:gsLst>
+            <a:lin ang="13800000" scaled="0"/>
+          </a:gradFill>
+          <a:ln>
+            <a:noFill/>
+          </a:ln>
+        </p:spPr>
+        <p:style>
+          <a:lnRef idx="2">
+            <a:schemeClr val="accent1">
+              <a:shade val="50000"/>
+            </a:schemeClr>
+          </a:lnRef>
+          <a:fillRef idx="1">
+            <a:schemeClr val="accent1"/>
+          </a:fillRef>
+          <a:effectRef idx="0">
+            <a:schemeClr val="accent1"/>
+          </a:effectRef>
+          <a:fontRef idx="minor">
+            <a:schemeClr val="lt1"/>
+          </a:fontRef>
+        </p:style>
+        <p:txBody>
+          <a:bodyPr rtlCol="0" anchor="ctr"/>
+          <a:lstStyle/>
+          <a:p>
+            <a:pPr algn="ctr"/>
+            <a:endParaRPr lang="en-US"/>
+          </a:p>
+        </p:txBody>
+      </p:sp>
+      <p:sp>
+        <p:nvSpPr>
+          <p:cNvPr id="19" name="Oval 18">
+            <a:extLst>
+              <a:ext uri="{FF2B5EF4-FFF2-40B4-BE49-F238E27FC236}">
+                <a16:creationId xmlns:a16="http://schemas.microsoft.com/office/drawing/2014/main" id="{B5A1B09C-1565-46F8-B70F-621C5EB48A09}"/>
+              </a:ext>
+              <a:ext uri="{C183D7F6-B498-43B3-948B-1728B52AA6E4}">
+                <adec:decorative xmlns:adec="http://schemas.microsoft.com/office/drawing/2017/decorative" val="1"/>
+              </a:ext>
+            </a:extLst>
+          </p:cNvPr>
+          <p:cNvSpPr>
+            <a:spLocks noGrp="1" noRot="1" noChangeAspect="1" noMove="1" noResize="1" noEditPoints="1" noAdjustHandles="1" noChangeArrowheads="1" noChangeShapeType="1" noTextEdit="1"/>
+          </p:cNvSpPr>
+          <p:nvPr>
+            <p:extLst>
+              <p:ext uri="{386F3935-93C4-4BCD-93E2-E3B085C9AB24}">
+                <p16:designElem xmlns:p16="http://schemas.microsoft.com/office/powerpoint/2015/main" val="1"/>
+              </p:ext>
+            </p:extLst>
+          </p:nvPr>
+        </p:nvSpPr>
+        <p:spPr>
+          <a:xfrm rot="5993193">
+            <a:off x="1186972" y="1089049"/>
+            <a:ext cx="4967533" cy="4988390"/>
+          </a:xfrm>
+          <a:prstGeom prst="ellipse">
+            <a:avLst/>
+          </a:prstGeom>
+          <a:gradFill>
+            <a:gsLst>
+              <a:gs pos="0">
+                <a:schemeClr val="accent1">
+                  <a:alpha val="26000"/>
+                </a:schemeClr>
+              </a:gs>
+              <a:gs pos="85000">
+                <a:schemeClr val="accent1">
+                  <a:lumMod val="60000"/>
+                  <a:lumOff val="40000"/>
+                  <a:alpha val="0"/>
+                </a:schemeClr>
+              </a:gs>
+            </a:gsLst>
+            <a:lin ang="14400000" scaled="0"/>
+          </a:gradFill>
+          <a:ln>
+            <a:noFill/>
+          </a:ln>
+        </p:spPr>
+        <p:style>
+          <a:lnRef idx="2">
+            <a:schemeClr val="accent1">
+              <a:shade val="50000"/>
+            </a:schemeClr>
+          </a:lnRef>
+          <a:fillRef idx="1">
+            <a:schemeClr val="accent1"/>
+          </a:fillRef>
+          <a:effectRef idx="0">
+            <a:schemeClr val="accent1"/>
+          </a:effectRef>
+          <a:fontRef idx="minor">
+            <a:schemeClr val="lt1"/>
+          </a:fontRef>
+        </p:style>
+        <p:txBody>
+          <a:bodyPr rtlCol="0" anchor="ctr"/>
+          <a:lstStyle/>
+          <a:p>
+            <a:pPr algn="ctr"/>
+            <a:endParaRPr lang="en-US" dirty="0"/>
+          </a:p>
+        </p:txBody>
+      </p:sp>
+      <p:sp>
+        <p:nvSpPr>
+          <p:cNvPr id="2" name="Tytuł 1">
+            <a:extLst>
+              <a:ext uri="{FF2B5EF4-FFF2-40B4-BE49-F238E27FC236}">
+                <a16:creationId xmlns:a16="http://schemas.microsoft.com/office/drawing/2014/main" id="{CA71A672-71AB-7494-8F9F-8D7A7C97DB25}"/>
+              </a:ext>
+            </a:extLst>
+          </p:cNvPr>
+          <p:cNvSpPr>
+            <a:spLocks noGrp="1"/>
+          </p:cNvSpPr>
+          <p:nvPr>
+            <p:ph type="title"/>
+          </p:nvPr>
+        </p:nvSpPr>
+        <p:spPr>
+          <a:xfrm>
+            <a:off x="4162567" y="818984"/>
+            <a:ext cx="6714699" cy="3178689"/>
+          </a:xfrm>
         </p:spPr>
         <p:txBody>
-          <a:bodyPr vert="horz" lIns="91440" tIns="45720" rIns="91440" bIns="45720" rtlCol="0">
+          <a:bodyPr vert="horz" lIns="91440" tIns="45720" rIns="91440" bIns="45720" rtlCol="0" anchor="b">
             <a:normAutofit/>
           </a:bodyPr>
-          <a:lstStyle>
-            <a:lvl1pPr marL="228600" indent="-228600" algn="l" defTabSz="914400" rtl="0" eaLnBrk="1" latinLnBrk="0" hangingPunct="1">
-              <a:lnSpc>
-                <a:spcPct val="90000"/>
-              </a:lnSpc>
-              <a:spcBef>
-                <a:spcPts val="1000"/>
-              </a:spcBef>
-              <a:buFont typeface="Arial" panose="020B0604020202020204" pitchFamily="34" charset="0"/>
-              <a:buChar char="•"/>
-              <a:defRPr sz="2800" kern="1200">
+          <a:lstStyle/>
+          <a:p>
+            <a:r>
+              <a:rPr lang="en-US" sz="4800" kern="1200">
                 <a:solidFill>
-                  <a:schemeClr val="tx1"/>
+                  <a:srgbClr val="FFFFFF"/>
                 </a:solidFill>
-                <a:latin typeface="+mn-lt"/>
-                <a:ea typeface="+mn-ea"/>
-                <a:cs typeface="+mn-cs"/>
-              </a:defRPr>
-            </a:lvl1pPr>
-            <a:lvl2pPr marL="685800" indent="-228600" algn="l" defTabSz="914400" rtl="0" eaLnBrk="1" latinLnBrk="0" hangingPunct="1">
-              <a:lnSpc>
-                <a:spcPct val="90000"/>
-              </a:lnSpc>
-              <a:spcBef>
-                <a:spcPts val="500"/>
-              </a:spcBef>
-              <a:buFont typeface="Arial" panose="020B0604020202020204" pitchFamily="34" charset="0"/>
-              <a:buChar char="•"/>
-              <a:defRPr sz="2400" kern="1200">
-                <a:solidFill>
-                  <a:schemeClr val="tx1"/>
-                </a:solidFill>
-                <a:latin typeface="+mn-lt"/>
-                <a:ea typeface="+mn-ea"/>
-                <a:cs typeface="+mn-cs"/>
-              </a:defRPr>
-            </a:lvl2pPr>
-            <a:lvl3pPr marL="1143000" indent="-228600" algn="l" defTabSz="914400" rtl="0" eaLnBrk="1" latinLnBrk="0" hangingPunct="1">
-              <a:lnSpc>
-                <a:spcPct val="90000"/>
-              </a:lnSpc>
-              <a:spcBef>
-                <a:spcPts val="500"/>
-              </a:spcBef>
-              <a:buFont typeface="Arial" panose="020B0604020202020204" pitchFamily="34" charset="0"/>
-              <a:buChar char="•"/>
-              <a:defRPr sz="2000" kern="1200">
-                <a:solidFill>
-                  <a:schemeClr val="tx1"/>
-                </a:solidFill>
-                <a:latin typeface="+mn-lt"/>
-                <a:ea typeface="+mn-ea"/>
-                <a:cs typeface="+mn-cs"/>
-              </a:defRPr>
-            </a:lvl3pPr>
-            <a:lvl4pPr marL="1600200" indent="-228600" algn="l" defTabSz="914400" rtl="0" eaLnBrk="1" latinLnBrk="0" hangingPunct="1">
-              <a:lnSpc>
-                <a:spcPct val="90000"/>
-              </a:lnSpc>
-              <a:spcBef>
-                <a:spcPts val="500"/>
-              </a:spcBef>
-              <a:buFont typeface="Arial" panose="020B0604020202020204" pitchFamily="34" charset="0"/>
-              <a:buChar char="•"/>
-              <a:defRPr sz="1800" kern="1200">
-                <a:solidFill>
-                  <a:schemeClr val="tx1"/>
-                </a:solidFill>
-                <a:latin typeface="+mn-lt"/>
-                <a:ea typeface="+mn-ea"/>
-                <a:cs typeface="+mn-cs"/>
-              </a:defRPr>
-            </a:lvl4pPr>
-            <a:lvl5pPr marL="2057400" indent="-228600" algn="l" defTabSz="914400" rtl="0" eaLnBrk="1" latinLnBrk="0" hangingPunct="1">
-              <a:lnSpc>
-                <a:spcPct val="90000"/>
-              </a:lnSpc>
-              <a:spcBef>
-                <a:spcPts val="500"/>
-              </a:spcBef>
-              <a:buFont typeface="Arial" panose="020B0604020202020204" pitchFamily="34" charset="0"/>
-              <a:buChar char="•"/>
-              <a:defRPr sz="1800" kern="1200">
-                <a:solidFill>
-                  <a:schemeClr val="tx1"/>
-                </a:solidFill>
-                <a:latin typeface="+mn-lt"/>
-                <a:ea typeface="+mn-ea"/>
-                <a:cs typeface="+mn-cs"/>
-              </a:defRPr>
-            </a:lvl5pPr>
-            <a:lvl6pPr marL="2514600" indent="-228600" algn="l" defTabSz="914400" rtl="0" eaLnBrk="1" latinLnBrk="0" hangingPunct="1">
-              <a:lnSpc>
-                <a:spcPct val="90000"/>
-              </a:lnSpc>
-              <a:spcBef>
-                <a:spcPts val="500"/>
-              </a:spcBef>
-              <a:buFont typeface="Arial" panose="020B0604020202020204" pitchFamily="34" charset="0"/>
-              <a:buChar char="•"/>
-              <a:defRPr sz="1800" kern="1200">
-                <a:solidFill>
-                  <a:schemeClr val="tx1"/>
-                </a:solidFill>
-                <a:latin typeface="+mn-lt"/>
-                <a:ea typeface="+mn-ea"/>
-                <a:cs typeface="+mn-cs"/>
-              </a:defRPr>
-            </a:lvl6pPr>
-            <a:lvl7pPr marL="2971800" indent="-228600" algn="l" defTabSz="914400" rtl="0" eaLnBrk="1" latinLnBrk="0" hangingPunct="1">
-              <a:lnSpc>
-                <a:spcPct val="90000"/>
-              </a:lnSpc>
-              <a:spcBef>
-                <a:spcPts val="500"/>
-              </a:spcBef>
-              <a:buFont typeface="Arial" panose="020B0604020202020204" pitchFamily="34" charset="0"/>
-              <a:buChar char="•"/>
-              <a:defRPr sz="1800" kern="1200">
-                <a:solidFill>
-                  <a:schemeClr val="tx1"/>
-                </a:solidFill>
-                <a:latin typeface="+mn-lt"/>
-                <a:ea typeface="+mn-ea"/>
-                <a:cs typeface="+mn-cs"/>
-              </a:defRPr>
-            </a:lvl7pPr>
-            <a:lvl8pPr marL="3429000" indent="-228600" algn="l" defTabSz="914400" rtl="0" eaLnBrk="1" latinLnBrk="0" hangingPunct="1">
-              <a:lnSpc>
-                <a:spcPct val="90000"/>
-              </a:lnSpc>
-              <a:spcBef>
-                <a:spcPts val="500"/>
-              </a:spcBef>
-              <a:buFont typeface="Arial" panose="020B0604020202020204" pitchFamily="34" charset="0"/>
-              <a:buChar char="•"/>
-              <a:defRPr sz="1800" kern="1200">
-                <a:solidFill>
-                  <a:schemeClr val="tx1"/>
-                </a:solidFill>
-                <a:latin typeface="+mn-lt"/>
-                <a:ea typeface="+mn-ea"/>
-                <a:cs typeface="+mn-cs"/>
-              </a:defRPr>
-            </a:lvl8pPr>
-            <a:lvl9pPr marL="3886200" indent="-228600" algn="l" defTabSz="914400" rtl="0" eaLnBrk="1" latinLnBrk="0" hangingPunct="1">
-              <a:lnSpc>
-                <a:spcPct val="90000"/>
-              </a:lnSpc>
-              <a:spcBef>
-                <a:spcPts val="500"/>
-              </a:spcBef>
-              <a:buFont typeface="Arial" panose="020B0604020202020204" pitchFamily="34" charset="0"/>
-              <a:buChar char="•"/>
-              <a:defRPr sz="1800" kern="1200">
-                <a:solidFill>
-                  <a:schemeClr val="tx1"/>
-                </a:solidFill>
-                <a:latin typeface="+mn-lt"/>
-                <a:ea typeface="+mn-ea"/>
-                <a:cs typeface="+mn-cs"/>
-              </a:defRPr>
-            </a:lvl9pPr>
-          </a:lstStyle>
-          <a:p>
-            <a:pPr marL="0" indent="0">
-              <a:buNone/>
-            </a:pPr>
-            <a:r>
-              <a:rPr lang="en-US" sz="1900" dirty="0" err="1"/>
-              <a:t>Zaimplementowanie</a:t>
-            </a:r>
-            <a:r>
-              <a:rPr lang="en-US" sz="1900" dirty="0"/>
-              <a:t> </a:t>
-            </a:r>
-            <a:r>
-              <a:rPr lang="en-US" sz="1900" dirty="0" err="1"/>
-              <a:t>aplikacji</a:t>
-            </a:r>
-            <a:r>
-              <a:rPr lang="en-US" sz="1900" dirty="0"/>
-              <a:t> </a:t>
-            </a:r>
-            <a:r>
-              <a:rPr lang="en-US" sz="1900" dirty="0" err="1"/>
-              <a:t>wiąże</a:t>
-            </a:r>
-            <a:r>
-              <a:rPr lang="en-US" sz="1900" dirty="0"/>
-              <a:t> </a:t>
-            </a:r>
-            <a:r>
-              <a:rPr lang="en-US" sz="1900" dirty="0" err="1"/>
-              <a:t>się</a:t>
-            </a:r>
-            <a:r>
-              <a:rPr lang="en-US" sz="1900" dirty="0"/>
-              <a:t> z:</a:t>
-            </a:r>
-          </a:p>
-          <a:p>
-            <a:r>
-              <a:rPr lang="pl-PL" sz="1900" dirty="0"/>
-              <a:t>n</a:t>
-            </a:r>
-            <a:r>
-              <a:rPr lang="en-US" sz="1900" dirty="0" err="1"/>
-              <a:t>iskimi</a:t>
-            </a:r>
-            <a:r>
-              <a:rPr lang="en-US" sz="1900" dirty="0"/>
-              <a:t> </a:t>
-            </a:r>
-            <a:r>
-              <a:rPr lang="en-US" sz="1900" dirty="0" err="1"/>
-              <a:t>wymaganiami</a:t>
-            </a:r>
-            <a:r>
-              <a:rPr lang="en-US" sz="1900" dirty="0"/>
-              <a:t> </a:t>
-            </a:r>
-            <a:r>
-              <a:rPr lang="en-US" sz="1900" dirty="0" err="1"/>
-              <a:t>wdrożeniowymi</a:t>
-            </a:r>
-            <a:r>
-              <a:rPr lang="en-US" sz="1900" dirty="0"/>
-              <a:t> (</a:t>
-            </a:r>
-            <a:r>
-              <a:rPr lang="en-US" sz="1900" dirty="0" err="1"/>
-              <a:t>brak</a:t>
-            </a:r>
-            <a:r>
-              <a:rPr lang="en-US" sz="1900" dirty="0"/>
-              <a:t> </a:t>
-            </a:r>
-            <a:r>
-              <a:rPr lang="en-US" sz="1900" dirty="0" err="1"/>
-              <a:t>serwera</a:t>
-            </a:r>
-            <a:r>
-              <a:rPr lang="en-US" sz="1900" dirty="0"/>
-              <a:t>, </a:t>
-            </a:r>
-            <a:r>
-              <a:rPr lang="en-US" sz="1900" dirty="0" err="1"/>
-              <a:t>lekka</a:t>
-            </a:r>
-            <a:r>
-              <a:rPr lang="en-US" sz="1900" dirty="0"/>
-              <a:t> </a:t>
-            </a:r>
-            <a:r>
-              <a:rPr lang="en-US" sz="1900" dirty="0" err="1"/>
-              <a:t>aplikacja</a:t>
-            </a:r>
-            <a:r>
-              <a:rPr lang="en-US" sz="1900" dirty="0"/>
-              <a:t>, </a:t>
-            </a:r>
-            <a:r>
-              <a:rPr lang="en-US" sz="1900" dirty="0" err="1"/>
-              <a:t>niskie</a:t>
-            </a:r>
-            <a:r>
-              <a:rPr lang="en-US" sz="1900" dirty="0"/>
-              <a:t> </a:t>
-            </a:r>
-            <a:r>
-              <a:rPr lang="en-US" sz="1900" dirty="0" err="1"/>
-              <a:t>zużycie</a:t>
-            </a:r>
-            <a:r>
-              <a:rPr lang="en-US" sz="1900" dirty="0"/>
-              <a:t> </a:t>
-            </a:r>
-            <a:r>
-              <a:rPr lang="en-US" sz="1900" dirty="0" err="1"/>
-              <a:t>zasobów</a:t>
-            </a:r>
-            <a:r>
-              <a:rPr lang="en-US" sz="1900" dirty="0"/>
-              <a:t>)</a:t>
-            </a:r>
-            <a:r>
-              <a:rPr lang="pl-PL" sz="1900" dirty="0"/>
-              <a:t>,</a:t>
-            </a:r>
-            <a:endParaRPr lang="en-US" sz="1900" dirty="0"/>
-          </a:p>
-          <a:p>
-            <a:r>
-              <a:rPr lang="pl-PL" sz="1900" dirty="0"/>
-              <a:t>b</a:t>
-            </a:r>
-            <a:r>
-              <a:rPr lang="en-US" sz="1900" dirty="0" err="1"/>
-              <a:t>rakiem</a:t>
-            </a:r>
-            <a:r>
-              <a:rPr lang="en-US" sz="1900" dirty="0"/>
-              <a:t> </a:t>
-            </a:r>
-            <a:r>
-              <a:rPr lang="en-US" sz="1900" dirty="0" err="1"/>
-              <a:t>potrzeby</a:t>
-            </a:r>
-            <a:r>
-              <a:rPr lang="en-US" sz="1900" dirty="0"/>
-              <a:t> </a:t>
-            </a:r>
-            <a:r>
-              <a:rPr lang="en-US" sz="1900" dirty="0" err="1"/>
-              <a:t>szkolenia</a:t>
-            </a:r>
-            <a:r>
-              <a:rPr lang="en-US" sz="1900" dirty="0"/>
-              <a:t> w </a:t>
-            </a:r>
-            <a:r>
-              <a:rPr lang="en-US" sz="1900" dirty="0" err="1"/>
-              <a:t>zakresie</a:t>
-            </a:r>
-            <a:r>
-              <a:rPr lang="en-US" sz="1900" dirty="0"/>
-              <a:t> </a:t>
-            </a:r>
-            <a:r>
-              <a:rPr lang="en-US" sz="1900" dirty="0" err="1"/>
-              <a:t>tej</a:t>
-            </a:r>
-            <a:r>
-              <a:rPr lang="en-US" sz="1900" dirty="0"/>
-              <a:t> </a:t>
-            </a:r>
-            <a:r>
-              <a:rPr lang="en-US" sz="1900" dirty="0" err="1"/>
-              <a:t>aplikacji</a:t>
-            </a:r>
-            <a:r>
-              <a:rPr lang="pl-PL" sz="1900" dirty="0"/>
-              <a:t>,</a:t>
-            </a:r>
-            <a:endParaRPr lang="en-US" sz="1900" dirty="0"/>
-          </a:p>
-          <a:p>
-            <a:r>
-              <a:rPr lang="pl-PL" sz="1900" dirty="0"/>
-              <a:t>p</a:t>
-            </a:r>
-            <a:r>
-              <a:rPr lang="en-US" sz="1900" dirty="0" err="1"/>
-              <a:t>ełną</a:t>
-            </a:r>
-            <a:r>
-              <a:rPr lang="en-US" sz="1900" dirty="0"/>
-              <a:t> </a:t>
-            </a:r>
-            <a:r>
-              <a:rPr lang="en-US" sz="1900" dirty="0" err="1"/>
-              <a:t>kontrolą</a:t>
-            </a:r>
-            <a:r>
-              <a:rPr lang="en-US" sz="1900" dirty="0"/>
-              <a:t> </a:t>
-            </a:r>
-            <a:r>
-              <a:rPr lang="en-US" sz="1900" dirty="0" err="1"/>
-              <a:t>i</a:t>
-            </a:r>
-            <a:r>
-              <a:rPr lang="en-US" sz="1900" dirty="0"/>
-              <a:t> </a:t>
-            </a:r>
-            <a:r>
-              <a:rPr lang="en-US" sz="1900" dirty="0" err="1"/>
-              <a:t>niezależnością</a:t>
-            </a:r>
-            <a:r>
-              <a:rPr lang="en-US" sz="1900" dirty="0"/>
-              <a:t> </a:t>
-            </a:r>
-            <a:r>
-              <a:rPr lang="en-US" sz="1900" dirty="0" err="1"/>
-              <a:t>muzeum</a:t>
-            </a:r>
-            <a:r>
-              <a:rPr lang="en-US" sz="1900" dirty="0"/>
-              <a:t> od </a:t>
-            </a:r>
-            <a:r>
-              <a:rPr lang="en-US" sz="1900" dirty="0" err="1"/>
-              <a:t>dostawcy</a:t>
-            </a:r>
-            <a:r>
-              <a:rPr lang="pl-PL" sz="1900" dirty="0"/>
-              <a:t>,</a:t>
-            </a:r>
-            <a:endParaRPr lang="en-US" sz="1900" dirty="0"/>
-          </a:p>
-          <a:p>
-            <a:r>
-              <a:rPr lang="pl-PL" sz="1900" dirty="0"/>
-              <a:t>b</a:t>
-            </a:r>
-            <a:r>
-              <a:rPr lang="en-US" sz="1900" dirty="0" err="1"/>
-              <a:t>ezpieczeństwem</a:t>
-            </a:r>
-            <a:r>
-              <a:rPr lang="en-US" sz="1900" dirty="0"/>
-              <a:t> </a:t>
-            </a:r>
-            <a:r>
-              <a:rPr lang="en-US" sz="1900" dirty="0" err="1"/>
-              <a:t>danych</a:t>
-            </a:r>
-            <a:r>
-              <a:rPr lang="pl-PL" sz="1900" dirty="0"/>
-              <a:t>.</a:t>
-            </a:r>
-            <a:endParaRPr lang="en-US" sz="1900" dirty="0"/>
-          </a:p>
-          <a:p>
-            <a:pPr marL="0"/>
-            <a:endParaRPr lang="en-US" sz="1900" dirty="0"/>
+                <a:latin typeface="+mj-lt"/>
+                <a:ea typeface="+mj-ea"/>
+                <a:cs typeface="+mj-cs"/>
+              </a:rPr>
+              <a:t>Dziękujemy </a:t>
+            </a:r>
+          </a:p>
+        </p:txBody>
+      </p:sp>
+      <p:sp>
+        <p:nvSpPr>
+          <p:cNvPr id="21" name="Rectangle 20">
+            <a:extLst>
+              <a:ext uri="{FF2B5EF4-FFF2-40B4-BE49-F238E27FC236}">
+                <a16:creationId xmlns:a16="http://schemas.microsoft.com/office/drawing/2014/main" id="{8C516CC8-80AC-446C-A56E-9F54B7210402}"/>
+              </a:ext>
+              <a:ext uri="{C183D7F6-B498-43B3-948B-1728B52AA6E4}">
+                <adec:decorative xmlns:adec="http://schemas.microsoft.com/office/drawing/2017/decorative" val="1"/>
+              </a:ext>
+            </a:extLst>
+          </p:cNvPr>
+          <p:cNvSpPr>
+            <a:spLocks noGrp="1" noRot="1" noChangeAspect="1" noMove="1" noResize="1" noEditPoints="1" noAdjustHandles="1" noChangeArrowheads="1" noChangeShapeType="1" noTextEdit="1"/>
+          </p:cNvSpPr>
+          <p:nvPr>
+            <p:extLst>
+              <p:ext uri="{386F3935-93C4-4BCD-93E2-E3B085C9AB24}">
+                <p16:designElem xmlns:p16="http://schemas.microsoft.com/office/powerpoint/2015/main" val="1"/>
+              </p:ext>
+            </p:extLst>
+          </p:nvPr>
+        </p:nvSpPr>
+        <p:spPr>
+          <a:xfrm flipH="1">
+            <a:off x="-3" y="4490110"/>
+            <a:ext cx="12217710" cy="2377962"/>
+          </a:xfrm>
+          <a:prstGeom prst="rect">
+            <a:avLst/>
+          </a:prstGeom>
+          <a:gradFill>
+            <a:gsLst>
+              <a:gs pos="0">
+                <a:schemeClr val="accent1">
+                  <a:lumMod val="75000"/>
+                  <a:alpha val="50000"/>
+                </a:schemeClr>
+              </a:gs>
+              <a:gs pos="99000">
+                <a:srgbClr val="000000">
+                  <a:alpha val="34000"/>
+                </a:srgbClr>
+              </a:gs>
+            </a:gsLst>
+            <a:lin ang="13200000" scaled="0"/>
+          </a:gradFill>
+          <a:ln>
+            <a:noFill/>
+          </a:ln>
+        </p:spPr>
+        <p:style>
+          <a:lnRef idx="2">
+            <a:schemeClr val="accent1">
+              <a:shade val="50000"/>
+            </a:schemeClr>
+          </a:lnRef>
+          <a:fillRef idx="1">
+            <a:schemeClr val="accent1"/>
+          </a:fillRef>
+          <a:effectRef idx="0">
+            <a:schemeClr val="accent1"/>
+          </a:effectRef>
+          <a:fontRef idx="minor">
+            <a:schemeClr val="lt1"/>
+          </a:fontRef>
+        </p:style>
+        <p:txBody>
+          <a:bodyPr rtlCol="0" anchor="ctr"/>
+          <a:lstStyle/>
+          <a:p>
+            <a:pPr algn="ctr"/>
+            <a:endParaRPr lang="en-US"/>
           </a:p>
         </p:txBody>
       </p:sp>
     </p:spTree>
     <p:extLst>
       <p:ext uri="{BB962C8B-B14F-4D97-AF65-F5344CB8AC3E}">
-        <p14:creationId xmlns:p14="http://schemas.microsoft.com/office/powerpoint/2010/main" val="1872146698"/>
+        <p14:creationId xmlns:p14="http://schemas.microsoft.com/office/powerpoint/2010/main" val="504323100"/>
       </p:ext>
     </p:extLst>
   </p:cSld>

--- a/Prezentacja na obronę.pptx
+++ b/Prezentacja na obronę.pptx
@@ -1670,6 +1670,753 @@
 </file>
 
 <file path=ppt/diagrams/colors3.xml><?xml version="1.0" encoding="utf-8"?>
+<dgm:colorsDef xmlns:dgm="http://schemas.openxmlformats.org/drawingml/2006/diagram" xmlns:a="http://schemas.openxmlformats.org/drawingml/2006/main" uniqueId="urn:microsoft.com/office/officeart/2005/8/colors/accent1_2">
+  <dgm:title val=""/>
+  <dgm:desc val=""/>
+  <dgm:catLst>
+    <dgm:cat type="accent1" pri="11200"/>
+  </dgm:catLst>
+  <dgm:styleLbl name="node0">
+    <dgm:fillClrLst meth="repeat">
+      <a:schemeClr val="accent1"/>
+    </dgm:fillClrLst>
+    <dgm:linClrLst meth="repeat">
+      <a:schemeClr val="lt1"/>
+    </dgm:linClrLst>
+    <dgm:effectClrLst/>
+    <dgm:txLinClrLst/>
+    <dgm:txFillClrLst/>
+    <dgm:txEffectClrLst/>
+  </dgm:styleLbl>
+  <dgm:styleLbl name="alignNode1">
+    <dgm:fillClrLst meth="repeat">
+      <a:schemeClr val="accent1"/>
+    </dgm:fillClrLst>
+    <dgm:linClrLst meth="repeat">
+      <a:schemeClr val="accent1"/>
+    </dgm:linClrLst>
+    <dgm:effectClrLst/>
+    <dgm:txLinClrLst/>
+    <dgm:txFillClrLst/>
+    <dgm:txEffectClrLst/>
+  </dgm:styleLbl>
+  <dgm:styleLbl name="node1">
+    <dgm:fillClrLst meth="repeat">
+      <a:schemeClr val="accent1"/>
+    </dgm:fillClrLst>
+    <dgm:linClrLst meth="repeat">
+      <a:schemeClr val="lt1"/>
+    </dgm:linClrLst>
+    <dgm:effectClrLst/>
+    <dgm:txLinClrLst/>
+    <dgm:txFillClrLst/>
+    <dgm:txEffectClrLst/>
+  </dgm:styleLbl>
+  <dgm:styleLbl name="lnNode1">
+    <dgm:fillClrLst meth="repeat">
+      <a:schemeClr val="accent1"/>
+    </dgm:fillClrLst>
+    <dgm:linClrLst meth="repeat">
+      <a:schemeClr val="lt1"/>
+    </dgm:linClrLst>
+    <dgm:effectClrLst/>
+    <dgm:txLinClrLst/>
+    <dgm:txFillClrLst/>
+    <dgm:txEffectClrLst/>
+  </dgm:styleLbl>
+  <dgm:styleLbl name="vennNode1">
+    <dgm:fillClrLst meth="repeat">
+      <a:schemeClr val="accent1">
+        <a:alpha val="50000"/>
+      </a:schemeClr>
+    </dgm:fillClrLst>
+    <dgm:linClrLst meth="repeat">
+      <a:schemeClr val="lt1"/>
+    </dgm:linClrLst>
+    <dgm:effectClrLst/>
+    <dgm:txLinClrLst/>
+    <dgm:txFillClrLst/>
+    <dgm:txEffectClrLst/>
+  </dgm:styleLbl>
+  <dgm:styleLbl name="node2">
+    <dgm:fillClrLst meth="repeat">
+      <a:schemeClr val="accent1"/>
+    </dgm:fillClrLst>
+    <dgm:linClrLst meth="repeat">
+      <a:schemeClr val="lt1"/>
+    </dgm:linClrLst>
+    <dgm:effectClrLst/>
+    <dgm:txLinClrLst/>
+    <dgm:txFillClrLst/>
+    <dgm:txEffectClrLst/>
+  </dgm:styleLbl>
+  <dgm:styleLbl name="node3">
+    <dgm:fillClrLst meth="repeat">
+      <a:schemeClr val="accent1"/>
+    </dgm:fillClrLst>
+    <dgm:linClrLst meth="repeat">
+      <a:schemeClr val="lt1"/>
+    </dgm:linClrLst>
+    <dgm:effectClrLst/>
+    <dgm:txLinClrLst/>
+    <dgm:txFillClrLst/>
+    <dgm:txEffectClrLst/>
+  </dgm:styleLbl>
+  <dgm:styleLbl name="node4">
+    <dgm:fillClrLst meth="repeat">
+      <a:schemeClr val="accent1"/>
+    </dgm:fillClrLst>
+    <dgm:linClrLst meth="repeat">
+      <a:schemeClr val="lt1"/>
+    </dgm:linClrLst>
+    <dgm:effectClrLst/>
+    <dgm:txLinClrLst/>
+    <dgm:txFillClrLst/>
+    <dgm:txEffectClrLst/>
+  </dgm:styleLbl>
+  <dgm:styleLbl name="fgImgPlace1">
+    <dgm:fillClrLst meth="repeat">
+      <a:schemeClr val="accent1">
+        <a:tint val="50000"/>
+      </a:schemeClr>
+    </dgm:fillClrLst>
+    <dgm:linClrLst meth="repeat">
+      <a:schemeClr val="lt1"/>
+    </dgm:linClrLst>
+    <dgm:effectClrLst/>
+    <dgm:txLinClrLst/>
+    <dgm:txFillClrLst meth="repeat">
+      <a:schemeClr val="lt1"/>
+    </dgm:txFillClrLst>
+    <dgm:txEffectClrLst/>
+  </dgm:styleLbl>
+  <dgm:styleLbl name="alignImgPlace1">
+    <dgm:fillClrLst meth="repeat">
+      <a:schemeClr val="accent1">
+        <a:tint val="50000"/>
+      </a:schemeClr>
+    </dgm:fillClrLst>
+    <dgm:linClrLst meth="repeat">
+      <a:schemeClr val="lt1"/>
+    </dgm:linClrLst>
+    <dgm:effectClrLst/>
+    <dgm:txLinClrLst/>
+    <dgm:txFillClrLst meth="repeat">
+      <a:schemeClr val="lt1"/>
+    </dgm:txFillClrLst>
+    <dgm:txEffectClrLst/>
+  </dgm:styleLbl>
+  <dgm:styleLbl name="bgImgPlace1">
+    <dgm:fillClrLst meth="repeat">
+      <a:schemeClr val="accent1">
+        <a:tint val="50000"/>
+      </a:schemeClr>
+    </dgm:fillClrLst>
+    <dgm:linClrLst meth="repeat">
+      <a:schemeClr val="lt1"/>
+    </dgm:linClrLst>
+    <dgm:effectClrLst/>
+    <dgm:txLinClrLst/>
+    <dgm:txFillClrLst meth="repeat">
+      <a:schemeClr val="lt1"/>
+    </dgm:txFillClrLst>
+    <dgm:txEffectClrLst/>
+  </dgm:styleLbl>
+  <dgm:styleLbl name="sibTrans2D1">
+    <dgm:fillClrLst meth="repeat">
+      <a:schemeClr val="accent1">
+        <a:tint val="60000"/>
+      </a:schemeClr>
+    </dgm:fillClrLst>
+    <dgm:linClrLst meth="repeat">
+      <a:schemeClr val="accent1">
+        <a:tint val="60000"/>
+      </a:schemeClr>
+    </dgm:linClrLst>
+    <dgm:effectClrLst/>
+    <dgm:txLinClrLst/>
+    <dgm:txFillClrLst/>
+    <dgm:txEffectClrLst/>
+  </dgm:styleLbl>
+  <dgm:styleLbl name="fgSibTrans2D1">
+    <dgm:fillClrLst meth="repeat">
+      <a:schemeClr val="accent1">
+        <a:tint val="60000"/>
+      </a:schemeClr>
+    </dgm:fillClrLst>
+    <dgm:linClrLst meth="repeat">
+      <a:schemeClr val="accent1">
+        <a:tint val="60000"/>
+      </a:schemeClr>
+    </dgm:linClrLst>
+    <dgm:effectClrLst/>
+    <dgm:txLinClrLst/>
+    <dgm:txFillClrLst/>
+    <dgm:txEffectClrLst/>
+  </dgm:styleLbl>
+  <dgm:styleLbl name="bgSibTrans2D1">
+    <dgm:fillClrLst meth="repeat">
+      <a:schemeClr val="accent1">
+        <a:tint val="60000"/>
+      </a:schemeClr>
+    </dgm:fillClrLst>
+    <dgm:linClrLst meth="repeat">
+      <a:schemeClr val="accent1">
+        <a:tint val="60000"/>
+      </a:schemeClr>
+    </dgm:linClrLst>
+    <dgm:effectClrLst/>
+    <dgm:txLinClrLst/>
+    <dgm:txFillClrLst/>
+    <dgm:txEffectClrLst/>
+  </dgm:styleLbl>
+  <dgm:styleLbl name="sibTrans1D1">
+    <dgm:fillClrLst meth="repeat">
+      <a:schemeClr val="accent1"/>
+    </dgm:fillClrLst>
+    <dgm:linClrLst meth="repeat">
+      <a:schemeClr val="accent1"/>
+    </dgm:linClrLst>
+    <dgm:effectClrLst/>
+    <dgm:txLinClrLst/>
+    <dgm:txFillClrLst meth="repeat">
+      <a:schemeClr val="tx1"/>
+    </dgm:txFillClrLst>
+    <dgm:txEffectClrLst/>
+  </dgm:styleLbl>
+  <dgm:styleLbl name="callout">
+    <dgm:fillClrLst meth="repeat">
+      <a:schemeClr val="accent1"/>
+    </dgm:fillClrLst>
+    <dgm:linClrLst meth="repeat">
+      <a:schemeClr val="accent1">
+        <a:tint val="50000"/>
+      </a:schemeClr>
+    </dgm:linClrLst>
+    <dgm:effectClrLst/>
+    <dgm:txLinClrLst/>
+    <dgm:txFillClrLst meth="repeat">
+      <a:schemeClr val="tx1"/>
+    </dgm:txFillClrLst>
+    <dgm:txEffectClrLst/>
+  </dgm:styleLbl>
+  <dgm:styleLbl name="asst0">
+    <dgm:fillClrLst meth="repeat">
+      <a:schemeClr val="accent1"/>
+    </dgm:fillClrLst>
+    <dgm:linClrLst meth="repeat">
+      <a:schemeClr val="lt1"/>
+    </dgm:linClrLst>
+    <dgm:effectClrLst/>
+    <dgm:txLinClrLst/>
+    <dgm:txFillClrLst/>
+    <dgm:txEffectClrLst/>
+  </dgm:styleLbl>
+  <dgm:styleLbl name="asst1">
+    <dgm:fillClrLst meth="repeat">
+      <a:schemeClr val="accent1"/>
+    </dgm:fillClrLst>
+    <dgm:linClrLst meth="repeat">
+      <a:schemeClr val="lt1"/>
+    </dgm:linClrLst>
+    <dgm:effectClrLst/>
+    <dgm:txLinClrLst/>
+    <dgm:txFillClrLst/>
+    <dgm:txEffectClrLst/>
+  </dgm:styleLbl>
+  <dgm:styleLbl name="asst2">
+    <dgm:fillClrLst meth="repeat">
+      <a:schemeClr val="accent1"/>
+    </dgm:fillClrLst>
+    <dgm:linClrLst meth="repeat">
+      <a:schemeClr val="lt1"/>
+    </dgm:linClrLst>
+    <dgm:effectClrLst/>
+    <dgm:txLinClrLst/>
+    <dgm:txFillClrLst/>
+    <dgm:txEffectClrLst/>
+  </dgm:styleLbl>
+  <dgm:styleLbl name="asst3">
+    <dgm:fillClrLst meth="repeat">
+      <a:schemeClr val="accent1"/>
+    </dgm:fillClrLst>
+    <dgm:linClrLst meth="repeat">
+      <a:schemeClr val="lt1"/>
+    </dgm:linClrLst>
+    <dgm:effectClrLst/>
+    <dgm:txLinClrLst/>
+    <dgm:txFillClrLst/>
+    <dgm:txEffectClrLst/>
+  </dgm:styleLbl>
+  <dgm:styleLbl name="asst4">
+    <dgm:fillClrLst meth="repeat">
+      <a:schemeClr val="accent1"/>
+    </dgm:fillClrLst>
+    <dgm:linClrLst meth="repeat">
+      <a:schemeClr val="lt1"/>
+    </dgm:linClrLst>
+    <dgm:effectClrLst/>
+    <dgm:txLinClrLst/>
+    <dgm:txFillClrLst/>
+    <dgm:txEffectClrLst/>
+  </dgm:styleLbl>
+  <dgm:styleLbl name="parChTrans2D1">
+    <dgm:fillClrLst meth="repeat">
+      <a:schemeClr val="accent1">
+        <a:tint val="60000"/>
+      </a:schemeClr>
+    </dgm:fillClrLst>
+    <dgm:linClrLst meth="repeat">
+      <a:schemeClr val="accent1">
+        <a:tint val="60000"/>
+      </a:schemeClr>
+    </dgm:linClrLst>
+    <dgm:effectClrLst/>
+    <dgm:txLinClrLst/>
+    <dgm:txFillClrLst meth="repeat">
+      <a:schemeClr val="lt1"/>
+    </dgm:txFillClrLst>
+    <dgm:txEffectClrLst/>
+  </dgm:styleLbl>
+  <dgm:styleLbl name="parChTrans2D2">
+    <dgm:fillClrLst meth="repeat">
+      <a:schemeClr val="accent1"/>
+    </dgm:fillClrLst>
+    <dgm:linClrLst meth="repeat">
+      <a:schemeClr val="accent1"/>
+    </dgm:linClrLst>
+    <dgm:effectClrLst/>
+    <dgm:txLinClrLst/>
+    <dgm:txFillClrLst meth="repeat">
+      <a:schemeClr val="lt1"/>
+    </dgm:txFillClrLst>
+    <dgm:txEffectClrLst/>
+  </dgm:styleLbl>
+  <dgm:styleLbl name="parChTrans2D3">
+    <dgm:fillClrLst meth="repeat">
+      <a:schemeClr val="accent1"/>
+    </dgm:fillClrLst>
+    <dgm:linClrLst meth="repeat">
+      <a:schemeClr val="accent1"/>
+    </dgm:linClrLst>
+    <dgm:effectClrLst/>
+    <dgm:txLinClrLst/>
+    <dgm:txFillClrLst meth="repeat">
+      <a:schemeClr val="lt1"/>
+    </dgm:txFillClrLst>
+    <dgm:txEffectClrLst/>
+  </dgm:styleLbl>
+  <dgm:styleLbl name="parChTrans2D4">
+    <dgm:fillClrLst meth="repeat">
+      <a:schemeClr val="accent1"/>
+    </dgm:fillClrLst>
+    <dgm:linClrLst meth="repeat">
+      <a:schemeClr val="accent1"/>
+    </dgm:linClrLst>
+    <dgm:effectClrLst/>
+    <dgm:txLinClrLst/>
+    <dgm:txFillClrLst meth="repeat">
+      <a:schemeClr val="lt1"/>
+    </dgm:txFillClrLst>
+    <dgm:txEffectClrLst/>
+  </dgm:styleLbl>
+  <dgm:styleLbl name="parChTrans1D1">
+    <dgm:fillClrLst meth="repeat">
+      <a:schemeClr val="accent1"/>
+    </dgm:fillClrLst>
+    <dgm:linClrLst meth="repeat">
+      <a:schemeClr val="accent1">
+        <a:shade val="60000"/>
+      </a:schemeClr>
+    </dgm:linClrLst>
+    <dgm:effectClrLst/>
+    <dgm:txLinClrLst/>
+    <dgm:txFillClrLst meth="repeat">
+      <a:schemeClr val="tx1"/>
+    </dgm:txFillClrLst>
+    <dgm:txEffectClrLst/>
+  </dgm:styleLbl>
+  <dgm:styleLbl name="parChTrans1D2">
+    <dgm:fillClrLst meth="repeat">
+      <a:schemeClr val="accent1"/>
+    </dgm:fillClrLst>
+    <dgm:linClrLst meth="repeat">
+      <a:schemeClr val="accent1">
+        <a:shade val="60000"/>
+      </a:schemeClr>
+    </dgm:linClrLst>
+    <dgm:effectClrLst/>
+    <dgm:txLinClrLst/>
+    <dgm:txFillClrLst meth="repeat">
+      <a:schemeClr val="tx1"/>
+    </dgm:txFillClrLst>
+    <dgm:txEffectClrLst/>
+  </dgm:styleLbl>
+  <dgm:styleLbl name="parChTrans1D3">
+    <dgm:fillClrLst meth="repeat">
+      <a:schemeClr val="accent1"/>
+    </dgm:fillClrLst>
+    <dgm:linClrLst meth="repeat">
+      <a:schemeClr val="accent1">
+        <a:shade val="80000"/>
+      </a:schemeClr>
+    </dgm:linClrLst>
+    <dgm:effectClrLst/>
+    <dgm:txLinClrLst/>
+    <dgm:txFillClrLst meth="repeat">
+      <a:schemeClr val="tx1"/>
+    </dgm:txFillClrLst>
+    <dgm:txEffectClrLst/>
+  </dgm:styleLbl>
+  <dgm:styleLbl name="parChTrans1D4">
+    <dgm:fillClrLst meth="repeat">
+      <a:schemeClr val="accent1"/>
+    </dgm:fillClrLst>
+    <dgm:linClrLst meth="repeat">
+      <a:schemeClr val="accent1">
+        <a:shade val="80000"/>
+      </a:schemeClr>
+    </dgm:linClrLst>
+    <dgm:effectClrLst/>
+    <dgm:txLinClrLst/>
+    <dgm:txFillClrLst meth="repeat">
+      <a:schemeClr val="tx1"/>
+    </dgm:txFillClrLst>
+    <dgm:txEffectClrLst/>
+  </dgm:styleLbl>
+  <dgm:styleLbl name="fgAcc1">
+    <dgm:fillClrLst meth="repeat">
+      <a:schemeClr val="lt1">
+        <a:alpha val="90000"/>
+      </a:schemeClr>
+    </dgm:fillClrLst>
+    <dgm:linClrLst meth="repeat">
+      <a:schemeClr val="accent1"/>
+    </dgm:linClrLst>
+    <dgm:effectClrLst/>
+    <dgm:txLinClrLst/>
+    <dgm:txFillClrLst meth="repeat">
+      <a:schemeClr val="dk1"/>
+    </dgm:txFillClrLst>
+    <dgm:txEffectClrLst/>
+  </dgm:styleLbl>
+  <dgm:styleLbl name="conFgAcc1">
+    <dgm:fillClrLst meth="repeat">
+      <a:schemeClr val="lt1">
+        <a:alpha val="90000"/>
+      </a:schemeClr>
+    </dgm:fillClrLst>
+    <dgm:linClrLst meth="repeat">
+      <a:schemeClr val="accent1"/>
+    </dgm:linClrLst>
+    <dgm:effectClrLst/>
+    <dgm:txLinClrLst/>
+    <dgm:txFillClrLst meth="repeat">
+      <a:schemeClr val="dk1"/>
+    </dgm:txFillClrLst>
+    <dgm:txEffectClrLst/>
+  </dgm:styleLbl>
+  <dgm:styleLbl name="alignAcc1">
+    <dgm:fillClrLst meth="repeat">
+      <a:schemeClr val="lt1">
+        <a:alpha val="90000"/>
+      </a:schemeClr>
+    </dgm:fillClrLst>
+    <dgm:linClrLst meth="repeat">
+      <a:schemeClr val="accent1"/>
+    </dgm:linClrLst>
+    <dgm:effectClrLst/>
+    <dgm:txLinClrLst/>
+    <dgm:txFillClrLst meth="repeat">
+      <a:schemeClr val="dk1"/>
+    </dgm:txFillClrLst>
+    <dgm:txEffectClrLst/>
+  </dgm:styleLbl>
+  <dgm:styleLbl name="trAlignAcc1">
+    <dgm:fillClrLst meth="repeat">
+      <a:schemeClr val="lt1">
+        <a:alpha val="40000"/>
+      </a:schemeClr>
+    </dgm:fillClrLst>
+    <dgm:linClrLst meth="repeat">
+      <a:schemeClr val="accent1"/>
+    </dgm:linClrLst>
+    <dgm:effectClrLst/>
+    <dgm:txLinClrLst/>
+    <dgm:txFillClrLst meth="repeat">
+      <a:schemeClr val="dk1"/>
+    </dgm:txFillClrLst>
+    <dgm:txEffectClrLst/>
+  </dgm:styleLbl>
+  <dgm:styleLbl name="bgAcc1">
+    <dgm:fillClrLst meth="repeat">
+      <a:schemeClr val="lt1">
+        <a:alpha val="90000"/>
+      </a:schemeClr>
+    </dgm:fillClrLst>
+    <dgm:linClrLst meth="repeat">
+      <a:schemeClr val="accent1"/>
+    </dgm:linClrLst>
+    <dgm:effectClrLst/>
+    <dgm:txLinClrLst/>
+    <dgm:txFillClrLst meth="repeat">
+      <a:schemeClr val="dk1"/>
+    </dgm:txFillClrLst>
+    <dgm:txEffectClrLst/>
+  </dgm:styleLbl>
+  <dgm:styleLbl name="solidFgAcc1">
+    <dgm:fillClrLst meth="repeat">
+      <a:schemeClr val="lt1"/>
+    </dgm:fillClrLst>
+    <dgm:linClrLst meth="repeat">
+      <a:schemeClr val="accent1"/>
+    </dgm:linClrLst>
+    <dgm:effectClrLst/>
+    <dgm:txLinClrLst/>
+    <dgm:txFillClrLst meth="repeat">
+      <a:schemeClr val="dk1"/>
+    </dgm:txFillClrLst>
+    <dgm:txEffectClrLst/>
+  </dgm:styleLbl>
+  <dgm:styleLbl name="solidAlignAcc1">
+    <dgm:fillClrLst meth="repeat">
+      <a:schemeClr val="lt1"/>
+    </dgm:fillClrLst>
+    <dgm:linClrLst meth="repeat">
+      <a:schemeClr val="accent1"/>
+    </dgm:linClrLst>
+    <dgm:effectClrLst/>
+    <dgm:txLinClrLst/>
+    <dgm:txFillClrLst meth="repeat">
+      <a:schemeClr val="dk1"/>
+    </dgm:txFillClrLst>
+    <dgm:txEffectClrLst/>
+  </dgm:styleLbl>
+  <dgm:styleLbl name="solidBgAcc1">
+    <dgm:fillClrLst meth="repeat">
+      <a:schemeClr val="lt1"/>
+    </dgm:fillClrLst>
+    <dgm:linClrLst meth="repeat">
+      <a:schemeClr val="accent1"/>
+    </dgm:linClrLst>
+    <dgm:effectClrLst/>
+    <dgm:txLinClrLst/>
+    <dgm:txFillClrLst meth="repeat">
+      <a:schemeClr val="dk1"/>
+    </dgm:txFillClrLst>
+    <dgm:txEffectClrLst/>
+  </dgm:styleLbl>
+  <dgm:styleLbl name="fgAccFollowNode1">
+    <dgm:fillClrLst meth="repeat">
+      <a:schemeClr val="accent1">
+        <a:alpha val="90000"/>
+        <a:tint val="40000"/>
+      </a:schemeClr>
+    </dgm:fillClrLst>
+    <dgm:linClrLst meth="repeat">
+      <a:schemeClr val="accent1">
+        <a:alpha val="90000"/>
+        <a:tint val="40000"/>
+      </a:schemeClr>
+    </dgm:linClrLst>
+    <dgm:effectClrLst/>
+    <dgm:txLinClrLst/>
+    <dgm:txFillClrLst meth="repeat">
+      <a:schemeClr val="dk1"/>
+    </dgm:txFillClrLst>
+    <dgm:txEffectClrLst/>
+  </dgm:styleLbl>
+  <dgm:styleLbl name="alignAccFollowNode1">
+    <dgm:fillClrLst meth="repeat">
+      <a:schemeClr val="accent1">
+        <a:alpha val="90000"/>
+        <a:tint val="40000"/>
+      </a:schemeClr>
+    </dgm:fillClrLst>
+    <dgm:linClrLst meth="repeat">
+      <a:schemeClr val="accent1">
+        <a:alpha val="90000"/>
+        <a:tint val="40000"/>
+      </a:schemeClr>
+    </dgm:linClrLst>
+    <dgm:effectClrLst/>
+    <dgm:txLinClrLst/>
+    <dgm:txFillClrLst meth="repeat">
+      <a:schemeClr val="dk1"/>
+    </dgm:txFillClrLst>
+    <dgm:txEffectClrLst/>
+  </dgm:styleLbl>
+  <dgm:styleLbl name="bgAccFollowNode1">
+    <dgm:fillClrLst meth="repeat">
+      <a:schemeClr val="accent1">
+        <a:alpha val="90000"/>
+        <a:tint val="40000"/>
+      </a:schemeClr>
+    </dgm:fillClrLst>
+    <dgm:linClrLst meth="repeat">
+      <a:schemeClr val="accent1">
+        <a:alpha val="90000"/>
+        <a:tint val="40000"/>
+      </a:schemeClr>
+    </dgm:linClrLst>
+    <dgm:effectClrLst/>
+    <dgm:txLinClrLst/>
+    <dgm:txFillClrLst meth="repeat">
+      <a:schemeClr val="dk1"/>
+    </dgm:txFillClrLst>
+    <dgm:txEffectClrLst/>
+  </dgm:styleLbl>
+  <dgm:styleLbl name="fgAcc0">
+    <dgm:fillClrLst meth="repeat">
+      <a:schemeClr val="lt1">
+        <a:alpha val="90000"/>
+      </a:schemeClr>
+    </dgm:fillClrLst>
+    <dgm:linClrLst meth="repeat">
+      <a:schemeClr val="accent1"/>
+    </dgm:linClrLst>
+    <dgm:effectClrLst/>
+    <dgm:txLinClrLst/>
+    <dgm:txFillClrLst meth="repeat">
+      <a:schemeClr val="dk1"/>
+    </dgm:txFillClrLst>
+    <dgm:txEffectClrLst/>
+  </dgm:styleLbl>
+  <dgm:styleLbl name="fgAcc2">
+    <dgm:fillClrLst meth="repeat">
+      <a:schemeClr val="lt1">
+        <a:alpha val="90000"/>
+      </a:schemeClr>
+    </dgm:fillClrLst>
+    <dgm:linClrLst meth="repeat">
+      <a:schemeClr val="accent1"/>
+    </dgm:linClrLst>
+    <dgm:effectClrLst/>
+    <dgm:txLinClrLst/>
+    <dgm:txFillClrLst meth="repeat">
+      <a:schemeClr val="dk1"/>
+    </dgm:txFillClrLst>
+    <dgm:txEffectClrLst/>
+  </dgm:styleLbl>
+  <dgm:styleLbl name="fgAcc3">
+    <dgm:fillClrLst meth="repeat">
+      <a:schemeClr val="lt1">
+        <a:alpha val="90000"/>
+      </a:schemeClr>
+    </dgm:fillClrLst>
+    <dgm:linClrLst meth="repeat">
+      <a:schemeClr val="accent1"/>
+    </dgm:linClrLst>
+    <dgm:effectClrLst/>
+    <dgm:txLinClrLst/>
+    <dgm:txFillClrLst meth="repeat">
+      <a:schemeClr val="dk1"/>
+    </dgm:txFillClrLst>
+    <dgm:txEffectClrLst/>
+  </dgm:styleLbl>
+  <dgm:styleLbl name="fgAcc4">
+    <dgm:fillClrLst meth="repeat">
+      <a:schemeClr val="lt1">
+        <a:alpha val="90000"/>
+      </a:schemeClr>
+    </dgm:fillClrLst>
+    <dgm:linClrLst meth="repeat">
+      <a:schemeClr val="accent1"/>
+    </dgm:linClrLst>
+    <dgm:effectClrLst/>
+    <dgm:txLinClrLst/>
+    <dgm:txFillClrLst meth="repeat">
+      <a:schemeClr val="dk1"/>
+    </dgm:txFillClrLst>
+    <dgm:txEffectClrLst/>
+  </dgm:styleLbl>
+  <dgm:styleLbl name="bgShp">
+    <dgm:fillClrLst meth="repeat">
+      <a:schemeClr val="accent1">
+        <a:tint val="40000"/>
+      </a:schemeClr>
+    </dgm:fillClrLst>
+    <dgm:linClrLst meth="repeat">
+      <a:schemeClr val="accent1"/>
+    </dgm:linClrLst>
+    <dgm:effectClrLst/>
+    <dgm:txLinClrLst/>
+    <dgm:txFillClrLst meth="repeat">
+      <a:schemeClr val="dk1"/>
+    </dgm:txFillClrLst>
+    <dgm:txEffectClrLst/>
+  </dgm:styleLbl>
+  <dgm:styleLbl name="dkBgShp">
+    <dgm:fillClrLst meth="repeat">
+      <a:schemeClr val="accent1">
+        <a:shade val="80000"/>
+      </a:schemeClr>
+    </dgm:fillClrLst>
+    <dgm:linClrLst meth="repeat">
+      <a:schemeClr val="accent1"/>
+    </dgm:linClrLst>
+    <dgm:effectClrLst/>
+    <dgm:txLinClrLst/>
+    <dgm:txFillClrLst meth="repeat">
+      <a:schemeClr val="lt1"/>
+    </dgm:txFillClrLst>
+    <dgm:txEffectClrLst/>
+  </dgm:styleLbl>
+  <dgm:styleLbl name="trBgShp">
+    <dgm:fillClrLst meth="repeat">
+      <a:schemeClr val="accent1">
+        <a:tint val="50000"/>
+        <a:alpha val="40000"/>
+      </a:schemeClr>
+    </dgm:fillClrLst>
+    <dgm:linClrLst meth="repeat">
+      <a:schemeClr val="accent1"/>
+    </dgm:linClrLst>
+    <dgm:effectClrLst/>
+    <dgm:txLinClrLst/>
+    <dgm:txFillClrLst meth="repeat">
+      <a:schemeClr val="lt1"/>
+    </dgm:txFillClrLst>
+    <dgm:txEffectClrLst/>
+  </dgm:styleLbl>
+  <dgm:styleLbl name="fgShp">
+    <dgm:fillClrLst meth="repeat">
+      <a:schemeClr val="accent1">
+        <a:tint val="60000"/>
+      </a:schemeClr>
+    </dgm:fillClrLst>
+    <dgm:linClrLst meth="repeat">
+      <a:schemeClr val="lt1"/>
+    </dgm:linClrLst>
+    <dgm:effectClrLst/>
+    <dgm:txLinClrLst/>
+    <dgm:txFillClrLst meth="repeat">
+      <a:schemeClr val="dk1"/>
+    </dgm:txFillClrLst>
+    <dgm:txEffectClrLst/>
+  </dgm:styleLbl>
+  <dgm:styleLbl name="revTx">
+    <dgm:fillClrLst meth="repeat">
+      <a:schemeClr val="lt1">
+        <a:alpha val="0"/>
+      </a:schemeClr>
+    </dgm:fillClrLst>
+    <dgm:linClrLst meth="repeat">
+      <a:schemeClr val="dk1">
+        <a:alpha val="0"/>
+      </a:schemeClr>
+    </dgm:linClrLst>
+    <dgm:effectClrLst/>
+    <dgm:txLinClrLst/>
+    <dgm:txFillClrLst meth="repeat">
+      <a:schemeClr val="tx1"/>
+    </dgm:txFillClrLst>
+    <dgm:txEffectClrLst/>
+  </dgm:styleLbl>
+</dgm:colorsDef>
+</file>
+
+<file path=ppt/diagrams/colors4.xml><?xml version="1.0" encoding="utf-8"?>
 <dgm:colorsDef xmlns:dgm="http://schemas.openxmlformats.org/drawingml/2006/diagram" xmlns:a="http://schemas.openxmlformats.org/drawingml/2006/main" uniqueId="urn:microsoft.com/office/officeart/2018/5/colors/Iconchunking_neutralbg_colorful5">
   <dgm:title val=""/>
   <dgm:desc val=""/>
@@ -3478,6 +4225,587 @@
 </file>
 
 <file path=ppt/diagrams/data3.xml><?xml version="1.0" encoding="utf-8"?>
+<dgm:dataModel xmlns:dgm="http://schemas.openxmlformats.org/drawingml/2006/diagram" xmlns:a="http://schemas.openxmlformats.org/drawingml/2006/main">
+  <dgm:ptLst>
+    <dgm:pt modelId="{A3B02E71-606B-42F9-81A1-B5C5D4A45774}" type="doc">
+      <dgm:prSet loTypeId="urn:microsoft.com/office/officeart/2005/8/layout/vList2" loCatId="list" qsTypeId="urn:microsoft.com/office/officeart/2005/8/quickstyle/simple1" qsCatId="simple" csTypeId="urn:microsoft.com/office/officeart/2005/8/colors/accent1_2" csCatId="accent1"/>
+      <dgm:spPr/>
+      <dgm:t>
+        <a:bodyPr/>
+        <a:lstStyle/>
+        <a:p>
+          <a:endParaRPr lang="en-US"/>
+        </a:p>
+      </dgm:t>
+    </dgm:pt>
+    <dgm:pt modelId="{2F0331C9-3CB6-486E-B0E1-4A883F14BE9B}">
+      <dgm:prSet/>
+      <dgm:spPr/>
+      <dgm:t>
+        <a:bodyPr/>
+        <a:lstStyle/>
+        <a:p>
+          <a:r>
+            <a:rPr lang="pl-PL"/>
+            <a:t>Planowanie i analiza potrzeb użytkowników:</a:t>
+          </a:r>
+          <a:endParaRPr lang="en-US"/>
+        </a:p>
+      </dgm:t>
+    </dgm:pt>
+    <dgm:pt modelId="{24E26E7E-DAC8-462B-BDDD-1CD7728F6786}" type="parTrans" cxnId="{FB976CC2-9BBD-4B92-AC22-2BF2532D76C9}">
+      <dgm:prSet/>
+      <dgm:spPr/>
+      <dgm:t>
+        <a:bodyPr/>
+        <a:lstStyle/>
+        <a:p>
+          <a:endParaRPr lang="en-US"/>
+        </a:p>
+      </dgm:t>
+    </dgm:pt>
+    <dgm:pt modelId="{328370D4-156A-4EDE-ADA7-D15AC424B84C}" type="sibTrans" cxnId="{FB976CC2-9BBD-4B92-AC22-2BF2532D76C9}">
+      <dgm:prSet/>
+      <dgm:spPr/>
+      <dgm:t>
+        <a:bodyPr/>
+        <a:lstStyle/>
+        <a:p>
+          <a:endParaRPr lang="en-US"/>
+        </a:p>
+      </dgm:t>
+    </dgm:pt>
+    <dgm:pt modelId="{78F7AE4A-3DBB-435C-BC62-161F6780E753}">
+      <dgm:prSet/>
+      <dgm:spPr/>
+      <dgm:t>
+        <a:bodyPr/>
+        <a:lstStyle/>
+        <a:p>
+          <a:r>
+            <a:rPr lang="pl-PL"/>
+            <a:t>przeprowadzenie wywiadów z pracownikami galerii sztuki, aby lepiej zrozumieć ich potrzeby i oczekiwania,</a:t>
+          </a:r>
+          <a:endParaRPr lang="en-US"/>
+        </a:p>
+      </dgm:t>
+    </dgm:pt>
+    <dgm:pt modelId="{9A06774F-041C-4C0D-B637-61319CCF1531}" type="parTrans" cxnId="{3B469432-A81C-456C-BC27-8E05F8DCA0B4}">
+      <dgm:prSet/>
+      <dgm:spPr/>
+      <dgm:t>
+        <a:bodyPr/>
+        <a:lstStyle/>
+        <a:p>
+          <a:endParaRPr lang="en-US"/>
+        </a:p>
+      </dgm:t>
+    </dgm:pt>
+    <dgm:pt modelId="{FA203303-85A2-4E86-9052-6AD0C264FDA5}" type="sibTrans" cxnId="{3B469432-A81C-456C-BC27-8E05F8DCA0B4}">
+      <dgm:prSet/>
+      <dgm:spPr/>
+      <dgm:t>
+        <a:bodyPr/>
+        <a:lstStyle/>
+        <a:p>
+          <a:endParaRPr lang="en-US"/>
+        </a:p>
+      </dgm:t>
+    </dgm:pt>
+    <dgm:pt modelId="{7EB1F8BF-638D-4D4B-8E00-107CBF750669}">
+      <dgm:prSet/>
+      <dgm:spPr/>
+      <dgm:t>
+        <a:bodyPr/>
+        <a:lstStyle/>
+        <a:p>
+          <a:r>
+            <a:rPr lang="pl-PL"/>
+            <a:t>analiza istniejących rozwiązań na rynku, identyfikacja ich ograniczeń oraz możliwości adaptacji do mniejszych instytucji.</a:t>
+          </a:r>
+          <a:endParaRPr lang="en-US"/>
+        </a:p>
+      </dgm:t>
+    </dgm:pt>
+    <dgm:pt modelId="{EBE70E7F-369C-4C87-8F45-421F6BA5FF2D}" type="parTrans" cxnId="{32D06FA3-C8B5-402A-A65D-8F9E5DDC01F7}">
+      <dgm:prSet/>
+      <dgm:spPr/>
+      <dgm:t>
+        <a:bodyPr/>
+        <a:lstStyle/>
+        <a:p>
+          <a:endParaRPr lang="en-US"/>
+        </a:p>
+      </dgm:t>
+    </dgm:pt>
+    <dgm:pt modelId="{16A87904-9041-456B-B8A3-176997524F78}" type="sibTrans" cxnId="{32D06FA3-C8B5-402A-A65D-8F9E5DDC01F7}">
+      <dgm:prSet/>
+      <dgm:spPr/>
+      <dgm:t>
+        <a:bodyPr/>
+        <a:lstStyle/>
+        <a:p>
+          <a:endParaRPr lang="en-US"/>
+        </a:p>
+      </dgm:t>
+    </dgm:pt>
+    <dgm:pt modelId="{5CFA73B5-F015-4DFA-9676-04392FA3EC96}">
+      <dgm:prSet/>
+      <dgm:spPr/>
+      <dgm:t>
+        <a:bodyPr/>
+        <a:lstStyle/>
+        <a:p>
+          <a:r>
+            <a:rPr lang="pl-PL"/>
+            <a:t>Projektowanie systemu:</a:t>
+          </a:r>
+          <a:endParaRPr lang="en-US"/>
+        </a:p>
+      </dgm:t>
+    </dgm:pt>
+    <dgm:pt modelId="{CDEA0460-AAB8-4189-8CB3-7417E352C2D2}" type="parTrans" cxnId="{96196C23-7C63-4476-BF4F-840A021F0902}">
+      <dgm:prSet/>
+      <dgm:spPr/>
+      <dgm:t>
+        <a:bodyPr/>
+        <a:lstStyle/>
+        <a:p>
+          <a:endParaRPr lang="en-US"/>
+        </a:p>
+      </dgm:t>
+    </dgm:pt>
+    <dgm:pt modelId="{3E08BEBD-C9A5-40CD-8A3E-F2A8C4AC1A31}" type="sibTrans" cxnId="{96196C23-7C63-4476-BF4F-840A021F0902}">
+      <dgm:prSet/>
+      <dgm:spPr/>
+      <dgm:t>
+        <a:bodyPr/>
+        <a:lstStyle/>
+        <a:p>
+          <a:endParaRPr lang="en-US"/>
+        </a:p>
+      </dgm:t>
+    </dgm:pt>
+    <dgm:pt modelId="{A6356A92-B62C-4F9D-845E-4ECECC50E916}">
+      <dgm:prSet/>
+      <dgm:spPr/>
+      <dgm:t>
+        <a:bodyPr/>
+        <a:lstStyle/>
+        <a:p>
+          <a:r>
+            <a:rPr lang="pl-PL"/>
+            <a:t>stworzenie diagramów UML, m.in. diagramów aktywności oraz przypadków użycia, aby szczegółowo zaplanować funkcje systemu,</a:t>
+          </a:r>
+          <a:endParaRPr lang="en-US"/>
+        </a:p>
+      </dgm:t>
+    </dgm:pt>
+    <dgm:pt modelId="{365A780E-1849-4A38-9A19-48EA0D05939B}" type="parTrans" cxnId="{8B1D4655-659F-4722-B272-129DD3DAA451}">
+      <dgm:prSet/>
+      <dgm:spPr/>
+      <dgm:t>
+        <a:bodyPr/>
+        <a:lstStyle/>
+        <a:p>
+          <a:endParaRPr lang="en-US"/>
+        </a:p>
+      </dgm:t>
+    </dgm:pt>
+    <dgm:pt modelId="{ED3630C0-3F7C-4293-BADF-F1B9FF67B5AE}" type="sibTrans" cxnId="{8B1D4655-659F-4722-B272-129DD3DAA451}">
+      <dgm:prSet/>
+      <dgm:spPr/>
+      <dgm:t>
+        <a:bodyPr/>
+        <a:lstStyle/>
+        <a:p>
+          <a:endParaRPr lang="en-US"/>
+        </a:p>
+      </dgm:t>
+    </dgm:pt>
+    <dgm:pt modelId="{07B2306D-89C5-4C95-B2F3-B802D5683F79}">
+      <dgm:prSet/>
+      <dgm:spPr/>
+      <dgm:t>
+        <a:bodyPr/>
+        <a:lstStyle/>
+        <a:p>
+          <a:r>
+            <a:rPr lang="pl-PL"/>
+            <a:t>opracowanie struktury bazy danych i kluczowych relacji między tabelami w SQLite.</a:t>
+          </a:r>
+          <a:endParaRPr lang="en-US"/>
+        </a:p>
+      </dgm:t>
+    </dgm:pt>
+    <dgm:pt modelId="{CED0905E-C11F-4037-9A2A-B9A84DBDDCA5}" type="parTrans" cxnId="{AB630130-5262-43E2-AD46-C7079C2C6D16}">
+      <dgm:prSet/>
+      <dgm:spPr/>
+      <dgm:t>
+        <a:bodyPr/>
+        <a:lstStyle/>
+        <a:p>
+          <a:endParaRPr lang="en-US"/>
+        </a:p>
+      </dgm:t>
+    </dgm:pt>
+    <dgm:pt modelId="{75C5B5ED-BF0A-42CC-BC57-002A2539D00B}" type="sibTrans" cxnId="{AB630130-5262-43E2-AD46-C7079C2C6D16}">
+      <dgm:prSet/>
+      <dgm:spPr/>
+      <dgm:t>
+        <a:bodyPr/>
+        <a:lstStyle/>
+        <a:p>
+          <a:endParaRPr lang="en-US"/>
+        </a:p>
+      </dgm:t>
+    </dgm:pt>
+    <dgm:pt modelId="{81B63806-7780-44D3-9870-2A83786DFBE1}">
+      <dgm:prSet/>
+      <dgm:spPr/>
+      <dgm:t>
+        <a:bodyPr/>
+        <a:lstStyle/>
+        <a:p>
+          <a:r>
+            <a:rPr lang="pl-PL"/>
+            <a:t>Zarządzanie projektem:</a:t>
+          </a:r>
+          <a:endParaRPr lang="en-US"/>
+        </a:p>
+      </dgm:t>
+    </dgm:pt>
+    <dgm:pt modelId="{DE0233B1-CD72-49E5-81F4-537A129CDCF2}" type="parTrans" cxnId="{9B85F2D2-534E-4203-8EDA-ED97D81512DF}">
+      <dgm:prSet/>
+      <dgm:spPr/>
+      <dgm:t>
+        <a:bodyPr/>
+        <a:lstStyle/>
+        <a:p>
+          <a:endParaRPr lang="en-US"/>
+        </a:p>
+      </dgm:t>
+    </dgm:pt>
+    <dgm:pt modelId="{2AD24526-28E7-40E3-9220-BE9780212C11}" type="sibTrans" cxnId="{9B85F2D2-534E-4203-8EDA-ED97D81512DF}">
+      <dgm:prSet/>
+      <dgm:spPr/>
+      <dgm:t>
+        <a:bodyPr/>
+        <a:lstStyle/>
+        <a:p>
+          <a:endParaRPr lang="en-US"/>
+        </a:p>
+      </dgm:t>
+    </dgm:pt>
+    <dgm:pt modelId="{AFB30F3B-1D89-4F1D-AFFB-90A70B4EFD41}">
+      <dgm:prSet/>
+      <dgm:spPr/>
+      <dgm:t>
+        <a:bodyPr/>
+        <a:lstStyle/>
+        <a:p>
+          <a:r>
+            <a:rPr lang="pl-PL"/>
+            <a:t>wykorzystanie narzędzia Trello do monitorowania postępu prac oraz efektywnej komunikacji w zespole,</a:t>
+          </a:r>
+          <a:endParaRPr lang="en-US"/>
+        </a:p>
+      </dgm:t>
+    </dgm:pt>
+    <dgm:pt modelId="{7CF95CAB-76DF-429E-BDB9-1D4B5D0E077D}" type="parTrans" cxnId="{8529AD5C-27FB-48AF-B38B-B0AE7EC04477}">
+      <dgm:prSet/>
+      <dgm:spPr/>
+      <dgm:t>
+        <a:bodyPr/>
+        <a:lstStyle/>
+        <a:p>
+          <a:endParaRPr lang="en-US"/>
+        </a:p>
+      </dgm:t>
+    </dgm:pt>
+    <dgm:pt modelId="{9B0D78FE-488D-4998-B2BE-9899C89EA458}" type="sibTrans" cxnId="{8529AD5C-27FB-48AF-B38B-B0AE7EC04477}">
+      <dgm:prSet/>
+      <dgm:spPr/>
+      <dgm:t>
+        <a:bodyPr/>
+        <a:lstStyle/>
+        <a:p>
+          <a:endParaRPr lang="en-US"/>
+        </a:p>
+      </dgm:t>
+    </dgm:pt>
+    <dgm:pt modelId="{EFB9B0C8-FDE9-44FB-AFA1-C62102880853}">
+      <dgm:prSet/>
+      <dgm:spPr/>
+      <dgm:t>
+        <a:bodyPr/>
+        <a:lstStyle/>
+        <a:p>
+          <a:r>
+            <a:rPr lang="pl-PL"/>
+            <a:t>zastosowanie systemu kontroli wersji Git oraz platformy GitHub w celu zarządzania kodem źródłowym i wersjonowania projektu.</a:t>
+          </a:r>
+          <a:endParaRPr lang="en-US"/>
+        </a:p>
+      </dgm:t>
+    </dgm:pt>
+    <dgm:pt modelId="{E4BCD9AD-83F9-4FB1-8B5B-96FC7C5B0372}" type="parTrans" cxnId="{6B2FA5DE-51ED-4B6A-BDBD-6E978BED5A96}">
+      <dgm:prSet/>
+      <dgm:spPr/>
+      <dgm:t>
+        <a:bodyPr/>
+        <a:lstStyle/>
+        <a:p>
+          <a:endParaRPr lang="en-US"/>
+        </a:p>
+      </dgm:t>
+    </dgm:pt>
+    <dgm:pt modelId="{4113CAAE-3335-41FE-B259-E0EC810617C6}" type="sibTrans" cxnId="{6B2FA5DE-51ED-4B6A-BDBD-6E978BED5A96}">
+      <dgm:prSet/>
+      <dgm:spPr/>
+      <dgm:t>
+        <a:bodyPr/>
+        <a:lstStyle/>
+        <a:p>
+          <a:endParaRPr lang="en-US"/>
+        </a:p>
+      </dgm:t>
+    </dgm:pt>
+    <dgm:pt modelId="{4DA97520-DD3D-436C-92E9-9B1738185C40}">
+      <dgm:prSet/>
+      <dgm:spPr/>
+      <dgm:t>
+        <a:bodyPr/>
+        <a:lstStyle/>
+        <a:p>
+          <a:r>
+            <a:rPr lang="pl-PL"/>
+            <a:t>Testowanie i optymalizacja:</a:t>
+          </a:r>
+          <a:endParaRPr lang="en-US"/>
+        </a:p>
+      </dgm:t>
+    </dgm:pt>
+    <dgm:pt modelId="{43222112-EC85-44D7-BC86-6B3C60492269}" type="parTrans" cxnId="{DE168C9F-68A3-4B6C-96C1-263EED1D7BB6}">
+      <dgm:prSet/>
+      <dgm:spPr/>
+      <dgm:t>
+        <a:bodyPr/>
+        <a:lstStyle/>
+        <a:p>
+          <a:endParaRPr lang="en-US"/>
+        </a:p>
+      </dgm:t>
+    </dgm:pt>
+    <dgm:pt modelId="{569E5BCF-B29A-4596-90E6-E6A79FCDD191}" type="sibTrans" cxnId="{DE168C9F-68A3-4B6C-96C1-263EED1D7BB6}">
+      <dgm:prSet/>
+      <dgm:spPr/>
+      <dgm:t>
+        <a:bodyPr/>
+        <a:lstStyle/>
+        <a:p>
+          <a:endParaRPr lang="en-US"/>
+        </a:p>
+      </dgm:t>
+    </dgm:pt>
+    <dgm:pt modelId="{13B160F6-EAAF-4E15-A72F-9710BCD67DD2}">
+      <dgm:prSet/>
+      <dgm:spPr/>
+      <dgm:t>
+        <a:bodyPr/>
+        <a:lstStyle/>
+        <a:p>
+          <a:r>
+            <a:rPr lang="pl-PL"/>
+            <a:t>testy manualne w celu weryfikacji poprawności działania aplikacji,</a:t>
+          </a:r>
+          <a:endParaRPr lang="en-US"/>
+        </a:p>
+      </dgm:t>
+    </dgm:pt>
+    <dgm:pt modelId="{01DBE074-2083-4815-94EE-A168FA1D2119}" type="parTrans" cxnId="{39A582FF-8AA8-4C2B-B0B9-A87B5C2F9E00}">
+      <dgm:prSet/>
+      <dgm:spPr/>
+      <dgm:t>
+        <a:bodyPr/>
+        <a:lstStyle/>
+        <a:p>
+          <a:endParaRPr lang="en-US"/>
+        </a:p>
+      </dgm:t>
+    </dgm:pt>
+    <dgm:pt modelId="{9F3824A0-1336-4DD6-B04D-C76E8D1FBA13}" type="sibTrans" cxnId="{39A582FF-8AA8-4C2B-B0B9-A87B5C2F9E00}">
+      <dgm:prSet/>
+      <dgm:spPr/>
+      <dgm:t>
+        <a:bodyPr/>
+        <a:lstStyle/>
+        <a:p>
+          <a:endParaRPr lang="en-US"/>
+        </a:p>
+      </dgm:t>
+    </dgm:pt>
+    <dgm:pt modelId="{F29BD005-2910-4756-83D9-A0535CC09AFE}">
+      <dgm:prSet/>
+      <dgm:spPr/>
+      <dgm:t>
+        <a:bodyPr/>
+        <a:lstStyle/>
+        <a:p>
+          <a:r>
+            <a:rPr lang="pl-PL"/>
+            <a:t>optymalizacja działania aplikacji pod kątem wydajności i zarządzania pamięcią.</a:t>
+          </a:r>
+          <a:endParaRPr lang="en-US"/>
+        </a:p>
+      </dgm:t>
+    </dgm:pt>
+    <dgm:pt modelId="{15A58DF7-12F7-48DB-9FFE-BC513603C932}" type="parTrans" cxnId="{02CC0471-F6E9-47A4-BC75-7770E280E615}">
+      <dgm:prSet/>
+      <dgm:spPr/>
+      <dgm:t>
+        <a:bodyPr/>
+        <a:lstStyle/>
+        <a:p>
+          <a:endParaRPr lang="en-US"/>
+        </a:p>
+      </dgm:t>
+    </dgm:pt>
+    <dgm:pt modelId="{244B6192-1AF4-47E4-AB83-13CC664CD330}" type="sibTrans" cxnId="{02CC0471-F6E9-47A4-BC75-7770E280E615}">
+      <dgm:prSet/>
+      <dgm:spPr/>
+      <dgm:t>
+        <a:bodyPr/>
+        <a:lstStyle/>
+        <a:p>
+          <a:endParaRPr lang="en-US"/>
+        </a:p>
+      </dgm:t>
+    </dgm:pt>
+    <dgm:pt modelId="{8385B3D1-01B0-40F2-AABF-BB4CD566C8CC}" type="pres">
+      <dgm:prSet presAssocID="{A3B02E71-606B-42F9-81A1-B5C5D4A45774}" presName="linear" presStyleCnt="0">
+        <dgm:presLayoutVars>
+          <dgm:animLvl val="lvl"/>
+          <dgm:resizeHandles val="exact"/>
+        </dgm:presLayoutVars>
+      </dgm:prSet>
+      <dgm:spPr/>
+    </dgm:pt>
+    <dgm:pt modelId="{0205322D-9150-4E55-A0E8-4B535801ADF3}" type="pres">
+      <dgm:prSet presAssocID="{2F0331C9-3CB6-486E-B0E1-4A883F14BE9B}" presName="parentText" presStyleLbl="node1" presStyleIdx="0" presStyleCnt="4">
+        <dgm:presLayoutVars>
+          <dgm:chMax val="0"/>
+          <dgm:bulletEnabled val="1"/>
+        </dgm:presLayoutVars>
+      </dgm:prSet>
+      <dgm:spPr/>
+    </dgm:pt>
+    <dgm:pt modelId="{236ACD88-A847-4A99-B076-17983B61C956}" type="pres">
+      <dgm:prSet presAssocID="{2F0331C9-3CB6-486E-B0E1-4A883F14BE9B}" presName="childText" presStyleLbl="revTx" presStyleIdx="0" presStyleCnt="4">
+        <dgm:presLayoutVars>
+          <dgm:bulletEnabled val="1"/>
+        </dgm:presLayoutVars>
+      </dgm:prSet>
+      <dgm:spPr/>
+    </dgm:pt>
+    <dgm:pt modelId="{6408D585-6BDD-42DC-B309-D3A67B08A7DA}" type="pres">
+      <dgm:prSet presAssocID="{5CFA73B5-F015-4DFA-9676-04392FA3EC96}" presName="parentText" presStyleLbl="node1" presStyleIdx="1" presStyleCnt="4">
+        <dgm:presLayoutVars>
+          <dgm:chMax val="0"/>
+          <dgm:bulletEnabled val="1"/>
+        </dgm:presLayoutVars>
+      </dgm:prSet>
+      <dgm:spPr/>
+    </dgm:pt>
+    <dgm:pt modelId="{2B0B1430-B5F6-4F51-9F9D-2F72B5B4E90A}" type="pres">
+      <dgm:prSet presAssocID="{5CFA73B5-F015-4DFA-9676-04392FA3EC96}" presName="childText" presStyleLbl="revTx" presStyleIdx="1" presStyleCnt="4">
+        <dgm:presLayoutVars>
+          <dgm:bulletEnabled val="1"/>
+        </dgm:presLayoutVars>
+      </dgm:prSet>
+      <dgm:spPr/>
+    </dgm:pt>
+    <dgm:pt modelId="{ABF19841-DE6F-4811-B38A-5C4A23A86C2F}" type="pres">
+      <dgm:prSet presAssocID="{81B63806-7780-44D3-9870-2A83786DFBE1}" presName="parentText" presStyleLbl="node1" presStyleIdx="2" presStyleCnt="4">
+        <dgm:presLayoutVars>
+          <dgm:chMax val="0"/>
+          <dgm:bulletEnabled val="1"/>
+        </dgm:presLayoutVars>
+      </dgm:prSet>
+      <dgm:spPr/>
+    </dgm:pt>
+    <dgm:pt modelId="{F7B3214E-C48E-4915-B554-DAE73790C5DF}" type="pres">
+      <dgm:prSet presAssocID="{81B63806-7780-44D3-9870-2A83786DFBE1}" presName="childText" presStyleLbl="revTx" presStyleIdx="2" presStyleCnt="4">
+        <dgm:presLayoutVars>
+          <dgm:bulletEnabled val="1"/>
+        </dgm:presLayoutVars>
+      </dgm:prSet>
+      <dgm:spPr/>
+    </dgm:pt>
+    <dgm:pt modelId="{EF3943DB-38D2-42C5-AFC9-F5C9AEB635C7}" type="pres">
+      <dgm:prSet presAssocID="{4DA97520-DD3D-436C-92E9-9B1738185C40}" presName="parentText" presStyleLbl="node1" presStyleIdx="3" presStyleCnt="4">
+        <dgm:presLayoutVars>
+          <dgm:chMax val="0"/>
+          <dgm:bulletEnabled val="1"/>
+        </dgm:presLayoutVars>
+      </dgm:prSet>
+      <dgm:spPr/>
+    </dgm:pt>
+    <dgm:pt modelId="{72834F95-7E8D-4A9D-B93B-91EBDDC5D555}" type="pres">
+      <dgm:prSet presAssocID="{4DA97520-DD3D-436C-92E9-9B1738185C40}" presName="childText" presStyleLbl="revTx" presStyleIdx="3" presStyleCnt="4">
+        <dgm:presLayoutVars>
+          <dgm:bulletEnabled val="1"/>
+        </dgm:presLayoutVars>
+      </dgm:prSet>
+      <dgm:spPr/>
+    </dgm:pt>
+  </dgm:ptLst>
+  <dgm:cxnLst>
+    <dgm:cxn modelId="{17EE8819-A585-4043-B6A4-9245CB5C432C}" type="presOf" srcId="{F29BD005-2910-4756-83D9-A0535CC09AFE}" destId="{72834F95-7E8D-4A9D-B93B-91EBDDC5D555}" srcOrd="0" destOrd="1" presId="urn:microsoft.com/office/officeart/2005/8/layout/vList2"/>
+    <dgm:cxn modelId="{0276D321-0975-452E-9F56-1F5AF315CF14}" type="presOf" srcId="{4DA97520-DD3D-436C-92E9-9B1738185C40}" destId="{EF3943DB-38D2-42C5-AFC9-F5C9AEB635C7}" srcOrd="0" destOrd="0" presId="urn:microsoft.com/office/officeart/2005/8/layout/vList2"/>
+    <dgm:cxn modelId="{96196C23-7C63-4476-BF4F-840A021F0902}" srcId="{A3B02E71-606B-42F9-81A1-B5C5D4A45774}" destId="{5CFA73B5-F015-4DFA-9676-04392FA3EC96}" srcOrd="1" destOrd="0" parTransId="{CDEA0460-AAB8-4189-8CB3-7417E352C2D2}" sibTransId="{3E08BEBD-C9A5-40CD-8A3E-F2A8C4AC1A31}"/>
+    <dgm:cxn modelId="{6DCA9028-D21D-4C5F-B450-DE1C4252F337}" type="presOf" srcId="{5CFA73B5-F015-4DFA-9676-04392FA3EC96}" destId="{6408D585-6BDD-42DC-B309-D3A67B08A7DA}" srcOrd="0" destOrd="0" presId="urn:microsoft.com/office/officeart/2005/8/layout/vList2"/>
+    <dgm:cxn modelId="{AB630130-5262-43E2-AD46-C7079C2C6D16}" srcId="{5CFA73B5-F015-4DFA-9676-04392FA3EC96}" destId="{07B2306D-89C5-4C95-B2F3-B802D5683F79}" srcOrd="1" destOrd="0" parTransId="{CED0905E-C11F-4037-9A2A-B9A84DBDDCA5}" sibTransId="{75C5B5ED-BF0A-42CC-BC57-002A2539D00B}"/>
+    <dgm:cxn modelId="{3B469432-A81C-456C-BC27-8E05F8DCA0B4}" srcId="{2F0331C9-3CB6-486E-B0E1-4A883F14BE9B}" destId="{78F7AE4A-3DBB-435C-BC62-161F6780E753}" srcOrd="0" destOrd="0" parTransId="{9A06774F-041C-4C0D-B637-61319CCF1531}" sibTransId="{FA203303-85A2-4E86-9052-6AD0C264FDA5}"/>
+    <dgm:cxn modelId="{E4968F36-2E1A-4269-8528-ED95024B106D}" type="presOf" srcId="{A3B02E71-606B-42F9-81A1-B5C5D4A45774}" destId="{8385B3D1-01B0-40F2-AABF-BB4CD566C8CC}" srcOrd="0" destOrd="0" presId="urn:microsoft.com/office/officeart/2005/8/layout/vList2"/>
+    <dgm:cxn modelId="{8529AD5C-27FB-48AF-B38B-B0AE7EC04477}" srcId="{81B63806-7780-44D3-9870-2A83786DFBE1}" destId="{AFB30F3B-1D89-4F1D-AFFB-90A70B4EFD41}" srcOrd="0" destOrd="0" parTransId="{7CF95CAB-76DF-429E-BDB9-1D4B5D0E077D}" sibTransId="{9B0D78FE-488D-4998-B2BE-9899C89EA458}"/>
+    <dgm:cxn modelId="{C97CA546-5C45-43C1-9AC0-961040DAB0DF}" type="presOf" srcId="{AFB30F3B-1D89-4F1D-AFFB-90A70B4EFD41}" destId="{F7B3214E-C48E-4915-B554-DAE73790C5DF}" srcOrd="0" destOrd="0" presId="urn:microsoft.com/office/officeart/2005/8/layout/vList2"/>
+    <dgm:cxn modelId="{7013104B-6DDB-451E-972A-CAE3B52A8020}" type="presOf" srcId="{EFB9B0C8-FDE9-44FB-AFA1-C62102880853}" destId="{F7B3214E-C48E-4915-B554-DAE73790C5DF}" srcOrd="0" destOrd="1" presId="urn:microsoft.com/office/officeart/2005/8/layout/vList2"/>
+    <dgm:cxn modelId="{2DB8354B-45A6-44FA-ABC3-3F06E172CFA9}" type="presOf" srcId="{2F0331C9-3CB6-486E-B0E1-4A883F14BE9B}" destId="{0205322D-9150-4E55-A0E8-4B535801ADF3}" srcOrd="0" destOrd="0" presId="urn:microsoft.com/office/officeart/2005/8/layout/vList2"/>
+    <dgm:cxn modelId="{02CC0471-F6E9-47A4-BC75-7770E280E615}" srcId="{4DA97520-DD3D-436C-92E9-9B1738185C40}" destId="{F29BD005-2910-4756-83D9-A0535CC09AFE}" srcOrd="1" destOrd="0" parTransId="{15A58DF7-12F7-48DB-9FFE-BC513603C932}" sibTransId="{244B6192-1AF4-47E4-AB83-13CC664CD330}"/>
+    <dgm:cxn modelId="{9F73FE51-C906-4FAF-87C3-0A77E234019F}" type="presOf" srcId="{A6356A92-B62C-4F9D-845E-4ECECC50E916}" destId="{2B0B1430-B5F6-4F51-9F9D-2F72B5B4E90A}" srcOrd="0" destOrd="0" presId="urn:microsoft.com/office/officeart/2005/8/layout/vList2"/>
+    <dgm:cxn modelId="{8B1D4655-659F-4722-B272-129DD3DAA451}" srcId="{5CFA73B5-F015-4DFA-9676-04392FA3EC96}" destId="{A6356A92-B62C-4F9D-845E-4ECECC50E916}" srcOrd="0" destOrd="0" parTransId="{365A780E-1849-4A38-9A19-48EA0D05939B}" sibTransId="{ED3630C0-3F7C-4293-BADF-F1B9FF67B5AE}"/>
+    <dgm:cxn modelId="{DE168C9F-68A3-4B6C-96C1-263EED1D7BB6}" srcId="{A3B02E71-606B-42F9-81A1-B5C5D4A45774}" destId="{4DA97520-DD3D-436C-92E9-9B1738185C40}" srcOrd="3" destOrd="0" parTransId="{43222112-EC85-44D7-BC86-6B3C60492269}" sibTransId="{569E5BCF-B29A-4596-90E6-E6A79FCDD191}"/>
+    <dgm:cxn modelId="{32D06FA3-C8B5-402A-A65D-8F9E5DDC01F7}" srcId="{2F0331C9-3CB6-486E-B0E1-4A883F14BE9B}" destId="{7EB1F8BF-638D-4D4B-8E00-107CBF750669}" srcOrd="1" destOrd="0" parTransId="{EBE70E7F-369C-4C87-8F45-421F6BA5FF2D}" sibTransId="{16A87904-9041-456B-B8A3-176997524F78}"/>
+    <dgm:cxn modelId="{E443D8A7-239E-4020-8A11-68F8510D7175}" type="presOf" srcId="{81B63806-7780-44D3-9870-2A83786DFBE1}" destId="{ABF19841-DE6F-4811-B38A-5C4A23A86C2F}" srcOrd="0" destOrd="0" presId="urn:microsoft.com/office/officeart/2005/8/layout/vList2"/>
+    <dgm:cxn modelId="{3BE615BA-77A2-4FA7-8AA5-EF5B63AFBD32}" type="presOf" srcId="{78F7AE4A-3DBB-435C-BC62-161F6780E753}" destId="{236ACD88-A847-4A99-B076-17983B61C956}" srcOrd="0" destOrd="0" presId="urn:microsoft.com/office/officeart/2005/8/layout/vList2"/>
+    <dgm:cxn modelId="{FB976CC2-9BBD-4B92-AC22-2BF2532D76C9}" srcId="{A3B02E71-606B-42F9-81A1-B5C5D4A45774}" destId="{2F0331C9-3CB6-486E-B0E1-4A883F14BE9B}" srcOrd="0" destOrd="0" parTransId="{24E26E7E-DAC8-462B-BDDD-1CD7728F6786}" sibTransId="{328370D4-156A-4EDE-ADA7-D15AC424B84C}"/>
+    <dgm:cxn modelId="{9C632BCE-7E55-4DAD-91F3-2111D510E809}" type="presOf" srcId="{7EB1F8BF-638D-4D4B-8E00-107CBF750669}" destId="{236ACD88-A847-4A99-B076-17983B61C956}" srcOrd="0" destOrd="1" presId="urn:microsoft.com/office/officeart/2005/8/layout/vList2"/>
+    <dgm:cxn modelId="{810AA6D1-D244-47C1-AD18-F17FD9E47904}" type="presOf" srcId="{13B160F6-EAAF-4E15-A72F-9710BCD67DD2}" destId="{72834F95-7E8D-4A9D-B93B-91EBDDC5D555}" srcOrd="0" destOrd="0" presId="urn:microsoft.com/office/officeart/2005/8/layout/vList2"/>
+    <dgm:cxn modelId="{9B85F2D2-534E-4203-8EDA-ED97D81512DF}" srcId="{A3B02E71-606B-42F9-81A1-B5C5D4A45774}" destId="{81B63806-7780-44D3-9870-2A83786DFBE1}" srcOrd="2" destOrd="0" parTransId="{DE0233B1-CD72-49E5-81F4-537A129CDCF2}" sibTransId="{2AD24526-28E7-40E3-9220-BE9780212C11}"/>
+    <dgm:cxn modelId="{6B2FA5DE-51ED-4B6A-BDBD-6E978BED5A96}" srcId="{81B63806-7780-44D3-9870-2A83786DFBE1}" destId="{EFB9B0C8-FDE9-44FB-AFA1-C62102880853}" srcOrd="1" destOrd="0" parTransId="{E4BCD9AD-83F9-4FB1-8B5B-96FC7C5B0372}" sibTransId="{4113CAAE-3335-41FE-B259-E0EC810617C6}"/>
+    <dgm:cxn modelId="{A68CA8E7-B0B7-4EA7-B73C-5021F2FCC24B}" type="presOf" srcId="{07B2306D-89C5-4C95-B2F3-B802D5683F79}" destId="{2B0B1430-B5F6-4F51-9F9D-2F72B5B4E90A}" srcOrd="0" destOrd="1" presId="urn:microsoft.com/office/officeart/2005/8/layout/vList2"/>
+    <dgm:cxn modelId="{39A582FF-8AA8-4C2B-B0B9-A87B5C2F9E00}" srcId="{4DA97520-DD3D-436C-92E9-9B1738185C40}" destId="{13B160F6-EAAF-4E15-A72F-9710BCD67DD2}" srcOrd="0" destOrd="0" parTransId="{01DBE074-2083-4815-94EE-A168FA1D2119}" sibTransId="{9F3824A0-1336-4DD6-B04D-C76E8D1FBA13}"/>
+    <dgm:cxn modelId="{6CB4E3A8-FAAB-4AC2-B9D0-DC931C342FA0}" type="presParOf" srcId="{8385B3D1-01B0-40F2-AABF-BB4CD566C8CC}" destId="{0205322D-9150-4E55-A0E8-4B535801ADF3}" srcOrd="0" destOrd="0" presId="urn:microsoft.com/office/officeart/2005/8/layout/vList2"/>
+    <dgm:cxn modelId="{CEFE7188-3D77-41C2-97D4-2EC045623FC7}" type="presParOf" srcId="{8385B3D1-01B0-40F2-AABF-BB4CD566C8CC}" destId="{236ACD88-A847-4A99-B076-17983B61C956}" srcOrd="1" destOrd="0" presId="urn:microsoft.com/office/officeart/2005/8/layout/vList2"/>
+    <dgm:cxn modelId="{FBD68981-AE28-4624-B149-D32F85136848}" type="presParOf" srcId="{8385B3D1-01B0-40F2-AABF-BB4CD566C8CC}" destId="{6408D585-6BDD-42DC-B309-D3A67B08A7DA}" srcOrd="2" destOrd="0" presId="urn:microsoft.com/office/officeart/2005/8/layout/vList2"/>
+    <dgm:cxn modelId="{37190B87-BABC-47C0-9916-F855E042DCE7}" type="presParOf" srcId="{8385B3D1-01B0-40F2-AABF-BB4CD566C8CC}" destId="{2B0B1430-B5F6-4F51-9F9D-2F72B5B4E90A}" srcOrd="3" destOrd="0" presId="urn:microsoft.com/office/officeart/2005/8/layout/vList2"/>
+    <dgm:cxn modelId="{E54CA4DF-8B24-45E5-A8EB-E5310EBF4C0F}" type="presParOf" srcId="{8385B3D1-01B0-40F2-AABF-BB4CD566C8CC}" destId="{ABF19841-DE6F-4811-B38A-5C4A23A86C2F}" srcOrd="4" destOrd="0" presId="urn:microsoft.com/office/officeart/2005/8/layout/vList2"/>
+    <dgm:cxn modelId="{9B96E934-6D67-4DA7-9B13-F1ABCFC439C5}" type="presParOf" srcId="{8385B3D1-01B0-40F2-AABF-BB4CD566C8CC}" destId="{F7B3214E-C48E-4915-B554-DAE73790C5DF}" srcOrd="5" destOrd="0" presId="urn:microsoft.com/office/officeart/2005/8/layout/vList2"/>
+    <dgm:cxn modelId="{A99F261E-366B-45D3-A24A-39AC76345066}" type="presParOf" srcId="{8385B3D1-01B0-40F2-AABF-BB4CD566C8CC}" destId="{EF3943DB-38D2-42C5-AFC9-F5C9AEB635C7}" srcOrd="6" destOrd="0" presId="urn:microsoft.com/office/officeart/2005/8/layout/vList2"/>
+    <dgm:cxn modelId="{F9D8105F-62CC-4FBB-BF0A-5B8ED138FE38}" type="presParOf" srcId="{8385B3D1-01B0-40F2-AABF-BB4CD566C8CC}" destId="{72834F95-7E8D-4A9D-B93B-91EBDDC5D555}" srcOrd="7" destOrd="0" presId="urn:microsoft.com/office/officeart/2005/8/layout/vList2"/>
+  </dgm:cxnLst>
+  <dgm:bg/>
+  <dgm:whole/>
+  <dgm:extLst>
+    <a:ext uri="http://schemas.microsoft.com/office/drawing/2008/diagram">
+      <dsp:dataModelExt xmlns:dsp="http://schemas.microsoft.com/office/drawing/2008/diagram" relId="rId6" minVer="http://schemas.openxmlformats.org/drawingml/2006/diagram"/>
+    </a:ext>
+  </dgm:extLst>
+</dgm:dataModel>
+</file>
+
+<file path=ppt/diagrams/data4.xml><?xml version="1.0" encoding="utf-8"?>
 <dgm:dataModel xmlns:dgm="http://schemas.openxmlformats.org/drawingml/2006/diagram" xmlns:a="http://schemas.openxmlformats.org/drawingml/2006/main">
   <dgm:ptLst>
     <dgm:pt modelId="{5CBF4DD2-414A-46D8-AD09-693C56EE21A8}" type="doc">
@@ -5333,6 +6661,654 @@
 </file>
 
 <file path=ppt/diagrams/drawing3.xml><?xml version="1.0" encoding="utf-8"?>
+<dsp:drawing xmlns:dgm="http://schemas.openxmlformats.org/drawingml/2006/diagram" xmlns:dsp="http://schemas.microsoft.com/office/drawing/2008/diagram" xmlns:a="http://schemas.openxmlformats.org/drawingml/2006/main">
+  <dsp:spTree>
+    <dsp:nvGrpSpPr>
+      <dsp:cNvPr id="0" name=""/>
+      <dsp:cNvGrpSpPr/>
+    </dsp:nvGrpSpPr>
+    <dsp:grpSpPr/>
+    <dsp:sp modelId="{0205322D-9150-4E55-A0E8-4B535801ADF3}">
+      <dsp:nvSpPr>
+        <dsp:cNvPr id="0" name=""/>
+        <dsp:cNvSpPr/>
+      </dsp:nvSpPr>
+      <dsp:spPr>
+        <a:xfrm>
+          <a:off x="0" y="203118"/>
+          <a:ext cx="9688296" cy="417690"/>
+        </a:xfrm>
+        <a:prstGeom prst="roundRect">
+          <a:avLst/>
+        </a:prstGeom>
+        <a:solidFill>
+          <a:schemeClr val="accent1">
+            <a:hueOff val="0"/>
+            <a:satOff val="0"/>
+            <a:lumOff val="0"/>
+            <a:alphaOff val="0"/>
+          </a:schemeClr>
+        </a:solidFill>
+        <a:ln w="19050" cap="flat" cmpd="sng" algn="ctr">
+          <a:solidFill>
+            <a:schemeClr val="lt1">
+              <a:hueOff val="0"/>
+              <a:satOff val="0"/>
+              <a:lumOff val="0"/>
+              <a:alphaOff val="0"/>
+            </a:schemeClr>
+          </a:solidFill>
+          <a:prstDash val="solid"/>
+          <a:miter lim="800000"/>
+        </a:ln>
+        <a:effectLst/>
+      </dsp:spPr>
+      <dsp:style>
+        <a:lnRef idx="2">
+          <a:scrgbClr r="0" g="0" b="0"/>
+        </a:lnRef>
+        <a:fillRef idx="1">
+          <a:scrgbClr r="0" g="0" b="0"/>
+        </a:fillRef>
+        <a:effectRef idx="0">
+          <a:scrgbClr r="0" g="0" b="0"/>
+        </a:effectRef>
+        <a:fontRef idx="minor">
+          <a:schemeClr val="lt1"/>
+        </a:fontRef>
+      </dsp:style>
+      <dsp:txBody>
+        <a:bodyPr spcFirstLastPara="0" vert="horz" wrap="square" lIns="64770" tIns="64770" rIns="64770" bIns="64770" numCol="1" spcCol="1270" anchor="ctr" anchorCtr="0">
+          <a:noAutofit/>
+        </a:bodyPr>
+        <a:lstStyle/>
+        <a:p>
+          <a:pPr marL="0" lvl="0" indent="0" algn="l" defTabSz="755650">
+            <a:lnSpc>
+              <a:spcPct val="90000"/>
+            </a:lnSpc>
+            <a:spcBef>
+              <a:spcPct val="0"/>
+            </a:spcBef>
+            <a:spcAft>
+              <a:spcPct val="35000"/>
+            </a:spcAft>
+            <a:buNone/>
+          </a:pPr>
+          <a:r>
+            <a:rPr lang="pl-PL" sz="1700" kern="1200"/>
+            <a:t>Planowanie i analiza potrzeb użytkowników:</a:t>
+          </a:r>
+          <a:endParaRPr lang="en-US" sz="1700" kern="1200"/>
+        </a:p>
+      </dsp:txBody>
+      <dsp:txXfrm>
+        <a:off x="20390" y="223508"/>
+        <a:ext cx="9647516" cy="376910"/>
+      </dsp:txXfrm>
+    </dsp:sp>
+    <dsp:sp modelId="{236ACD88-A847-4A99-B076-17983B61C956}">
+      <dsp:nvSpPr>
+        <dsp:cNvPr id="0" name=""/>
+        <dsp:cNvSpPr/>
+      </dsp:nvSpPr>
+      <dsp:spPr>
+        <a:xfrm>
+          <a:off x="0" y="620808"/>
+          <a:ext cx="9688296" cy="448672"/>
+        </a:xfrm>
+        <a:prstGeom prst="rect">
+          <a:avLst/>
+        </a:prstGeom>
+        <a:noFill/>
+        <a:ln>
+          <a:noFill/>
+        </a:ln>
+        <a:effectLst/>
+      </dsp:spPr>
+      <dsp:style>
+        <a:lnRef idx="0">
+          <a:scrgbClr r="0" g="0" b="0"/>
+        </a:lnRef>
+        <a:fillRef idx="0">
+          <a:scrgbClr r="0" g="0" b="0"/>
+        </a:fillRef>
+        <a:effectRef idx="0">
+          <a:scrgbClr r="0" g="0" b="0"/>
+        </a:effectRef>
+        <a:fontRef idx="minor"/>
+      </dsp:style>
+      <dsp:txBody>
+        <a:bodyPr spcFirstLastPara="0" vert="horz" wrap="square" lIns="307603" tIns="21590" rIns="120904" bIns="21590" numCol="1" spcCol="1270" anchor="t" anchorCtr="0">
+          <a:noAutofit/>
+        </a:bodyPr>
+        <a:lstStyle/>
+        <a:p>
+          <a:pPr marL="114300" lvl="1" indent="-114300" algn="l" defTabSz="577850">
+            <a:lnSpc>
+              <a:spcPct val="90000"/>
+            </a:lnSpc>
+            <a:spcBef>
+              <a:spcPct val="0"/>
+            </a:spcBef>
+            <a:spcAft>
+              <a:spcPct val="20000"/>
+            </a:spcAft>
+            <a:buChar char="•"/>
+          </a:pPr>
+          <a:r>
+            <a:rPr lang="pl-PL" sz="1300" kern="1200"/>
+            <a:t>przeprowadzenie wywiadów z pracownikami galerii sztuki, aby lepiej zrozumieć ich potrzeby i oczekiwania,</a:t>
+          </a:r>
+          <a:endParaRPr lang="en-US" sz="1300" kern="1200"/>
+        </a:p>
+        <a:p>
+          <a:pPr marL="114300" lvl="1" indent="-114300" algn="l" defTabSz="577850">
+            <a:lnSpc>
+              <a:spcPct val="90000"/>
+            </a:lnSpc>
+            <a:spcBef>
+              <a:spcPct val="0"/>
+            </a:spcBef>
+            <a:spcAft>
+              <a:spcPct val="20000"/>
+            </a:spcAft>
+            <a:buChar char="•"/>
+          </a:pPr>
+          <a:r>
+            <a:rPr lang="pl-PL" sz="1300" kern="1200"/>
+            <a:t>analiza istniejących rozwiązań na rynku, identyfikacja ich ograniczeń oraz możliwości adaptacji do mniejszych instytucji.</a:t>
+          </a:r>
+          <a:endParaRPr lang="en-US" sz="1300" kern="1200"/>
+        </a:p>
+      </dsp:txBody>
+      <dsp:txXfrm>
+        <a:off x="0" y="620808"/>
+        <a:ext cx="9688296" cy="448672"/>
+      </dsp:txXfrm>
+    </dsp:sp>
+    <dsp:sp modelId="{6408D585-6BDD-42DC-B309-D3A67B08A7DA}">
+      <dsp:nvSpPr>
+        <dsp:cNvPr id="0" name=""/>
+        <dsp:cNvSpPr/>
+      </dsp:nvSpPr>
+      <dsp:spPr>
+        <a:xfrm>
+          <a:off x="0" y="1069481"/>
+          <a:ext cx="9688296" cy="417690"/>
+        </a:xfrm>
+        <a:prstGeom prst="roundRect">
+          <a:avLst/>
+        </a:prstGeom>
+        <a:solidFill>
+          <a:schemeClr val="accent1">
+            <a:hueOff val="0"/>
+            <a:satOff val="0"/>
+            <a:lumOff val="0"/>
+            <a:alphaOff val="0"/>
+          </a:schemeClr>
+        </a:solidFill>
+        <a:ln w="19050" cap="flat" cmpd="sng" algn="ctr">
+          <a:solidFill>
+            <a:schemeClr val="lt1">
+              <a:hueOff val="0"/>
+              <a:satOff val="0"/>
+              <a:lumOff val="0"/>
+              <a:alphaOff val="0"/>
+            </a:schemeClr>
+          </a:solidFill>
+          <a:prstDash val="solid"/>
+          <a:miter lim="800000"/>
+        </a:ln>
+        <a:effectLst/>
+      </dsp:spPr>
+      <dsp:style>
+        <a:lnRef idx="2">
+          <a:scrgbClr r="0" g="0" b="0"/>
+        </a:lnRef>
+        <a:fillRef idx="1">
+          <a:scrgbClr r="0" g="0" b="0"/>
+        </a:fillRef>
+        <a:effectRef idx="0">
+          <a:scrgbClr r="0" g="0" b="0"/>
+        </a:effectRef>
+        <a:fontRef idx="minor">
+          <a:schemeClr val="lt1"/>
+        </a:fontRef>
+      </dsp:style>
+      <dsp:txBody>
+        <a:bodyPr spcFirstLastPara="0" vert="horz" wrap="square" lIns="64770" tIns="64770" rIns="64770" bIns="64770" numCol="1" spcCol="1270" anchor="ctr" anchorCtr="0">
+          <a:noAutofit/>
+        </a:bodyPr>
+        <a:lstStyle/>
+        <a:p>
+          <a:pPr marL="0" lvl="0" indent="0" algn="l" defTabSz="755650">
+            <a:lnSpc>
+              <a:spcPct val="90000"/>
+            </a:lnSpc>
+            <a:spcBef>
+              <a:spcPct val="0"/>
+            </a:spcBef>
+            <a:spcAft>
+              <a:spcPct val="35000"/>
+            </a:spcAft>
+            <a:buNone/>
+          </a:pPr>
+          <a:r>
+            <a:rPr lang="pl-PL" sz="1700" kern="1200"/>
+            <a:t>Projektowanie systemu:</a:t>
+          </a:r>
+          <a:endParaRPr lang="en-US" sz="1700" kern="1200"/>
+        </a:p>
+      </dsp:txBody>
+      <dsp:txXfrm>
+        <a:off x="20390" y="1089871"/>
+        <a:ext cx="9647516" cy="376910"/>
+      </dsp:txXfrm>
+    </dsp:sp>
+    <dsp:sp modelId="{2B0B1430-B5F6-4F51-9F9D-2F72B5B4E90A}">
+      <dsp:nvSpPr>
+        <dsp:cNvPr id="0" name=""/>
+        <dsp:cNvSpPr/>
+      </dsp:nvSpPr>
+      <dsp:spPr>
+        <a:xfrm>
+          <a:off x="0" y="1487171"/>
+          <a:ext cx="9688296" cy="633420"/>
+        </a:xfrm>
+        <a:prstGeom prst="rect">
+          <a:avLst/>
+        </a:prstGeom>
+        <a:noFill/>
+        <a:ln>
+          <a:noFill/>
+        </a:ln>
+        <a:effectLst/>
+      </dsp:spPr>
+      <dsp:style>
+        <a:lnRef idx="0">
+          <a:scrgbClr r="0" g="0" b="0"/>
+        </a:lnRef>
+        <a:fillRef idx="0">
+          <a:scrgbClr r="0" g="0" b="0"/>
+        </a:fillRef>
+        <a:effectRef idx="0">
+          <a:scrgbClr r="0" g="0" b="0"/>
+        </a:effectRef>
+        <a:fontRef idx="minor"/>
+      </dsp:style>
+      <dsp:txBody>
+        <a:bodyPr spcFirstLastPara="0" vert="horz" wrap="square" lIns="307603" tIns="21590" rIns="120904" bIns="21590" numCol="1" spcCol="1270" anchor="t" anchorCtr="0">
+          <a:noAutofit/>
+        </a:bodyPr>
+        <a:lstStyle/>
+        <a:p>
+          <a:pPr marL="114300" lvl="1" indent="-114300" algn="l" defTabSz="577850">
+            <a:lnSpc>
+              <a:spcPct val="90000"/>
+            </a:lnSpc>
+            <a:spcBef>
+              <a:spcPct val="0"/>
+            </a:spcBef>
+            <a:spcAft>
+              <a:spcPct val="20000"/>
+            </a:spcAft>
+            <a:buChar char="•"/>
+          </a:pPr>
+          <a:r>
+            <a:rPr lang="pl-PL" sz="1300" kern="1200"/>
+            <a:t>stworzenie diagramów UML, m.in. diagramów aktywności oraz przypadków użycia, aby szczegółowo zaplanować funkcje systemu,</a:t>
+          </a:r>
+          <a:endParaRPr lang="en-US" sz="1300" kern="1200"/>
+        </a:p>
+        <a:p>
+          <a:pPr marL="114300" lvl="1" indent="-114300" algn="l" defTabSz="577850">
+            <a:lnSpc>
+              <a:spcPct val="90000"/>
+            </a:lnSpc>
+            <a:spcBef>
+              <a:spcPct val="0"/>
+            </a:spcBef>
+            <a:spcAft>
+              <a:spcPct val="20000"/>
+            </a:spcAft>
+            <a:buChar char="•"/>
+          </a:pPr>
+          <a:r>
+            <a:rPr lang="pl-PL" sz="1300" kern="1200"/>
+            <a:t>opracowanie struktury bazy danych i kluczowych relacji między tabelami w SQLite.</a:t>
+          </a:r>
+          <a:endParaRPr lang="en-US" sz="1300" kern="1200"/>
+        </a:p>
+      </dsp:txBody>
+      <dsp:txXfrm>
+        <a:off x="0" y="1487171"/>
+        <a:ext cx="9688296" cy="633420"/>
+      </dsp:txXfrm>
+    </dsp:sp>
+    <dsp:sp modelId="{ABF19841-DE6F-4811-B38A-5C4A23A86C2F}">
+      <dsp:nvSpPr>
+        <dsp:cNvPr id="0" name=""/>
+        <dsp:cNvSpPr/>
+      </dsp:nvSpPr>
+      <dsp:spPr>
+        <a:xfrm>
+          <a:off x="0" y="2120591"/>
+          <a:ext cx="9688296" cy="417690"/>
+        </a:xfrm>
+        <a:prstGeom prst="roundRect">
+          <a:avLst/>
+        </a:prstGeom>
+        <a:solidFill>
+          <a:schemeClr val="accent1">
+            <a:hueOff val="0"/>
+            <a:satOff val="0"/>
+            <a:lumOff val="0"/>
+            <a:alphaOff val="0"/>
+          </a:schemeClr>
+        </a:solidFill>
+        <a:ln w="19050" cap="flat" cmpd="sng" algn="ctr">
+          <a:solidFill>
+            <a:schemeClr val="lt1">
+              <a:hueOff val="0"/>
+              <a:satOff val="0"/>
+              <a:lumOff val="0"/>
+              <a:alphaOff val="0"/>
+            </a:schemeClr>
+          </a:solidFill>
+          <a:prstDash val="solid"/>
+          <a:miter lim="800000"/>
+        </a:ln>
+        <a:effectLst/>
+      </dsp:spPr>
+      <dsp:style>
+        <a:lnRef idx="2">
+          <a:scrgbClr r="0" g="0" b="0"/>
+        </a:lnRef>
+        <a:fillRef idx="1">
+          <a:scrgbClr r="0" g="0" b="0"/>
+        </a:fillRef>
+        <a:effectRef idx="0">
+          <a:scrgbClr r="0" g="0" b="0"/>
+        </a:effectRef>
+        <a:fontRef idx="minor">
+          <a:schemeClr val="lt1"/>
+        </a:fontRef>
+      </dsp:style>
+      <dsp:txBody>
+        <a:bodyPr spcFirstLastPara="0" vert="horz" wrap="square" lIns="64770" tIns="64770" rIns="64770" bIns="64770" numCol="1" spcCol="1270" anchor="ctr" anchorCtr="0">
+          <a:noAutofit/>
+        </a:bodyPr>
+        <a:lstStyle/>
+        <a:p>
+          <a:pPr marL="0" lvl="0" indent="0" algn="l" defTabSz="755650">
+            <a:lnSpc>
+              <a:spcPct val="90000"/>
+            </a:lnSpc>
+            <a:spcBef>
+              <a:spcPct val="0"/>
+            </a:spcBef>
+            <a:spcAft>
+              <a:spcPct val="35000"/>
+            </a:spcAft>
+            <a:buNone/>
+          </a:pPr>
+          <a:r>
+            <a:rPr lang="pl-PL" sz="1700" kern="1200"/>
+            <a:t>Zarządzanie projektem:</a:t>
+          </a:r>
+          <a:endParaRPr lang="en-US" sz="1700" kern="1200"/>
+        </a:p>
+      </dsp:txBody>
+      <dsp:txXfrm>
+        <a:off x="20390" y="2140981"/>
+        <a:ext cx="9647516" cy="376910"/>
+      </dsp:txXfrm>
+    </dsp:sp>
+    <dsp:sp modelId="{F7B3214E-C48E-4915-B554-DAE73790C5DF}">
+      <dsp:nvSpPr>
+        <dsp:cNvPr id="0" name=""/>
+        <dsp:cNvSpPr/>
+      </dsp:nvSpPr>
+      <dsp:spPr>
+        <a:xfrm>
+          <a:off x="0" y="2538281"/>
+          <a:ext cx="9688296" cy="448672"/>
+        </a:xfrm>
+        <a:prstGeom prst="rect">
+          <a:avLst/>
+        </a:prstGeom>
+        <a:noFill/>
+        <a:ln>
+          <a:noFill/>
+        </a:ln>
+        <a:effectLst/>
+      </dsp:spPr>
+      <dsp:style>
+        <a:lnRef idx="0">
+          <a:scrgbClr r="0" g="0" b="0"/>
+        </a:lnRef>
+        <a:fillRef idx="0">
+          <a:scrgbClr r="0" g="0" b="0"/>
+        </a:fillRef>
+        <a:effectRef idx="0">
+          <a:scrgbClr r="0" g="0" b="0"/>
+        </a:effectRef>
+        <a:fontRef idx="minor"/>
+      </dsp:style>
+      <dsp:txBody>
+        <a:bodyPr spcFirstLastPara="0" vert="horz" wrap="square" lIns="307603" tIns="21590" rIns="120904" bIns="21590" numCol="1" spcCol="1270" anchor="t" anchorCtr="0">
+          <a:noAutofit/>
+        </a:bodyPr>
+        <a:lstStyle/>
+        <a:p>
+          <a:pPr marL="114300" lvl="1" indent="-114300" algn="l" defTabSz="577850">
+            <a:lnSpc>
+              <a:spcPct val="90000"/>
+            </a:lnSpc>
+            <a:spcBef>
+              <a:spcPct val="0"/>
+            </a:spcBef>
+            <a:spcAft>
+              <a:spcPct val="20000"/>
+            </a:spcAft>
+            <a:buChar char="•"/>
+          </a:pPr>
+          <a:r>
+            <a:rPr lang="pl-PL" sz="1300" kern="1200"/>
+            <a:t>wykorzystanie narzędzia Trello do monitorowania postępu prac oraz efektywnej komunikacji w zespole,</a:t>
+          </a:r>
+          <a:endParaRPr lang="en-US" sz="1300" kern="1200"/>
+        </a:p>
+        <a:p>
+          <a:pPr marL="114300" lvl="1" indent="-114300" algn="l" defTabSz="577850">
+            <a:lnSpc>
+              <a:spcPct val="90000"/>
+            </a:lnSpc>
+            <a:spcBef>
+              <a:spcPct val="0"/>
+            </a:spcBef>
+            <a:spcAft>
+              <a:spcPct val="20000"/>
+            </a:spcAft>
+            <a:buChar char="•"/>
+          </a:pPr>
+          <a:r>
+            <a:rPr lang="pl-PL" sz="1300" kern="1200"/>
+            <a:t>zastosowanie systemu kontroli wersji Git oraz platformy GitHub w celu zarządzania kodem źródłowym i wersjonowania projektu.</a:t>
+          </a:r>
+          <a:endParaRPr lang="en-US" sz="1300" kern="1200"/>
+        </a:p>
+      </dsp:txBody>
+      <dsp:txXfrm>
+        <a:off x="0" y="2538281"/>
+        <a:ext cx="9688296" cy="448672"/>
+      </dsp:txXfrm>
+    </dsp:sp>
+    <dsp:sp modelId="{EF3943DB-38D2-42C5-AFC9-F5C9AEB635C7}">
+      <dsp:nvSpPr>
+        <dsp:cNvPr id="0" name=""/>
+        <dsp:cNvSpPr/>
+      </dsp:nvSpPr>
+      <dsp:spPr>
+        <a:xfrm>
+          <a:off x="0" y="2986953"/>
+          <a:ext cx="9688296" cy="417690"/>
+        </a:xfrm>
+        <a:prstGeom prst="roundRect">
+          <a:avLst/>
+        </a:prstGeom>
+        <a:solidFill>
+          <a:schemeClr val="accent1">
+            <a:hueOff val="0"/>
+            <a:satOff val="0"/>
+            <a:lumOff val="0"/>
+            <a:alphaOff val="0"/>
+          </a:schemeClr>
+        </a:solidFill>
+        <a:ln w="19050" cap="flat" cmpd="sng" algn="ctr">
+          <a:solidFill>
+            <a:schemeClr val="lt1">
+              <a:hueOff val="0"/>
+              <a:satOff val="0"/>
+              <a:lumOff val="0"/>
+              <a:alphaOff val="0"/>
+            </a:schemeClr>
+          </a:solidFill>
+          <a:prstDash val="solid"/>
+          <a:miter lim="800000"/>
+        </a:ln>
+        <a:effectLst/>
+      </dsp:spPr>
+      <dsp:style>
+        <a:lnRef idx="2">
+          <a:scrgbClr r="0" g="0" b="0"/>
+        </a:lnRef>
+        <a:fillRef idx="1">
+          <a:scrgbClr r="0" g="0" b="0"/>
+        </a:fillRef>
+        <a:effectRef idx="0">
+          <a:scrgbClr r="0" g="0" b="0"/>
+        </a:effectRef>
+        <a:fontRef idx="minor">
+          <a:schemeClr val="lt1"/>
+        </a:fontRef>
+      </dsp:style>
+      <dsp:txBody>
+        <a:bodyPr spcFirstLastPara="0" vert="horz" wrap="square" lIns="64770" tIns="64770" rIns="64770" bIns="64770" numCol="1" spcCol="1270" anchor="ctr" anchorCtr="0">
+          <a:noAutofit/>
+        </a:bodyPr>
+        <a:lstStyle/>
+        <a:p>
+          <a:pPr marL="0" lvl="0" indent="0" algn="l" defTabSz="755650">
+            <a:lnSpc>
+              <a:spcPct val="90000"/>
+            </a:lnSpc>
+            <a:spcBef>
+              <a:spcPct val="0"/>
+            </a:spcBef>
+            <a:spcAft>
+              <a:spcPct val="35000"/>
+            </a:spcAft>
+            <a:buNone/>
+          </a:pPr>
+          <a:r>
+            <a:rPr lang="pl-PL" sz="1700" kern="1200"/>
+            <a:t>Testowanie i optymalizacja:</a:t>
+          </a:r>
+          <a:endParaRPr lang="en-US" sz="1700" kern="1200"/>
+        </a:p>
+      </dsp:txBody>
+      <dsp:txXfrm>
+        <a:off x="20390" y="3007343"/>
+        <a:ext cx="9647516" cy="376910"/>
+      </dsp:txXfrm>
+    </dsp:sp>
+    <dsp:sp modelId="{72834F95-7E8D-4A9D-B93B-91EBDDC5D555}">
+      <dsp:nvSpPr>
+        <dsp:cNvPr id="0" name=""/>
+        <dsp:cNvSpPr/>
+      </dsp:nvSpPr>
+      <dsp:spPr>
+        <a:xfrm>
+          <a:off x="0" y="3404643"/>
+          <a:ext cx="9688296" cy="448672"/>
+        </a:xfrm>
+        <a:prstGeom prst="rect">
+          <a:avLst/>
+        </a:prstGeom>
+        <a:noFill/>
+        <a:ln>
+          <a:noFill/>
+        </a:ln>
+        <a:effectLst/>
+      </dsp:spPr>
+      <dsp:style>
+        <a:lnRef idx="0">
+          <a:scrgbClr r="0" g="0" b="0"/>
+        </a:lnRef>
+        <a:fillRef idx="0">
+          <a:scrgbClr r="0" g="0" b="0"/>
+        </a:fillRef>
+        <a:effectRef idx="0">
+          <a:scrgbClr r="0" g="0" b="0"/>
+        </a:effectRef>
+        <a:fontRef idx="minor"/>
+      </dsp:style>
+      <dsp:txBody>
+        <a:bodyPr spcFirstLastPara="0" vert="horz" wrap="square" lIns="307603" tIns="21590" rIns="120904" bIns="21590" numCol="1" spcCol="1270" anchor="t" anchorCtr="0">
+          <a:noAutofit/>
+        </a:bodyPr>
+        <a:lstStyle/>
+        <a:p>
+          <a:pPr marL="114300" lvl="1" indent="-114300" algn="l" defTabSz="577850">
+            <a:lnSpc>
+              <a:spcPct val="90000"/>
+            </a:lnSpc>
+            <a:spcBef>
+              <a:spcPct val="0"/>
+            </a:spcBef>
+            <a:spcAft>
+              <a:spcPct val="20000"/>
+            </a:spcAft>
+            <a:buChar char="•"/>
+          </a:pPr>
+          <a:r>
+            <a:rPr lang="pl-PL" sz="1300" kern="1200"/>
+            <a:t>testy manualne w celu weryfikacji poprawności działania aplikacji,</a:t>
+          </a:r>
+          <a:endParaRPr lang="en-US" sz="1300" kern="1200"/>
+        </a:p>
+        <a:p>
+          <a:pPr marL="114300" lvl="1" indent="-114300" algn="l" defTabSz="577850">
+            <a:lnSpc>
+              <a:spcPct val="90000"/>
+            </a:lnSpc>
+            <a:spcBef>
+              <a:spcPct val="0"/>
+            </a:spcBef>
+            <a:spcAft>
+              <a:spcPct val="20000"/>
+            </a:spcAft>
+            <a:buChar char="•"/>
+          </a:pPr>
+          <a:r>
+            <a:rPr lang="pl-PL" sz="1300" kern="1200"/>
+            <a:t>optymalizacja działania aplikacji pod kątem wydajności i zarządzania pamięcią.</a:t>
+          </a:r>
+          <a:endParaRPr lang="en-US" sz="1300" kern="1200"/>
+        </a:p>
+      </dsp:txBody>
+      <dsp:txXfrm>
+        <a:off x="0" y="3404643"/>
+        <a:ext cx="9688296" cy="448672"/>
+      </dsp:txXfrm>
+    </dsp:sp>
+  </dsp:spTree>
+</dsp:drawing>
+</file>
+
+<file path=ppt/diagrams/drawing4.xml><?xml version="1.0" encoding="utf-8"?>
 <dsp:drawing xmlns:dgm="http://schemas.openxmlformats.org/drawingml/2006/diagram" xmlns:dsp="http://schemas.microsoft.com/office/drawing/2008/diagram" xmlns:a="http://schemas.openxmlformats.org/drawingml/2006/main">
   <dsp:spTree>
     <dsp:nvGrpSpPr>
@@ -6562,6 +8538,173 @@
 </file>
 
 <file path=ppt/diagrams/layout3.xml><?xml version="1.0" encoding="utf-8"?>
+<dgm:layoutDef xmlns:dgm="http://schemas.openxmlformats.org/drawingml/2006/diagram" xmlns:a="http://schemas.openxmlformats.org/drawingml/2006/main" uniqueId="urn:microsoft.com/office/officeart/2005/8/layout/vList2">
+  <dgm:title val=""/>
+  <dgm:desc val=""/>
+  <dgm:catLst>
+    <dgm:cat type="list" pri="3000"/>
+    <dgm:cat type="convert" pri="1000"/>
+  </dgm:catLst>
+  <dgm:sampData>
+    <dgm:dataModel>
+      <dgm:ptLst>
+        <dgm:pt modelId="0" type="doc"/>
+        <dgm:pt modelId="1">
+          <dgm:prSet phldr="1"/>
+        </dgm:pt>
+        <dgm:pt modelId="11">
+          <dgm:prSet phldr="1"/>
+        </dgm:pt>
+        <dgm:pt modelId="2">
+          <dgm:prSet phldr="1"/>
+        </dgm:pt>
+        <dgm:pt modelId="21">
+          <dgm:prSet phldr="1"/>
+        </dgm:pt>
+      </dgm:ptLst>
+      <dgm:cxnLst>
+        <dgm:cxn modelId="4" srcId="0" destId="1" srcOrd="0" destOrd="0"/>
+        <dgm:cxn modelId="5" srcId="0" destId="2" srcOrd="1" destOrd="0"/>
+        <dgm:cxn modelId="12" srcId="1" destId="11" srcOrd="0" destOrd="0"/>
+        <dgm:cxn modelId="23" srcId="2" destId="21" srcOrd="0" destOrd="0"/>
+      </dgm:cxnLst>
+      <dgm:bg/>
+      <dgm:whole/>
+    </dgm:dataModel>
+  </dgm:sampData>
+  <dgm:styleData>
+    <dgm:dataModel>
+      <dgm:ptLst>
+        <dgm:pt modelId="0" type="doc"/>
+        <dgm:pt modelId="1"/>
+        <dgm:pt modelId="2"/>
+      </dgm:ptLst>
+      <dgm:cxnLst>
+        <dgm:cxn modelId="3" srcId="0" destId="1" srcOrd="0" destOrd="0"/>
+        <dgm:cxn modelId="4" srcId="0" destId="2" srcOrd="1" destOrd="0"/>
+      </dgm:cxnLst>
+      <dgm:bg/>
+      <dgm:whole/>
+    </dgm:dataModel>
+  </dgm:styleData>
+  <dgm:clrData>
+    <dgm:dataModel>
+      <dgm:ptLst>
+        <dgm:pt modelId="0" type="doc"/>
+        <dgm:pt modelId="1"/>
+        <dgm:pt modelId="2"/>
+        <dgm:pt modelId="3"/>
+        <dgm:pt modelId="4"/>
+      </dgm:ptLst>
+      <dgm:cxnLst>
+        <dgm:cxn modelId="5" srcId="0" destId="1" srcOrd="0" destOrd="0"/>
+        <dgm:cxn modelId="6" srcId="0" destId="2" srcOrd="1" destOrd="0"/>
+        <dgm:cxn modelId="7" srcId="0" destId="3" srcOrd="2" destOrd="0"/>
+        <dgm:cxn modelId="8" srcId="0" destId="4" srcOrd="3" destOrd="0"/>
+      </dgm:cxnLst>
+      <dgm:bg/>
+      <dgm:whole/>
+    </dgm:dataModel>
+  </dgm:clrData>
+  <dgm:layoutNode name="linear">
+    <dgm:varLst>
+      <dgm:animLvl val="lvl"/>
+      <dgm:resizeHandles val="exact"/>
+    </dgm:varLst>
+    <dgm:alg type="lin">
+      <dgm:param type="linDir" val="fromT"/>
+      <dgm:param type="vertAlign" val="mid"/>
+    </dgm:alg>
+    <dgm:shape xmlns:r="http://schemas.openxmlformats.org/officeDocument/2006/relationships" r:blip="">
+      <dgm:adjLst/>
+    </dgm:shape>
+    <dgm:presOf/>
+    <dgm:constrLst>
+      <dgm:constr type="w" for="ch" forName="parentText" refType="w"/>
+      <dgm:constr type="h" for="ch" forName="parentText" refType="primFontSz" refFor="ch" refForName="parentText" fact="0.52"/>
+      <dgm:constr type="w" for="ch" forName="childText" refType="w"/>
+      <dgm:constr type="h" for="ch" forName="childText" refType="primFontSz" refFor="ch" refForName="parentText" fact="0.46"/>
+      <dgm:constr type="h" for="ch" forName="parentText" op="equ"/>
+      <dgm:constr type="primFontSz" for="ch" forName="parentText" op="equ" val="65"/>
+      <dgm:constr type="primFontSz" for="ch" forName="childText" refType="primFontSz" refFor="ch" refForName="parentText" op="equ"/>
+      <dgm:constr type="h" for="ch" forName="spacer" refType="primFontSz" refFor="ch" refForName="parentText" fact="0.08"/>
+    </dgm:constrLst>
+    <dgm:ruleLst>
+      <dgm:rule type="primFontSz" for="ch" forName="parentText" val="5" fact="NaN" max="NaN"/>
+    </dgm:ruleLst>
+    <dgm:forEach name="Name0" axis="ch" ptType="node">
+      <dgm:layoutNode name="parentText" styleLbl="node1">
+        <dgm:varLst>
+          <dgm:chMax val="0"/>
+          <dgm:bulletEnabled val="1"/>
+        </dgm:varLst>
+        <dgm:alg type="tx">
+          <dgm:param type="parTxLTRAlign" val="l"/>
+          <dgm:param type="parTxRTLAlign" val="r"/>
+        </dgm:alg>
+        <dgm:shape xmlns:r="http://schemas.openxmlformats.org/officeDocument/2006/relationships" type="roundRect" r:blip="">
+          <dgm:adjLst/>
+        </dgm:shape>
+        <dgm:presOf axis="self"/>
+        <dgm:constrLst>
+          <dgm:constr type="tMarg" refType="primFontSz" fact="0.3"/>
+          <dgm:constr type="bMarg" refType="primFontSz" fact="0.3"/>
+          <dgm:constr type="lMarg" refType="primFontSz" fact="0.3"/>
+          <dgm:constr type="rMarg" refType="primFontSz" fact="0.3"/>
+        </dgm:constrLst>
+        <dgm:ruleLst>
+          <dgm:rule type="h" val="INF" fact="NaN" max="NaN"/>
+        </dgm:ruleLst>
+      </dgm:layoutNode>
+      <dgm:choose name="Name1">
+        <dgm:if name="Name2" axis="ch" ptType="node" func="cnt" op="gte" val="1">
+          <dgm:layoutNode name="childText" styleLbl="revTx">
+            <dgm:varLst>
+              <dgm:bulletEnabled val="1"/>
+            </dgm:varLst>
+            <dgm:alg type="tx">
+              <dgm:param type="stBulletLvl" val="1"/>
+              <dgm:param type="lnSpAfChP" val="20"/>
+            </dgm:alg>
+            <dgm:shape xmlns:r="http://schemas.openxmlformats.org/officeDocument/2006/relationships" type="rect" r:blip="">
+              <dgm:adjLst/>
+            </dgm:shape>
+            <dgm:presOf axis="des" ptType="node"/>
+            <dgm:constrLst>
+              <dgm:constr type="tMarg" refType="primFontSz" fact="0.1"/>
+              <dgm:constr type="bMarg" refType="primFontSz" fact="0.1"/>
+              <dgm:constr type="lMarg" refType="w" fact="0.09"/>
+            </dgm:constrLst>
+            <dgm:ruleLst>
+              <dgm:rule type="h" val="INF" fact="NaN" max="NaN"/>
+            </dgm:ruleLst>
+          </dgm:layoutNode>
+        </dgm:if>
+        <dgm:else name="Name3">
+          <dgm:choose name="Name4">
+            <dgm:if name="Name5" axis="par ch" ptType="doc node" func="cnt" op="gte" val="2">
+              <dgm:forEach name="Name6" axis="followSib" ptType="sibTrans" cnt="1">
+                <dgm:layoutNode name="spacer">
+                  <dgm:alg type="sp"/>
+                  <dgm:shape xmlns:r="http://schemas.openxmlformats.org/officeDocument/2006/relationships" r:blip="">
+                    <dgm:adjLst/>
+                  </dgm:shape>
+                  <dgm:presOf/>
+                  <dgm:constrLst/>
+                  <dgm:ruleLst/>
+                </dgm:layoutNode>
+              </dgm:forEach>
+            </dgm:if>
+            <dgm:else name="Name7"/>
+          </dgm:choose>
+        </dgm:else>
+      </dgm:choose>
+    </dgm:forEach>
+  </dgm:layoutNode>
+</dgm:layoutDef>
+</file>
+
+<file path=ppt/diagrams/layout4.xml><?xml version="1.0" encoding="utf-8"?>
 <dgm:layoutDef xmlns:dgm="http://schemas.openxmlformats.org/drawingml/2006/diagram" xmlns:a="http://schemas.openxmlformats.org/drawingml/2006/main" uniqueId="urn:microsoft.com/office/officeart/2018/2/layout/IconLabelList">
   <dgm:title val="Icon Label List"/>
   <dgm:desc val="Use to show non-sequential or grouped chunks of information accompanied by a related visuals. Works best with icons or small pictures with short text captions."/>
@@ -8820,6 +10963,1040 @@
 </file>
 
 <file path=ppt/diagrams/quickStyle3.xml><?xml version="1.0" encoding="utf-8"?>
+<dgm:styleDef xmlns:dgm="http://schemas.openxmlformats.org/drawingml/2006/diagram" xmlns:a="http://schemas.openxmlformats.org/drawingml/2006/main" uniqueId="urn:microsoft.com/office/officeart/2005/8/quickstyle/simple1">
+  <dgm:title val=""/>
+  <dgm:desc val=""/>
+  <dgm:catLst>
+    <dgm:cat type="simple" pri="10100"/>
+  </dgm:catLst>
+  <dgm:scene3d>
+    <a:camera prst="orthographicFront"/>
+    <a:lightRig rig="threePt" dir="t"/>
+  </dgm:scene3d>
+  <dgm:styleLbl name="node0">
+    <dgm:scene3d>
+      <a:camera prst="orthographicFront"/>
+      <a:lightRig rig="threePt" dir="t"/>
+    </dgm:scene3d>
+    <dgm:sp3d/>
+    <dgm:txPr/>
+    <dgm:style>
+      <a:lnRef idx="2">
+        <a:scrgbClr r="0" g="0" b="0"/>
+      </a:lnRef>
+      <a:fillRef idx="1">
+        <a:scrgbClr r="0" g="0" b="0"/>
+      </a:fillRef>
+      <a:effectRef idx="0">
+        <a:scrgbClr r="0" g="0" b="0"/>
+      </a:effectRef>
+      <a:fontRef idx="minor">
+        <a:schemeClr val="lt1"/>
+      </a:fontRef>
+    </dgm:style>
+  </dgm:styleLbl>
+  <dgm:styleLbl name="lnNode1">
+    <dgm:scene3d>
+      <a:camera prst="orthographicFront"/>
+      <a:lightRig rig="threePt" dir="t"/>
+    </dgm:scene3d>
+    <dgm:sp3d/>
+    <dgm:txPr/>
+    <dgm:style>
+      <a:lnRef idx="2">
+        <a:scrgbClr r="0" g="0" b="0"/>
+      </a:lnRef>
+      <a:fillRef idx="1">
+        <a:scrgbClr r="0" g="0" b="0"/>
+      </a:fillRef>
+      <a:effectRef idx="0">
+        <a:scrgbClr r="0" g="0" b="0"/>
+      </a:effectRef>
+      <a:fontRef idx="minor">
+        <a:schemeClr val="lt1"/>
+      </a:fontRef>
+    </dgm:style>
+  </dgm:styleLbl>
+  <dgm:styleLbl name="vennNode1">
+    <dgm:scene3d>
+      <a:camera prst="orthographicFront"/>
+      <a:lightRig rig="threePt" dir="t"/>
+    </dgm:scene3d>
+    <dgm:sp3d/>
+    <dgm:txPr/>
+    <dgm:style>
+      <a:lnRef idx="2">
+        <a:scrgbClr r="0" g="0" b="0"/>
+      </a:lnRef>
+      <a:fillRef idx="1">
+        <a:scrgbClr r="0" g="0" b="0"/>
+      </a:fillRef>
+      <a:effectRef idx="0">
+        <a:scrgbClr r="0" g="0" b="0"/>
+      </a:effectRef>
+      <a:fontRef idx="minor">
+        <a:schemeClr val="tx1"/>
+      </a:fontRef>
+    </dgm:style>
+  </dgm:styleLbl>
+  <dgm:styleLbl name="alignNode1">
+    <dgm:scene3d>
+      <a:camera prst="orthographicFront"/>
+      <a:lightRig rig="threePt" dir="t"/>
+    </dgm:scene3d>
+    <dgm:sp3d/>
+    <dgm:txPr/>
+    <dgm:style>
+      <a:lnRef idx="2">
+        <a:scrgbClr r="0" g="0" b="0"/>
+      </a:lnRef>
+      <a:fillRef idx="1">
+        <a:scrgbClr r="0" g="0" b="0"/>
+      </a:fillRef>
+      <a:effectRef idx="0">
+        <a:scrgbClr r="0" g="0" b="0"/>
+      </a:effectRef>
+      <a:fontRef idx="minor">
+        <a:schemeClr val="lt1"/>
+      </a:fontRef>
+    </dgm:style>
+  </dgm:styleLbl>
+  <dgm:styleLbl name="node1">
+    <dgm:scene3d>
+      <a:camera prst="orthographicFront"/>
+      <a:lightRig rig="threePt" dir="t"/>
+    </dgm:scene3d>
+    <dgm:sp3d/>
+    <dgm:txPr/>
+    <dgm:style>
+      <a:lnRef idx="2">
+        <a:scrgbClr r="0" g="0" b="0"/>
+      </a:lnRef>
+      <a:fillRef idx="1">
+        <a:scrgbClr r="0" g="0" b="0"/>
+      </a:fillRef>
+      <a:effectRef idx="0">
+        <a:scrgbClr r="0" g="0" b="0"/>
+      </a:effectRef>
+      <a:fontRef idx="minor">
+        <a:schemeClr val="lt1"/>
+      </a:fontRef>
+    </dgm:style>
+  </dgm:styleLbl>
+  <dgm:styleLbl name="node2">
+    <dgm:scene3d>
+      <a:camera prst="orthographicFront"/>
+      <a:lightRig rig="threePt" dir="t"/>
+    </dgm:scene3d>
+    <dgm:sp3d/>
+    <dgm:txPr/>
+    <dgm:style>
+      <a:lnRef idx="2">
+        <a:scrgbClr r="0" g="0" b="0"/>
+      </a:lnRef>
+      <a:fillRef idx="1">
+        <a:scrgbClr r="0" g="0" b="0"/>
+      </a:fillRef>
+      <a:effectRef idx="0">
+        <a:scrgbClr r="0" g="0" b="0"/>
+      </a:effectRef>
+      <a:fontRef idx="minor">
+        <a:schemeClr val="lt1"/>
+      </a:fontRef>
+    </dgm:style>
+  </dgm:styleLbl>
+  <dgm:styleLbl name="node3">
+    <dgm:scene3d>
+      <a:camera prst="orthographicFront"/>
+      <a:lightRig rig="threePt" dir="t"/>
+    </dgm:scene3d>
+    <dgm:sp3d/>
+    <dgm:txPr/>
+    <dgm:style>
+      <a:lnRef idx="2">
+        <a:scrgbClr r="0" g="0" b="0"/>
+      </a:lnRef>
+      <a:fillRef idx="1">
+        <a:scrgbClr r="0" g="0" b="0"/>
+      </a:fillRef>
+      <a:effectRef idx="0">
+        <a:scrgbClr r="0" g="0" b="0"/>
+      </a:effectRef>
+      <a:fontRef idx="minor">
+        <a:schemeClr val="lt1"/>
+      </a:fontRef>
+    </dgm:style>
+  </dgm:styleLbl>
+  <dgm:styleLbl name="node4">
+    <dgm:scene3d>
+      <a:camera prst="orthographicFront"/>
+      <a:lightRig rig="threePt" dir="t"/>
+    </dgm:scene3d>
+    <dgm:sp3d/>
+    <dgm:txPr/>
+    <dgm:style>
+      <a:lnRef idx="2">
+        <a:scrgbClr r="0" g="0" b="0"/>
+      </a:lnRef>
+      <a:fillRef idx="1">
+        <a:scrgbClr r="0" g="0" b="0"/>
+      </a:fillRef>
+      <a:effectRef idx="0">
+        <a:scrgbClr r="0" g="0" b="0"/>
+      </a:effectRef>
+      <a:fontRef idx="minor">
+        <a:schemeClr val="lt1"/>
+      </a:fontRef>
+    </dgm:style>
+  </dgm:styleLbl>
+  <dgm:styleLbl name="fgImgPlace1">
+    <dgm:scene3d>
+      <a:camera prst="orthographicFront"/>
+      <a:lightRig rig="threePt" dir="t"/>
+    </dgm:scene3d>
+    <dgm:sp3d/>
+    <dgm:txPr/>
+    <dgm:style>
+      <a:lnRef idx="2">
+        <a:scrgbClr r="0" g="0" b="0"/>
+      </a:lnRef>
+      <a:fillRef idx="1">
+        <a:scrgbClr r="0" g="0" b="0"/>
+      </a:fillRef>
+      <a:effectRef idx="0">
+        <a:scrgbClr r="0" g="0" b="0"/>
+      </a:effectRef>
+      <a:fontRef idx="minor"/>
+    </dgm:style>
+  </dgm:styleLbl>
+  <dgm:styleLbl name="alignImgPlace1">
+    <dgm:scene3d>
+      <a:camera prst="orthographicFront"/>
+      <a:lightRig rig="threePt" dir="t"/>
+    </dgm:scene3d>
+    <dgm:sp3d/>
+    <dgm:txPr/>
+    <dgm:style>
+      <a:lnRef idx="2">
+        <a:scrgbClr r="0" g="0" b="0"/>
+      </a:lnRef>
+      <a:fillRef idx="1">
+        <a:scrgbClr r="0" g="0" b="0"/>
+      </a:fillRef>
+      <a:effectRef idx="0">
+        <a:scrgbClr r="0" g="0" b="0"/>
+      </a:effectRef>
+      <a:fontRef idx="minor"/>
+    </dgm:style>
+  </dgm:styleLbl>
+  <dgm:styleLbl name="bgImgPlace1">
+    <dgm:scene3d>
+      <a:camera prst="orthographicFront"/>
+      <a:lightRig rig="threePt" dir="t"/>
+    </dgm:scene3d>
+    <dgm:sp3d/>
+    <dgm:txPr/>
+    <dgm:style>
+      <a:lnRef idx="2">
+        <a:scrgbClr r="0" g="0" b="0"/>
+      </a:lnRef>
+      <a:fillRef idx="1">
+        <a:scrgbClr r="0" g="0" b="0"/>
+      </a:fillRef>
+      <a:effectRef idx="0">
+        <a:scrgbClr r="0" g="0" b="0"/>
+      </a:effectRef>
+      <a:fontRef idx="minor"/>
+    </dgm:style>
+  </dgm:styleLbl>
+  <dgm:styleLbl name="sibTrans2D1">
+    <dgm:scene3d>
+      <a:camera prst="orthographicFront"/>
+      <a:lightRig rig="threePt" dir="t"/>
+    </dgm:scene3d>
+    <dgm:sp3d/>
+    <dgm:txPr/>
+    <dgm:style>
+      <a:lnRef idx="0">
+        <a:scrgbClr r="0" g="0" b="0"/>
+      </a:lnRef>
+      <a:fillRef idx="1">
+        <a:scrgbClr r="0" g="0" b="0"/>
+      </a:fillRef>
+      <a:effectRef idx="0">
+        <a:scrgbClr r="0" g="0" b="0"/>
+      </a:effectRef>
+      <a:fontRef idx="minor">
+        <a:schemeClr val="lt1"/>
+      </a:fontRef>
+    </dgm:style>
+  </dgm:styleLbl>
+  <dgm:styleLbl name="fgSibTrans2D1">
+    <dgm:scene3d>
+      <a:camera prst="orthographicFront"/>
+      <a:lightRig rig="threePt" dir="t"/>
+    </dgm:scene3d>
+    <dgm:sp3d/>
+    <dgm:txPr/>
+    <dgm:style>
+      <a:lnRef idx="0">
+        <a:scrgbClr r="0" g="0" b="0"/>
+      </a:lnRef>
+      <a:fillRef idx="1">
+        <a:scrgbClr r="0" g="0" b="0"/>
+      </a:fillRef>
+      <a:effectRef idx="0">
+        <a:scrgbClr r="0" g="0" b="0"/>
+      </a:effectRef>
+      <a:fontRef idx="minor">
+        <a:schemeClr val="lt1"/>
+      </a:fontRef>
+    </dgm:style>
+  </dgm:styleLbl>
+  <dgm:styleLbl name="bgSibTrans2D1">
+    <dgm:scene3d>
+      <a:camera prst="orthographicFront"/>
+      <a:lightRig rig="threePt" dir="t"/>
+    </dgm:scene3d>
+    <dgm:sp3d/>
+    <dgm:txPr/>
+    <dgm:style>
+      <a:lnRef idx="0">
+        <a:scrgbClr r="0" g="0" b="0"/>
+      </a:lnRef>
+      <a:fillRef idx="1">
+        <a:scrgbClr r="0" g="0" b="0"/>
+      </a:fillRef>
+      <a:effectRef idx="0">
+        <a:scrgbClr r="0" g="0" b="0"/>
+      </a:effectRef>
+      <a:fontRef idx="minor">
+        <a:schemeClr val="lt1"/>
+      </a:fontRef>
+    </dgm:style>
+  </dgm:styleLbl>
+  <dgm:styleLbl name="sibTrans1D1">
+    <dgm:scene3d>
+      <a:camera prst="orthographicFront"/>
+      <a:lightRig rig="threePt" dir="t"/>
+    </dgm:scene3d>
+    <dgm:sp3d/>
+    <dgm:txPr/>
+    <dgm:style>
+      <a:lnRef idx="1">
+        <a:scrgbClr r="0" g="0" b="0"/>
+      </a:lnRef>
+      <a:fillRef idx="0">
+        <a:scrgbClr r="0" g="0" b="0"/>
+      </a:fillRef>
+      <a:effectRef idx="0">
+        <a:scrgbClr r="0" g="0" b="0"/>
+      </a:effectRef>
+      <a:fontRef idx="minor"/>
+    </dgm:style>
+  </dgm:styleLbl>
+  <dgm:styleLbl name="callout">
+    <dgm:scene3d>
+      <a:camera prst="orthographicFront"/>
+      <a:lightRig rig="threePt" dir="t"/>
+    </dgm:scene3d>
+    <dgm:sp3d/>
+    <dgm:txPr/>
+    <dgm:style>
+      <a:lnRef idx="2">
+        <a:scrgbClr r="0" g="0" b="0"/>
+      </a:lnRef>
+      <a:fillRef idx="1">
+        <a:scrgbClr r="0" g="0" b="0"/>
+      </a:fillRef>
+      <a:effectRef idx="0">
+        <a:scrgbClr r="0" g="0" b="0"/>
+      </a:effectRef>
+      <a:fontRef idx="minor"/>
+    </dgm:style>
+  </dgm:styleLbl>
+  <dgm:styleLbl name="asst0">
+    <dgm:scene3d>
+      <a:camera prst="orthographicFront"/>
+      <a:lightRig rig="threePt" dir="t"/>
+    </dgm:scene3d>
+    <dgm:sp3d/>
+    <dgm:txPr/>
+    <dgm:style>
+      <a:lnRef idx="2">
+        <a:scrgbClr r="0" g="0" b="0"/>
+      </a:lnRef>
+      <a:fillRef idx="1">
+        <a:scrgbClr r="0" g="0" b="0"/>
+      </a:fillRef>
+      <a:effectRef idx="0">
+        <a:scrgbClr r="0" g="0" b="0"/>
+      </a:effectRef>
+      <a:fontRef idx="minor">
+        <a:schemeClr val="lt1"/>
+      </a:fontRef>
+    </dgm:style>
+  </dgm:styleLbl>
+  <dgm:styleLbl name="asst1">
+    <dgm:scene3d>
+      <a:camera prst="orthographicFront"/>
+      <a:lightRig rig="threePt" dir="t"/>
+    </dgm:scene3d>
+    <dgm:sp3d/>
+    <dgm:txPr/>
+    <dgm:style>
+      <a:lnRef idx="2">
+        <a:scrgbClr r="0" g="0" b="0"/>
+      </a:lnRef>
+      <a:fillRef idx="1">
+        <a:scrgbClr r="0" g="0" b="0"/>
+      </a:fillRef>
+      <a:effectRef idx="0">
+        <a:scrgbClr r="0" g="0" b="0"/>
+      </a:effectRef>
+      <a:fontRef idx="minor">
+        <a:schemeClr val="lt1"/>
+      </a:fontRef>
+    </dgm:style>
+  </dgm:styleLbl>
+  <dgm:styleLbl name="asst2">
+    <dgm:scene3d>
+      <a:camera prst="orthographicFront"/>
+      <a:lightRig rig="threePt" dir="t"/>
+    </dgm:scene3d>
+    <dgm:sp3d/>
+    <dgm:txPr/>
+    <dgm:style>
+      <a:lnRef idx="2">
+        <a:scrgbClr r="0" g="0" b="0"/>
+      </a:lnRef>
+      <a:fillRef idx="1">
+        <a:scrgbClr r="0" g="0" b="0"/>
+      </a:fillRef>
+      <a:effectRef idx="0">
+        <a:scrgbClr r="0" g="0" b="0"/>
+      </a:effectRef>
+      <a:fontRef idx="minor">
+        <a:schemeClr val="lt1"/>
+      </a:fontRef>
+    </dgm:style>
+  </dgm:styleLbl>
+  <dgm:styleLbl name="asst3">
+    <dgm:scene3d>
+      <a:camera prst="orthographicFront"/>
+      <a:lightRig rig="threePt" dir="t"/>
+    </dgm:scene3d>
+    <dgm:sp3d/>
+    <dgm:txPr/>
+    <dgm:style>
+      <a:lnRef idx="2">
+        <a:scrgbClr r="0" g="0" b="0"/>
+      </a:lnRef>
+      <a:fillRef idx="1">
+        <a:scrgbClr r="0" g="0" b="0"/>
+      </a:fillRef>
+      <a:effectRef idx="0">
+        <a:scrgbClr r="0" g="0" b="0"/>
+      </a:effectRef>
+      <a:fontRef idx="minor">
+        <a:schemeClr val="lt1"/>
+      </a:fontRef>
+    </dgm:style>
+  </dgm:styleLbl>
+  <dgm:styleLbl name="asst4">
+    <dgm:scene3d>
+      <a:camera prst="orthographicFront"/>
+      <a:lightRig rig="threePt" dir="t"/>
+    </dgm:scene3d>
+    <dgm:sp3d/>
+    <dgm:txPr/>
+    <dgm:style>
+      <a:lnRef idx="2">
+        <a:scrgbClr r="0" g="0" b="0"/>
+      </a:lnRef>
+      <a:fillRef idx="1">
+        <a:scrgbClr r="0" g="0" b="0"/>
+      </a:fillRef>
+      <a:effectRef idx="0">
+        <a:scrgbClr r="0" g="0" b="0"/>
+      </a:effectRef>
+      <a:fontRef idx="minor">
+        <a:schemeClr val="lt1"/>
+      </a:fontRef>
+    </dgm:style>
+  </dgm:styleLbl>
+  <dgm:styleLbl name="parChTrans2D1">
+    <dgm:scene3d>
+      <a:camera prst="orthographicFront"/>
+      <a:lightRig rig="threePt" dir="t"/>
+    </dgm:scene3d>
+    <dgm:sp3d/>
+    <dgm:txPr/>
+    <dgm:style>
+      <a:lnRef idx="2">
+        <a:scrgbClr r="0" g="0" b="0"/>
+      </a:lnRef>
+      <a:fillRef idx="1">
+        <a:scrgbClr r="0" g="0" b="0"/>
+      </a:fillRef>
+      <a:effectRef idx="0">
+        <a:scrgbClr r="0" g="0" b="0"/>
+      </a:effectRef>
+      <a:fontRef idx="minor">
+        <a:schemeClr val="lt1"/>
+      </a:fontRef>
+    </dgm:style>
+  </dgm:styleLbl>
+  <dgm:styleLbl name="parChTrans2D2">
+    <dgm:scene3d>
+      <a:camera prst="orthographicFront"/>
+      <a:lightRig rig="threePt" dir="t"/>
+    </dgm:scene3d>
+    <dgm:sp3d/>
+    <dgm:txPr/>
+    <dgm:style>
+      <a:lnRef idx="2">
+        <a:scrgbClr r="0" g="0" b="0"/>
+      </a:lnRef>
+      <a:fillRef idx="1">
+        <a:scrgbClr r="0" g="0" b="0"/>
+      </a:fillRef>
+      <a:effectRef idx="0">
+        <a:scrgbClr r="0" g="0" b="0"/>
+      </a:effectRef>
+      <a:fontRef idx="minor">
+        <a:schemeClr val="lt1"/>
+      </a:fontRef>
+    </dgm:style>
+  </dgm:styleLbl>
+  <dgm:styleLbl name="parChTrans2D3">
+    <dgm:scene3d>
+      <a:camera prst="orthographicFront"/>
+      <a:lightRig rig="threePt" dir="t"/>
+    </dgm:scene3d>
+    <dgm:sp3d/>
+    <dgm:txPr/>
+    <dgm:style>
+      <a:lnRef idx="2">
+        <a:scrgbClr r="0" g="0" b="0"/>
+      </a:lnRef>
+      <a:fillRef idx="1">
+        <a:scrgbClr r="0" g="0" b="0"/>
+      </a:fillRef>
+      <a:effectRef idx="0">
+        <a:scrgbClr r="0" g="0" b="0"/>
+      </a:effectRef>
+      <a:fontRef idx="minor">
+        <a:schemeClr val="lt1"/>
+      </a:fontRef>
+    </dgm:style>
+  </dgm:styleLbl>
+  <dgm:styleLbl name="parChTrans2D4">
+    <dgm:scene3d>
+      <a:camera prst="orthographicFront"/>
+      <a:lightRig rig="threePt" dir="t"/>
+    </dgm:scene3d>
+    <dgm:sp3d/>
+    <dgm:txPr/>
+    <dgm:style>
+      <a:lnRef idx="2">
+        <a:scrgbClr r="0" g="0" b="0"/>
+      </a:lnRef>
+      <a:fillRef idx="1">
+        <a:scrgbClr r="0" g="0" b="0"/>
+      </a:fillRef>
+      <a:effectRef idx="0">
+        <a:scrgbClr r="0" g="0" b="0"/>
+      </a:effectRef>
+      <a:fontRef idx="minor">
+        <a:schemeClr val="lt1"/>
+      </a:fontRef>
+    </dgm:style>
+  </dgm:styleLbl>
+  <dgm:styleLbl name="parChTrans1D1">
+    <dgm:scene3d>
+      <a:camera prst="orthographicFront"/>
+      <a:lightRig rig="threePt" dir="t"/>
+    </dgm:scene3d>
+    <dgm:sp3d/>
+    <dgm:txPr/>
+    <dgm:style>
+      <a:lnRef idx="2">
+        <a:scrgbClr r="0" g="0" b="0"/>
+      </a:lnRef>
+      <a:fillRef idx="0">
+        <a:scrgbClr r="0" g="0" b="0"/>
+      </a:fillRef>
+      <a:effectRef idx="0">
+        <a:scrgbClr r="0" g="0" b="0"/>
+      </a:effectRef>
+      <a:fontRef idx="minor"/>
+    </dgm:style>
+  </dgm:styleLbl>
+  <dgm:styleLbl name="parChTrans1D2">
+    <dgm:scene3d>
+      <a:camera prst="orthographicFront"/>
+      <a:lightRig rig="threePt" dir="t"/>
+    </dgm:scene3d>
+    <dgm:sp3d/>
+    <dgm:txPr/>
+    <dgm:style>
+      <a:lnRef idx="2">
+        <a:scrgbClr r="0" g="0" b="0"/>
+      </a:lnRef>
+      <a:fillRef idx="0">
+        <a:scrgbClr r="0" g="0" b="0"/>
+      </a:fillRef>
+      <a:effectRef idx="0">
+        <a:scrgbClr r="0" g="0" b="0"/>
+      </a:effectRef>
+      <a:fontRef idx="minor"/>
+    </dgm:style>
+  </dgm:styleLbl>
+  <dgm:styleLbl name="parChTrans1D3">
+    <dgm:scene3d>
+      <a:camera prst="orthographicFront"/>
+      <a:lightRig rig="threePt" dir="t"/>
+    </dgm:scene3d>
+    <dgm:sp3d/>
+    <dgm:txPr/>
+    <dgm:style>
+      <a:lnRef idx="2">
+        <a:scrgbClr r="0" g="0" b="0"/>
+      </a:lnRef>
+      <a:fillRef idx="0">
+        <a:scrgbClr r="0" g="0" b="0"/>
+      </a:fillRef>
+      <a:effectRef idx="0">
+        <a:scrgbClr r="0" g="0" b="0"/>
+      </a:effectRef>
+      <a:fontRef idx="minor"/>
+    </dgm:style>
+  </dgm:styleLbl>
+  <dgm:styleLbl name="parChTrans1D4">
+    <dgm:scene3d>
+      <a:camera prst="orthographicFront"/>
+      <a:lightRig rig="threePt" dir="t"/>
+    </dgm:scene3d>
+    <dgm:sp3d/>
+    <dgm:txPr/>
+    <dgm:style>
+      <a:lnRef idx="2">
+        <a:scrgbClr r="0" g="0" b="0"/>
+      </a:lnRef>
+      <a:fillRef idx="0">
+        <a:scrgbClr r="0" g="0" b="0"/>
+      </a:fillRef>
+      <a:effectRef idx="0">
+        <a:scrgbClr r="0" g="0" b="0"/>
+      </a:effectRef>
+      <a:fontRef idx="minor"/>
+    </dgm:style>
+  </dgm:styleLbl>
+  <dgm:styleLbl name="fgAcc1">
+    <dgm:scene3d>
+      <a:camera prst="orthographicFront"/>
+      <a:lightRig rig="threePt" dir="t"/>
+    </dgm:scene3d>
+    <dgm:sp3d/>
+    <dgm:txPr/>
+    <dgm:style>
+      <a:lnRef idx="2">
+        <a:scrgbClr r="0" g="0" b="0"/>
+      </a:lnRef>
+      <a:fillRef idx="1">
+        <a:scrgbClr r="0" g="0" b="0"/>
+      </a:fillRef>
+      <a:effectRef idx="0">
+        <a:scrgbClr r="0" g="0" b="0"/>
+      </a:effectRef>
+      <a:fontRef idx="minor"/>
+    </dgm:style>
+  </dgm:styleLbl>
+  <dgm:styleLbl name="conFgAcc1">
+    <dgm:scene3d>
+      <a:camera prst="orthographicFront"/>
+      <a:lightRig rig="threePt" dir="t"/>
+    </dgm:scene3d>
+    <dgm:sp3d/>
+    <dgm:txPr/>
+    <dgm:style>
+      <a:lnRef idx="2">
+        <a:scrgbClr r="0" g="0" b="0"/>
+      </a:lnRef>
+      <a:fillRef idx="1">
+        <a:scrgbClr r="0" g="0" b="0"/>
+      </a:fillRef>
+      <a:effectRef idx="0">
+        <a:scrgbClr r="0" g="0" b="0"/>
+      </a:effectRef>
+      <a:fontRef idx="minor"/>
+    </dgm:style>
+  </dgm:styleLbl>
+  <dgm:styleLbl name="alignAcc1">
+    <dgm:scene3d>
+      <a:camera prst="orthographicFront"/>
+      <a:lightRig rig="threePt" dir="t"/>
+    </dgm:scene3d>
+    <dgm:sp3d/>
+    <dgm:txPr/>
+    <dgm:style>
+      <a:lnRef idx="2">
+        <a:scrgbClr r="0" g="0" b="0"/>
+      </a:lnRef>
+      <a:fillRef idx="1">
+        <a:scrgbClr r="0" g="0" b="0"/>
+      </a:fillRef>
+      <a:effectRef idx="0">
+        <a:scrgbClr r="0" g="0" b="0"/>
+      </a:effectRef>
+      <a:fontRef idx="minor"/>
+    </dgm:style>
+  </dgm:styleLbl>
+  <dgm:styleLbl name="trAlignAcc1">
+    <dgm:scene3d>
+      <a:camera prst="orthographicFront"/>
+      <a:lightRig rig="threePt" dir="t"/>
+    </dgm:scene3d>
+    <dgm:sp3d/>
+    <dgm:txPr/>
+    <dgm:style>
+      <a:lnRef idx="1">
+        <a:scrgbClr r="0" g="0" b="0"/>
+      </a:lnRef>
+      <a:fillRef idx="1">
+        <a:scrgbClr r="0" g="0" b="0"/>
+      </a:fillRef>
+      <a:effectRef idx="0">
+        <a:scrgbClr r="0" g="0" b="0"/>
+      </a:effectRef>
+      <a:fontRef idx="minor"/>
+    </dgm:style>
+  </dgm:styleLbl>
+  <dgm:styleLbl name="bgAcc1">
+    <dgm:scene3d>
+      <a:camera prst="orthographicFront"/>
+      <a:lightRig rig="threePt" dir="t"/>
+    </dgm:scene3d>
+    <dgm:sp3d/>
+    <dgm:txPr/>
+    <dgm:style>
+      <a:lnRef idx="2">
+        <a:scrgbClr r="0" g="0" b="0"/>
+      </a:lnRef>
+      <a:fillRef idx="1">
+        <a:scrgbClr r="0" g="0" b="0"/>
+      </a:fillRef>
+      <a:effectRef idx="0">
+        <a:scrgbClr r="0" g="0" b="0"/>
+      </a:effectRef>
+      <a:fontRef idx="minor"/>
+    </dgm:style>
+  </dgm:styleLbl>
+  <dgm:styleLbl name="solidFgAcc1">
+    <dgm:scene3d>
+      <a:camera prst="orthographicFront"/>
+      <a:lightRig rig="threePt" dir="t"/>
+    </dgm:scene3d>
+    <dgm:sp3d/>
+    <dgm:txPr/>
+    <dgm:style>
+      <a:lnRef idx="2">
+        <a:scrgbClr r="0" g="0" b="0"/>
+      </a:lnRef>
+      <a:fillRef idx="1">
+        <a:scrgbClr r="0" g="0" b="0"/>
+      </a:fillRef>
+      <a:effectRef idx="0">
+        <a:scrgbClr r="0" g="0" b="0"/>
+      </a:effectRef>
+      <a:fontRef idx="minor"/>
+    </dgm:style>
+  </dgm:styleLbl>
+  <dgm:styleLbl name="solidAlignAcc1">
+    <dgm:scene3d>
+      <a:camera prst="orthographicFront"/>
+      <a:lightRig rig="threePt" dir="t"/>
+    </dgm:scene3d>
+    <dgm:sp3d/>
+    <dgm:txPr/>
+    <dgm:style>
+      <a:lnRef idx="2">
+        <a:scrgbClr r="0" g="0" b="0"/>
+      </a:lnRef>
+      <a:fillRef idx="1">
+        <a:scrgbClr r="0" g="0" b="0"/>
+      </a:fillRef>
+      <a:effectRef idx="0">
+        <a:scrgbClr r="0" g="0" b="0"/>
+      </a:effectRef>
+      <a:fontRef idx="minor"/>
+    </dgm:style>
+  </dgm:styleLbl>
+  <dgm:styleLbl name="solidBgAcc1">
+    <dgm:scene3d>
+      <a:camera prst="orthographicFront"/>
+      <a:lightRig rig="threePt" dir="t"/>
+    </dgm:scene3d>
+    <dgm:sp3d/>
+    <dgm:txPr/>
+    <dgm:style>
+      <a:lnRef idx="2">
+        <a:scrgbClr r="0" g="0" b="0"/>
+      </a:lnRef>
+      <a:fillRef idx="1">
+        <a:scrgbClr r="0" g="0" b="0"/>
+      </a:fillRef>
+      <a:effectRef idx="0">
+        <a:scrgbClr r="0" g="0" b="0"/>
+      </a:effectRef>
+      <a:fontRef idx="minor"/>
+    </dgm:style>
+  </dgm:styleLbl>
+  <dgm:styleLbl name="fgAccFollowNode1">
+    <dgm:scene3d>
+      <a:camera prst="orthographicFront"/>
+      <a:lightRig rig="threePt" dir="t"/>
+    </dgm:scene3d>
+    <dgm:sp3d/>
+    <dgm:txPr/>
+    <dgm:style>
+      <a:lnRef idx="2">
+        <a:scrgbClr r="0" g="0" b="0"/>
+      </a:lnRef>
+      <a:fillRef idx="1">
+        <a:scrgbClr r="0" g="0" b="0"/>
+      </a:fillRef>
+      <a:effectRef idx="0">
+        <a:scrgbClr r="0" g="0" b="0"/>
+      </a:effectRef>
+      <a:fontRef idx="minor"/>
+    </dgm:style>
+  </dgm:styleLbl>
+  <dgm:styleLbl name="alignAccFollowNode1">
+    <dgm:scene3d>
+      <a:camera prst="orthographicFront"/>
+      <a:lightRig rig="threePt" dir="t"/>
+    </dgm:scene3d>
+    <dgm:sp3d/>
+    <dgm:txPr/>
+    <dgm:style>
+      <a:lnRef idx="2">
+        <a:scrgbClr r="0" g="0" b="0"/>
+      </a:lnRef>
+      <a:fillRef idx="1">
+        <a:scrgbClr r="0" g="0" b="0"/>
+      </a:fillRef>
+      <a:effectRef idx="0">
+        <a:scrgbClr r="0" g="0" b="0"/>
+      </a:effectRef>
+      <a:fontRef idx="minor"/>
+    </dgm:style>
+  </dgm:styleLbl>
+  <dgm:styleLbl name="bgAccFollowNode1">
+    <dgm:scene3d>
+      <a:camera prst="orthographicFront"/>
+      <a:lightRig rig="threePt" dir="t"/>
+    </dgm:scene3d>
+    <dgm:sp3d/>
+    <dgm:txPr/>
+    <dgm:style>
+      <a:lnRef idx="2">
+        <a:scrgbClr r="0" g="0" b="0"/>
+      </a:lnRef>
+      <a:fillRef idx="1">
+        <a:scrgbClr r="0" g="0" b="0"/>
+      </a:fillRef>
+      <a:effectRef idx="0">
+        <a:scrgbClr r="0" g="0" b="0"/>
+      </a:effectRef>
+      <a:fontRef idx="minor"/>
+    </dgm:style>
+  </dgm:styleLbl>
+  <dgm:styleLbl name="fgAcc0">
+    <dgm:scene3d>
+      <a:camera prst="orthographicFront"/>
+      <a:lightRig rig="threePt" dir="t"/>
+    </dgm:scene3d>
+    <dgm:sp3d/>
+    <dgm:txPr/>
+    <dgm:style>
+      <a:lnRef idx="2">
+        <a:scrgbClr r="0" g="0" b="0"/>
+      </a:lnRef>
+      <a:fillRef idx="1">
+        <a:scrgbClr r="0" g="0" b="0"/>
+      </a:fillRef>
+      <a:effectRef idx="0">
+        <a:scrgbClr r="0" g="0" b="0"/>
+      </a:effectRef>
+      <a:fontRef idx="minor"/>
+    </dgm:style>
+  </dgm:styleLbl>
+  <dgm:styleLbl name="fgAcc2">
+    <dgm:scene3d>
+      <a:camera prst="orthographicFront"/>
+      <a:lightRig rig="threePt" dir="t"/>
+    </dgm:scene3d>
+    <dgm:sp3d/>
+    <dgm:txPr/>
+    <dgm:style>
+      <a:lnRef idx="2">
+        <a:scrgbClr r="0" g="0" b="0"/>
+      </a:lnRef>
+      <a:fillRef idx="1">
+        <a:scrgbClr r="0" g="0" b="0"/>
+      </a:fillRef>
+      <a:effectRef idx="0">
+        <a:scrgbClr r="0" g="0" b="0"/>
+      </a:effectRef>
+      <a:fontRef idx="minor"/>
+    </dgm:style>
+  </dgm:styleLbl>
+  <dgm:styleLbl name="fgAcc3">
+    <dgm:scene3d>
+      <a:camera prst="orthographicFront"/>
+      <a:lightRig rig="threePt" dir="t"/>
+    </dgm:scene3d>
+    <dgm:sp3d/>
+    <dgm:txPr/>
+    <dgm:style>
+      <a:lnRef idx="2">
+        <a:scrgbClr r="0" g="0" b="0"/>
+      </a:lnRef>
+      <a:fillRef idx="1">
+        <a:scrgbClr r="0" g="0" b="0"/>
+      </a:fillRef>
+      <a:effectRef idx="0">
+        <a:scrgbClr r="0" g="0" b="0"/>
+      </a:effectRef>
+      <a:fontRef idx="minor"/>
+    </dgm:style>
+  </dgm:styleLbl>
+  <dgm:styleLbl name="fgAcc4">
+    <dgm:scene3d>
+      <a:camera prst="orthographicFront"/>
+      <a:lightRig rig="threePt" dir="t"/>
+    </dgm:scene3d>
+    <dgm:sp3d/>
+    <dgm:txPr/>
+    <dgm:style>
+      <a:lnRef idx="2">
+        <a:scrgbClr r="0" g="0" b="0"/>
+      </a:lnRef>
+      <a:fillRef idx="1">
+        <a:scrgbClr r="0" g="0" b="0"/>
+      </a:fillRef>
+      <a:effectRef idx="0">
+        <a:scrgbClr r="0" g="0" b="0"/>
+      </a:effectRef>
+      <a:fontRef idx="minor"/>
+    </dgm:style>
+  </dgm:styleLbl>
+  <dgm:styleLbl name="bgShp">
+    <dgm:scene3d>
+      <a:camera prst="orthographicFront"/>
+      <a:lightRig rig="threePt" dir="t"/>
+    </dgm:scene3d>
+    <dgm:sp3d/>
+    <dgm:txPr/>
+    <dgm:style>
+      <a:lnRef idx="0">
+        <a:scrgbClr r="0" g="0" b="0"/>
+      </a:lnRef>
+      <a:fillRef idx="1">
+        <a:scrgbClr r="0" g="0" b="0"/>
+      </a:fillRef>
+      <a:effectRef idx="0">
+        <a:scrgbClr r="0" g="0" b="0"/>
+      </a:effectRef>
+      <a:fontRef idx="minor"/>
+    </dgm:style>
+  </dgm:styleLbl>
+  <dgm:styleLbl name="dkBgShp">
+    <dgm:scene3d>
+      <a:camera prst="orthographicFront"/>
+      <a:lightRig rig="threePt" dir="t"/>
+    </dgm:scene3d>
+    <dgm:sp3d/>
+    <dgm:txPr/>
+    <dgm:style>
+      <a:lnRef idx="0">
+        <a:scrgbClr r="0" g="0" b="0"/>
+      </a:lnRef>
+      <a:fillRef idx="1">
+        <a:scrgbClr r="0" g="0" b="0"/>
+      </a:fillRef>
+      <a:effectRef idx="0">
+        <a:scrgbClr r="0" g="0" b="0"/>
+      </a:effectRef>
+      <a:fontRef idx="minor"/>
+    </dgm:style>
+  </dgm:styleLbl>
+  <dgm:styleLbl name="trBgShp">
+    <dgm:scene3d>
+      <a:camera prst="orthographicFront"/>
+      <a:lightRig rig="threePt" dir="t"/>
+    </dgm:scene3d>
+    <dgm:sp3d/>
+    <dgm:txPr/>
+    <dgm:style>
+      <a:lnRef idx="0">
+        <a:scrgbClr r="0" g="0" b="0"/>
+      </a:lnRef>
+      <a:fillRef idx="1">
+        <a:scrgbClr r="0" g="0" b="0"/>
+      </a:fillRef>
+      <a:effectRef idx="0">
+        <a:scrgbClr r="0" g="0" b="0"/>
+      </a:effectRef>
+      <a:fontRef idx="minor"/>
+    </dgm:style>
+  </dgm:styleLbl>
+  <dgm:styleLbl name="fgShp">
+    <dgm:scene3d>
+      <a:camera prst="orthographicFront"/>
+      <a:lightRig rig="threePt" dir="t"/>
+    </dgm:scene3d>
+    <dgm:sp3d/>
+    <dgm:txPr/>
+    <dgm:style>
+      <a:lnRef idx="2">
+        <a:scrgbClr r="0" g="0" b="0"/>
+      </a:lnRef>
+      <a:fillRef idx="1">
+        <a:scrgbClr r="0" g="0" b="0"/>
+      </a:fillRef>
+      <a:effectRef idx="0">
+        <a:scrgbClr r="0" g="0" b="0"/>
+      </a:effectRef>
+      <a:fontRef idx="minor"/>
+    </dgm:style>
+  </dgm:styleLbl>
+  <dgm:styleLbl name="revTx">
+    <dgm:scene3d>
+      <a:camera prst="orthographicFront"/>
+      <a:lightRig rig="threePt" dir="t"/>
+    </dgm:scene3d>
+    <dgm:sp3d/>
+    <dgm:txPr/>
+    <dgm:style>
+      <a:lnRef idx="0">
+        <a:scrgbClr r="0" g="0" b="0"/>
+      </a:lnRef>
+      <a:fillRef idx="0">
+        <a:scrgbClr r="0" g="0" b="0"/>
+      </a:fillRef>
+      <a:effectRef idx="0">
+        <a:scrgbClr r="0" g="0" b="0"/>
+      </a:effectRef>
+      <a:fontRef idx="minor"/>
+    </dgm:style>
+  </dgm:styleLbl>
+</dgm:styleDef>
+</file>
+
+<file path=ppt/diagrams/quickStyle4.xml><?xml version="1.0" encoding="utf-8"?>
 <dgm:styleDef xmlns:dgm="http://schemas.openxmlformats.org/drawingml/2006/diagram" xmlns:a="http://schemas.openxmlformats.org/drawingml/2006/main" uniqueId="urn:microsoft.com/office/officeart/2005/8/quickstyle/simple1">
   <dgm:title val=""/>
   <dgm:desc val=""/>
@@ -10451,110 +13628,6 @@
         <p:txBody>
           <a:bodyPr/>
           <a:lstStyle/>
-          <a:p>
-            <a:r>
-              <a:rPr lang="pl-PL" b="1" dirty="0"/>
-              <a:t>Prostota i intuicyjność </a:t>
-            </a:r>
-            <a:r>
-              <a:rPr lang="pl-PL" b="0" dirty="0"/>
-              <a:t>- interfejs </a:t>
-            </a:r>
-            <a:r>
-              <a:rPr lang="pl-PL" dirty="0"/>
-              <a:t>użytkownika zaprojektowany z myślą o pracownikach małych instytucji kultury, w tym osobach niezaawansowanych technologicznie.</a:t>
-            </a:r>
-          </a:p>
-          <a:p>
-            <a:r>
-              <a:rPr lang="pl-PL" b="1" dirty="0"/>
-              <a:t>Niskie koszty wdrożenia </a:t>
-            </a:r>
-            <a:r>
-              <a:rPr lang="pl-PL" b="0" dirty="0"/>
-              <a:t>- b</a:t>
-            </a:r>
-            <a:r>
-              <a:rPr lang="pl-PL" dirty="0"/>
-              <a:t>rak potrzeby korzystania z serwerów czy kosztownego oprogramowania – wykorzystanie lekkiej, desktopowej aplikacji działającej zarówno online, jak i offline.</a:t>
-            </a:r>
-          </a:p>
-          <a:p>
-            <a:r>
-              <a:rPr lang="pl-PL" b="1" dirty="0"/>
-              <a:t>Wsparcie dla lokalnych instytucji </a:t>
-            </a:r>
-            <a:r>
-              <a:rPr lang="pl-PL" b="0" dirty="0"/>
-              <a:t>- rozwiązanie </a:t>
-            </a:r>
-            <a:r>
-              <a:rPr lang="pl-PL" dirty="0"/>
-              <a:t>dostosowane do potrzeb mniejszych galerii sztuki, muzeów i podobnych instytucji na terenie lokalnym.</a:t>
-            </a:r>
-          </a:p>
-          <a:p>
-            <a:r>
-              <a:rPr lang="pl-PL" b="1" dirty="0"/>
-              <a:t>Nowoczesne technologie </a:t>
-            </a:r>
-            <a:r>
-              <a:rPr lang="pl-PL" b="0" dirty="0"/>
-              <a:t>- wykorzystanie </a:t>
-            </a:r>
-            <a:r>
-              <a:rPr lang="pl-PL" dirty="0" err="1"/>
-              <a:t>SQLite</a:t>
-            </a:r>
-            <a:r>
-              <a:rPr lang="pl-PL" dirty="0"/>
-              <a:t> do prostego zarządzania danymi lokalnymi, Visual Studio do budowy aplikacji desktopowej oraz </a:t>
-            </a:r>
-            <a:r>
-              <a:rPr lang="pl-PL" dirty="0" err="1"/>
-              <a:t>QuestPDF</a:t>
-            </a:r>
-            <a:r>
-              <a:rPr lang="pl-PL" dirty="0"/>
-              <a:t> do generowania profesjonalnych raportów.</a:t>
-            </a:r>
-          </a:p>
-          <a:p>
-            <a:r>
-              <a:rPr lang="pl-PL" b="1" dirty="0"/>
-              <a:t>Zarządzanie użytkownikami </a:t>
-            </a:r>
-            <a:r>
-              <a:rPr lang="pl-PL" b="0" dirty="0"/>
-              <a:t>- wdrożenie </a:t>
-            </a:r>
-            <a:r>
-              <a:rPr lang="pl-PL" dirty="0"/>
-              <a:t>systemu ról użytkowników („</a:t>
-            </a:r>
-            <a:r>
-              <a:rPr lang="pl-PL" dirty="0" err="1"/>
-              <a:t>user</a:t>
-            </a:r>
-            <a:r>
-              <a:rPr lang="pl-PL" dirty="0"/>
-              <a:t>” i „admin”) z kontrolą dostępu oraz historią działań.</a:t>
-            </a:r>
-          </a:p>
-          <a:p>
-            <a:r>
-              <a:rPr lang="pl-PL" b="1" dirty="0"/>
-              <a:t>Wydajność i niezależność </a:t>
-            </a:r>
-            <a:r>
-              <a:rPr lang="pl-PL" b="0" dirty="0"/>
-              <a:t>- aplikacja </a:t>
-            </a:r>
-            <a:r>
-              <a:rPr lang="pl-PL" dirty="0"/>
-              <a:t>działa bez połączenia z siecią, co umożliwia pełną niezależność od dostawców usług i gwarantuje bezpieczeństwo danych.</a:t>
-            </a:r>
-          </a:p>
           <a:p>
             <a:endParaRPr lang="pl-PL" dirty="0"/>
           </a:p>
@@ -23100,8 +26173,8 @@
         </p:nvSpPr>
         <p:spPr>
           <a:xfrm>
-            <a:off x="1150286" y="501594"/>
-            <a:ext cx="4790364" cy="1668424"/>
+            <a:off x="1150285" y="501594"/>
+            <a:ext cx="6544293" cy="1249385"/>
           </a:xfrm>
         </p:spPr>
         <p:txBody>
@@ -23111,9 +26184,34 @@
           <a:lstStyle/>
           <a:p>
             <a:r>
-              <a:rPr lang="en-US" sz="4000"/>
-              <a:t>Obecne rozwiązania na rynku</a:t>
-            </a:r>
+              <a:rPr lang="en-US" sz="4000" dirty="0" err="1"/>
+              <a:t>Obecne</a:t>
+            </a:r>
+            <a:r>
+              <a:rPr lang="en-US" sz="4000" dirty="0"/>
+              <a:t> </a:t>
+            </a:r>
+            <a:r>
+              <a:rPr lang="en-US" sz="4000" dirty="0" err="1"/>
+              <a:t>rozwiązania</a:t>
+            </a:r>
+            <a:r>
+              <a:rPr lang="en-US" sz="4000" dirty="0"/>
+              <a:t> </a:t>
+            </a:r>
+            <a:r>
+              <a:rPr lang="en-US" sz="4000" dirty="0" err="1"/>
+              <a:t>na</a:t>
+            </a:r>
+            <a:r>
+              <a:rPr lang="en-US" sz="4000" dirty="0"/>
+              <a:t> </a:t>
+            </a:r>
+            <a:r>
+              <a:rPr lang="en-US" sz="4000" dirty="0" err="1"/>
+              <a:t>rynku</a:t>
+            </a:r>
+            <a:endParaRPr lang="en-US" sz="4000" dirty="0"/>
           </a:p>
         </p:txBody>
       </p:sp>
@@ -23880,161 +26978,39 @@
           <a:lstStyle/>
           <a:p>
             <a:r>
-              <a:rPr lang="pl-PL" sz="4000" dirty="0"/>
+              <a:rPr lang="pl-PL" sz="4000"/>
               <a:t>Metodyka pracy</a:t>
             </a:r>
+            <a:endParaRPr lang="pl-PL" sz="4000" dirty="0"/>
           </a:p>
         </p:txBody>
       </p:sp>
-      <p:sp>
-        <p:nvSpPr>
-          <p:cNvPr id="3" name="Symbol zastępczy zawartości 2">
+      <p:graphicFrame>
+        <p:nvGraphicFramePr>
+          <p:cNvPr id="26" name="Symbol zastępczy zawartości 2">
             <a:extLst>
               <a:ext uri="{FF2B5EF4-FFF2-40B4-BE49-F238E27FC236}">
-                <a16:creationId xmlns:a16="http://schemas.microsoft.com/office/drawing/2014/main" id="{7060A8A1-F648-07B9-B4B2-01BA7DC0DDF1}"/>
+                <a16:creationId xmlns:a16="http://schemas.microsoft.com/office/drawing/2014/main" id="{33A7C1AD-C524-D86D-1C7E-DDD42D2531D3}"/>
               </a:ext>
             </a:extLst>
           </p:cNvPr>
-          <p:cNvSpPr>
-            <a:spLocks noGrp="1"/>
-          </p:cNvSpPr>
+          <p:cNvGraphicFramePr>
+            <a:graphicFrameLocks noGrp="1"/>
+          </p:cNvGraphicFramePr>
           <p:nvPr>
             <p:ph idx="1"/>
           </p:nvPr>
-        </p:nvSpPr>
-        <p:spPr>
-          <a:xfrm>
-            <a:off x="1136397" y="2003898"/>
-            <a:ext cx="9688296" cy="4056435"/>
-          </a:xfrm>
-        </p:spPr>
-        <p:txBody>
-          <a:bodyPr anchor="t">
-            <a:normAutofit/>
-          </a:bodyPr>
-          <a:lstStyle/>
-          <a:p>
-            <a:r>
-              <a:rPr lang="pl-PL" sz="1400" dirty="0"/>
-              <a:t>Planowanie i analiza potrzeb użytkowników:</a:t>
-            </a:r>
-          </a:p>
-          <a:p>
-            <a:pPr lvl="1">
-              <a:buFont typeface="Wingdings" panose="05000000000000000000" pitchFamily="2" charset="2"/>
-              <a:buChar char="§"/>
-            </a:pPr>
-            <a:r>
-              <a:rPr lang="pl-PL" sz="1400" dirty="0"/>
-              <a:t>przeprowadzenie wywiadów z pracownikami galerii sztuki, aby lepiej zrozumieć ich potrzeby i oczekiwania,</a:t>
-            </a:r>
-          </a:p>
-          <a:p>
-            <a:pPr lvl="1">
-              <a:buFont typeface="Wingdings" panose="05000000000000000000" pitchFamily="2" charset="2"/>
-              <a:buChar char="§"/>
-            </a:pPr>
-            <a:r>
-              <a:rPr lang="pl-PL" sz="1400" dirty="0"/>
-              <a:t>analiza istniejących rozwiązań na rynku, identyfikacja ich ograniczeń oraz możliwości adaptacji do mniejszych instytucji.</a:t>
-            </a:r>
-          </a:p>
-          <a:p>
-            <a:r>
-              <a:rPr lang="pl-PL" sz="1400" dirty="0"/>
-              <a:t>Projektowanie systemu:</a:t>
-            </a:r>
-          </a:p>
-          <a:p>
-            <a:pPr lvl="1">
-              <a:buFont typeface="Wingdings" panose="05000000000000000000" pitchFamily="2" charset="2"/>
-              <a:buChar char="§"/>
-            </a:pPr>
-            <a:r>
-              <a:rPr lang="pl-PL" sz="1400" dirty="0"/>
-              <a:t>stworzenie diagramów UML, m.in. diagramów aktywności oraz przypadków użycia, aby szczegółowo zaplanować funkcje systemu,</a:t>
-            </a:r>
-          </a:p>
-          <a:p>
-            <a:pPr lvl="1">
-              <a:buFont typeface="Wingdings" panose="05000000000000000000" pitchFamily="2" charset="2"/>
-              <a:buChar char="§"/>
-            </a:pPr>
-            <a:r>
-              <a:rPr lang="pl-PL" sz="1400" dirty="0"/>
-              <a:t>opracowanie struktury bazy danych i kluczowych relacji między tabelami w </a:t>
-            </a:r>
-            <a:r>
-              <a:rPr lang="pl-PL" sz="1400" dirty="0" err="1"/>
-              <a:t>SQLite</a:t>
-            </a:r>
-            <a:r>
-              <a:rPr lang="pl-PL" sz="1400" dirty="0"/>
-              <a:t>.</a:t>
-            </a:r>
-          </a:p>
-          <a:p>
-            <a:r>
-              <a:rPr lang="pl-PL" sz="1400" dirty="0"/>
-              <a:t>Zarządzanie projektem:</a:t>
-            </a:r>
-          </a:p>
-          <a:p>
-            <a:pPr lvl="1">
-              <a:buFont typeface="Wingdings" panose="05000000000000000000" pitchFamily="2" charset="2"/>
-              <a:buChar char="§"/>
-            </a:pPr>
-            <a:r>
-              <a:rPr lang="pl-PL" sz="1400" dirty="0"/>
-              <a:t>wykorzystanie narzędzia </a:t>
-            </a:r>
-            <a:r>
-              <a:rPr lang="pl-PL" sz="1400" dirty="0" err="1"/>
-              <a:t>Trello</a:t>
-            </a:r>
-            <a:r>
-              <a:rPr lang="pl-PL" sz="1400" dirty="0"/>
-              <a:t> do monitorowania postępu prac oraz efektywnej komunikacji w zespole,</a:t>
-            </a:r>
-          </a:p>
-          <a:p>
-            <a:pPr lvl="1">
-              <a:buFont typeface="Wingdings" panose="05000000000000000000" pitchFamily="2" charset="2"/>
-              <a:buChar char="§"/>
-            </a:pPr>
-            <a:r>
-              <a:rPr lang="pl-PL" sz="1400" dirty="0"/>
-              <a:t>zastosowanie systemu kontroli wersji Git oraz platformy GitHub w celu zarządzania kodem źródłowym i wersjonowania projektu.</a:t>
-            </a:r>
-          </a:p>
-          <a:p>
-            <a:r>
-              <a:rPr lang="pl-PL" sz="1400" dirty="0"/>
-              <a:t>Testowanie i optymalizacja:</a:t>
-            </a:r>
-          </a:p>
-          <a:p>
-            <a:pPr lvl="1">
-              <a:buFont typeface="Wingdings" panose="05000000000000000000" pitchFamily="2" charset="2"/>
-              <a:buChar char="§"/>
-            </a:pPr>
-            <a:r>
-              <a:rPr lang="pl-PL" sz="1400" dirty="0"/>
-              <a:t>testy manualne w celu weryfikacji poprawności działania aplikacji,</a:t>
-            </a:r>
-          </a:p>
-          <a:p>
-            <a:pPr lvl="1">
-              <a:buFont typeface="Wingdings" panose="05000000000000000000" pitchFamily="2" charset="2"/>
-              <a:buChar char="§"/>
-            </a:pPr>
-            <a:r>
-              <a:rPr lang="pl-PL" sz="1400" dirty="0"/>
-              <a:t>optymalizacja działania aplikacji pod kątem wydajności i zarządzania pamięcią.</a:t>
-            </a:r>
-          </a:p>
-        </p:txBody>
-      </p:sp>
+        </p:nvGraphicFramePr>
+        <p:xfrm>
+          <a:off x="1136397" y="2003898"/>
+          <a:ext cx="9688296" cy="4056435"/>
+        </p:xfrm>
+        <a:graphic>
+          <a:graphicData uri="http://schemas.openxmlformats.org/drawingml/2006/diagram">
+            <dgm:relIds xmlns:dgm="http://schemas.openxmlformats.org/drawingml/2006/diagram" xmlns:r="http://schemas.openxmlformats.org/officeDocument/2006/relationships" r:dm="rId2" r:lo="rId3" r:qs="rId4" r:cs="rId5"/>
+          </a:graphicData>
+        </a:graphic>
+      </p:graphicFrame>
       <p:sp>
         <p:nvSpPr>
           <p:cNvPr id="10" name="Rectangle 9">

--- a/Prezentacja na obronę.pptx
+++ b/Prezentacja na obronę.pptx
@@ -3227,10 +3227,10 @@
             </a:lnSpc>
           </a:pPr>
           <a:r>
-            <a:rPr lang="pl-PL"/>
+            <a:rPr lang="pl-PL" b="1"/>
             <a:t>Prostota i intuicyjność</a:t>
           </a:r>
-          <a:endParaRPr lang="en-US"/>
+          <a:endParaRPr lang="en-US" b="1"/>
         </a:p>
       </dgm:t>
     </dgm:pt>
@@ -3241,7 +3241,7 @@
         <a:bodyPr/>
         <a:lstStyle/>
         <a:p>
-          <a:endParaRPr lang="en-US"/>
+          <a:endParaRPr lang="en-US" b="1"/>
         </a:p>
       </dgm:t>
     </dgm:pt>
@@ -3252,7 +3252,7 @@
         <a:bodyPr/>
         <a:lstStyle/>
         <a:p>
-          <a:endParaRPr lang="en-US"/>
+          <a:endParaRPr lang="en-US" b="1"/>
         </a:p>
       </dgm:t>
     </dgm:pt>
@@ -3269,10 +3269,10 @@
             </a:lnSpc>
           </a:pPr>
           <a:r>
-            <a:rPr lang="pl-PL"/>
+            <a:rPr lang="pl-PL" b="1"/>
             <a:t>Niskie koszty wdrożenia</a:t>
           </a:r>
-          <a:endParaRPr lang="en-US"/>
+          <a:endParaRPr lang="en-US" b="1"/>
         </a:p>
       </dgm:t>
     </dgm:pt>
@@ -3283,7 +3283,7 @@
         <a:bodyPr/>
         <a:lstStyle/>
         <a:p>
-          <a:endParaRPr lang="en-US"/>
+          <a:endParaRPr lang="en-US" b="1"/>
         </a:p>
       </dgm:t>
     </dgm:pt>
@@ -3294,7 +3294,7 @@
         <a:bodyPr/>
         <a:lstStyle/>
         <a:p>
-          <a:endParaRPr lang="en-US"/>
+          <a:endParaRPr lang="en-US" b="1"/>
         </a:p>
       </dgm:t>
     </dgm:pt>
@@ -3311,10 +3311,10 @@
             </a:lnSpc>
           </a:pPr>
           <a:r>
-            <a:rPr lang="pl-PL"/>
+            <a:rPr lang="pl-PL" b="1"/>
             <a:t>Wsparcie dla lokalnych instytucji</a:t>
           </a:r>
-          <a:endParaRPr lang="en-US"/>
+          <a:endParaRPr lang="en-US" b="1"/>
         </a:p>
       </dgm:t>
     </dgm:pt>
@@ -3325,7 +3325,7 @@
         <a:bodyPr/>
         <a:lstStyle/>
         <a:p>
-          <a:endParaRPr lang="en-US"/>
+          <a:endParaRPr lang="en-US" b="1"/>
         </a:p>
       </dgm:t>
     </dgm:pt>
@@ -3336,7 +3336,7 @@
         <a:bodyPr/>
         <a:lstStyle/>
         <a:p>
-          <a:endParaRPr lang="en-US"/>
+          <a:endParaRPr lang="en-US" b="1"/>
         </a:p>
       </dgm:t>
     </dgm:pt>
@@ -3353,10 +3353,10 @@
             </a:lnSpc>
           </a:pPr>
           <a:r>
-            <a:rPr lang="pl-PL"/>
+            <a:rPr lang="pl-PL" b="1"/>
             <a:t>Nowoczesne technologie</a:t>
           </a:r>
-          <a:endParaRPr lang="en-US"/>
+          <a:endParaRPr lang="en-US" b="1"/>
         </a:p>
       </dgm:t>
     </dgm:pt>
@@ -3367,7 +3367,7 @@
         <a:bodyPr/>
         <a:lstStyle/>
         <a:p>
-          <a:endParaRPr lang="en-US"/>
+          <a:endParaRPr lang="en-US" b="1"/>
         </a:p>
       </dgm:t>
     </dgm:pt>
@@ -3378,7 +3378,7 @@
         <a:bodyPr/>
         <a:lstStyle/>
         <a:p>
-          <a:endParaRPr lang="en-US"/>
+          <a:endParaRPr lang="en-US" b="1"/>
         </a:p>
       </dgm:t>
     </dgm:pt>
@@ -3395,10 +3395,10 @@
             </a:lnSpc>
           </a:pPr>
           <a:r>
-            <a:rPr lang="pl-PL"/>
+            <a:rPr lang="pl-PL" b="1"/>
             <a:t>Zarządzanie użytkownikami</a:t>
           </a:r>
-          <a:endParaRPr lang="en-US"/>
+          <a:endParaRPr lang="en-US" b="1"/>
         </a:p>
       </dgm:t>
     </dgm:pt>
@@ -3409,7 +3409,7 @@
         <a:bodyPr/>
         <a:lstStyle/>
         <a:p>
-          <a:endParaRPr lang="en-US"/>
+          <a:endParaRPr lang="en-US" b="1"/>
         </a:p>
       </dgm:t>
     </dgm:pt>
@@ -3420,7 +3420,7 @@
         <a:bodyPr/>
         <a:lstStyle/>
         <a:p>
-          <a:endParaRPr lang="en-US"/>
+          <a:endParaRPr lang="en-US" b="1"/>
         </a:p>
       </dgm:t>
     </dgm:pt>
@@ -3437,10 +3437,10 @@
             </a:lnSpc>
           </a:pPr>
           <a:r>
-            <a:rPr lang="pl-PL" dirty="0"/>
+            <a:rPr lang="pl-PL" b="1" dirty="0"/>
             <a:t>Wydajność i niezależność</a:t>
           </a:r>
-          <a:endParaRPr lang="en-US" dirty="0"/>
+          <a:endParaRPr lang="en-US" b="1" dirty="0"/>
         </a:p>
       </dgm:t>
     </dgm:pt>
@@ -3451,7 +3451,7 @@
         <a:bodyPr/>
         <a:lstStyle/>
         <a:p>
-          <a:endParaRPr lang="en-US"/>
+          <a:endParaRPr lang="en-US" b="1"/>
         </a:p>
       </dgm:t>
     </dgm:pt>
@@ -3462,7 +3462,7 @@
         <a:bodyPr/>
         <a:lstStyle/>
         <a:p>
-          <a:endParaRPr lang="en-US"/>
+          <a:endParaRPr lang="en-US" b="1"/>
         </a:p>
       </dgm:t>
     </dgm:pt>
@@ -3474,6 +3474,13 @@
         </dgm:presLayoutVars>
       </dgm:prSet>
       <dgm:spPr/>
+      <dgm:t>
+        <a:bodyPr/>
+        <a:lstStyle/>
+        <a:p>
+          <a:endParaRPr lang="pl-PL"/>
+        </a:p>
+      </dgm:t>
     </dgm:pt>
     <dgm:pt modelId="{15AE0860-BD68-4BA9-A2FF-789DF250193A}" type="pres">
       <dgm:prSet presAssocID="{B3E806A1-D6AB-4B18-AB00-BF8D3483C5A4}" presName="compNode" presStyleCnt="0"/>
@@ -3489,7 +3496,7 @@
                 <a14:useLocalDpi xmlns:a14="http://schemas.microsoft.com/office/drawing/2010/main" val="0"/>
               </a:ext>
               <a:ext uri="{96DAC541-7B7A-43D3-8B79-37D633B846F1}">
-                <asvg:svgBlip xmlns:asvg="http://schemas.microsoft.com/office/drawing/2016/SVG/main" r:embed="rId2"/>
+                <asvg:svgBlip xmlns:asvg="http://schemas.microsoft.com/office/drawing/2016/SVG/main" xmlns="" r:embed="rId2"/>
               </a:ext>
             </a:extLst>
           </a:blip>
@@ -3501,6 +3508,13 @@
           <a:noFill/>
         </a:ln>
       </dgm:spPr>
+      <dgm:t>
+        <a:bodyPr/>
+        <a:lstStyle/>
+        <a:p>
+          <a:endParaRPr lang="pl-PL"/>
+        </a:p>
+      </dgm:t>
       <dgm:extLst>
         <a:ext uri="{E40237B7-FDA0-4F09-8148-C483321AD2D9}">
           <dgm14:cNvPr xmlns:dgm14="http://schemas.microsoft.com/office/drawing/2010/diagram" id="0" name="" descr="Znacznik wyboru"/>
@@ -3519,6 +3533,13 @@
         </dgm:presLayoutVars>
       </dgm:prSet>
       <dgm:spPr/>
+      <dgm:t>
+        <a:bodyPr/>
+        <a:lstStyle/>
+        <a:p>
+          <a:endParaRPr lang="pl-PL"/>
+        </a:p>
+      </dgm:t>
     </dgm:pt>
     <dgm:pt modelId="{51EDEC68-EFB8-4D2D-87D1-9430DEB4A146}" type="pres">
       <dgm:prSet presAssocID="{7A3E7860-5F97-4F32-AE64-AF09D9AD44E6}" presName="sibTrans" presStyleCnt="0"/>
@@ -3538,7 +3559,7 @@
                 <a14:useLocalDpi xmlns:a14="http://schemas.microsoft.com/office/drawing/2010/main" val="0"/>
               </a:ext>
               <a:ext uri="{96DAC541-7B7A-43D3-8B79-37D633B846F1}">
-                <asvg:svgBlip xmlns:asvg="http://schemas.microsoft.com/office/drawing/2016/SVG/main" r:embed="rId4"/>
+                <asvg:svgBlip xmlns:asvg="http://schemas.microsoft.com/office/drawing/2016/SVG/main" xmlns="" r:embed="rId4"/>
               </a:ext>
             </a:extLst>
           </a:blip>
@@ -3550,6 +3571,13 @@
           <a:noFill/>
         </a:ln>
       </dgm:spPr>
+      <dgm:t>
+        <a:bodyPr/>
+        <a:lstStyle/>
+        <a:p>
+          <a:endParaRPr lang="pl-PL"/>
+        </a:p>
+      </dgm:t>
       <dgm:extLst>
         <a:ext uri="{E40237B7-FDA0-4F09-8148-C483321AD2D9}">
           <dgm14:cNvPr xmlns:dgm14="http://schemas.microsoft.com/office/drawing/2010/diagram" id="0" name="" descr="Pieniądze"/>
@@ -3568,6 +3596,13 @@
         </dgm:presLayoutVars>
       </dgm:prSet>
       <dgm:spPr/>
+      <dgm:t>
+        <a:bodyPr/>
+        <a:lstStyle/>
+        <a:p>
+          <a:endParaRPr lang="pl-PL"/>
+        </a:p>
+      </dgm:t>
     </dgm:pt>
     <dgm:pt modelId="{5B833C5D-83E5-4A46-B4DD-8502CF89230E}" type="pres">
       <dgm:prSet presAssocID="{3EA5E59A-8B88-452D-B7B7-34174B5C2297}" presName="sibTrans" presStyleCnt="0"/>
@@ -3587,7 +3622,7 @@
                 <a14:useLocalDpi xmlns:a14="http://schemas.microsoft.com/office/drawing/2010/main" val="0"/>
               </a:ext>
               <a:ext uri="{96DAC541-7B7A-43D3-8B79-37D633B846F1}">
-                <asvg:svgBlip xmlns:asvg="http://schemas.microsoft.com/office/drawing/2016/SVG/main" r:embed="rId6"/>
+                <asvg:svgBlip xmlns:asvg="http://schemas.microsoft.com/office/drawing/2016/SVG/main" xmlns="" r:embed="rId6"/>
               </a:ext>
             </a:extLst>
           </a:blip>
@@ -3599,6 +3634,13 @@
           <a:noFill/>
         </a:ln>
       </dgm:spPr>
+      <dgm:t>
+        <a:bodyPr/>
+        <a:lstStyle/>
+        <a:p>
+          <a:endParaRPr lang="pl-PL"/>
+        </a:p>
+      </dgm:t>
       <dgm:extLst>
         <a:ext uri="{E40237B7-FDA0-4F09-8148-C483321AD2D9}">
           <dgm14:cNvPr xmlns:dgm14="http://schemas.microsoft.com/office/drawing/2010/diagram" id="0" name="" descr="Bank"/>
@@ -3617,6 +3659,13 @@
         </dgm:presLayoutVars>
       </dgm:prSet>
       <dgm:spPr/>
+      <dgm:t>
+        <a:bodyPr/>
+        <a:lstStyle/>
+        <a:p>
+          <a:endParaRPr lang="pl-PL"/>
+        </a:p>
+      </dgm:t>
     </dgm:pt>
     <dgm:pt modelId="{5C2D5D6F-434C-42B9-8D64-85E15034DDB1}" type="pres">
       <dgm:prSet presAssocID="{B59D9152-0513-4288-BD48-9CBA9EAEF52F}" presName="sibTrans" presStyleCnt="0"/>
@@ -3636,7 +3685,7 @@
                 <a14:useLocalDpi xmlns:a14="http://schemas.microsoft.com/office/drawing/2010/main" val="0"/>
               </a:ext>
               <a:ext uri="{96DAC541-7B7A-43D3-8B79-37D633B846F1}">
-                <asvg:svgBlip xmlns:asvg="http://schemas.microsoft.com/office/drawing/2016/SVG/main" r:embed="rId8"/>
+                <asvg:svgBlip xmlns:asvg="http://schemas.microsoft.com/office/drawing/2016/SVG/main" xmlns="" r:embed="rId8"/>
               </a:ext>
             </a:extLst>
           </a:blip>
@@ -3648,6 +3697,13 @@
           <a:noFill/>
         </a:ln>
       </dgm:spPr>
+      <dgm:t>
+        <a:bodyPr/>
+        <a:lstStyle/>
+        <a:p>
+          <a:endParaRPr lang="pl-PL"/>
+        </a:p>
+      </dgm:t>
       <dgm:extLst>
         <a:ext uri="{E40237B7-FDA0-4F09-8148-C483321AD2D9}">
           <dgm14:cNvPr xmlns:dgm14="http://schemas.microsoft.com/office/drawing/2010/diagram" id="0" name="" descr="Komputer"/>
@@ -3666,6 +3722,13 @@
         </dgm:presLayoutVars>
       </dgm:prSet>
       <dgm:spPr/>
+      <dgm:t>
+        <a:bodyPr/>
+        <a:lstStyle/>
+        <a:p>
+          <a:endParaRPr lang="pl-PL"/>
+        </a:p>
+      </dgm:t>
     </dgm:pt>
     <dgm:pt modelId="{03892444-9A5C-42B6-AAD9-BE04889459A4}" type="pres">
       <dgm:prSet presAssocID="{BCBB0458-5DDF-445D-A2E3-E1ECC8AA3F29}" presName="sibTrans" presStyleCnt="0"/>
@@ -3685,7 +3748,7 @@
                 <a14:useLocalDpi xmlns:a14="http://schemas.microsoft.com/office/drawing/2010/main" val="0"/>
               </a:ext>
               <a:ext uri="{96DAC541-7B7A-43D3-8B79-37D633B846F1}">
-                <asvg:svgBlip xmlns:asvg="http://schemas.microsoft.com/office/drawing/2016/SVG/main" r:embed="rId10"/>
+                <asvg:svgBlip xmlns:asvg="http://schemas.microsoft.com/office/drawing/2016/SVG/main" xmlns="" r:embed="rId10"/>
               </a:ext>
             </a:extLst>
           </a:blip>
@@ -3697,6 +3760,13 @@
           <a:noFill/>
         </a:ln>
       </dgm:spPr>
+      <dgm:t>
+        <a:bodyPr/>
+        <a:lstStyle/>
+        <a:p>
+          <a:endParaRPr lang="pl-PL"/>
+        </a:p>
+      </dgm:t>
       <dgm:extLst>
         <a:ext uri="{E40237B7-FDA0-4F09-8148-C483321AD2D9}">
           <dgm14:cNvPr xmlns:dgm14="http://schemas.microsoft.com/office/drawing/2010/diagram" id="0" name="" descr="Spotkanie"/>
@@ -3715,6 +3785,13 @@
         </dgm:presLayoutVars>
       </dgm:prSet>
       <dgm:spPr/>
+      <dgm:t>
+        <a:bodyPr/>
+        <a:lstStyle/>
+        <a:p>
+          <a:endParaRPr lang="pl-PL"/>
+        </a:p>
+      </dgm:t>
     </dgm:pt>
     <dgm:pt modelId="{B104A38A-0B3A-4BDE-9EC0-0A231889810D}" type="pres">
       <dgm:prSet presAssocID="{4A4D8FCF-90FE-40D9-AFE4-DB3FCBAE9B40}" presName="sibTrans" presStyleCnt="0"/>
@@ -3734,7 +3811,7 @@
                 <a14:useLocalDpi xmlns:a14="http://schemas.microsoft.com/office/drawing/2010/main" val="0"/>
               </a:ext>
               <a:ext uri="{96DAC541-7B7A-43D3-8B79-37D633B846F1}">
-                <asvg:svgBlip xmlns:asvg="http://schemas.microsoft.com/office/drawing/2016/SVG/main" r:embed="rId12"/>
+                <asvg:svgBlip xmlns:asvg="http://schemas.microsoft.com/office/drawing/2016/SVG/main" xmlns="" r:embed="rId12"/>
               </a:ext>
             </a:extLst>
           </a:blip>
@@ -3746,6 +3823,13 @@
           <a:noFill/>
         </a:ln>
       </dgm:spPr>
+      <dgm:t>
+        <a:bodyPr/>
+        <a:lstStyle/>
+        <a:p>
+          <a:endParaRPr lang="pl-PL"/>
+        </a:p>
+      </dgm:t>
       <dgm:extLst>
         <a:ext uri="{E40237B7-FDA0-4F09-8148-C483321AD2D9}">
           <dgm14:cNvPr xmlns:dgm14="http://schemas.microsoft.com/office/drawing/2010/diagram" id="0" name="" descr="Upward trend"/>
@@ -3764,22 +3848,29 @@
         </dgm:presLayoutVars>
       </dgm:prSet>
       <dgm:spPr/>
+      <dgm:t>
+        <a:bodyPr/>
+        <a:lstStyle/>
+        <a:p>
+          <a:endParaRPr lang="pl-PL"/>
+        </a:p>
+      </dgm:t>
     </dgm:pt>
   </dgm:ptLst>
   <dgm:cxnLst>
+    <dgm:cxn modelId="{C0A1ACE6-4864-46E3-878E-8FACA7A8C7EE}" srcId="{5CBF4DD2-414A-46D8-AD09-693C56EE21A8}" destId="{018C7AF2-EBF9-4DB6-892F-997BF518DC6E}" srcOrd="2" destOrd="0" parTransId="{3DC9C12F-0B4A-4CDC-9DD6-914CE91263C8}" sibTransId="{B59D9152-0513-4288-BD48-9CBA9EAEF52F}"/>
+    <dgm:cxn modelId="{07896448-4CCB-46B3-AEC1-CAE9D37ABF7B}" type="presOf" srcId="{15C3B110-D706-4909-87D8-E59F24C6EFC0}" destId="{8DB3FBA8-7707-45D7-8CD4-8BBDC10E0144}" srcOrd="0" destOrd="0" presId="urn:microsoft.com/office/officeart/2018/2/layout/IconLabelList"/>
+    <dgm:cxn modelId="{CF7450BB-43A8-4B4D-9497-881118E94056}" type="presOf" srcId="{018C7AF2-EBF9-4DB6-892F-997BF518DC6E}" destId="{A2EA2E30-988C-4E1C-8001-97023089293C}" srcOrd="0" destOrd="0" presId="urn:microsoft.com/office/officeart/2018/2/layout/IconLabelList"/>
     <dgm:cxn modelId="{D92C2836-CCA2-42EF-B1BF-844394D6991F}" type="presOf" srcId="{05D24C55-2A8C-46D6-8724-D684EB5BB86F}" destId="{30319A03-7823-4A23-99AA-04C4B5DD6319}" srcOrd="0" destOrd="0" presId="urn:microsoft.com/office/officeart/2018/2/layout/IconLabelList"/>
-    <dgm:cxn modelId="{05AEF860-5E84-4658-9C8D-E5E4C1399413}" srcId="{5CBF4DD2-414A-46D8-AD09-693C56EE21A8}" destId="{32EF2D20-5157-4045-BF2A-1437BE29DA49}" srcOrd="4" destOrd="0" parTransId="{B9447BBC-D768-4786-87A1-972D8EF9418B}" sibTransId="{4A4D8FCF-90FE-40D9-AFE4-DB3FCBAE9B40}"/>
     <dgm:cxn modelId="{F124A845-134C-4554-9D2E-985BE979F8B5}" type="presOf" srcId="{5CBF4DD2-414A-46D8-AD09-693C56EE21A8}" destId="{FA612FE2-DA54-47AF-A479-43FF4AAAF908}" srcOrd="0" destOrd="0" presId="urn:microsoft.com/office/officeart/2018/2/layout/IconLabelList"/>
-    <dgm:cxn modelId="{07896448-4CCB-46B3-AEC1-CAE9D37ABF7B}" type="presOf" srcId="{15C3B110-D706-4909-87D8-E59F24C6EFC0}" destId="{8DB3FBA8-7707-45D7-8CD4-8BBDC10E0144}" srcOrd="0" destOrd="0" presId="urn:microsoft.com/office/officeart/2018/2/layout/IconLabelList"/>
+    <dgm:cxn modelId="{74BEB2FC-470D-4327-A3BB-6316C75ADE54}" type="presOf" srcId="{32EF2D20-5157-4045-BF2A-1437BE29DA49}" destId="{4C9901BB-1E3C-4974-8FD2-26B1DC4DE914}" srcOrd="0" destOrd="0" presId="urn:microsoft.com/office/officeart/2018/2/layout/IconLabelList"/>
+    <dgm:cxn modelId="{BC140FC1-EF97-4D46-BB9C-29DA16F95891}" srcId="{5CBF4DD2-414A-46D8-AD09-693C56EE21A8}" destId="{05D24C55-2A8C-46D6-8724-D684EB5BB86F}" srcOrd="5" destOrd="0" parTransId="{83B09CFD-D325-4147-9CE0-13DA13D7DE6E}" sibTransId="{F970F39D-D5A9-4027-B054-34C7702E8B90}"/>
+    <dgm:cxn modelId="{F629FDAA-6106-4D93-804F-E11C1578F3A4}" type="presOf" srcId="{B3E806A1-D6AB-4B18-AB00-BF8D3483C5A4}" destId="{F65E0E60-0CAE-4DC0-8A69-5C5FC987452E}" srcOrd="0" destOrd="0" presId="urn:microsoft.com/office/officeart/2018/2/layout/IconLabelList"/>
+    <dgm:cxn modelId="{12D9D5F9-B8E7-43F9-BB80-1ADABA7DD0A6}" type="presOf" srcId="{5686D5EF-5644-4B24-8760-4EDB16903C22}" destId="{19FE9456-BE7D-4751-A2DE-183E2103D334}" srcOrd="0" destOrd="0" presId="urn:microsoft.com/office/officeart/2018/2/layout/IconLabelList"/>
+    <dgm:cxn modelId="{3389D1AC-EBB1-41F2-9717-91C959FE13FA}" srcId="{5CBF4DD2-414A-46D8-AD09-693C56EE21A8}" destId="{B3E806A1-D6AB-4B18-AB00-BF8D3483C5A4}" srcOrd="0" destOrd="0" parTransId="{84833463-C10A-407A-B83C-5D4E45BAD394}" sibTransId="{7A3E7860-5F97-4F32-AE64-AF09D9AD44E6}"/>
     <dgm:cxn modelId="{641A3D50-BA35-4A6F-8E2E-D1960C34BFB0}" srcId="{5CBF4DD2-414A-46D8-AD09-693C56EE21A8}" destId="{15C3B110-D706-4909-87D8-E59F24C6EFC0}" srcOrd="1" destOrd="0" parTransId="{77730242-2452-44BA-899D-2ABF8A3DD017}" sibTransId="{3EA5E59A-8B88-452D-B7B7-34174B5C2297}"/>
     <dgm:cxn modelId="{619B9B56-23C6-4C70-8761-E7A0B21237DA}" srcId="{5CBF4DD2-414A-46D8-AD09-693C56EE21A8}" destId="{5686D5EF-5644-4B24-8760-4EDB16903C22}" srcOrd="3" destOrd="0" parTransId="{A1BB1B93-CB77-48E9-9566-2D19CC761403}" sibTransId="{BCBB0458-5DDF-445D-A2E3-E1ECC8AA3F29}"/>
-    <dgm:cxn modelId="{F629FDAA-6106-4D93-804F-E11C1578F3A4}" type="presOf" srcId="{B3E806A1-D6AB-4B18-AB00-BF8D3483C5A4}" destId="{F65E0E60-0CAE-4DC0-8A69-5C5FC987452E}" srcOrd="0" destOrd="0" presId="urn:microsoft.com/office/officeart/2018/2/layout/IconLabelList"/>
-    <dgm:cxn modelId="{3389D1AC-EBB1-41F2-9717-91C959FE13FA}" srcId="{5CBF4DD2-414A-46D8-AD09-693C56EE21A8}" destId="{B3E806A1-D6AB-4B18-AB00-BF8D3483C5A4}" srcOrd="0" destOrd="0" parTransId="{84833463-C10A-407A-B83C-5D4E45BAD394}" sibTransId="{7A3E7860-5F97-4F32-AE64-AF09D9AD44E6}"/>
-    <dgm:cxn modelId="{CF7450BB-43A8-4B4D-9497-881118E94056}" type="presOf" srcId="{018C7AF2-EBF9-4DB6-892F-997BF518DC6E}" destId="{A2EA2E30-988C-4E1C-8001-97023089293C}" srcOrd="0" destOrd="0" presId="urn:microsoft.com/office/officeart/2018/2/layout/IconLabelList"/>
-    <dgm:cxn modelId="{BC140FC1-EF97-4D46-BB9C-29DA16F95891}" srcId="{5CBF4DD2-414A-46D8-AD09-693C56EE21A8}" destId="{05D24C55-2A8C-46D6-8724-D684EB5BB86F}" srcOrd="5" destOrd="0" parTransId="{83B09CFD-D325-4147-9CE0-13DA13D7DE6E}" sibTransId="{F970F39D-D5A9-4027-B054-34C7702E8B90}"/>
-    <dgm:cxn modelId="{C0A1ACE6-4864-46E3-878E-8FACA7A8C7EE}" srcId="{5CBF4DD2-414A-46D8-AD09-693C56EE21A8}" destId="{018C7AF2-EBF9-4DB6-892F-997BF518DC6E}" srcOrd="2" destOrd="0" parTransId="{3DC9C12F-0B4A-4CDC-9DD6-914CE91263C8}" sibTransId="{B59D9152-0513-4288-BD48-9CBA9EAEF52F}"/>
-    <dgm:cxn modelId="{12D9D5F9-B8E7-43F9-BB80-1ADABA7DD0A6}" type="presOf" srcId="{5686D5EF-5644-4B24-8760-4EDB16903C22}" destId="{19FE9456-BE7D-4751-A2DE-183E2103D334}" srcOrd="0" destOrd="0" presId="urn:microsoft.com/office/officeart/2018/2/layout/IconLabelList"/>
-    <dgm:cxn modelId="{74BEB2FC-470D-4327-A3BB-6316C75ADE54}" type="presOf" srcId="{32EF2D20-5157-4045-BF2A-1437BE29DA49}" destId="{4C9901BB-1E3C-4974-8FD2-26B1DC4DE914}" srcOrd="0" destOrd="0" presId="urn:microsoft.com/office/officeart/2018/2/layout/IconLabelList"/>
+    <dgm:cxn modelId="{05AEF860-5E84-4658-9C8D-E5E4C1399413}" srcId="{5CBF4DD2-414A-46D8-AD09-693C56EE21A8}" destId="{32EF2D20-5157-4045-BF2A-1437BE29DA49}" srcOrd="4" destOrd="0" parTransId="{B9447BBC-D768-4786-87A1-972D8EF9418B}" sibTransId="{4A4D8FCF-90FE-40D9-AFE4-DB3FCBAE9B40}"/>
     <dgm:cxn modelId="{E84C0DA6-0561-47FE-94D8-5D911434C651}" type="presParOf" srcId="{FA612FE2-DA54-47AF-A479-43FF4AAAF908}" destId="{15AE0860-BD68-4BA9-A2FF-789DF250193A}" srcOrd="0" destOrd="0" presId="urn:microsoft.com/office/officeart/2018/2/layout/IconLabelList"/>
     <dgm:cxn modelId="{7D9FB080-DFD9-40D9-9991-C107D4E3E923}" type="presParOf" srcId="{15AE0860-BD68-4BA9-A2FF-789DF250193A}" destId="{AE075AE5-54B2-4A02-A39D-144671EFCE11}" srcOrd="0" destOrd="0" presId="urn:microsoft.com/office/officeart/2018/2/layout/IconLabelList"/>
     <dgm:cxn modelId="{5028ACC7-68ED-4470-A86C-60276E2D6619}" type="presParOf" srcId="{15AE0860-BD68-4BA9-A2FF-789DF250193A}" destId="{78B3F4DE-4DC4-45E4-B5F8-AB9EF7D4EEA4}" srcOrd="1" destOrd="0" presId="urn:microsoft.com/office/officeart/2018/2/layout/IconLabelList"/>
@@ -3842,10 +3933,10 @@
         <a:lstStyle/>
         <a:p>
           <a:r>
-            <a:rPr lang="pl-PL"/>
+            <a:rPr lang="pl-PL" b="1"/>
             <a:t>Aplikacja lokalna na komputery z systemem Windows</a:t>
           </a:r>
-          <a:endParaRPr lang="en-US"/>
+          <a:endParaRPr lang="en-US" b="1"/>
         </a:p>
       </dgm:t>
     </dgm:pt>
@@ -3856,7 +3947,7 @@
         <a:bodyPr/>
         <a:lstStyle/>
         <a:p>
-          <a:endParaRPr lang="en-US"/>
+          <a:endParaRPr lang="en-US" b="1"/>
         </a:p>
       </dgm:t>
     </dgm:pt>
@@ -3867,7 +3958,7 @@
         <a:bodyPr/>
         <a:lstStyle/>
         <a:p>
-          <a:endParaRPr lang="en-US"/>
+          <a:endParaRPr lang="en-US" b="1"/>
         </a:p>
       </dgm:t>
     </dgm:pt>
@@ -3879,10 +3970,10 @@
         <a:lstStyle/>
         <a:p>
           <a:r>
-            <a:rPr lang="pl-PL"/>
+            <a:rPr lang="pl-PL" b="1"/>
             <a:t>Pełna kontrola nad danymi i dostępem</a:t>
           </a:r>
-          <a:endParaRPr lang="en-US"/>
+          <a:endParaRPr lang="en-US" b="1"/>
         </a:p>
       </dgm:t>
     </dgm:pt>
@@ -3893,7 +3984,7 @@
         <a:bodyPr/>
         <a:lstStyle/>
         <a:p>
-          <a:endParaRPr lang="en-US"/>
+          <a:endParaRPr lang="en-US" b="1"/>
         </a:p>
       </dgm:t>
     </dgm:pt>
@@ -3904,7 +3995,7 @@
         <a:bodyPr/>
         <a:lstStyle/>
         <a:p>
-          <a:endParaRPr lang="en-US"/>
+          <a:endParaRPr lang="en-US" b="1"/>
         </a:p>
       </dgm:t>
     </dgm:pt>
@@ -3916,10 +4007,10 @@
         <a:lstStyle/>
         <a:p>
           <a:r>
-            <a:rPr lang="pl-PL"/>
+            <a:rPr lang="pl-PL" b="1" dirty="0"/>
             <a:t>Prosta w obsłudze, nie wymagająca szkoleń, ponieważ posiada najpotrzebniejsze rzeczy dla galerii</a:t>
           </a:r>
-          <a:endParaRPr lang="en-US"/>
+          <a:endParaRPr lang="en-US" b="1" dirty="0"/>
         </a:p>
       </dgm:t>
     </dgm:pt>
@@ -3930,7 +4021,7 @@
         <a:bodyPr/>
         <a:lstStyle/>
         <a:p>
-          <a:endParaRPr lang="en-US"/>
+          <a:endParaRPr lang="en-US" b="1"/>
         </a:p>
       </dgm:t>
     </dgm:pt>
@@ -3941,7 +4032,7 @@
         <a:bodyPr/>
         <a:lstStyle/>
         <a:p>
-          <a:endParaRPr lang="en-US"/>
+          <a:endParaRPr lang="en-US" b="1"/>
         </a:p>
       </dgm:t>
     </dgm:pt>
@@ -3953,10 +4044,10 @@
         <a:lstStyle/>
         <a:p>
           <a:r>
-            <a:rPr lang="pl-PL"/>
+            <a:rPr lang="pl-PL" b="1"/>
             <a:t>Na miarę potrzeb konkretnego muzeum, co pozwala na pełną personalizację. W przypadku SaaS użytkownicy muszą dostosowywać swoje potrzeby do szablonowych funkcji</a:t>
           </a:r>
-          <a:endParaRPr lang="en-US"/>
+          <a:endParaRPr lang="en-US" b="1"/>
         </a:p>
       </dgm:t>
     </dgm:pt>
@@ -3967,7 +4058,7 @@
         <a:bodyPr/>
         <a:lstStyle/>
         <a:p>
-          <a:endParaRPr lang="en-US"/>
+          <a:endParaRPr lang="en-US" b="1"/>
         </a:p>
       </dgm:t>
     </dgm:pt>
@@ -3978,7 +4069,7 @@
         <a:bodyPr/>
         <a:lstStyle/>
         <a:p>
-          <a:endParaRPr lang="en-US"/>
+          <a:endParaRPr lang="en-US" b="1"/>
         </a:p>
       </dgm:t>
     </dgm:pt>
@@ -3990,6 +4081,13 @@
         </dgm:presLayoutVars>
       </dgm:prSet>
       <dgm:spPr/>
+      <dgm:t>
+        <a:bodyPr/>
+        <a:lstStyle/>
+        <a:p>
+          <a:endParaRPr lang="pl-PL"/>
+        </a:p>
+      </dgm:t>
     </dgm:pt>
     <dgm:pt modelId="{719D4D8F-EEF4-4BA3-8653-FC40E591E797}" type="pres">
       <dgm:prSet presAssocID="{E5745DCA-D753-41C2-BA59-639F13FF2A36}" presName="compNode" presStyleCnt="0"/>
@@ -4005,7 +4103,7 @@
                 <a14:useLocalDpi xmlns:a14="http://schemas.microsoft.com/office/drawing/2010/main" val="0"/>
               </a:ext>
               <a:ext uri="{96DAC541-7B7A-43D3-8B79-37D633B846F1}">
-                <asvg:svgBlip xmlns:asvg="http://schemas.microsoft.com/office/drawing/2016/SVG/main" r:embed="rId2"/>
+                <asvg:svgBlip xmlns:asvg="http://schemas.microsoft.com/office/drawing/2016/SVG/main" xmlns="" r:embed="rId2"/>
               </a:ext>
             </a:extLst>
           </a:blip>
@@ -4017,6 +4115,13 @@
           <a:noFill/>
         </a:ln>
       </dgm:spPr>
+      <dgm:t>
+        <a:bodyPr/>
+        <a:lstStyle/>
+        <a:p>
+          <a:endParaRPr lang="pl-PL"/>
+        </a:p>
+      </dgm:t>
       <dgm:extLst>
         <a:ext uri="{E40237B7-FDA0-4F09-8148-C483321AD2D9}">
           <dgm14:cNvPr xmlns:dgm14="http://schemas.microsoft.com/office/drawing/2010/diagram" id="0" name="" descr="Komputer"/>
@@ -4035,6 +4140,13 @@
         </dgm:presLayoutVars>
       </dgm:prSet>
       <dgm:spPr/>
+      <dgm:t>
+        <a:bodyPr/>
+        <a:lstStyle/>
+        <a:p>
+          <a:endParaRPr lang="pl-PL"/>
+        </a:p>
+      </dgm:t>
     </dgm:pt>
     <dgm:pt modelId="{08F79D4D-32D5-46ED-AA87-1282B5103F7E}" type="pres">
       <dgm:prSet presAssocID="{9DA4E62B-D0E1-4460-AB10-4B25C5C6FEF6}" presName="sibTrans" presStyleCnt="0"/>
@@ -4054,7 +4166,7 @@
                 <a14:useLocalDpi xmlns:a14="http://schemas.microsoft.com/office/drawing/2010/main" val="0"/>
               </a:ext>
               <a:ext uri="{96DAC541-7B7A-43D3-8B79-37D633B846F1}">
-                <asvg:svgBlip xmlns:asvg="http://schemas.microsoft.com/office/drawing/2016/SVG/main" r:embed="rId4"/>
+                <asvg:svgBlip xmlns:asvg="http://schemas.microsoft.com/office/drawing/2016/SVG/main" xmlns="" r:embed="rId4"/>
               </a:ext>
             </a:extLst>
           </a:blip>
@@ -4066,6 +4178,13 @@
           <a:noFill/>
         </a:ln>
       </dgm:spPr>
+      <dgm:t>
+        <a:bodyPr/>
+        <a:lstStyle/>
+        <a:p>
+          <a:endParaRPr lang="pl-PL"/>
+        </a:p>
+      </dgm:t>
       <dgm:extLst>
         <a:ext uri="{E40237B7-FDA0-4F09-8148-C483321AD2D9}">
           <dgm14:cNvPr xmlns:dgm14="http://schemas.microsoft.com/office/drawing/2010/diagram" id="0" name="" descr="Znacznik wyboru"/>
@@ -4084,6 +4203,13 @@
         </dgm:presLayoutVars>
       </dgm:prSet>
       <dgm:spPr/>
+      <dgm:t>
+        <a:bodyPr/>
+        <a:lstStyle/>
+        <a:p>
+          <a:endParaRPr lang="pl-PL"/>
+        </a:p>
+      </dgm:t>
     </dgm:pt>
     <dgm:pt modelId="{50613050-8C92-490A-A773-111E37C27DD3}" type="pres">
       <dgm:prSet presAssocID="{87A30837-86BA-455D-A965-1A3E9DEDF1E5}" presName="sibTrans" presStyleCnt="0"/>
@@ -4103,7 +4229,7 @@
                 <a14:useLocalDpi xmlns:a14="http://schemas.microsoft.com/office/drawing/2010/main" val="0"/>
               </a:ext>
               <a:ext uri="{96DAC541-7B7A-43D3-8B79-37D633B846F1}">
-                <asvg:svgBlip xmlns:asvg="http://schemas.microsoft.com/office/drawing/2016/SVG/main" r:embed="rId6"/>
+                <asvg:svgBlip xmlns:asvg="http://schemas.microsoft.com/office/drawing/2016/SVG/main" xmlns="" r:embed="rId6"/>
               </a:ext>
             </a:extLst>
           </a:blip>
@@ -4115,6 +4241,13 @@
           <a:noFill/>
         </a:ln>
       </dgm:spPr>
+      <dgm:t>
+        <a:bodyPr/>
+        <a:lstStyle/>
+        <a:p>
+          <a:endParaRPr lang="pl-PL"/>
+        </a:p>
+      </dgm:t>
       <dgm:extLst>
         <a:ext uri="{E40237B7-FDA0-4F09-8148-C483321AD2D9}">
           <dgm14:cNvPr xmlns:dgm14="http://schemas.microsoft.com/office/drawing/2010/diagram" id="0" name="" descr="Tanabata Tree"/>
@@ -4133,6 +4266,13 @@
         </dgm:presLayoutVars>
       </dgm:prSet>
       <dgm:spPr/>
+      <dgm:t>
+        <a:bodyPr/>
+        <a:lstStyle/>
+        <a:p>
+          <a:endParaRPr lang="pl-PL"/>
+        </a:p>
+      </dgm:t>
     </dgm:pt>
     <dgm:pt modelId="{3178BDAD-7619-4705-A815-0E28324BF20D}" type="pres">
       <dgm:prSet presAssocID="{EE0C2A3C-26E3-48DD-8F6F-11EDE87E6632}" presName="sibTrans" presStyleCnt="0"/>
@@ -4152,7 +4292,7 @@
                 <a14:useLocalDpi xmlns:a14="http://schemas.microsoft.com/office/drawing/2010/main" val="0"/>
               </a:ext>
               <a:ext uri="{96DAC541-7B7A-43D3-8B79-37D633B846F1}">
-                <asvg:svgBlip xmlns:asvg="http://schemas.microsoft.com/office/drawing/2016/SVG/main" r:embed="rId8"/>
+                <asvg:svgBlip xmlns:asvg="http://schemas.microsoft.com/office/drawing/2016/SVG/main" xmlns="" r:embed="rId8"/>
               </a:ext>
             </a:extLst>
           </a:blip>
@@ -4164,6 +4304,13 @@
           <a:noFill/>
         </a:ln>
       </dgm:spPr>
+      <dgm:t>
+        <a:bodyPr/>
+        <a:lstStyle/>
+        <a:p>
+          <a:endParaRPr lang="pl-PL"/>
+        </a:p>
+      </dgm:t>
       <dgm:extLst>
         <a:ext uri="{E40237B7-FDA0-4F09-8148-C483321AD2D9}">
           <dgm14:cNvPr xmlns:dgm14="http://schemas.microsoft.com/office/drawing/2010/diagram" id="0" name="" descr="Rubel"/>
@@ -4182,18 +4329,25 @@
         </dgm:presLayoutVars>
       </dgm:prSet>
       <dgm:spPr/>
+      <dgm:t>
+        <a:bodyPr/>
+        <a:lstStyle/>
+        <a:p>
+          <a:endParaRPr lang="pl-PL"/>
+        </a:p>
+      </dgm:t>
     </dgm:pt>
   </dgm:ptLst>
   <dgm:cxnLst>
-    <dgm:cxn modelId="{CBD47100-A9DF-40DF-B80F-A3A89AB7CDDF}" type="presOf" srcId="{07CDF90A-314B-4B5E-B665-E88A098739F1}" destId="{F41DCCA8-3FEF-48D8-AF36-F49C46222036}" srcOrd="0" destOrd="0" presId="urn:microsoft.com/office/officeart/2018/2/layout/IconLabelList"/>
     <dgm:cxn modelId="{D101221A-44B2-4E26-8600-50B2C6F169A4}" type="presOf" srcId="{1B16F572-728C-418A-BB1B-953671A6299D}" destId="{9BEF4F74-977A-4C68-8EFC-E0EA1534055A}" srcOrd="0" destOrd="0" presId="urn:microsoft.com/office/officeart/2018/2/layout/IconLabelList"/>
+    <dgm:cxn modelId="{85ADE9CE-19A2-4F66-BCF3-B3F12045EEDE}" srcId="{07CDF90A-314B-4B5E-B665-E88A098739F1}" destId="{1B16F572-728C-418A-BB1B-953671A6299D}" srcOrd="3" destOrd="0" parTransId="{3E1F4A14-3641-4D9D-AE21-05EF4E69989F}" sibTransId="{615D0EE6-94D9-47AA-8621-166A57529907}"/>
+    <dgm:cxn modelId="{A79987E9-2849-4A72-BF94-D68B4E0BE9EE}" type="presOf" srcId="{6F558C87-9557-4A8B-BFAD-99068A6F55CF}" destId="{8A319C49-9354-460F-8307-9423EC03AF49}" srcOrd="0" destOrd="0" presId="urn:microsoft.com/office/officeart/2018/2/layout/IconLabelList"/>
     <dgm:cxn modelId="{F8764045-CD7E-4924-9EA9-BAC6D4875380}" srcId="{07CDF90A-314B-4B5E-B665-E88A098739F1}" destId="{27F569D3-6212-44FE-A367-18E2516904FB}" srcOrd="2" destOrd="0" parTransId="{1ED3B6B8-41B7-4404-B519-A02C94E6C4F0}" sibTransId="{EE0C2A3C-26E3-48DD-8F6F-11EDE87E6632}"/>
+    <dgm:cxn modelId="{0D608FF2-D722-4E1F-9A7F-D4E4A6C26013}" type="presOf" srcId="{E5745DCA-D753-41C2-BA59-639F13FF2A36}" destId="{51B02202-A092-425F-BF9B-0202325CC9E0}" srcOrd="0" destOrd="0" presId="urn:microsoft.com/office/officeart/2018/2/layout/IconLabelList"/>
     <dgm:cxn modelId="{AEF32179-734A-4703-83C3-8E3C6970EE4F}" srcId="{07CDF90A-314B-4B5E-B665-E88A098739F1}" destId="{6F558C87-9557-4A8B-BFAD-99068A6F55CF}" srcOrd="1" destOrd="0" parTransId="{0A4018F2-43E6-4211-BBE6-23D4EF97943E}" sibTransId="{87A30837-86BA-455D-A965-1A3E9DEDF1E5}"/>
     <dgm:cxn modelId="{A3A41094-8BD2-4189-B965-BDEF4AE32122}" type="presOf" srcId="{27F569D3-6212-44FE-A367-18E2516904FB}" destId="{18E06BE1-FA41-42BD-A16E-58590D950CBB}" srcOrd="0" destOrd="0" presId="urn:microsoft.com/office/officeart/2018/2/layout/IconLabelList"/>
+    <dgm:cxn modelId="{CBD47100-A9DF-40DF-B80F-A3A89AB7CDDF}" type="presOf" srcId="{07CDF90A-314B-4B5E-B665-E88A098739F1}" destId="{F41DCCA8-3FEF-48D8-AF36-F49C46222036}" srcOrd="0" destOrd="0" presId="urn:microsoft.com/office/officeart/2018/2/layout/IconLabelList"/>
     <dgm:cxn modelId="{2CB5609E-561E-4A1D-85D5-7C3A777ED0DF}" srcId="{07CDF90A-314B-4B5E-B665-E88A098739F1}" destId="{E5745DCA-D753-41C2-BA59-639F13FF2A36}" srcOrd="0" destOrd="0" parTransId="{7E8B8C6F-011F-4E8F-99FF-F3101B53C3D1}" sibTransId="{9DA4E62B-D0E1-4460-AB10-4B25C5C6FEF6}"/>
-    <dgm:cxn modelId="{85ADE9CE-19A2-4F66-BCF3-B3F12045EEDE}" srcId="{07CDF90A-314B-4B5E-B665-E88A098739F1}" destId="{1B16F572-728C-418A-BB1B-953671A6299D}" srcOrd="3" destOrd="0" parTransId="{3E1F4A14-3641-4D9D-AE21-05EF4E69989F}" sibTransId="{615D0EE6-94D9-47AA-8621-166A57529907}"/>
-    <dgm:cxn modelId="{A79987E9-2849-4A72-BF94-D68B4E0BE9EE}" type="presOf" srcId="{6F558C87-9557-4A8B-BFAD-99068A6F55CF}" destId="{8A319C49-9354-460F-8307-9423EC03AF49}" srcOrd="0" destOrd="0" presId="urn:microsoft.com/office/officeart/2018/2/layout/IconLabelList"/>
-    <dgm:cxn modelId="{0D608FF2-D722-4E1F-9A7F-D4E4A6C26013}" type="presOf" srcId="{E5745DCA-D753-41C2-BA59-639F13FF2A36}" destId="{51B02202-A092-425F-BF9B-0202325CC9E0}" srcOrd="0" destOrd="0" presId="urn:microsoft.com/office/officeart/2018/2/layout/IconLabelList"/>
     <dgm:cxn modelId="{63BF6621-1370-4549-AF95-380A58FA86F8}" type="presParOf" srcId="{F41DCCA8-3FEF-48D8-AF36-F49C46222036}" destId="{719D4D8F-EEF4-4BA3-8653-FC40E591E797}" srcOrd="0" destOrd="0" presId="urn:microsoft.com/office/officeart/2018/2/layout/IconLabelList"/>
     <dgm:cxn modelId="{D1032639-5258-4C82-BA27-87C300F7D146}" type="presParOf" srcId="{719D4D8F-EEF4-4BA3-8653-FC40E591E797}" destId="{C830FD41-0BC4-4B3A-BA7D-C09649B6DB36}" srcOrd="0" destOrd="0" presId="urn:microsoft.com/office/officeart/2018/2/layout/IconLabelList"/>
     <dgm:cxn modelId="{C9DB53E9-5EC7-4B7F-8E91-EE33BA79CBCA}" type="presParOf" srcId="{719D4D8F-EEF4-4BA3-8653-FC40E591E797}" destId="{889640F7-6F04-4673-BA14-F204078E4313}" srcOrd="1" destOrd="0" presId="urn:microsoft.com/office/officeart/2018/2/layout/IconLabelList"/>
@@ -4246,10 +4400,10 @@
         <a:lstStyle/>
         <a:p>
           <a:r>
-            <a:rPr lang="pl-PL"/>
+            <a:rPr lang="pl-PL" b="1" dirty="0"/>
             <a:t>Planowanie i analiza potrzeb użytkowników:</a:t>
           </a:r>
-          <a:endParaRPr lang="en-US"/>
+          <a:endParaRPr lang="en-US" b="1" dirty="0"/>
         </a:p>
       </dgm:t>
     </dgm:pt>
@@ -4260,7 +4414,7 @@
         <a:bodyPr/>
         <a:lstStyle/>
         <a:p>
-          <a:endParaRPr lang="en-US"/>
+          <a:endParaRPr lang="en-US" b="1"/>
         </a:p>
       </dgm:t>
     </dgm:pt>
@@ -4271,7 +4425,7 @@
         <a:bodyPr/>
         <a:lstStyle/>
         <a:p>
-          <a:endParaRPr lang="en-US"/>
+          <a:endParaRPr lang="en-US" b="1"/>
         </a:p>
       </dgm:t>
     </dgm:pt>
@@ -4283,10 +4437,10 @@
         <a:lstStyle/>
         <a:p>
           <a:r>
-            <a:rPr lang="pl-PL"/>
+            <a:rPr lang="pl-PL" b="1" dirty="0"/>
             <a:t>przeprowadzenie wywiadów z pracownikami galerii sztuki, aby lepiej zrozumieć ich potrzeby i oczekiwania,</a:t>
           </a:r>
-          <a:endParaRPr lang="en-US"/>
+          <a:endParaRPr lang="en-US" b="1" dirty="0"/>
         </a:p>
       </dgm:t>
     </dgm:pt>
@@ -4297,7 +4451,7 @@
         <a:bodyPr/>
         <a:lstStyle/>
         <a:p>
-          <a:endParaRPr lang="en-US"/>
+          <a:endParaRPr lang="en-US" b="1"/>
         </a:p>
       </dgm:t>
     </dgm:pt>
@@ -4308,7 +4462,7 @@
         <a:bodyPr/>
         <a:lstStyle/>
         <a:p>
-          <a:endParaRPr lang="en-US"/>
+          <a:endParaRPr lang="en-US" b="1"/>
         </a:p>
       </dgm:t>
     </dgm:pt>
@@ -4320,10 +4474,10 @@
         <a:lstStyle/>
         <a:p>
           <a:r>
-            <a:rPr lang="pl-PL"/>
+            <a:rPr lang="pl-PL" b="1" dirty="0"/>
             <a:t>analiza istniejących rozwiązań na rynku, identyfikacja ich ograniczeń oraz możliwości adaptacji do mniejszych instytucji.</a:t>
           </a:r>
-          <a:endParaRPr lang="en-US"/>
+          <a:endParaRPr lang="en-US" b="1" dirty="0"/>
         </a:p>
       </dgm:t>
     </dgm:pt>
@@ -4334,7 +4488,7 @@
         <a:bodyPr/>
         <a:lstStyle/>
         <a:p>
-          <a:endParaRPr lang="en-US"/>
+          <a:endParaRPr lang="en-US" b="1"/>
         </a:p>
       </dgm:t>
     </dgm:pt>
@@ -4345,7 +4499,7 @@
         <a:bodyPr/>
         <a:lstStyle/>
         <a:p>
-          <a:endParaRPr lang="en-US"/>
+          <a:endParaRPr lang="en-US" b="1"/>
         </a:p>
       </dgm:t>
     </dgm:pt>
@@ -4357,10 +4511,10 @@
         <a:lstStyle/>
         <a:p>
           <a:r>
-            <a:rPr lang="pl-PL"/>
+            <a:rPr lang="pl-PL" b="1"/>
             <a:t>Projektowanie systemu:</a:t>
           </a:r>
-          <a:endParaRPr lang="en-US"/>
+          <a:endParaRPr lang="en-US" b="1"/>
         </a:p>
       </dgm:t>
     </dgm:pt>
@@ -4371,7 +4525,7 @@
         <a:bodyPr/>
         <a:lstStyle/>
         <a:p>
-          <a:endParaRPr lang="en-US"/>
+          <a:endParaRPr lang="en-US" b="1"/>
         </a:p>
       </dgm:t>
     </dgm:pt>
@@ -4382,7 +4536,7 @@
         <a:bodyPr/>
         <a:lstStyle/>
         <a:p>
-          <a:endParaRPr lang="en-US"/>
+          <a:endParaRPr lang="en-US" b="1"/>
         </a:p>
       </dgm:t>
     </dgm:pt>
@@ -4394,10 +4548,10 @@
         <a:lstStyle/>
         <a:p>
           <a:r>
-            <a:rPr lang="pl-PL"/>
+            <a:rPr lang="pl-PL" b="1" dirty="0"/>
             <a:t>stworzenie diagramów UML, m.in. diagramów aktywności oraz przypadków użycia, aby szczegółowo zaplanować funkcje systemu,</a:t>
           </a:r>
-          <a:endParaRPr lang="en-US"/>
+          <a:endParaRPr lang="en-US" b="1" dirty="0"/>
         </a:p>
       </dgm:t>
     </dgm:pt>
@@ -4408,7 +4562,7 @@
         <a:bodyPr/>
         <a:lstStyle/>
         <a:p>
-          <a:endParaRPr lang="en-US"/>
+          <a:endParaRPr lang="en-US" b="1"/>
         </a:p>
       </dgm:t>
     </dgm:pt>
@@ -4419,7 +4573,7 @@
         <a:bodyPr/>
         <a:lstStyle/>
         <a:p>
-          <a:endParaRPr lang="en-US"/>
+          <a:endParaRPr lang="en-US" b="1"/>
         </a:p>
       </dgm:t>
     </dgm:pt>
@@ -4431,10 +4585,18 @@
         <a:lstStyle/>
         <a:p>
           <a:r>
-            <a:rPr lang="pl-PL"/>
-            <a:t>opracowanie struktury bazy danych i kluczowych relacji między tabelami w SQLite.</a:t>
+            <a:rPr lang="pl-PL" b="1" dirty="0"/>
+            <a:t>opracowanie struktury bazy danych i kluczowych relacji między tabelami w </a:t>
           </a:r>
-          <a:endParaRPr lang="en-US"/>
+          <a:r>
+            <a:rPr lang="pl-PL" b="1" dirty="0" err="1"/>
+            <a:t>SQLite</a:t>
+          </a:r>
+          <a:r>
+            <a:rPr lang="pl-PL" b="1" dirty="0"/>
+            <a:t>.</a:t>
+          </a:r>
+          <a:endParaRPr lang="en-US" b="1" dirty="0"/>
         </a:p>
       </dgm:t>
     </dgm:pt>
@@ -4445,7 +4607,7 @@
         <a:bodyPr/>
         <a:lstStyle/>
         <a:p>
-          <a:endParaRPr lang="en-US"/>
+          <a:endParaRPr lang="en-US" b="1"/>
         </a:p>
       </dgm:t>
     </dgm:pt>
@@ -4456,7 +4618,7 @@
         <a:bodyPr/>
         <a:lstStyle/>
         <a:p>
-          <a:endParaRPr lang="en-US"/>
+          <a:endParaRPr lang="en-US" b="1"/>
         </a:p>
       </dgm:t>
     </dgm:pt>
@@ -4468,10 +4630,10 @@
         <a:lstStyle/>
         <a:p>
           <a:r>
-            <a:rPr lang="pl-PL"/>
+            <a:rPr lang="pl-PL" b="1"/>
             <a:t>Zarządzanie projektem:</a:t>
           </a:r>
-          <a:endParaRPr lang="en-US"/>
+          <a:endParaRPr lang="en-US" b="1"/>
         </a:p>
       </dgm:t>
     </dgm:pt>
@@ -4482,7 +4644,7 @@
         <a:bodyPr/>
         <a:lstStyle/>
         <a:p>
-          <a:endParaRPr lang="en-US"/>
+          <a:endParaRPr lang="en-US" b="1"/>
         </a:p>
       </dgm:t>
     </dgm:pt>
@@ -4493,7 +4655,7 @@
         <a:bodyPr/>
         <a:lstStyle/>
         <a:p>
-          <a:endParaRPr lang="en-US"/>
+          <a:endParaRPr lang="en-US" b="1"/>
         </a:p>
       </dgm:t>
     </dgm:pt>
@@ -4505,10 +4667,10 @@
         <a:lstStyle/>
         <a:p>
           <a:r>
-            <a:rPr lang="pl-PL"/>
+            <a:rPr lang="pl-PL" b="1"/>
             <a:t>wykorzystanie narzędzia Trello do monitorowania postępu prac oraz efektywnej komunikacji w zespole,</a:t>
           </a:r>
-          <a:endParaRPr lang="en-US"/>
+          <a:endParaRPr lang="en-US" b="1"/>
         </a:p>
       </dgm:t>
     </dgm:pt>
@@ -4519,7 +4681,7 @@
         <a:bodyPr/>
         <a:lstStyle/>
         <a:p>
-          <a:endParaRPr lang="en-US"/>
+          <a:endParaRPr lang="en-US" b="1"/>
         </a:p>
       </dgm:t>
     </dgm:pt>
@@ -4530,7 +4692,7 @@
         <a:bodyPr/>
         <a:lstStyle/>
         <a:p>
-          <a:endParaRPr lang="en-US"/>
+          <a:endParaRPr lang="en-US" b="1"/>
         </a:p>
       </dgm:t>
     </dgm:pt>
@@ -4542,10 +4704,10 @@
         <a:lstStyle/>
         <a:p>
           <a:r>
-            <a:rPr lang="pl-PL"/>
+            <a:rPr lang="pl-PL" b="1"/>
             <a:t>zastosowanie systemu kontroli wersji Git oraz platformy GitHub w celu zarządzania kodem źródłowym i wersjonowania projektu.</a:t>
           </a:r>
-          <a:endParaRPr lang="en-US"/>
+          <a:endParaRPr lang="en-US" b="1"/>
         </a:p>
       </dgm:t>
     </dgm:pt>
@@ -4556,7 +4718,7 @@
         <a:bodyPr/>
         <a:lstStyle/>
         <a:p>
-          <a:endParaRPr lang="en-US"/>
+          <a:endParaRPr lang="en-US" b="1"/>
         </a:p>
       </dgm:t>
     </dgm:pt>
@@ -4567,7 +4729,7 @@
         <a:bodyPr/>
         <a:lstStyle/>
         <a:p>
-          <a:endParaRPr lang="en-US"/>
+          <a:endParaRPr lang="en-US" b="1"/>
         </a:p>
       </dgm:t>
     </dgm:pt>
@@ -4579,10 +4741,10 @@
         <a:lstStyle/>
         <a:p>
           <a:r>
-            <a:rPr lang="pl-PL"/>
+            <a:rPr lang="pl-PL" b="1"/>
             <a:t>Testowanie i optymalizacja:</a:t>
           </a:r>
-          <a:endParaRPr lang="en-US"/>
+          <a:endParaRPr lang="en-US" b="1"/>
         </a:p>
       </dgm:t>
     </dgm:pt>
@@ -4593,7 +4755,7 @@
         <a:bodyPr/>
         <a:lstStyle/>
         <a:p>
-          <a:endParaRPr lang="en-US"/>
+          <a:endParaRPr lang="en-US" b="1"/>
         </a:p>
       </dgm:t>
     </dgm:pt>
@@ -4604,7 +4766,7 @@
         <a:bodyPr/>
         <a:lstStyle/>
         <a:p>
-          <a:endParaRPr lang="en-US"/>
+          <a:endParaRPr lang="en-US" b="1"/>
         </a:p>
       </dgm:t>
     </dgm:pt>
@@ -4616,10 +4778,10 @@
         <a:lstStyle/>
         <a:p>
           <a:r>
-            <a:rPr lang="pl-PL"/>
+            <a:rPr lang="pl-PL" b="1"/>
             <a:t>testy manualne w celu weryfikacji poprawności działania aplikacji,</a:t>
           </a:r>
-          <a:endParaRPr lang="en-US"/>
+          <a:endParaRPr lang="en-US" b="1"/>
         </a:p>
       </dgm:t>
     </dgm:pt>
@@ -4630,7 +4792,7 @@
         <a:bodyPr/>
         <a:lstStyle/>
         <a:p>
-          <a:endParaRPr lang="en-US"/>
+          <a:endParaRPr lang="en-US" b="1"/>
         </a:p>
       </dgm:t>
     </dgm:pt>
@@ -4641,7 +4803,7 @@
         <a:bodyPr/>
         <a:lstStyle/>
         <a:p>
-          <a:endParaRPr lang="en-US"/>
+          <a:endParaRPr lang="en-US" b="1"/>
         </a:p>
       </dgm:t>
     </dgm:pt>
@@ -4653,10 +4815,10 @@
         <a:lstStyle/>
         <a:p>
           <a:r>
-            <a:rPr lang="pl-PL"/>
+            <a:rPr lang="pl-PL" b="1"/>
             <a:t>optymalizacja działania aplikacji pod kątem wydajności i zarządzania pamięcią.</a:t>
           </a:r>
-          <a:endParaRPr lang="en-US"/>
+          <a:endParaRPr lang="en-US" b="1"/>
         </a:p>
       </dgm:t>
     </dgm:pt>
@@ -4667,7 +4829,7 @@
         <a:bodyPr/>
         <a:lstStyle/>
         <a:p>
-          <a:endParaRPr lang="en-US"/>
+          <a:endParaRPr lang="en-US" b="1"/>
         </a:p>
       </dgm:t>
     </dgm:pt>
@@ -4678,7 +4840,7 @@
         <a:bodyPr/>
         <a:lstStyle/>
         <a:p>
-          <a:endParaRPr lang="en-US"/>
+          <a:endParaRPr lang="en-US" b="1"/>
         </a:p>
       </dgm:t>
     </dgm:pt>
@@ -4690,6 +4852,13 @@
         </dgm:presLayoutVars>
       </dgm:prSet>
       <dgm:spPr/>
+      <dgm:t>
+        <a:bodyPr/>
+        <a:lstStyle/>
+        <a:p>
+          <a:endParaRPr lang="pl-PL"/>
+        </a:p>
+      </dgm:t>
     </dgm:pt>
     <dgm:pt modelId="{0205322D-9150-4E55-A0E8-4B535801ADF3}" type="pres">
       <dgm:prSet presAssocID="{2F0331C9-3CB6-486E-B0E1-4A883F14BE9B}" presName="parentText" presStyleLbl="node1" presStyleIdx="0" presStyleCnt="4">
@@ -4699,6 +4868,13 @@
         </dgm:presLayoutVars>
       </dgm:prSet>
       <dgm:spPr/>
+      <dgm:t>
+        <a:bodyPr/>
+        <a:lstStyle/>
+        <a:p>
+          <a:endParaRPr lang="pl-PL"/>
+        </a:p>
+      </dgm:t>
     </dgm:pt>
     <dgm:pt modelId="{236ACD88-A847-4A99-B076-17983B61C956}" type="pres">
       <dgm:prSet presAssocID="{2F0331C9-3CB6-486E-B0E1-4A883F14BE9B}" presName="childText" presStyleLbl="revTx" presStyleIdx="0" presStyleCnt="4">
@@ -4707,6 +4883,13 @@
         </dgm:presLayoutVars>
       </dgm:prSet>
       <dgm:spPr/>
+      <dgm:t>
+        <a:bodyPr/>
+        <a:lstStyle/>
+        <a:p>
+          <a:endParaRPr lang="pl-PL"/>
+        </a:p>
+      </dgm:t>
     </dgm:pt>
     <dgm:pt modelId="{6408D585-6BDD-42DC-B309-D3A67B08A7DA}" type="pres">
       <dgm:prSet presAssocID="{5CFA73B5-F015-4DFA-9676-04392FA3EC96}" presName="parentText" presStyleLbl="node1" presStyleIdx="1" presStyleCnt="4">
@@ -4716,6 +4899,13 @@
         </dgm:presLayoutVars>
       </dgm:prSet>
       <dgm:spPr/>
+      <dgm:t>
+        <a:bodyPr/>
+        <a:lstStyle/>
+        <a:p>
+          <a:endParaRPr lang="pl-PL"/>
+        </a:p>
+      </dgm:t>
     </dgm:pt>
     <dgm:pt modelId="{2B0B1430-B5F6-4F51-9F9D-2F72B5B4E90A}" type="pres">
       <dgm:prSet presAssocID="{5CFA73B5-F015-4DFA-9676-04392FA3EC96}" presName="childText" presStyleLbl="revTx" presStyleIdx="1" presStyleCnt="4">
@@ -4724,6 +4914,13 @@
         </dgm:presLayoutVars>
       </dgm:prSet>
       <dgm:spPr/>
+      <dgm:t>
+        <a:bodyPr/>
+        <a:lstStyle/>
+        <a:p>
+          <a:endParaRPr lang="pl-PL"/>
+        </a:p>
+      </dgm:t>
     </dgm:pt>
     <dgm:pt modelId="{ABF19841-DE6F-4811-B38A-5C4A23A86C2F}" type="pres">
       <dgm:prSet presAssocID="{81B63806-7780-44D3-9870-2A83786DFBE1}" presName="parentText" presStyleLbl="node1" presStyleIdx="2" presStyleCnt="4">
@@ -4733,6 +4930,13 @@
         </dgm:presLayoutVars>
       </dgm:prSet>
       <dgm:spPr/>
+      <dgm:t>
+        <a:bodyPr/>
+        <a:lstStyle/>
+        <a:p>
+          <a:endParaRPr lang="pl-PL"/>
+        </a:p>
+      </dgm:t>
     </dgm:pt>
     <dgm:pt modelId="{F7B3214E-C48E-4915-B554-DAE73790C5DF}" type="pres">
       <dgm:prSet presAssocID="{81B63806-7780-44D3-9870-2A83786DFBE1}" presName="childText" presStyleLbl="revTx" presStyleIdx="2" presStyleCnt="4">
@@ -4741,6 +4945,13 @@
         </dgm:presLayoutVars>
       </dgm:prSet>
       <dgm:spPr/>
+      <dgm:t>
+        <a:bodyPr/>
+        <a:lstStyle/>
+        <a:p>
+          <a:endParaRPr lang="pl-PL"/>
+        </a:p>
+      </dgm:t>
     </dgm:pt>
     <dgm:pt modelId="{EF3943DB-38D2-42C5-AFC9-F5C9AEB635C7}" type="pres">
       <dgm:prSet presAssocID="{4DA97520-DD3D-436C-92E9-9B1738185C40}" presName="parentText" presStyleLbl="node1" presStyleIdx="3" presStyleCnt="4">
@@ -4750,6 +4961,13 @@
         </dgm:presLayoutVars>
       </dgm:prSet>
       <dgm:spPr/>
+      <dgm:t>
+        <a:bodyPr/>
+        <a:lstStyle/>
+        <a:p>
+          <a:endParaRPr lang="pl-PL"/>
+        </a:p>
+      </dgm:t>
     </dgm:pt>
     <dgm:pt modelId="{72834F95-7E8D-4A9D-B93B-91EBDDC5D555}" type="pres">
       <dgm:prSet presAssocID="{4DA97520-DD3D-436C-92E9-9B1738185C40}" presName="childText" presStyleLbl="revTx" presStyleIdx="3" presStyleCnt="4">
@@ -4758,34 +4976,41 @@
         </dgm:presLayoutVars>
       </dgm:prSet>
       <dgm:spPr/>
+      <dgm:t>
+        <a:bodyPr/>
+        <a:lstStyle/>
+        <a:p>
+          <a:endParaRPr lang="pl-PL"/>
+        </a:p>
+      </dgm:t>
     </dgm:pt>
   </dgm:ptLst>
   <dgm:cxnLst>
+    <dgm:cxn modelId="{C97CA546-5C45-43C1-9AC0-961040DAB0DF}" type="presOf" srcId="{AFB30F3B-1D89-4F1D-AFFB-90A70B4EFD41}" destId="{F7B3214E-C48E-4915-B554-DAE73790C5DF}" srcOrd="0" destOrd="0" presId="urn:microsoft.com/office/officeart/2005/8/layout/vList2"/>
+    <dgm:cxn modelId="{8B1D4655-659F-4722-B272-129DD3DAA451}" srcId="{5CFA73B5-F015-4DFA-9676-04392FA3EC96}" destId="{A6356A92-B62C-4F9D-845E-4ECECC50E916}" srcOrd="0" destOrd="0" parTransId="{365A780E-1849-4A38-9A19-48EA0D05939B}" sibTransId="{ED3630C0-3F7C-4293-BADF-F1B9FF67B5AE}"/>
+    <dgm:cxn modelId="{9B85F2D2-534E-4203-8EDA-ED97D81512DF}" srcId="{A3B02E71-606B-42F9-81A1-B5C5D4A45774}" destId="{81B63806-7780-44D3-9870-2A83786DFBE1}" srcOrd="2" destOrd="0" parTransId="{DE0233B1-CD72-49E5-81F4-537A129CDCF2}" sibTransId="{2AD24526-28E7-40E3-9220-BE9780212C11}"/>
+    <dgm:cxn modelId="{9F73FE51-C906-4FAF-87C3-0A77E234019F}" type="presOf" srcId="{A6356A92-B62C-4F9D-845E-4ECECC50E916}" destId="{2B0B1430-B5F6-4F51-9F9D-2F72B5B4E90A}" srcOrd="0" destOrd="0" presId="urn:microsoft.com/office/officeart/2005/8/layout/vList2"/>
+    <dgm:cxn modelId="{9C632BCE-7E55-4DAD-91F3-2111D510E809}" type="presOf" srcId="{7EB1F8BF-638D-4D4B-8E00-107CBF750669}" destId="{236ACD88-A847-4A99-B076-17983B61C956}" srcOrd="0" destOrd="1" presId="urn:microsoft.com/office/officeart/2005/8/layout/vList2"/>
+    <dgm:cxn modelId="{7013104B-6DDB-451E-972A-CAE3B52A8020}" type="presOf" srcId="{EFB9B0C8-FDE9-44FB-AFA1-C62102880853}" destId="{F7B3214E-C48E-4915-B554-DAE73790C5DF}" srcOrd="0" destOrd="1" presId="urn:microsoft.com/office/officeart/2005/8/layout/vList2"/>
+    <dgm:cxn modelId="{6B2FA5DE-51ED-4B6A-BDBD-6E978BED5A96}" srcId="{81B63806-7780-44D3-9870-2A83786DFBE1}" destId="{EFB9B0C8-FDE9-44FB-AFA1-C62102880853}" srcOrd="1" destOrd="0" parTransId="{E4BCD9AD-83F9-4FB1-8B5B-96FC7C5B0372}" sibTransId="{4113CAAE-3335-41FE-B259-E0EC810617C6}"/>
+    <dgm:cxn modelId="{3B469432-A81C-456C-BC27-8E05F8DCA0B4}" srcId="{2F0331C9-3CB6-486E-B0E1-4A883F14BE9B}" destId="{78F7AE4A-3DBB-435C-BC62-161F6780E753}" srcOrd="0" destOrd="0" parTransId="{9A06774F-041C-4C0D-B637-61319CCF1531}" sibTransId="{FA203303-85A2-4E86-9052-6AD0C264FDA5}"/>
+    <dgm:cxn modelId="{DE168C9F-68A3-4B6C-96C1-263EED1D7BB6}" srcId="{A3B02E71-606B-42F9-81A1-B5C5D4A45774}" destId="{4DA97520-DD3D-436C-92E9-9B1738185C40}" srcOrd="3" destOrd="0" parTransId="{43222112-EC85-44D7-BC86-6B3C60492269}" sibTransId="{569E5BCF-B29A-4596-90E6-E6A79FCDD191}"/>
+    <dgm:cxn modelId="{96196C23-7C63-4476-BF4F-840A021F0902}" srcId="{A3B02E71-606B-42F9-81A1-B5C5D4A45774}" destId="{5CFA73B5-F015-4DFA-9676-04392FA3EC96}" srcOrd="1" destOrd="0" parTransId="{CDEA0460-AAB8-4189-8CB3-7417E352C2D2}" sibTransId="{3E08BEBD-C9A5-40CD-8A3E-F2A8C4AC1A31}"/>
+    <dgm:cxn modelId="{32D06FA3-C8B5-402A-A65D-8F9E5DDC01F7}" srcId="{2F0331C9-3CB6-486E-B0E1-4A883F14BE9B}" destId="{7EB1F8BF-638D-4D4B-8E00-107CBF750669}" srcOrd="1" destOrd="0" parTransId="{EBE70E7F-369C-4C87-8F45-421F6BA5FF2D}" sibTransId="{16A87904-9041-456B-B8A3-176997524F78}"/>
+    <dgm:cxn modelId="{A68CA8E7-B0B7-4EA7-B73C-5021F2FCC24B}" type="presOf" srcId="{07B2306D-89C5-4C95-B2F3-B802D5683F79}" destId="{2B0B1430-B5F6-4F51-9F9D-2F72B5B4E90A}" srcOrd="0" destOrd="1" presId="urn:microsoft.com/office/officeart/2005/8/layout/vList2"/>
+    <dgm:cxn modelId="{0276D321-0975-452E-9F56-1F5AF315CF14}" type="presOf" srcId="{4DA97520-DD3D-436C-92E9-9B1738185C40}" destId="{EF3943DB-38D2-42C5-AFC9-F5C9AEB635C7}" srcOrd="0" destOrd="0" presId="urn:microsoft.com/office/officeart/2005/8/layout/vList2"/>
+    <dgm:cxn modelId="{8529AD5C-27FB-48AF-B38B-B0AE7EC04477}" srcId="{81B63806-7780-44D3-9870-2A83786DFBE1}" destId="{AFB30F3B-1D89-4F1D-AFFB-90A70B4EFD41}" srcOrd="0" destOrd="0" parTransId="{7CF95CAB-76DF-429E-BDB9-1D4B5D0E077D}" sibTransId="{9B0D78FE-488D-4998-B2BE-9899C89EA458}"/>
+    <dgm:cxn modelId="{2DB8354B-45A6-44FA-ABC3-3F06E172CFA9}" type="presOf" srcId="{2F0331C9-3CB6-486E-B0E1-4A883F14BE9B}" destId="{0205322D-9150-4E55-A0E8-4B535801ADF3}" srcOrd="0" destOrd="0" presId="urn:microsoft.com/office/officeart/2005/8/layout/vList2"/>
+    <dgm:cxn modelId="{FB976CC2-9BBD-4B92-AC22-2BF2532D76C9}" srcId="{A3B02E71-606B-42F9-81A1-B5C5D4A45774}" destId="{2F0331C9-3CB6-486E-B0E1-4A883F14BE9B}" srcOrd="0" destOrd="0" parTransId="{24E26E7E-DAC8-462B-BDDD-1CD7728F6786}" sibTransId="{328370D4-156A-4EDE-ADA7-D15AC424B84C}"/>
+    <dgm:cxn modelId="{810AA6D1-D244-47C1-AD18-F17FD9E47904}" type="presOf" srcId="{13B160F6-EAAF-4E15-A72F-9710BCD67DD2}" destId="{72834F95-7E8D-4A9D-B93B-91EBDDC5D555}" srcOrd="0" destOrd="0" presId="urn:microsoft.com/office/officeart/2005/8/layout/vList2"/>
+    <dgm:cxn modelId="{02CC0471-F6E9-47A4-BC75-7770E280E615}" srcId="{4DA97520-DD3D-436C-92E9-9B1738185C40}" destId="{F29BD005-2910-4756-83D9-A0535CC09AFE}" srcOrd="1" destOrd="0" parTransId="{15A58DF7-12F7-48DB-9FFE-BC513603C932}" sibTransId="{244B6192-1AF4-47E4-AB83-13CC664CD330}"/>
     <dgm:cxn modelId="{17EE8819-A585-4043-B6A4-9245CB5C432C}" type="presOf" srcId="{F29BD005-2910-4756-83D9-A0535CC09AFE}" destId="{72834F95-7E8D-4A9D-B93B-91EBDDC5D555}" srcOrd="0" destOrd="1" presId="urn:microsoft.com/office/officeart/2005/8/layout/vList2"/>
-    <dgm:cxn modelId="{0276D321-0975-452E-9F56-1F5AF315CF14}" type="presOf" srcId="{4DA97520-DD3D-436C-92E9-9B1738185C40}" destId="{EF3943DB-38D2-42C5-AFC9-F5C9AEB635C7}" srcOrd="0" destOrd="0" presId="urn:microsoft.com/office/officeart/2005/8/layout/vList2"/>
-    <dgm:cxn modelId="{96196C23-7C63-4476-BF4F-840A021F0902}" srcId="{A3B02E71-606B-42F9-81A1-B5C5D4A45774}" destId="{5CFA73B5-F015-4DFA-9676-04392FA3EC96}" srcOrd="1" destOrd="0" parTransId="{CDEA0460-AAB8-4189-8CB3-7417E352C2D2}" sibTransId="{3E08BEBD-C9A5-40CD-8A3E-F2A8C4AC1A31}"/>
     <dgm:cxn modelId="{6DCA9028-D21D-4C5F-B450-DE1C4252F337}" type="presOf" srcId="{5CFA73B5-F015-4DFA-9676-04392FA3EC96}" destId="{6408D585-6BDD-42DC-B309-D3A67B08A7DA}" srcOrd="0" destOrd="0" presId="urn:microsoft.com/office/officeart/2005/8/layout/vList2"/>
+    <dgm:cxn modelId="{E443D8A7-239E-4020-8A11-68F8510D7175}" type="presOf" srcId="{81B63806-7780-44D3-9870-2A83786DFBE1}" destId="{ABF19841-DE6F-4811-B38A-5C4A23A86C2F}" srcOrd="0" destOrd="0" presId="urn:microsoft.com/office/officeart/2005/8/layout/vList2"/>
+    <dgm:cxn modelId="{39A582FF-8AA8-4C2B-B0B9-A87B5C2F9E00}" srcId="{4DA97520-DD3D-436C-92E9-9B1738185C40}" destId="{13B160F6-EAAF-4E15-A72F-9710BCD67DD2}" srcOrd="0" destOrd="0" parTransId="{01DBE074-2083-4815-94EE-A168FA1D2119}" sibTransId="{9F3824A0-1336-4DD6-B04D-C76E8D1FBA13}"/>
+    <dgm:cxn modelId="{E4968F36-2E1A-4269-8528-ED95024B106D}" type="presOf" srcId="{A3B02E71-606B-42F9-81A1-B5C5D4A45774}" destId="{8385B3D1-01B0-40F2-AABF-BB4CD566C8CC}" srcOrd="0" destOrd="0" presId="urn:microsoft.com/office/officeart/2005/8/layout/vList2"/>
+    <dgm:cxn modelId="{3BE615BA-77A2-4FA7-8AA5-EF5B63AFBD32}" type="presOf" srcId="{78F7AE4A-3DBB-435C-BC62-161F6780E753}" destId="{236ACD88-A847-4A99-B076-17983B61C956}" srcOrd="0" destOrd="0" presId="urn:microsoft.com/office/officeart/2005/8/layout/vList2"/>
     <dgm:cxn modelId="{AB630130-5262-43E2-AD46-C7079C2C6D16}" srcId="{5CFA73B5-F015-4DFA-9676-04392FA3EC96}" destId="{07B2306D-89C5-4C95-B2F3-B802D5683F79}" srcOrd="1" destOrd="0" parTransId="{CED0905E-C11F-4037-9A2A-B9A84DBDDCA5}" sibTransId="{75C5B5ED-BF0A-42CC-BC57-002A2539D00B}"/>
-    <dgm:cxn modelId="{3B469432-A81C-456C-BC27-8E05F8DCA0B4}" srcId="{2F0331C9-3CB6-486E-B0E1-4A883F14BE9B}" destId="{78F7AE4A-3DBB-435C-BC62-161F6780E753}" srcOrd="0" destOrd="0" parTransId="{9A06774F-041C-4C0D-B637-61319CCF1531}" sibTransId="{FA203303-85A2-4E86-9052-6AD0C264FDA5}"/>
-    <dgm:cxn modelId="{E4968F36-2E1A-4269-8528-ED95024B106D}" type="presOf" srcId="{A3B02E71-606B-42F9-81A1-B5C5D4A45774}" destId="{8385B3D1-01B0-40F2-AABF-BB4CD566C8CC}" srcOrd="0" destOrd="0" presId="urn:microsoft.com/office/officeart/2005/8/layout/vList2"/>
-    <dgm:cxn modelId="{8529AD5C-27FB-48AF-B38B-B0AE7EC04477}" srcId="{81B63806-7780-44D3-9870-2A83786DFBE1}" destId="{AFB30F3B-1D89-4F1D-AFFB-90A70B4EFD41}" srcOrd="0" destOrd="0" parTransId="{7CF95CAB-76DF-429E-BDB9-1D4B5D0E077D}" sibTransId="{9B0D78FE-488D-4998-B2BE-9899C89EA458}"/>
-    <dgm:cxn modelId="{C97CA546-5C45-43C1-9AC0-961040DAB0DF}" type="presOf" srcId="{AFB30F3B-1D89-4F1D-AFFB-90A70B4EFD41}" destId="{F7B3214E-C48E-4915-B554-DAE73790C5DF}" srcOrd="0" destOrd="0" presId="urn:microsoft.com/office/officeart/2005/8/layout/vList2"/>
-    <dgm:cxn modelId="{7013104B-6DDB-451E-972A-CAE3B52A8020}" type="presOf" srcId="{EFB9B0C8-FDE9-44FB-AFA1-C62102880853}" destId="{F7B3214E-C48E-4915-B554-DAE73790C5DF}" srcOrd="0" destOrd="1" presId="urn:microsoft.com/office/officeart/2005/8/layout/vList2"/>
-    <dgm:cxn modelId="{2DB8354B-45A6-44FA-ABC3-3F06E172CFA9}" type="presOf" srcId="{2F0331C9-3CB6-486E-B0E1-4A883F14BE9B}" destId="{0205322D-9150-4E55-A0E8-4B535801ADF3}" srcOrd="0" destOrd="0" presId="urn:microsoft.com/office/officeart/2005/8/layout/vList2"/>
-    <dgm:cxn modelId="{02CC0471-F6E9-47A4-BC75-7770E280E615}" srcId="{4DA97520-DD3D-436C-92E9-9B1738185C40}" destId="{F29BD005-2910-4756-83D9-A0535CC09AFE}" srcOrd="1" destOrd="0" parTransId="{15A58DF7-12F7-48DB-9FFE-BC513603C932}" sibTransId="{244B6192-1AF4-47E4-AB83-13CC664CD330}"/>
-    <dgm:cxn modelId="{9F73FE51-C906-4FAF-87C3-0A77E234019F}" type="presOf" srcId="{A6356A92-B62C-4F9D-845E-4ECECC50E916}" destId="{2B0B1430-B5F6-4F51-9F9D-2F72B5B4E90A}" srcOrd="0" destOrd="0" presId="urn:microsoft.com/office/officeart/2005/8/layout/vList2"/>
-    <dgm:cxn modelId="{8B1D4655-659F-4722-B272-129DD3DAA451}" srcId="{5CFA73B5-F015-4DFA-9676-04392FA3EC96}" destId="{A6356A92-B62C-4F9D-845E-4ECECC50E916}" srcOrd="0" destOrd="0" parTransId="{365A780E-1849-4A38-9A19-48EA0D05939B}" sibTransId="{ED3630C0-3F7C-4293-BADF-F1B9FF67B5AE}"/>
-    <dgm:cxn modelId="{DE168C9F-68A3-4B6C-96C1-263EED1D7BB6}" srcId="{A3B02E71-606B-42F9-81A1-B5C5D4A45774}" destId="{4DA97520-DD3D-436C-92E9-9B1738185C40}" srcOrd="3" destOrd="0" parTransId="{43222112-EC85-44D7-BC86-6B3C60492269}" sibTransId="{569E5BCF-B29A-4596-90E6-E6A79FCDD191}"/>
-    <dgm:cxn modelId="{32D06FA3-C8B5-402A-A65D-8F9E5DDC01F7}" srcId="{2F0331C9-3CB6-486E-B0E1-4A883F14BE9B}" destId="{7EB1F8BF-638D-4D4B-8E00-107CBF750669}" srcOrd="1" destOrd="0" parTransId="{EBE70E7F-369C-4C87-8F45-421F6BA5FF2D}" sibTransId="{16A87904-9041-456B-B8A3-176997524F78}"/>
-    <dgm:cxn modelId="{E443D8A7-239E-4020-8A11-68F8510D7175}" type="presOf" srcId="{81B63806-7780-44D3-9870-2A83786DFBE1}" destId="{ABF19841-DE6F-4811-B38A-5C4A23A86C2F}" srcOrd="0" destOrd="0" presId="urn:microsoft.com/office/officeart/2005/8/layout/vList2"/>
-    <dgm:cxn modelId="{3BE615BA-77A2-4FA7-8AA5-EF5B63AFBD32}" type="presOf" srcId="{78F7AE4A-3DBB-435C-BC62-161F6780E753}" destId="{236ACD88-A847-4A99-B076-17983B61C956}" srcOrd="0" destOrd="0" presId="urn:microsoft.com/office/officeart/2005/8/layout/vList2"/>
-    <dgm:cxn modelId="{FB976CC2-9BBD-4B92-AC22-2BF2532D76C9}" srcId="{A3B02E71-606B-42F9-81A1-B5C5D4A45774}" destId="{2F0331C9-3CB6-486E-B0E1-4A883F14BE9B}" srcOrd="0" destOrd="0" parTransId="{24E26E7E-DAC8-462B-BDDD-1CD7728F6786}" sibTransId="{328370D4-156A-4EDE-ADA7-D15AC424B84C}"/>
-    <dgm:cxn modelId="{9C632BCE-7E55-4DAD-91F3-2111D510E809}" type="presOf" srcId="{7EB1F8BF-638D-4D4B-8E00-107CBF750669}" destId="{236ACD88-A847-4A99-B076-17983B61C956}" srcOrd="0" destOrd="1" presId="urn:microsoft.com/office/officeart/2005/8/layout/vList2"/>
-    <dgm:cxn modelId="{810AA6D1-D244-47C1-AD18-F17FD9E47904}" type="presOf" srcId="{13B160F6-EAAF-4E15-A72F-9710BCD67DD2}" destId="{72834F95-7E8D-4A9D-B93B-91EBDDC5D555}" srcOrd="0" destOrd="0" presId="urn:microsoft.com/office/officeart/2005/8/layout/vList2"/>
-    <dgm:cxn modelId="{9B85F2D2-534E-4203-8EDA-ED97D81512DF}" srcId="{A3B02E71-606B-42F9-81A1-B5C5D4A45774}" destId="{81B63806-7780-44D3-9870-2A83786DFBE1}" srcOrd="2" destOrd="0" parTransId="{DE0233B1-CD72-49E5-81F4-537A129CDCF2}" sibTransId="{2AD24526-28E7-40E3-9220-BE9780212C11}"/>
-    <dgm:cxn modelId="{6B2FA5DE-51ED-4B6A-BDBD-6E978BED5A96}" srcId="{81B63806-7780-44D3-9870-2A83786DFBE1}" destId="{EFB9B0C8-FDE9-44FB-AFA1-C62102880853}" srcOrd="1" destOrd="0" parTransId="{E4BCD9AD-83F9-4FB1-8B5B-96FC7C5B0372}" sibTransId="{4113CAAE-3335-41FE-B259-E0EC810617C6}"/>
-    <dgm:cxn modelId="{A68CA8E7-B0B7-4EA7-B73C-5021F2FCC24B}" type="presOf" srcId="{07B2306D-89C5-4C95-B2F3-B802D5683F79}" destId="{2B0B1430-B5F6-4F51-9F9D-2F72B5B4E90A}" srcOrd="0" destOrd="1" presId="urn:microsoft.com/office/officeart/2005/8/layout/vList2"/>
-    <dgm:cxn modelId="{39A582FF-8AA8-4C2B-B0B9-A87B5C2F9E00}" srcId="{4DA97520-DD3D-436C-92E9-9B1738185C40}" destId="{13B160F6-EAAF-4E15-A72F-9710BCD67DD2}" srcOrd="0" destOrd="0" parTransId="{01DBE074-2083-4815-94EE-A168FA1D2119}" sibTransId="{9F3824A0-1336-4DD6-B04D-C76E8D1FBA13}"/>
     <dgm:cxn modelId="{6CB4E3A8-FAAB-4AC2-B9D0-DC931C342FA0}" type="presParOf" srcId="{8385B3D1-01B0-40F2-AABF-BB4CD566C8CC}" destId="{0205322D-9150-4E55-A0E8-4B535801ADF3}" srcOrd="0" destOrd="0" presId="urn:microsoft.com/office/officeart/2005/8/layout/vList2"/>
     <dgm:cxn modelId="{CEFE7188-3D77-41C2-97D4-2EC045623FC7}" type="presParOf" srcId="{8385B3D1-01B0-40F2-AABF-BB4CD566C8CC}" destId="{236ACD88-A847-4A99-B076-17983B61C956}" srcOrd="1" destOrd="0" presId="urn:microsoft.com/office/officeart/2005/8/layout/vList2"/>
     <dgm:cxn modelId="{FBD68981-AE28-4624-B149-D32F85136848}" type="presParOf" srcId="{8385B3D1-01B0-40F2-AABF-BB4CD566C8CC}" destId="{6408D585-6BDD-42DC-B309-D3A67B08A7DA}" srcOrd="2" destOrd="0" presId="urn:microsoft.com/office/officeart/2005/8/layout/vList2"/>
@@ -4843,10 +5068,10 @@
             </a:lnSpc>
           </a:pPr>
           <a:r>
-            <a:rPr lang="pl-PL"/>
+            <a:rPr lang="pl-PL" b="1"/>
             <a:t>C#</a:t>
           </a:r>
-          <a:endParaRPr lang="en-US"/>
+          <a:endParaRPr lang="en-US" b="1"/>
         </a:p>
       </dgm:t>
     </dgm:pt>
@@ -4857,7 +5082,7 @@
         <a:bodyPr/>
         <a:lstStyle/>
         <a:p>
-          <a:endParaRPr lang="en-US"/>
+          <a:endParaRPr lang="en-US" b="1"/>
         </a:p>
       </dgm:t>
     </dgm:pt>
@@ -4868,7 +5093,7 @@
         <a:bodyPr/>
         <a:lstStyle/>
         <a:p>
-          <a:endParaRPr lang="en-US"/>
+          <a:endParaRPr lang="en-US" b="1"/>
         </a:p>
       </dgm:t>
     </dgm:pt>
@@ -4897,10 +5122,10 @@
             </a:lnSpc>
           </a:pPr>
           <a:r>
-            <a:rPr lang="pl-PL"/>
+            <a:rPr lang="pl-PL" b="1"/>
             <a:t>WPF</a:t>
           </a:r>
-          <a:endParaRPr lang="en-US"/>
+          <a:endParaRPr lang="en-US" b="1"/>
         </a:p>
       </dgm:t>
     </dgm:pt>
@@ -4911,7 +5136,7 @@
         <a:bodyPr/>
         <a:lstStyle/>
         <a:p>
-          <a:endParaRPr lang="en-US"/>
+          <a:endParaRPr lang="en-US" b="1"/>
         </a:p>
       </dgm:t>
     </dgm:pt>
@@ -4922,7 +5147,7 @@
         <a:bodyPr/>
         <a:lstStyle/>
         <a:p>
-          <a:endParaRPr lang="en-US"/>
+          <a:endParaRPr lang="en-US" b="1"/>
         </a:p>
       </dgm:t>
     </dgm:pt>
@@ -4950,10 +5175,10 @@
             </a:lnSpc>
           </a:pPr>
           <a:r>
-            <a:rPr lang="pl-PL" err="1"/>
+            <a:rPr lang="pl-PL" b="1" err="1"/>
             <a:t>QuestPDF</a:t>
           </a:r>
-          <a:endParaRPr lang="en-US"/>
+          <a:endParaRPr lang="en-US" b="1"/>
         </a:p>
       </dgm:t>
     </dgm:pt>
@@ -4964,7 +5189,7 @@
         <a:bodyPr/>
         <a:lstStyle/>
         <a:p>
-          <a:endParaRPr lang="en-US"/>
+          <a:endParaRPr lang="en-US" b="1"/>
         </a:p>
       </dgm:t>
     </dgm:pt>
@@ -4975,7 +5200,7 @@
         <a:bodyPr/>
         <a:lstStyle/>
         <a:p>
-          <a:endParaRPr lang="en-US"/>
+          <a:endParaRPr lang="en-US" b="1"/>
         </a:p>
       </dgm:t>
     </dgm:pt>
@@ -5003,7 +5228,7 @@
             </a:lnSpc>
           </a:pPr>
           <a:r>
-            <a:rPr lang="pl-PL"/>
+            <a:rPr lang="pl-PL" b="1"/>
             <a:t>Visual Studio</a:t>
           </a:r>
         </a:p>
@@ -5014,7 +5239,7 @@
             </a:lnSpc>
           </a:pPr>
           <a:r>
-            <a:rPr lang="pl-PL"/>
+            <a:rPr lang="pl-PL" b="1"/>
             <a:t>Draw.io</a:t>
           </a:r>
         </a:p>
@@ -5025,7 +5250,7 @@
             </a:lnSpc>
           </a:pPr>
           <a:r>
-            <a:rPr lang="pl-PL"/>
+            <a:rPr lang="pl-PL" b="1"/>
             <a:t>Adobe Reader</a:t>
           </a:r>
         </a:p>
@@ -5036,10 +5261,10 @@
             </a:lnSpc>
           </a:pPr>
           <a:r>
-            <a:rPr lang="pl-PL" err="1"/>
+            <a:rPr lang="pl-PL" b="1" err="1"/>
             <a:t>Figma</a:t>
           </a:r>
-          <a:endParaRPr lang="en-US"/>
+          <a:endParaRPr lang="en-US" b="1"/>
         </a:p>
       </dgm:t>
     </dgm:pt>
@@ -5050,7 +5275,7 @@
         <a:bodyPr/>
         <a:lstStyle/>
         <a:p>
-          <a:endParaRPr lang="en-US"/>
+          <a:endParaRPr lang="en-US" b="1"/>
         </a:p>
       </dgm:t>
     </dgm:pt>
@@ -5061,7 +5286,7 @@
         <a:bodyPr/>
         <a:lstStyle/>
         <a:p>
-          <a:endParaRPr lang="en-US"/>
+          <a:endParaRPr lang="en-US" b="1"/>
         </a:p>
       </dgm:t>
     </dgm:pt>
@@ -5089,7 +5314,7 @@
             </a:lnSpc>
           </a:pPr>
           <a:r>
-            <a:rPr lang="pl-PL"/>
+            <a:rPr lang="pl-PL" b="1"/>
             <a:t>Git</a:t>
           </a:r>
         </a:p>
@@ -5100,10 +5325,10 @@
             </a:lnSpc>
           </a:pPr>
           <a:r>
-            <a:rPr lang="pl-PL"/>
+            <a:rPr lang="pl-PL" b="1"/>
             <a:t>GitHub</a:t>
           </a:r>
-          <a:endParaRPr lang="en-US"/>
+          <a:endParaRPr lang="en-US" b="1"/>
         </a:p>
       </dgm:t>
     </dgm:pt>
@@ -5114,7 +5339,7 @@
         <a:bodyPr/>
         <a:lstStyle/>
         <a:p>
-          <a:endParaRPr lang="en-US"/>
+          <a:endParaRPr lang="en-US" b="1"/>
         </a:p>
       </dgm:t>
     </dgm:pt>
@@ -5125,7 +5350,7 @@
         <a:bodyPr/>
         <a:lstStyle/>
         <a:p>
-          <a:endParaRPr lang="en-US"/>
+          <a:endParaRPr lang="en-US" b="1"/>
         </a:p>
       </dgm:t>
     </dgm:pt>
@@ -5153,10 +5378,10 @@
             </a:lnSpc>
           </a:pPr>
           <a:r>
-            <a:rPr lang="pl-PL" err="1"/>
+            <a:rPr lang="pl-PL" b="1" err="1"/>
             <a:t>Trello</a:t>
           </a:r>
-          <a:endParaRPr lang="en-US"/>
+          <a:endParaRPr lang="en-US" b="1"/>
         </a:p>
       </dgm:t>
     </dgm:pt>
@@ -5167,7 +5392,7 @@
         <a:bodyPr/>
         <a:lstStyle/>
         <a:p>
-          <a:endParaRPr lang="en-US"/>
+          <a:endParaRPr lang="en-US" b="1"/>
         </a:p>
       </dgm:t>
     </dgm:pt>
@@ -5178,7 +5403,7 @@
         <a:bodyPr/>
         <a:lstStyle/>
         <a:p>
-          <a:endParaRPr lang="en-US"/>
+          <a:endParaRPr lang="en-US" b="1"/>
         </a:p>
       </dgm:t>
     </dgm:pt>
@@ -5190,6 +5415,13 @@
         </dgm:presLayoutVars>
       </dgm:prSet>
       <dgm:spPr/>
+      <dgm:t>
+        <a:bodyPr/>
+        <a:lstStyle/>
+        <a:p>
+          <a:endParaRPr lang="pl-PL"/>
+        </a:p>
+      </dgm:t>
     </dgm:pt>
     <dgm:pt modelId="{15AE0860-BD68-4BA9-A2FF-789DF250193A}" type="pres">
       <dgm:prSet presAssocID="{B3E806A1-D6AB-4B18-AB00-BF8D3483C5A4}" presName="compNode" presStyleCnt="0"/>
@@ -5202,7 +5434,7 @@
           <a:blip xmlns:r="http://schemas.openxmlformats.org/officeDocument/2006/relationships" r:embed="rId1">
             <a:extLst>
               <a:ext uri="{96DAC541-7B7A-43D3-8B79-37D633B846F1}">
-                <asvg:svgBlip xmlns:asvg="http://schemas.microsoft.com/office/drawing/2016/SVG/main" r:embed="rId2"/>
+                <asvg:svgBlip xmlns:asvg="http://schemas.microsoft.com/office/drawing/2016/SVG/main" xmlns="" r:embed="rId2"/>
               </a:ext>
             </a:extLst>
           </a:blip>
@@ -5233,6 +5465,13 @@
         </dgm:presLayoutVars>
       </dgm:prSet>
       <dgm:spPr/>
+      <dgm:t>
+        <a:bodyPr/>
+        <a:lstStyle/>
+        <a:p>
+          <a:endParaRPr lang="pl-PL"/>
+        </a:p>
+      </dgm:t>
     </dgm:pt>
     <dgm:pt modelId="{51EDEC68-EFB8-4D2D-87D1-9430DEB4A146}" type="pres">
       <dgm:prSet presAssocID="{7A3E7860-5F97-4F32-AE64-AF09D9AD44E6}" presName="sibTrans" presStyleCnt="0"/>
@@ -5249,7 +5488,7 @@
           <a:blip xmlns:r="http://schemas.openxmlformats.org/officeDocument/2006/relationships" r:embed="rId3">
             <a:extLst>
               <a:ext uri="{96DAC541-7B7A-43D3-8B79-37D633B846F1}">
-                <asvg:svgBlip xmlns:asvg="http://schemas.microsoft.com/office/drawing/2016/SVG/main" r:embed="rId4"/>
+                <asvg:svgBlip xmlns:asvg="http://schemas.microsoft.com/office/drawing/2016/SVG/main" xmlns="" r:embed="rId4"/>
               </a:ext>
             </a:extLst>
           </a:blip>
@@ -5280,6 +5519,13 @@
         </dgm:presLayoutVars>
       </dgm:prSet>
       <dgm:spPr/>
+      <dgm:t>
+        <a:bodyPr/>
+        <a:lstStyle/>
+        <a:p>
+          <a:endParaRPr lang="pl-PL"/>
+        </a:p>
+      </dgm:t>
     </dgm:pt>
     <dgm:pt modelId="{5B833C5D-83E5-4A46-B4DD-8502CF89230E}" type="pres">
       <dgm:prSet presAssocID="{3EA5E59A-8B88-452D-B7B7-34174B5C2297}" presName="sibTrans" presStyleCnt="0"/>
@@ -5296,7 +5542,7 @@
           <a:blip xmlns:r="http://schemas.openxmlformats.org/officeDocument/2006/relationships" r:embed="rId5">
             <a:extLst>
               <a:ext uri="{96DAC541-7B7A-43D3-8B79-37D633B846F1}">
-                <asvg:svgBlip xmlns:asvg="http://schemas.microsoft.com/office/drawing/2016/SVG/main" r:embed="rId6"/>
+                <asvg:svgBlip xmlns:asvg="http://schemas.microsoft.com/office/drawing/2016/SVG/main" xmlns="" r:embed="rId6"/>
               </a:ext>
             </a:extLst>
           </a:blip>
@@ -5327,6 +5573,13 @@
         </dgm:presLayoutVars>
       </dgm:prSet>
       <dgm:spPr/>
+      <dgm:t>
+        <a:bodyPr/>
+        <a:lstStyle/>
+        <a:p>
+          <a:endParaRPr lang="pl-PL"/>
+        </a:p>
+      </dgm:t>
     </dgm:pt>
     <dgm:pt modelId="{5C2D5D6F-434C-42B9-8D64-85E15034DDB1}" type="pres">
       <dgm:prSet presAssocID="{B59D9152-0513-4288-BD48-9CBA9EAEF52F}" presName="sibTrans" presStyleCnt="0"/>
@@ -5346,7 +5599,7 @@
                 <a14:useLocalDpi xmlns:a14="http://schemas.microsoft.com/office/drawing/2010/main" val="0"/>
               </a:ext>
               <a:ext uri="{96DAC541-7B7A-43D3-8B79-37D633B846F1}">
-                <asvg:svgBlip xmlns:asvg="http://schemas.microsoft.com/office/drawing/2016/SVG/main" r:embed="rId8"/>
+                <asvg:svgBlip xmlns:asvg="http://schemas.microsoft.com/office/drawing/2016/SVG/main" xmlns="" r:embed="rId8"/>
               </a:ext>
             </a:extLst>
           </a:blip>
@@ -5358,6 +5611,13 @@
           <a:noFill/>
         </a:ln>
       </dgm:spPr>
+      <dgm:t>
+        <a:bodyPr/>
+        <a:lstStyle/>
+        <a:p>
+          <a:endParaRPr lang="pl-PL"/>
+        </a:p>
+      </dgm:t>
       <dgm:extLst>
         <a:ext uri="{E40237B7-FDA0-4F09-8148-C483321AD2D9}">
           <dgm14:cNvPr xmlns:dgm14="http://schemas.microsoft.com/office/drawing/2010/diagram" id="0" name="" descr="Tools"/>
@@ -5376,6 +5636,13 @@
         </dgm:presLayoutVars>
       </dgm:prSet>
       <dgm:spPr/>
+      <dgm:t>
+        <a:bodyPr/>
+        <a:lstStyle/>
+        <a:p>
+          <a:endParaRPr lang="pl-PL"/>
+        </a:p>
+      </dgm:t>
     </dgm:pt>
     <dgm:pt modelId="{03892444-9A5C-42B6-AAD9-BE04889459A4}" type="pres">
       <dgm:prSet presAssocID="{BCBB0458-5DDF-445D-A2E3-E1ECC8AA3F29}" presName="sibTrans" presStyleCnt="0"/>
@@ -5392,7 +5659,7 @@
           <a:blip xmlns:r="http://schemas.openxmlformats.org/officeDocument/2006/relationships" r:embed="rId9">
             <a:extLst>
               <a:ext uri="{96DAC541-7B7A-43D3-8B79-37D633B846F1}">
-                <asvg:svgBlip xmlns:asvg="http://schemas.microsoft.com/office/drawing/2016/SVG/main" r:embed="rId10"/>
+                <asvg:svgBlip xmlns:asvg="http://schemas.microsoft.com/office/drawing/2016/SVG/main" xmlns="" r:embed="rId10"/>
               </a:ext>
             </a:extLst>
           </a:blip>
@@ -5423,6 +5690,13 @@
         </dgm:presLayoutVars>
       </dgm:prSet>
       <dgm:spPr/>
+      <dgm:t>
+        <a:bodyPr/>
+        <a:lstStyle/>
+        <a:p>
+          <a:endParaRPr lang="pl-PL"/>
+        </a:p>
+      </dgm:t>
     </dgm:pt>
     <dgm:pt modelId="{B104A38A-0B3A-4BDE-9EC0-0A231889810D}" type="pres">
       <dgm:prSet presAssocID="{4A4D8FCF-90FE-40D9-AFE4-DB3FCBAE9B40}" presName="sibTrans" presStyleCnt="0"/>
@@ -5439,7 +5713,7 @@
           <a:blip xmlns:r="http://schemas.openxmlformats.org/officeDocument/2006/relationships" r:embed="rId11">
             <a:extLst>
               <a:ext uri="{96DAC541-7B7A-43D3-8B79-37D633B846F1}">
-                <asvg:svgBlip xmlns:asvg="http://schemas.microsoft.com/office/drawing/2016/SVG/main" r:embed="rId12"/>
+                <asvg:svgBlip xmlns:asvg="http://schemas.microsoft.com/office/drawing/2016/SVG/main" xmlns="" r:embed="rId12"/>
               </a:ext>
             </a:extLst>
           </a:blip>
@@ -5470,22 +5744,29 @@
         </dgm:presLayoutVars>
       </dgm:prSet>
       <dgm:spPr/>
+      <dgm:t>
+        <a:bodyPr/>
+        <a:lstStyle/>
+        <a:p>
+          <a:endParaRPr lang="pl-PL"/>
+        </a:p>
+      </dgm:t>
     </dgm:pt>
   </dgm:ptLst>
   <dgm:cxnLst>
+    <dgm:cxn modelId="{C0A1ACE6-4864-46E3-878E-8FACA7A8C7EE}" srcId="{5CBF4DD2-414A-46D8-AD09-693C56EE21A8}" destId="{018C7AF2-EBF9-4DB6-892F-997BF518DC6E}" srcOrd="2" destOrd="0" parTransId="{3DC9C12F-0B4A-4CDC-9DD6-914CE91263C8}" sibTransId="{B59D9152-0513-4288-BD48-9CBA9EAEF52F}"/>
+    <dgm:cxn modelId="{07896448-4CCB-46B3-AEC1-CAE9D37ABF7B}" type="presOf" srcId="{15C3B110-D706-4909-87D8-E59F24C6EFC0}" destId="{8DB3FBA8-7707-45D7-8CD4-8BBDC10E0144}" srcOrd="0" destOrd="0" presId="urn:microsoft.com/office/officeart/2018/2/layout/IconLabelList"/>
+    <dgm:cxn modelId="{CF7450BB-43A8-4B4D-9497-881118E94056}" type="presOf" srcId="{018C7AF2-EBF9-4DB6-892F-997BF518DC6E}" destId="{A2EA2E30-988C-4E1C-8001-97023089293C}" srcOrd="0" destOrd="0" presId="urn:microsoft.com/office/officeart/2018/2/layout/IconLabelList"/>
     <dgm:cxn modelId="{D92C2836-CCA2-42EF-B1BF-844394D6991F}" type="presOf" srcId="{05D24C55-2A8C-46D6-8724-D684EB5BB86F}" destId="{30319A03-7823-4A23-99AA-04C4B5DD6319}" srcOrd="0" destOrd="0" presId="urn:microsoft.com/office/officeart/2018/2/layout/IconLabelList"/>
-    <dgm:cxn modelId="{05AEF860-5E84-4658-9C8D-E5E4C1399413}" srcId="{5CBF4DD2-414A-46D8-AD09-693C56EE21A8}" destId="{32EF2D20-5157-4045-BF2A-1437BE29DA49}" srcOrd="4" destOrd="0" parTransId="{B9447BBC-D768-4786-87A1-972D8EF9418B}" sibTransId="{4A4D8FCF-90FE-40D9-AFE4-DB3FCBAE9B40}"/>
     <dgm:cxn modelId="{F124A845-134C-4554-9D2E-985BE979F8B5}" type="presOf" srcId="{5CBF4DD2-414A-46D8-AD09-693C56EE21A8}" destId="{FA612FE2-DA54-47AF-A479-43FF4AAAF908}" srcOrd="0" destOrd="0" presId="urn:microsoft.com/office/officeart/2018/2/layout/IconLabelList"/>
-    <dgm:cxn modelId="{07896448-4CCB-46B3-AEC1-CAE9D37ABF7B}" type="presOf" srcId="{15C3B110-D706-4909-87D8-E59F24C6EFC0}" destId="{8DB3FBA8-7707-45D7-8CD4-8BBDC10E0144}" srcOrd="0" destOrd="0" presId="urn:microsoft.com/office/officeart/2018/2/layout/IconLabelList"/>
+    <dgm:cxn modelId="{74BEB2FC-470D-4327-A3BB-6316C75ADE54}" type="presOf" srcId="{32EF2D20-5157-4045-BF2A-1437BE29DA49}" destId="{4C9901BB-1E3C-4974-8FD2-26B1DC4DE914}" srcOrd="0" destOrd="0" presId="urn:microsoft.com/office/officeart/2018/2/layout/IconLabelList"/>
+    <dgm:cxn modelId="{BC140FC1-EF97-4D46-BB9C-29DA16F95891}" srcId="{5CBF4DD2-414A-46D8-AD09-693C56EE21A8}" destId="{05D24C55-2A8C-46D6-8724-D684EB5BB86F}" srcOrd="5" destOrd="0" parTransId="{83B09CFD-D325-4147-9CE0-13DA13D7DE6E}" sibTransId="{F970F39D-D5A9-4027-B054-34C7702E8B90}"/>
+    <dgm:cxn modelId="{F629FDAA-6106-4D93-804F-E11C1578F3A4}" type="presOf" srcId="{B3E806A1-D6AB-4B18-AB00-BF8D3483C5A4}" destId="{F65E0E60-0CAE-4DC0-8A69-5C5FC987452E}" srcOrd="0" destOrd="0" presId="urn:microsoft.com/office/officeart/2018/2/layout/IconLabelList"/>
+    <dgm:cxn modelId="{12D9D5F9-B8E7-43F9-BB80-1ADABA7DD0A6}" type="presOf" srcId="{5686D5EF-5644-4B24-8760-4EDB16903C22}" destId="{19FE9456-BE7D-4751-A2DE-183E2103D334}" srcOrd="0" destOrd="0" presId="urn:microsoft.com/office/officeart/2018/2/layout/IconLabelList"/>
+    <dgm:cxn modelId="{3389D1AC-EBB1-41F2-9717-91C959FE13FA}" srcId="{5CBF4DD2-414A-46D8-AD09-693C56EE21A8}" destId="{B3E806A1-D6AB-4B18-AB00-BF8D3483C5A4}" srcOrd="0" destOrd="0" parTransId="{84833463-C10A-407A-B83C-5D4E45BAD394}" sibTransId="{7A3E7860-5F97-4F32-AE64-AF09D9AD44E6}"/>
     <dgm:cxn modelId="{641A3D50-BA35-4A6F-8E2E-D1960C34BFB0}" srcId="{5CBF4DD2-414A-46D8-AD09-693C56EE21A8}" destId="{15C3B110-D706-4909-87D8-E59F24C6EFC0}" srcOrd="1" destOrd="0" parTransId="{77730242-2452-44BA-899D-2ABF8A3DD017}" sibTransId="{3EA5E59A-8B88-452D-B7B7-34174B5C2297}"/>
     <dgm:cxn modelId="{619B9B56-23C6-4C70-8761-E7A0B21237DA}" srcId="{5CBF4DD2-414A-46D8-AD09-693C56EE21A8}" destId="{5686D5EF-5644-4B24-8760-4EDB16903C22}" srcOrd="3" destOrd="0" parTransId="{A1BB1B93-CB77-48E9-9566-2D19CC761403}" sibTransId="{BCBB0458-5DDF-445D-A2E3-E1ECC8AA3F29}"/>
-    <dgm:cxn modelId="{F629FDAA-6106-4D93-804F-E11C1578F3A4}" type="presOf" srcId="{B3E806A1-D6AB-4B18-AB00-BF8D3483C5A4}" destId="{F65E0E60-0CAE-4DC0-8A69-5C5FC987452E}" srcOrd="0" destOrd="0" presId="urn:microsoft.com/office/officeart/2018/2/layout/IconLabelList"/>
-    <dgm:cxn modelId="{3389D1AC-EBB1-41F2-9717-91C959FE13FA}" srcId="{5CBF4DD2-414A-46D8-AD09-693C56EE21A8}" destId="{B3E806A1-D6AB-4B18-AB00-BF8D3483C5A4}" srcOrd="0" destOrd="0" parTransId="{84833463-C10A-407A-B83C-5D4E45BAD394}" sibTransId="{7A3E7860-5F97-4F32-AE64-AF09D9AD44E6}"/>
-    <dgm:cxn modelId="{CF7450BB-43A8-4B4D-9497-881118E94056}" type="presOf" srcId="{018C7AF2-EBF9-4DB6-892F-997BF518DC6E}" destId="{A2EA2E30-988C-4E1C-8001-97023089293C}" srcOrd="0" destOrd="0" presId="urn:microsoft.com/office/officeart/2018/2/layout/IconLabelList"/>
-    <dgm:cxn modelId="{BC140FC1-EF97-4D46-BB9C-29DA16F95891}" srcId="{5CBF4DD2-414A-46D8-AD09-693C56EE21A8}" destId="{05D24C55-2A8C-46D6-8724-D684EB5BB86F}" srcOrd="5" destOrd="0" parTransId="{83B09CFD-D325-4147-9CE0-13DA13D7DE6E}" sibTransId="{F970F39D-D5A9-4027-B054-34C7702E8B90}"/>
-    <dgm:cxn modelId="{C0A1ACE6-4864-46E3-878E-8FACA7A8C7EE}" srcId="{5CBF4DD2-414A-46D8-AD09-693C56EE21A8}" destId="{018C7AF2-EBF9-4DB6-892F-997BF518DC6E}" srcOrd="2" destOrd="0" parTransId="{3DC9C12F-0B4A-4CDC-9DD6-914CE91263C8}" sibTransId="{B59D9152-0513-4288-BD48-9CBA9EAEF52F}"/>
-    <dgm:cxn modelId="{12D9D5F9-B8E7-43F9-BB80-1ADABA7DD0A6}" type="presOf" srcId="{5686D5EF-5644-4B24-8760-4EDB16903C22}" destId="{19FE9456-BE7D-4751-A2DE-183E2103D334}" srcOrd="0" destOrd="0" presId="urn:microsoft.com/office/officeart/2018/2/layout/IconLabelList"/>
-    <dgm:cxn modelId="{74BEB2FC-470D-4327-A3BB-6316C75ADE54}" type="presOf" srcId="{32EF2D20-5157-4045-BF2A-1437BE29DA49}" destId="{4C9901BB-1E3C-4974-8FD2-26B1DC4DE914}" srcOrd="0" destOrd="0" presId="urn:microsoft.com/office/officeart/2018/2/layout/IconLabelList"/>
+    <dgm:cxn modelId="{05AEF860-5E84-4658-9C8D-E5E4C1399413}" srcId="{5CBF4DD2-414A-46D8-AD09-693C56EE21A8}" destId="{32EF2D20-5157-4045-BF2A-1437BE29DA49}" srcOrd="4" destOrd="0" parTransId="{B9447BBC-D768-4786-87A1-972D8EF9418B}" sibTransId="{4A4D8FCF-90FE-40D9-AFE4-DB3FCBAE9B40}"/>
     <dgm:cxn modelId="{E84C0DA6-0561-47FE-94D8-5D911434C651}" type="presParOf" srcId="{FA612FE2-DA54-47AF-A479-43FF4AAAF908}" destId="{15AE0860-BD68-4BA9-A2FF-789DF250193A}" srcOrd="0" destOrd="0" presId="urn:microsoft.com/office/officeart/2018/2/layout/IconLabelList"/>
     <dgm:cxn modelId="{7D9FB080-DFD9-40D9-9991-C107D4E3E923}" type="presParOf" srcId="{15AE0860-BD68-4BA9-A2FF-789DF250193A}" destId="{AE075AE5-54B2-4A02-A39D-144671EFCE11}" srcOrd="0" destOrd="0" presId="urn:microsoft.com/office/officeart/2018/2/layout/IconLabelList"/>
     <dgm:cxn modelId="{5028ACC7-68ED-4470-A86C-60276E2D6619}" type="presParOf" srcId="{15AE0860-BD68-4BA9-A2FF-789DF250193A}" destId="{78B3F4DE-4DC4-45E4-B5F8-AB9EF7D4EEA4}" srcOrd="1" destOrd="0" presId="urn:microsoft.com/office/officeart/2018/2/layout/IconLabelList"/>
@@ -5554,7 +5835,7 @@
                 <a14:useLocalDpi xmlns:a14="http://schemas.microsoft.com/office/drawing/2010/main" val="0"/>
               </a:ext>
               <a:ext uri="{96DAC541-7B7A-43D3-8B79-37D633B846F1}">
-                <asvg:svgBlip xmlns:asvg="http://schemas.microsoft.com/office/drawing/2016/SVG/main" r:embed="rId2"/>
+                <asvg:svgBlip xmlns:asvg="http://schemas.microsoft.com/office/drawing/2016/SVG/main" xmlns="" r:embed="rId2"/>
               </a:ext>
             </a:extLst>
           </a:blip>
@@ -5621,7 +5902,7 @@
         </a:bodyPr>
         <a:lstStyle/>
         <a:p>
-          <a:pPr marL="0" lvl="0" indent="0" algn="ctr" defTabSz="755650">
+          <a:pPr lvl="0" algn="ctr" defTabSz="711200">
             <a:lnSpc>
               <a:spcPct val="100000"/>
             </a:lnSpc>
@@ -5631,13 +5912,12 @@
             <a:spcAft>
               <a:spcPct val="35000"/>
             </a:spcAft>
-            <a:buNone/>
           </a:pPr>
           <a:r>
-            <a:rPr lang="pl-PL" sz="1700" kern="1200"/>
+            <a:rPr lang="pl-PL" sz="1600" b="1" kern="1200"/>
             <a:t>Prostota i intuicyjność</a:t>
           </a:r>
-          <a:endParaRPr lang="en-US" sz="1700" kern="1200"/>
+          <a:endParaRPr lang="en-US" sz="1600" b="1" kern="1200"/>
         </a:p>
       </dsp:txBody>
       <dsp:txXfrm>
@@ -5665,7 +5945,7 @@
                 <a14:useLocalDpi xmlns:a14="http://schemas.microsoft.com/office/drawing/2010/main" val="0"/>
               </a:ext>
               <a:ext uri="{96DAC541-7B7A-43D3-8B79-37D633B846F1}">
-                <asvg:svgBlip xmlns:asvg="http://schemas.microsoft.com/office/drawing/2016/SVG/main" r:embed="rId4"/>
+                <asvg:svgBlip xmlns:asvg="http://schemas.microsoft.com/office/drawing/2016/SVG/main" xmlns="" r:embed="rId4"/>
               </a:ext>
             </a:extLst>
           </a:blip>
@@ -5732,7 +6012,7 @@
         </a:bodyPr>
         <a:lstStyle/>
         <a:p>
-          <a:pPr marL="0" lvl="0" indent="0" algn="ctr" defTabSz="755650">
+          <a:pPr lvl="0" algn="ctr" defTabSz="711200">
             <a:lnSpc>
               <a:spcPct val="100000"/>
             </a:lnSpc>
@@ -5742,13 +6022,12 @@
             <a:spcAft>
               <a:spcPct val="35000"/>
             </a:spcAft>
-            <a:buNone/>
           </a:pPr>
           <a:r>
-            <a:rPr lang="pl-PL" sz="1700" kern="1200"/>
+            <a:rPr lang="pl-PL" sz="1600" b="1" kern="1200"/>
             <a:t>Niskie koszty wdrożenia</a:t>
           </a:r>
-          <a:endParaRPr lang="en-US" sz="1700" kern="1200"/>
+          <a:endParaRPr lang="en-US" sz="1600" b="1" kern="1200"/>
         </a:p>
       </dsp:txBody>
       <dsp:txXfrm>
@@ -5776,7 +6055,7 @@
                 <a14:useLocalDpi xmlns:a14="http://schemas.microsoft.com/office/drawing/2010/main" val="0"/>
               </a:ext>
               <a:ext uri="{96DAC541-7B7A-43D3-8B79-37D633B846F1}">
-                <asvg:svgBlip xmlns:asvg="http://schemas.microsoft.com/office/drawing/2016/SVG/main" r:embed="rId6"/>
+                <asvg:svgBlip xmlns:asvg="http://schemas.microsoft.com/office/drawing/2016/SVG/main" xmlns="" r:embed="rId6"/>
               </a:ext>
             </a:extLst>
           </a:blip>
@@ -5843,7 +6122,7 @@
         </a:bodyPr>
         <a:lstStyle/>
         <a:p>
-          <a:pPr marL="0" lvl="0" indent="0" algn="ctr" defTabSz="755650">
+          <a:pPr lvl="0" algn="ctr" defTabSz="711200">
             <a:lnSpc>
               <a:spcPct val="100000"/>
             </a:lnSpc>
@@ -5853,13 +6132,12 @@
             <a:spcAft>
               <a:spcPct val="35000"/>
             </a:spcAft>
-            <a:buNone/>
           </a:pPr>
           <a:r>
-            <a:rPr lang="pl-PL" sz="1700" kern="1200"/>
+            <a:rPr lang="pl-PL" sz="1600" b="1" kern="1200"/>
             <a:t>Wsparcie dla lokalnych instytucji</a:t>
           </a:r>
-          <a:endParaRPr lang="en-US" sz="1700" kern="1200"/>
+          <a:endParaRPr lang="en-US" sz="1600" b="1" kern="1200"/>
         </a:p>
       </dsp:txBody>
       <dsp:txXfrm>
@@ -5887,7 +6165,7 @@
                 <a14:useLocalDpi xmlns:a14="http://schemas.microsoft.com/office/drawing/2010/main" val="0"/>
               </a:ext>
               <a:ext uri="{96DAC541-7B7A-43D3-8B79-37D633B846F1}">
-                <asvg:svgBlip xmlns:asvg="http://schemas.microsoft.com/office/drawing/2016/SVG/main" r:embed="rId8"/>
+                <asvg:svgBlip xmlns:asvg="http://schemas.microsoft.com/office/drawing/2016/SVG/main" xmlns="" r:embed="rId8"/>
               </a:ext>
             </a:extLst>
           </a:blip>
@@ -5954,7 +6232,7 @@
         </a:bodyPr>
         <a:lstStyle/>
         <a:p>
-          <a:pPr marL="0" lvl="0" indent="0" algn="ctr" defTabSz="755650">
+          <a:pPr lvl="0" algn="ctr" defTabSz="711200">
             <a:lnSpc>
               <a:spcPct val="100000"/>
             </a:lnSpc>
@@ -5964,13 +6242,12 @@
             <a:spcAft>
               <a:spcPct val="35000"/>
             </a:spcAft>
-            <a:buNone/>
           </a:pPr>
           <a:r>
-            <a:rPr lang="pl-PL" sz="1700" kern="1200"/>
+            <a:rPr lang="pl-PL" sz="1600" b="1" kern="1200"/>
             <a:t>Nowoczesne technologie</a:t>
           </a:r>
-          <a:endParaRPr lang="en-US" sz="1700" kern="1200"/>
+          <a:endParaRPr lang="en-US" sz="1600" b="1" kern="1200"/>
         </a:p>
       </dsp:txBody>
       <dsp:txXfrm>
@@ -5998,7 +6275,7 @@
                 <a14:useLocalDpi xmlns:a14="http://schemas.microsoft.com/office/drawing/2010/main" val="0"/>
               </a:ext>
               <a:ext uri="{96DAC541-7B7A-43D3-8B79-37D633B846F1}">
-                <asvg:svgBlip xmlns:asvg="http://schemas.microsoft.com/office/drawing/2016/SVG/main" r:embed="rId10"/>
+                <asvg:svgBlip xmlns:asvg="http://schemas.microsoft.com/office/drawing/2016/SVG/main" xmlns="" r:embed="rId10"/>
               </a:ext>
             </a:extLst>
           </a:blip>
@@ -6065,7 +6342,7 @@
         </a:bodyPr>
         <a:lstStyle/>
         <a:p>
-          <a:pPr marL="0" lvl="0" indent="0" algn="ctr" defTabSz="755650">
+          <a:pPr lvl="0" algn="ctr" defTabSz="711200">
             <a:lnSpc>
               <a:spcPct val="100000"/>
             </a:lnSpc>
@@ -6075,13 +6352,12 @@
             <a:spcAft>
               <a:spcPct val="35000"/>
             </a:spcAft>
-            <a:buNone/>
           </a:pPr>
           <a:r>
-            <a:rPr lang="pl-PL" sz="1700" kern="1200"/>
+            <a:rPr lang="pl-PL" sz="1600" b="1" kern="1200"/>
             <a:t>Zarządzanie użytkownikami</a:t>
           </a:r>
-          <a:endParaRPr lang="en-US" sz="1700" kern="1200"/>
+          <a:endParaRPr lang="en-US" sz="1600" b="1" kern="1200"/>
         </a:p>
       </dsp:txBody>
       <dsp:txXfrm>
@@ -6109,7 +6385,7 @@
                 <a14:useLocalDpi xmlns:a14="http://schemas.microsoft.com/office/drawing/2010/main" val="0"/>
               </a:ext>
               <a:ext uri="{96DAC541-7B7A-43D3-8B79-37D633B846F1}">
-                <asvg:svgBlip xmlns:asvg="http://schemas.microsoft.com/office/drawing/2016/SVG/main" r:embed="rId12"/>
+                <asvg:svgBlip xmlns:asvg="http://schemas.microsoft.com/office/drawing/2016/SVG/main" xmlns="" r:embed="rId12"/>
               </a:ext>
             </a:extLst>
           </a:blip>
@@ -6176,7 +6452,7 @@
         </a:bodyPr>
         <a:lstStyle/>
         <a:p>
-          <a:pPr marL="0" lvl="0" indent="0" algn="ctr" defTabSz="755650">
+          <a:pPr lvl="0" algn="ctr" defTabSz="711200">
             <a:lnSpc>
               <a:spcPct val="100000"/>
             </a:lnSpc>
@@ -6186,13 +6462,12 @@
             <a:spcAft>
               <a:spcPct val="35000"/>
             </a:spcAft>
-            <a:buNone/>
           </a:pPr>
           <a:r>
-            <a:rPr lang="pl-PL" sz="1700" kern="1200" dirty="0"/>
+            <a:rPr lang="pl-PL" sz="1600" b="1" kern="1200" dirty="0"/>
             <a:t>Wydajność i niezależność</a:t>
           </a:r>
-          <a:endParaRPr lang="en-US" sz="1700" kern="1200" dirty="0"/>
+          <a:endParaRPr lang="en-US" sz="1600" b="1" kern="1200" dirty="0"/>
         </a:p>
       </dsp:txBody>
       <dsp:txXfrm>
@@ -6219,8 +6494,8 @@
       </dsp:nvSpPr>
       <dsp:spPr>
         <a:xfrm>
-          <a:off x="815217" y="351033"/>
-          <a:ext cx="1004501" cy="1004501"/>
+          <a:off x="1223528" y="170254"/>
+          <a:ext cx="778359" cy="778359"/>
         </a:xfrm>
         <a:prstGeom prst="rect">
           <a:avLst/>
@@ -6232,7 +6507,7 @@
                 <a14:useLocalDpi xmlns:a14="http://schemas.microsoft.com/office/drawing/2010/main" val="0"/>
               </a:ext>
               <a:ext uri="{96DAC541-7B7A-43D3-8B79-37D633B846F1}">
-                <asvg:svgBlip xmlns:asvg="http://schemas.microsoft.com/office/drawing/2016/SVG/main" r:embed="rId2"/>
+                <asvg:svgBlip xmlns:asvg="http://schemas.microsoft.com/office/drawing/2016/SVG/main" xmlns="" r:embed="rId2"/>
               </a:ext>
             </a:extLst>
           </a:blip>
@@ -6269,8 +6544,8 @@
       </dsp:nvSpPr>
       <dsp:spPr>
         <a:xfrm>
-          <a:off x="201355" y="1685815"/>
-          <a:ext cx="2232225" cy="787500"/>
+          <a:off x="747864" y="1303730"/>
+          <a:ext cx="1729687" cy="1232402"/>
         </a:xfrm>
         <a:prstGeom prst="rect">
           <a:avLst/>
@@ -6299,7 +6574,7 @@
         </a:bodyPr>
         <a:lstStyle/>
         <a:p>
-          <a:pPr marL="0" lvl="0" indent="0" algn="ctr" defTabSz="488950">
+          <a:pPr lvl="0" algn="ctr" defTabSz="488950">
             <a:lnSpc>
               <a:spcPct val="90000"/>
             </a:lnSpc>
@@ -6309,18 +6584,17 @@
             <a:spcAft>
               <a:spcPct val="35000"/>
             </a:spcAft>
-            <a:buNone/>
           </a:pPr>
           <a:r>
-            <a:rPr lang="pl-PL" sz="1100" kern="1200"/>
+            <a:rPr lang="pl-PL" sz="1100" b="1" kern="1200"/>
             <a:t>Aplikacja lokalna na komputery z systemem Windows</a:t>
           </a:r>
-          <a:endParaRPr lang="en-US" sz="1100" kern="1200"/>
+          <a:endParaRPr lang="en-US" sz="1100" b="1" kern="1200"/>
         </a:p>
       </dsp:txBody>
       <dsp:txXfrm>
-        <a:off x="201355" y="1685815"/>
-        <a:ext cx="2232225" cy="787500"/>
+        <a:off x="747864" y="1303730"/>
+        <a:ext cx="1729687" cy="1232402"/>
       </dsp:txXfrm>
     </dsp:sp>
     <dsp:sp modelId="{F3A5F65D-7085-4D9E-8777-514DF2568F07}">
@@ -6330,8 +6604,8 @@
       </dsp:nvSpPr>
       <dsp:spPr>
         <a:xfrm>
-          <a:off x="3438081" y="351033"/>
-          <a:ext cx="1004501" cy="1004501"/>
+          <a:off x="3255911" y="170254"/>
+          <a:ext cx="778359" cy="778359"/>
         </a:xfrm>
         <a:prstGeom prst="rect">
           <a:avLst/>
@@ -6343,7 +6617,7 @@
                 <a14:useLocalDpi xmlns:a14="http://schemas.microsoft.com/office/drawing/2010/main" val="0"/>
               </a:ext>
               <a:ext uri="{96DAC541-7B7A-43D3-8B79-37D633B846F1}">
-                <asvg:svgBlip xmlns:asvg="http://schemas.microsoft.com/office/drawing/2016/SVG/main" r:embed="rId4"/>
+                <asvg:svgBlip xmlns:asvg="http://schemas.microsoft.com/office/drawing/2016/SVG/main" xmlns="" r:embed="rId4"/>
               </a:ext>
             </a:extLst>
           </a:blip>
@@ -6380,8 +6654,8 @@
       </dsp:nvSpPr>
       <dsp:spPr>
         <a:xfrm>
-          <a:off x="2824219" y="1685815"/>
-          <a:ext cx="2232225" cy="787500"/>
+          <a:off x="2780247" y="1303730"/>
+          <a:ext cx="1729687" cy="1232402"/>
         </a:xfrm>
         <a:prstGeom prst="rect">
           <a:avLst/>
@@ -6410,7 +6684,7 @@
         </a:bodyPr>
         <a:lstStyle/>
         <a:p>
-          <a:pPr marL="0" lvl="0" indent="0" algn="ctr" defTabSz="488950">
+          <a:pPr lvl="0" algn="ctr" defTabSz="488950">
             <a:lnSpc>
               <a:spcPct val="90000"/>
             </a:lnSpc>
@@ -6420,18 +6694,17 @@
             <a:spcAft>
               <a:spcPct val="35000"/>
             </a:spcAft>
-            <a:buNone/>
           </a:pPr>
           <a:r>
-            <a:rPr lang="pl-PL" sz="1100" kern="1200"/>
+            <a:rPr lang="pl-PL" sz="1100" b="1" kern="1200"/>
             <a:t>Pełna kontrola nad danymi i dostępem</a:t>
           </a:r>
-          <a:endParaRPr lang="en-US" sz="1100" kern="1200"/>
+          <a:endParaRPr lang="en-US" sz="1100" b="1" kern="1200"/>
         </a:p>
       </dsp:txBody>
       <dsp:txXfrm>
-        <a:off x="2824219" y="1685815"/>
-        <a:ext cx="2232225" cy="787500"/>
+        <a:off x="2780247" y="1303730"/>
+        <a:ext cx="1729687" cy="1232402"/>
       </dsp:txXfrm>
     </dsp:sp>
     <dsp:sp modelId="{46DF0F84-D06C-4F15-BC21-56380B904A66}">
@@ -6441,8 +6714,8 @@
       </dsp:nvSpPr>
       <dsp:spPr>
         <a:xfrm>
-          <a:off x="673861" y="3031372"/>
-          <a:ext cx="1004501" cy="1004501"/>
+          <a:off x="1113996" y="2968554"/>
+          <a:ext cx="778359" cy="778359"/>
         </a:xfrm>
         <a:prstGeom prst="rect">
           <a:avLst/>
@@ -6454,7 +6727,7 @@
                 <a14:useLocalDpi xmlns:a14="http://schemas.microsoft.com/office/drawing/2010/main" val="0"/>
               </a:ext>
               <a:ext uri="{96DAC541-7B7A-43D3-8B79-37D633B846F1}">
-                <asvg:svgBlip xmlns:asvg="http://schemas.microsoft.com/office/drawing/2016/SVG/main" r:embed="rId6"/>
+                <asvg:svgBlip xmlns:asvg="http://schemas.microsoft.com/office/drawing/2016/SVG/main" xmlns="" r:embed="rId6"/>
               </a:ext>
             </a:extLst>
           </a:blip>
@@ -6491,8 +6764,8 @@
       </dsp:nvSpPr>
       <dsp:spPr>
         <a:xfrm>
-          <a:off x="59999" y="4366154"/>
-          <a:ext cx="2232225" cy="787500"/>
+          <a:off x="638332" y="4102031"/>
+          <a:ext cx="1729687" cy="1232402"/>
         </a:xfrm>
         <a:prstGeom prst="rect">
           <a:avLst/>
@@ -6521,7 +6794,7 @@
         </a:bodyPr>
         <a:lstStyle/>
         <a:p>
-          <a:pPr marL="0" lvl="0" indent="0" algn="ctr" defTabSz="488950">
+          <a:pPr lvl="0" algn="ctr" defTabSz="488950">
             <a:lnSpc>
               <a:spcPct val="90000"/>
             </a:lnSpc>
@@ -6531,18 +6804,17 @@
             <a:spcAft>
               <a:spcPct val="35000"/>
             </a:spcAft>
-            <a:buNone/>
           </a:pPr>
           <a:r>
-            <a:rPr lang="pl-PL" sz="1100" kern="1200"/>
+            <a:rPr lang="pl-PL" sz="1100" b="1" kern="1200" dirty="0"/>
             <a:t>Prosta w obsłudze, nie wymagająca szkoleń, ponieważ posiada najpotrzebniejsze rzeczy dla galerii</a:t>
           </a:r>
-          <a:endParaRPr lang="en-US" sz="1100" kern="1200"/>
+          <a:endParaRPr lang="en-US" sz="1100" b="1" kern="1200" dirty="0"/>
         </a:p>
       </dsp:txBody>
       <dsp:txXfrm>
-        <a:off x="59999" y="4366154"/>
-        <a:ext cx="2232225" cy="787500"/>
+        <a:off x="638332" y="4102031"/>
+        <a:ext cx="1729687" cy="1232402"/>
       </dsp:txXfrm>
     </dsp:sp>
     <dsp:sp modelId="{B643A046-453E-4C1B-9803-2044846928BE}">
@@ -6552,8 +6824,8 @@
       </dsp:nvSpPr>
       <dsp:spPr>
         <a:xfrm>
-          <a:off x="3438081" y="3031372"/>
-          <a:ext cx="1004501" cy="1004501"/>
+          <a:off x="3255911" y="2968554"/>
+          <a:ext cx="778359" cy="778359"/>
         </a:xfrm>
         <a:prstGeom prst="rect">
           <a:avLst/>
@@ -6565,7 +6837,7 @@
                 <a14:useLocalDpi xmlns:a14="http://schemas.microsoft.com/office/drawing/2010/main" val="0"/>
               </a:ext>
               <a:ext uri="{96DAC541-7B7A-43D3-8B79-37D633B846F1}">
-                <asvg:svgBlip xmlns:asvg="http://schemas.microsoft.com/office/drawing/2016/SVG/main" r:embed="rId8"/>
+                <asvg:svgBlip xmlns:asvg="http://schemas.microsoft.com/office/drawing/2016/SVG/main" xmlns="" r:embed="rId8"/>
               </a:ext>
             </a:extLst>
           </a:blip>
@@ -6602,8 +6874,8 @@
       </dsp:nvSpPr>
       <dsp:spPr>
         <a:xfrm>
-          <a:off x="2682864" y="4366154"/>
-          <a:ext cx="2514936" cy="787500"/>
+          <a:off x="2670715" y="4102031"/>
+          <a:ext cx="1948752" cy="1232402"/>
         </a:xfrm>
         <a:prstGeom prst="rect">
           <a:avLst/>
@@ -6632,7 +6904,7 @@
         </a:bodyPr>
         <a:lstStyle/>
         <a:p>
-          <a:pPr marL="0" lvl="0" indent="0" algn="ctr" defTabSz="488950">
+          <a:pPr lvl="0" algn="ctr" defTabSz="488950">
             <a:lnSpc>
               <a:spcPct val="90000"/>
             </a:lnSpc>
@@ -6642,18 +6914,17 @@
             <a:spcAft>
               <a:spcPct val="35000"/>
             </a:spcAft>
-            <a:buNone/>
           </a:pPr>
           <a:r>
-            <a:rPr lang="pl-PL" sz="1100" kern="1200"/>
+            <a:rPr lang="pl-PL" sz="1100" b="1" kern="1200"/>
             <a:t>Na miarę potrzeb konkretnego muzeum, co pozwala na pełną personalizację. W przypadku SaaS użytkownicy muszą dostosowywać swoje potrzeby do szablonowych funkcji</a:t>
           </a:r>
-          <a:endParaRPr lang="en-US" sz="1100" kern="1200"/>
+          <a:endParaRPr lang="en-US" sz="1100" b="1" kern="1200"/>
         </a:p>
       </dsp:txBody>
       <dsp:txXfrm>
-        <a:off x="2682864" y="4366154"/>
-        <a:ext cx="2514936" cy="787500"/>
+        <a:off x="2670715" y="4102031"/>
+        <a:ext cx="1948752" cy="1232402"/>
       </dsp:txXfrm>
     </dsp:sp>
   </dsp:spTree>
@@ -6675,8 +6946,8 @@
       </dsp:nvSpPr>
       <dsp:spPr>
         <a:xfrm>
-          <a:off x="0" y="203118"/>
-          <a:ext cx="9688296" cy="417690"/>
+          <a:off x="0" y="66217"/>
+          <a:ext cx="9688296" cy="423503"/>
         </a:xfrm>
         <a:prstGeom prst="roundRect">
           <a:avLst/>
@@ -6718,12 +6989,12 @@
         </a:fontRef>
       </dsp:style>
       <dsp:txBody>
-        <a:bodyPr spcFirstLastPara="0" vert="horz" wrap="square" lIns="64770" tIns="64770" rIns="64770" bIns="64770" numCol="1" spcCol="1270" anchor="ctr" anchorCtr="0">
+        <a:bodyPr spcFirstLastPara="0" vert="horz" wrap="square" lIns="68580" tIns="68580" rIns="68580" bIns="68580" numCol="1" spcCol="1270" anchor="ctr" anchorCtr="0">
           <a:noAutofit/>
         </a:bodyPr>
         <a:lstStyle/>
         <a:p>
-          <a:pPr marL="0" lvl="0" indent="0" algn="l" defTabSz="755650">
+          <a:pPr lvl="0" algn="l" defTabSz="800100">
             <a:lnSpc>
               <a:spcPct val="90000"/>
             </a:lnSpc>
@@ -6733,18 +7004,17 @@
             <a:spcAft>
               <a:spcPct val="35000"/>
             </a:spcAft>
-            <a:buNone/>
           </a:pPr>
           <a:r>
-            <a:rPr lang="pl-PL" sz="1700" kern="1200"/>
+            <a:rPr lang="pl-PL" sz="1800" b="1" kern="1200" dirty="0"/>
             <a:t>Planowanie i analiza potrzeb użytkowników:</a:t>
           </a:r>
-          <a:endParaRPr lang="en-US" sz="1700" kern="1200"/>
+          <a:endParaRPr lang="en-US" sz="1800" b="1" kern="1200" dirty="0"/>
         </a:p>
       </dsp:txBody>
       <dsp:txXfrm>
-        <a:off x="20390" y="223508"/>
-        <a:ext cx="9647516" cy="376910"/>
+        <a:off x="20674" y="86891"/>
+        <a:ext cx="9646948" cy="382155"/>
       </dsp:txXfrm>
     </dsp:sp>
     <dsp:sp modelId="{236ACD88-A847-4A99-B076-17983B61C956}">
@@ -6754,8 +7024,8 @@
       </dsp:nvSpPr>
       <dsp:spPr>
         <a:xfrm>
-          <a:off x="0" y="620808"/>
-          <a:ext cx="9688296" cy="448672"/>
+          <a:off x="0" y="489720"/>
+          <a:ext cx="9688296" cy="819720"/>
         </a:xfrm>
         <a:prstGeom prst="rect">
           <a:avLst/>
@@ -6779,12 +7049,12 @@
         <a:fontRef idx="minor"/>
       </dsp:style>
       <dsp:txBody>
-        <a:bodyPr spcFirstLastPara="0" vert="horz" wrap="square" lIns="307603" tIns="21590" rIns="120904" bIns="21590" numCol="1" spcCol="1270" anchor="t" anchorCtr="0">
+        <a:bodyPr spcFirstLastPara="0" vert="horz" wrap="square" lIns="307603" tIns="22860" rIns="128016" bIns="22860" numCol="1" spcCol="1270" anchor="t" anchorCtr="0">
           <a:noAutofit/>
         </a:bodyPr>
         <a:lstStyle/>
         <a:p>
-          <a:pPr marL="114300" lvl="1" indent="-114300" algn="l" defTabSz="577850">
+          <a:pPr marL="114300" lvl="1" indent="-114300" algn="l" defTabSz="622300">
             <a:lnSpc>
               <a:spcPct val="90000"/>
             </a:lnSpc>
@@ -6794,16 +7064,16 @@
             <a:spcAft>
               <a:spcPct val="20000"/>
             </a:spcAft>
-            <a:buChar char="•"/>
+            <a:buChar char="••"/>
           </a:pPr>
           <a:r>
-            <a:rPr lang="pl-PL" sz="1300" kern="1200"/>
+            <a:rPr lang="pl-PL" sz="1400" b="1" kern="1200" dirty="0"/>
             <a:t>przeprowadzenie wywiadów z pracownikami galerii sztuki, aby lepiej zrozumieć ich potrzeby i oczekiwania,</a:t>
           </a:r>
-          <a:endParaRPr lang="en-US" sz="1300" kern="1200"/>
+          <a:endParaRPr lang="en-US" sz="1400" b="1" kern="1200" dirty="0"/>
         </a:p>
         <a:p>
-          <a:pPr marL="114300" lvl="1" indent="-114300" algn="l" defTabSz="577850">
+          <a:pPr marL="114300" lvl="1" indent="-114300" algn="l" defTabSz="622300">
             <a:lnSpc>
               <a:spcPct val="90000"/>
             </a:lnSpc>
@@ -6813,18 +7083,18 @@
             <a:spcAft>
               <a:spcPct val="20000"/>
             </a:spcAft>
-            <a:buChar char="•"/>
+            <a:buChar char="••"/>
           </a:pPr>
           <a:r>
-            <a:rPr lang="pl-PL" sz="1300" kern="1200"/>
+            <a:rPr lang="pl-PL" sz="1400" b="1" kern="1200" dirty="0"/>
             <a:t>analiza istniejących rozwiązań na rynku, identyfikacja ich ograniczeń oraz możliwości adaptacji do mniejszych instytucji.</a:t>
           </a:r>
-          <a:endParaRPr lang="en-US" sz="1300" kern="1200"/>
+          <a:endParaRPr lang="en-US" sz="1400" b="1" kern="1200" dirty="0"/>
         </a:p>
       </dsp:txBody>
       <dsp:txXfrm>
-        <a:off x="0" y="620808"/>
-        <a:ext cx="9688296" cy="448672"/>
+        <a:off x="0" y="489720"/>
+        <a:ext cx="9688296" cy="819720"/>
       </dsp:txXfrm>
     </dsp:sp>
     <dsp:sp modelId="{6408D585-6BDD-42DC-B309-D3A67B08A7DA}">
@@ -6834,8 +7104,8 @@
       </dsp:nvSpPr>
       <dsp:spPr>
         <a:xfrm>
-          <a:off x="0" y="1069481"/>
-          <a:ext cx="9688296" cy="417690"/>
+          <a:off x="0" y="1309440"/>
+          <a:ext cx="9688296" cy="423503"/>
         </a:xfrm>
         <a:prstGeom prst="roundRect">
           <a:avLst/>
@@ -6877,12 +7147,12 @@
         </a:fontRef>
       </dsp:style>
       <dsp:txBody>
-        <a:bodyPr spcFirstLastPara="0" vert="horz" wrap="square" lIns="64770" tIns="64770" rIns="64770" bIns="64770" numCol="1" spcCol="1270" anchor="ctr" anchorCtr="0">
+        <a:bodyPr spcFirstLastPara="0" vert="horz" wrap="square" lIns="68580" tIns="68580" rIns="68580" bIns="68580" numCol="1" spcCol="1270" anchor="ctr" anchorCtr="0">
           <a:noAutofit/>
         </a:bodyPr>
         <a:lstStyle/>
         <a:p>
-          <a:pPr marL="0" lvl="0" indent="0" algn="l" defTabSz="755650">
+          <a:pPr lvl="0" algn="l" defTabSz="800100">
             <a:lnSpc>
               <a:spcPct val="90000"/>
             </a:lnSpc>
@@ -6892,18 +7162,17 @@
             <a:spcAft>
               <a:spcPct val="35000"/>
             </a:spcAft>
-            <a:buNone/>
           </a:pPr>
           <a:r>
-            <a:rPr lang="pl-PL" sz="1700" kern="1200"/>
+            <a:rPr lang="pl-PL" sz="1800" b="1" kern="1200"/>
             <a:t>Projektowanie systemu:</a:t>
           </a:r>
-          <a:endParaRPr lang="en-US" sz="1700" kern="1200"/>
+          <a:endParaRPr lang="en-US" sz="1800" b="1" kern="1200"/>
         </a:p>
       </dsp:txBody>
       <dsp:txXfrm>
-        <a:off x="20390" y="1089871"/>
-        <a:ext cx="9647516" cy="376910"/>
+        <a:off x="20674" y="1330114"/>
+        <a:ext cx="9646948" cy="382155"/>
       </dsp:txXfrm>
     </dsp:sp>
     <dsp:sp modelId="{2B0B1430-B5F6-4F51-9F9D-2F72B5B4E90A}">
@@ -6913,7 +7182,7 @@
       </dsp:nvSpPr>
       <dsp:spPr>
         <a:xfrm>
-          <a:off x="0" y="1487171"/>
+          <a:off x="0" y="1732943"/>
           <a:ext cx="9688296" cy="633420"/>
         </a:xfrm>
         <a:prstGeom prst="rect">
@@ -6938,12 +7207,12 @@
         <a:fontRef idx="minor"/>
       </dsp:style>
       <dsp:txBody>
-        <a:bodyPr spcFirstLastPara="0" vert="horz" wrap="square" lIns="307603" tIns="21590" rIns="120904" bIns="21590" numCol="1" spcCol="1270" anchor="t" anchorCtr="0">
+        <a:bodyPr spcFirstLastPara="0" vert="horz" wrap="square" lIns="307603" tIns="22860" rIns="128016" bIns="22860" numCol="1" spcCol="1270" anchor="t" anchorCtr="0">
           <a:noAutofit/>
         </a:bodyPr>
         <a:lstStyle/>
         <a:p>
-          <a:pPr marL="114300" lvl="1" indent="-114300" algn="l" defTabSz="577850">
+          <a:pPr marL="114300" lvl="1" indent="-114300" algn="l" defTabSz="622300">
             <a:lnSpc>
               <a:spcPct val="90000"/>
             </a:lnSpc>
@@ -6953,16 +7222,16 @@
             <a:spcAft>
               <a:spcPct val="20000"/>
             </a:spcAft>
-            <a:buChar char="•"/>
+            <a:buChar char="••"/>
           </a:pPr>
           <a:r>
-            <a:rPr lang="pl-PL" sz="1300" kern="1200"/>
+            <a:rPr lang="pl-PL" sz="1400" b="1" kern="1200" dirty="0"/>
             <a:t>stworzenie diagramów UML, m.in. diagramów aktywności oraz przypadków użycia, aby szczegółowo zaplanować funkcje systemu,</a:t>
           </a:r>
-          <a:endParaRPr lang="en-US" sz="1300" kern="1200"/>
+          <a:endParaRPr lang="en-US" sz="1400" b="1" kern="1200" dirty="0"/>
         </a:p>
         <a:p>
-          <a:pPr marL="114300" lvl="1" indent="-114300" algn="l" defTabSz="577850">
+          <a:pPr marL="114300" lvl="1" indent="-114300" algn="l" defTabSz="622300">
             <a:lnSpc>
               <a:spcPct val="90000"/>
             </a:lnSpc>
@@ -6972,17 +7241,25 @@
             <a:spcAft>
               <a:spcPct val="20000"/>
             </a:spcAft>
-            <a:buChar char="•"/>
+            <a:buChar char="••"/>
           </a:pPr>
           <a:r>
-            <a:rPr lang="pl-PL" sz="1300" kern="1200"/>
-            <a:t>opracowanie struktury bazy danych i kluczowych relacji między tabelami w SQLite.</a:t>
+            <a:rPr lang="pl-PL" sz="1400" b="1" kern="1200" dirty="0"/>
+            <a:t>opracowanie struktury bazy danych i kluczowych relacji między tabelami w </a:t>
           </a:r>
-          <a:endParaRPr lang="en-US" sz="1300" kern="1200"/>
+          <a:r>
+            <a:rPr lang="pl-PL" sz="1400" b="1" kern="1200" dirty="0" err="1"/>
+            <a:t>SQLite</a:t>
+          </a:r>
+          <a:r>
+            <a:rPr lang="pl-PL" sz="1400" b="1" kern="1200" dirty="0"/>
+            <a:t>.</a:t>
+          </a:r>
+          <a:endParaRPr lang="en-US" sz="1400" b="1" kern="1200" dirty="0"/>
         </a:p>
       </dsp:txBody>
       <dsp:txXfrm>
-        <a:off x="0" y="1487171"/>
+        <a:off x="0" y="1732943"/>
         <a:ext cx="9688296" cy="633420"/>
       </dsp:txXfrm>
     </dsp:sp>
@@ -6993,8 +7270,8 @@
       </dsp:nvSpPr>
       <dsp:spPr>
         <a:xfrm>
-          <a:off x="0" y="2120591"/>
-          <a:ext cx="9688296" cy="417690"/>
+          <a:off x="0" y="2366364"/>
+          <a:ext cx="9688296" cy="423503"/>
         </a:xfrm>
         <a:prstGeom prst="roundRect">
           <a:avLst/>
@@ -7036,12 +7313,12 @@
         </a:fontRef>
       </dsp:style>
       <dsp:txBody>
-        <a:bodyPr spcFirstLastPara="0" vert="horz" wrap="square" lIns="64770" tIns="64770" rIns="64770" bIns="64770" numCol="1" spcCol="1270" anchor="ctr" anchorCtr="0">
+        <a:bodyPr spcFirstLastPara="0" vert="horz" wrap="square" lIns="68580" tIns="68580" rIns="68580" bIns="68580" numCol="1" spcCol="1270" anchor="ctr" anchorCtr="0">
           <a:noAutofit/>
         </a:bodyPr>
         <a:lstStyle/>
         <a:p>
-          <a:pPr marL="0" lvl="0" indent="0" algn="l" defTabSz="755650">
+          <a:pPr lvl="0" algn="l" defTabSz="800100">
             <a:lnSpc>
               <a:spcPct val="90000"/>
             </a:lnSpc>
@@ -7051,18 +7328,17 @@
             <a:spcAft>
               <a:spcPct val="35000"/>
             </a:spcAft>
-            <a:buNone/>
           </a:pPr>
           <a:r>
-            <a:rPr lang="pl-PL" sz="1700" kern="1200"/>
+            <a:rPr lang="pl-PL" sz="1800" b="1" kern="1200"/>
             <a:t>Zarządzanie projektem:</a:t>
           </a:r>
-          <a:endParaRPr lang="en-US" sz="1700" kern="1200"/>
+          <a:endParaRPr lang="en-US" sz="1800" b="1" kern="1200"/>
         </a:p>
       </dsp:txBody>
       <dsp:txXfrm>
-        <a:off x="20390" y="2140981"/>
-        <a:ext cx="9647516" cy="376910"/>
+        <a:off x="20674" y="2387038"/>
+        <a:ext cx="9646948" cy="382155"/>
       </dsp:txXfrm>
     </dsp:sp>
     <dsp:sp modelId="{F7B3214E-C48E-4915-B554-DAE73790C5DF}">
@@ -7072,8 +7348,8 @@
       </dsp:nvSpPr>
       <dsp:spPr>
         <a:xfrm>
-          <a:off x="0" y="2538281"/>
-          <a:ext cx="9688296" cy="448672"/>
+          <a:off x="0" y="2789867"/>
+          <a:ext cx="9688296" cy="819720"/>
         </a:xfrm>
         <a:prstGeom prst="rect">
           <a:avLst/>
@@ -7097,12 +7373,12 @@
         <a:fontRef idx="minor"/>
       </dsp:style>
       <dsp:txBody>
-        <a:bodyPr spcFirstLastPara="0" vert="horz" wrap="square" lIns="307603" tIns="21590" rIns="120904" bIns="21590" numCol="1" spcCol="1270" anchor="t" anchorCtr="0">
+        <a:bodyPr spcFirstLastPara="0" vert="horz" wrap="square" lIns="307603" tIns="22860" rIns="128016" bIns="22860" numCol="1" spcCol="1270" anchor="t" anchorCtr="0">
           <a:noAutofit/>
         </a:bodyPr>
         <a:lstStyle/>
         <a:p>
-          <a:pPr marL="114300" lvl="1" indent="-114300" algn="l" defTabSz="577850">
+          <a:pPr marL="114300" lvl="1" indent="-114300" algn="l" defTabSz="622300">
             <a:lnSpc>
               <a:spcPct val="90000"/>
             </a:lnSpc>
@@ -7112,16 +7388,16 @@
             <a:spcAft>
               <a:spcPct val="20000"/>
             </a:spcAft>
-            <a:buChar char="•"/>
+            <a:buChar char="••"/>
           </a:pPr>
           <a:r>
-            <a:rPr lang="pl-PL" sz="1300" kern="1200"/>
+            <a:rPr lang="pl-PL" sz="1400" b="1" kern="1200"/>
             <a:t>wykorzystanie narzędzia Trello do monitorowania postępu prac oraz efektywnej komunikacji w zespole,</a:t>
           </a:r>
-          <a:endParaRPr lang="en-US" sz="1300" kern="1200"/>
+          <a:endParaRPr lang="en-US" sz="1400" b="1" kern="1200"/>
         </a:p>
         <a:p>
-          <a:pPr marL="114300" lvl="1" indent="-114300" algn="l" defTabSz="577850">
+          <a:pPr marL="114300" lvl="1" indent="-114300" algn="l" defTabSz="622300">
             <a:lnSpc>
               <a:spcPct val="90000"/>
             </a:lnSpc>
@@ -7131,18 +7407,18 @@
             <a:spcAft>
               <a:spcPct val="20000"/>
             </a:spcAft>
-            <a:buChar char="•"/>
+            <a:buChar char="••"/>
           </a:pPr>
           <a:r>
-            <a:rPr lang="pl-PL" sz="1300" kern="1200"/>
+            <a:rPr lang="pl-PL" sz="1400" b="1" kern="1200"/>
             <a:t>zastosowanie systemu kontroli wersji Git oraz platformy GitHub w celu zarządzania kodem źródłowym i wersjonowania projektu.</a:t>
           </a:r>
-          <a:endParaRPr lang="en-US" sz="1300" kern="1200"/>
+          <a:endParaRPr lang="en-US" sz="1400" b="1" kern="1200"/>
         </a:p>
       </dsp:txBody>
       <dsp:txXfrm>
-        <a:off x="0" y="2538281"/>
-        <a:ext cx="9688296" cy="448672"/>
+        <a:off x="0" y="2789867"/>
+        <a:ext cx="9688296" cy="819720"/>
       </dsp:txXfrm>
     </dsp:sp>
     <dsp:sp modelId="{EF3943DB-38D2-42C5-AFC9-F5C9AEB635C7}">
@@ -7152,8 +7428,8 @@
       </dsp:nvSpPr>
       <dsp:spPr>
         <a:xfrm>
-          <a:off x="0" y="2986953"/>
-          <a:ext cx="9688296" cy="417690"/>
+          <a:off x="0" y="3609587"/>
+          <a:ext cx="9688296" cy="423503"/>
         </a:xfrm>
         <a:prstGeom prst="roundRect">
           <a:avLst/>
@@ -7195,12 +7471,12 @@
         </a:fontRef>
       </dsp:style>
       <dsp:txBody>
-        <a:bodyPr spcFirstLastPara="0" vert="horz" wrap="square" lIns="64770" tIns="64770" rIns="64770" bIns="64770" numCol="1" spcCol="1270" anchor="ctr" anchorCtr="0">
+        <a:bodyPr spcFirstLastPara="0" vert="horz" wrap="square" lIns="68580" tIns="68580" rIns="68580" bIns="68580" numCol="1" spcCol="1270" anchor="ctr" anchorCtr="0">
           <a:noAutofit/>
         </a:bodyPr>
         <a:lstStyle/>
         <a:p>
-          <a:pPr marL="0" lvl="0" indent="0" algn="l" defTabSz="755650">
+          <a:pPr lvl="0" algn="l" defTabSz="800100">
             <a:lnSpc>
               <a:spcPct val="90000"/>
             </a:lnSpc>
@@ -7210,18 +7486,17 @@
             <a:spcAft>
               <a:spcPct val="35000"/>
             </a:spcAft>
-            <a:buNone/>
           </a:pPr>
           <a:r>
-            <a:rPr lang="pl-PL" sz="1700" kern="1200"/>
+            <a:rPr lang="pl-PL" sz="1800" b="1" kern="1200"/>
             <a:t>Testowanie i optymalizacja:</a:t>
           </a:r>
-          <a:endParaRPr lang="en-US" sz="1700" kern="1200"/>
+          <a:endParaRPr lang="en-US" sz="1800" b="1" kern="1200"/>
         </a:p>
       </dsp:txBody>
       <dsp:txXfrm>
-        <a:off x="20390" y="3007343"/>
-        <a:ext cx="9647516" cy="376910"/>
+        <a:off x="20674" y="3630261"/>
+        <a:ext cx="9646948" cy="382155"/>
       </dsp:txXfrm>
     </dsp:sp>
     <dsp:sp modelId="{72834F95-7E8D-4A9D-B93B-91EBDDC5D555}">
@@ -7231,8 +7506,8 @@
       </dsp:nvSpPr>
       <dsp:spPr>
         <a:xfrm>
-          <a:off x="0" y="3404643"/>
-          <a:ext cx="9688296" cy="448672"/>
+          <a:off x="0" y="4033090"/>
+          <a:ext cx="9688296" cy="456435"/>
         </a:xfrm>
         <a:prstGeom prst="rect">
           <a:avLst/>
@@ -7256,12 +7531,12 @@
         <a:fontRef idx="minor"/>
       </dsp:style>
       <dsp:txBody>
-        <a:bodyPr spcFirstLastPara="0" vert="horz" wrap="square" lIns="307603" tIns="21590" rIns="120904" bIns="21590" numCol="1" spcCol="1270" anchor="t" anchorCtr="0">
+        <a:bodyPr spcFirstLastPara="0" vert="horz" wrap="square" lIns="307603" tIns="22860" rIns="128016" bIns="22860" numCol="1" spcCol="1270" anchor="t" anchorCtr="0">
           <a:noAutofit/>
         </a:bodyPr>
         <a:lstStyle/>
         <a:p>
-          <a:pPr marL="114300" lvl="1" indent="-114300" algn="l" defTabSz="577850">
+          <a:pPr marL="114300" lvl="1" indent="-114300" algn="l" defTabSz="622300">
             <a:lnSpc>
               <a:spcPct val="90000"/>
             </a:lnSpc>
@@ -7271,16 +7546,16 @@
             <a:spcAft>
               <a:spcPct val="20000"/>
             </a:spcAft>
-            <a:buChar char="•"/>
+            <a:buChar char="••"/>
           </a:pPr>
           <a:r>
-            <a:rPr lang="pl-PL" sz="1300" kern="1200"/>
+            <a:rPr lang="pl-PL" sz="1400" b="1" kern="1200"/>
             <a:t>testy manualne w celu weryfikacji poprawności działania aplikacji,</a:t>
           </a:r>
-          <a:endParaRPr lang="en-US" sz="1300" kern="1200"/>
+          <a:endParaRPr lang="en-US" sz="1400" b="1" kern="1200"/>
         </a:p>
         <a:p>
-          <a:pPr marL="114300" lvl="1" indent="-114300" algn="l" defTabSz="577850">
+          <a:pPr marL="114300" lvl="1" indent="-114300" algn="l" defTabSz="622300">
             <a:lnSpc>
               <a:spcPct val="90000"/>
             </a:lnSpc>
@@ -7290,18 +7565,18 @@
             <a:spcAft>
               <a:spcPct val="20000"/>
             </a:spcAft>
-            <a:buChar char="•"/>
+            <a:buChar char="••"/>
           </a:pPr>
           <a:r>
-            <a:rPr lang="pl-PL" sz="1300" kern="1200"/>
+            <a:rPr lang="pl-PL" sz="1400" b="1" kern="1200"/>
             <a:t>optymalizacja działania aplikacji pod kątem wydajności i zarządzania pamięcią.</a:t>
           </a:r>
-          <a:endParaRPr lang="en-US" sz="1300" kern="1200"/>
+          <a:endParaRPr lang="en-US" sz="1400" b="1" kern="1200"/>
         </a:p>
       </dsp:txBody>
       <dsp:txXfrm>
-        <a:off x="0" y="3404643"/>
-        <a:ext cx="9688296" cy="448672"/>
+        <a:off x="0" y="4033090"/>
+        <a:ext cx="9688296" cy="456435"/>
       </dsp:txXfrm>
     </dsp:sp>
   </dsp:spTree>
@@ -7323,8 +7598,8 @@
       </dsp:nvSpPr>
       <dsp:spPr>
         <a:xfrm>
-          <a:off x="683187" y="345097"/>
-          <a:ext cx="787060" cy="787060"/>
+          <a:off x="611820" y="352062"/>
+          <a:ext cx="810000" cy="810000"/>
         </a:xfrm>
         <a:prstGeom prst="rect">
           <a:avLst/>
@@ -7333,7 +7608,7 @@
           <a:blip xmlns:r="http://schemas.openxmlformats.org/officeDocument/2006/relationships" r:embed="rId1">
             <a:extLst>
               <a:ext uri="{96DAC541-7B7A-43D3-8B79-37D633B846F1}">
-                <asvg:svgBlip xmlns:asvg="http://schemas.microsoft.com/office/drawing/2016/SVG/main" r:embed="rId2"/>
+                <asvg:svgBlip xmlns:asvg="http://schemas.microsoft.com/office/drawing/2016/SVG/main" xmlns="" r:embed="rId2"/>
               </a:ext>
             </a:extLst>
           </a:blip>
@@ -7371,8 +7646,8 @@
       </dsp:nvSpPr>
       <dsp:spPr>
         <a:xfrm>
-          <a:off x="202205" y="1462439"/>
-          <a:ext cx="1749023" cy="1071276"/>
+          <a:off x="116820" y="1492344"/>
+          <a:ext cx="1800000" cy="1035000"/>
         </a:xfrm>
         <a:prstGeom prst="rect">
           <a:avLst/>
@@ -7401,7 +7676,7 @@
         </a:bodyPr>
         <a:lstStyle/>
         <a:p>
-          <a:pPr marL="0" lvl="0" indent="0" algn="ctr" defTabSz="488950">
+          <a:pPr lvl="0" algn="ctr" defTabSz="488950">
             <a:lnSpc>
               <a:spcPct val="100000"/>
             </a:lnSpc>
@@ -7411,7 +7686,6 @@
             <a:spcAft>
               <a:spcPct val="35000"/>
             </a:spcAft>
-            <a:buNone/>
           </a:pPr>
           <a:r>
             <a:rPr lang="pl-PL" sz="1100" b="1" kern="1200"/>
@@ -7419,7 +7693,7 @@
           </a:r>
         </a:p>
         <a:p>
-          <a:pPr marL="0" lvl="0" indent="0" algn="ctr" defTabSz="488950">
+          <a:pPr lvl="0" algn="ctr" defTabSz="488950">
             <a:lnSpc>
               <a:spcPct val="100000"/>
             </a:lnSpc>
@@ -7429,18 +7703,17 @@
             <a:spcAft>
               <a:spcPct val="35000"/>
             </a:spcAft>
-            <a:buNone/>
           </a:pPr>
           <a:r>
-            <a:rPr lang="pl-PL" sz="1100" kern="1200"/>
+            <a:rPr lang="pl-PL" sz="1100" b="1" kern="1200"/>
             <a:t>C#</a:t>
           </a:r>
-          <a:endParaRPr lang="en-US" sz="1100" kern="1200"/>
+          <a:endParaRPr lang="en-US" sz="1100" b="1" kern="1200"/>
         </a:p>
       </dsp:txBody>
       <dsp:txXfrm>
-        <a:off x="202205" y="1462439"/>
-        <a:ext cx="1749023" cy="1071276"/>
+        <a:off x="116820" y="1492344"/>
+        <a:ext cx="1800000" cy="1035000"/>
       </dsp:txXfrm>
     </dsp:sp>
     <dsp:sp modelId="{6BFC6E62-17DA-465A-82CE-7C0949A43E68}">
@@ -7450,8 +7723,8 @@
       </dsp:nvSpPr>
       <dsp:spPr>
         <a:xfrm>
-          <a:off x="2738289" y="345097"/>
-          <a:ext cx="787060" cy="787060"/>
+          <a:off x="2726820" y="352062"/>
+          <a:ext cx="810000" cy="810000"/>
         </a:xfrm>
         <a:prstGeom prst="rect">
           <a:avLst/>
@@ -7460,7 +7733,7 @@
           <a:blip xmlns:r="http://schemas.openxmlformats.org/officeDocument/2006/relationships" r:embed="rId3">
             <a:extLst>
               <a:ext uri="{96DAC541-7B7A-43D3-8B79-37D633B846F1}">
-                <asvg:svgBlip xmlns:asvg="http://schemas.microsoft.com/office/drawing/2016/SVG/main" r:embed="rId4"/>
+                <asvg:svgBlip xmlns:asvg="http://schemas.microsoft.com/office/drawing/2016/SVG/main" xmlns="" r:embed="rId4"/>
               </a:ext>
             </a:extLst>
           </a:blip>
@@ -7498,8 +7771,8 @@
       </dsp:nvSpPr>
       <dsp:spPr>
         <a:xfrm>
-          <a:off x="2257308" y="1462439"/>
-          <a:ext cx="1749023" cy="1071276"/>
+          <a:off x="2231820" y="1492344"/>
+          <a:ext cx="1800000" cy="1035000"/>
         </a:xfrm>
         <a:prstGeom prst="rect">
           <a:avLst/>
@@ -7528,7 +7801,7 @@
         </a:bodyPr>
         <a:lstStyle/>
         <a:p>
-          <a:pPr marL="0" lvl="0" indent="0" algn="ctr" defTabSz="488950">
+          <a:pPr lvl="0" algn="ctr" defTabSz="488950">
             <a:lnSpc>
               <a:spcPct val="100000"/>
             </a:lnSpc>
@@ -7538,7 +7811,6 @@
             <a:spcAft>
               <a:spcPct val="35000"/>
             </a:spcAft>
-            <a:buNone/>
           </a:pPr>
           <a:r>
             <a:rPr lang="pl-PL" sz="1100" b="1" kern="1200" err="1"/>
@@ -7547,7 +7819,7 @@
           <a:endParaRPr lang="pl-PL" sz="1100" b="1" kern="1200"/>
         </a:p>
         <a:p>
-          <a:pPr marL="0" lvl="0" indent="0" algn="ctr" defTabSz="488950">
+          <a:pPr lvl="0" algn="ctr" defTabSz="488950">
             <a:lnSpc>
               <a:spcPct val="100000"/>
             </a:lnSpc>
@@ -7557,18 +7829,17 @@
             <a:spcAft>
               <a:spcPct val="35000"/>
             </a:spcAft>
-            <a:buNone/>
           </a:pPr>
           <a:r>
-            <a:rPr lang="pl-PL" sz="1100" kern="1200"/>
+            <a:rPr lang="pl-PL" sz="1100" b="1" kern="1200"/>
             <a:t>WPF</a:t>
           </a:r>
-          <a:endParaRPr lang="en-US" sz="1100" kern="1200"/>
+          <a:endParaRPr lang="en-US" sz="1100" b="1" kern="1200"/>
         </a:p>
       </dsp:txBody>
       <dsp:txXfrm>
-        <a:off x="2257308" y="1462439"/>
-        <a:ext cx="1749023" cy="1071276"/>
+        <a:off x="2231820" y="1492344"/>
+        <a:ext cx="1800000" cy="1035000"/>
       </dsp:txXfrm>
     </dsp:sp>
     <dsp:sp modelId="{1DF03FB5-A5FD-40D4-951A-A8EF34E4C683}">
@@ -7578,8 +7849,8 @@
       </dsp:nvSpPr>
       <dsp:spPr>
         <a:xfrm>
-          <a:off x="4793392" y="345097"/>
-          <a:ext cx="787060" cy="787060"/>
+          <a:off x="4841820" y="352062"/>
+          <a:ext cx="810000" cy="810000"/>
         </a:xfrm>
         <a:prstGeom prst="rect">
           <a:avLst/>
@@ -7588,7 +7859,7 @@
           <a:blip xmlns:r="http://schemas.openxmlformats.org/officeDocument/2006/relationships" r:embed="rId5">
             <a:extLst>
               <a:ext uri="{96DAC541-7B7A-43D3-8B79-37D633B846F1}">
-                <asvg:svgBlip xmlns:asvg="http://schemas.microsoft.com/office/drawing/2016/SVG/main" r:embed="rId6"/>
+                <asvg:svgBlip xmlns:asvg="http://schemas.microsoft.com/office/drawing/2016/SVG/main" xmlns="" r:embed="rId6"/>
               </a:ext>
             </a:extLst>
           </a:blip>
@@ -7626,8 +7897,8 @@
       </dsp:nvSpPr>
       <dsp:spPr>
         <a:xfrm>
-          <a:off x="4312410" y="1462439"/>
-          <a:ext cx="1749023" cy="1071276"/>
+          <a:off x="4346820" y="1492344"/>
+          <a:ext cx="1800000" cy="1035000"/>
         </a:xfrm>
         <a:prstGeom prst="rect">
           <a:avLst/>
@@ -7656,7 +7927,7 @@
         </a:bodyPr>
         <a:lstStyle/>
         <a:p>
-          <a:pPr marL="0" lvl="0" indent="0" algn="ctr" defTabSz="488950">
+          <a:pPr lvl="0" algn="ctr" defTabSz="488950">
             <a:lnSpc>
               <a:spcPct val="100000"/>
             </a:lnSpc>
@@ -7666,7 +7937,6 @@
             <a:spcAft>
               <a:spcPct val="35000"/>
             </a:spcAft>
-            <a:buNone/>
           </a:pPr>
           <a:r>
             <a:rPr lang="pl-PL" sz="1100" b="1" kern="1200"/>
@@ -7674,7 +7944,7 @@
           </a:r>
         </a:p>
         <a:p>
-          <a:pPr marL="0" lvl="0" indent="0" algn="ctr" defTabSz="488950">
+          <a:pPr lvl="0" algn="ctr" defTabSz="488950">
             <a:lnSpc>
               <a:spcPct val="100000"/>
             </a:lnSpc>
@@ -7684,18 +7954,17 @@
             <a:spcAft>
               <a:spcPct val="35000"/>
             </a:spcAft>
-            <a:buNone/>
           </a:pPr>
           <a:r>
-            <a:rPr lang="pl-PL" sz="1100" kern="1200" err="1"/>
+            <a:rPr lang="pl-PL" sz="1100" b="1" kern="1200" err="1"/>
             <a:t>QuestPDF</a:t>
           </a:r>
-          <a:endParaRPr lang="en-US" sz="1100" kern="1200"/>
+          <a:endParaRPr lang="en-US" sz="1100" b="1" kern="1200"/>
         </a:p>
       </dsp:txBody>
       <dsp:txXfrm>
-        <a:off x="4312410" y="1462439"/>
-        <a:ext cx="1749023" cy="1071276"/>
+        <a:off x="4346820" y="1492344"/>
+        <a:ext cx="1800000" cy="1035000"/>
       </dsp:txXfrm>
     </dsp:sp>
     <dsp:sp modelId="{FEB09E3E-5481-4493-9834-E35D4041A614}">
@@ -7705,8 +7974,8 @@
       </dsp:nvSpPr>
       <dsp:spPr>
         <a:xfrm>
-          <a:off x="683187" y="2970971"/>
-          <a:ext cx="787060" cy="787060"/>
+          <a:off x="611820" y="2977343"/>
+          <a:ext cx="810000" cy="810000"/>
         </a:xfrm>
         <a:prstGeom prst="rect">
           <a:avLst/>
@@ -7718,7 +7987,7 @@
                 <a14:useLocalDpi xmlns:a14="http://schemas.microsoft.com/office/drawing/2010/main" val="0"/>
               </a:ext>
               <a:ext uri="{96DAC541-7B7A-43D3-8B79-37D633B846F1}">
-                <asvg:svgBlip xmlns:asvg="http://schemas.microsoft.com/office/drawing/2016/SVG/main" r:embed="rId8"/>
+                <asvg:svgBlip xmlns:asvg="http://schemas.microsoft.com/office/drawing/2016/SVG/main" xmlns="" r:embed="rId8"/>
               </a:ext>
             </a:extLst>
           </a:blip>
@@ -7755,8 +8024,8 @@
       </dsp:nvSpPr>
       <dsp:spPr>
         <a:xfrm>
-          <a:off x="202205" y="4088313"/>
-          <a:ext cx="1749023" cy="1071276"/>
+          <a:off x="116820" y="4117625"/>
+          <a:ext cx="1800000" cy="1035000"/>
         </a:xfrm>
         <a:prstGeom prst="rect">
           <a:avLst/>
@@ -7785,7 +8054,7 @@
         </a:bodyPr>
         <a:lstStyle/>
         <a:p>
-          <a:pPr marL="0" lvl="0" indent="0" algn="ctr" defTabSz="488950">
+          <a:pPr lvl="0" algn="ctr" defTabSz="488950">
             <a:lnSpc>
               <a:spcPct val="100000"/>
             </a:lnSpc>
@@ -7795,7 +8064,6 @@
             <a:spcAft>
               <a:spcPct val="35000"/>
             </a:spcAft>
-            <a:buNone/>
           </a:pPr>
           <a:r>
             <a:rPr lang="pl-PL" sz="1100" b="1" kern="1200"/>
@@ -7803,7 +8071,7 @@
           </a:r>
         </a:p>
         <a:p>
-          <a:pPr marL="0" lvl="0" indent="0" algn="ctr" defTabSz="488950">
+          <a:pPr lvl="0" algn="ctr" defTabSz="488950">
             <a:lnSpc>
               <a:spcPct val="100000"/>
             </a:lnSpc>
@@ -7813,15 +8081,14 @@
             <a:spcAft>
               <a:spcPct val="35000"/>
             </a:spcAft>
-            <a:buNone/>
           </a:pPr>
           <a:r>
-            <a:rPr lang="pl-PL" sz="1100" kern="1200"/>
+            <a:rPr lang="pl-PL" sz="1100" b="1" kern="1200"/>
             <a:t>Visual Studio</a:t>
           </a:r>
         </a:p>
         <a:p>
-          <a:pPr marL="0" lvl="0" indent="0" algn="ctr" defTabSz="488950">
+          <a:pPr lvl="0" algn="ctr" defTabSz="488950">
             <a:lnSpc>
               <a:spcPct val="100000"/>
             </a:lnSpc>
@@ -7831,15 +8098,14 @@
             <a:spcAft>
               <a:spcPct val="35000"/>
             </a:spcAft>
-            <a:buNone/>
           </a:pPr>
           <a:r>
-            <a:rPr lang="pl-PL" sz="1100" kern="1200"/>
+            <a:rPr lang="pl-PL" sz="1100" b="1" kern="1200"/>
             <a:t>Draw.io</a:t>
           </a:r>
         </a:p>
         <a:p>
-          <a:pPr marL="0" lvl="0" indent="0" algn="ctr" defTabSz="488950">
+          <a:pPr lvl="0" algn="ctr" defTabSz="488950">
             <a:lnSpc>
               <a:spcPct val="100000"/>
             </a:lnSpc>
@@ -7849,15 +8115,14 @@
             <a:spcAft>
               <a:spcPct val="35000"/>
             </a:spcAft>
-            <a:buNone/>
           </a:pPr>
           <a:r>
-            <a:rPr lang="pl-PL" sz="1100" kern="1200"/>
+            <a:rPr lang="pl-PL" sz="1100" b="1" kern="1200"/>
             <a:t>Adobe Reader</a:t>
           </a:r>
         </a:p>
         <a:p>
-          <a:pPr marL="0" lvl="0" indent="0" algn="ctr" defTabSz="488950">
+          <a:pPr lvl="0" algn="ctr" defTabSz="488950">
             <a:lnSpc>
               <a:spcPct val="100000"/>
             </a:lnSpc>
@@ -7867,18 +8132,17 @@
             <a:spcAft>
               <a:spcPct val="35000"/>
             </a:spcAft>
-            <a:buNone/>
           </a:pPr>
           <a:r>
-            <a:rPr lang="pl-PL" sz="1100" kern="1200" err="1"/>
+            <a:rPr lang="pl-PL" sz="1100" b="1" kern="1200" err="1"/>
             <a:t>Figma</a:t>
           </a:r>
-          <a:endParaRPr lang="en-US" sz="1100" kern="1200"/>
+          <a:endParaRPr lang="en-US" sz="1100" b="1" kern="1200"/>
         </a:p>
       </dsp:txBody>
       <dsp:txXfrm>
-        <a:off x="202205" y="4088313"/>
-        <a:ext cx="1749023" cy="1071276"/>
+        <a:off x="116820" y="4117625"/>
+        <a:ext cx="1800000" cy="1035000"/>
       </dsp:txXfrm>
     </dsp:sp>
     <dsp:sp modelId="{52C2BCA7-596B-4E67-AB94-DD908A14101B}">
@@ -7888,8 +8152,8 @@
       </dsp:nvSpPr>
       <dsp:spPr>
         <a:xfrm>
-          <a:off x="2738289" y="2970971"/>
-          <a:ext cx="787060" cy="787060"/>
+          <a:off x="2726820" y="2977343"/>
+          <a:ext cx="810000" cy="810000"/>
         </a:xfrm>
         <a:prstGeom prst="rect">
           <a:avLst/>
@@ -7898,7 +8162,7 @@
           <a:blip xmlns:r="http://schemas.openxmlformats.org/officeDocument/2006/relationships" r:embed="rId9">
             <a:extLst>
               <a:ext uri="{96DAC541-7B7A-43D3-8B79-37D633B846F1}">
-                <asvg:svgBlip xmlns:asvg="http://schemas.microsoft.com/office/drawing/2016/SVG/main" r:embed="rId10"/>
+                <asvg:svgBlip xmlns:asvg="http://schemas.microsoft.com/office/drawing/2016/SVG/main" xmlns="" r:embed="rId10"/>
               </a:ext>
             </a:extLst>
           </a:blip>
@@ -7936,8 +8200,8 @@
       </dsp:nvSpPr>
       <dsp:spPr>
         <a:xfrm>
-          <a:off x="2257308" y="4088313"/>
-          <a:ext cx="1749023" cy="1071276"/>
+          <a:off x="2231820" y="4117625"/>
+          <a:ext cx="1800000" cy="1035000"/>
         </a:xfrm>
         <a:prstGeom prst="rect">
           <a:avLst/>
@@ -7966,7 +8230,7 @@
         </a:bodyPr>
         <a:lstStyle/>
         <a:p>
-          <a:pPr marL="0" lvl="0" indent="0" algn="ctr" defTabSz="488950">
+          <a:pPr lvl="0" algn="ctr" defTabSz="488950">
             <a:lnSpc>
               <a:spcPct val="100000"/>
             </a:lnSpc>
@@ -7976,7 +8240,6 @@
             <a:spcAft>
               <a:spcPct val="35000"/>
             </a:spcAft>
-            <a:buNone/>
           </a:pPr>
           <a:r>
             <a:rPr lang="pl-PL" sz="1100" b="1" kern="1200"/>
@@ -7984,7 +8247,7 @@
           </a:r>
         </a:p>
         <a:p>
-          <a:pPr marL="0" lvl="0" indent="0" algn="ctr" defTabSz="488950">
+          <a:pPr lvl="0" algn="ctr" defTabSz="488950">
             <a:lnSpc>
               <a:spcPct val="100000"/>
             </a:lnSpc>
@@ -7994,15 +8257,14 @@
             <a:spcAft>
               <a:spcPct val="35000"/>
             </a:spcAft>
-            <a:buNone/>
           </a:pPr>
           <a:r>
-            <a:rPr lang="pl-PL" sz="1100" kern="1200"/>
+            <a:rPr lang="pl-PL" sz="1100" b="1" kern="1200"/>
             <a:t>Git</a:t>
           </a:r>
         </a:p>
         <a:p>
-          <a:pPr marL="0" lvl="0" indent="0" algn="ctr" defTabSz="488950">
+          <a:pPr lvl="0" algn="ctr" defTabSz="488950">
             <a:lnSpc>
               <a:spcPct val="100000"/>
             </a:lnSpc>
@@ -8012,18 +8274,17 @@
             <a:spcAft>
               <a:spcPct val="35000"/>
             </a:spcAft>
-            <a:buNone/>
           </a:pPr>
           <a:r>
-            <a:rPr lang="pl-PL" sz="1100" kern="1200"/>
+            <a:rPr lang="pl-PL" sz="1100" b="1" kern="1200"/>
             <a:t>GitHub</a:t>
           </a:r>
-          <a:endParaRPr lang="en-US" sz="1100" kern="1200"/>
+          <a:endParaRPr lang="en-US" sz="1100" b="1" kern="1200"/>
         </a:p>
       </dsp:txBody>
       <dsp:txXfrm>
-        <a:off x="2257308" y="4088313"/>
-        <a:ext cx="1749023" cy="1071276"/>
+        <a:off x="2231820" y="4117625"/>
+        <a:ext cx="1800000" cy="1035000"/>
       </dsp:txXfrm>
     </dsp:sp>
     <dsp:sp modelId="{4C259F4B-47D8-45AA-B1C5-DEE08EF9D467}">
@@ -8033,8 +8294,8 @@
       </dsp:nvSpPr>
       <dsp:spPr>
         <a:xfrm>
-          <a:off x="4793392" y="2970971"/>
-          <a:ext cx="787060" cy="787060"/>
+          <a:off x="4841820" y="2977343"/>
+          <a:ext cx="810000" cy="810000"/>
         </a:xfrm>
         <a:prstGeom prst="rect">
           <a:avLst/>
@@ -8043,7 +8304,7 @@
           <a:blip xmlns:r="http://schemas.openxmlformats.org/officeDocument/2006/relationships" r:embed="rId11">
             <a:extLst>
               <a:ext uri="{96DAC541-7B7A-43D3-8B79-37D633B846F1}">
-                <asvg:svgBlip xmlns:asvg="http://schemas.microsoft.com/office/drawing/2016/SVG/main" r:embed="rId12"/>
+                <asvg:svgBlip xmlns:asvg="http://schemas.microsoft.com/office/drawing/2016/SVG/main" xmlns="" r:embed="rId12"/>
               </a:ext>
             </a:extLst>
           </a:blip>
@@ -8081,8 +8342,8 @@
       </dsp:nvSpPr>
       <dsp:spPr>
         <a:xfrm>
-          <a:off x="4312410" y="4088313"/>
-          <a:ext cx="1749023" cy="1071276"/>
+          <a:off x="4346820" y="4117625"/>
+          <a:ext cx="1800000" cy="1035000"/>
         </a:xfrm>
         <a:prstGeom prst="rect">
           <a:avLst/>
@@ -8111,7 +8372,7 @@
         </a:bodyPr>
         <a:lstStyle/>
         <a:p>
-          <a:pPr marL="0" lvl="0" indent="0" algn="ctr" defTabSz="488950">
+          <a:pPr lvl="0" algn="ctr" defTabSz="488950">
             <a:lnSpc>
               <a:spcPct val="100000"/>
             </a:lnSpc>
@@ -8121,7 +8382,6 @@
             <a:spcAft>
               <a:spcPct val="35000"/>
             </a:spcAft>
-            <a:buNone/>
           </a:pPr>
           <a:r>
             <a:rPr lang="pl-PL" sz="1100" b="1" kern="1200"/>
@@ -8129,7 +8389,7 @@
           </a:r>
         </a:p>
         <a:p>
-          <a:pPr marL="0" lvl="0" indent="0" algn="ctr" defTabSz="488950">
+          <a:pPr lvl="0" algn="ctr" defTabSz="488950">
             <a:lnSpc>
               <a:spcPct val="100000"/>
             </a:lnSpc>
@@ -8139,18 +8399,17 @@
             <a:spcAft>
               <a:spcPct val="35000"/>
             </a:spcAft>
-            <a:buNone/>
           </a:pPr>
           <a:r>
-            <a:rPr lang="pl-PL" sz="1100" kern="1200" err="1"/>
+            <a:rPr lang="pl-PL" sz="1100" b="1" kern="1200" err="1"/>
             <a:t>Trello</a:t>
           </a:r>
-          <a:endParaRPr lang="en-US" sz="1100" kern="1200"/>
+          <a:endParaRPr lang="en-US" sz="1100" b="1" kern="1200"/>
         </a:p>
       </dsp:txBody>
       <dsp:txXfrm>
-        <a:off x="4312410" y="4088313"/>
-        <a:ext cx="1749023" cy="1071276"/>
+        <a:off x="4346820" y="4117625"/>
+        <a:ext cx="1800000" cy="1035000"/>
       </dsp:txXfrm>
     </dsp:sp>
   </dsp:spTree>
@@ -8335,7 +8594,7 @@
   </dgm:layoutNode>
   <dgm:extLst>
     <a:ext uri="{68A01E43-0DF5-4B5B-8FA6-DAF915123BFB}">
-      <dgm1612:lstStyle xmlns:dgm1612="http://schemas.microsoft.com/office/drawing/2016/12/diagram">
+      <dgm1612:lstStyle xmlns:dgm1612="http://schemas.microsoft.com/office/drawing/2016/12/diagram" xmlns="">
         <a:lvl1pPr>
           <a:lnSpc>
             <a:spcPct val="100000"/>
@@ -8525,7 +8784,7 @@
   </dgm:layoutNode>
   <dgm:extLst>
     <a:ext uri="{68A01E43-0DF5-4B5B-8FA6-DAF915123BFB}">
-      <dgm1612:lstStyle xmlns:dgm1612="http://schemas.microsoft.com/office/drawing/2016/12/diagram">
+      <dgm1612:lstStyle xmlns:dgm1612="http://schemas.microsoft.com/office/drawing/2016/12/diagram" xmlns="">
         <a:lvl1pPr>
           <a:lnSpc>
             <a:spcPct val="100000"/>
@@ -8882,7 +9141,7 @@
   </dgm:layoutNode>
   <dgm:extLst>
     <a:ext uri="{68A01E43-0DF5-4B5B-8FA6-DAF915123BFB}">
-      <dgm1612:lstStyle xmlns:dgm1612="http://schemas.microsoft.com/office/drawing/2016/12/diagram">
+      <dgm1612:lstStyle xmlns:dgm1612="http://schemas.microsoft.com/office/drawing/2016/12/diagram" xmlns="">
         <a:lvl1pPr>
           <a:lnSpc>
             <a:spcPct val="100000"/>
@@ -13112,7 +13371,7 @@
           <a:p>
             <a:fld id="{8FEB8617-5569-4880-877C-4D0F8268061D}" type="datetimeFigureOut">
               <a:rPr lang="pl-PL" smtClean="0"/>
-              <a:t>01.02.2025</a:t>
+              <a:t>04.02.2025</a:t>
             </a:fld>
             <a:endParaRPr lang="pl-PL"/>
           </a:p>
@@ -13906,7 +14165,7 @@
           <a:p>
             <a:fld id="{B0D0F06A-99EB-41DB-89AD-B1F31840A8BC}" type="datetimeFigureOut">
               <a:rPr lang="pl-PL" smtClean="0"/>
-              <a:t>01.02.2025</a:t>
+              <a:t>04.02.2025</a:t>
             </a:fld>
             <a:endParaRPr lang="pl-PL"/>
           </a:p>
@@ -14104,7 +14363,7 @@
           <a:p>
             <a:fld id="{B0D0F06A-99EB-41DB-89AD-B1F31840A8BC}" type="datetimeFigureOut">
               <a:rPr lang="pl-PL" smtClean="0"/>
-              <a:t>01.02.2025</a:t>
+              <a:t>04.02.2025</a:t>
             </a:fld>
             <a:endParaRPr lang="pl-PL"/>
           </a:p>
@@ -14312,7 +14571,7 @@
           <a:p>
             <a:fld id="{B0D0F06A-99EB-41DB-89AD-B1F31840A8BC}" type="datetimeFigureOut">
               <a:rPr lang="pl-PL" smtClean="0"/>
-              <a:t>01.02.2025</a:t>
+              <a:t>04.02.2025</a:t>
             </a:fld>
             <a:endParaRPr lang="pl-PL"/>
           </a:p>
@@ -14510,7 +14769,7 @@
           <a:p>
             <a:fld id="{B0D0F06A-99EB-41DB-89AD-B1F31840A8BC}" type="datetimeFigureOut">
               <a:rPr lang="pl-PL" smtClean="0"/>
-              <a:t>01.02.2025</a:t>
+              <a:t>04.02.2025</a:t>
             </a:fld>
             <a:endParaRPr lang="pl-PL"/>
           </a:p>
@@ -14785,7 +15044,7 @@
           <a:p>
             <a:fld id="{B0D0F06A-99EB-41DB-89AD-B1F31840A8BC}" type="datetimeFigureOut">
               <a:rPr lang="pl-PL" smtClean="0"/>
-              <a:t>01.02.2025</a:t>
+              <a:t>04.02.2025</a:t>
             </a:fld>
             <a:endParaRPr lang="pl-PL"/>
           </a:p>
@@ -15050,7 +15309,7 @@
           <a:p>
             <a:fld id="{B0D0F06A-99EB-41DB-89AD-B1F31840A8BC}" type="datetimeFigureOut">
               <a:rPr lang="pl-PL" smtClean="0"/>
-              <a:t>01.02.2025</a:t>
+              <a:t>04.02.2025</a:t>
             </a:fld>
             <a:endParaRPr lang="pl-PL"/>
           </a:p>
@@ -15462,7 +15721,7 @@
           <a:p>
             <a:fld id="{B0D0F06A-99EB-41DB-89AD-B1F31840A8BC}" type="datetimeFigureOut">
               <a:rPr lang="pl-PL" smtClean="0"/>
-              <a:t>01.02.2025</a:t>
+              <a:t>04.02.2025</a:t>
             </a:fld>
             <a:endParaRPr lang="pl-PL"/>
           </a:p>
@@ -15603,7 +15862,7 @@
           <a:p>
             <a:fld id="{B0D0F06A-99EB-41DB-89AD-B1F31840A8BC}" type="datetimeFigureOut">
               <a:rPr lang="pl-PL" smtClean="0"/>
-              <a:t>01.02.2025</a:t>
+              <a:t>04.02.2025</a:t>
             </a:fld>
             <a:endParaRPr lang="pl-PL"/>
           </a:p>
@@ -15716,7 +15975,7 @@
           <a:p>
             <a:fld id="{B0D0F06A-99EB-41DB-89AD-B1F31840A8BC}" type="datetimeFigureOut">
               <a:rPr lang="pl-PL" smtClean="0"/>
-              <a:t>01.02.2025</a:t>
+              <a:t>04.02.2025</a:t>
             </a:fld>
             <a:endParaRPr lang="pl-PL"/>
           </a:p>
@@ -16027,7 +16286,7 @@
           <a:p>
             <a:fld id="{B0D0F06A-99EB-41DB-89AD-B1F31840A8BC}" type="datetimeFigureOut">
               <a:rPr lang="pl-PL" smtClean="0"/>
-              <a:t>01.02.2025</a:t>
+              <a:t>04.02.2025</a:t>
             </a:fld>
             <a:endParaRPr lang="pl-PL"/>
           </a:p>
@@ -16315,7 +16574,7 @@
           <a:p>
             <a:fld id="{B0D0F06A-99EB-41DB-89AD-B1F31840A8BC}" type="datetimeFigureOut">
               <a:rPr lang="pl-PL" smtClean="0"/>
-              <a:t>01.02.2025</a:t>
+              <a:t>04.02.2025</a:t>
             </a:fld>
             <a:endParaRPr lang="pl-PL"/>
           </a:p>
@@ -16556,7 +16815,7 @@
           <a:p>
             <a:fld id="{B0D0F06A-99EB-41DB-89AD-B1F31840A8BC}" type="datetimeFigureOut">
               <a:rPr lang="pl-PL" smtClean="0"/>
-              <a:t>01.02.2025</a:t>
+              <a:t>04.02.2025</a:t>
             </a:fld>
             <a:endParaRPr lang="pl-PL"/>
           </a:p>
@@ -16989,7 +17248,7 @@
                 <a16:creationId xmlns:a16="http://schemas.microsoft.com/office/drawing/2014/main" id="{8C790BE2-4E4F-4AAF-81A2-4A6F4885EBE6}"/>
               </a:ext>
               <a:ext uri="{C183D7F6-B498-43B3-948B-1728B52AA6E4}">
-                <adec:decorative xmlns:adec="http://schemas.microsoft.com/office/drawing/2017/decorative" val="1"/>
+                <adec:decorative xmlns:adec="http://schemas.microsoft.com/office/drawing/2017/decorative" xmlns="" val="1"/>
               </a:ext>
             </a:extLst>
           </p:cNvPr>
@@ -17065,7 +17324,7 @@
                 <a16:creationId xmlns:a16="http://schemas.microsoft.com/office/drawing/2014/main" id="{D28B54C3-B57B-472A-B96E-1FCB67093DC2}"/>
               </a:ext>
               <a:ext uri="{C183D7F6-B498-43B3-948B-1728B52AA6E4}">
-                <adec:decorative xmlns:adec="http://schemas.microsoft.com/office/drawing/2017/decorative" val="1"/>
+                <adec:decorative xmlns:adec="http://schemas.microsoft.com/office/drawing/2017/decorative" xmlns="" val="1"/>
               </a:ext>
             </a:extLst>
           </p:cNvPr>
@@ -17138,7 +17397,7 @@
                 <a16:creationId xmlns:a16="http://schemas.microsoft.com/office/drawing/2014/main" id="{7DB3C429-F8DA-49B9-AF84-21996FCF78B5}"/>
               </a:ext>
               <a:ext uri="{C183D7F6-B498-43B3-948B-1728B52AA6E4}">
-                <adec:decorative xmlns:adec="http://schemas.microsoft.com/office/drawing/2017/decorative" val="1"/>
+                <adec:decorative xmlns:adec="http://schemas.microsoft.com/office/drawing/2017/decorative" xmlns="" val="1"/>
               </a:ext>
             </a:extLst>
           </p:cNvPr>
@@ -17212,7 +17471,7 @@
                 <a16:creationId xmlns:a16="http://schemas.microsoft.com/office/drawing/2014/main" id="{E12088DD-B1AD-40E0-8B86-1D87A2CCD9BE}"/>
               </a:ext>
               <a:ext uri="{C183D7F6-B498-43B3-948B-1728B52AA6E4}">
-                <adec:decorative xmlns:adec="http://schemas.microsoft.com/office/drawing/2017/decorative" val="1"/>
+                <adec:decorative xmlns:adec="http://schemas.microsoft.com/office/drawing/2017/decorative" xmlns="" val="1"/>
               </a:ext>
             </a:extLst>
           </p:cNvPr>
@@ -17288,7 +17547,7 @@
                 <a16:creationId xmlns:a16="http://schemas.microsoft.com/office/drawing/2014/main" id="{C4C9F2B0-1044-46EB-8AEB-C3BFFDE6C2CC}"/>
               </a:ext>
               <a:ext uri="{C183D7F6-B498-43B3-948B-1728B52AA6E4}">
-                <adec:decorative xmlns:adec="http://schemas.microsoft.com/office/drawing/2017/decorative" val="1"/>
+                <adec:decorative xmlns:adec="http://schemas.microsoft.com/office/drawing/2017/decorative" xmlns="" val="1"/>
               </a:ext>
             </a:extLst>
           </p:cNvPr>
@@ -17365,7 +17624,7 @@
                 <a16:creationId xmlns:a16="http://schemas.microsoft.com/office/drawing/2014/main" id="{0C395952-4E26-45A2-8756-2ADFD6E53C6E}"/>
               </a:ext>
               <a:ext uri="{C183D7F6-B498-43B3-948B-1728B52AA6E4}">
-                <adec:decorative xmlns:adec="http://schemas.microsoft.com/office/drawing/2017/decorative" val="1"/>
+                <adec:decorative xmlns:adec="http://schemas.microsoft.com/office/drawing/2017/decorative" xmlns="" val="1"/>
               </a:ext>
             </a:extLst>
           </p:cNvPr>
@@ -17441,7 +17700,7 @@
                 <a16:creationId xmlns:a16="http://schemas.microsoft.com/office/drawing/2014/main" id="{4734BADF-9461-4621-B112-2D7BABEA7DD0}"/>
               </a:ext>
               <a:ext uri="{C183D7F6-B498-43B3-948B-1728B52AA6E4}">
-                <adec:decorative xmlns:adec="http://schemas.microsoft.com/office/drawing/2017/decorative" val="1"/>
+                <adec:decorative xmlns:adec="http://schemas.microsoft.com/office/drawing/2017/decorative" xmlns="" val="1"/>
               </a:ext>
             </a:extLst>
           </p:cNvPr>
@@ -17584,7 +17843,7 @@
         </p:spPr>
         <p:txBody>
           <a:bodyPr anchor="ctr">
-            <a:normAutofit/>
+            <a:normAutofit fontScale="90000"/>
           </a:bodyPr>
           <a:lstStyle/>
           <a:p>
@@ -17595,6 +17854,14 @@
                 </a:solidFill>
               </a:rPr>
               <a:t>Budowa i implementacja aplikacji zarządzania zbiorami galerii sztuki</a:t>
+            </a:r>
+            <a:r>
+              <a:rPr lang="pl-PL" sz="4800">
+                <a:solidFill>
+                  <a:srgbClr val="FFFFFF"/>
+                </a:solidFill>
+              </a:rPr>
+              <a:t/>
             </a:r>
             <a:br>
               <a:rPr lang="pl-PL" sz="4800">
@@ -17711,8 +17978,8 @@
         </p:nvSpPr>
         <p:spPr>
           <a:xfrm>
-            <a:off x="838199" y="557189"/>
-            <a:ext cx="3587885" cy="5567891"/>
+            <a:off x="637782" y="557189"/>
+            <a:ext cx="4742146" cy="5567891"/>
           </a:xfrm>
         </p:spPr>
         <p:txBody>
@@ -17722,10 +17989,10 @@
           <a:lstStyle/>
           <a:p>
             <a:r>
-              <a:rPr lang="pl-PL" sz="5400" dirty="0"/>
+              <a:rPr lang="pl-PL" sz="5400" b="1" dirty="0"/>
               <a:t>Technologie i narzędzia</a:t>
             </a:r>
-            <a:endParaRPr lang="pl-PL" sz="5200" dirty="0"/>
+            <a:endParaRPr lang="pl-PL" sz="5200" b="1" dirty="0"/>
           </a:p>
         </p:txBody>
       </p:sp>
@@ -17745,7 +18012,7 @@
             <p:ph idx="1"/>
             <p:extLst>
               <p:ext uri="{D42A27DB-BD31-4B8C-83A1-F6EECF244321}">
-                <p14:modId xmlns:p14="http://schemas.microsoft.com/office/powerpoint/2010/main" val="679719154"/>
+                <p14:modId xmlns:p14="http://schemas.microsoft.com/office/powerpoint/2010/main" val="3127546595"/>
               </p:ext>
             </p:extLst>
           </p:nvPr>
@@ -17806,7 +18073,7 @@
                 <a16:creationId xmlns:a16="http://schemas.microsoft.com/office/drawing/2014/main" id="{9CB95732-565A-4D2C-A3AB-CC460C0D3826}"/>
               </a:ext>
               <a:ext uri="{C183D7F6-B498-43B3-948B-1728B52AA6E4}">
-                <adec:decorative xmlns:adec="http://schemas.microsoft.com/office/drawing/2017/decorative" val="1"/>
+                <adec:decorative xmlns:adec="http://schemas.microsoft.com/office/drawing/2017/decorative" xmlns="" val="1"/>
               </a:ext>
             </a:extLst>
           </p:cNvPr>
@@ -17882,7 +18149,7 @@
                 <a16:creationId xmlns:a16="http://schemas.microsoft.com/office/drawing/2014/main" id="{E19B653C-798C-4333-8452-3DF3AE3C1D11}"/>
               </a:ext>
               <a:ext uri="{C183D7F6-B498-43B3-948B-1728B52AA6E4}">
-                <adec:decorative xmlns:adec="http://schemas.microsoft.com/office/drawing/2017/decorative" val="1"/>
+                <adec:decorative xmlns:adec="http://schemas.microsoft.com/office/drawing/2017/decorative" xmlns="" val="1"/>
               </a:ext>
             </a:extLst>
           </p:cNvPr>
@@ -17957,7 +18224,7 @@
                 <a16:creationId xmlns:a16="http://schemas.microsoft.com/office/drawing/2014/main" id="{0FE50278-E2EC-42B2-A1F1-921DD39901C4}"/>
               </a:ext>
               <a:ext uri="{C183D7F6-B498-43B3-948B-1728B52AA6E4}">
-                <adec:decorative xmlns:adec="http://schemas.microsoft.com/office/drawing/2017/decorative" val="1"/>
+                <adec:decorative xmlns:adec="http://schemas.microsoft.com/office/drawing/2017/decorative" xmlns="" val="1"/>
               </a:ext>
             </a:extLst>
           </p:cNvPr>
@@ -18032,7 +18299,7 @@
                 <a16:creationId xmlns:a16="http://schemas.microsoft.com/office/drawing/2014/main" id="{1236153F-0DB4-40DD-87C6-B40C1B7E282C}"/>
               </a:ext>
               <a:ext uri="{C183D7F6-B498-43B3-948B-1728B52AA6E4}">
-                <adec:decorative xmlns:adec="http://schemas.microsoft.com/office/drawing/2017/decorative" val="1"/>
+                <adec:decorative xmlns:adec="http://schemas.microsoft.com/office/drawing/2017/decorative" xmlns="" val="1"/>
               </a:ext>
             </a:extLst>
           </p:cNvPr>
@@ -18123,28 +18390,97 @@
           <a:lstStyle/>
           <a:p>
             <a:r>
-              <a:rPr lang="en-US" sz="3100">
+              <a:rPr lang="en-US" sz="3100" b="1" dirty="0" err="1">
                 <a:solidFill>
                   <a:srgbClr val="FFFFFF"/>
                 </a:solidFill>
               </a:rPr>
-              <a:t>Prezentacja środowiska </a:t>
+              <a:t>Prezentacja</a:t>
+            </a:r>
+            <a:r>
+              <a:rPr lang="en-US" sz="3100" b="1" dirty="0">
+                <a:solidFill>
+                  <a:srgbClr val="FFFFFF"/>
+                </a:solidFill>
+              </a:rPr>
+              <a:t> </a:t>
+            </a:r>
+            <a:r>
+              <a:rPr lang="en-US" sz="3100" b="1" dirty="0" err="1">
+                <a:solidFill>
+                  <a:srgbClr val="FFFFFF"/>
+                </a:solidFill>
+              </a:rPr>
+              <a:t>środowiska</a:t>
+            </a:r>
+            <a:r>
+              <a:rPr lang="en-US" sz="3100" b="1" dirty="0">
+                <a:solidFill>
+                  <a:srgbClr val="FFFFFF"/>
+                </a:solidFill>
+              </a:rPr>
+              <a:t> </a:t>
             </a:r>
             <a:br>
-              <a:rPr lang="en-US" sz="3100">
+              <a:rPr lang="en-US" sz="3100" b="1" dirty="0">
                 <a:solidFill>
                   <a:srgbClr val="FFFFFF"/>
                 </a:solidFill>
               </a:rPr>
             </a:br>
             <a:r>
-              <a:rPr lang="en-US" sz="3100">
+              <a:rPr lang="en-US" sz="3100" b="1" dirty="0">
                 <a:solidFill>
                   <a:srgbClr val="FFFFFF"/>
                 </a:solidFill>
               </a:rPr>
-              <a:t>– logowanie i rejestracja</a:t>
-            </a:r>
+              <a:t>– </a:t>
+            </a:r>
+            <a:r>
+              <a:rPr lang="en-US" sz="3100" b="1" dirty="0" err="1">
+                <a:solidFill>
+                  <a:srgbClr val="FFFFFF"/>
+                </a:solidFill>
+              </a:rPr>
+              <a:t>logowanie</a:t>
+            </a:r>
+            <a:r>
+              <a:rPr lang="en-US" sz="3100" b="1" dirty="0">
+                <a:solidFill>
+                  <a:srgbClr val="FFFFFF"/>
+                </a:solidFill>
+              </a:rPr>
+              <a:t> </a:t>
+            </a:r>
+            <a:r>
+              <a:rPr lang="en-US" sz="3100" b="1" dirty="0" err="1">
+                <a:solidFill>
+                  <a:srgbClr val="FFFFFF"/>
+                </a:solidFill>
+              </a:rPr>
+              <a:t>i</a:t>
+            </a:r>
+            <a:r>
+              <a:rPr lang="en-US" sz="3100" b="1" dirty="0">
+                <a:solidFill>
+                  <a:srgbClr val="FFFFFF"/>
+                </a:solidFill>
+              </a:rPr>
+              <a:t> </a:t>
+            </a:r>
+            <a:r>
+              <a:rPr lang="en-US" sz="3100" b="1" dirty="0" err="1">
+                <a:solidFill>
+                  <a:srgbClr val="FFFFFF"/>
+                </a:solidFill>
+              </a:rPr>
+              <a:t>rejestracja</a:t>
+            </a:r>
+            <a:endParaRPr lang="en-US" sz="3100" b="1" dirty="0">
+              <a:solidFill>
+                <a:srgbClr val="FFFFFF"/>
+              </a:solidFill>
+            </a:endParaRPr>
           </a:p>
         </p:txBody>
       </p:sp>
@@ -18206,8 +18542,8 @@
         </p:blipFill>
         <p:spPr>
           <a:xfrm>
-            <a:off x="6388953" y="5103100"/>
-            <a:ext cx="5109141" cy="1171240"/>
+            <a:off x="1452457" y="4965408"/>
+            <a:ext cx="9049376" cy="1742374"/>
           </a:xfrm>
           <a:prstGeom prst="rect">
             <a:avLst/>
@@ -18260,7 +18596,7 @@
                 <a16:creationId xmlns:a16="http://schemas.microsoft.com/office/drawing/2014/main" id="{2151139A-886F-4B97-8815-729AD3831BBD}"/>
               </a:ext>
               <a:ext uri="{C183D7F6-B498-43B3-948B-1728B52AA6E4}">
-                <adec:decorative xmlns:adec="http://schemas.microsoft.com/office/drawing/2017/decorative" val="1"/>
+                <adec:decorative xmlns:adec="http://schemas.microsoft.com/office/drawing/2017/decorative" xmlns="" val="1"/>
               </a:ext>
             </a:extLst>
           </p:cNvPr>
@@ -18336,7 +18672,7 @@
                 <a16:creationId xmlns:a16="http://schemas.microsoft.com/office/drawing/2014/main" id="{AB5E08C4-8CDD-4623-A5B8-E998C6DEE3B7}"/>
               </a:ext>
               <a:ext uri="{C183D7F6-B498-43B3-948B-1728B52AA6E4}">
-                <adec:decorative xmlns:adec="http://schemas.microsoft.com/office/drawing/2017/decorative" val="1"/>
+                <adec:decorative xmlns:adec="http://schemas.microsoft.com/office/drawing/2017/decorative" xmlns="" val="1"/>
               </a:ext>
             </a:extLst>
           </p:cNvPr>
@@ -18411,7 +18747,7 @@
                 <a16:creationId xmlns:a16="http://schemas.microsoft.com/office/drawing/2014/main" id="{15F33878-D502-4FFA-8ACE-F2AECDB2A23F}"/>
               </a:ext>
               <a:ext uri="{C183D7F6-B498-43B3-948B-1728B52AA6E4}">
-                <adec:decorative xmlns:adec="http://schemas.microsoft.com/office/drawing/2017/decorative" val="1"/>
+                <adec:decorative xmlns:adec="http://schemas.microsoft.com/office/drawing/2017/decorative" xmlns="" val="1"/>
               </a:ext>
             </a:extLst>
           </p:cNvPr>
@@ -18487,7 +18823,7 @@
                 <a16:creationId xmlns:a16="http://schemas.microsoft.com/office/drawing/2014/main" id="{D3539FEE-81D3-4406-802E-60B20B16F4F6}"/>
               </a:ext>
               <a:ext uri="{C183D7F6-B498-43B3-948B-1728B52AA6E4}">
-                <adec:decorative xmlns:adec="http://schemas.microsoft.com/office/drawing/2017/decorative" val="1"/>
+                <adec:decorative xmlns:adec="http://schemas.microsoft.com/office/drawing/2017/decorative" xmlns="" val="1"/>
               </a:ext>
             </a:extLst>
           </p:cNvPr>
@@ -18562,7 +18898,7 @@
                 <a16:creationId xmlns:a16="http://schemas.microsoft.com/office/drawing/2014/main" id="{DC701763-729E-462F-A5A8-E0DEFEB1E2E4}"/>
               </a:ext>
               <a:ext uri="{C183D7F6-B498-43B3-948B-1728B52AA6E4}">
-                <adec:decorative xmlns:adec="http://schemas.microsoft.com/office/drawing/2017/decorative" val="1"/>
+                <adec:decorative xmlns:adec="http://schemas.microsoft.com/office/drawing/2017/decorative" xmlns="" val="1"/>
               </a:ext>
             </a:extLst>
           </p:cNvPr>
@@ -18653,13 +18989,26 @@
           <a:lstStyle/>
           <a:p>
             <a:r>
-              <a:rPr lang="en-US" sz="4000">
+              <a:rPr lang="en-US" sz="4000" b="1" dirty="0">
                 <a:solidFill>
                   <a:srgbClr val="FFFFFF"/>
                 </a:solidFill>
               </a:rPr>
-              <a:t>Role - przykład</a:t>
-            </a:r>
+              <a:t>Role - </a:t>
+            </a:r>
+            <a:r>
+              <a:rPr lang="en-US" sz="4000" b="1" dirty="0" err="1">
+                <a:solidFill>
+                  <a:srgbClr val="FFFFFF"/>
+                </a:solidFill>
+              </a:rPr>
+              <a:t>przykład</a:t>
+            </a:r>
+            <a:endParaRPr lang="en-US" sz="4000" b="1" dirty="0">
+              <a:solidFill>
+                <a:srgbClr val="FFFFFF"/>
+              </a:solidFill>
+            </a:endParaRPr>
           </a:p>
         </p:txBody>
       </p:sp>
@@ -18679,8 +19028,8 @@
         </p:blipFill>
         <p:spPr>
           <a:xfrm>
-            <a:off x="715748" y="2801265"/>
-            <a:ext cx="5131088" cy="2757958"/>
+            <a:off x="100414" y="2220685"/>
+            <a:ext cx="6059107" cy="3256768"/>
           </a:xfrm>
           <a:prstGeom prst="rect">
             <a:avLst/>
@@ -18703,8 +19052,8 @@
         </p:blipFill>
         <p:spPr>
           <a:xfrm>
-            <a:off x="6345165" y="2831338"/>
-            <a:ext cx="5131087" cy="2770785"/>
+            <a:off x="6096000" y="2220685"/>
+            <a:ext cx="6031056" cy="3256768"/>
           </a:xfrm>
           <a:prstGeom prst="rect">
             <a:avLst/>
@@ -18757,7 +19106,7 @@
                 <a16:creationId xmlns:a16="http://schemas.microsoft.com/office/drawing/2014/main" id="{A8384FB5-9ADC-4DDC-881B-597D56F5B15D}"/>
               </a:ext>
               <a:ext uri="{C183D7F6-B498-43B3-948B-1728B52AA6E4}">
-                <adec:decorative xmlns:adec="http://schemas.microsoft.com/office/drawing/2017/decorative" val="1"/>
+                <adec:decorative xmlns:adec="http://schemas.microsoft.com/office/drawing/2017/decorative" xmlns="" val="1"/>
               </a:ext>
             </a:extLst>
           </p:cNvPr>
@@ -18833,7 +19182,7 @@
                 <a16:creationId xmlns:a16="http://schemas.microsoft.com/office/drawing/2014/main" id="{1199E1B1-A8C0-4FE8-A5A8-1CB41D69F857}"/>
               </a:ext>
               <a:ext uri="{C183D7F6-B498-43B3-948B-1728B52AA6E4}">
-                <adec:decorative xmlns:adec="http://schemas.microsoft.com/office/drawing/2017/decorative" val="1"/>
+                <adec:decorative xmlns:adec="http://schemas.microsoft.com/office/drawing/2017/decorative" xmlns="" val="1"/>
               </a:ext>
             </a:extLst>
           </p:cNvPr>
@@ -18908,7 +19257,7 @@
                 <a16:creationId xmlns:a16="http://schemas.microsoft.com/office/drawing/2014/main" id="{84A8DE83-DE75-4B41-9DB4-A7EC0B0DEC0B}"/>
               </a:ext>
               <a:ext uri="{C183D7F6-B498-43B3-948B-1728B52AA6E4}">
-                <adec:decorative xmlns:adec="http://schemas.microsoft.com/office/drawing/2017/decorative" val="1"/>
+                <adec:decorative xmlns:adec="http://schemas.microsoft.com/office/drawing/2017/decorative" xmlns="" val="1"/>
               </a:ext>
             </a:extLst>
           </p:cNvPr>
@@ -18985,7 +19334,7 @@
                 <a16:creationId xmlns:a16="http://schemas.microsoft.com/office/drawing/2014/main" id="{A7009A0A-BEF5-4EAC-AF15-E4F9F002E239}"/>
               </a:ext>
               <a:ext uri="{C183D7F6-B498-43B3-948B-1728B52AA6E4}">
-                <adec:decorative xmlns:adec="http://schemas.microsoft.com/office/drawing/2017/decorative" val="1"/>
+                <adec:decorative xmlns:adec="http://schemas.microsoft.com/office/drawing/2017/decorative" xmlns="" val="1"/>
               </a:ext>
             </a:extLst>
           </p:cNvPr>
@@ -19076,12 +19425,12 @@
         </p:spPr>
         <p:txBody>
           <a:bodyPr vert="horz" lIns="91440" tIns="45720" rIns="91440" bIns="45720" rtlCol="0" anchor="ctr">
-            <a:normAutofit/>
+            <a:normAutofit fontScale="90000"/>
           </a:bodyPr>
           <a:lstStyle/>
           <a:p>
             <a:r>
-              <a:rPr lang="en-US" sz="4000" kern="1200">
+              <a:rPr lang="en-US" sz="4000" b="1" kern="1200" dirty="0">
                 <a:solidFill>
                   <a:srgbClr val="FFFFFF"/>
                 </a:solidFill>
@@ -19089,8 +19438,49 @@
                 <a:ea typeface="+mj-ea"/>
                 <a:cs typeface="+mj-cs"/>
               </a:rPr>
-              <a:t>Diagram przypadków użycia</a:t>
-            </a:r>
+              <a:t>Diagram </a:t>
+            </a:r>
+            <a:r>
+              <a:rPr lang="en-US" sz="4000" b="1" kern="1200" dirty="0" err="1">
+                <a:solidFill>
+                  <a:srgbClr val="FFFFFF"/>
+                </a:solidFill>
+                <a:latin typeface="+mj-lt"/>
+                <a:ea typeface="+mj-ea"/>
+                <a:cs typeface="+mj-cs"/>
+              </a:rPr>
+              <a:t>przypadków</a:t>
+            </a:r>
+            <a:r>
+              <a:rPr lang="en-US" sz="4000" b="1" kern="1200" dirty="0">
+                <a:solidFill>
+                  <a:srgbClr val="FFFFFF"/>
+                </a:solidFill>
+                <a:latin typeface="+mj-lt"/>
+                <a:ea typeface="+mj-ea"/>
+                <a:cs typeface="+mj-cs"/>
+              </a:rPr>
+              <a:t> </a:t>
+            </a:r>
+            <a:r>
+              <a:rPr lang="en-US" sz="4000" b="1" kern="1200" dirty="0" err="1">
+                <a:solidFill>
+                  <a:srgbClr val="FFFFFF"/>
+                </a:solidFill>
+                <a:latin typeface="+mj-lt"/>
+                <a:ea typeface="+mj-ea"/>
+                <a:cs typeface="+mj-cs"/>
+              </a:rPr>
+              <a:t>użycia</a:t>
+            </a:r>
+            <a:endParaRPr lang="en-US" sz="4000" b="1" kern="1200" dirty="0">
+              <a:solidFill>
+                <a:srgbClr val="FFFFFF"/>
+              </a:solidFill>
+              <a:latin typeface="+mj-lt"/>
+              <a:ea typeface="+mj-ea"/>
+              <a:cs typeface="+mj-cs"/>
+            </a:endParaRPr>
           </a:p>
         </p:txBody>
       </p:sp>
@@ -19122,8 +19512,8 @@
         </p:blipFill>
         <p:spPr bwMode="auto">
           <a:xfrm>
-            <a:off x="2576506" y="1966293"/>
-            <a:ext cx="7038987" cy="4452160"/>
+            <a:off x="2073058" y="1715404"/>
+            <a:ext cx="7905690" cy="5000350"/>
           </a:xfrm>
           <a:prstGeom prst="rect">
             <a:avLst/>
@@ -19177,7 +19567,7 @@
                 <a16:creationId xmlns:a16="http://schemas.microsoft.com/office/drawing/2014/main" id="{A8384FB5-9ADC-4DDC-881B-597D56F5B15D}"/>
               </a:ext>
               <a:ext uri="{C183D7F6-B498-43B3-948B-1728B52AA6E4}">
-                <adec:decorative xmlns:adec="http://schemas.microsoft.com/office/drawing/2017/decorative" val="1"/>
+                <adec:decorative xmlns:adec="http://schemas.microsoft.com/office/drawing/2017/decorative" xmlns="" val="1"/>
               </a:ext>
             </a:extLst>
           </p:cNvPr>
@@ -19253,7 +19643,7 @@
                 <a16:creationId xmlns:a16="http://schemas.microsoft.com/office/drawing/2014/main" id="{1199E1B1-A8C0-4FE8-A5A8-1CB41D69F857}"/>
               </a:ext>
               <a:ext uri="{C183D7F6-B498-43B3-948B-1728B52AA6E4}">
-                <adec:decorative xmlns:adec="http://schemas.microsoft.com/office/drawing/2017/decorative" val="1"/>
+                <adec:decorative xmlns:adec="http://schemas.microsoft.com/office/drawing/2017/decorative" xmlns="" val="1"/>
               </a:ext>
             </a:extLst>
           </p:cNvPr>
@@ -19328,7 +19718,7 @@
                 <a16:creationId xmlns:a16="http://schemas.microsoft.com/office/drawing/2014/main" id="{84A8DE83-DE75-4B41-9DB4-A7EC0B0DEC0B}"/>
               </a:ext>
               <a:ext uri="{C183D7F6-B498-43B3-948B-1728B52AA6E4}">
-                <adec:decorative xmlns:adec="http://schemas.microsoft.com/office/drawing/2017/decorative" val="1"/>
+                <adec:decorative xmlns:adec="http://schemas.microsoft.com/office/drawing/2017/decorative" xmlns="" val="1"/>
               </a:ext>
             </a:extLst>
           </p:cNvPr>
@@ -19405,7 +19795,7 @@
                 <a16:creationId xmlns:a16="http://schemas.microsoft.com/office/drawing/2014/main" id="{A7009A0A-BEF5-4EAC-AF15-E4F9F002E239}"/>
               </a:ext>
               <a:ext uri="{C183D7F6-B498-43B3-948B-1728B52AA6E4}">
-                <adec:decorative xmlns:adec="http://schemas.microsoft.com/office/drawing/2017/decorative" val="1"/>
+                <adec:decorative xmlns:adec="http://schemas.microsoft.com/office/drawing/2017/decorative" xmlns="" val="1"/>
               </a:ext>
             </a:extLst>
           </p:cNvPr>
@@ -19495,7 +19885,7 @@
           <a:lstStyle/>
           <a:p>
             <a:r>
-              <a:rPr lang="en-US" sz="4000" kern="1200">
+              <a:rPr lang="en-US" sz="4000" b="1" kern="1200" dirty="0" err="1">
                 <a:solidFill>
                   <a:srgbClr val="FFFFFF"/>
                 </a:solidFill>
@@ -19505,6 +19895,14 @@
               </a:rPr>
               <a:t>Eksponaty</a:t>
             </a:r>
+            <a:endParaRPr lang="en-US" sz="4000" b="1" kern="1200" dirty="0">
+              <a:solidFill>
+                <a:srgbClr val="FFFFFF"/>
+              </a:solidFill>
+              <a:latin typeface="+mj-lt"/>
+              <a:ea typeface="+mj-ea"/>
+              <a:cs typeface="+mj-cs"/>
+            </a:endParaRPr>
           </a:p>
         </p:txBody>
       </p:sp>
@@ -19522,8 +19920,8 @@
         </p:blipFill>
         <p:spPr>
           <a:xfrm>
-            <a:off x="1992625" y="1966293"/>
-            <a:ext cx="8206748" cy="4452160"/>
+            <a:off x="1544582" y="1699117"/>
+            <a:ext cx="8780051" cy="4763177"/>
           </a:xfrm>
           <a:prstGeom prst="rect">
             <a:avLst/>
@@ -19582,7 +19980,7 @@
                 <a16:creationId xmlns:a16="http://schemas.microsoft.com/office/drawing/2014/main" id="{A8384FB5-9ADC-4DDC-881B-597D56F5B15D}"/>
               </a:ext>
               <a:ext uri="{C183D7F6-B498-43B3-948B-1728B52AA6E4}">
-                <adec:decorative xmlns:adec="http://schemas.microsoft.com/office/drawing/2017/decorative" val="1"/>
+                <adec:decorative xmlns:adec="http://schemas.microsoft.com/office/drawing/2017/decorative" xmlns="" val="1"/>
               </a:ext>
             </a:extLst>
           </p:cNvPr>
@@ -19658,7 +20056,7 @@
                 <a16:creationId xmlns:a16="http://schemas.microsoft.com/office/drawing/2014/main" id="{1199E1B1-A8C0-4FE8-A5A8-1CB41D69F857}"/>
               </a:ext>
               <a:ext uri="{C183D7F6-B498-43B3-948B-1728B52AA6E4}">
-                <adec:decorative xmlns:adec="http://schemas.microsoft.com/office/drawing/2017/decorative" val="1"/>
+                <adec:decorative xmlns:adec="http://schemas.microsoft.com/office/drawing/2017/decorative" xmlns="" val="1"/>
               </a:ext>
             </a:extLst>
           </p:cNvPr>
@@ -19733,7 +20131,7 @@
                 <a16:creationId xmlns:a16="http://schemas.microsoft.com/office/drawing/2014/main" id="{84A8DE83-DE75-4B41-9DB4-A7EC0B0DEC0B}"/>
               </a:ext>
               <a:ext uri="{C183D7F6-B498-43B3-948B-1728B52AA6E4}">
-                <adec:decorative xmlns:adec="http://schemas.microsoft.com/office/drawing/2017/decorative" val="1"/>
+                <adec:decorative xmlns:adec="http://schemas.microsoft.com/office/drawing/2017/decorative" xmlns="" val="1"/>
               </a:ext>
             </a:extLst>
           </p:cNvPr>
@@ -19810,7 +20208,7 @@
                 <a16:creationId xmlns:a16="http://schemas.microsoft.com/office/drawing/2014/main" id="{A7009A0A-BEF5-4EAC-AF15-E4F9F002E239}"/>
               </a:ext>
               <a:ext uri="{C183D7F6-B498-43B3-948B-1728B52AA6E4}">
-                <adec:decorative xmlns:adec="http://schemas.microsoft.com/office/drawing/2017/decorative" val="1"/>
+                <adec:decorative xmlns:adec="http://schemas.microsoft.com/office/drawing/2017/decorative" xmlns="" val="1"/>
               </a:ext>
             </a:extLst>
           </p:cNvPr>
@@ -19906,7 +20304,7 @@
           <a:lstStyle/>
           <a:p>
             <a:r>
-              <a:rPr lang="pl-PL" sz="4000" kern="1200" dirty="0">
+              <a:rPr lang="pl-PL" sz="4000" b="1" kern="1200" dirty="0">
                 <a:solidFill>
                   <a:srgbClr val="FFFFFF"/>
                 </a:solidFill>
@@ -19916,7 +20314,7 @@
               </a:rPr>
               <a:t>Wystawy</a:t>
             </a:r>
-            <a:endParaRPr lang="en-US" sz="4000" kern="1200" dirty="0">
+            <a:endParaRPr lang="en-US" sz="4000" b="1" kern="1200" dirty="0">
               <a:solidFill>
                 <a:srgbClr val="FFFFFF"/>
               </a:solidFill>
@@ -19950,8 +20348,8 @@
         </p:blipFill>
         <p:spPr>
           <a:xfrm>
-            <a:off x="2483124" y="1960921"/>
-            <a:ext cx="7225748" cy="4064566"/>
+            <a:off x="1803748" y="1968633"/>
+            <a:ext cx="8180697" cy="4601736"/>
           </a:xfrm>
           <a:prstGeom prst="rect">
             <a:avLst/>
@@ -20004,7 +20402,7 @@
                 <a16:creationId xmlns:a16="http://schemas.microsoft.com/office/drawing/2014/main" id="{A8384FB5-9ADC-4DDC-881B-597D56F5B15D}"/>
               </a:ext>
               <a:ext uri="{C183D7F6-B498-43B3-948B-1728B52AA6E4}">
-                <adec:decorative xmlns:adec="http://schemas.microsoft.com/office/drawing/2017/decorative" val="1"/>
+                <adec:decorative xmlns:adec="http://schemas.microsoft.com/office/drawing/2017/decorative" xmlns="" val="1"/>
               </a:ext>
             </a:extLst>
           </p:cNvPr>
@@ -20080,7 +20478,7 @@
                 <a16:creationId xmlns:a16="http://schemas.microsoft.com/office/drawing/2014/main" id="{1199E1B1-A8C0-4FE8-A5A8-1CB41D69F857}"/>
               </a:ext>
               <a:ext uri="{C183D7F6-B498-43B3-948B-1728B52AA6E4}">
-                <adec:decorative xmlns:adec="http://schemas.microsoft.com/office/drawing/2017/decorative" val="1"/>
+                <adec:decorative xmlns:adec="http://schemas.microsoft.com/office/drawing/2017/decorative" xmlns="" val="1"/>
               </a:ext>
             </a:extLst>
           </p:cNvPr>
@@ -20155,7 +20553,7 @@
                 <a16:creationId xmlns:a16="http://schemas.microsoft.com/office/drawing/2014/main" id="{84A8DE83-DE75-4B41-9DB4-A7EC0B0DEC0B}"/>
               </a:ext>
               <a:ext uri="{C183D7F6-B498-43B3-948B-1728B52AA6E4}">
-                <adec:decorative xmlns:adec="http://schemas.microsoft.com/office/drawing/2017/decorative" val="1"/>
+                <adec:decorative xmlns:adec="http://schemas.microsoft.com/office/drawing/2017/decorative" xmlns="" val="1"/>
               </a:ext>
             </a:extLst>
           </p:cNvPr>
@@ -20232,7 +20630,7 @@
                 <a16:creationId xmlns:a16="http://schemas.microsoft.com/office/drawing/2014/main" id="{A7009A0A-BEF5-4EAC-AF15-E4F9F002E239}"/>
               </a:ext>
               <a:ext uri="{C183D7F6-B498-43B3-948B-1728B52AA6E4}">
-                <adec:decorative xmlns:adec="http://schemas.microsoft.com/office/drawing/2017/decorative" val="1"/>
+                <adec:decorative xmlns:adec="http://schemas.microsoft.com/office/drawing/2017/decorative" xmlns="" val="1"/>
               </a:ext>
             </a:extLst>
           </p:cNvPr>
@@ -20322,7 +20720,7 @@
           <a:lstStyle/>
           <a:p>
             <a:r>
-              <a:rPr lang="en-US" sz="4000" kern="1200">
+              <a:rPr lang="en-US" sz="4000" b="1" kern="1200" dirty="0" err="1">
                 <a:solidFill>
                   <a:srgbClr val="FFFFFF"/>
                 </a:solidFill>
@@ -20332,6 +20730,14 @@
               </a:rPr>
               <a:t>Wystawy</a:t>
             </a:r>
+            <a:endParaRPr lang="en-US" sz="4000" b="1" kern="1200" dirty="0">
+              <a:solidFill>
+                <a:srgbClr val="FFFFFF"/>
+              </a:solidFill>
+              <a:latin typeface="+mj-lt"/>
+              <a:ea typeface="+mj-ea"/>
+              <a:cs typeface="+mj-cs"/>
+            </a:endParaRPr>
           </a:p>
         </p:txBody>
       </p:sp>
@@ -20403,7 +20809,7 @@
                 <a16:creationId xmlns:a16="http://schemas.microsoft.com/office/drawing/2014/main" id="{A8384FB5-9ADC-4DDC-881B-597D56F5B15D}"/>
               </a:ext>
               <a:ext uri="{C183D7F6-B498-43B3-948B-1728B52AA6E4}">
-                <adec:decorative xmlns:adec="http://schemas.microsoft.com/office/drawing/2017/decorative" val="1"/>
+                <adec:decorative xmlns:adec="http://schemas.microsoft.com/office/drawing/2017/decorative" xmlns="" val="1"/>
               </a:ext>
             </a:extLst>
           </p:cNvPr>
@@ -20479,7 +20885,7 @@
                 <a16:creationId xmlns:a16="http://schemas.microsoft.com/office/drawing/2014/main" id="{1199E1B1-A8C0-4FE8-A5A8-1CB41D69F857}"/>
               </a:ext>
               <a:ext uri="{C183D7F6-B498-43B3-948B-1728B52AA6E4}">
-                <adec:decorative xmlns:adec="http://schemas.microsoft.com/office/drawing/2017/decorative" val="1"/>
+                <adec:decorative xmlns:adec="http://schemas.microsoft.com/office/drawing/2017/decorative" xmlns="" val="1"/>
               </a:ext>
             </a:extLst>
           </p:cNvPr>
@@ -20554,7 +20960,7 @@
                 <a16:creationId xmlns:a16="http://schemas.microsoft.com/office/drawing/2014/main" id="{84A8DE83-DE75-4B41-9DB4-A7EC0B0DEC0B}"/>
               </a:ext>
               <a:ext uri="{C183D7F6-B498-43B3-948B-1728B52AA6E4}">
-                <adec:decorative xmlns:adec="http://schemas.microsoft.com/office/drawing/2017/decorative" val="1"/>
+                <adec:decorative xmlns:adec="http://schemas.microsoft.com/office/drawing/2017/decorative" xmlns="" val="1"/>
               </a:ext>
             </a:extLst>
           </p:cNvPr>
@@ -20631,7 +21037,7 @@
                 <a16:creationId xmlns:a16="http://schemas.microsoft.com/office/drawing/2014/main" id="{A7009A0A-BEF5-4EAC-AF15-E4F9F002E239}"/>
               </a:ext>
               <a:ext uri="{C183D7F6-B498-43B3-948B-1728B52AA6E4}">
-                <adec:decorative xmlns:adec="http://schemas.microsoft.com/office/drawing/2017/decorative" val="1"/>
+                <adec:decorative xmlns:adec="http://schemas.microsoft.com/office/drawing/2017/decorative" xmlns="" val="1"/>
               </a:ext>
             </a:extLst>
           </p:cNvPr>
@@ -20721,7 +21127,7 @@
           <a:lstStyle/>
           <a:p>
             <a:r>
-              <a:rPr lang="en-US" sz="3700" kern="1200">
+              <a:rPr lang="en-US" sz="3700" b="1" kern="1200" dirty="0" err="1">
                 <a:solidFill>
                   <a:srgbClr val="FFFFFF"/>
                 </a:solidFill>
@@ -20729,8 +21135,82 @@
                 <a:ea typeface="+mj-ea"/>
                 <a:cs typeface="+mj-cs"/>
               </a:rPr>
-              <a:t>Historia Zmian – rejestrowanie zdarzeń</a:t>
-            </a:r>
+              <a:t>Historia</a:t>
+            </a:r>
+            <a:r>
+              <a:rPr lang="en-US" sz="3700" b="1" kern="1200" dirty="0">
+                <a:solidFill>
+                  <a:srgbClr val="FFFFFF"/>
+                </a:solidFill>
+                <a:latin typeface="+mj-lt"/>
+                <a:ea typeface="+mj-ea"/>
+                <a:cs typeface="+mj-cs"/>
+              </a:rPr>
+              <a:t> </a:t>
+            </a:r>
+            <a:r>
+              <a:rPr lang="en-US" sz="3700" b="1" kern="1200" dirty="0" err="1">
+                <a:solidFill>
+                  <a:srgbClr val="FFFFFF"/>
+                </a:solidFill>
+                <a:latin typeface="+mj-lt"/>
+                <a:ea typeface="+mj-ea"/>
+                <a:cs typeface="+mj-cs"/>
+              </a:rPr>
+              <a:t>Zmian</a:t>
+            </a:r>
+            <a:r>
+              <a:rPr lang="en-US" sz="3700" b="1" kern="1200" dirty="0">
+                <a:solidFill>
+                  <a:srgbClr val="FFFFFF"/>
+                </a:solidFill>
+                <a:latin typeface="+mj-lt"/>
+                <a:ea typeface="+mj-ea"/>
+                <a:cs typeface="+mj-cs"/>
+              </a:rPr>
+              <a:t> – </a:t>
+            </a:r>
+            <a:r>
+              <a:rPr lang="en-US" sz="3700" b="1" kern="1200" dirty="0" err="1">
+                <a:solidFill>
+                  <a:srgbClr val="FFFFFF"/>
+                </a:solidFill>
+                <a:latin typeface="+mj-lt"/>
+                <a:ea typeface="+mj-ea"/>
+                <a:cs typeface="+mj-cs"/>
+              </a:rPr>
+              <a:t>rejestrowanie</a:t>
+            </a:r>
+            <a:r>
+              <a:rPr lang="en-US" sz="3700" b="1" kern="1200" dirty="0">
+                <a:solidFill>
+                  <a:srgbClr val="FFFFFF"/>
+                </a:solidFill>
+                <a:latin typeface="+mj-lt"/>
+                <a:ea typeface="+mj-ea"/>
+                <a:cs typeface="+mj-cs"/>
+              </a:rPr>
+              <a:t> </a:t>
+            </a:r>
+            <a:r>
+              <a:rPr lang="en-US" sz="3700" b="1" kern="1200" dirty="0" err="1">
+                <a:solidFill>
+                  <a:srgbClr val="FFFFFF"/>
+                </a:solidFill>
+                <a:latin typeface="+mj-lt"/>
+                <a:ea typeface="+mj-ea"/>
+                <a:cs typeface="+mj-cs"/>
+              </a:rPr>
+              <a:t>zdarzeń</a:t>
+            </a:r>
+            <a:endParaRPr lang="en-US" sz="3700" b="1" kern="1200" dirty="0">
+              <a:solidFill>
+                <a:srgbClr val="FFFFFF"/>
+              </a:solidFill>
+              <a:latin typeface="+mj-lt"/>
+              <a:ea typeface="+mj-ea"/>
+              <a:cs typeface="+mj-cs"/>
+            </a:endParaRPr>
           </a:p>
         </p:txBody>
       </p:sp>
@@ -20747,8 +21227,8 @@
         </p:blipFill>
         <p:spPr>
           <a:xfrm>
-            <a:off x="2138601" y="1966293"/>
-            <a:ext cx="7914797" cy="4452160"/>
+            <a:off x="1622121" y="1764969"/>
+            <a:ext cx="8713113" cy="4901221"/>
           </a:xfrm>
           <a:prstGeom prst="rect">
             <a:avLst/>
@@ -20893,7 +21373,7 @@
                 <a16:creationId xmlns:a16="http://schemas.microsoft.com/office/drawing/2014/main" id="{A8384FB5-9ADC-4DDC-881B-597D56F5B15D}"/>
               </a:ext>
               <a:ext uri="{C183D7F6-B498-43B3-948B-1728B52AA6E4}">
-                <adec:decorative xmlns:adec="http://schemas.microsoft.com/office/drawing/2017/decorative" val="1"/>
+                <adec:decorative xmlns:adec="http://schemas.microsoft.com/office/drawing/2017/decorative" xmlns="" val="1"/>
               </a:ext>
             </a:extLst>
           </p:cNvPr>
@@ -20969,7 +21449,7 @@
                 <a16:creationId xmlns:a16="http://schemas.microsoft.com/office/drawing/2014/main" id="{1199E1B1-A8C0-4FE8-A5A8-1CB41D69F857}"/>
               </a:ext>
               <a:ext uri="{C183D7F6-B498-43B3-948B-1728B52AA6E4}">
-                <adec:decorative xmlns:adec="http://schemas.microsoft.com/office/drawing/2017/decorative" val="1"/>
+                <adec:decorative xmlns:adec="http://schemas.microsoft.com/office/drawing/2017/decorative" xmlns="" val="1"/>
               </a:ext>
             </a:extLst>
           </p:cNvPr>
@@ -21044,7 +21524,7 @@
                 <a16:creationId xmlns:a16="http://schemas.microsoft.com/office/drawing/2014/main" id="{84A8DE83-DE75-4B41-9DB4-A7EC0B0DEC0B}"/>
               </a:ext>
               <a:ext uri="{C183D7F6-B498-43B3-948B-1728B52AA6E4}">
-                <adec:decorative xmlns:adec="http://schemas.microsoft.com/office/drawing/2017/decorative" val="1"/>
+                <adec:decorative xmlns:adec="http://schemas.microsoft.com/office/drawing/2017/decorative" xmlns="" val="1"/>
               </a:ext>
             </a:extLst>
           </p:cNvPr>
@@ -21121,7 +21601,7 @@
                 <a16:creationId xmlns:a16="http://schemas.microsoft.com/office/drawing/2014/main" id="{A7009A0A-BEF5-4EAC-AF15-E4F9F002E239}"/>
               </a:ext>
               <a:ext uri="{C183D7F6-B498-43B3-948B-1728B52AA6E4}">
-                <adec:decorative xmlns:adec="http://schemas.microsoft.com/office/drawing/2017/decorative" val="1"/>
+                <adec:decorative xmlns:adec="http://schemas.microsoft.com/office/drawing/2017/decorative" xmlns="" val="1"/>
               </a:ext>
             </a:extLst>
           </p:cNvPr>
@@ -21211,7 +21691,7 @@
           <a:lstStyle/>
           <a:p>
             <a:r>
-              <a:rPr lang="en-US" sz="4000" kern="1200">
+              <a:rPr lang="en-US" sz="4000" b="1" kern="1200" dirty="0" err="1">
                 <a:solidFill>
                   <a:srgbClr val="FFFFFF"/>
                 </a:solidFill>
@@ -21219,8 +21699,38 @@
                 <a:ea typeface="+mj-ea"/>
                 <a:cs typeface="+mj-cs"/>
               </a:rPr>
-              <a:t>Kopie zapasowe</a:t>
-            </a:r>
+              <a:t>Kopie</a:t>
+            </a:r>
+            <a:r>
+              <a:rPr lang="en-US" sz="4000" b="1" kern="1200" dirty="0">
+                <a:solidFill>
+                  <a:srgbClr val="FFFFFF"/>
+                </a:solidFill>
+                <a:latin typeface="+mj-lt"/>
+                <a:ea typeface="+mj-ea"/>
+                <a:cs typeface="+mj-cs"/>
+              </a:rPr>
+              <a:t> </a:t>
+            </a:r>
+            <a:r>
+              <a:rPr lang="en-US" sz="4000" b="1" kern="1200" dirty="0" err="1">
+                <a:solidFill>
+                  <a:srgbClr val="FFFFFF"/>
+                </a:solidFill>
+                <a:latin typeface="+mj-lt"/>
+                <a:ea typeface="+mj-ea"/>
+                <a:cs typeface="+mj-cs"/>
+              </a:rPr>
+              <a:t>zapasowe</a:t>
+            </a:r>
+            <a:endParaRPr lang="en-US" sz="4000" b="1" kern="1200" dirty="0">
+              <a:solidFill>
+                <a:srgbClr val="FFFFFF"/>
+              </a:solidFill>
+              <a:latin typeface="+mj-lt"/>
+              <a:ea typeface="+mj-ea"/>
+              <a:cs typeface="+mj-cs"/>
+            </a:endParaRPr>
           </a:p>
         </p:txBody>
       </p:sp>
@@ -21239,8 +21749,8 @@
         </p:blipFill>
         <p:spPr>
           <a:xfrm>
-            <a:off x="2138646" y="1966293"/>
-            <a:ext cx="7914706" cy="4452160"/>
+            <a:off x="1471809" y="1722677"/>
+            <a:ext cx="8863379" cy="4985805"/>
           </a:xfrm>
           <a:prstGeom prst="rect">
             <a:avLst/>
@@ -21385,7 +21895,7 @@
                 <a16:creationId xmlns:a16="http://schemas.microsoft.com/office/drawing/2014/main" id="{A8384FB5-9ADC-4DDC-881B-597D56F5B15D}"/>
               </a:ext>
               <a:ext uri="{C183D7F6-B498-43B3-948B-1728B52AA6E4}">
-                <adec:decorative xmlns:adec="http://schemas.microsoft.com/office/drawing/2017/decorative" val="1"/>
+                <adec:decorative xmlns:adec="http://schemas.microsoft.com/office/drawing/2017/decorative" xmlns="" val="1"/>
               </a:ext>
             </a:extLst>
           </p:cNvPr>
@@ -21461,7 +21971,7 @@
                 <a16:creationId xmlns:a16="http://schemas.microsoft.com/office/drawing/2014/main" id="{1199E1B1-A8C0-4FE8-A5A8-1CB41D69F857}"/>
               </a:ext>
               <a:ext uri="{C183D7F6-B498-43B3-948B-1728B52AA6E4}">
-                <adec:decorative xmlns:adec="http://schemas.microsoft.com/office/drawing/2017/decorative" val="1"/>
+                <adec:decorative xmlns:adec="http://schemas.microsoft.com/office/drawing/2017/decorative" xmlns="" val="1"/>
               </a:ext>
             </a:extLst>
           </p:cNvPr>
@@ -21536,7 +22046,7 @@
                 <a16:creationId xmlns:a16="http://schemas.microsoft.com/office/drawing/2014/main" id="{84A8DE83-DE75-4B41-9DB4-A7EC0B0DEC0B}"/>
               </a:ext>
               <a:ext uri="{C183D7F6-B498-43B3-948B-1728B52AA6E4}">
-                <adec:decorative xmlns:adec="http://schemas.microsoft.com/office/drawing/2017/decorative" val="1"/>
+                <adec:decorative xmlns:adec="http://schemas.microsoft.com/office/drawing/2017/decorative" xmlns="" val="1"/>
               </a:ext>
             </a:extLst>
           </p:cNvPr>
@@ -21613,7 +22123,7 @@
                 <a16:creationId xmlns:a16="http://schemas.microsoft.com/office/drawing/2014/main" id="{A7009A0A-BEF5-4EAC-AF15-E4F9F002E239}"/>
               </a:ext>
               <a:ext uri="{C183D7F6-B498-43B3-948B-1728B52AA6E4}">
-                <adec:decorative xmlns:adec="http://schemas.microsoft.com/office/drawing/2017/decorative" val="1"/>
+                <adec:decorative xmlns:adec="http://schemas.microsoft.com/office/drawing/2017/decorative" xmlns="" val="1"/>
               </a:ext>
             </a:extLst>
           </p:cNvPr>
@@ -21703,7 +22213,7 @@
           <a:lstStyle/>
           <a:p>
             <a:r>
-              <a:rPr lang="en-US" sz="4000" kern="1200">
+              <a:rPr lang="en-US" sz="4000" b="1" kern="1200" dirty="0" err="1">
                 <a:solidFill>
                   <a:srgbClr val="FFFFFF"/>
                 </a:solidFill>
@@ -21713,6 +22223,14 @@
               </a:rPr>
               <a:t>Raporty</a:t>
             </a:r>
+            <a:endParaRPr lang="en-US" sz="4000" b="1" kern="1200" dirty="0">
+              <a:solidFill>
+                <a:srgbClr val="FFFFFF"/>
+              </a:solidFill>
+              <a:latin typeface="+mj-lt"/>
+              <a:ea typeface="+mj-ea"/>
+              <a:cs typeface="+mj-cs"/>
+            </a:endParaRPr>
           </a:p>
         </p:txBody>
       </p:sp>
@@ -21731,8 +22249,8 @@
         </p:blipFill>
         <p:spPr>
           <a:xfrm>
-            <a:off x="2138646" y="1966293"/>
-            <a:ext cx="7914706" cy="4452160"/>
+            <a:off x="1421704" y="1655276"/>
+            <a:ext cx="8844590" cy="4975236"/>
           </a:xfrm>
           <a:prstGeom prst="rect">
             <a:avLst/>
@@ -21877,7 +22395,7 @@
                 <a16:creationId xmlns:a16="http://schemas.microsoft.com/office/drawing/2014/main" id="{2596F992-698C-48C0-9D89-70DA4CE927EF}"/>
               </a:ext>
               <a:ext uri="{C183D7F6-B498-43B3-948B-1728B52AA6E4}">
-                <adec:decorative xmlns:adec="http://schemas.microsoft.com/office/drawing/2017/decorative" val="1"/>
+                <adec:decorative xmlns:adec="http://schemas.microsoft.com/office/drawing/2017/decorative" xmlns="" val="1"/>
               </a:ext>
             </a:extLst>
           </p:cNvPr>
@@ -21974,7 +22492,7 @@
           <a:lstStyle/>
           <a:p>
             <a:r>
-              <a:rPr lang="pl-PL" sz="4000" dirty="0"/>
+              <a:rPr lang="pl-PL" sz="4000" b="1" dirty="0"/>
               <a:t>Agenda</a:t>
             </a:r>
           </a:p>
@@ -22004,7 +22522,7 @@
         </p:spPr>
         <p:txBody>
           <a:bodyPr anchor="t">
-            <a:normAutofit/>
+            <a:normAutofit fontScale="92500" lnSpcReduction="10000"/>
           </a:bodyPr>
           <a:lstStyle/>
           <a:p>
@@ -22013,7 +22531,7 @@
               <a:buAutoNum type="arabicPeriod"/>
             </a:pPr>
             <a:r>
-              <a:rPr lang="pl-PL" sz="2000" dirty="0"/>
+              <a:rPr lang="pl-PL" sz="2000" b="1" dirty="0"/>
               <a:t>Uzasadnienie wyboru tematu</a:t>
             </a:r>
           </a:p>
@@ -22023,7 +22541,7 @@
               <a:buAutoNum type="arabicPeriod"/>
             </a:pPr>
             <a:r>
-              <a:rPr lang="pl-PL" sz="2000" dirty="0"/>
+              <a:rPr lang="pl-PL" sz="2000" b="1" dirty="0"/>
               <a:t>Cele główne i szczegółowe</a:t>
             </a:r>
           </a:p>
@@ -22033,7 +22551,7 @@
               <a:buAutoNum type="arabicPeriod"/>
             </a:pPr>
             <a:r>
-              <a:rPr lang="pl-PL" sz="2000" dirty="0"/>
+              <a:rPr lang="pl-PL" sz="2000" b="1" dirty="0"/>
               <a:t>Założenia projektu i omówienie istniejących już rozwiązań</a:t>
             </a:r>
           </a:p>
@@ -22043,7 +22561,7 @@
               <a:buAutoNum type="arabicPeriod"/>
             </a:pPr>
             <a:r>
-              <a:rPr lang="pl-PL" sz="2000" dirty="0"/>
+              <a:rPr lang="pl-PL" sz="2000" b="1" dirty="0"/>
               <a:t>Metodyka pracy i wykorzystane technologie</a:t>
             </a:r>
           </a:p>
@@ -22053,7 +22571,7 @@
               <a:buAutoNum type="arabicPeriod"/>
             </a:pPr>
             <a:r>
-              <a:rPr lang="pl-PL" sz="2000" dirty="0"/>
+              <a:rPr lang="pl-PL" sz="2000" b="1" dirty="0"/>
               <a:t>Diagramy przypadków użycia i aktywności</a:t>
             </a:r>
           </a:p>
@@ -22063,7 +22581,7 @@
               <a:buAutoNum type="arabicPeriod"/>
             </a:pPr>
             <a:r>
-              <a:rPr lang="pl-PL" sz="2000" dirty="0"/>
+              <a:rPr lang="pl-PL" sz="2000" b="1" dirty="0"/>
               <a:t>Efekty realizacji projektu</a:t>
             </a:r>
           </a:p>
@@ -22073,7 +22591,7 @@
               <a:buAutoNum type="arabicPeriod"/>
             </a:pPr>
             <a:r>
-              <a:rPr lang="pl-PL" sz="2000" dirty="0"/>
+              <a:rPr lang="pl-PL" sz="2000" b="1" dirty="0"/>
               <a:t>Podsumowanie</a:t>
             </a:r>
           </a:p>
@@ -22116,7 +22634,7 @@
                 <a16:creationId xmlns:a16="http://schemas.microsoft.com/office/drawing/2014/main" id="{A344AAA5-41F4-4862-97EF-688D31DC7567}"/>
               </a:ext>
               <a:ext uri="{C183D7F6-B498-43B3-948B-1728B52AA6E4}">
-                <adec:decorative xmlns:adec="http://schemas.microsoft.com/office/drawing/2017/decorative" val="1"/>
+                <adec:decorative xmlns:adec="http://schemas.microsoft.com/office/drawing/2017/decorative" xmlns="" val="1"/>
               </a:ext>
             </a:extLst>
           </p:cNvPr>
@@ -22187,7 +22705,7 @@
                 <a16:creationId xmlns:a16="http://schemas.microsoft.com/office/drawing/2014/main" id="{69E1A62C-2AAF-4B3E-8CDB-65E237080997}"/>
               </a:ext>
               <a:ext uri="{C183D7F6-B498-43B3-948B-1728B52AA6E4}">
-                <adec:decorative xmlns:adec="http://schemas.microsoft.com/office/drawing/2017/decorative" val="1"/>
+                <adec:decorative xmlns:adec="http://schemas.microsoft.com/office/drawing/2017/decorative" xmlns="" val="1"/>
               </a:ext>
             </a:extLst>
           </p:cNvPr>
@@ -22300,7 +22818,7 @@
                 <a16:creationId xmlns:a16="http://schemas.microsoft.com/office/drawing/2014/main" id="{9CB95732-565A-4D2C-A3AB-CC460C0D3826}"/>
               </a:ext>
               <a:ext uri="{C183D7F6-B498-43B3-948B-1728B52AA6E4}">
-                <adec:decorative xmlns:adec="http://schemas.microsoft.com/office/drawing/2017/decorative" val="1"/>
+                <adec:decorative xmlns:adec="http://schemas.microsoft.com/office/drawing/2017/decorative" xmlns="" val="1"/>
               </a:ext>
             </a:extLst>
           </p:cNvPr>
@@ -22376,7 +22894,7 @@
                 <a16:creationId xmlns:a16="http://schemas.microsoft.com/office/drawing/2014/main" id="{E19B653C-798C-4333-8452-3DF3AE3C1D11}"/>
               </a:ext>
               <a:ext uri="{C183D7F6-B498-43B3-948B-1728B52AA6E4}">
-                <adec:decorative xmlns:adec="http://schemas.microsoft.com/office/drawing/2017/decorative" val="1"/>
+                <adec:decorative xmlns:adec="http://schemas.microsoft.com/office/drawing/2017/decorative" xmlns="" val="1"/>
               </a:ext>
             </a:extLst>
           </p:cNvPr>
@@ -22451,7 +22969,7 @@
                 <a16:creationId xmlns:a16="http://schemas.microsoft.com/office/drawing/2014/main" id="{0FE50278-E2EC-42B2-A1F1-921DD39901C4}"/>
               </a:ext>
               <a:ext uri="{C183D7F6-B498-43B3-948B-1728B52AA6E4}">
-                <adec:decorative xmlns:adec="http://schemas.microsoft.com/office/drawing/2017/decorative" val="1"/>
+                <adec:decorative xmlns:adec="http://schemas.microsoft.com/office/drawing/2017/decorative" xmlns="" val="1"/>
               </a:ext>
             </a:extLst>
           </p:cNvPr>
@@ -22526,7 +23044,7 @@
                 <a16:creationId xmlns:a16="http://schemas.microsoft.com/office/drawing/2014/main" id="{1236153F-0DB4-40DD-87C6-B40C1B7E282C}"/>
               </a:ext>
               <a:ext uri="{C183D7F6-B498-43B3-948B-1728B52AA6E4}">
-                <adec:decorative xmlns:adec="http://schemas.microsoft.com/office/drawing/2017/decorative" val="1"/>
+                <adec:decorative xmlns:adec="http://schemas.microsoft.com/office/drawing/2017/decorative" xmlns="" val="1"/>
               </a:ext>
             </a:extLst>
           </p:cNvPr>
@@ -22617,13 +23135,18 @@
           <a:lstStyle/>
           <a:p>
             <a:r>
-              <a:rPr lang="en-US" sz="4000">
+              <a:rPr lang="en-US" sz="4000" b="1" dirty="0" err="1">
                 <a:solidFill>
                   <a:srgbClr val="FFFFFF"/>
                 </a:solidFill>
               </a:rPr>
               <a:t>Raporty</a:t>
             </a:r>
+            <a:endParaRPr lang="en-US" sz="4000" b="1" dirty="0">
+              <a:solidFill>
+                <a:srgbClr val="FFFFFF"/>
+              </a:solidFill>
+            </a:endParaRPr>
           </a:p>
         </p:txBody>
       </p:sp>
@@ -22749,7 +23272,7 @@
                 <a16:creationId xmlns:a16="http://schemas.microsoft.com/office/drawing/2014/main" id="{09588DA8-065E-4F6F-8EFD-43104AB2E0CF}"/>
               </a:ext>
               <a:ext uri="{C183D7F6-B498-43B3-948B-1728B52AA6E4}">
-                <adec:decorative xmlns:adec="http://schemas.microsoft.com/office/drawing/2017/decorative" val="1"/>
+                <adec:decorative xmlns:adec="http://schemas.microsoft.com/office/drawing/2017/decorative" xmlns="" val="1"/>
               </a:ext>
             </a:extLst>
           </p:cNvPr>
@@ -22825,7 +23348,7 @@
                 <a16:creationId xmlns:a16="http://schemas.microsoft.com/office/drawing/2014/main" id="{C4285719-470E-454C-AF62-8323075F1F5B}"/>
               </a:ext>
               <a:ext uri="{C183D7F6-B498-43B3-948B-1728B52AA6E4}">
-                <adec:decorative xmlns:adec="http://schemas.microsoft.com/office/drawing/2017/decorative" val="1"/>
+                <adec:decorative xmlns:adec="http://schemas.microsoft.com/office/drawing/2017/decorative" xmlns="" val="1"/>
               </a:ext>
             </a:extLst>
           </p:cNvPr>
@@ -22901,7 +23424,7 @@
                 <a16:creationId xmlns:a16="http://schemas.microsoft.com/office/drawing/2014/main" id="{CD9FE4EF-C4D8-49A0-B2FF-81D8DB7D8A24}"/>
               </a:ext>
               <a:ext uri="{C183D7F6-B498-43B3-948B-1728B52AA6E4}">
-                <adec:decorative xmlns:adec="http://schemas.microsoft.com/office/drawing/2017/decorative" val="1"/>
+                <adec:decorative xmlns:adec="http://schemas.microsoft.com/office/drawing/2017/decorative" xmlns="" val="1"/>
               </a:ext>
             </a:extLst>
           </p:cNvPr>
@@ -22974,7 +23497,7 @@
                 <a16:creationId xmlns:a16="http://schemas.microsoft.com/office/drawing/2014/main" id="{4300840D-0A0B-4512-BACA-B439D5B9C57C}"/>
               </a:ext>
               <a:ext uri="{C183D7F6-B498-43B3-948B-1728B52AA6E4}">
-                <adec:decorative xmlns:adec="http://schemas.microsoft.com/office/drawing/2017/decorative" val="1"/>
+                <adec:decorative xmlns:adec="http://schemas.microsoft.com/office/drawing/2017/decorative" xmlns="" val="1"/>
               </a:ext>
             </a:extLst>
           </p:cNvPr>
@@ -23049,7 +23572,7 @@
                 <a16:creationId xmlns:a16="http://schemas.microsoft.com/office/drawing/2014/main" id="{D2B78728-A580-49A7-84F9-6EF6F583ADE0}"/>
               </a:ext>
               <a:ext uri="{C183D7F6-B498-43B3-948B-1728B52AA6E4}">
-                <adec:decorative xmlns:adec="http://schemas.microsoft.com/office/drawing/2017/decorative" val="1"/>
+                <adec:decorative xmlns:adec="http://schemas.microsoft.com/office/drawing/2017/decorative" xmlns="" val="1"/>
               </a:ext>
             </a:extLst>
           </p:cNvPr>
@@ -23124,7 +23647,7 @@
                 <a16:creationId xmlns:a16="http://schemas.microsoft.com/office/drawing/2014/main" id="{38FAA1A1-D861-433F-88FA-1E9D6FD31D11}"/>
               </a:ext>
               <a:ext uri="{C183D7F6-B498-43B3-948B-1728B52AA6E4}">
-                <adec:decorative xmlns:adec="http://schemas.microsoft.com/office/drawing/2017/decorative" val="1"/>
+                <adec:decorative xmlns:adec="http://schemas.microsoft.com/office/drawing/2017/decorative" xmlns="" val="1"/>
               </a:ext>
             </a:extLst>
           </p:cNvPr>
@@ -23294,7 +23817,7 @@
                 <a16:creationId xmlns:a16="http://schemas.microsoft.com/office/drawing/2014/main" id="{8D71EDA1-87BF-4D5D-AB79-F346FD19278A}"/>
               </a:ext>
               <a:ext uri="{C183D7F6-B498-43B3-948B-1728B52AA6E4}">
-                <adec:decorative xmlns:adec="http://schemas.microsoft.com/office/drawing/2017/decorative" val="1"/>
+                <adec:decorative xmlns:adec="http://schemas.microsoft.com/office/drawing/2017/decorative" xmlns="" val="1"/>
               </a:ext>
             </a:extLst>
           </p:cNvPr>
@@ -23381,8 +23904,8 @@
         </p:nvSpPr>
         <p:spPr>
           <a:xfrm>
-            <a:off x="466722" y="586855"/>
-            <a:ext cx="3201366" cy="3387497"/>
+            <a:off x="295515" y="361387"/>
+            <a:ext cx="3605458" cy="3387497"/>
           </a:xfrm>
         </p:spPr>
         <p:txBody>
@@ -23393,7 +23916,7 @@
           <a:p>
             <a:pPr algn="r"/>
             <a:r>
-              <a:rPr lang="pl-PL" sz="3700">
+              <a:rPr lang="pl-PL" sz="3700" b="1" dirty="0">
                 <a:solidFill>
                   <a:srgbClr val="FFFFFF"/>
                 </a:solidFill>
@@ -23427,7 +23950,7 @@
         </p:spPr>
         <p:txBody>
           <a:bodyPr vert="horz" lIns="91440" tIns="45720" rIns="91440" bIns="45720" rtlCol="0" anchor="ctr">
-            <a:normAutofit lnSpcReduction="10000"/>
+            <a:normAutofit fontScale="85000" lnSpcReduction="20000"/>
           </a:bodyPr>
           <a:lstStyle/>
           <a:p>
@@ -23435,526 +23958,526 @@
               <a:buNone/>
             </a:pPr>
             <a:r>
-              <a:rPr lang="en-US" sz="2000" dirty="0" err="1"/>
+              <a:rPr lang="en-US" sz="2000" b="1" dirty="0" err="1"/>
               <a:t>Propozycja</a:t>
             </a:r>
             <a:r>
-              <a:rPr lang="en-US" sz="2000" dirty="0"/>
+              <a:rPr lang="en-US" sz="2000" b="1" dirty="0"/>
               <a:t> </a:t>
             </a:r>
             <a:r>
-              <a:rPr lang="en-US" sz="2000" dirty="0" err="1"/>
+              <a:rPr lang="en-US" sz="2000" b="1" dirty="0" err="1"/>
               <a:t>usprawnienia</a:t>
             </a:r>
             <a:r>
-              <a:rPr lang="en-US" sz="2000" dirty="0"/>
+              <a:rPr lang="en-US" sz="2000" b="1" dirty="0"/>
               <a:t> </a:t>
             </a:r>
             <a:r>
-              <a:rPr lang="en-US" sz="2000" dirty="0" err="1"/>
+              <a:rPr lang="en-US" sz="2000" b="1" dirty="0" err="1"/>
               <a:t>pracy</a:t>
             </a:r>
             <a:r>
-              <a:rPr lang="en-US" sz="2000" dirty="0"/>
+              <a:rPr lang="en-US" sz="2000" b="1" dirty="0"/>
               <a:t> </a:t>
             </a:r>
             <a:r>
-              <a:rPr lang="en-US" sz="2000" dirty="0" err="1"/>
+              <a:rPr lang="en-US" sz="2000" b="1" dirty="0" err="1"/>
               <a:t>pracowników</a:t>
             </a:r>
             <a:r>
-              <a:rPr lang="en-US" sz="2000" dirty="0"/>
+              <a:rPr lang="en-US" sz="2000" b="1" dirty="0"/>
               <a:t> </a:t>
             </a:r>
             <a:r>
-              <a:rPr lang="en-US" sz="2000" dirty="0" err="1"/>
+              <a:rPr lang="en-US" sz="2000" b="1" dirty="0" err="1"/>
               <a:t>muzeum</a:t>
             </a:r>
             <a:r>
-              <a:rPr lang="en-US" sz="2000" dirty="0"/>
+              <a:rPr lang="en-US" sz="2000" b="1" dirty="0"/>
               <a:t> </a:t>
             </a:r>
             <a:r>
-              <a:rPr lang="en-US" sz="2000" dirty="0" err="1"/>
+              <a:rPr lang="en-US" sz="2000" b="1" dirty="0" err="1"/>
               <a:t>poprzez</a:t>
             </a:r>
             <a:r>
-              <a:rPr lang="en-US" sz="2000" dirty="0"/>
+              <a:rPr lang="en-US" sz="2000" b="1" dirty="0"/>
               <a:t>:</a:t>
             </a:r>
           </a:p>
           <a:p>
             <a:r>
-              <a:rPr lang="en-US" sz="2000" dirty="0" err="1"/>
+              <a:rPr lang="en-US" sz="2000" b="1" dirty="0" err="1"/>
               <a:t>proste</a:t>
             </a:r>
             <a:r>
-              <a:rPr lang="en-US" sz="2000" dirty="0"/>
+              <a:rPr lang="en-US" sz="2000" b="1" dirty="0"/>
               <a:t> </a:t>
             </a:r>
             <a:r>
-              <a:rPr lang="en-US" sz="2000" dirty="0" err="1"/>
+              <a:rPr lang="en-US" sz="2000" b="1" dirty="0" err="1"/>
               <a:t>przejrzyste</a:t>
             </a:r>
             <a:r>
-              <a:rPr lang="en-US" sz="2000" dirty="0"/>
+              <a:rPr lang="en-US" sz="2000" b="1" dirty="0"/>
               <a:t> </a:t>
             </a:r>
             <a:r>
-              <a:rPr lang="en-US" sz="2000" dirty="0" err="1"/>
+              <a:rPr lang="en-US" sz="2000" b="1" dirty="0" err="1"/>
               <a:t>raporty</a:t>
             </a:r>
             <a:r>
-              <a:rPr lang="pl-PL" sz="2000" dirty="0"/>
+              <a:rPr lang="pl-PL" sz="2000" b="1" dirty="0"/>
               <a:t>,</a:t>
             </a:r>
-            <a:endParaRPr lang="en-US" sz="2000" dirty="0"/>
+            <a:endParaRPr lang="en-US" sz="2000" b="1" dirty="0"/>
           </a:p>
           <a:p>
             <a:r>
-              <a:rPr lang="en-US" sz="2000" dirty="0" err="1"/>
+              <a:rPr lang="en-US" sz="2000" b="1" dirty="0" err="1"/>
               <a:t>lokalną</a:t>
             </a:r>
             <a:r>
-              <a:rPr lang="en-US" sz="2000" dirty="0"/>
+              <a:rPr lang="en-US" sz="2000" b="1" dirty="0"/>
               <a:t> </a:t>
             </a:r>
             <a:r>
-              <a:rPr lang="en-US" sz="2000" dirty="0" err="1"/>
+              <a:rPr lang="en-US" sz="2000" b="1" dirty="0" err="1"/>
               <a:t>bazę</a:t>
             </a:r>
             <a:r>
-              <a:rPr lang="en-US" sz="2000" dirty="0"/>
+              <a:rPr lang="en-US" sz="2000" b="1" dirty="0"/>
               <a:t> z </a:t>
             </a:r>
             <a:r>
-              <a:rPr lang="en-US" sz="2000" dirty="0" err="1"/>
+              <a:rPr lang="en-US" sz="2000" b="1" dirty="0" err="1"/>
               <a:t>możliwością</a:t>
             </a:r>
             <a:r>
-              <a:rPr lang="en-US" sz="2000" dirty="0"/>
+              <a:rPr lang="en-US" sz="2000" b="1" dirty="0"/>
               <a:t> </a:t>
             </a:r>
             <a:r>
-              <a:rPr lang="en-US" sz="2000" dirty="0" err="1"/>
+              <a:rPr lang="en-US" sz="2000" b="1" dirty="0" err="1"/>
               <a:t>jej</a:t>
             </a:r>
             <a:r>
-              <a:rPr lang="en-US" sz="2000" dirty="0"/>
+              <a:rPr lang="en-US" sz="2000" b="1" dirty="0"/>
               <a:t> </a:t>
             </a:r>
             <a:r>
-              <a:rPr lang="en-US" sz="2000" dirty="0" err="1"/>
+              <a:rPr lang="en-US" sz="2000" b="1" dirty="0" err="1"/>
               <a:t>kopiowania</a:t>
             </a:r>
             <a:r>
-              <a:rPr lang="en-US" sz="2000" dirty="0"/>
+              <a:rPr lang="en-US" sz="2000" b="1" dirty="0"/>
               <a:t> </a:t>
             </a:r>
             <a:r>
-              <a:rPr lang="en-US" sz="2000" dirty="0" err="1"/>
+              <a:rPr lang="en-US" sz="2000" b="1" dirty="0" err="1"/>
               <a:t>i</a:t>
             </a:r>
             <a:r>
-              <a:rPr lang="en-US" sz="2000" dirty="0"/>
+              <a:rPr lang="en-US" sz="2000" b="1" dirty="0"/>
               <a:t> </a:t>
             </a:r>
             <a:r>
-              <a:rPr lang="en-US" sz="2000" dirty="0" err="1"/>
+              <a:rPr lang="en-US" sz="2000" b="1" dirty="0" err="1"/>
               <a:t>rozbudowy</a:t>
             </a:r>
             <a:r>
-              <a:rPr lang="pl-PL" sz="2000" dirty="0"/>
+              <a:rPr lang="pl-PL" sz="2000" b="1" dirty="0"/>
               <a:t>,</a:t>
             </a:r>
-            <a:endParaRPr lang="en-US" sz="2000" dirty="0"/>
+            <a:endParaRPr lang="en-US" sz="2000" b="1" dirty="0"/>
           </a:p>
           <a:p>
             <a:r>
-              <a:rPr lang="pl-PL" sz="2000" dirty="0"/>
+              <a:rPr lang="pl-PL" sz="2000" b="1" dirty="0"/>
               <a:t>r</a:t>
             </a:r>
             <a:r>
-              <a:rPr lang="en-US" sz="2000" dirty="0" err="1"/>
+              <a:rPr lang="en-US" sz="2000" b="1" dirty="0" err="1"/>
               <a:t>ejestrowanie</a:t>
             </a:r>
             <a:r>
-              <a:rPr lang="en-US" sz="2000" dirty="0"/>
+              <a:rPr lang="en-US" sz="2000" b="1" dirty="0"/>
               <a:t> </a:t>
             </a:r>
             <a:r>
-              <a:rPr lang="en-US" sz="2000" dirty="0" err="1"/>
+              <a:rPr lang="en-US" sz="2000" b="1" dirty="0" err="1"/>
               <a:t>zdarzeń</a:t>
             </a:r>
             <a:r>
-              <a:rPr lang="en-US" sz="2000" dirty="0"/>
+              <a:rPr lang="en-US" sz="2000" b="1" dirty="0"/>
               <a:t>, </a:t>
             </a:r>
             <a:r>
-              <a:rPr lang="en-US" sz="2000" dirty="0" err="1"/>
+              <a:rPr lang="en-US" sz="2000" b="1" dirty="0" err="1"/>
               <a:t>eventów</a:t>
             </a:r>
             <a:r>
-              <a:rPr lang="pl-PL" sz="2000" dirty="0"/>
+              <a:rPr lang="pl-PL" sz="2000" b="1" dirty="0"/>
               <a:t>,</a:t>
             </a:r>
-            <a:endParaRPr lang="en-US" sz="2000" dirty="0"/>
+            <a:endParaRPr lang="en-US" sz="2000" b="1" dirty="0"/>
           </a:p>
           <a:p>
             <a:r>
-              <a:rPr lang="pl-PL" sz="2000" dirty="0"/>
+              <a:rPr lang="pl-PL" sz="2000" b="1" dirty="0"/>
               <a:t>z</a:t>
             </a:r>
             <a:r>
-              <a:rPr lang="en-US" sz="2000" dirty="0" err="1"/>
+              <a:rPr lang="en-US" sz="2000" b="1" dirty="0" err="1"/>
               <a:t>automatyzowanie</a:t>
             </a:r>
             <a:r>
-              <a:rPr lang="en-US" sz="2000" dirty="0"/>
+              <a:rPr lang="en-US" sz="2000" b="1" dirty="0"/>
               <a:t> </a:t>
             </a:r>
             <a:r>
-              <a:rPr lang="en-US" sz="2000" dirty="0" err="1"/>
+              <a:rPr lang="en-US" sz="2000" b="1" dirty="0" err="1"/>
               <a:t>powiadomień</a:t>
             </a:r>
             <a:r>
-              <a:rPr lang="en-US" sz="2000" dirty="0"/>
+              <a:rPr lang="en-US" sz="2000" b="1" dirty="0"/>
               <a:t> o </a:t>
             </a:r>
             <a:r>
-              <a:rPr lang="en-US" sz="2000" dirty="0" err="1"/>
+              <a:rPr lang="en-US" sz="2000" b="1" dirty="0" err="1"/>
               <a:t>eventach</a:t>
             </a:r>
             <a:r>
-              <a:rPr lang="pl-PL" sz="2000" dirty="0"/>
+              <a:rPr lang="pl-PL" sz="2000" b="1" dirty="0"/>
               <a:t>,</a:t>
             </a:r>
-            <a:endParaRPr lang="en-US" sz="2000" dirty="0"/>
+            <a:endParaRPr lang="en-US" sz="2000" b="1" dirty="0"/>
           </a:p>
           <a:p>
             <a:r>
-              <a:rPr lang="pl-PL" sz="2000" dirty="0"/>
+              <a:rPr lang="pl-PL" sz="2000" b="1" dirty="0"/>
               <a:t>w</a:t>
             </a:r>
             <a:r>
-              <a:rPr lang="en-US" sz="2000" dirty="0" err="1"/>
+              <a:rPr lang="en-US" sz="2000" b="1" dirty="0" err="1"/>
               <a:t>prowadzenie</a:t>
             </a:r>
             <a:r>
-              <a:rPr lang="en-US" sz="2000" dirty="0"/>
+              <a:rPr lang="en-US" sz="2000" b="1" dirty="0"/>
               <a:t> </a:t>
             </a:r>
             <a:r>
-              <a:rPr lang="en-US" sz="2000" dirty="0" err="1"/>
+              <a:rPr lang="en-US" sz="2000" b="1" dirty="0" err="1"/>
               <a:t>roli</a:t>
             </a:r>
             <a:r>
-              <a:rPr lang="en-US" sz="2000" dirty="0"/>
+              <a:rPr lang="en-US" sz="2000" b="1" dirty="0"/>
               <a:t> </a:t>
             </a:r>
             <a:r>
-              <a:rPr lang="en-US" sz="2000" dirty="0" err="1"/>
+              <a:rPr lang="en-US" sz="2000" b="1" dirty="0" err="1"/>
               <a:t>użytkowników</a:t>
             </a:r>
             <a:r>
-              <a:rPr lang="en-US" sz="2000" dirty="0"/>
+              <a:rPr lang="en-US" sz="2000" b="1" dirty="0"/>
               <a:t> </a:t>
             </a:r>
             <a:r>
-              <a:rPr lang="en-US" sz="2000" dirty="0" err="1"/>
+              <a:rPr lang="en-US" sz="2000" b="1" dirty="0" err="1"/>
               <a:t>i</a:t>
             </a:r>
             <a:r>
-              <a:rPr lang="en-US" sz="2000" dirty="0"/>
+              <a:rPr lang="en-US" sz="2000" b="1" dirty="0"/>
               <a:t> </a:t>
             </a:r>
             <a:r>
-              <a:rPr lang="en-US" sz="2000" dirty="0" err="1"/>
+              <a:rPr lang="en-US" sz="2000" b="1" dirty="0" err="1"/>
               <a:t>zarządzanie</a:t>
             </a:r>
             <a:r>
-              <a:rPr lang="en-US" sz="2000" dirty="0"/>
+              <a:rPr lang="en-US" sz="2000" b="1" dirty="0"/>
               <a:t> </a:t>
             </a:r>
             <a:r>
-              <a:rPr lang="en-US" sz="2000" dirty="0" err="1"/>
+              <a:rPr lang="en-US" sz="2000" b="1" dirty="0" err="1"/>
               <a:t>nimi</a:t>
             </a:r>
             <a:r>
-              <a:rPr lang="pl-PL" sz="2000" dirty="0"/>
+              <a:rPr lang="pl-PL" sz="2000" b="1" dirty="0"/>
               <a:t>.</a:t>
             </a:r>
           </a:p>
           <a:p>
-            <a:endParaRPr lang="pl-PL" sz="2000" dirty="0"/>
+            <a:endParaRPr lang="pl-PL" sz="2000" b="1" dirty="0"/>
           </a:p>
           <a:p>
-            <a:endParaRPr lang="pl-PL" sz="2000" dirty="0"/>
+            <a:endParaRPr lang="pl-PL" sz="2000" b="1" dirty="0"/>
           </a:p>
           <a:p>
             <a:pPr marL="0" indent="0">
               <a:buNone/>
             </a:pPr>
             <a:r>
-              <a:rPr lang="en-US" sz="2000" dirty="0" err="1"/>
+              <a:rPr lang="en-US" sz="2000" b="1" dirty="0" err="1"/>
               <a:t>Zaimplementowanie</a:t>
             </a:r>
             <a:r>
-              <a:rPr lang="en-US" sz="2000" dirty="0"/>
+              <a:rPr lang="en-US" sz="2000" b="1" dirty="0"/>
               <a:t> </a:t>
             </a:r>
             <a:r>
-              <a:rPr lang="en-US" sz="2000" dirty="0" err="1"/>
+              <a:rPr lang="en-US" sz="2000" b="1" dirty="0" err="1"/>
               <a:t>aplikacji</a:t>
             </a:r>
             <a:r>
-              <a:rPr lang="en-US" sz="2000" dirty="0"/>
+              <a:rPr lang="en-US" sz="2000" b="1" dirty="0"/>
               <a:t> </a:t>
             </a:r>
             <a:r>
-              <a:rPr lang="en-US" sz="2000" dirty="0" err="1"/>
+              <a:rPr lang="en-US" sz="2000" b="1" dirty="0" err="1"/>
               <a:t>wiąże</a:t>
             </a:r>
             <a:r>
-              <a:rPr lang="en-US" sz="2000" dirty="0"/>
+              <a:rPr lang="en-US" sz="2000" b="1" dirty="0"/>
               <a:t> </a:t>
             </a:r>
             <a:r>
-              <a:rPr lang="en-US" sz="2000" dirty="0" err="1"/>
+              <a:rPr lang="en-US" sz="2000" b="1" dirty="0" err="1"/>
               <a:t>się</a:t>
             </a:r>
             <a:r>
-              <a:rPr lang="en-US" sz="2000" dirty="0"/>
+              <a:rPr lang="en-US" sz="2000" b="1" dirty="0"/>
               <a:t> z:</a:t>
             </a:r>
           </a:p>
           <a:p>
             <a:r>
-              <a:rPr lang="pl-PL" sz="2000" dirty="0"/>
+              <a:rPr lang="pl-PL" sz="2000" b="1" dirty="0"/>
               <a:t>n</a:t>
             </a:r>
             <a:r>
-              <a:rPr lang="en-US" sz="2000" dirty="0" err="1"/>
+              <a:rPr lang="en-US" sz="2000" b="1" dirty="0" err="1"/>
               <a:t>iskimi</a:t>
             </a:r>
             <a:r>
-              <a:rPr lang="en-US" sz="2000" dirty="0"/>
+              <a:rPr lang="en-US" sz="2000" b="1" dirty="0"/>
               <a:t> </a:t>
             </a:r>
             <a:r>
-              <a:rPr lang="en-US" sz="2000" dirty="0" err="1"/>
+              <a:rPr lang="en-US" sz="2000" b="1" dirty="0" err="1"/>
               <a:t>wymaganiami</a:t>
             </a:r>
             <a:r>
-              <a:rPr lang="en-US" sz="2000" dirty="0"/>
+              <a:rPr lang="en-US" sz="2000" b="1" dirty="0"/>
               <a:t> </a:t>
             </a:r>
             <a:r>
-              <a:rPr lang="en-US" sz="2000" dirty="0" err="1"/>
+              <a:rPr lang="en-US" sz="2000" b="1" dirty="0" err="1"/>
               <a:t>wdrożeniowymi</a:t>
             </a:r>
             <a:r>
-              <a:rPr lang="en-US" sz="2000" dirty="0"/>
+              <a:rPr lang="en-US" sz="2000" b="1" dirty="0"/>
               <a:t> (</a:t>
             </a:r>
             <a:r>
-              <a:rPr lang="en-US" sz="2000" dirty="0" err="1"/>
+              <a:rPr lang="en-US" sz="2000" b="1" dirty="0" err="1"/>
               <a:t>brak</a:t>
             </a:r>
             <a:r>
-              <a:rPr lang="en-US" sz="2000" dirty="0"/>
+              <a:rPr lang="en-US" sz="2000" b="1" dirty="0"/>
               <a:t> </a:t>
             </a:r>
             <a:r>
-              <a:rPr lang="en-US" sz="2000" dirty="0" err="1"/>
+              <a:rPr lang="en-US" sz="2000" b="1" dirty="0" err="1"/>
               <a:t>serwera</a:t>
             </a:r>
             <a:r>
-              <a:rPr lang="en-US" sz="2000" dirty="0"/>
+              <a:rPr lang="en-US" sz="2000" b="1" dirty="0"/>
               <a:t>, </a:t>
             </a:r>
             <a:r>
-              <a:rPr lang="en-US" sz="2000" dirty="0" err="1"/>
+              <a:rPr lang="en-US" sz="2000" b="1" dirty="0" err="1"/>
               <a:t>lekka</a:t>
             </a:r>
             <a:r>
-              <a:rPr lang="en-US" sz="2000" dirty="0"/>
+              <a:rPr lang="en-US" sz="2000" b="1" dirty="0"/>
               <a:t> </a:t>
             </a:r>
             <a:r>
-              <a:rPr lang="en-US" sz="2000" dirty="0" err="1"/>
+              <a:rPr lang="en-US" sz="2000" b="1" dirty="0" err="1"/>
               <a:t>aplikacja</a:t>
             </a:r>
             <a:r>
-              <a:rPr lang="en-US" sz="2000" dirty="0"/>
+              <a:rPr lang="en-US" sz="2000" b="1" dirty="0"/>
               <a:t>, </a:t>
             </a:r>
             <a:r>
-              <a:rPr lang="en-US" sz="2000" dirty="0" err="1"/>
+              <a:rPr lang="en-US" sz="2000" b="1" dirty="0" err="1"/>
               <a:t>niskie</a:t>
             </a:r>
             <a:r>
-              <a:rPr lang="en-US" sz="2000" dirty="0"/>
+              <a:rPr lang="en-US" sz="2000" b="1" dirty="0"/>
               <a:t> </a:t>
             </a:r>
             <a:r>
-              <a:rPr lang="en-US" sz="2000" dirty="0" err="1"/>
+              <a:rPr lang="en-US" sz="2000" b="1" dirty="0" err="1"/>
               <a:t>zużycie</a:t>
             </a:r>
             <a:r>
-              <a:rPr lang="en-US" sz="2000" dirty="0"/>
+              <a:rPr lang="en-US" sz="2000" b="1" dirty="0"/>
               <a:t> </a:t>
             </a:r>
             <a:r>
-              <a:rPr lang="en-US" sz="2000" dirty="0" err="1"/>
+              <a:rPr lang="en-US" sz="2000" b="1" dirty="0" err="1"/>
               <a:t>zasobów</a:t>
             </a:r>
             <a:r>
-              <a:rPr lang="en-US" sz="2000" dirty="0"/>
+              <a:rPr lang="en-US" sz="2000" b="1" dirty="0"/>
               <a:t>)</a:t>
             </a:r>
             <a:r>
-              <a:rPr lang="pl-PL" sz="2000" dirty="0"/>
+              <a:rPr lang="pl-PL" sz="2000" b="1" dirty="0"/>
               <a:t>,</a:t>
             </a:r>
-            <a:endParaRPr lang="en-US" sz="2000" dirty="0"/>
+            <a:endParaRPr lang="en-US" sz="2000" b="1" dirty="0"/>
           </a:p>
           <a:p>
             <a:r>
-              <a:rPr lang="pl-PL" sz="2000" dirty="0"/>
+              <a:rPr lang="pl-PL" sz="2000" b="1" dirty="0"/>
               <a:t>b</a:t>
             </a:r>
             <a:r>
-              <a:rPr lang="en-US" sz="2000" dirty="0" err="1"/>
+              <a:rPr lang="en-US" sz="2000" b="1" dirty="0" err="1"/>
               <a:t>rakiem</a:t>
             </a:r>
             <a:r>
-              <a:rPr lang="en-US" sz="2000" dirty="0"/>
+              <a:rPr lang="en-US" sz="2000" b="1" dirty="0"/>
               <a:t> </a:t>
             </a:r>
             <a:r>
-              <a:rPr lang="en-US" sz="2000" dirty="0" err="1"/>
+              <a:rPr lang="en-US" sz="2000" b="1" dirty="0" err="1"/>
               <a:t>potrzeby</a:t>
             </a:r>
             <a:r>
-              <a:rPr lang="en-US" sz="2000" dirty="0"/>
+              <a:rPr lang="en-US" sz="2000" b="1" dirty="0"/>
               <a:t> </a:t>
             </a:r>
             <a:r>
-              <a:rPr lang="en-US" sz="2000" dirty="0" err="1"/>
+              <a:rPr lang="en-US" sz="2000" b="1" dirty="0" err="1"/>
               <a:t>szkolenia</a:t>
             </a:r>
             <a:r>
-              <a:rPr lang="en-US" sz="2000" dirty="0"/>
+              <a:rPr lang="en-US" sz="2000" b="1" dirty="0"/>
               <a:t> w </a:t>
             </a:r>
             <a:r>
-              <a:rPr lang="en-US" sz="2000" dirty="0" err="1"/>
+              <a:rPr lang="en-US" sz="2000" b="1" dirty="0" err="1"/>
               <a:t>zakresie</a:t>
             </a:r>
             <a:r>
-              <a:rPr lang="en-US" sz="2000" dirty="0"/>
+              <a:rPr lang="en-US" sz="2000" b="1" dirty="0"/>
               <a:t> </a:t>
             </a:r>
             <a:r>
-              <a:rPr lang="en-US" sz="2000" dirty="0" err="1"/>
+              <a:rPr lang="en-US" sz="2000" b="1" dirty="0" err="1"/>
               <a:t>tej</a:t>
             </a:r>
             <a:r>
-              <a:rPr lang="en-US" sz="2000" dirty="0"/>
+              <a:rPr lang="en-US" sz="2000" b="1" dirty="0"/>
               <a:t> </a:t>
             </a:r>
             <a:r>
-              <a:rPr lang="en-US" sz="2000" dirty="0" err="1"/>
+              <a:rPr lang="en-US" sz="2000" b="1" dirty="0" err="1"/>
               <a:t>aplikacji</a:t>
             </a:r>
             <a:r>
-              <a:rPr lang="pl-PL" sz="2000" dirty="0"/>
+              <a:rPr lang="pl-PL" sz="2000" b="1" dirty="0"/>
               <a:t>,</a:t>
             </a:r>
-            <a:endParaRPr lang="en-US" sz="2000" dirty="0"/>
+            <a:endParaRPr lang="en-US" sz="2000" b="1" dirty="0"/>
           </a:p>
           <a:p>
             <a:r>
-              <a:rPr lang="pl-PL" sz="2000" dirty="0"/>
+              <a:rPr lang="pl-PL" sz="2000" b="1" dirty="0"/>
               <a:t>p</a:t>
             </a:r>
             <a:r>
-              <a:rPr lang="en-US" sz="2000" dirty="0" err="1"/>
+              <a:rPr lang="en-US" sz="2000" b="1" dirty="0" err="1"/>
               <a:t>ełną</a:t>
             </a:r>
             <a:r>
-              <a:rPr lang="en-US" sz="2000" dirty="0"/>
+              <a:rPr lang="en-US" sz="2000" b="1" dirty="0"/>
               <a:t> </a:t>
             </a:r>
             <a:r>
-              <a:rPr lang="en-US" sz="2000" dirty="0" err="1"/>
+              <a:rPr lang="en-US" sz="2000" b="1" dirty="0" err="1"/>
               <a:t>kontrolą</a:t>
             </a:r>
             <a:r>
-              <a:rPr lang="en-US" sz="2000" dirty="0"/>
+              <a:rPr lang="en-US" sz="2000" b="1" dirty="0"/>
               <a:t> </a:t>
             </a:r>
             <a:r>
-              <a:rPr lang="en-US" sz="2000" dirty="0" err="1"/>
+              <a:rPr lang="en-US" sz="2000" b="1" dirty="0" err="1"/>
               <a:t>i</a:t>
             </a:r>
             <a:r>
-              <a:rPr lang="en-US" sz="2000" dirty="0"/>
+              <a:rPr lang="en-US" sz="2000" b="1" dirty="0"/>
               <a:t> </a:t>
             </a:r>
             <a:r>
-              <a:rPr lang="en-US" sz="2000" dirty="0" err="1"/>
+              <a:rPr lang="en-US" sz="2000" b="1" dirty="0" err="1"/>
               <a:t>niezależnością</a:t>
             </a:r>
             <a:r>
-              <a:rPr lang="en-US" sz="2000" dirty="0"/>
+              <a:rPr lang="en-US" sz="2000" b="1" dirty="0"/>
               <a:t> </a:t>
             </a:r>
             <a:r>
-              <a:rPr lang="en-US" sz="2000" dirty="0" err="1"/>
+              <a:rPr lang="en-US" sz="2000" b="1" dirty="0" err="1"/>
               <a:t>muzeum</a:t>
             </a:r>
             <a:r>
-              <a:rPr lang="en-US" sz="2000" dirty="0"/>
+              <a:rPr lang="en-US" sz="2000" b="1" dirty="0"/>
               <a:t> od </a:t>
             </a:r>
             <a:r>
-              <a:rPr lang="en-US" sz="2000" dirty="0" err="1"/>
+              <a:rPr lang="en-US" sz="2000" b="1" dirty="0" err="1"/>
               <a:t>dostawcy</a:t>
             </a:r>
             <a:r>
-              <a:rPr lang="pl-PL" sz="2000" dirty="0"/>
+              <a:rPr lang="pl-PL" sz="2000" b="1" dirty="0"/>
               <a:t>,</a:t>
             </a:r>
-            <a:endParaRPr lang="en-US" sz="2000" dirty="0"/>
+            <a:endParaRPr lang="en-US" sz="2000" b="1" dirty="0"/>
           </a:p>
           <a:p>
             <a:r>
-              <a:rPr lang="pl-PL" sz="2000" dirty="0"/>
+              <a:rPr lang="pl-PL" sz="2000" b="1" dirty="0"/>
               <a:t>b</a:t>
             </a:r>
             <a:r>
-              <a:rPr lang="en-US" sz="2000" dirty="0" err="1"/>
+              <a:rPr lang="en-US" sz="2000" b="1" dirty="0" err="1"/>
               <a:t>ezpieczeństwem</a:t>
             </a:r>
             <a:r>
-              <a:rPr lang="en-US" sz="2000" dirty="0"/>
+              <a:rPr lang="en-US" sz="2000" b="1" dirty="0"/>
               <a:t> </a:t>
             </a:r>
             <a:r>
-              <a:rPr lang="en-US" sz="2000" dirty="0" err="1"/>
+              <a:rPr lang="en-US" sz="2000" b="1" dirty="0" err="1"/>
               <a:t>danych</a:t>
             </a:r>
             <a:r>
-              <a:rPr lang="pl-PL" sz="2000" dirty="0"/>
+              <a:rPr lang="pl-PL" sz="2000" b="1" dirty="0"/>
               <a:t>.</a:t>
             </a:r>
-            <a:endParaRPr lang="en-US" sz="2000" dirty="0"/>
+            <a:endParaRPr lang="en-US" sz="2000" b="1" dirty="0"/>
           </a:p>
           <a:p>
             <a:pPr marL="0"/>
-            <a:endParaRPr lang="en-US" sz="2000" dirty="0"/>
+            <a:endParaRPr lang="en-US" sz="2000" b="1" dirty="0"/>
           </a:p>
         </p:txBody>
       </p:sp>
@@ -24004,7 +24527,7 @@
                 <a16:creationId xmlns:a16="http://schemas.microsoft.com/office/drawing/2014/main" id="{577D6B2E-37A3-429E-A37C-F30ED6487282}"/>
               </a:ext>
               <a:ext uri="{C183D7F6-B498-43B3-948B-1728B52AA6E4}">
-                <adec:decorative xmlns:adec="http://schemas.microsoft.com/office/drawing/2017/decorative" val="1"/>
+                <adec:decorative xmlns:adec="http://schemas.microsoft.com/office/drawing/2017/decorative" xmlns="" val="1"/>
               </a:ext>
             </a:extLst>
           </p:cNvPr>
@@ -24080,7 +24603,7 @@
                 <a16:creationId xmlns:a16="http://schemas.microsoft.com/office/drawing/2014/main" id="{5CEAD642-85CF-4750-8432-7C80C901F001}"/>
               </a:ext>
               <a:ext uri="{C183D7F6-B498-43B3-948B-1728B52AA6E4}">
-                <adec:decorative xmlns:adec="http://schemas.microsoft.com/office/drawing/2017/decorative" val="1"/>
+                <adec:decorative xmlns:adec="http://schemas.microsoft.com/office/drawing/2017/decorative" xmlns="" val="1"/>
               </a:ext>
             </a:extLst>
           </p:cNvPr>
@@ -24153,7 +24676,7 @@
                 <a16:creationId xmlns:a16="http://schemas.microsoft.com/office/drawing/2014/main" id="{FA33EEAE-15D5-4119-8C1E-89D943F911EF}"/>
               </a:ext>
               <a:ext uri="{C183D7F6-B498-43B3-948B-1728B52AA6E4}">
-                <adec:decorative xmlns:adec="http://schemas.microsoft.com/office/drawing/2017/decorative" val="1"/>
+                <adec:decorative xmlns:adec="http://schemas.microsoft.com/office/drawing/2017/decorative" xmlns="" val="1"/>
               </a:ext>
             </a:extLst>
           </p:cNvPr>
@@ -24229,7 +24752,7 @@
                 <a16:creationId xmlns:a16="http://schemas.microsoft.com/office/drawing/2014/main" id="{730D8B3B-9B80-4025-B934-26DC7D7CD231}"/>
               </a:ext>
               <a:ext uri="{C183D7F6-B498-43B3-948B-1728B52AA6E4}">
-                <adec:decorative xmlns:adec="http://schemas.microsoft.com/office/drawing/2017/decorative" val="1"/>
+                <adec:decorative xmlns:adec="http://schemas.microsoft.com/office/drawing/2017/decorative" xmlns="" val="1"/>
               </a:ext>
             </a:extLst>
           </p:cNvPr>
@@ -24305,7 +24828,7 @@
                 <a16:creationId xmlns:a16="http://schemas.microsoft.com/office/drawing/2014/main" id="{1064D5D5-227B-4F66-9AEA-46F570E793BD}"/>
               </a:ext>
               <a:ext uri="{C183D7F6-B498-43B3-948B-1728B52AA6E4}">
-                <adec:decorative xmlns:adec="http://schemas.microsoft.com/office/drawing/2017/decorative" val="1"/>
+                <adec:decorative xmlns:adec="http://schemas.microsoft.com/office/drawing/2017/decorative" xmlns="" val="1"/>
               </a:ext>
             </a:extLst>
           </p:cNvPr>
@@ -24381,7 +24904,7 @@
                 <a16:creationId xmlns:a16="http://schemas.microsoft.com/office/drawing/2014/main" id="{646B67A4-D328-4747-A82B-65E84FA46368}"/>
               </a:ext>
               <a:ext uri="{C183D7F6-B498-43B3-948B-1728B52AA6E4}">
-                <adec:decorative xmlns:adec="http://schemas.microsoft.com/office/drawing/2017/decorative" val="1"/>
+                <adec:decorative xmlns:adec="http://schemas.microsoft.com/office/drawing/2017/decorative" xmlns="" val="1"/>
               </a:ext>
             </a:extLst>
           </p:cNvPr>
@@ -24457,7 +24980,7 @@
                 <a16:creationId xmlns:a16="http://schemas.microsoft.com/office/drawing/2014/main" id="{B5A1B09C-1565-46F8-B70F-621C5EB48A09}"/>
               </a:ext>
               <a:ext uri="{C183D7F6-B498-43B3-948B-1728B52AA6E4}">
-                <adec:decorative xmlns:adec="http://schemas.microsoft.com/office/drawing/2017/decorative" val="1"/>
+                <adec:decorative xmlns:adec="http://schemas.microsoft.com/office/drawing/2017/decorative" xmlns="" val="1"/>
               </a:ext>
             </a:extLst>
           </p:cNvPr>
@@ -24576,7 +25099,7 @@
                 <a16:creationId xmlns:a16="http://schemas.microsoft.com/office/drawing/2014/main" id="{8C516CC8-80AC-446C-A56E-9F54B7210402}"/>
               </a:ext>
               <a:ext uri="{C183D7F6-B498-43B3-948B-1728B52AA6E4}">
-                <adec:decorative xmlns:adec="http://schemas.microsoft.com/office/drawing/2017/decorative" val="1"/>
+                <adec:decorative xmlns:adec="http://schemas.microsoft.com/office/drawing/2017/decorative" xmlns="" val="1"/>
               </a:ext>
             </a:extLst>
           </p:cNvPr>
@@ -24690,7 +25213,7 @@
                 <a16:creationId xmlns:a16="http://schemas.microsoft.com/office/drawing/2014/main" id="{1B15ED52-F352-441B-82BF-E0EA34836D08}"/>
               </a:ext>
               <a:ext uri="{C183D7F6-B498-43B3-948B-1728B52AA6E4}">
-                <adec:decorative xmlns:adec="http://schemas.microsoft.com/office/drawing/2017/decorative" val="1"/>
+                <adec:decorative xmlns:adec="http://schemas.microsoft.com/office/drawing/2017/decorative" xmlns="" val="1"/>
               </a:ext>
             </a:extLst>
           </p:cNvPr>
@@ -24787,7 +25310,7 @@
           <a:lstStyle/>
           <a:p>
             <a:r>
-              <a:rPr lang="pl-PL" sz="4000" dirty="0"/>
+              <a:rPr lang="pl-PL" sz="4000" b="1" dirty="0"/>
               <a:t>Uzasadnienie wyboru tematu</a:t>
             </a:r>
           </a:p>
@@ -24822,25 +25345,25 @@
           <a:lstStyle/>
           <a:p>
             <a:r>
-              <a:rPr lang="pl-PL" sz="2000"/>
+              <a:rPr lang="pl-PL" sz="2000" b="1" dirty="0"/>
               <a:t>wsparcie mniejszych instytucji kultury,</a:t>
             </a:r>
           </a:p>
           <a:p>
             <a:r>
-              <a:rPr lang="pl-PL" sz="2000"/>
+              <a:rPr lang="pl-PL" sz="2000" b="1" dirty="0"/>
               <a:t>stworzenie intuicyjnej i łatwej w obsłudze aplikacji,</a:t>
             </a:r>
           </a:p>
           <a:p>
             <a:r>
-              <a:rPr lang="pl-PL" sz="2000"/>
+              <a:rPr lang="pl-PL" sz="2000" b="1" dirty="0"/>
               <a:t>pomoc w ich rozwoju i digitalizacji zbiorów, przy niskim nakładzie finansowym,</a:t>
             </a:r>
           </a:p>
           <a:p>
             <a:r>
-              <a:rPr lang="pl-PL" sz="2000"/>
+              <a:rPr lang="pl-PL" sz="2000" b="1" dirty="0"/>
               <a:t>możliwość rozwoju zawodowego i edukacyjnego.</a:t>
             </a:r>
           </a:p>
@@ -24867,7 +25390,7 @@
                 <a14:useLocalDpi xmlns:a14="http://schemas.microsoft.com/office/drawing/2010/main" val="0"/>
               </a:ext>
               <a:ext uri="{96DAC541-7B7A-43D3-8B79-37D633B846F1}">
-                <asvg:svgBlip xmlns:asvg="http://schemas.microsoft.com/office/drawing/2016/SVG/main" r:embed="rId3"/>
+                <asvg:svgBlip xmlns:asvg="http://schemas.microsoft.com/office/drawing/2016/SVG/main" xmlns="" r:embed="rId3"/>
               </a:ext>
             </a:extLst>
           </a:blip>
@@ -24893,7 +25416,7 @@
                 <a16:creationId xmlns:a16="http://schemas.microsoft.com/office/drawing/2014/main" id="{61707E60-CEC9-4661-AA82-69242EB4BDC3}"/>
               </a:ext>
               <a:ext uri="{C183D7F6-B498-43B3-948B-1728B52AA6E4}">
-                <adec:decorative xmlns:adec="http://schemas.microsoft.com/office/drawing/2017/decorative" val="1"/>
+                <adec:decorative xmlns:adec="http://schemas.microsoft.com/office/drawing/2017/decorative" xmlns="" val="1"/>
               </a:ext>
             </a:extLst>
           </p:cNvPr>
@@ -24966,7 +25489,7 @@
                 <a16:creationId xmlns:a16="http://schemas.microsoft.com/office/drawing/2014/main" id="{8F035CD8-AE30-4146-96F2-036B0CE5E4F3}"/>
               </a:ext>
               <a:ext uri="{C183D7F6-B498-43B3-948B-1728B52AA6E4}">
-                <adec:decorative xmlns:adec="http://schemas.microsoft.com/office/drawing/2017/decorative" val="1"/>
+                <adec:decorative xmlns:adec="http://schemas.microsoft.com/office/drawing/2017/decorative" xmlns="" val="1"/>
               </a:ext>
             </a:extLst>
           </p:cNvPr>
@@ -25077,7 +25600,7 @@
                 <a16:creationId xmlns:a16="http://schemas.microsoft.com/office/drawing/2014/main" id="{1B15ED52-F352-441B-82BF-E0EA34836D08}"/>
               </a:ext>
               <a:ext uri="{C183D7F6-B498-43B3-948B-1728B52AA6E4}">
-                <adec:decorative xmlns:adec="http://schemas.microsoft.com/office/drawing/2017/decorative" val="1"/>
+                <adec:decorative xmlns:adec="http://schemas.microsoft.com/office/drawing/2017/decorative" xmlns="" val="1"/>
               </a:ext>
             </a:extLst>
           </p:cNvPr>
@@ -25174,7 +25697,7 @@
           <a:lstStyle/>
           <a:p>
             <a:r>
-              <a:rPr lang="pl-PL" sz="4000" dirty="0"/>
+              <a:rPr lang="pl-PL" sz="4000" b="1" dirty="0"/>
               <a:t>Główny cel</a:t>
             </a:r>
           </a:p>
@@ -25212,7 +25735,7 @@
               <a:buNone/>
             </a:pPr>
             <a:r>
-              <a:rPr lang="pl-PL" sz="2000" dirty="0"/>
+              <a:rPr lang="pl-PL" sz="2000" b="1" dirty="0"/>
               <a:t>Stworzenie intuicyjnej i łatwej w obsłudze aplikacji umożliwiającej zarządzanie zbiorami galerii sztuki, która zapewnia:</a:t>
             </a:r>
           </a:p>
@@ -25222,7 +25745,7 @@
               <a:buChar char="ü"/>
             </a:pPr>
             <a:r>
-              <a:rPr lang="pl-PL" sz="2000" dirty="0"/>
+              <a:rPr lang="pl-PL" sz="2000" b="1" dirty="0"/>
               <a:t>efektywne zarządzanie eksponatami oraz wystawami,</a:t>
             </a:r>
           </a:p>
@@ -25232,7 +25755,7 @@
               <a:buChar char="ü"/>
             </a:pPr>
             <a:r>
-              <a:rPr lang="pl-PL" sz="2000" dirty="0"/>
+              <a:rPr lang="pl-PL" sz="2000" b="1" dirty="0"/>
               <a:t>generowanie raportów i dokumentacji,</a:t>
             </a:r>
           </a:p>
@@ -25242,7 +25765,7 @@
               <a:buChar char="ü"/>
             </a:pPr>
             <a:r>
-              <a:rPr lang="pl-PL" sz="2000" dirty="0"/>
+              <a:rPr lang="pl-PL" sz="2000" b="1" dirty="0"/>
               <a:t>zautomatyzowane powiadomienia dla użytkowników.</a:t>
             </a:r>
           </a:p>
@@ -25250,7 +25773,7 @@
             <a:pPr marL="0" indent="0">
               <a:buNone/>
             </a:pPr>
-            <a:endParaRPr lang="pl-PL" sz="2000" dirty="0"/>
+            <a:endParaRPr lang="pl-PL" sz="2000" b="1" dirty="0"/>
           </a:p>
         </p:txBody>
       </p:sp>
@@ -25275,7 +25798,7 @@
                 <a14:useLocalDpi xmlns:a14="http://schemas.microsoft.com/office/drawing/2010/main" val="0"/>
               </a:ext>
               <a:ext uri="{96DAC541-7B7A-43D3-8B79-37D633B846F1}">
-                <asvg:svgBlip xmlns:asvg="http://schemas.microsoft.com/office/drawing/2016/SVG/main" r:embed="rId3"/>
+                <asvg:svgBlip xmlns:asvg="http://schemas.microsoft.com/office/drawing/2016/SVG/main" xmlns="" r:embed="rId3"/>
               </a:ext>
             </a:extLst>
           </a:blip>
@@ -25301,7 +25824,7 @@
                 <a16:creationId xmlns:a16="http://schemas.microsoft.com/office/drawing/2014/main" id="{61707E60-CEC9-4661-AA82-69242EB4BDC3}"/>
               </a:ext>
               <a:ext uri="{C183D7F6-B498-43B3-948B-1728B52AA6E4}">
-                <adec:decorative xmlns:adec="http://schemas.microsoft.com/office/drawing/2017/decorative" val="1"/>
+                <adec:decorative xmlns:adec="http://schemas.microsoft.com/office/drawing/2017/decorative" xmlns="" val="1"/>
               </a:ext>
             </a:extLst>
           </p:cNvPr>
@@ -25374,7 +25897,7 @@
                 <a16:creationId xmlns:a16="http://schemas.microsoft.com/office/drawing/2014/main" id="{8F035CD8-AE30-4146-96F2-036B0CE5E4F3}"/>
               </a:ext>
               <a:ext uri="{C183D7F6-B498-43B3-948B-1728B52AA6E4}">
-                <adec:decorative xmlns:adec="http://schemas.microsoft.com/office/drawing/2017/decorative" val="1"/>
+                <adec:decorative xmlns:adec="http://schemas.microsoft.com/office/drawing/2017/decorative" xmlns="" val="1"/>
               </a:ext>
             </a:extLst>
           </p:cNvPr>
@@ -25485,7 +26008,7 @@
                 <a16:creationId xmlns:a16="http://schemas.microsoft.com/office/drawing/2014/main" id="{1B15ED52-F352-441B-82BF-E0EA34836D08}"/>
               </a:ext>
               <a:ext uri="{C183D7F6-B498-43B3-948B-1728B52AA6E4}">
-                <adec:decorative xmlns:adec="http://schemas.microsoft.com/office/drawing/2017/decorative" val="1"/>
+                <adec:decorative xmlns:adec="http://schemas.microsoft.com/office/drawing/2017/decorative" xmlns="" val="1"/>
               </a:ext>
             </a:extLst>
           </p:cNvPr>
@@ -25571,8 +26094,8 @@
         </p:nvSpPr>
         <p:spPr>
           <a:xfrm>
-            <a:off x="1149716" y="499397"/>
-            <a:ext cx="5929422" cy="1640180"/>
+            <a:off x="1149716" y="1340069"/>
+            <a:ext cx="5929422" cy="799508"/>
           </a:xfrm>
         </p:spPr>
         <p:txBody>
@@ -25582,8 +26105,16 @@
           <a:lstStyle/>
           <a:p>
             <a:r>
-              <a:rPr lang="pl-PL" sz="4000"/>
-              <a:t>Cele Szczegółowe</a:t>
+              <a:rPr lang="pl-PL" sz="4000" b="1" dirty="0"/>
+              <a:t>Cele</a:t>
+            </a:r>
+            <a:r>
+              <a:rPr lang="pl-PL" sz="4000" dirty="0"/>
+              <a:t> </a:t>
+            </a:r>
+            <a:r>
+              <a:rPr lang="pl-PL" sz="4000" b="1" dirty="0"/>
+              <a:t>Szczegółowe</a:t>
             </a:r>
           </a:p>
         </p:txBody>
@@ -25612,7 +26143,7 @@
         </p:spPr>
         <p:txBody>
           <a:bodyPr>
-            <a:normAutofit/>
+            <a:normAutofit fontScale="92500"/>
           </a:bodyPr>
           <a:lstStyle/>
           <a:p>
@@ -25621,7 +26152,7 @@
               <a:buChar char="ü"/>
             </a:pPr>
             <a:r>
-              <a:rPr lang="pl-PL" sz="1700" dirty="0"/>
+              <a:rPr lang="pl-PL" sz="1700" b="1" dirty="0"/>
               <a:t>przeprowadzenie analizy potrzeb użytkowników, w tym wywiadów z pracownikami galerii sztuki,</a:t>
             </a:r>
           </a:p>
@@ -25631,15 +26162,15 @@
               <a:buChar char="ü"/>
             </a:pPr>
             <a:r>
-              <a:rPr lang="pl-PL" sz="1700" dirty="0"/>
+              <a:rPr lang="pl-PL" sz="1700" b="1" dirty="0"/>
               <a:t>zaprojektowanie diagramów UML i bazy danych przy użyciu draw.io i </a:t>
             </a:r>
             <a:r>
-              <a:rPr lang="pl-PL" sz="1700" dirty="0" err="1"/>
+              <a:rPr lang="pl-PL" sz="1700" b="1" dirty="0" err="1"/>
               <a:t>SQLite</a:t>
             </a:r>
             <a:r>
-              <a:rPr lang="pl-PL" sz="1700" dirty="0"/>
+              <a:rPr lang="pl-PL" sz="1700" b="1" dirty="0"/>
               <a:t>,</a:t>
             </a:r>
           </a:p>
@@ -25649,7 +26180,7 @@
               <a:buChar char="ü"/>
             </a:pPr>
             <a:r>
-              <a:rPr lang="pl-PL" sz="1700" dirty="0"/>
+              <a:rPr lang="pl-PL" sz="1700" b="1" dirty="0"/>
               <a:t>implementacja kluczowych funkcjonalności, takich jak:</a:t>
             </a:r>
           </a:p>
@@ -25659,7 +26190,7 @@
               <a:buChar char="§"/>
             </a:pPr>
             <a:r>
-              <a:rPr lang="pl-PL" sz="1700" dirty="0"/>
+              <a:rPr lang="pl-PL" sz="1700" b="1" dirty="0"/>
               <a:t>dodawanie, edycja i usuwanie eksponatów,</a:t>
             </a:r>
           </a:p>
@@ -25669,7 +26200,7 @@
               <a:buChar char="§"/>
             </a:pPr>
             <a:r>
-              <a:rPr lang="pl-PL" sz="1700" dirty="0"/>
+              <a:rPr lang="pl-PL" sz="1700" b="1" dirty="0"/>
               <a:t>zarządzanie wystawami i generowanie raportów,</a:t>
             </a:r>
           </a:p>
@@ -25679,7 +26210,7 @@
               <a:buChar char="§"/>
             </a:pPr>
             <a:r>
-              <a:rPr lang="pl-PL" sz="1700" dirty="0"/>
+              <a:rPr lang="pl-PL" sz="1700" b="1" dirty="0"/>
               <a:t>powiadomienia e-mail o wydarzeniach,</a:t>
             </a:r>
           </a:p>
@@ -25689,12 +26220,12 @@
               <a:buChar char="ü"/>
             </a:pPr>
             <a:r>
-              <a:rPr lang="pl-PL" sz="1700" dirty="0"/>
+              <a:rPr lang="pl-PL" sz="1700" b="1" dirty="0"/>
               <a:t>testowanie aplikacji i jej optymalizacja pod kątem wydajności i niezawodności.</a:t>
             </a:r>
           </a:p>
           <a:p>
-            <a:endParaRPr lang="pl-PL" sz="1700" dirty="0"/>
+            <a:endParaRPr lang="pl-PL" sz="1700" b="1" dirty="0"/>
           </a:p>
         </p:txBody>
       </p:sp>
@@ -25719,7 +26250,7 @@
                 <a14:useLocalDpi xmlns:a14="http://schemas.microsoft.com/office/drawing/2010/main" val="0"/>
               </a:ext>
               <a:ext uri="{96DAC541-7B7A-43D3-8B79-37D633B846F1}">
-                <asvg:svgBlip xmlns:asvg="http://schemas.microsoft.com/office/drawing/2016/SVG/main" r:embed="rId3"/>
+                <asvg:svgBlip xmlns:asvg="http://schemas.microsoft.com/office/drawing/2016/SVG/main" xmlns="" r:embed="rId3"/>
               </a:ext>
             </a:extLst>
           </a:blip>
@@ -25745,7 +26276,7 @@
                 <a16:creationId xmlns:a16="http://schemas.microsoft.com/office/drawing/2014/main" id="{61707E60-CEC9-4661-AA82-69242EB4BDC3}"/>
               </a:ext>
               <a:ext uri="{C183D7F6-B498-43B3-948B-1728B52AA6E4}">
-                <adec:decorative xmlns:adec="http://schemas.microsoft.com/office/drawing/2017/decorative" val="1"/>
+                <adec:decorative xmlns:adec="http://schemas.microsoft.com/office/drawing/2017/decorative" xmlns="" val="1"/>
               </a:ext>
             </a:extLst>
           </p:cNvPr>
@@ -25818,7 +26349,7 @@
                 <a16:creationId xmlns:a16="http://schemas.microsoft.com/office/drawing/2014/main" id="{8F035CD8-AE30-4146-96F2-036B0CE5E4F3}"/>
               </a:ext>
               <a:ext uri="{C183D7F6-B498-43B3-948B-1728B52AA6E4}">
-                <adec:decorative xmlns:adec="http://schemas.microsoft.com/office/drawing/2017/decorative" val="1"/>
+                <adec:decorative xmlns:adec="http://schemas.microsoft.com/office/drawing/2017/decorative" xmlns="" val="1"/>
               </a:ext>
             </a:extLst>
           </p:cNvPr>
@@ -25929,7 +26460,7 @@
                 <a16:creationId xmlns:a16="http://schemas.microsoft.com/office/drawing/2014/main" id="{DCC231C8-C761-4B31-9B1C-C6D19248C6B3}"/>
               </a:ext>
               <a:ext uri="{C183D7F6-B498-43B3-948B-1728B52AA6E4}">
-                <adec:decorative xmlns:adec="http://schemas.microsoft.com/office/drawing/2017/decorative" val="1"/>
+                <adec:decorative xmlns:adec="http://schemas.microsoft.com/office/drawing/2017/decorative" xmlns="" val="1"/>
               </a:ext>
             </a:extLst>
           </p:cNvPr>
@@ -26000,7 +26531,7 @@
         <p:spPr>
           <a:xfrm>
             <a:off x="838200" y="557189"/>
-            <a:ext cx="3374136" cy="5567891"/>
+            <a:ext cx="3808956" cy="5567891"/>
           </a:xfrm>
         </p:spPr>
         <p:txBody>
@@ -26010,7 +26541,7 @@
           <a:lstStyle/>
           <a:p>
             <a:r>
-              <a:rPr lang="pl-PL" sz="5200"/>
+              <a:rPr lang="pl-PL" sz="5200" b="1" dirty="0"/>
               <a:t>Założenia projektu</a:t>
             </a:r>
           </a:p>
@@ -26032,7 +26563,7 @@
             <p:ph idx="1"/>
             <p:extLst>
               <p:ext uri="{D42A27DB-BD31-4B8C-83A1-F6EECF244321}">
-                <p14:modId xmlns:p14="http://schemas.microsoft.com/office/powerpoint/2010/main" val="3706099709"/>
+                <p14:modId xmlns:p14="http://schemas.microsoft.com/office/powerpoint/2010/main" val="2002785080"/>
               </p:ext>
             </p:extLst>
           </p:nvPr>
@@ -26093,7 +26624,7 @@
                 <a16:creationId xmlns:a16="http://schemas.microsoft.com/office/drawing/2014/main" id="{50D1C5B3-B60D-4696-AE60-100D5EC8AB5D}"/>
               </a:ext>
               <a:ext uri="{C183D7F6-B498-43B3-948B-1728B52AA6E4}">
-                <adec:decorative xmlns:adec="http://schemas.microsoft.com/office/drawing/2017/decorative" val="1"/>
+                <adec:decorative xmlns:adec="http://schemas.microsoft.com/office/drawing/2017/decorative" xmlns="" val="1"/>
               </a:ext>
             </a:extLst>
           </p:cNvPr>
@@ -26184,34 +26715,34 @@
           <a:lstStyle/>
           <a:p>
             <a:r>
-              <a:rPr lang="en-US" sz="4000" dirty="0" err="1"/>
+              <a:rPr lang="en-US" sz="4000" b="1" dirty="0" err="1"/>
               <a:t>Obecne</a:t>
             </a:r>
             <a:r>
-              <a:rPr lang="en-US" sz="4000" dirty="0"/>
+              <a:rPr lang="en-US" sz="4000" b="1" dirty="0"/>
               <a:t> </a:t>
             </a:r>
             <a:r>
-              <a:rPr lang="en-US" sz="4000" dirty="0" err="1"/>
+              <a:rPr lang="en-US" sz="4000" b="1" dirty="0" err="1"/>
               <a:t>rozwiązania</a:t>
             </a:r>
             <a:r>
-              <a:rPr lang="en-US" sz="4000" dirty="0"/>
+              <a:rPr lang="en-US" sz="4000" b="1" dirty="0"/>
               <a:t> </a:t>
             </a:r>
             <a:r>
-              <a:rPr lang="en-US" sz="4000" dirty="0" err="1"/>
+              <a:rPr lang="en-US" sz="4000" b="1" dirty="0" err="1"/>
               <a:t>na</a:t>
             </a:r>
             <a:r>
-              <a:rPr lang="en-US" sz="4000" dirty="0"/>
+              <a:rPr lang="en-US" sz="4000" b="1" dirty="0"/>
               <a:t> </a:t>
             </a:r>
             <a:r>
-              <a:rPr lang="en-US" sz="4000" dirty="0" err="1"/>
+              <a:rPr lang="en-US" sz="4000" b="1" dirty="0" err="1"/>
               <a:t>rynku</a:t>
             </a:r>
-            <a:endParaRPr lang="en-US" sz="4000" dirty="0"/>
+            <a:endParaRPr lang="en-US" sz="4000" b="1" dirty="0"/>
           </a:p>
         </p:txBody>
       </p:sp>
@@ -26251,54 +26782,54 @@
               <a:buChar char="•"/>
             </a:pPr>
             <a:r>
-              <a:rPr lang="pl-PL" sz="2000" dirty="0"/>
+              <a:rPr lang="pl-PL" sz="2000" b="1" dirty="0"/>
               <a:t>o</a:t>
             </a:r>
             <a:r>
-              <a:rPr lang="en-US" sz="2000" dirty="0" err="1"/>
+              <a:rPr lang="en-US" sz="2000" b="1" dirty="0" err="1"/>
               <a:t>graniczenia</a:t>
             </a:r>
             <a:r>
-              <a:rPr lang="en-US" sz="2000" dirty="0"/>
+              <a:rPr lang="en-US" sz="2000" b="1" dirty="0"/>
               <a:t> </a:t>
             </a:r>
             <a:r>
-              <a:rPr lang="en-US" sz="2000" dirty="0" err="1"/>
+              <a:rPr lang="en-US" sz="2000" b="1" dirty="0" err="1"/>
               <a:t>subskrypcyjne</a:t>
             </a:r>
             <a:r>
-              <a:rPr lang="en-US" sz="2000" dirty="0"/>
+              <a:rPr lang="en-US" sz="2000" b="1" dirty="0"/>
               <a:t> </a:t>
             </a:r>
             <a:r>
-              <a:rPr lang="en-US" sz="2000" dirty="0" err="1"/>
+              <a:rPr lang="en-US" sz="2000" b="1" dirty="0" err="1"/>
               <a:t>nawet</a:t>
             </a:r>
             <a:r>
-              <a:rPr lang="en-US" sz="2000" dirty="0"/>
+              <a:rPr lang="en-US" sz="2000" b="1" dirty="0"/>
               <a:t> </a:t>
             </a:r>
             <a:r>
-              <a:rPr lang="en-US" sz="2000" dirty="0" err="1"/>
+              <a:rPr lang="en-US" sz="2000" b="1" dirty="0" err="1"/>
               <a:t>prostych</a:t>
             </a:r>
             <a:r>
-              <a:rPr lang="en-US" sz="2000" dirty="0"/>
+              <a:rPr lang="en-US" sz="2000" b="1" dirty="0"/>
               <a:t> </a:t>
             </a:r>
             <a:r>
-              <a:rPr lang="en-US" sz="2000" dirty="0" err="1"/>
+              <a:rPr lang="en-US" sz="2000" b="1" dirty="0" err="1"/>
               <a:t>elementów</a:t>
             </a:r>
             <a:r>
-              <a:rPr lang="en-US" sz="2000" dirty="0"/>
+              <a:rPr lang="en-US" sz="2000" b="1" dirty="0"/>
               <a:t> jak role</a:t>
             </a:r>
             <a:r>
-              <a:rPr lang="pl-PL" sz="2000" dirty="0"/>
+              <a:rPr lang="pl-PL" sz="2000" b="1" dirty="0"/>
               <a:t>,</a:t>
             </a:r>
-            <a:endParaRPr lang="en-US" sz="2000" dirty="0"/>
+            <a:endParaRPr lang="en-US" sz="2000" b="1" dirty="0"/>
           </a:p>
           <a:p>
             <a:pPr marL="285750" indent="-228600">
@@ -26316,82 +26847,82 @@
               <a:buChar char="•"/>
             </a:pPr>
             <a:r>
-              <a:rPr lang="pl-PL" sz="2000" dirty="0"/>
+              <a:rPr lang="pl-PL" sz="2000" b="1" dirty="0"/>
               <a:t>a</a:t>
             </a:r>
             <a:r>
-              <a:rPr lang="en-US" sz="2000" dirty="0" err="1"/>
+              <a:rPr lang="en-US" sz="2000" b="1" dirty="0" err="1"/>
               <a:t>plikacje</a:t>
             </a:r>
             <a:r>
-              <a:rPr lang="en-US" sz="2000" dirty="0"/>
+              <a:rPr lang="en-US" sz="2000" b="1" dirty="0"/>
               <a:t> web </a:t>
             </a:r>
             <a:r>
-              <a:rPr lang="en-US" sz="2000" dirty="0" err="1"/>
+              <a:rPr lang="en-US" sz="2000" b="1" dirty="0" err="1"/>
               <a:t>oparte</a:t>
             </a:r>
             <a:r>
-              <a:rPr lang="en-US" sz="2000" dirty="0"/>
+              <a:rPr lang="en-US" sz="2000" b="1" dirty="0"/>
               <a:t> </a:t>
             </a:r>
             <a:r>
-              <a:rPr lang="en-US" sz="2000" dirty="0" err="1"/>
+              <a:rPr lang="en-US" sz="2000" b="1" dirty="0" err="1"/>
               <a:t>na</a:t>
             </a:r>
             <a:r>
-              <a:rPr lang="en-US" sz="2000" dirty="0"/>
+              <a:rPr lang="en-US" sz="2000" b="1" dirty="0"/>
               <a:t> </a:t>
             </a:r>
             <a:r>
-              <a:rPr lang="en-US" sz="2000" dirty="0" err="1"/>
+              <a:rPr lang="en-US" sz="2000" b="1" dirty="0" err="1"/>
               <a:t>połączeniu</a:t>
             </a:r>
             <a:r>
-              <a:rPr lang="en-US" sz="2000" dirty="0"/>
+              <a:rPr lang="en-US" sz="2000" b="1" dirty="0"/>
               <a:t> </a:t>
             </a:r>
             <a:r>
-              <a:rPr lang="en-US" sz="2000" dirty="0" err="1"/>
+              <a:rPr lang="en-US" sz="2000" b="1" dirty="0" err="1"/>
               <a:t>sieciowym</a:t>
             </a:r>
             <a:r>
-              <a:rPr lang="en-US" sz="2000" dirty="0"/>
+              <a:rPr lang="en-US" sz="2000" b="1" dirty="0"/>
               <a:t> </a:t>
             </a:r>
             <a:r>
-              <a:rPr lang="en-US" sz="2000" dirty="0" err="1"/>
+              <a:rPr lang="en-US" sz="2000" b="1" dirty="0" err="1"/>
               <a:t>dla</a:t>
             </a:r>
             <a:r>
-              <a:rPr lang="en-US" sz="2000" dirty="0"/>
+              <a:rPr lang="en-US" sz="2000" b="1" dirty="0"/>
               <a:t> </a:t>
             </a:r>
             <a:r>
-              <a:rPr lang="en-US" sz="2000" dirty="0" err="1"/>
+              <a:rPr lang="en-US" sz="2000" b="1" dirty="0" err="1"/>
               <a:t>rozbudowanych</a:t>
             </a:r>
             <a:r>
-              <a:rPr lang="en-US" sz="2000" dirty="0"/>
+              <a:rPr lang="en-US" sz="2000" b="1" dirty="0"/>
               <a:t> </a:t>
             </a:r>
             <a:r>
-              <a:rPr lang="en-US" sz="2000" dirty="0" err="1"/>
+              <a:rPr lang="en-US" sz="2000" b="1" dirty="0" err="1"/>
               <a:t>rozproszonych</a:t>
             </a:r>
             <a:r>
-              <a:rPr lang="en-US" sz="2000" dirty="0"/>
+              <a:rPr lang="en-US" sz="2000" b="1" dirty="0"/>
               <a:t> </a:t>
             </a:r>
             <a:r>
-              <a:rPr lang="en-US" sz="2000" dirty="0" err="1"/>
+              <a:rPr lang="en-US" sz="2000" b="1" dirty="0" err="1"/>
               <a:t>galerii</a:t>
             </a:r>
             <a:r>
-              <a:rPr lang="pl-PL" sz="2000" dirty="0"/>
+              <a:rPr lang="pl-PL" sz="2000" b="1" dirty="0"/>
               <a:t>,</a:t>
             </a:r>
-            <a:endParaRPr lang="en-US" sz="2000" dirty="0"/>
+            <a:endParaRPr lang="en-US" sz="2000" b="1" dirty="0"/>
           </a:p>
           <a:p>
             <a:pPr marL="285750" indent="-228600">
@@ -26409,34 +26940,34 @@
               <a:buChar char="•"/>
             </a:pPr>
             <a:r>
-              <a:rPr lang="pl-PL" sz="2000" dirty="0"/>
+              <a:rPr lang="pl-PL" sz="2000" b="1" dirty="0"/>
               <a:t>z</a:t>
             </a:r>
             <a:r>
-              <a:rPr lang="en-US" sz="2000" dirty="0" err="1"/>
+              <a:rPr lang="en-US" sz="2000" b="1" dirty="0" err="1"/>
               <a:t>ależność</a:t>
             </a:r>
             <a:r>
-              <a:rPr lang="en-US" sz="2000" dirty="0"/>
+              <a:rPr lang="en-US" sz="2000" b="1" dirty="0"/>
               <a:t> od </a:t>
             </a:r>
             <a:r>
-              <a:rPr lang="en-US" sz="2000" dirty="0" err="1"/>
+              <a:rPr lang="en-US" sz="2000" b="1" dirty="0" err="1"/>
               <a:t>usługodawcy</a:t>
             </a:r>
             <a:r>
-              <a:rPr lang="en-US" sz="2000" dirty="0"/>
+              <a:rPr lang="en-US" sz="2000" b="1" dirty="0"/>
               <a:t>, </a:t>
             </a:r>
             <a:r>
-              <a:rPr lang="en-US" sz="2000" dirty="0" err="1"/>
+              <a:rPr lang="en-US" sz="2000" b="1" dirty="0" err="1"/>
               <a:t>złożoność</a:t>
             </a:r>
             <a:r>
-              <a:rPr lang="pl-PL" sz="2000" dirty="0"/>
+              <a:rPr lang="pl-PL" sz="2000" b="1" dirty="0"/>
               <a:t>.</a:t>
             </a:r>
-            <a:endParaRPr lang="en-US" sz="2000" dirty="0"/>
+            <a:endParaRPr lang="en-US" sz="2000" b="1" dirty="0"/>
           </a:p>
           <a:p>
             <a:pPr indent="-228600">
@@ -26453,7 +26984,7 @@
               <a:buFont typeface="Arial" panose="020B0604020202020204" pitchFamily="34" charset="0"/>
               <a:buChar char="•"/>
             </a:pPr>
-            <a:endParaRPr lang="en-US" sz="2000" dirty="0"/>
+            <a:endParaRPr lang="en-US" sz="2000" b="1" dirty="0"/>
           </a:p>
         </p:txBody>
       </p:sp>
@@ -26539,7 +27070,7 @@
                 <a16:creationId xmlns:a16="http://schemas.microsoft.com/office/drawing/2014/main" id="{FA169C72-4010-413C-A913-4BD6E2D1291A}"/>
               </a:ext>
               <a:ext uri="{C183D7F6-B498-43B3-948B-1728B52AA6E4}">
-                <adec:decorative xmlns:adec="http://schemas.microsoft.com/office/drawing/2017/decorative" val="1"/>
+                <adec:decorative xmlns:adec="http://schemas.microsoft.com/office/drawing/2017/decorative" xmlns="" val="1"/>
               </a:ext>
             </a:extLst>
           </p:cNvPr>
@@ -26610,7 +27141,7 @@
                 <a16:creationId xmlns:a16="http://schemas.microsoft.com/office/drawing/2014/main" id="{758C3C99-2F64-46DC-9F81-BAA40930E163}"/>
               </a:ext>
               <a:ext uri="{C183D7F6-B498-43B3-948B-1728B52AA6E4}">
-                <adec:decorative xmlns:adec="http://schemas.microsoft.com/office/drawing/2017/decorative" val="1"/>
+                <adec:decorative xmlns:adec="http://schemas.microsoft.com/office/drawing/2017/decorative" xmlns="" val="1"/>
               </a:ext>
             </a:extLst>
           </p:cNvPr>
@@ -26723,7 +27254,7 @@
                 <a16:creationId xmlns:a16="http://schemas.microsoft.com/office/drawing/2014/main" id="{5628E5CB-913B-4378-97CE-18C9F6410C53}"/>
               </a:ext>
               <a:ext uri="{C183D7F6-B498-43B3-948B-1728B52AA6E4}">
-                <adec:decorative xmlns:adec="http://schemas.microsoft.com/office/drawing/2017/decorative" val="1"/>
+                <adec:decorative xmlns:adec="http://schemas.microsoft.com/office/drawing/2017/decorative" xmlns="" val="1"/>
               </a:ext>
             </a:extLst>
           </p:cNvPr>
@@ -26798,7 +27329,7 @@
           <a:lstStyle/>
           <a:p>
             <a:r>
-              <a:rPr lang="pl-PL" sz="5200"/>
+              <a:rPr lang="pl-PL" sz="5200" b="1" dirty="0"/>
               <a:t>Nasza propozycja</a:t>
             </a:r>
           </a:p>
@@ -26820,7 +27351,7 @@
             <p:ph idx="1"/>
             <p:extLst>
               <p:ext uri="{D42A27DB-BD31-4B8C-83A1-F6EECF244321}">
-                <p14:modId xmlns:p14="http://schemas.microsoft.com/office/powerpoint/2010/main" val="2255578233"/>
+                <p14:modId xmlns:p14="http://schemas.microsoft.com/office/powerpoint/2010/main" val="1949943170"/>
               </p:ext>
             </p:extLst>
           </p:nvPr>
@@ -26881,7 +27412,7 @@
                 <a16:creationId xmlns:a16="http://schemas.microsoft.com/office/drawing/2014/main" id="{979E27D9-03C7-44E2-9FF8-15D0C8506AF7}"/>
               </a:ext>
               <a:ext uri="{C183D7F6-B498-43B3-948B-1728B52AA6E4}">
-                <adec:decorative xmlns:adec="http://schemas.microsoft.com/office/drawing/2017/decorative" val="1"/>
+                <adec:decorative xmlns:adec="http://schemas.microsoft.com/office/drawing/2017/decorative" xmlns="" val="1"/>
               </a:ext>
             </a:extLst>
           </p:cNvPr>
@@ -26978,10 +27509,9 @@
           <a:lstStyle/>
           <a:p>
             <a:r>
-              <a:rPr lang="pl-PL" sz="4000"/>
+              <a:rPr lang="pl-PL" sz="4000" b="1" dirty="0"/>
               <a:t>Metodyka pracy</a:t>
             </a:r>
-            <a:endParaRPr lang="pl-PL" sz="4000" dirty="0"/>
           </a:p>
         </p:txBody>
       </p:sp>
@@ -26999,11 +27529,16 @@
           </p:cNvGraphicFramePr>
           <p:nvPr>
             <p:ph idx="1"/>
+            <p:extLst>
+              <p:ext uri="{D42A27DB-BD31-4B8C-83A1-F6EECF244321}">
+                <p14:modId xmlns:p14="http://schemas.microsoft.com/office/powerpoint/2010/main" val="3866200824"/>
+              </p:ext>
+            </p:extLst>
           </p:nvPr>
         </p:nvGraphicFramePr>
         <p:xfrm>
-          <a:off x="1136397" y="2003898"/>
-          <a:ext cx="9688296" cy="4056435"/>
+          <a:off x="1136397" y="1663430"/>
+          <a:ext cx="9688296" cy="4555743"/>
         </p:xfrm>
         <a:graphic>
           <a:graphicData uri="http://schemas.openxmlformats.org/drawingml/2006/diagram">
@@ -27019,7 +27554,7 @@
                 <a16:creationId xmlns:a16="http://schemas.microsoft.com/office/drawing/2014/main" id="{EEBF1590-3B36-48EE-A89D-3B6F3CB256AB}"/>
               </a:ext>
               <a:ext uri="{C183D7F6-B498-43B3-948B-1728B52AA6E4}">
-                <adec:decorative xmlns:adec="http://schemas.microsoft.com/office/drawing/2017/decorative" val="1"/>
+                <adec:decorative xmlns:adec="http://schemas.microsoft.com/office/drawing/2017/decorative" xmlns="" val="1"/>
               </a:ext>
             </a:extLst>
           </p:cNvPr>
@@ -27090,7 +27625,7 @@
                 <a16:creationId xmlns:a16="http://schemas.microsoft.com/office/drawing/2014/main" id="{AC8F6C8C-AB5A-4548-942D-E3FD40ACBC49}"/>
               </a:ext>
               <a:ext uri="{C183D7F6-B498-43B3-948B-1728B52AA6E4}">
-                <adec:decorative xmlns:adec="http://schemas.microsoft.com/office/drawing/2017/decorative" val="1"/>
+                <adec:decorative xmlns:adec="http://schemas.microsoft.com/office/drawing/2017/decorative" xmlns="" val="1"/>
               </a:ext>
             </a:extLst>
           </p:cNvPr>
